--- a/PowerPointFinalCurso.pptx
+++ b/PowerPointFinalCurso.pptx
@@ -10,13 +10,10 @@
     <p:sldId id="259" r:id="rId4"/>
     <p:sldId id="257" r:id="rId5"/>
     <p:sldId id="260" r:id="rId6"/>
-    <p:sldId id="261" r:id="rId7"/>
-    <p:sldId id="262" r:id="rId8"/>
-    <p:sldId id="263" r:id="rId9"/>
-    <p:sldId id="264" r:id="rId10"/>
-    <p:sldId id="265" r:id="rId11"/>
-    <p:sldId id="266" r:id="rId12"/>
-    <p:sldId id="267" r:id="rId13"/>
+    <p:sldId id="267" r:id="rId7"/>
+    <p:sldId id="264" r:id="rId8"/>
+    <p:sldId id="265" r:id="rId9"/>
+    <p:sldId id="266" r:id="rId10"/>
   </p:sldIdLst>
   <p:sldSz cx="12192000" cy="6858000"/>
   <p:notesSz cx="6858000" cy="9144000"/>
@@ -2451,15 +2448,7 @@
         <a:p>
           <a:r>
             <a:rPr lang="en-US" dirty="0"/>
-            <a:t>Cambio </a:t>
-          </a:r>
-          <a:r>
-            <a:rPr lang="en-US" dirty="0" err="1"/>
-            <a:t>en</a:t>
-          </a:r>
-          <a:r>
-            <a:rPr lang="en-US" dirty="0"/>
-            <a:t> la </a:t>
+            <a:t>Cambio en la </a:t>
           </a:r>
           <a:r>
             <a:rPr lang="en-US" dirty="0" err="1"/>
@@ -4344,15 +4333,7 @@
           </a:pPr>
           <a:r>
             <a:rPr lang="en-US" sz="1500" kern="1200" dirty="0"/>
-            <a:t>Cambio </a:t>
-          </a:r>
-          <a:r>
-            <a:rPr lang="en-US" sz="1500" kern="1200" dirty="0" err="1"/>
-            <a:t>en</a:t>
-          </a:r>
-          <a:r>
-            <a:rPr lang="en-US" sz="1500" kern="1200" dirty="0"/>
-            <a:t> la </a:t>
+            <a:t>Cambio en la </a:t>
           </a:r>
           <a:r>
             <a:rPr lang="en-US" sz="1500" kern="1200" dirty="0" err="1"/>
@@ -7581,7 +7562,7 @@
           <a:p>
             <a:fld id="{0DAF61AA-5A98-4049-A93E-477E5505141A}" type="datetimeFigureOut">
               <a:rPr lang="en-US" smtClean="0"/>
-              <a:t>5/28/2024</a:t>
+              <a:t>6/13/2024</a:t>
             </a:fld>
             <a:endParaRPr lang="en-US" dirty="0"/>
           </a:p>
@@ -7779,7 +7760,7 @@
           <a:p>
             <a:fld id="{0DAF61AA-5A98-4049-A93E-477E5505141A}" type="datetimeFigureOut">
               <a:rPr lang="en-US" smtClean="0"/>
-              <a:t>5/28/2024</a:t>
+              <a:t>6/13/2024</a:t>
             </a:fld>
             <a:endParaRPr lang="en-US"/>
           </a:p>
@@ -7987,7 +7968,7 @@
           <a:p>
             <a:fld id="{0DAF61AA-5A98-4049-A93E-477E5505141A}" type="datetimeFigureOut">
               <a:rPr lang="en-US" smtClean="0"/>
-              <a:t>5/28/2024</a:t>
+              <a:t>6/13/2024</a:t>
             </a:fld>
             <a:endParaRPr lang="en-US"/>
           </a:p>
@@ -8185,7 +8166,7 @@
           <a:p>
             <a:fld id="{0DAF61AA-5A98-4049-A93E-477E5505141A}" type="datetimeFigureOut">
               <a:rPr lang="en-US" smtClean="0"/>
-              <a:t>5/28/2024</a:t>
+              <a:t>6/13/2024</a:t>
             </a:fld>
             <a:endParaRPr lang="en-US"/>
           </a:p>
@@ -8460,7 +8441,7 @@
           <a:p>
             <a:fld id="{0DAF61AA-5A98-4049-A93E-477E5505141A}" type="datetimeFigureOut">
               <a:rPr lang="en-US" smtClean="0"/>
-              <a:t>5/28/2024</a:t>
+              <a:t>6/13/2024</a:t>
             </a:fld>
             <a:endParaRPr lang="en-US"/>
           </a:p>
@@ -8725,7 +8706,7 @@
           <a:p>
             <a:fld id="{0DAF61AA-5A98-4049-A93E-477E5505141A}" type="datetimeFigureOut">
               <a:rPr lang="en-US" smtClean="0"/>
-              <a:t>5/28/2024</a:t>
+              <a:t>6/13/2024</a:t>
             </a:fld>
             <a:endParaRPr lang="en-US"/>
           </a:p>
@@ -9137,7 +9118,7 @@
           <a:p>
             <a:fld id="{0DAF61AA-5A98-4049-A93E-477E5505141A}" type="datetimeFigureOut">
               <a:rPr lang="en-US" smtClean="0"/>
-              <a:t>5/28/2024</a:t>
+              <a:t>6/13/2024</a:t>
             </a:fld>
             <a:endParaRPr lang="en-US"/>
           </a:p>
@@ -9278,7 +9259,7 @@
           <a:p>
             <a:fld id="{0DAF61AA-5A98-4049-A93E-477E5505141A}" type="datetimeFigureOut">
               <a:rPr lang="en-US" smtClean="0"/>
-              <a:t>5/28/2024</a:t>
+              <a:t>6/13/2024</a:t>
             </a:fld>
             <a:endParaRPr lang="en-US"/>
           </a:p>
@@ -9391,7 +9372,7 @@
           <a:p>
             <a:fld id="{0DAF61AA-5A98-4049-A93E-477E5505141A}" type="datetimeFigureOut">
               <a:rPr lang="en-US" smtClean="0"/>
-              <a:t>5/28/2024</a:t>
+              <a:t>6/13/2024</a:t>
             </a:fld>
             <a:endParaRPr lang="en-US"/>
           </a:p>
@@ -9702,7 +9683,7 @@
           <a:p>
             <a:fld id="{0DAF61AA-5A98-4049-A93E-477E5505141A}" type="datetimeFigureOut">
               <a:rPr lang="en-US" smtClean="0"/>
-              <a:t>5/28/2024</a:t>
+              <a:t>6/13/2024</a:t>
             </a:fld>
             <a:endParaRPr lang="en-US"/>
           </a:p>
@@ -9993,7 +9974,7 @@
           <a:p>
             <a:fld id="{0DAF61AA-5A98-4049-A93E-477E5505141A}" type="datetimeFigureOut">
               <a:rPr lang="en-US" smtClean="0"/>
-              <a:t>5/28/2024</a:t>
+              <a:t>6/13/2024</a:t>
             </a:fld>
             <a:endParaRPr lang="en-US"/>
           </a:p>
@@ -13681,7 +13662,7 @@
             <a:fld id="{0DAF61AA-5A98-4049-A93E-477E5505141A}" type="datetimeFigureOut">
               <a:rPr lang="en-US" smtClean="0"/>
               <a:pPr/>
-              <a:t>5/28/2024</a:t>
+              <a:t>6/13/2024</a:t>
             </a:fld>
             <a:endParaRPr lang="en-US" dirty="0"/>
           </a:p>
@@ -17911,262 +17892,6 @@
     <p:extLst>
       <p:ext uri="{BB962C8B-B14F-4D97-AF65-F5344CB8AC3E}">
         <p14:creationId xmlns:p14="http://schemas.microsoft.com/office/powerpoint/2010/main" val="825156460"/>
-      </p:ext>
-    </p:extLst>
-  </p:cSld>
-  <p:clrMapOvr>
-    <a:masterClrMapping/>
-  </p:clrMapOvr>
-</p:sld>
-</file>
-
-<file path=ppt/slides/slide10.xml><?xml version="1.0" encoding="utf-8"?>
-<p:sld xmlns:a="http://schemas.openxmlformats.org/drawingml/2006/main" xmlns:r="http://schemas.openxmlformats.org/officeDocument/2006/relationships" xmlns:p="http://schemas.openxmlformats.org/presentationml/2006/main">
-  <p:cSld>
-    <p:spTree>
-      <p:nvGrpSpPr>
-        <p:cNvPr id="1" name=""/>
-        <p:cNvGrpSpPr/>
-        <p:nvPr/>
-      </p:nvGrpSpPr>
-      <p:grpSpPr>
-        <a:xfrm>
-          <a:off x="0" y="0"/>
-          <a:ext cx="0" cy="0"/>
-          <a:chOff x="0" y="0"/>
-          <a:chExt cx="0" cy="0"/>
-        </a:xfrm>
-      </p:grpSpPr>
-      <p:sp>
-        <p:nvSpPr>
-          <p:cNvPr id="2" name="Título 1">
-            <a:extLst>
-              <a:ext uri="{FF2B5EF4-FFF2-40B4-BE49-F238E27FC236}">
-                <a16:creationId xmlns:a16="http://schemas.microsoft.com/office/drawing/2014/main" id="{A90F7858-93A1-D305-503D-585DDE0DA9F9}"/>
-              </a:ext>
-            </a:extLst>
-          </p:cNvPr>
-          <p:cNvSpPr>
-            <a:spLocks noGrp="1"/>
-          </p:cNvSpPr>
-          <p:nvPr>
-            <p:ph type="title"/>
-          </p:nvPr>
-        </p:nvSpPr>
-        <p:spPr/>
-        <p:txBody>
-          <a:bodyPr/>
-          <a:lstStyle/>
-          <a:p>
-            <a:r>
-              <a:rPr lang="es-ES"/>
-              <a:t>Organización temporal del proyecto.</a:t>
-            </a:r>
-            <a:endParaRPr lang="es-ES" dirty="0"/>
-          </a:p>
-        </p:txBody>
-      </p:sp>
-      <p:graphicFrame>
-        <p:nvGraphicFramePr>
-          <p:cNvPr id="10" name="Marcador de contenido 7">
-            <a:extLst>
-              <a:ext uri="{FF2B5EF4-FFF2-40B4-BE49-F238E27FC236}">
-                <a16:creationId xmlns:a16="http://schemas.microsoft.com/office/drawing/2014/main" id="{8AE4FA64-BE9F-DA78-3B13-1B215A84BD9A}"/>
-              </a:ext>
-            </a:extLst>
-          </p:cNvPr>
-          <p:cNvGraphicFramePr>
-            <a:graphicFrameLocks noGrp="1"/>
-          </p:cNvGraphicFramePr>
-          <p:nvPr>
-            <p:ph idx="1"/>
-            <p:extLst>
-              <p:ext uri="{D42A27DB-BD31-4B8C-83A1-F6EECF244321}">
-                <p14:modId xmlns:p14="http://schemas.microsoft.com/office/powerpoint/2010/main" val="1827217355"/>
-              </p:ext>
-            </p:extLst>
-          </p:nvPr>
-        </p:nvGraphicFramePr>
-        <p:xfrm>
-          <a:off x="838200" y="1825625"/>
-          <a:ext cx="10515600" cy="4351338"/>
-        </p:xfrm>
-        <a:graphic>
-          <a:graphicData uri="http://schemas.openxmlformats.org/drawingml/2006/diagram">
-            <dgm:relIds xmlns:dgm="http://schemas.openxmlformats.org/drawingml/2006/diagram" xmlns:r="http://schemas.openxmlformats.org/officeDocument/2006/relationships" r:dm="rId2" r:lo="rId3" r:qs="rId4" r:cs="rId5"/>
-          </a:graphicData>
-        </a:graphic>
-      </p:graphicFrame>
-    </p:spTree>
-    <p:extLst>
-      <p:ext uri="{BB962C8B-B14F-4D97-AF65-F5344CB8AC3E}">
-        <p14:creationId xmlns:p14="http://schemas.microsoft.com/office/powerpoint/2010/main" val="2273736533"/>
-      </p:ext>
-    </p:extLst>
-  </p:cSld>
-  <p:clrMapOvr>
-    <a:masterClrMapping/>
-  </p:clrMapOvr>
-</p:sld>
-</file>
-
-<file path=ppt/slides/slide11.xml><?xml version="1.0" encoding="utf-8"?>
-<p:sld xmlns:a="http://schemas.openxmlformats.org/drawingml/2006/main" xmlns:r="http://schemas.openxmlformats.org/officeDocument/2006/relationships" xmlns:p="http://schemas.openxmlformats.org/presentationml/2006/main">
-  <p:cSld>
-    <p:spTree>
-      <p:nvGrpSpPr>
-        <p:cNvPr id="1" name=""/>
-        <p:cNvGrpSpPr/>
-        <p:nvPr/>
-      </p:nvGrpSpPr>
-      <p:grpSpPr>
-        <a:xfrm>
-          <a:off x="0" y="0"/>
-          <a:ext cx="0" cy="0"/>
-          <a:chOff x="0" y="0"/>
-          <a:chExt cx="0" cy="0"/>
-        </a:xfrm>
-      </p:grpSpPr>
-      <p:sp>
-        <p:nvSpPr>
-          <p:cNvPr id="2" name="Título 1">
-            <a:extLst>
-              <a:ext uri="{FF2B5EF4-FFF2-40B4-BE49-F238E27FC236}">
-                <a16:creationId xmlns:a16="http://schemas.microsoft.com/office/drawing/2014/main" id="{F584598D-CA49-B17D-5D35-7B42C868BE9E}"/>
-              </a:ext>
-            </a:extLst>
-          </p:cNvPr>
-          <p:cNvSpPr>
-            <a:spLocks noGrp="1"/>
-          </p:cNvSpPr>
-          <p:nvPr>
-            <p:ph type="title"/>
-          </p:nvPr>
-        </p:nvSpPr>
-        <p:spPr/>
-        <p:txBody>
-          <a:bodyPr/>
-          <a:lstStyle/>
-          <a:p>
-            <a:r>
-              <a:rPr lang="es-ES" dirty="0"/>
-              <a:t>Posibilidades de ampliación</a:t>
-            </a:r>
-          </a:p>
-        </p:txBody>
-      </p:sp>
-      <p:sp>
-        <p:nvSpPr>
-          <p:cNvPr id="3" name="Marcador de contenido 2">
-            <a:extLst>
-              <a:ext uri="{FF2B5EF4-FFF2-40B4-BE49-F238E27FC236}">
-                <a16:creationId xmlns:a16="http://schemas.microsoft.com/office/drawing/2014/main" id="{B683210C-BAAD-CFB4-CB4A-73FCC735AD70}"/>
-              </a:ext>
-            </a:extLst>
-          </p:cNvPr>
-          <p:cNvSpPr>
-            <a:spLocks noGrp="1"/>
-          </p:cNvSpPr>
-          <p:nvPr>
-            <p:ph idx="1"/>
-          </p:nvPr>
-        </p:nvSpPr>
-        <p:spPr/>
-        <p:txBody>
-          <a:bodyPr/>
-          <a:lstStyle/>
-          <a:p>
-            <a:endParaRPr lang="es-ES"/>
-          </a:p>
-        </p:txBody>
-      </p:sp>
-    </p:spTree>
-    <p:extLst>
-      <p:ext uri="{BB962C8B-B14F-4D97-AF65-F5344CB8AC3E}">
-        <p14:creationId xmlns:p14="http://schemas.microsoft.com/office/powerpoint/2010/main" val="931273949"/>
-      </p:ext>
-    </p:extLst>
-  </p:cSld>
-  <p:clrMapOvr>
-    <a:masterClrMapping/>
-  </p:clrMapOvr>
-</p:sld>
-</file>
-
-<file path=ppt/slides/slide12.xml><?xml version="1.0" encoding="utf-8"?>
-<p:sld xmlns:a="http://schemas.openxmlformats.org/drawingml/2006/main" xmlns:r="http://schemas.openxmlformats.org/officeDocument/2006/relationships" xmlns:p="http://schemas.openxmlformats.org/presentationml/2006/main">
-  <p:cSld>
-    <p:spTree>
-      <p:nvGrpSpPr>
-        <p:cNvPr id="1" name=""/>
-        <p:cNvGrpSpPr/>
-        <p:nvPr/>
-      </p:nvGrpSpPr>
-      <p:grpSpPr>
-        <a:xfrm>
-          <a:off x="0" y="0"/>
-          <a:ext cx="0" cy="0"/>
-          <a:chOff x="0" y="0"/>
-          <a:chExt cx="0" cy="0"/>
-        </a:xfrm>
-      </p:grpSpPr>
-      <p:sp>
-        <p:nvSpPr>
-          <p:cNvPr id="2" name="Título 1">
-            <a:extLst>
-              <a:ext uri="{FF2B5EF4-FFF2-40B4-BE49-F238E27FC236}">
-                <a16:creationId xmlns:a16="http://schemas.microsoft.com/office/drawing/2014/main" id="{18259467-C6A9-F239-D24E-F705BD8B4A05}"/>
-              </a:ext>
-            </a:extLst>
-          </p:cNvPr>
-          <p:cNvSpPr>
-            <a:spLocks noGrp="1"/>
-          </p:cNvSpPr>
-          <p:nvPr>
-            <p:ph type="title"/>
-          </p:nvPr>
-        </p:nvSpPr>
-        <p:spPr/>
-        <p:txBody>
-          <a:bodyPr/>
-          <a:lstStyle/>
-          <a:p>
-            <a:r>
-              <a:rPr lang="es-ES" dirty="0"/>
-              <a:t>Mierdas de empresa:</a:t>
-            </a:r>
-          </a:p>
-        </p:txBody>
-      </p:sp>
-      <p:sp>
-        <p:nvSpPr>
-          <p:cNvPr id="3" name="Marcador de contenido 2">
-            <a:extLst>
-              <a:ext uri="{FF2B5EF4-FFF2-40B4-BE49-F238E27FC236}">
-                <a16:creationId xmlns:a16="http://schemas.microsoft.com/office/drawing/2014/main" id="{2C8DBC59-AC89-65A1-71E8-03C51FA4A1C8}"/>
-              </a:ext>
-            </a:extLst>
-          </p:cNvPr>
-          <p:cNvSpPr>
-            <a:spLocks noGrp="1"/>
-          </p:cNvSpPr>
-          <p:nvPr>
-            <p:ph idx="1"/>
-          </p:nvPr>
-        </p:nvSpPr>
-        <p:spPr/>
-        <p:txBody>
-          <a:bodyPr/>
-          <a:lstStyle/>
-          <a:p>
-            <a:endParaRPr lang="es-ES"/>
-          </a:p>
-        </p:txBody>
-      </p:sp>
-    </p:spTree>
-    <p:extLst>
-      <p:ext uri="{BB962C8B-B14F-4D97-AF65-F5344CB8AC3E}">
-        <p14:creationId xmlns:p14="http://schemas.microsoft.com/office/powerpoint/2010/main" val="1957738230"/>
       </p:ext>
     </p:extLst>
   </p:cSld>
@@ -26823,17 +26548,6 @@
           <a:p>
             <a:pPr algn="ctr"/>
             <a:r>
-              <a:rPr lang="en-US" sz="6600" kern="1200" dirty="0" err="1">
-                <a:solidFill>
-                  <a:srgbClr val="FFFFFF"/>
-                </a:solidFill>
-                <a:latin typeface="+mj-lt"/>
-                <a:ea typeface="+mj-ea"/>
-                <a:cs typeface="+mj-cs"/>
-              </a:rPr>
-              <a:t>Puesta</a:t>
-            </a:r>
-            <a:r>
               <a:rPr lang="en-US" sz="6600" kern="1200" dirty="0">
                 <a:solidFill>
                   <a:srgbClr val="FFFFFF"/>
@@ -26842,51 +26556,7 @@
                 <a:ea typeface="+mj-ea"/>
                 <a:cs typeface="+mj-cs"/>
               </a:rPr>
-              <a:t> </a:t>
-            </a:r>
-            <a:r>
-              <a:rPr lang="en-US" sz="6600" kern="1200" dirty="0" err="1">
-                <a:solidFill>
-                  <a:srgbClr val="FFFFFF"/>
-                </a:solidFill>
-                <a:latin typeface="+mj-lt"/>
-                <a:ea typeface="+mj-ea"/>
-                <a:cs typeface="+mj-cs"/>
-              </a:rPr>
-              <a:t>en</a:t>
-            </a:r>
-            <a:r>
-              <a:rPr lang="en-US" sz="6600" kern="1200" dirty="0">
-                <a:solidFill>
-                  <a:srgbClr val="FFFFFF"/>
-                </a:solidFill>
-                <a:latin typeface="+mj-lt"/>
-                <a:ea typeface="+mj-ea"/>
-                <a:cs typeface="+mj-cs"/>
-              </a:rPr>
-              <a:t> </a:t>
-            </a:r>
-            <a:r>
-              <a:rPr lang="en-US" sz="6600" kern="1200" dirty="0" err="1">
-                <a:solidFill>
-                  <a:srgbClr val="FFFFFF"/>
-                </a:solidFill>
-                <a:latin typeface="+mj-lt"/>
-                <a:ea typeface="+mj-ea"/>
-                <a:cs typeface="+mj-cs"/>
-              </a:rPr>
-              <a:t>escena</a:t>
-            </a:r>
-            <a:r>
-              <a:rPr lang="en-US" sz="6600" kern="1200" dirty="0">
-                <a:solidFill>
-                  <a:srgbClr val="FFFFFF"/>
-                </a:solidFill>
-                <a:latin typeface="+mj-lt"/>
-                <a:ea typeface="+mj-ea"/>
-                <a:cs typeface="+mj-cs"/>
-              </a:rPr>
-              <a:t>:</a:t>
+              <a:t>Puesta en escena:</a:t>
             </a:r>
           </a:p>
         </p:txBody>
@@ -32493,7 +32163,7 @@
           <p:cNvPr id="2" name="Título 1">
             <a:extLst>
               <a:ext uri="{FF2B5EF4-FFF2-40B4-BE49-F238E27FC236}">
-                <a16:creationId xmlns:a16="http://schemas.microsoft.com/office/drawing/2014/main" id="{DE0AAE13-97F1-5509-39BD-5B4F4E80C966}"/>
+                <a16:creationId xmlns:a16="http://schemas.microsoft.com/office/drawing/2014/main" id="{C72A55CD-12BA-0AB3-B510-38E673228BA9}"/>
               </a:ext>
             </a:extLst>
           </p:cNvPr>
@@ -32511,7 +32181,7 @@
           <a:p>
             <a:r>
               <a:rPr lang="es-ES" dirty="0"/>
-              <a:t>Diagrama de casos de uso:</a:t>
+              <a:t>Dependencias utilizadas:</a:t>
             </a:r>
           </a:p>
         </p:txBody>
@@ -32521,7 +32191,7 @@
           <p:cNvPr id="3" name="Marcador de contenido 2">
             <a:extLst>
               <a:ext uri="{FF2B5EF4-FFF2-40B4-BE49-F238E27FC236}">
-                <a16:creationId xmlns:a16="http://schemas.microsoft.com/office/drawing/2014/main" id="{E1E7FBDF-EC7A-7C14-BC42-0BB3805F1739}"/>
+                <a16:creationId xmlns:a16="http://schemas.microsoft.com/office/drawing/2014/main" id="{7238B0F5-06FC-07FE-1810-C504BA943C41}"/>
               </a:ext>
             </a:extLst>
           </p:cNvPr>
@@ -32537,14 +32207,57 @@
           <a:bodyPr/>
           <a:lstStyle/>
           <a:p>
-            <a:endParaRPr lang="es-ES"/>
+            <a:r>
+              <a:rPr lang="es-ES" dirty="0"/>
+              <a:t>Spring Data JPA.</a:t>
+            </a:r>
+          </a:p>
+          <a:p>
+            <a:r>
+              <a:rPr lang="es-ES" dirty="0"/>
+              <a:t>Thymeleaf.</a:t>
+            </a:r>
+          </a:p>
+          <a:p>
+            <a:r>
+              <a:rPr lang="es-ES" dirty="0"/>
+              <a:t>Spring Starter Web.</a:t>
+            </a:r>
+          </a:p>
+          <a:p>
+            <a:r>
+              <a:rPr lang="es-ES" dirty="0"/>
+              <a:t>Spring Test.</a:t>
+            </a:r>
+          </a:p>
+          <a:p>
+            <a:r>
+              <a:rPr lang="es-ES" dirty="0"/>
+              <a:t>Spring Mail + OGNL.</a:t>
+            </a:r>
+          </a:p>
+          <a:p>
+            <a:r>
+              <a:rPr lang="es-ES" dirty="0"/>
+              <a:t>Spring Security + Extras Spring Security 6 + Spring Validation.</a:t>
+            </a:r>
+          </a:p>
+          <a:p>
+            <a:r>
+              <a:rPr lang="es-ES" dirty="0" err="1"/>
+              <a:t>PostgresSQL</a:t>
+            </a:r>
+            <a:r>
+              <a:rPr lang="es-ES" dirty="0"/>
+              <a:t>.</a:t>
+            </a:r>
           </a:p>
         </p:txBody>
       </p:sp>
     </p:spTree>
     <p:extLst>
       <p:ext uri="{BB962C8B-B14F-4D97-AF65-F5344CB8AC3E}">
-        <p14:creationId xmlns:p14="http://schemas.microsoft.com/office/powerpoint/2010/main" val="944023262"/>
+        <p14:creationId xmlns:p14="http://schemas.microsoft.com/office/powerpoint/2010/main" val="3248369214"/>
       </p:ext>
     </p:extLst>
   </p:cSld>
@@ -32555,7751 +32268,6 @@
 </file>
 
 <file path=ppt/slides/slide7.xml><?xml version="1.0" encoding="utf-8"?>
-<p:sld xmlns:a="http://schemas.openxmlformats.org/drawingml/2006/main" xmlns:r="http://schemas.openxmlformats.org/officeDocument/2006/relationships" xmlns:p="http://schemas.openxmlformats.org/presentationml/2006/main">
-  <p:cSld>
-    <p:bg>
-      <p:bgPr>
-        <a:solidFill>
-          <a:schemeClr val="bg1"/>
-        </a:solidFill>
-        <a:effectLst/>
-      </p:bgPr>
-    </p:bg>
-    <p:spTree>
-      <p:nvGrpSpPr>
-        <p:cNvPr id="1" name=""/>
-        <p:cNvGrpSpPr/>
-        <p:nvPr/>
-      </p:nvGrpSpPr>
-      <p:grpSpPr>
-        <a:xfrm>
-          <a:off x="0" y="0"/>
-          <a:ext cx="0" cy="0"/>
-          <a:chOff x="0" y="0"/>
-          <a:chExt cx="0" cy="0"/>
-        </a:xfrm>
-      </p:grpSpPr>
-      <p:sp>
-        <p:nvSpPr>
-          <p:cNvPr id="10" name="Rectangle 9">
-            <a:extLst>
-              <a:ext uri="{FF2B5EF4-FFF2-40B4-BE49-F238E27FC236}">
-                <a16:creationId xmlns:a16="http://schemas.microsoft.com/office/drawing/2014/main" id="{247A131F-D5DE-41A5-B4CF-4F345319B40B}"/>
-              </a:ext>
-              <a:ext uri="{C183D7F6-B498-43B3-948B-1728B52AA6E4}">
-                <adec:decorative xmlns:adec="http://schemas.microsoft.com/office/drawing/2017/decorative" val="1"/>
-              </a:ext>
-            </a:extLst>
-          </p:cNvPr>
-          <p:cNvSpPr>
-            <a:spLocks noGrp="1" noRot="1" noChangeAspect="1" noMove="1" noResize="1" noEditPoints="1" noAdjustHandles="1" noChangeArrowheads="1" noChangeShapeType="1" noTextEdit="1"/>
-          </p:cNvSpPr>
-          <p:nvPr>
-            <p:extLst>
-              <p:ext uri="{386F3935-93C4-4BCD-93E2-E3B085C9AB24}">
-                <p16:designElem xmlns:p16="http://schemas.microsoft.com/office/powerpoint/2015/main" val="1"/>
-              </p:ext>
-            </p:extLst>
-          </p:nvPr>
-        </p:nvSpPr>
-        <p:spPr>
-          <a:xfrm>
-            <a:off x="0" y="0"/>
-            <a:ext cx="12188952" cy="6858000"/>
-          </a:xfrm>
-          <a:prstGeom prst="rect">
-            <a:avLst/>
-          </a:prstGeom>
-          <a:solidFill>
-            <a:schemeClr val="bg2"/>
-          </a:solidFill>
-          <a:ln>
-            <a:solidFill>
-              <a:schemeClr val="bg1">
-                <a:lumMod val="95000"/>
-              </a:schemeClr>
-            </a:solidFill>
-          </a:ln>
-        </p:spPr>
-        <p:style>
-          <a:lnRef idx="2">
-            <a:schemeClr val="accent1">
-              <a:shade val="50000"/>
-            </a:schemeClr>
-          </a:lnRef>
-          <a:fillRef idx="1">
-            <a:schemeClr val="accent1"/>
-          </a:fillRef>
-          <a:effectRef idx="0">
-            <a:schemeClr val="accent1"/>
-          </a:effectRef>
-          <a:fontRef idx="minor">
-            <a:schemeClr val="lt1"/>
-          </a:fontRef>
-        </p:style>
-        <p:txBody>
-          <a:bodyPr rtlCol="0" anchor="ctr"/>
-          <a:lstStyle/>
-          <a:p>
-            <a:pPr algn="ctr"/>
-            <a:endParaRPr lang="en-US" dirty="0">
-              <a:solidFill>
-                <a:schemeClr val="tx1">
-                  <a:lumMod val="65000"/>
-                  <a:lumOff val="35000"/>
-                </a:schemeClr>
-              </a:solidFill>
-              <a:latin typeface="AvenirNext LT Pro Medium" panose="020B0504020202020204" pitchFamily="34" charset="0"/>
-            </a:endParaRPr>
-          </a:p>
-        </p:txBody>
-      </p:sp>
-      <p:sp>
-        <p:nvSpPr>
-          <p:cNvPr id="39" name="Freeform: Shape 11">
-            <a:extLst>
-              <a:ext uri="{FF2B5EF4-FFF2-40B4-BE49-F238E27FC236}">
-                <a16:creationId xmlns:a16="http://schemas.microsoft.com/office/drawing/2014/main" id="{3AF4666D-BD98-40A5-A75F-478B982010B2}"/>
-              </a:ext>
-              <a:ext uri="{C183D7F6-B498-43B3-948B-1728B52AA6E4}">
-                <adec:decorative xmlns:adec="http://schemas.microsoft.com/office/drawing/2017/decorative" val="1"/>
-              </a:ext>
-            </a:extLst>
-          </p:cNvPr>
-          <p:cNvSpPr>
-            <a:spLocks noGrp="1" noRot="1" noChangeAspect="1" noMove="1" noResize="1" noEditPoints="1" noAdjustHandles="1" noChangeArrowheads="1" noChangeShapeType="1" noTextEdit="1"/>
-          </p:cNvSpPr>
-          <p:nvPr>
-            <p:extLst>
-              <p:ext uri="{386F3935-93C4-4BCD-93E2-E3B085C9AB24}">
-                <p16:designElem xmlns:p16="http://schemas.microsoft.com/office/powerpoint/2015/main" val="1"/>
-              </p:ext>
-            </p:extLst>
-          </p:nvPr>
-        </p:nvSpPr>
-        <p:spPr>
-          <a:xfrm rot="10800000">
-            <a:off x="692844" y="-3086"/>
-            <a:ext cx="1326111" cy="597603"/>
-          </a:xfrm>
-          <a:custGeom>
-            <a:avLst/>
-            <a:gdLst>
-              <a:gd name="connsiteX0" fmla="*/ 741051 w 1482102"/>
-              <a:gd name="connsiteY0" fmla="*/ 0 h 679363"/>
-              <a:gd name="connsiteX1" fmla="*/ 1473822 w 1482102"/>
-              <a:gd name="connsiteY1" fmla="*/ 597226 h 679363"/>
-              <a:gd name="connsiteX2" fmla="*/ 1482102 w 1482102"/>
-              <a:gd name="connsiteY2" fmla="*/ 679363 h 679363"/>
-              <a:gd name="connsiteX3" fmla="*/ 0 w 1482102"/>
-              <a:gd name="connsiteY3" fmla="*/ 679363 h 679363"/>
-              <a:gd name="connsiteX4" fmla="*/ 8280 w 1482102"/>
-              <a:gd name="connsiteY4" fmla="*/ 597226 h 679363"/>
-              <a:gd name="connsiteX5" fmla="*/ 741051 w 1482102"/>
-              <a:gd name="connsiteY5" fmla="*/ 0 h 679363"/>
-            </a:gdLst>
-            <a:ahLst/>
-            <a:cxnLst>
-              <a:cxn ang="0">
-                <a:pos x="connsiteX0" y="connsiteY0"/>
-              </a:cxn>
-              <a:cxn ang="0">
-                <a:pos x="connsiteX1" y="connsiteY1"/>
-              </a:cxn>
-              <a:cxn ang="0">
-                <a:pos x="connsiteX2" y="connsiteY2"/>
-              </a:cxn>
-              <a:cxn ang="0">
-                <a:pos x="connsiteX3" y="connsiteY3"/>
-              </a:cxn>
-              <a:cxn ang="0">
-                <a:pos x="connsiteX4" y="connsiteY4"/>
-              </a:cxn>
-              <a:cxn ang="0">
-                <a:pos x="connsiteX5" y="connsiteY5"/>
-              </a:cxn>
-            </a:cxnLst>
-            <a:rect l="l" t="t" r="r" b="b"/>
-            <a:pathLst>
-              <a:path w="1482102" h="679363">
-                <a:moveTo>
-                  <a:pt x="741051" y="0"/>
-                </a:moveTo>
-                <a:cubicBezTo>
-                  <a:pt x="1102506" y="0"/>
-                  <a:pt x="1404077" y="256390"/>
-                  <a:pt x="1473822" y="597226"/>
-                </a:cubicBezTo>
-                <a:lnTo>
-                  <a:pt x="1482102" y="679363"/>
-                </a:lnTo>
-                <a:lnTo>
-                  <a:pt x="0" y="679363"/>
-                </a:lnTo>
-                <a:lnTo>
-                  <a:pt x="8280" y="597226"/>
-                </a:lnTo>
-                <a:cubicBezTo>
-                  <a:pt x="78025" y="256390"/>
-                  <a:pt x="379596" y="0"/>
-                  <a:pt x="741051" y="0"/>
-                </a:cubicBezTo>
-                <a:close/>
-              </a:path>
-            </a:pathLst>
-          </a:custGeom>
-          <a:solidFill>
-            <a:schemeClr val="bg1"/>
-          </a:solidFill>
-          <a:ln>
-            <a:noFill/>
-          </a:ln>
-        </p:spPr>
-        <p:style>
-          <a:lnRef idx="2">
-            <a:schemeClr val="accent1">
-              <a:shade val="50000"/>
-            </a:schemeClr>
-          </a:lnRef>
-          <a:fillRef idx="1">
-            <a:schemeClr val="accent1"/>
-          </a:fillRef>
-          <a:effectRef idx="0">
-            <a:schemeClr val="accent1"/>
-          </a:effectRef>
-          <a:fontRef idx="minor">
-            <a:schemeClr val="lt1"/>
-          </a:fontRef>
-        </p:style>
-        <p:txBody>
-          <a:bodyPr wrap="square" rtlCol="0" anchor="ctr">
-            <a:noAutofit/>
-          </a:bodyPr>
-          <a:lstStyle/>
-          <a:p>
-            <a:pPr algn="ctr">
-              <a:spcAft>
-                <a:spcPts val="600"/>
-              </a:spcAft>
-            </a:pPr>
-            <a:r>
-              <a:rPr lang="en-US" dirty="0">
-                <a:solidFill>
-                  <a:schemeClr val="tx1">
-                    <a:lumMod val="65000"/>
-                    <a:lumOff val="35000"/>
-                  </a:schemeClr>
-                </a:solidFill>
-                <a:latin typeface="AvenirNext LT Pro Medium" panose="020B0504020202020204" pitchFamily="34" charset="0"/>
-              </a:rPr>
-              <a:t> </a:t>
-            </a:r>
-          </a:p>
-        </p:txBody>
-      </p:sp>
-      <p:sp>
-        <p:nvSpPr>
-          <p:cNvPr id="51" name="Freeform: Shape 13">
-            <a:extLst>
-              <a:ext uri="{FF2B5EF4-FFF2-40B4-BE49-F238E27FC236}">
-                <a16:creationId xmlns:a16="http://schemas.microsoft.com/office/drawing/2014/main" id="{68680585-71F9-4721-A998-4974171D2EB4}"/>
-              </a:ext>
-              <a:ext uri="{C183D7F6-B498-43B3-948B-1728B52AA6E4}">
-                <adec:decorative xmlns:adec="http://schemas.microsoft.com/office/drawing/2017/decorative" val="1"/>
-              </a:ext>
-            </a:extLst>
-          </p:cNvPr>
-          <p:cNvSpPr>
-            <a:spLocks noGrp="1" noRot="1" noChangeAspect="1" noMove="1" noResize="1" noEditPoints="1" noAdjustHandles="1" noChangeArrowheads="1" noChangeShapeType="1" noTextEdit="1"/>
-          </p:cNvSpPr>
-          <p:nvPr>
-            <p:extLst>
-              <p:ext uri="{386F3935-93C4-4BCD-93E2-E3B085C9AB24}">
-                <p16:designElem xmlns:p16="http://schemas.microsoft.com/office/powerpoint/2015/main" val="1"/>
-              </p:ext>
-            </p:extLst>
-          </p:nvPr>
-        </p:nvSpPr>
-        <p:spPr>
-          <a:xfrm>
-            <a:off x="10439256" y="6172200"/>
-            <a:ext cx="1482102" cy="679363"/>
-          </a:xfrm>
-          <a:custGeom>
-            <a:avLst/>
-            <a:gdLst>
-              <a:gd name="connsiteX0" fmla="*/ 741051 w 1482102"/>
-              <a:gd name="connsiteY0" fmla="*/ 0 h 679363"/>
-              <a:gd name="connsiteX1" fmla="*/ 1473822 w 1482102"/>
-              <a:gd name="connsiteY1" fmla="*/ 597226 h 679363"/>
-              <a:gd name="connsiteX2" fmla="*/ 1482102 w 1482102"/>
-              <a:gd name="connsiteY2" fmla="*/ 679363 h 679363"/>
-              <a:gd name="connsiteX3" fmla="*/ 0 w 1482102"/>
-              <a:gd name="connsiteY3" fmla="*/ 679363 h 679363"/>
-              <a:gd name="connsiteX4" fmla="*/ 8280 w 1482102"/>
-              <a:gd name="connsiteY4" fmla="*/ 597226 h 679363"/>
-              <a:gd name="connsiteX5" fmla="*/ 741051 w 1482102"/>
-              <a:gd name="connsiteY5" fmla="*/ 0 h 679363"/>
-            </a:gdLst>
-            <a:ahLst/>
-            <a:cxnLst>
-              <a:cxn ang="0">
-                <a:pos x="connsiteX0" y="connsiteY0"/>
-              </a:cxn>
-              <a:cxn ang="0">
-                <a:pos x="connsiteX1" y="connsiteY1"/>
-              </a:cxn>
-              <a:cxn ang="0">
-                <a:pos x="connsiteX2" y="connsiteY2"/>
-              </a:cxn>
-              <a:cxn ang="0">
-                <a:pos x="connsiteX3" y="connsiteY3"/>
-              </a:cxn>
-              <a:cxn ang="0">
-                <a:pos x="connsiteX4" y="connsiteY4"/>
-              </a:cxn>
-              <a:cxn ang="0">
-                <a:pos x="connsiteX5" y="connsiteY5"/>
-              </a:cxn>
-            </a:cxnLst>
-            <a:rect l="l" t="t" r="r" b="b"/>
-            <a:pathLst>
-              <a:path w="1482102" h="679363">
-                <a:moveTo>
-                  <a:pt x="741051" y="0"/>
-                </a:moveTo>
-                <a:cubicBezTo>
-                  <a:pt x="1102506" y="0"/>
-                  <a:pt x="1404077" y="256390"/>
-                  <a:pt x="1473822" y="597226"/>
-                </a:cubicBezTo>
-                <a:lnTo>
-                  <a:pt x="1482102" y="679363"/>
-                </a:lnTo>
-                <a:lnTo>
-                  <a:pt x="0" y="679363"/>
-                </a:lnTo>
-                <a:lnTo>
-                  <a:pt x="8280" y="597226"/>
-                </a:lnTo>
-                <a:cubicBezTo>
-                  <a:pt x="78025" y="256390"/>
-                  <a:pt x="379596" y="0"/>
-                  <a:pt x="741051" y="0"/>
-                </a:cubicBezTo>
-                <a:close/>
-              </a:path>
-            </a:pathLst>
-          </a:custGeom>
-          <a:solidFill>
-            <a:schemeClr val="bg1"/>
-          </a:solidFill>
-          <a:ln>
-            <a:noFill/>
-          </a:ln>
-        </p:spPr>
-        <p:style>
-          <a:lnRef idx="2">
-            <a:schemeClr val="accent1">
-              <a:shade val="50000"/>
-            </a:schemeClr>
-          </a:lnRef>
-          <a:fillRef idx="1">
-            <a:schemeClr val="accent1"/>
-          </a:fillRef>
-          <a:effectRef idx="0">
-            <a:schemeClr val="accent1"/>
-          </a:effectRef>
-          <a:fontRef idx="minor">
-            <a:schemeClr val="lt1"/>
-          </a:fontRef>
-        </p:style>
-        <p:txBody>
-          <a:bodyPr wrap="square" rtlCol="0" anchor="ctr">
-            <a:noAutofit/>
-          </a:bodyPr>
-          <a:lstStyle/>
-          <a:p>
-            <a:pPr algn="ctr">
-              <a:spcAft>
-                <a:spcPts val="600"/>
-              </a:spcAft>
-            </a:pPr>
-            <a:r>
-              <a:rPr lang="en-US" dirty="0">
-                <a:solidFill>
-                  <a:schemeClr val="tx1">
-                    <a:lumMod val="65000"/>
-                    <a:lumOff val="35000"/>
-                  </a:schemeClr>
-                </a:solidFill>
-                <a:latin typeface="AvenirNext LT Pro Medium" panose="020B0504020202020204" pitchFamily="34" charset="0"/>
-              </a:rPr>
-              <a:t> </a:t>
-            </a:r>
-          </a:p>
-        </p:txBody>
-      </p:sp>
-      <p:sp>
-        <p:nvSpPr>
-          <p:cNvPr id="61" name="Freeform: Shape 15">
-            <a:extLst>
-              <a:ext uri="{FF2B5EF4-FFF2-40B4-BE49-F238E27FC236}">
-                <a16:creationId xmlns:a16="http://schemas.microsoft.com/office/drawing/2014/main" id="{12BC95C2-2EEC-4F59-ABA8-660B0D059CCF}"/>
-              </a:ext>
-              <a:ext uri="{C183D7F6-B498-43B3-948B-1728B52AA6E4}">
-                <adec:decorative xmlns:adec="http://schemas.microsoft.com/office/drawing/2017/decorative" val="1"/>
-              </a:ext>
-            </a:extLst>
-          </p:cNvPr>
-          <p:cNvSpPr>
-            <a:spLocks noGrp="1" noRot="1" noChangeAspect="1" noMove="1" noResize="1" noEditPoints="1" noAdjustHandles="1" noChangeArrowheads="1" noChangeShapeType="1" noTextEdit="1"/>
-          </p:cNvSpPr>
-          <p:nvPr>
-            <p:extLst>
-              <p:ext uri="{386F3935-93C4-4BCD-93E2-E3B085C9AB24}">
-                <p16:designElem xmlns:p16="http://schemas.microsoft.com/office/powerpoint/2015/main" val="1"/>
-              </p:ext>
-            </p:extLst>
-          </p:nvPr>
-        </p:nvSpPr>
-        <p:spPr>
-          <a:xfrm>
-            <a:off x="7977352" y="5197178"/>
-            <a:ext cx="4211600" cy="1660822"/>
-          </a:xfrm>
-          <a:custGeom>
-            <a:avLst/>
-            <a:gdLst>
-              <a:gd name="connsiteX0" fmla="*/ 4211600 w 4211600"/>
-              <a:gd name="connsiteY0" fmla="*/ 0 h 1660822"/>
-              <a:gd name="connsiteX1" fmla="*/ 4211600 w 4211600"/>
-              <a:gd name="connsiteY1" fmla="*/ 58430 h 1660822"/>
-              <a:gd name="connsiteX2" fmla="*/ 4136524 w 4211600"/>
-              <a:gd name="connsiteY2" fmla="*/ 208808 h 1660822"/>
-              <a:gd name="connsiteX3" fmla="*/ 3973354 w 4211600"/>
-              <a:gd name="connsiteY3" fmla="*/ 437313 h 1660822"/>
-              <a:gd name="connsiteX4" fmla="*/ 3884746 w 4211600"/>
-              <a:gd name="connsiteY4" fmla="*/ 553613 h 1660822"/>
-              <a:gd name="connsiteX5" fmla="*/ 3849435 w 4211600"/>
-              <a:gd name="connsiteY5" fmla="*/ 603143 h 1660822"/>
-              <a:gd name="connsiteX6" fmla="*/ 3661849 w 4211600"/>
-              <a:gd name="connsiteY6" fmla="*/ 819075 h 1660822"/>
-              <a:gd name="connsiteX7" fmla="*/ 3402589 w 4211600"/>
-              <a:gd name="connsiteY7" fmla="*/ 952996 h 1660822"/>
-              <a:gd name="connsiteX8" fmla="*/ 3130202 w 4211600"/>
-              <a:gd name="connsiteY8" fmla="*/ 1023386 h 1660822"/>
-              <a:gd name="connsiteX9" fmla="*/ 2914657 w 4211600"/>
-              <a:gd name="connsiteY9" fmla="*/ 1068058 h 1660822"/>
-              <a:gd name="connsiteX10" fmla="*/ 2582149 w 4211600"/>
-              <a:gd name="connsiteY10" fmla="*/ 1138924 h 1660822"/>
-              <a:gd name="connsiteX11" fmla="*/ 2483958 w 4211600"/>
-              <a:gd name="connsiteY11" fmla="*/ 1162356 h 1660822"/>
-              <a:gd name="connsiteX12" fmla="*/ 2123750 w 4211600"/>
-              <a:gd name="connsiteY12" fmla="*/ 1238651 h 1660822"/>
-              <a:gd name="connsiteX13" fmla="*/ 1761444 w 4211600"/>
-              <a:gd name="connsiteY13" fmla="*/ 1273417 h 1660822"/>
-              <a:gd name="connsiteX14" fmla="*/ 1608382 w 4211600"/>
-              <a:gd name="connsiteY14" fmla="*/ 1284466 h 1660822"/>
-              <a:gd name="connsiteX15" fmla="*/ 999942 w 4211600"/>
-              <a:gd name="connsiteY15" fmla="*/ 1354284 h 1660822"/>
-              <a:gd name="connsiteX16" fmla="*/ 484705 w 4211600"/>
-              <a:gd name="connsiteY16" fmla="*/ 1450487 h 1660822"/>
-              <a:gd name="connsiteX17" fmla="*/ 113310 w 4211600"/>
-              <a:gd name="connsiteY17" fmla="*/ 1613700 h 1660822"/>
-              <a:gd name="connsiteX18" fmla="*/ 39668 w 4211600"/>
-              <a:gd name="connsiteY18" fmla="*/ 1660822 h 1660822"/>
-              <a:gd name="connsiteX19" fmla="*/ 0 w 4211600"/>
-              <a:gd name="connsiteY19" fmla="*/ 1660822 h 1660822"/>
-              <a:gd name="connsiteX20" fmla="*/ 96701 w 4211600"/>
-              <a:gd name="connsiteY20" fmla="*/ 1598934 h 1660822"/>
-              <a:gd name="connsiteX21" fmla="*/ 474335 w 4211600"/>
-              <a:gd name="connsiteY21" fmla="*/ 1433056 h 1660822"/>
-              <a:gd name="connsiteX22" fmla="*/ 994299 w 4211600"/>
-              <a:gd name="connsiteY22" fmla="*/ 1335806 h 1660822"/>
-              <a:gd name="connsiteX23" fmla="*/ 1605231 w 4211600"/>
-              <a:gd name="connsiteY23" fmla="*/ 1265702 h 1660822"/>
-              <a:gd name="connsiteX24" fmla="*/ 1758819 w 4211600"/>
-              <a:gd name="connsiteY24" fmla="*/ 1254558 h 1660822"/>
-              <a:gd name="connsiteX25" fmla="*/ 2118106 w 4211600"/>
-              <a:gd name="connsiteY25" fmla="*/ 1220077 h 1660822"/>
-              <a:gd name="connsiteX26" fmla="*/ 2475557 w 4211600"/>
-              <a:gd name="connsiteY26" fmla="*/ 1144353 h 1660822"/>
-              <a:gd name="connsiteX27" fmla="*/ 2573878 w 4211600"/>
-              <a:gd name="connsiteY27" fmla="*/ 1120827 h 1660822"/>
-              <a:gd name="connsiteX28" fmla="*/ 2907437 w 4211600"/>
-              <a:gd name="connsiteY28" fmla="*/ 1049675 h 1660822"/>
-              <a:gd name="connsiteX29" fmla="*/ 3122589 w 4211600"/>
-              <a:gd name="connsiteY29" fmla="*/ 1005098 h 1660822"/>
-              <a:gd name="connsiteX30" fmla="*/ 3391169 w 4211600"/>
-              <a:gd name="connsiteY30" fmla="*/ 935756 h 1660822"/>
-              <a:gd name="connsiteX31" fmla="*/ 3642290 w 4211600"/>
-              <a:gd name="connsiteY31" fmla="*/ 806216 h 1660822"/>
-              <a:gd name="connsiteX32" fmla="*/ 3825937 w 4211600"/>
-              <a:gd name="connsiteY32" fmla="*/ 594475 h 1660822"/>
-              <a:gd name="connsiteX33" fmla="*/ 3861381 w 4211600"/>
-              <a:gd name="connsiteY33" fmla="*/ 544755 h 1660822"/>
-              <a:gd name="connsiteX34" fmla="*/ 3950381 w 4211600"/>
-              <a:gd name="connsiteY34" fmla="*/ 427978 h 1660822"/>
-              <a:gd name="connsiteX35" fmla="*/ 4112370 w 4211600"/>
-              <a:gd name="connsiteY35" fmla="*/ 201378 h 1660822"/>
-              <a:gd name="connsiteX36" fmla="*/ 4195989 w 4211600"/>
-              <a:gd name="connsiteY36" fmla="*/ 33834 h 1660822"/>
-            </a:gdLst>
-            <a:ahLst/>
-            <a:cxnLst>
-              <a:cxn ang="0">
-                <a:pos x="connsiteX0" y="connsiteY0"/>
-              </a:cxn>
-              <a:cxn ang="0">
-                <a:pos x="connsiteX1" y="connsiteY1"/>
-              </a:cxn>
-              <a:cxn ang="0">
-                <a:pos x="connsiteX2" y="connsiteY2"/>
-              </a:cxn>
-              <a:cxn ang="0">
-                <a:pos x="connsiteX3" y="connsiteY3"/>
-              </a:cxn>
-              <a:cxn ang="0">
-                <a:pos x="connsiteX4" y="connsiteY4"/>
-              </a:cxn>
-              <a:cxn ang="0">
-                <a:pos x="connsiteX5" y="connsiteY5"/>
-              </a:cxn>
-              <a:cxn ang="0">
-                <a:pos x="connsiteX6" y="connsiteY6"/>
-              </a:cxn>
-              <a:cxn ang="0">
-                <a:pos x="connsiteX7" y="connsiteY7"/>
-              </a:cxn>
-              <a:cxn ang="0">
-                <a:pos x="connsiteX8" y="connsiteY8"/>
-              </a:cxn>
-              <a:cxn ang="0">
-                <a:pos x="connsiteX9" y="connsiteY9"/>
-              </a:cxn>
-              <a:cxn ang="0">
-                <a:pos x="connsiteX10" y="connsiteY10"/>
-              </a:cxn>
-              <a:cxn ang="0">
-                <a:pos x="connsiteX11" y="connsiteY11"/>
-              </a:cxn>
-              <a:cxn ang="0">
-                <a:pos x="connsiteX12" y="connsiteY12"/>
-              </a:cxn>
-              <a:cxn ang="0">
-                <a:pos x="connsiteX13" y="connsiteY13"/>
-              </a:cxn>
-              <a:cxn ang="0">
-                <a:pos x="connsiteX14" y="connsiteY14"/>
-              </a:cxn>
-              <a:cxn ang="0">
-                <a:pos x="connsiteX15" y="connsiteY15"/>
-              </a:cxn>
-              <a:cxn ang="0">
-                <a:pos x="connsiteX16" y="connsiteY16"/>
-              </a:cxn>
-              <a:cxn ang="0">
-                <a:pos x="connsiteX17" y="connsiteY17"/>
-              </a:cxn>
-              <a:cxn ang="0">
-                <a:pos x="connsiteX18" y="connsiteY18"/>
-              </a:cxn>
-              <a:cxn ang="0">
-                <a:pos x="connsiteX19" y="connsiteY19"/>
-              </a:cxn>
-              <a:cxn ang="0">
-                <a:pos x="connsiteX20" y="connsiteY20"/>
-              </a:cxn>
-              <a:cxn ang="0">
-                <a:pos x="connsiteX21" y="connsiteY21"/>
-              </a:cxn>
-              <a:cxn ang="0">
-                <a:pos x="connsiteX22" y="connsiteY22"/>
-              </a:cxn>
-              <a:cxn ang="0">
-                <a:pos x="connsiteX23" y="connsiteY23"/>
-              </a:cxn>
-              <a:cxn ang="0">
-                <a:pos x="connsiteX24" y="connsiteY24"/>
-              </a:cxn>
-              <a:cxn ang="0">
-                <a:pos x="connsiteX25" y="connsiteY25"/>
-              </a:cxn>
-              <a:cxn ang="0">
-                <a:pos x="connsiteX26" y="connsiteY26"/>
-              </a:cxn>
-              <a:cxn ang="0">
-                <a:pos x="connsiteX27" y="connsiteY27"/>
-              </a:cxn>
-              <a:cxn ang="0">
-                <a:pos x="connsiteX28" y="connsiteY28"/>
-              </a:cxn>
-              <a:cxn ang="0">
-                <a:pos x="connsiteX29" y="connsiteY29"/>
-              </a:cxn>
-              <a:cxn ang="0">
-                <a:pos x="connsiteX30" y="connsiteY30"/>
-              </a:cxn>
-              <a:cxn ang="0">
-                <a:pos x="connsiteX31" y="connsiteY31"/>
-              </a:cxn>
-              <a:cxn ang="0">
-                <a:pos x="connsiteX32" y="connsiteY32"/>
-              </a:cxn>
-              <a:cxn ang="0">
-                <a:pos x="connsiteX33" y="connsiteY33"/>
-              </a:cxn>
-              <a:cxn ang="0">
-                <a:pos x="connsiteX34" y="connsiteY34"/>
-              </a:cxn>
-              <a:cxn ang="0">
-                <a:pos x="connsiteX35" y="connsiteY35"/>
-              </a:cxn>
-              <a:cxn ang="0">
-                <a:pos x="connsiteX36" y="connsiteY36"/>
-              </a:cxn>
-            </a:cxnLst>
-            <a:rect l="l" t="t" r="r" b="b"/>
-            <a:pathLst>
-              <a:path w="4211600" h="1660822">
-                <a:moveTo>
-                  <a:pt x="4211600" y="0"/>
-                </a:moveTo>
-                <a:lnTo>
-                  <a:pt x="4211600" y="58430"/>
-                </a:lnTo>
-                <a:lnTo>
-                  <a:pt x="4136524" y="208808"/>
-                </a:lnTo>
-                <a:cubicBezTo>
-                  <a:pt x="4089791" y="287770"/>
-                  <a:pt x="4030588" y="363780"/>
-                  <a:pt x="3973354" y="437313"/>
-                </a:cubicBezTo>
-                <a:cubicBezTo>
-                  <a:pt x="3943819" y="475222"/>
-                  <a:pt x="3913231" y="514465"/>
-                  <a:pt x="3884746" y="553613"/>
-                </a:cubicBezTo>
-                <a:cubicBezTo>
-                  <a:pt x="3872801" y="569996"/>
-                  <a:pt x="3861119" y="586569"/>
-                  <a:pt x="3849435" y="603143"/>
-                </a:cubicBezTo>
-                <a:cubicBezTo>
-                  <a:pt x="3796665" y="678009"/>
-                  <a:pt x="3742187" y="755352"/>
-                  <a:pt x="3661849" y="819075"/>
-                </a:cubicBezTo>
-                <a:cubicBezTo>
-                  <a:pt x="3596214" y="871176"/>
-                  <a:pt x="3509050" y="916230"/>
-                  <a:pt x="3402589" y="952996"/>
-                </a:cubicBezTo>
-                <a:cubicBezTo>
-                  <a:pt x="3312406" y="984048"/>
-                  <a:pt x="3215660" y="1005003"/>
-                  <a:pt x="3130202" y="1023386"/>
-                </a:cubicBezTo>
-                <a:cubicBezTo>
-                  <a:pt x="3058529" y="1038816"/>
-                  <a:pt x="2985412" y="1053675"/>
-                  <a:pt x="2914657" y="1068058"/>
-                </a:cubicBezTo>
-                <a:cubicBezTo>
-                  <a:pt x="2805176" y="1090251"/>
-                  <a:pt x="2692021" y="1113207"/>
-                  <a:pt x="2582149" y="1138924"/>
-                </a:cubicBezTo>
-                <a:cubicBezTo>
-                  <a:pt x="2549330" y="1146639"/>
-                  <a:pt x="2516644" y="1154450"/>
-                  <a:pt x="2483958" y="1162356"/>
-                </a:cubicBezTo>
-                <a:cubicBezTo>
-                  <a:pt x="2367257" y="1190550"/>
-                  <a:pt x="2246621" y="1219601"/>
-                  <a:pt x="2123750" y="1238651"/>
-                </a:cubicBezTo>
-                <a:cubicBezTo>
-                  <a:pt x="2004294" y="1257129"/>
-                  <a:pt x="1880769" y="1265416"/>
-                  <a:pt x="1761444" y="1273417"/>
-                </a:cubicBezTo>
-                <a:cubicBezTo>
-                  <a:pt x="1711167" y="1276751"/>
-                  <a:pt x="1659184" y="1280275"/>
-                  <a:pt x="1608382" y="1284466"/>
-                </a:cubicBezTo>
-                <a:cubicBezTo>
-                  <a:pt x="1408589" y="1300944"/>
-                  <a:pt x="1214570" y="1325805"/>
-                  <a:pt x="999942" y="1354284"/>
-                </a:cubicBezTo>
-                <a:cubicBezTo>
-                  <a:pt x="826403" y="1377240"/>
-                  <a:pt x="647744" y="1400957"/>
-                  <a:pt x="484705" y="1450487"/>
-                </a:cubicBezTo>
-                <a:cubicBezTo>
-                  <a:pt x="355831" y="1489635"/>
-                  <a:pt x="231387" y="1544374"/>
-                  <a:pt x="113310" y="1613700"/>
-                </a:cubicBezTo>
-                <a:lnTo>
-                  <a:pt x="39668" y="1660822"/>
-                </a:lnTo>
-                <a:lnTo>
-                  <a:pt x="0" y="1660822"/>
-                </a:lnTo>
-                <a:lnTo>
-                  <a:pt x="96701" y="1598934"/>
-                </a:lnTo>
-                <a:cubicBezTo>
-                  <a:pt x="216635" y="1528533"/>
-                  <a:pt x="343196" y="1472919"/>
-                  <a:pt x="474335" y="1433056"/>
-                </a:cubicBezTo>
-                <a:cubicBezTo>
-                  <a:pt x="639999" y="1382669"/>
-                  <a:pt x="820102" y="1358856"/>
-                  <a:pt x="994299" y="1335806"/>
-                </a:cubicBezTo>
-                <a:cubicBezTo>
-                  <a:pt x="1210239" y="1307231"/>
-                  <a:pt x="1404650" y="1282275"/>
-                  <a:pt x="1605231" y="1265702"/>
-                </a:cubicBezTo>
-                <a:cubicBezTo>
-                  <a:pt x="1656428" y="1261511"/>
-                  <a:pt x="1708411" y="1257987"/>
-                  <a:pt x="1758819" y="1254558"/>
-                </a:cubicBezTo>
-                <a:cubicBezTo>
-                  <a:pt x="1877487" y="1246557"/>
-                  <a:pt x="2000094" y="1238365"/>
-                  <a:pt x="2118106" y="1220077"/>
-                </a:cubicBezTo>
-                <a:cubicBezTo>
-                  <a:pt x="2239531" y="1201313"/>
-                  <a:pt x="2359513" y="1172357"/>
-                  <a:pt x="2475557" y="1144353"/>
-                </a:cubicBezTo>
-                <a:cubicBezTo>
-                  <a:pt x="2508243" y="1136448"/>
-                  <a:pt x="2541060" y="1128542"/>
-                  <a:pt x="2573878" y="1120827"/>
-                </a:cubicBezTo>
-                <a:cubicBezTo>
-                  <a:pt x="2684276" y="1094919"/>
-                  <a:pt x="2797694" y="1071963"/>
-                  <a:pt x="2907437" y="1049675"/>
-                </a:cubicBezTo>
-                <a:cubicBezTo>
-                  <a:pt x="2978061" y="1035387"/>
-                  <a:pt x="3051178" y="1020528"/>
-                  <a:pt x="3122589" y="1005098"/>
-                </a:cubicBezTo>
-                <a:cubicBezTo>
-                  <a:pt x="3206997" y="986810"/>
-                  <a:pt x="3302823" y="966141"/>
-                  <a:pt x="3391169" y="935756"/>
-                </a:cubicBezTo>
-                <a:cubicBezTo>
-                  <a:pt x="3494479" y="900132"/>
-                  <a:pt x="3578886" y="856508"/>
-                  <a:pt x="3642290" y="806216"/>
-                </a:cubicBezTo>
-                <a:cubicBezTo>
-                  <a:pt x="3720133" y="744303"/>
-                  <a:pt x="3773953" y="668103"/>
-                  <a:pt x="3825937" y="594475"/>
-                </a:cubicBezTo>
-                <a:cubicBezTo>
-                  <a:pt x="3837621" y="577902"/>
-                  <a:pt x="3849435" y="561233"/>
-                  <a:pt x="3861381" y="544755"/>
-                </a:cubicBezTo>
-                <a:cubicBezTo>
-                  <a:pt x="3889997" y="505416"/>
-                  <a:pt x="3920715" y="465983"/>
-                  <a:pt x="3950381" y="427978"/>
-                </a:cubicBezTo>
-                <a:cubicBezTo>
-                  <a:pt x="4007353" y="354921"/>
-                  <a:pt x="4066163" y="279388"/>
-                  <a:pt x="4112370" y="201378"/>
-                </a:cubicBezTo>
-                <a:cubicBezTo>
-                  <a:pt x="4144662" y="146800"/>
-                  <a:pt x="4170785" y="89364"/>
-                  <a:pt x="4195989" y="33834"/>
-                </a:cubicBezTo>
-                <a:close/>
-              </a:path>
-            </a:pathLst>
-          </a:custGeom>
-          <a:solidFill>
-            <a:schemeClr val="accent1"/>
-          </a:solidFill>
-          <a:ln>
-            <a:noFill/>
-          </a:ln>
-        </p:spPr>
-        <p:style>
-          <a:lnRef idx="2">
-            <a:schemeClr val="accent1">
-              <a:shade val="50000"/>
-            </a:schemeClr>
-          </a:lnRef>
-          <a:fillRef idx="1">
-            <a:schemeClr val="accent1"/>
-          </a:fillRef>
-          <a:effectRef idx="0">
-            <a:schemeClr val="accent1"/>
-          </a:effectRef>
-          <a:fontRef idx="minor">
-            <a:schemeClr val="lt1"/>
-          </a:fontRef>
-        </p:style>
-        <p:txBody>
-          <a:bodyPr wrap="square" rtlCol="0" anchor="ctr">
-            <a:noAutofit/>
-          </a:bodyPr>
-          <a:lstStyle/>
-          <a:p>
-            <a:pPr algn="ctr"/>
-            <a:endParaRPr lang="en-US"/>
-          </a:p>
-        </p:txBody>
-      </p:sp>
-      <p:grpSp>
-        <p:nvGrpSpPr>
-          <p:cNvPr id="65" name="Graphic 141">
-            <a:extLst>
-              <a:ext uri="{FF2B5EF4-FFF2-40B4-BE49-F238E27FC236}">
-                <a16:creationId xmlns:a16="http://schemas.microsoft.com/office/drawing/2014/main" id="{03E9870D-4BBA-43AF-8D44-BBADF020CFF6}"/>
-              </a:ext>
-              <a:ext uri="{C183D7F6-B498-43B3-948B-1728B52AA6E4}">
-                <adec:decorative xmlns:adec="http://schemas.microsoft.com/office/drawing/2017/decorative" val="1"/>
-              </a:ext>
-            </a:extLst>
-          </p:cNvPr>
-          <p:cNvGrpSpPr>
-            <a:grpSpLocks noGrp="1" noUngrp="1" noRot="1" noChangeAspect="1" noMove="1" noResize="1"/>
-          </p:cNvGrpSpPr>
-          <p:nvPr>
-            <p:extLst>
-              <p:ext uri="{386F3935-93C4-4BCD-93E2-E3B085C9AB24}">
-                <p16:designElem xmlns:p16="http://schemas.microsoft.com/office/powerpoint/2015/main" val="1"/>
-              </p:ext>
-            </p:extLst>
-          </p:nvPr>
-        </p:nvGrpSpPr>
-        <p:grpSpPr>
-          <a:xfrm>
-            <a:off x="10849" y="15178"/>
-            <a:ext cx="2198951" cy="3331254"/>
-            <a:chOff x="4473129" y="923925"/>
-            <a:chExt cx="3308947" cy="5012817"/>
-          </a:xfrm>
-          <a:noFill/>
-        </p:grpSpPr>
-        <p:sp>
-          <p:nvSpPr>
-            <p:cNvPr id="66" name="Freeform: Shape 18">
-              <a:extLst>
-                <a:ext uri="{FF2B5EF4-FFF2-40B4-BE49-F238E27FC236}">
-                  <a16:creationId xmlns:a16="http://schemas.microsoft.com/office/drawing/2014/main" id="{34BC5055-C77D-43CD-BB1D-A77B6779CDAD}"/>
-                </a:ext>
-                <a:ext uri="{C183D7F6-B498-43B3-948B-1728B52AA6E4}">
-                  <adec:decorative xmlns:adec="http://schemas.microsoft.com/office/drawing/2017/decorative" val="1"/>
-                </a:ext>
-              </a:extLst>
-            </p:cNvPr>
-            <p:cNvSpPr/>
-            <p:nvPr>
-              <p:extLst>
-                <p:ext uri="{386F3935-93C4-4BCD-93E2-E3B085C9AB24}">
-                  <p16:designElem xmlns:p16="http://schemas.microsoft.com/office/powerpoint/2015/main" val="1"/>
-                </p:ext>
-              </p:extLst>
-            </p:nvPr>
-          </p:nvSpPr>
-          <p:spPr>
-            <a:xfrm>
-              <a:off x="4485988" y="924020"/>
-              <a:ext cx="3296088" cy="5012722"/>
-            </a:xfrm>
-            <a:custGeom>
-              <a:avLst/>
-              <a:gdLst>
-                <a:gd name="connsiteX0" fmla="*/ 0 w 3296088"/>
-                <a:gd name="connsiteY0" fmla="*/ 5012722 h 5012722"/>
-                <a:gd name="connsiteX1" fmla="*/ 244031 w 3296088"/>
-                <a:gd name="connsiteY1" fmla="*/ 4820222 h 5012722"/>
-                <a:gd name="connsiteX2" fmla="*/ 729234 w 3296088"/>
-                <a:gd name="connsiteY2" fmla="*/ 4360641 h 5012722"/>
-                <a:gd name="connsiteX3" fmla="*/ 881444 w 3296088"/>
-                <a:gd name="connsiteY3" fmla="*/ 4173950 h 5012722"/>
-                <a:gd name="connsiteX4" fmla="*/ 1151287 w 3296088"/>
-                <a:gd name="connsiteY4" fmla="*/ 3972877 h 5012722"/>
-                <a:gd name="connsiteX5" fmla="*/ 1498664 w 3296088"/>
-                <a:gd name="connsiteY5" fmla="*/ 3786188 h 5012722"/>
-                <a:gd name="connsiteX6" fmla="*/ 1716881 w 3296088"/>
-                <a:gd name="connsiteY6" fmla="*/ 3674174 h 5012722"/>
-                <a:gd name="connsiteX7" fmla="*/ 1913573 w 3296088"/>
-                <a:gd name="connsiteY7" fmla="*/ 3477387 h 5012722"/>
-                <a:gd name="connsiteX8" fmla="*/ 2167700 w 3296088"/>
-                <a:gd name="connsiteY8" fmla="*/ 3042190 h 5012722"/>
-                <a:gd name="connsiteX9" fmla="*/ 2273903 w 3296088"/>
-                <a:gd name="connsiteY9" fmla="*/ 2775014 h 5012722"/>
-                <a:gd name="connsiteX10" fmla="*/ 2463356 w 3296088"/>
-                <a:gd name="connsiteY10" fmla="*/ 2335530 h 5012722"/>
-                <a:gd name="connsiteX11" fmla="*/ 2741866 w 3296088"/>
-                <a:gd name="connsiteY11" fmla="*/ 1982248 h 5012722"/>
-                <a:gd name="connsiteX12" fmla="*/ 2985897 w 3296088"/>
-                <a:gd name="connsiteY12" fmla="*/ 1634681 h 5012722"/>
-                <a:gd name="connsiteX13" fmla="*/ 3212687 w 3296088"/>
-                <a:gd name="connsiteY13" fmla="*/ 1226820 h 5012722"/>
-                <a:gd name="connsiteX14" fmla="*/ 3281553 w 3296088"/>
-                <a:gd name="connsiteY14" fmla="*/ 959644 h 5012722"/>
-                <a:gd name="connsiteX15" fmla="*/ 3295936 w 3296088"/>
-                <a:gd name="connsiteY15" fmla="*/ 701135 h 5012722"/>
-                <a:gd name="connsiteX16" fmla="*/ 3267266 w 3296088"/>
-                <a:gd name="connsiteY16" fmla="*/ 436817 h 5012722"/>
-                <a:gd name="connsiteX17" fmla="*/ 3105341 w 3296088"/>
-                <a:gd name="connsiteY17" fmla="*/ 0 h 5012722"/>
-              </a:gdLst>
-              <a:ahLst/>
-              <a:cxnLst>
-                <a:cxn ang="0">
-                  <a:pos x="connsiteX0" y="connsiteY0"/>
-                </a:cxn>
-                <a:cxn ang="0">
-                  <a:pos x="connsiteX1" y="connsiteY1"/>
-                </a:cxn>
-                <a:cxn ang="0">
-                  <a:pos x="connsiteX2" y="connsiteY2"/>
-                </a:cxn>
-                <a:cxn ang="0">
-                  <a:pos x="connsiteX3" y="connsiteY3"/>
-                </a:cxn>
-                <a:cxn ang="0">
-                  <a:pos x="connsiteX4" y="connsiteY4"/>
-                </a:cxn>
-                <a:cxn ang="0">
-                  <a:pos x="connsiteX5" y="connsiteY5"/>
-                </a:cxn>
-                <a:cxn ang="0">
-                  <a:pos x="connsiteX6" y="connsiteY6"/>
-                </a:cxn>
-                <a:cxn ang="0">
-                  <a:pos x="connsiteX7" y="connsiteY7"/>
-                </a:cxn>
-                <a:cxn ang="0">
-                  <a:pos x="connsiteX8" y="connsiteY8"/>
-                </a:cxn>
-                <a:cxn ang="0">
-                  <a:pos x="connsiteX9" y="connsiteY9"/>
-                </a:cxn>
-                <a:cxn ang="0">
-                  <a:pos x="connsiteX10" y="connsiteY10"/>
-                </a:cxn>
-                <a:cxn ang="0">
-                  <a:pos x="connsiteX11" y="connsiteY11"/>
-                </a:cxn>
-                <a:cxn ang="0">
-                  <a:pos x="connsiteX12" y="connsiteY12"/>
-                </a:cxn>
-                <a:cxn ang="0">
-                  <a:pos x="connsiteX13" y="connsiteY13"/>
-                </a:cxn>
-                <a:cxn ang="0">
-                  <a:pos x="connsiteX14" y="connsiteY14"/>
-                </a:cxn>
-                <a:cxn ang="0">
-                  <a:pos x="connsiteX15" y="connsiteY15"/>
-                </a:cxn>
-                <a:cxn ang="0">
-                  <a:pos x="connsiteX16" y="connsiteY16"/>
-                </a:cxn>
-                <a:cxn ang="0">
-                  <a:pos x="connsiteX17" y="connsiteY17"/>
-                </a:cxn>
-              </a:cxnLst>
-              <a:rect l="l" t="t" r="r" b="b"/>
-              <a:pathLst>
-                <a:path w="3296088" h="5012722">
-                  <a:moveTo>
-                    <a:pt x="0" y="5012722"/>
-                  </a:moveTo>
-                  <a:cubicBezTo>
-                    <a:pt x="81820" y="4949095"/>
-                    <a:pt x="163544" y="4885468"/>
-                    <a:pt x="244031" y="4820222"/>
-                  </a:cubicBezTo>
-                  <a:cubicBezTo>
-                    <a:pt x="417671" y="4679633"/>
-                    <a:pt x="589883" y="4535139"/>
-                    <a:pt x="729234" y="4360641"/>
-                  </a:cubicBezTo>
-                  <a:cubicBezTo>
-                    <a:pt x="779431" y="4297776"/>
-                    <a:pt x="825818" y="4231958"/>
-                    <a:pt x="881444" y="4173950"/>
-                  </a:cubicBezTo>
-                  <a:cubicBezTo>
-                    <a:pt x="959358" y="4092607"/>
-                    <a:pt x="1054799" y="4031075"/>
-                    <a:pt x="1151287" y="3972877"/>
-                  </a:cubicBezTo>
-                  <a:cubicBezTo>
-                    <a:pt x="1263968" y="3904964"/>
-                    <a:pt x="1379315" y="3841337"/>
-                    <a:pt x="1498664" y="3786188"/>
-                  </a:cubicBezTo>
-                  <a:cubicBezTo>
-                    <a:pt x="1573149" y="3751802"/>
-                    <a:pt x="1649159" y="3720179"/>
-                    <a:pt x="1716881" y="3674174"/>
-                  </a:cubicBezTo>
-                  <a:cubicBezTo>
-                    <a:pt x="1794034" y="3621691"/>
-                    <a:pt x="1856708" y="3551492"/>
-                    <a:pt x="1913573" y="3477387"/>
-                  </a:cubicBezTo>
-                  <a:cubicBezTo>
-                    <a:pt x="2016157" y="3343751"/>
-                    <a:pt x="2099024" y="3196114"/>
-                    <a:pt x="2167700" y="3042190"/>
-                  </a:cubicBezTo>
-                  <a:cubicBezTo>
-                    <a:pt x="2206752" y="2954655"/>
-                    <a:pt x="2241233" y="2865215"/>
-                    <a:pt x="2273903" y="2775014"/>
-                  </a:cubicBezTo>
-                  <a:cubicBezTo>
-                    <a:pt x="2328482" y="2624423"/>
-                    <a:pt x="2379440" y="2471642"/>
-                    <a:pt x="2463356" y="2335530"/>
-                  </a:cubicBezTo>
-                  <a:cubicBezTo>
-                    <a:pt x="2542127" y="2207705"/>
-                    <a:pt x="2647855" y="2099501"/>
-                    <a:pt x="2741866" y="1982248"/>
-                  </a:cubicBezTo>
-                  <a:cubicBezTo>
-                    <a:pt x="2830449" y="1871758"/>
-                    <a:pt x="2908554" y="1753362"/>
-                    <a:pt x="2985897" y="1634681"/>
-                  </a:cubicBezTo>
-                  <a:cubicBezTo>
-                    <a:pt x="3071146" y="1503902"/>
-                    <a:pt x="3156395" y="1372172"/>
-                    <a:pt x="3212687" y="1226820"/>
-                  </a:cubicBezTo>
-                  <a:cubicBezTo>
-                    <a:pt x="3246025" y="1140809"/>
-                    <a:pt x="3268790" y="1051084"/>
-                    <a:pt x="3281553" y="959644"/>
-                  </a:cubicBezTo>
-                  <a:cubicBezTo>
-                    <a:pt x="3293555" y="874014"/>
-                    <a:pt x="3296888" y="787527"/>
-                    <a:pt x="3295936" y="701135"/>
-                  </a:cubicBezTo>
-                  <a:cubicBezTo>
-                    <a:pt x="3294888" y="612172"/>
-                    <a:pt x="3289268" y="523018"/>
-                    <a:pt x="3267266" y="436817"/>
-                  </a:cubicBezTo>
-                  <a:cubicBezTo>
-                    <a:pt x="3227832" y="282416"/>
-                    <a:pt x="3105341" y="0"/>
-                    <a:pt x="3105341" y="0"/>
-                  </a:cubicBezTo>
-                </a:path>
-              </a:pathLst>
-            </a:custGeom>
-            <a:noFill/>
-            <a:ln w="9525" cap="rnd">
-              <a:solidFill>
-                <a:schemeClr val="accent2">
-                  <a:alpha val="75000"/>
-                </a:schemeClr>
-              </a:solidFill>
-              <a:prstDash val="lgDash"/>
-              <a:round/>
-            </a:ln>
-          </p:spPr>
-          <p:txBody>
-            <a:bodyPr rtlCol="0" anchor="ctr"/>
-            <a:lstStyle/>
-            <a:p>
-              <a:endParaRPr lang="en-US"/>
-            </a:p>
-          </p:txBody>
-        </p:sp>
-        <p:sp>
-          <p:nvSpPr>
-            <p:cNvPr id="67" name="Freeform: Shape 19">
-              <a:extLst>
-                <a:ext uri="{FF2B5EF4-FFF2-40B4-BE49-F238E27FC236}">
-                  <a16:creationId xmlns:a16="http://schemas.microsoft.com/office/drawing/2014/main" id="{DB12D0B8-9385-489A-85AE-3D14AD0BA2FC}"/>
-                </a:ext>
-                <a:ext uri="{C183D7F6-B498-43B3-948B-1728B52AA6E4}">
-                  <adec:decorative xmlns:adec="http://schemas.microsoft.com/office/drawing/2017/decorative" val="1"/>
-                </a:ext>
-              </a:extLst>
-            </p:cNvPr>
-            <p:cNvSpPr/>
-            <p:nvPr>
-              <p:extLst>
-                <p:ext uri="{386F3935-93C4-4BCD-93E2-E3B085C9AB24}">
-                  <p16:designElem xmlns:p16="http://schemas.microsoft.com/office/powerpoint/2015/main" val="1"/>
-                </p:ext>
-              </p:extLst>
-            </p:nvPr>
-          </p:nvSpPr>
-          <p:spPr>
-            <a:xfrm>
-              <a:off x="4473129" y="923925"/>
-              <a:ext cx="2977477" cy="4627149"/>
-            </a:xfrm>
-            <a:custGeom>
-              <a:avLst/>
-              <a:gdLst>
-                <a:gd name="connsiteX0" fmla="*/ 0 w 2977477"/>
-                <a:gd name="connsiteY0" fmla="*/ 4627150 h 4627149"/>
-                <a:gd name="connsiteX1" fmla="*/ 275082 w 2977477"/>
-                <a:gd name="connsiteY1" fmla="*/ 4341590 h 4627149"/>
-                <a:gd name="connsiteX2" fmla="*/ 502825 w 2977477"/>
-                <a:gd name="connsiteY2" fmla="*/ 4054126 h 4627149"/>
-                <a:gd name="connsiteX3" fmla="*/ 666179 w 2977477"/>
-                <a:gd name="connsiteY3" fmla="*/ 3890677 h 4627149"/>
-                <a:gd name="connsiteX4" fmla="*/ 864203 w 2977477"/>
-                <a:gd name="connsiteY4" fmla="*/ 3675983 h 4627149"/>
-                <a:gd name="connsiteX5" fmla="*/ 982599 w 2977477"/>
-                <a:gd name="connsiteY5" fmla="*/ 3557492 h 4627149"/>
-                <a:gd name="connsiteX6" fmla="*/ 1188244 w 2977477"/>
-                <a:gd name="connsiteY6" fmla="*/ 3329654 h 4627149"/>
-                <a:gd name="connsiteX7" fmla="*/ 1344740 w 2977477"/>
-                <a:gd name="connsiteY7" fmla="*/ 3146774 h 4627149"/>
-                <a:gd name="connsiteX8" fmla="*/ 1470755 w 2977477"/>
-                <a:gd name="connsiteY8" fmla="*/ 2984659 h 4627149"/>
-                <a:gd name="connsiteX9" fmla="*/ 1657636 w 2977477"/>
-                <a:gd name="connsiteY9" fmla="*/ 2670239 h 4627149"/>
-                <a:gd name="connsiteX10" fmla="*/ 1762887 w 2977477"/>
-                <a:gd name="connsiteY10" fmla="*/ 2473547 h 4627149"/>
-                <a:gd name="connsiteX11" fmla="*/ 1866710 w 2977477"/>
-                <a:gd name="connsiteY11" fmla="*/ 2290667 h 4627149"/>
-                <a:gd name="connsiteX12" fmla="*/ 2106263 w 2977477"/>
-                <a:gd name="connsiteY12" fmla="*/ 2030254 h 4627149"/>
-                <a:gd name="connsiteX13" fmla="*/ 2277237 w 2977477"/>
-                <a:gd name="connsiteY13" fmla="*/ 1859185 h 4627149"/>
-                <a:gd name="connsiteX14" fmla="*/ 2499455 w 2977477"/>
-                <a:gd name="connsiteY14" fmla="*/ 1656207 h 4627149"/>
-                <a:gd name="connsiteX15" fmla="*/ 2707100 w 2977477"/>
-                <a:gd name="connsiteY15" fmla="*/ 1390269 h 4627149"/>
-                <a:gd name="connsiteX16" fmla="*/ 2812352 w 2977477"/>
-                <a:gd name="connsiteY16" fmla="*/ 1230916 h 4627149"/>
-                <a:gd name="connsiteX17" fmla="*/ 2898172 w 2977477"/>
-                <a:gd name="connsiteY17" fmla="*/ 1036987 h 4627149"/>
-                <a:gd name="connsiteX18" fmla="*/ 2963228 w 2977477"/>
-                <a:gd name="connsiteY18" fmla="*/ 850011 h 4627149"/>
-                <a:gd name="connsiteX19" fmla="*/ 2977325 w 2977477"/>
-                <a:gd name="connsiteY19" fmla="*/ 745427 h 4627149"/>
-                <a:gd name="connsiteX20" fmla="*/ 2929509 w 2977477"/>
-                <a:gd name="connsiteY20" fmla="*/ 480155 h 4627149"/>
-                <a:gd name="connsiteX21" fmla="*/ 2563082 w 2977477"/>
-                <a:gd name="connsiteY21" fmla="*/ 0 h 4627149"/>
-              </a:gdLst>
-              <a:ahLst/>
-              <a:cxnLst>
-                <a:cxn ang="0">
-                  <a:pos x="connsiteX0" y="connsiteY0"/>
-                </a:cxn>
-                <a:cxn ang="0">
-                  <a:pos x="connsiteX1" y="connsiteY1"/>
-                </a:cxn>
-                <a:cxn ang="0">
-                  <a:pos x="connsiteX2" y="connsiteY2"/>
-                </a:cxn>
-                <a:cxn ang="0">
-                  <a:pos x="connsiteX3" y="connsiteY3"/>
-                </a:cxn>
-                <a:cxn ang="0">
-                  <a:pos x="connsiteX4" y="connsiteY4"/>
-                </a:cxn>
-                <a:cxn ang="0">
-                  <a:pos x="connsiteX5" y="connsiteY5"/>
-                </a:cxn>
-                <a:cxn ang="0">
-                  <a:pos x="connsiteX6" y="connsiteY6"/>
-                </a:cxn>
-                <a:cxn ang="0">
-                  <a:pos x="connsiteX7" y="connsiteY7"/>
-                </a:cxn>
-                <a:cxn ang="0">
-                  <a:pos x="connsiteX8" y="connsiteY8"/>
-                </a:cxn>
-                <a:cxn ang="0">
-                  <a:pos x="connsiteX9" y="connsiteY9"/>
-                </a:cxn>
-                <a:cxn ang="0">
-                  <a:pos x="connsiteX10" y="connsiteY10"/>
-                </a:cxn>
-                <a:cxn ang="0">
-                  <a:pos x="connsiteX11" y="connsiteY11"/>
-                </a:cxn>
-                <a:cxn ang="0">
-                  <a:pos x="connsiteX12" y="connsiteY12"/>
-                </a:cxn>
-                <a:cxn ang="0">
-                  <a:pos x="connsiteX13" y="connsiteY13"/>
-                </a:cxn>
-                <a:cxn ang="0">
-                  <a:pos x="connsiteX14" y="connsiteY14"/>
-                </a:cxn>
-                <a:cxn ang="0">
-                  <a:pos x="connsiteX15" y="connsiteY15"/>
-                </a:cxn>
-                <a:cxn ang="0">
-                  <a:pos x="connsiteX16" y="connsiteY16"/>
-                </a:cxn>
-                <a:cxn ang="0">
-                  <a:pos x="connsiteX17" y="connsiteY17"/>
-                </a:cxn>
-                <a:cxn ang="0">
-                  <a:pos x="connsiteX18" y="connsiteY18"/>
-                </a:cxn>
-                <a:cxn ang="0">
-                  <a:pos x="connsiteX19" y="connsiteY19"/>
-                </a:cxn>
-                <a:cxn ang="0">
-                  <a:pos x="connsiteX20" y="connsiteY20"/>
-                </a:cxn>
-                <a:cxn ang="0">
-                  <a:pos x="connsiteX21" y="connsiteY21"/>
-                </a:cxn>
-              </a:cxnLst>
-              <a:rect l="l" t="t" r="r" b="b"/>
-              <a:pathLst>
-                <a:path w="2977477" h="4627149">
-                  <a:moveTo>
-                    <a:pt x="0" y="4627150"/>
-                  </a:moveTo>
-                  <a:cubicBezTo>
-                    <a:pt x="79820" y="4552283"/>
-                    <a:pt x="203835" y="4424648"/>
-                    <a:pt x="275082" y="4341590"/>
-                  </a:cubicBezTo>
-                  <a:cubicBezTo>
-                    <a:pt x="354711" y="4248722"/>
-                    <a:pt x="421005" y="4145090"/>
-                    <a:pt x="502825" y="4054126"/>
-                  </a:cubicBezTo>
-                  <a:cubicBezTo>
-                    <a:pt x="554355" y="3996881"/>
-                    <a:pt x="612362" y="3945827"/>
-                    <a:pt x="666179" y="3890677"/>
-                  </a:cubicBezTo>
-                  <a:cubicBezTo>
-                    <a:pt x="734187" y="3821049"/>
-                    <a:pt x="796671" y="3746183"/>
-                    <a:pt x="864203" y="3675983"/>
-                  </a:cubicBezTo>
-                  <a:cubicBezTo>
-                    <a:pt x="902875" y="3635788"/>
-                    <a:pt x="943642" y="3597593"/>
-                    <a:pt x="982599" y="3557492"/>
-                  </a:cubicBezTo>
-                  <a:cubicBezTo>
-                    <a:pt x="1053941" y="3484150"/>
-                    <a:pt x="1121378" y="3407093"/>
-                    <a:pt x="1188244" y="3329654"/>
-                  </a:cubicBezTo>
-                  <a:cubicBezTo>
-                    <a:pt x="1240631" y="3268885"/>
-                    <a:pt x="1293495" y="3208496"/>
-                    <a:pt x="1344740" y="3146774"/>
-                  </a:cubicBezTo>
-                  <a:cubicBezTo>
-                    <a:pt x="1388459" y="3094101"/>
-                    <a:pt x="1431512" y="3040761"/>
-                    <a:pt x="1470755" y="2984659"/>
-                  </a:cubicBezTo>
-                  <a:cubicBezTo>
-                    <a:pt x="1540764" y="2884646"/>
-                    <a:pt x="1598771" y="2777109"/>
-                    <a:pt x="1657636" y="2670239"/>
-                  </a:cubicBezTo>
-                  <a:cubicBezTo>
-                    <a:pt x="1693545" y="2605088"/>
-                    <a:pt x="1728502" y="2539460"/>
-                    <a:pt x="1762887" y="2473547"/>
-                  </a:cubicBezTo>
-                  <a:cubicBezTo>
-                    <a:pt x="1795367" y="2411349"/>
-                    <a:pt x="1826419" y="2348103"/>
-                    <a:pt x="1866710" y="2290667"/>
-                  </a:cubicBezTo>
-                  <a:cubicBezTo>
-                    <a:pt x="1934623" y="2193893"/>
-                    <a:pt x="2022729" y="2114169"/>
-                    <a:pt x="2106263" y="2030254"/>
-                  </a:cubicBezTo>
-                  <a:cubicBezTo>
-                    <a:pt x="2163128" y="1973104"/>
-                    <a:pt x="2218182" y="1914049"/>
-                    <a:pt x="2277237" y="1859185"/>
-                  </a:cubicBezTo>
-                  <a:cubicBezTo>
-                    <a:pt x="2350770" y="1790891"/>
-                    <a:pt x="2430304" y="1728978"/>
-                    <a:pt x="2499455" y="1656207"/>
-                  </a:cubicBezTo>
-                  <a:cubicBezTo>
-                    <a:pt x="2576989" y="1574578"/>
-                    <a:pt x="2641568" y="1481900"/>
-                    <a:pt x="2707100" y="1390269"/>
-                  </a:cubicBezTo>
-                  <a:cubicBezTo>
-                    <a:pt x="2744153" y="1338453"/>
-                    <a:pt x="2781586" y="1286732"/>
-                    <a:pt x="2812352" y="1230916"/>
-                  </a:cubicBezTo>
-                  <a:cubicBezTo>
-                    <a:pt x="2846546" y="1168908"/>
-                    <a:pt x="2872550" y="1102900"/>
-                    <a:pt x="2898172" y="1036987"/>
-                  </a:cubicBezTo>
-                  <a:cubicBezTo>
-                    <a:pt x="2922175" y="975455"/>
-                    <a:pt x="2948273" y="914305"/>
-                    <a:pt x="2963228" y="850011"/>
-                  </a:cubicBezTo>
-                  <a:cubicBezTo>
-                    <a:pt x="2971229" y="815626"/>
-                    <a:pt x="2976563" y="780764"/>
-                    <a:pt x="2977325" y="745427"/>
-                  </a:cubicBezTo>
-                  <a:cubicBezTo>
-                    <a:pt x="2979230" y="654844"/>
-                    <a:pt x="2963323" y="564261"/>
-                    <a:pt x="2929509" y="480155"/>
-                  </a:cubicBezTo>
-                  <a:cubicBezTo>
-                    <a:pt x="2851309" y="285655"/>
-                    <a:pt x="2563082" y="0"/>
-                    <a:pt x="2563082" y="0"/>
-                  </a:cubicBezTo>
-                </a:path>
-              </a:pathLst>
-            </a:custGeom>
-            <a:noFill/>
-            <a:ln w="9525" cap="rnd">
-              <a:solidFill>
-                <a:schemeClr val="accent2">
-                  <a:alpha val="75000"/>
-                </a:schemeClr>
-              </a:solidFill>
-              <a:prstDash val="lgDash"/>
-              <a:round/>
-            </a:ln>
-          </p:spPr>
-          <p:txBody>
-            <a:bodyPr rtlCol="0" anchor="ctr"/>
-            <a:lstStyle/>
-            <a:p>
-              <a:endParaRPr lang="en-US"/>
-            </a:p>
-          </p:txBody>
-        </p:sp>
-        <p:sp>
-          <p:nvSpPr>
-            <p:cNvPr id="68" name="Freeform: Shape 20">
-              <a:extLst>
-                <a:ext uri="{FF2B5EF4-FFF2-40B4-BE49-F238E27FC236}">
-                  <a16:creationId xmlns:a16="http://schemas.microsoft.com/office/drawing/2014/main" id="{D158A14A-147E-4130-A5E2-38FD84B181AF}"/>
-                </a:ext>
-                <a:ext uri="{C183D7F6-B498-43B3-948B-1728B52AA6E4}">
-                  <adec:decorative xmlns:adec="http://schemas.microsoft.com/office/drawing/2017/decorative" val="1"/>
-                </a:ext>
-              </a:extLst>
-            </p:cNvPr>
-            <p:cNvSpPr/>
-            <p:nvPr>
-              <p:extLst>
-                <p:ext uri="{386F3935-93C4-4BCD-93E2-E3B085C9AB24}">
-                  <p16:designElem xmlns:p16="http://schemas.microsoft.com/office/powerpoint/2015/main" val="1"/>
-                </p:ext>
-              </p:extLst>
-            </p:nvPr>
-          </p:nvSpPr>
-          <p:spPr>
-            <a:xfrm>
-              <a:off x="4494561" y="923925"/>
-              <a:ext cx="2356712" cy="4118991"/>
-            </a:xfrm>
-            <a:custGeom>
-              <a:avLst/>
-              <a:gdLst>
-                <a:gd name="connsiteX0" fmla="*/ 1707071 w 2356712"/>
-                <a:gd name="connsiteY0" fmla="*/ 0 h 4118991"/>
-                <a:gd name="connsiteX1" fmla="*/ 1824514 w 2356712"/>
-                <a:gd name="connsiteY1" fmla="*/ 244697 h 4118991"/>
-                <a:gd name="connsiteX2" fmla="*/ 1908715 w 2356712"/>
-                <a:gd name="connsiteY2" fmla="*/ 328994 h 4118991"/>
-                <a:gd name="connsiteX3" fmla="*/ 2226469 w 2356712"/>
-                <a:gd name="connsiteY3" fmla="*/ 603695 h 4118991"/>
-                <a:gd name="connsiteX4" fmla="*/ 2355628 w 2356712"/>
-                <a:gd name="connsiteY4" fmla="*/ 900494 h 4118991"/>
-                <a:gd name="connsiteX5" fmla="*/ 2281428 w 2356712"/>
-                <a:gd name="connsiteY5" fmla="*/ 1206913 h 4118991"/>
-                <a:gd name="connsiteX6" fmla="*/ 2092452 w 2356712"/>
-                <a:gd name="connsiteY6" fmla="*/ 1460659 h 4118991"/>
-                <a:gd name="connsiteX7" fmla="*/ 1834039 w 2356712"/>
-                <a:gd name="connsiteY7" fmla="*/ 1625822 h 4118991"/>
-                <a:gd name="connsiteX8" fmla="*/ 1558862 w 2356712"/>
-                <a:gd name="connsiteY8" fmla="*/ 1743075 h 4118991"/>
-                <a:gd name="connsiteX9" fmla="*/ 1386554 w 2356712"/>
-                <a:gd name="connsiteY9" fmla="*/ 1869948 h 4118991"/>
-                <a:gd name="connsiteX10" fmla="*/ 1271683 w 2356712"/>
-                <a:gd name="connsiteY10" fmla="*/ 2073402 h 4118991"/>
-                <a:gd name="connsiteX11" fmla="*/ 1178338 w 2356712"/>
-                <a:gd name="connsiteY11" fmla="*/ 2355914 h 4118991"/>
-                <a:gd name="connsiteX12" fmla="*/ 1113758 w 2356712"/>
-                <a:gd name="connsiteY12" fmla="*/ 2578513 h 4118991"/>
-                <a:gd name="connsiteX13" fmla="*/ 1034796 w 2356712"/>
-                <a:gd name="connsiteY13" fmla="*/ 2834640 h 4118991"/>
-                <a:gd name="connsiteX14" fmla="*/ 905637 w 2356712"/>
-                <a:gd name="connsiteY14" fmla="*/ 3081242 h 4118991"/>
-                <a:gd name="connsiteX15" fmla="*/ 793147 w 2356712"/>
-                <a:gd name="connsiteY15" fmla="*/ 3258407 h 4118991"/>
-                <a:gd name="connsiteX16" fmla="*/ 546735 w 2356712"/>
-                <a:gd name="connsiteY16" fmla="*/ 3571970 h 4118991"/>
-                <a:gd name="connsiteX17" fmla="*/ 346996 w 2356712"/>
-                <a:gd name="connsiteY17" fmla="*/ 3771900 h 4118991"/>
-                <a:gd name="connsiteX18" fmla="*/ 174689 w 2356712"/>
-                <a:gd name="connsiteY18" fmla="*/ 3944207 h 4118991"/>
-                <a:gd name="connsiteX19" fmla="*/ 0 w 2356712"/>
-                <a:gd name="connsiteY19" fmla="*/ 4118991 h 4118991"/>
-              </a:gdLst>
-              <a:ahLst/>
-              <a:cxnLst>
-                <a:cxn ang="0">
-                  <a:pos x="connsiteX0" y="connsiteY0"/>
-                </a:cxn>
-                <a:cxn ang="0">
-                  <a:pos x="connsiteX1" y="connsiteY1"/>
-                </a:cxn>
-                <a:cxn ang="0">
-                  <a:pos x="connsiteX2" y="connsiteY2"/>
-                </a:cxn>
-                <a:cxn ang="0">
-                  <a:pos x="connsiteX3" y="connsiteY3"/>
-                </a:cxn>
-                <a:cxn ang="0">
-                  <a:pos x="connsiteX4" y="connsiteY4"/>
-                </a:cxn>
-                <a:cxn ang="0">
-                  <a:pos x="connsiteX5" y="connsiteY5"/>
-                </a:cxn>
-                <a:cxn ang="0">
-                  <a:pos x="connsiteX6" y="connsiteY6"/>
-                </a:cxn>
-                <a:cxn ang="0">
-                  <a:pos x="connsiteX7" y="connsiteY7"/>
-                </a:cxn>
-                <a:cxn ang="0">
-                  <a:pos x="connsiteX8" y="connsiteY8"/>
-                </a:cxn>
-                <a:cxn ang="0">
-                  <a:pos x="connsiteX9" y="connsiteY9"/>
-                </a:cxn>
-                <a:cxn ang="0">
-                  <a:pos x="connsiteX10" y="connsiteY10"/>
-                </a:cxn>
-                <a:cxn ang="0">
-                  <a:pos x="connsiteX11" y="connsiteY11"/>
-                </a:cxn>
-                <a:cxn ang="0">
-                  <a:pos x="connsiteX12" y="connsiteY12"/>
-                </a:cxn>
-                <a:cxn ang="0">
-                  <a:pos x="connsiteX13" y="connsiteY13"/>
-                </a:cxn>
-                <a:cxn ang="0">
-                  <a:pos x="connsiteX14" y="connsiteY14"/>
-                </a:cxn>
-                <a:cxn ang="0">
-                  <a:pos x="connsiteX15" y="connsiteY15"/>
-                </a:cxn>
-                <a:cxn ang="0">
-                  <a:pos x="connsiteX16" y="connsiteY16"/>
-                </a:cxn>
-                <a:cxn ang="0">
-                  <a:pos x="connsiteX17" y="connsiteY17"/>
-                </a:cxn>
-                <a:cxn ang="0">
-                  <a:pos x="connsiteX18" y="connsiteY18"/>
-                </a:cxn>
-                <a:cxn ang="0">
-                  <a:pos x="connsiteX19" y="connsiteY19"/>
-                </a:cxn>
-              </a:cxnLst>
-              <a:rect l="l" t="t" r="r" b="b"/>
-              <a:pathLst>
-                <a:path w="2356712" h="4118991">
-                  <a:moveTo>
-                    <a:pt x="1707071" y="0"/>
-                  </a:moveTo>
-                  <a:cubicBezTo>
-                    <a:pt x="1715357" y="22098"/>
-                    <a:pt x="1812608" y="224409"/>
-                    <a:pt x="1824514" y="244697"/>
-                  </a:cubicBezTo>
-                  <a:cubicBezTo>
-                    <a:pt x="1844802" y="279273"/>
-                    <a:pt x="1876996" y="304324"/>
-                    <a:pt x="1908715" y="328994"/>
-                  </a:cubicBezTo>
-                  <a:cubicBezTo>
-                    <a:pt x="2019967" y="415195"/>
-                    <a:pt x="2137886" y="494633"/>
-                    <a:pt x="2226469" y="603695"/>
-                  </a:cubicBezTo>
-                  <a:cubicBezTo>
-                    <a:pt x="2296287" y="689610"/>
-                    <a:pt x="2347817" y="790480"/>
-                    <a:pt x="2355628" y="900494"/>
-                  </a:cubicBezTo>
-                  <a:cubicBezTo>
-                    <a:pt x="2363248" y="1007078"/>
-                    <a:pt x="2329910" y="1111187"/>
-                    <a:pt x="2281428" y="1206913"/>
-                  </a:cubicBezTo>
-                  <a:cubicBezTo>
-                    <a:pt x="2233422" y="1301877"/>
-                    <a:pt x="2170938" y="1388936"/>
-                    <a:pt x="2092452" y="1460659"/>
-                  </a:cubicBezTo>
-                  <a:cubicBezTo>
-                    <a:pt x="2016538" y="1530001"/>
-                    <a:pt x="1927765" y="1583436"/>
-                    <a:pt x="1834039" y="1625822"/>
-                  </a:cubicBezTo>
-                  <a:cubicBezTo>
-                    <a:pt x="1743075" y="1666970"/>
-                    <a:pt x="1647730" y="1697736"/>
-                    <a:pt x="1558862" y="1743075"/>
-                  </a:cubicBezTo>
-                  <a:cubicBezTo>
-                    <a:pt x="1494758" y="1775841"/>
-                    <a:pt x="1434275" y="1816132"/>
-                    <a:pt x="1386554" y="1869948"/>
-                  </a:cubicBezTo>
-                  <a:cubicBezTo>
-                    <a:pt x="1334548" y="1928622"/>
-                    <a:pt x="1300544" y="2000345"/>
-                    <a:pt x="1271683" y="2073402"/>
-                  </a:cubicBezTo>
-                  <a:cubicBezTo>
-                    <a:pt x="1235202" y="2165699"/>
-                    <a:pt x="1206722" y="2260759"/>
-                    <a:pt x="1178338" y="2355914"/>
-                  </a:cubicBezTo>
-                  <a:cubicBezTo>
-                    <a:pt x="1156240" y="2429923"/>
-                    <a:pt x="1134237" y="2504028"/>
-                    <a:pt x="1113758" y="2578513"/>
-                  </a:cubicBezTo>
-                  <a:cubicBezTo>
-                    <a:pt x="1090041" y="2664714"/>
-                    <a:pt x="1068134" y="2751678"/>
-                    <a:pt x="1034796" y="2834640"/>
-                  </a:cubicBezTo>
-                  <a:cubicBezTo>
-                    <a:pt x="1000125" y="2920841"/>
-                    <a:pt x="953643" y="3001613"/>
-                    <a:pt x="905637" y="3081242"/>
-                  </a:cubicBezTo>
-                  <a:cubicBezTo>
-                    <a:pt x="869442" y="3141155"/>
-                    <a:pt x="832295" y="3200400"/>
-                    <a:pt x="793147" y="3258407"/>
-                  </a:cubicBezTo>
-                  <a:cubicBezTo>
-                    <a:pt x="718661" y="3368802"/>
-                    <a:pt x="637223" y="3474434"/>
-                    <a:pt x="546735" y="3571970"/>
-                  </a:cubicBezTo>
-                  <a:cubicBezTo>
-                    <a:pt x="482632" y="3641027"/>
-                    <a:pt x="414147" y="3705797"/>
-                    <a:pt x="346996" y="3771900"/>
-                  </a:cubicBezTo>
-                  <a:cubicBezTo>
-                    <a:pt x="288989" y="3828764"/>
-                    <a:pt x="232029" y="3886676"/>
-                    <a:pt x="174689" y="3944207"/>
-                  </a:cubicBezTo>
-                  <a:cubicBezTo>
-                    <a:pt x="116586" y="4002596"/>
-                    <a:pt x="58293" y="4060698"/>
-                    <a:pt x="0" y="4118991"/>
-                  </a:cubicBezTo>
-                </a:path>
-              </a:pathLst>
-            </a:custGeom>
-            <a:noFill/>
-            <a:ln w="9525" cap="rnd">
-              <a:solidFill>
-                <a:schemeClr val="accent2">
-                  <a:alpha val="75000"/>
-                </a:schemeClr>
-              </a:solidFill>
-              <a:prstDash val="lgDash"/>
-              <a:round/>
-            </a:ln>
-          </p:spPr>
-          <p:txBody>
-            <a:bodyPr rtlCol="0" anchor="ctr"/>
-            <a:lstStyle/>
-            <a:p>
-              <a:endParaRPr lang="en-US"/>
-            </a:p>
-          </p:txBody>
-        </p:sp>
-        <p:sp>
-          <p:nvSpPr>
-            <p:cNvPr id="69" name="Freeform: Shape 21">
-              <a:extLst>
-                <a:ext uri="{FF2B5EF4-FFF2-40B4-BE49-F238E27FC236}">
-                  <a16:creationId xmlns:a16="http://schemas.microsoft.com/office/drawing/2014/main" id="{75B8B1EB-5E2B-472C-AE60-2EC5961F16F9}"/>
-                </a:ext>
-                <a:ext uri="{C183D7F6-B498-43B3-948B-1728B52AA6E4}">
-                  <adec:decorative xmlns:adec="http://schemas.microsoft.com/office/drawing/2017/decorative" val="1"/>
-                </a:ext>
-              </a:extLst>
-            </p:cNvPr>
-            <p:cNvSpPr/>
-            <p:nvPr>
-              <p:extLst>
-                <p:ext uri="{386F3935-93C4-4BCD-93E2-E3B085C9AB24}">
-                  <p16:designElem xmlns:p16="http://schemas.microsoft.com/office/powerpoint/2015/main" val="1"/>
-                </p:ext>
-              </p:extLst>
-            </p:nvPr>
-          </p:nvSpPr>
-          <p:spPr>
-            <a:xfrm>
-              <a:off x="4473129" y="923925"/>
-              <a:ext cx="2059193" cy="3980116"/>
-            </a:xfrm>
-            <a:custGeom>
-              <a:avLst/>
-              <a:gdLst>
-                <a:gd name="connsiteX0" fmla="*/ 0 w 2059193"/>
-                <a:gd name="connsiteY0" fmla="*/ 3980116 h 3980116"/>
-                <a:gd name="connsiteX1" fmla="*/ 471583 w 2059193"/>
-                <a:gd name="connsiteY1" fmla="*/ 3515678 h 3980116"/>
-                <a:gd name="connsiteX2" fmla="*/ 758666 w 2059193"/>
-                <a:gd name="connsiteY2" fmla="*/ 3163824 h 3980116"/>
-                <a:gd name="connsiteX3" fmla="*/ 940499 w 2059193"/>
-                <a:gd name="connsiteY3" fmla="*/ 2780824 h 3980116"/>
-                <a:gd name="connsiteX4" fmla="*/ 1055370 w 2059193"/>
-                <a:gd name="connsiteY4" fmla="*/ 2242185 h 3980116"/>
-                <a:gd name="connsiteX5" fmla="*/ 1136714 w 2059193"/>
-                <a:gd name="connsiteY5" fmla="*/ 1878330 h 3980116"/>
-                <a:gd name="connsiteX6" fmla="*/ 1246727 w 2059193"/>
-                <a:gd name="connsiteY6" fmla="*/ 1562386 h 3980116"/>
-                <a:gd name="connsiteX7" fmla="*/ 1378363 w 2059193"/>
-                <a:gd name="connsiteY7" fmla="*/ 1430750 h 3980116"/>
-                <a:gd name="connsiteX8" fmla="*/ 1691831 w 2059193"/>
-                <a:gd name="connsiteY8" fmla="*/ 1394841 h 3980116"/>
-                <a:gd name="connsiteX9" fmla="*/ 1914335 w 2059193"/>
-                <a:gd name="connsiteY9" fmla="*/ 1323023 h 3980116"/>
-                <a:gd name="connsiteX10" fmla="*/ 2055495 w 2059193"/>
-                <a:gd name="connsiteY10" fmla="*/ 1098042 h 3980116"/>
-                <a:gd name="connsiteX11" fmla="*/ 2033969 w 2059193"/>
-                <a:gd name="connsiteY11" fmla="*/ 930497 h 3980116"/>
-                <a:gd name="connsiteX12" fmla="*/ 1885664 w 2059193"/>
-                <a:gd name="connsiteY12" fmla="*/ 760571 h 3980116"/>
-                <a:gd name="connsiteX13" fmla="*/ 1636871 w 2059193"/>
-                <a:gd name="connsiteY13" fmla="*/ 612172 h 3980116"/>
-                <a:gd name="connsiteX14" fmla="*/ 1335405 w 2059193"/>
-                <a:gd name="connsiteY14" fmla="*/ 459010 h 3980116"/>
-                <a:gd name="connsiteX15" fmla="*/ 1234916 w 2059193"/>
-                <a:gd name="connsiteY15" fmla="*/ 269939 h 3980116"/>
-                <a:gd name="connsiteX16" fmla="*/ 1386935 w 2059193"/>
-                <a:gd name="connsiteY16" fmla="*/ 0 h 3980116"/>
-              </a:gdLst>
-              <a:ahLst/>
-              <a:cxnLst>
-                <a:cxn ang="0">
-                  <a:pos x="connsiteX0" y="connsiteY0"/>
-                </a:cxn>
-                <a:cxn ang="0">
-                  <a:pos x="connsiteX1" y="connsiteY1"/>
-                </a:cxn>
-                <a:cxn ang="0">
-                  <a:pos x="connsiteX2" y="connsiteY2"/>
-                </a:cxn>
-                <a:cxn ang="0">
-                  <a:pos x="connsiteX3" y="connsiteY3"/>
-                </a:cxn>
-                <a:cxn ang="0">
-                  <a:pos x="connsiteX4" y="connsiteY4"/>
-                </a:cxn>
-                <a:cxn ang="0">
-                  <a:pos x="connsiteX5" y="connsiteY5"/>
-                </a:cxn>
-                <a:cxn ang="0">
-                  <a:pos x="connsiteX6" y="connsiteY6"/>
-                </a:cxn>
-                <a:cxn ang="0">
-                  <a:pos x="connsiteX7" y="connsiteY7"/>
-                </a:cxn>
-                <a:cxn ang="0">
-                  <a:pos x="connsiteX8" y="connsiteY8"/>
-                </a:cxn>
-                <a:cxn ang="0">
-                  <a:pos x="connsiteX9" y="connsiteY9"/>
-                </a:cxn>
-                <a:cxn ang="0">
-                  <a:pos x="connsiteX10" y="connsiteY10"/>
-                </a:cxn>
-                <a:cxn ang="0">
-                  <a:pos x="connsiteX11" y="connsiteY11"/>
-                </a:cxn>
-                <a:cxn ang="0">
-                  <a:pos x="connsiteX12" y="connsiteY12"/>
-                </a:cxn>
-                <a:cxn ang="0">
-                  <a:pos x="connsiteX13" y="connsiteY13"/>
-                </a:cxn>
-                <a:cxn ang="0">
-                  <a:pos x="connsiteX14" y="connsiteY14"/>
-                </a:cxn>
-                <a:cxn ang="0">
-                  <a:pos x="connsiteX15" y="connsiteY15"/>
-                </a:cxn>
-                <a:cxn ang="0">
-                  <a:pos x="connsiteX16" y="connsiteY16"/>
-                </a:cxn>
-              </a:cxnLst>
-              <a:rect l="l" t="t" r="r" b="b"/>
-              <a:pathLst>
-                <a:path w="2059193" h="3980116">
-                  <a:moveTo>
-                    <a:pt x="0" y="3980116"/>
-                  </a:moveTo>
-                  <a:cubicBezTo>
-                    <a:pt x="91345" y="3889534"/>
-                    <a:pt x="382715" y="3608737"/>
-                    <a:pt x="471583" y="3515678"/>
-                  </a:cubicBezTo>
-                  <a:cubicBezTo>
-                    <a:pt x="576358" y="3405949"/>
-                    <a:pt x="675989" y="3290983"/>
-                    <a:pt x="758666" y="3163824"/>
-                  </a:cubicBezTo>
-                  <a:cubicBezTo>
-                    <a:pt x="836105" y="3044857"/>
-                    <a:pt x="897445" y="2916079"/>
-                    <a:pt x="940499" y="2780824"/>
-                  </a:cubicBezTo>
-                  <a:cubicBezTo>
-                    <a:pt x="996315" y="2605754"/>
-                    <a:pt x="1020985" y="2422874"/>
-                    <a:pt x="1055370" y="2242185"/>
-                  </a:cubicBezTo>
-                  <a:cubicBezTo>
-                    <a:pt x="1078611" y="2120075"/>
-                    <a:pt x="1107472" y="1999107"/>
-                    <a:pt x="1136714" y="1878330"/>
-                  </a:cubicBezTo>
-                  <a:cubicBezTo>
-                    <a:pt x="1163098" y="1769174"/>
-                    <a:pt x="1189482" y="1658588"/>
-                    <a:pt x="1246727" y="1562386"/>
-                  </a:cubicBezTo>
-                  <a:cubicBezTo>
-                    <a:pt x="1279208" y="1507808"/>
-                    <a:pt x="1321689" y="1459039"/>
-                    <a:pt x="1378363" y="1430750"/>
-                  </a:cubicBezTo>
-                  <a:cubicBezTo>
-                    <a:pt x="1473327" y="1383221"/>
-                    <a:pt x="1584865" y="1402652"/>
-                    <a:pt x="1691831" y="1394841"/>
-                  </a:cubicBezTo>
-                  <a:cubicBezTo>
-                    <a:pt x="1771079" y="1389031"/>
-                    <a:pt x="1849279" y="1368266"/>
-                    <a:pt x="1914335" y="1323023"/>
-                  </a:cubicBezTo>
-                  <a:cubicBezTo>
-                    <a:pt x="1989963" y="1270445"/>
-                    <a:pt x="2041493" y="1189101"/>
-                    <a:pt x="2055495" y="1098042"/>
-                  </a:cubicBezTo>
-                  <a:cubicBezTo>
-                    <a:pt x="2064258" y="1041178"/>
-                    <a:pt x="2057591" y="982980"/>
-                    <a:pt x="2033969" y="930497"/>
-                  </a:cubicBezTo>
-                  <a:cubicBezTo>
-                    <a:pt x="2002727" y="861060"/>
-                    <a:pt x="1945958" y="807625"/>
-                    <a:pt x="1885664" y="760571"/>
-                  </a:cubicBezTo>
-                  <a:cubicBezTo>
-                    <a:pt x="1809179" y="700945"/>
-                    <a:pt x="1725549" y="651415"/>
-                    <a:pt x="1636871" y="612172"/>
-                  </a:cubicBezTo>
-                  <a:cubicBezTo>
-                    <a:pt x="1532763" y="566071"/>
-                    <a:pt x="1421606" y="532543"/>
-                    <a:pt x="1335405" y="459010"/>
-                  </a:cubicBezTo>
-                  <a:cubicBezTo>
-                    <a:pt x="1277969" y="409956"/>
-                    <a:pt x="1232059" y="344615"/>
-                    <a:pt x="1234916" y="269939"/>
-                  </a:cubicBezTo>
-                  <a:cubicBezTo>
-                    <a:pt x="1237012" y="211741"/>
-                    <a:pt x="1386935" y="0"/>
-                    <a:pt x="1386935" y="0"/>
-                  </a:cubicBezTo>
-                </a:path>
-              </a:pathLst>
-            </a:custGeom>
-            <a:noFill/>
-            <a:ln w="9525" cap="rnd">
-              <a:solidFill>
-                <a:schemeClr val="accent2">
-                  <a:alpha val="75000"/>
-                </a:schemeClr>
-              </a:solidFill>
-              <a:prstDash val="lgDash"/>
-              <a:round/>
-            </a:ln>
-          </p:spPr>
-          <p:txBody>
-            <a:bodyPr rtlCol="0" anchor="ctr"/>
-            <a:lstStyle/>
-            <a:p>
-              <a:endParaRPr lang="en-US"/>
-            </a:p>
-          </p:txBody>
-        </p:sp>
-        <p:sp>
-          <p:nvSpPr>
-            <p:cNvPr id="70" name="Freeform: Shape 22">
-              <a:extLst>
-                <a:ext uri="{FF2B5EF4-FFF2-40B4-BE49-F238E27FC236}">
-                  <a16:creationId xmlns:a16="http://schemas.microsoft.com/office/drawing/2014/main" id="{B4F5BD77-58D7-4B61-A666-1B4139A63A28}"/>
-                </a:ext>
-                <a:ext uri="{C183D7F6-B498-43B3-948B-1728B52AA6E4}">
-                  <adec:decorative xmlns:adec="http://schemas.microsoft.com/office/drawing/2017/decorative" val="1"/>
-                </a:ext>
-              </a:extLst>
-            </p:cNvPr>
-            <p:cNvSpPr/>
-            <p:nvPr>
-              <p:extLst>
-                <p:ext uri="{386F3935-93C4-4BCD-93E2-E3B085C9AB24}">
-                  <p16:designElem xmlns:p16="http://schemas.microsoft.com/office/powerpoint/2015/main" val="1"/>
-                </p:ext>
-              </p:extLst>
-            </p:nvPr>
-          </p:nvSpPr>
-          <p:spPr>
-            <a:xfrm>
-              <a:off x="4485131" y="1719357"/>
-              <a:ext cx="743796" cy="2867501"/>
-            </a:xfrm>
-            <a:custGeom>
-              <a:avLst/>
-              <a:gdLst>
-                <a:gd name="connsiteX0" fmla="*/ 11144 w 743796"/>
-                <a:gd name="connsiteY0" fmla="*/ 0 h 2867501"/>
-                <a:gd name="connsiteX1" fmla="*/ 353663 w 743796"/>
-                <a:gd name="connsiteY1" fmla="*/ 55245 h 2867501"/>
-                <a:gd name="connsiteX2" fmla="*/ 571405 w 743796"/>
-                <a:gd name="connsiteY2" fmla="*/ 179737 h 2867501"/>
-                <a:gd name="connsiteX3" fmla="*/ 688658 w 743796"/>
-                <a:gd name="connsiteY3" fmla="*/ 368808 h 2867501"/>
-                <a:gd name="connsiteX4" fmla="*/ 731711 w 743796"/>
-                <a:gd name="connsiteY4" fmla="*/ 612934 h 2867501"/>
-                <a:gd name="connsiteX5" fmla="*/ 725233 w 743796"/>
-                <a:gd name="connsiteY5" fmla="*/ 995648 h 2867501"/>
-                <a:gd name="connsiteX6" fmla="*/ 742855 w 743796"/>
-                <a:gd name="connsiteY6" fmla="*/ 1499330 h 2867501"/>
-                <a:gd name="connsiteX7" fmla="*/ 707898 w 743796"/>
-                <a:gd name="connsiteY7" fmla="*/ 1793081 h 2867501"/>
-                <a:gd name="connsiteX8" fmla="*/ 633222 w 743796"/>
-                <a:gd name="connsiteY8" fmla="*/ 2073592 h 2867501"/>
-                <a:gd name="connsiteX9" fmla="*/ 404527 w 743796"/>
-                <a:gd name="connsiteY9" fmla="*/ 2472404 h 2867501"/>
-                <a:gd name="connsiteX10" fmla="*/ 0 w 743796"/>
-                <a:gd name="connsiteY10" fmla="*/ 2867501 h 2867501"/>
-              </a:gdLst>
-              <a:ahLst/>
-              <a:cxnLst>
-                <a:cxn ang="0">
-                  <a:pos x="connsiteX0" y="connsiteY0"/>
-                </a:cxn>
-                <a:cxn ang="0">
-                  <a:pos x="connsiteX1" y="connsiteY1"/>
-                </a:cxn>
-                <a:cxn ang="0">
-                  <a:pos x="connsiteX2" y="connsiteY2"/>
-                </a:cxn>
-                <a:cxn ang="0">
-                  <a:pos x="connsiteX3" y="connsiteY3"/>
-                </a:cxn>
-                <a:cxn ang="0">
-                  <a:pos x="connsiteX4" y="connsiteY4"/>
-                </a:cxn>
-                <a:cxn ang="0">
-                  <a:pos x="connsiteX5" y="connsiteY5"/>
-                </a:cxn>
-                <a:cxn ang="0">
-                  <a:pos x="connsiteX6" y="connsiteY6"/>
-                </a:cxn>
-                <a:cxn ang="0">
-                  <a:pos x="connsiteX7" y="connsiteY7"/>
-                </a:cxn>
-                <a:cxn ang="0">
-                  <a:pos x="connsiteX8" y="connsiteY8"/>
-                </a:cxn>
-                <a:cxn ang="0">
-                  <a:pos x="connsiteX9" y="connsiteY9"/>
-                </a:cxn>
-                <a:cxn ang="0">
-                  <a:pos x="connsiteX10" y="connsiteY10"/>
-                </a:cxn>
-              </a:cxnLst>
-              <a:rect l="l" t="t" r="r" b="b"/>
-              <a:pathLst>
-                <a:path w="743796" h="2867501">
-                  <a:moveTo>
-                    <a:pt x="11144" y="0"/>
-                  </a:moveTo>
-                  <a:cubicBezTo>
-                    <a:pt x="101060" y="2953"/>
-                    <a:pt x="268796" y="25146"/>
-                    <a:pt x="353663" y="55245"/>
-                  </a:cubicBezTo>
-                  <a:cubicBezTo>
-                    <a:pt x="433483" y="83534"/>
-                    <a:pt x="510635" y="120967"/>
-                    <a:pt x="571405" y="179737"/>
-                  </a:cubicBezTo>
-                  <a:cubicBezTo>
-                    <a:pt x="625412" y="231934"/>
-                    <a:pt x="663607" y="297942"/>
-                    <a:pt x="688658" y="368808"/>
-                  </a:cubicBezTo>
-                  <a:cubicBezTo>
-                    <a:pt x="716375" y="447103"/>
-                    <a:pt x="727996" y="529876"/>
-                    <a:pt x="731711" y="612934"/>
-                  </a:cubicBezTo>
-                  <a:cubicBezTo>
-                    <a:pt x="737426" y="740474"/>
-                    <a:pt x="724948" y="867918"/>
-                    <a:pt x="725233" y="995648"/>
-                  </a:cubicBezTo>
-                  <a:cubicBezTo>
-                    <a:pt x="725710" y="1163765"/>
-                    <a:pt x="748665" y="1331309"/>
-                    <a:pt x="742855" y="1499330"/>
-                  </a:cubicBezTo>
-                  <a:cubicBezTo>
-                    <a:pt x="739426" y="1598009"/>
-                    <a:pt x="725996" y="1696022"/>
-                    <a:pt x="707898" y="1793081"/>
-                  </a:cubicBezTo>
-                  <a:cubicBezTo>
-                    <a:pt x="690086" y="1888426"/>
-                    <a:pt x="666845" y="1982724"/>
-                    <a:pt x="633222" y="2073592"/>
-                  </a:cubicBezTo>
-                  <a:cubicBezTo>
-                    <a:pt x="579692" y="2218182"/>
-                    <a:pt x="499682" y="2351056"/>
-                    <a:pt x="404527" y="2472404"/>
-                  </a:cubicBezTo>
-                  <a:cubicBezTo>
-                    <a:pt x="266033" y="2648902"/>
-                    <a:pt x="179642" y="2732818"/>
-                    <a:pt x="0" y="2867501"/>
-                  </a:cubicBezTo>
-                </a:path>
-              </a:pathLst>
-            </a:custGeom>
-            <a:noFill/>
-            <a:ln w="9525" cap="rnd">
-              <a:solidFill>
-                <a:schemeClr val="accent2">
-                  <a:alpha val="75000"/>
-                </a:schemeClr>
-              </a:solidFill>
-              <a:prstDash val="lgDash"/>
-              <a:round/>
-            </a:ln>
-          </p:spPr>
-          <p:txBody>
-            <a:bodyPr rtlCol="0" anchor="ctr"/>
-            <a:lstStyle/>
-            <a:p>
-              <a:endParaRPr lang="en-US"/>
-            </a:p>
-          </p:txBody>
-        </p:sp>
-        <p:sp>
-          <p:nvSpPr>
-            <p:cNvPr id="71" name="Freeform: Shape 23">
-              <a:extLst>
-                <a:ext uri="{FF2B5EF4-FFF2-40B4-BE49-F238E27FC236}">
-                  <a16:creationId xmlns:a16="http://schemas.microsoft.com/office/drawing/2014/main" id="{F5CBEC6B-EDB6-40B8-8771-E5AF41B8D698}"/>
-                </a:ext>
-                <a:ext uri="{C183D7F6-B498-43B3-948B-1728B52AA6E4}">
-                  <adec:decorative xmlns:adec="http://schemas.microsoft.com/office/drawing/2017/decorative" val="1"/>
-                </a:ext>
-              </a:extLst>
-            </p:cNvPr>
-            <p:cNvSpPr/>
-            <p:nvPr>
-              <p:extLst>
-                <p:ext uri="{386F3935-93C4-4BCD-93E2-E3B085C9AB24}">
-                  <p16:designElem xmlns:p16="http://schemas.microsoft.com/office/powerpoint/2015/main" val="1"/>
-                </p:ext>
-              </p:extLst>
-            </p:nvPr>
-          </p:nvSpPr>
-          <p:spPr>
-            <a:xfrm>
-              <a:off x="4473129" y="1912731"/>
-              <a:ext cx="597294" cy="2543540"/>
-            </a:xfrm>
-            <a:custGeom>
-              <a:avLst/>
-              <a:gdLst>
-                <a:gd name="connsiteX0" fmla="*/ 16478 w 597294"/>
-                <a:gd name="connsiteY0" fmla="*/ 2079 h 2543540"/>
-                <a:gd name="connsiteX1" fmla="*/ 299847 w 597294"/>
-                <a:gd name="connsiteY1" fmla="*/ 53991 h 2543540"/>
-                <a:gd name="connsiteX2" fmla="*/ 503206 w 597294"/>
-                <a:gd name="connsiteY2" fmla="*/ 291354 h 2543540"/>
-                <a:gd name="connsiteX3" fmla="*/ 525113 w 597294"/>
-                <a:gd name="connsiteY3" fmla="*/ 724265 h 2543540"/>
-                <a:gd name="connsiteX4" fmla="*/ 578930 w 597294"/>
-                <a:gd name="connsiteY4" fmla="*/ 1117267 h 2543540"/>
-                <a:gd name="connsiteX5" fmla="*/ 592931 w 597294"/>
-                <a:gd name="connsiteY5" fmla="*/ 1476359 h 2543540"/>
-                <a:gd name="connsiteX6" fmla="*/ 503206 w 597294"/>
-                <a:gd name="connsiteY6" fmla="*/ 1859359 h 2543540"/>
-                <a:gd name="connsiteX7" fmla="*/ 291846 w 597294"/>
-                <a:gd name="connsiteY7" fmla="*/ 2250361 h 2543540"/>
-                <a:gd name="connsiteX8" fmla="*/ 0 w 597294"/>
-                <a:gd name="connsiteY8" fmla="*/ 2543540 h 2543540"/>
-              </a:gdLst>
-              <a:ahLst/>
-              <a:cxnLst>
-                <a:cxn ang="0">
-                  <a:pos x="connsiteX0" y="connsiteY0"/>
-                </a:cxn>
-                <a:cxn ang="0">
-                  <a:pos x="connsiteX1" y="connsiteY1"/>
-                </a:cxn>
-                <a:cxn ang="0">
-                  <a:pos x="connsiteX2" y="connsiteY2"/>
-                </a:cxn>
-                <a:cxn ang="0">
-                  <a:pos x="connsiteX3" y="connsiteY3"/>
-                </a:cxn>
-                <a:cxn ang="0">
-                  <a:pos x="connsiteX4" y="connsiteY4"/>
-                </a:cxn>
-                <a:cxn ang="0">
-                  <a:pos x="connsiteX5" y="connsiteY5"/>
-                </a:cxn>
-                <a:cxn ang="0">
-                  <a:pos x="connsiteX6" y="connsiteY6"/>
-                </a:cxn>
-                <a:cxn ang="0">
-                  <a:pos x="connsiteX7" y="connsiteY7"/>
-                </a:cxn>
-                <a:cxn ang="0">
-                  <a:pos x="connsiteX8" y="connsiteY8"/>
-                </a:cxn>
-              </a:cxnLst>
-              <a:rect l="l" t="t" r="r" b="b"/>
-              <a:pathLst>
-                <a:path w="597294" h="2543540">
-                  <a:moveTo>
-                    <a:pt x="16478" y="2079"/>
-                  </a:moveTo>
-                  <a:cubicBezTo>
-                    <a:pt x="101441" y="-6684"/>
-                    <a:pt x="224885" y="12557"/>
-                    <a:pt x="299847" y="53991"/>
-                  </a:cubicBezTo>
-                  <a:cubicBezTo>
-                    <a:pt x="394240" y="106092"/>
-                    <a:pt x="468440" y="189341"/>
-                    <a:pt x="503206" y="291354"/>
-                  </a:cubicBezTo>
-                  <a:cubicBezTo>
-                    <a:pt x="550069" y="429085"/>
-                    <a:pt x="520827" y="577770"/>
-                    <a:pt x="525113" y="724265"/>
-                  </a:cubicBezTo>
-                  <a:cubicBezTo>
-                    <a:pt x="529019" y="856472"/>
-                    <a:pt x="561118" y="986012"/>
-                    <a:pt x="578930" y="1117267"/>
-                  </a:cubicBezTo>
-                  <a:cubicBezTo>
-                    <a:pt x="595122" y="1236234"/>
-                    <a:pt x="602742" y="1356630"/>
-                    <a:pt x="592931" y="1476359"/>
-                  </a:cubicBezTo>
-                  <a:cubicBezTo>
-                    <a:pt x="582073" y="1607709"/>
-                    <a:pt x="549783" y="1736011"/>
-                    <a:pt x="503206" y="1859359"/>
-                  </a:cubicBezTo>
-                  <a:cubicBezTo>
-                    <a:pt x="450628" y="1998710"/>
-                    <a:pt x="383857" y="2133298"/>
-                    <a:pt x="291846" y="2250361"/>
-                  </a:cubicBezTo>
-                  <a:cubicBezTo>
-                    <a:pt x="231553" y="2327132"/>
-                    <a:pt x="73819" y="2479532"/>
-                    <a:pt x="0" y="2543540"/>
-                  </a:cubicBezTo>
-                </a:path>
-              </a:pathLst>
-            </a:custGeom>
-            <a:noFill/>
-            <a:ln w="9525" cap="rnd">
-              <a:solidFill>
-                <a:schemeClr val="accent2">
-                  <a:alpha val="75000"/>
-                </a:schemeClr>
-              </a:solidFill>
-              <a:prstDash val="lgDash"/>
-              <a:round/>
-            </a:ln>
-          </p:spPr>
-          <p:txBody>
-            <a:bodyPr rtlCol="0" anchor="ctr"/>
-            <a:lstStyle/>
-            <a:p>
-              <a:endParaRPr lang="en-US"/>
-            </a:p>
-          </p:txBody>
-        </p:sp>
-        <p:sp>
-          <p:nvSpPr>
-            <p:cNvPr id="25" name="Freeform: Shape 24">
-              <a:extLst>
-                <a:ext uri="{FF2B5EF4-FFF2-40B4-BE49-F238E27FC236}">
-                  <a16:creationId xmlns:a16="http://schemas.microsoft.com/office/drawing/2014/main" id="{91BD0EE8-AA47-4044-9251-9F5A4B820120}"/>
-                </a:ext>
-                <a:ext uri="{C183D7F6-B498-43B3-948B-1728B52AA6E4}">
-                  <adec:decorative xmlns:adec="http://schemas.microsoft.com/office/drawing/2017/decorative" val="1"/>
-                </a:ext>
-              </a:extLst>
-            </p:cNvPr>
-            <p:cNvSpPr/>
-            <p:nvPr>
-              <p:extLst>
-                <p:ext uri="{386F3935-93C4-4BCD-93E2-E3B085C9AB24}">
-                  <p16:designElem xmlns:p16="http://schemas.microsoft.com/office/powerpoint/2015/main" val="1"/>
-                </p:ext>
-              </p:extLst>
-            </p:nvPr>
-          </p:nvSpPr>
-          <p:spPr>
-            <a:xfrm>
-              <a:off x="4491417" y="2227197"/>
-              <a:ext cx="389425" cy="2011236"/>
-            </a:xfrm>
-            <a:custGeom>
-              <a:avLst/>
-              <a:gdLst>
-                <a:gd name="connsiteX0" fmla="*/ 0 w 389425"/>
-                <a:gd name="connsiteY0" fmla="*/ 33 h 2011236"/>
-                <a:gd name="connsiteX1" fmla="*/ 171260 w 389425"/>
-                <a:gd name="connsiteY1" fmla="*/ 60326 h 2011236"/>
-                <a:gd name="connsiteX2" fmla="*/ 211455 w 389425"/>
-                <a:gd name="connsiteY2" fmla="*/ 221204 h 2011236"/>
-                <a:gd name="connsiteX3" fmla="*/ 243078 w 389425"/>
-                <a:gd name="connsiteY3" fmla="*/ 448089 h 2011236"/>
-                <a:gd name="connsiteX4" fmla="*/ 346424 w 389425"/>
-                <a:gd name="connsiteY4" fmla="*/ 789941 h 2011236"/>
-                <a:gd name="connsiteX5" fmla="*/ 372237 w 389425"/>
-                <a:gd name="connsiteY5" fmla="*/ 942151 h 2011236"/>
-                <a:gd name="connsiteX6" fmla="*/ 386620 w 389425"/>
-                <a:gd name="connsiteY6" fmla="*/ 1272478 h 2011236"/>
-                <a:gd name="connsiteX7" fmla="*/ 280416 w 389425"/>
-                <a:gd name="connsiteY7" fmla="*/ 1660241 h 2011236"/>
-                <a:gd name="connsiteX8" fmla="*/ 151257 w 389425"/>
-                <a:gd name="connsiteY8" fmla="*/ 1844073 h 2011236"/>
-                <a:gd name="connsiteX9" fmla="*/ 1905 w 389425"/>
-                <a:gd name="connsiteY9" fmla="*/ 2011237 h 2011236"/>
-              </a:gdLst>
-              <a:ahLst/>
-              <a:cxnLst>
-                <a:cxn ang="0">
-                  <a:pos x="connsiteX0" y="connsiteY0"/>
-                </a:cxn>
-                <a:cxn ang="0">
-                  <a:pos x="connsiteX1" y="connsiteY1"/>
-                </a:cxn>
-                <a:cxn ang="0">
-                  <a:pos x="connsiteX2" y="connsiteY2"/>
-                </a:cxn>
-                <a:cxn ang="0">
-                  <a:pos x="connsiteX3" y="connsiteY3"/>
-                </a:cxn>
-                <a:cxn ang="0">
-                  <a:pos x="connsiteX4" y="connsiteY4"/>
-                </a:cxn>
-                <a:cxn ang="0">
-                  <a:pos x="connsiteX5" y="connsiteY5"/>
-                </a:cxn>
-                <a:cxn ang="0">
-                  <a:pos x="connsiteX6" y="connsiteY6"/>
-                </a:cxn>
-                <a:cxn ang="0">
-                  <a:pos x="connsiteX7" y="connsiteY7"/>
-                </a:cxn>
-                <a:cxn ang="0">
-                  <a:pos x="connsiteX8" y="connsiteY8"/>
-                </a:cxn>
-                <a:cxn ang="0">
-                  <a:pos x="connsiteX9" y="connsiteY9"/>
-                </a:cxn>
-              </a:cxnLst>
-              <a:rect l="l" t="t" r="r" b="b"/>
-              <a:pathLst>
-                <a:path w="389425" h="2011236">
-                  <a:moveTo>
-                    <a:pt x="0" y="33"/>
-                  </a:moveTo>
-                  <a:cubicBezTo>
-                    <a:pt x="57912" y="-824"/>
-                    <a:pt x="136112" y="14892"/>
-                    <a:pt x="171260" y="60326"/>
-                  </a:cubicBezTo>
-                  <a:cubicBezTo>
-                    <a:pt x="205645" y="104903"/>
-                    <a:pt x="207740" y="164244"/>
-                    <a:pt x="211455" y="221204"/>
-                  </a:cubicBezTo>
-                  <a:cubicBezTo>
-                    <a:pt x="216408" y="297594"/>
-                    <a:pt x="225838" y="373604"/>
-                    <a:pt x="243078" y="448089"/>
-                  </a:cubicBezTo>
-                  <a:cubicBezTo>
-                    <a:pt x="269939" y="564199"/>
-                    <a:pt x="319183" y="673927"/>
-                    <a:pt x="346424" y="789941"/>
-                  </a:cubicBezTo>
-                  <a:cubicBezTo>
-                    <a:pt x="358235" y="840043"/>
-                    <a:pt x="365951" y="891097"/>
-                    <a:pt x="372237" y="942151"/>
-                  </a:cubicBezTo>
-                  <a:cubicBezTo>
-                    <a:pt x="385858" y="1051784"/>
-                    <a:pt x="394049" y="1162274"/>
-                    <a:pt x="386620" y="1272478"/>
-                  </a:cubicBezTo>
-                  <a:cubicBezTo>
-                    <a:pt x="377476" y="1407828"/>
-                    <a:pt x="344996" y="1541178"/>
-                    <a:pt x="280416" y="1660241"/>
-                  </a:cubicBezTo>
-                  <a:cubicBezTo>
-                    <a:pt x="244602" y="1726249"/>
-                    <a:pt x="199358" y="1786352"/>
-                    <a:pt x="151257" y="1844073"/>
-                  </a:cubicBezTo>
-                  <a:cubicBezTo>
-                    <a:pt x="79534" y="1930084"/>
-                    <a:pt x="89345" y="1941419"/>
-                    <a:pt x="1905" y="2011237"/>
-                  </a:cubicBezTo>
-                </a:path>
-              </a:pathLst>
-            </a:custGeom>
-            <a:noFill/>
-            <a:ln w="9525" cap="rnd">
-              <a:solidFill>
-                <a:schemeClr val="accent2">
-                  <a:alpha val="75000"/>
-                </a:schemeClr>
-              </a:solidFill>
-              <a:prstDash val="lgDash"/>
-              <a:round/>
-            </a:ln>
-          </p:spPr>
-          <p:txBody>
-            <a:bodyPr rtlCol="0" anchor="ctr"/>
-            <a:lstStyle/>
-            <a:p>
-              <a:endParaRPr lang="en-US" dirty="0"/>
-            </a:p>
-          </p:txBody>
-        </p:sp>
-      </p:grpSp>
-      <p:grpSp>
-        <p:nvGrpSpPr>
-          <p:cNvPr id="72" name="Graphic 157">
-            <a:extLst>
-              <a:ext uri="{FF2B5EF4-FFF2-40B4-BE49-F238E27FC236}">
-                <a16:creationId xmlns:a16="http://schemas.microsoft.com/office/drawing/2014/main" id="{C3279E8D-2BAA-4CB1-834B-09FADD54DE56}"/>
-              </a:ext>
-              <a:ext uri="{C183D7F6-B498-43B3-948B-1728B52AA6E4}">
-                <adec:decorative xmlns:adec="http://schemas.microsoft.com/office/drawing/2017/decorative" val="1"/>
-              </a:ext>
-            </a:extLst>
-          </p:cNvPr>
-          <p:cNvGrpSpPr>
-            <a:grpSpLocks noGrp="1" noUngrp="1" noRot="1" noChangeAspect="1" noMove="1" noResize="1"/>
-          </p:cNvGrpSpPr>
-          <p:nvPr>
-            <p:extLst>
-              <p:ext uri="{386F3935-93C4-4BCD-93E2-E3B085C9AB24}">
-                <p16:designElem xmlns:p16="http://schemas.microsoft.com/office/powerpoint/2015/main" val="1"/>
-              </p:ext>
-            </p:extLst>
-          </p:nvPr>
-        </p:nvGrpSpPr>
-        <p:grpSpPr>
-          <a:xfrm>
-            <a:off x="8610600" y="3276600"/>
-            <a:ext cx="3529260" cy="3581398"/>
-            <a:chOff x="4114800" y="1423987"/>
-            <a:chExt cx="3961542" cy="4007547"/>
-          </a:xfrm>
-          <a:noFill/>
-        </p:grpSpPr>
-        <p:sp>
-          <p:nvSpPr>
-            <p:cNvPr id="28" name="Freeform: Shape 27">
-              <a:extLst>
-                <a:ext uri="{FF2B5EF4-FFF2-40B4-BE49-F238E27FC236}">
-                  <a16:creationId xmlns:a16="http://schemas.microsoft.com/office/drawing/2014/main" id="{3456F18E-4F61-486D-9CD6-65B30372C534}"/>
-                </a:ext>
-                <a:ext uri="{C183D7F6-B498-43B3-948B-1728B52AA6E4}">
-                  <adec:decorative xmlns:adec="http://schemas.microsoft.com/office/drawing/2017/decorative" val="1"/>
-                </a:ext>
-              </a:extLst>
-            </p:cNvPr>
-            <p:cNvSpPr/>
-            <p:nvPr>
-              <p:extLst>
-                <p:ext uri="{386F3935-93C4-4BCD-93E2-E3B085C9AB24}">
-                  <p16:designElem xmlns:p16="http://schemas.microsoft.com/office/powerpoint/2015/main" val="1"/>
-                </p:ext>
-              </p:extLst>
-            </p:nvPr>
-          </p:nvSpPr>
-          <p:spPr>
-            <a:xfrm>
-              <a:off x="4114800" y="1423987"/>
-              <a:ext cx="3946874" cy="3989641"/>
-            </a:xfrm>
-            <a:custGeom>
-              <a:avLst/>
-              <a:gdLst>
-                <a:gd name="connsiteX0" fmla="*/ 0 w 3946874"/>
-                <a:gd name="connsiteY0" fmla="*/ 3989641 h 3989641"/>
-                <a:gd name="connsiteX1" fmla="*/ 79439 w 3946874"/>
-                <a:gd name="connsiteY1" fmla="*/ 3891153 h 3989641"/>
-                <a:gd name="connsiteX2" fmla="*/ 297371 w 3946874"/>
-                <a:gd name="connsiteY2" fmla="*/ 3626930 h 3989641"/>
-                <a:gd name="connsiteX3" fmla="*/ 454343 w 3946874"/>
-                <a:gd name="connsiteY3" fmla="*/ 3440335 h 3989641"/>
-                <a:gd name="connsiteX4" fmla="*/ 622363 w 3946874"/>
-                <a:gd name="connsiteY4" fmla="*/ 3290697 h 3989641"/>
-                <a:gd name="connsiteX5" fmla="*/ 927068 w 3946874"/>
-                <a:gd name="connsiteY5" fmla="*/ 3087434 h 3989641"/>
-                <a:gd name="connsiteX6" fmla="*/ 1176338 w 3946874"/>
-                <a:gd name="connsiteY6" fmla="*/ 2915603 h 3989641"/>
-                <a:gd name="connsiteX7" fmla="*/ 1394270 w 3946874"/>
-                <a:gd name="connsiteY7" fmla="*/ 2780729 h 3989641"/>
-                <a:gd name="connsiteX8" fmla="*/ 1601057 w 3946874"/>
-                <a:gd name="connsiteY8" fmla="*/ 2723483 h 3989641"/>
-                <a:gd name="connsiteX9" fmla="*/ 1756220 w 3946874"/>
-                <a:gd name="connsiteY9" fmla="*/ 2743772 h 3989641"/>
-                <a:gd name="connsiteX10" fmla="*/ 1889189 w 3946874"/>
-                <a:gd name="connsiteY10" fmla="*/ 2765965 h 3989641"/>
-                <a:gd name="connsiteX11" fmla="*/ 2007394 w 3946874"/>
-                <a:gd name="connsiteY11" fmla="*/ 2765965 h 3989641"/>
-                <a:gd name="connsiteX12" fmla="*/ 2184654 w 3946874"/>
-                <a:gd name="connsiteY12" fmla="*/ 2671763 h 3989641"/>
-                <a:gd name="connsiteX13" fmla="*/ 2372773 w 3946874"/>
-                <a:gd name="connsiteY13" fmla="*/ 2538984 h 3989641"/>
-                <a:gd name="connsiteX14" fmla="*/ 2439543 w 3946874"/>
-                <a:gd name="connsiteY14" fmla="*/ 2510504 h 3989641"/>
-                <a:gd name="connsiteX15" fmla="*/ 2650617 w 3946874"/>
-                <a:gd name="connsiteY15" fmla="*/ 2434781 h 3989641"/>
-                <a:gd name="connsiteX16" fmla="*/ 2785110 w 3946874"/>
-                <a:gd name="connsiteY16" fmla="*/ 2383060 h 3989641"/>
-                <a:gd name="connsiteX17" fmla="*/ 2897315 w 3946874"/>
-                <a:gd name="connsiteY17" fmla="*/ 2318861 h 3989641"/>
-                <a:gd name="connsiteX18" fmla="*/ 2997994 w 3946874"/>
-                <a:gd name="connsiteY18" fmla="*/ 2226183 h 3989641"/>
-                <a:gd name="connsiteX19" fmla="*/ 3061240 w 3946874"/>
-                <a:gd name="connsiteY19" fmla="*/ 2141506 h 3989641"/>
-                <a:gd name="connsiteX20" fmla="*/ 3152108 w 3946874"/>
-                <a:gd name="connsiteY20" fmla="*/ 2005203 h 3989641"/>
-                <a:gd name="connsiteX21" fmla="*/ 3274124 w 3946874"/>
-                <a:gd name="connsiteY21" fmla="*/ 1871567 h 3989641"/>
-                <a:gd name="connsiteX22" fmla="*/ 3388138 w 3946874"/>
-                <a:gd name="connsiteY22" fmla="*/ 1770888 h 3989641"/>
-                <a:gd name="connsiteX23" fmla="*/ 3466529 w 3946874"/>
-                <a:gd name="connsiteY23" fmla="*/ 1679162 h 3989641"/>
-                <a:gd name="connsiteX24" fmla="*/ 3538633 w 3946874"/>
-                <a:gd name="connsiteY24" fmla="*/ 1551718 h 3989641"/>
-                <a:gd name="connsiteX25" fmla="*/ 3588544 w 3946874"/>
-                <a:gd name="connsiteY25" fmla="*/ 1376172 h 3989641"/>
-                <a:gd name="connsiteX26" fmla="*/ 3597402 w 3946874"/>
-                <a:gd name="connsiteY26" fmla="*/ 1293305 h 3989641"/>
-                <a:gd name="connsiteX27" fmla="*/ 3721227 w 3946874"/>
-                <a:gd name="connsiteY27" fmla="*/ 880491 h 3989641"/>
-                <a:gd name="connsiteX28" fmla="*/ 3761137 w 3946874"/>
-                <a:gd name="connsiteY28" fmla="*/ 463677 h 3989641"/>
-                <a:gd name="connsiteX29" fmla="*/ 3946874 w 3946874"/>
-                <a:gd name="connsiteY29" fmla="*/ 0 h 3989641"/>
-              </a:gdLst>
-              <a:ahLst/>
-              <a:cxnLst>
-                <a:cxn ang="0">
-                  <a:pos x="connsiteX0" y="connsiteY0"/>
-                </a:cxn>
-                <a:cxn ang="0">
-                  <a:pos x="connsiteX1" y="connsiteY1"/>
-                </a:cxn>
-                <a:cxn ang="0">
-                  <a:pos x="connsiteX2" y="connsiteY2"/>
-                </a:cxn>
-                <a:cxn ang="0">
-                  <a:pos x="connsiteX3" y="connsiteY3"/>
-                </a:cxn>
-                <a:cxn ang="0">
-                  <a:pos x="connsiteX4" y="connsiteY4"/>
-                </a:cxn>
-                <a:cxn ang="0">
-                  <a:pos x="connsiteX5" y="connsiteY5"/>
-                </a:cxn>
-                <a:cxn ang="0">
-                  <a:pos x="connsiteX6" y="connsiteY6"/>
-                </a:cxn>
-                <a:cxn ang="0">
-                  <a:pos x="connsiteX7" y="connsiteY7"/>
-                </a:cxn>
-                <a:cxn ang="0">
-                  <a:pos x="connsiteX8" y="connsiteY8"/>
-                </a:cxn>
-                <a:cxn ang="0">
-                  <a:pos x="connsiteX9" y="connsiteY9"/>
-                </a:cxn>
-                <a:cxn ang="0">
-                  <a:pos x="connsiteX10" y="connsiteY10"/>
-                </a:cxn>
-                <a:cxn ang="0">
-                  <a:pos x="connsiteX11" y="connsiteY11"/>
-                </a:cxn>
-                <a:cxn ang="0">
-                  <a:pos x="connsiteX12" y="connsiteY12"/>
-                </a:cxn>
-                <a:cxn ang="0">
-                  <a:pos x="connsiteX13" y="connsiteY13"/>
-                </a:cxn>
-                <a:cxn ang="0">
-                  <a:pos x="connsiteX14" y="connsiteY14"/>
-                </a:cxn>
-                <a:cxn ang="0">
-                  <a:pos x="connsiteX15" y="connsiteY15"/>
-                </a:cxn>
-                <a:cxn ang="0">
-                  <a:pos x="connsiteX16" y="connsiteY16"/>
-                </a:cxn>
-                <a:cxn ang="0">
-                  <a:pos x="connsiteX17" y="connsiteY17"/>
-                </a:cxn>
-                <a:cxn ang="0">
-                  <a:pos x="connsiteX18" y="connsiteY18"/>
-                </a:cxn>
-                <a:cxn ang="0">
-                  <a:pos x="connsiteX19" y="connsiteY19"/>
-                </a:cxn>
-                <a:cxn ang="0">
-                  <a:pos x="connsiteX20" y="connsiteY20"/>
-                </a:cxn>
-                <a:cxn ang="0">
-                  <a:pos x="connsiteX21" y="connsiteY21"/>
-                </a:cxn>
-                <a:cxn ang="0">
-                  <a:pos x="connsiteX22" y="connsiteY22"/>
-                </a:cxn>
-                <a:cxn ang="0">
-                  <a:pos x="connsiteX23" y="connsiteY23"/>
-                </a:cxn>
-                <a:cxn ang="0">
-                  <a:pos x="connsiteX24" y="connsiteY24"/>
-                </a:cxn>
-                <a:cxn ang="0">
-                  <a:pos x="connsiteX25" y="connsiteY25"/>
-                </a:cxn>
-                <a:cxn ang="0">
-                  <a:pos x="connsiteX26" y="connsiteY26"/>
-                </a:cxn>
-                <a:cxn ang="0">
-                  <a:pos x="connsiteX27" y="connsiteY27"/>
-                </a:cxn>
-                <a:cxn ang="0">
-                  <a:pos x="connsiteX28" y="connsiteY28"/>
-                </a:cxn>
-                <a:cxn ang="0">
-                  <a:pos x="connsiteX29" y="connsiteY29"/>
-                </a:cxn>
-              </a:cxnLst>
-              <a:rect l="l" t="t" r="r" b="b"/>
-              <a:pathLst>
-                <a:path w="3946874" h="3989641">
-                  <a:moveTo>
-                    <a:pt x="0" y="3989641"/>
-                  </a:moveTo>
-                  <a:cubicBezTo>
-                    <a:pt x="19050" y="3957257"/>
-                    <a:pt x="50959" y="3916013"/>
-                    <a:pt x="79439" y="3891153"/>
-                  </a:cubicBezTo>
-                  <a:cubicBezTo>
-                    <a:pt x="165544" y="3815906"/>
-                    <a:pt x="227933" y="3717989"/>
-                    <a:pt x="297371" y="3626930"/>
-                  </a:cubicBezTo>
-                  <a:cubicBezTo>
-                    <a:pt x="346615" y="3562255"/>
-                    <a:pt x="398050" y="3499009"/>
-                    <a:pt x="454343" y="3440335"/>
-                  </a:cubicBezTo>
-                  <a:cubicBezTo>
-                    <a:pt x="506349" y="3386042"/>
-                    <a:pt x="562642" y="3336227"/>
-                    <a:pt x="622363" y="3290697"/>
-                  </a:cubicBezTo>
-                  <a:cubicBezTo>
-                    <a:pt x="719519" y="3216688"/>
-                    <a:pt x="824960" y="3154585"/>
-                    <a:pt x="927068" y="3087434"/>
-                  </a:cubicBezTo>
-                  <a:cubicBezTo>
-                    <a:pt x="1011365" y="3031998"/>
-                    <a:pt x="1093565" y="2973324"/>
-                    <a:pt x="1176338" y="2915603"/>
-                  </a:cubicBezTo>
-                  <a:cubicBezTo>
-                    <a:pt x="1246537" y="2866644"/>
-                    <a:pt x="1317308" y="2818066"/>
-                    <a:pt x="1394270" y="2780729"/>
-                  </a:cubicBezTo>
-                  <a:cubicBezTo>
-                    <a:pt x="1459421" y="2749106"/>
-                    <a:pt x="1528763" y="2724436"/>
-                    <a:pt x="1601057" y="2723483"/>
-                  </a:cubicBezTo>
-                  <a:cubicBezTo>
-                    <a:pt x="1653350" y="2722721"/>
-                    <a:pt x="1704785" y="2733485"/>
-                    <a:pt x="1756220" y="2743772"/>
-                  </a:cubicBezTo>
-                  <a:cubicBezTo>
-                    <a:pt x="1800320" y="2752630"/>
-                    <a:pt x="1844612" y="2760250"/>
-                    <a:pt x="1889189" y="2765965"/>
-                  </a:cubicBezTo>
-                  <a:cubicBezTo>
-                    <a:pt x="1928622" y="2771013"/>
-                    <a:pt x="1968437" y="2773299"/>
-                    <a:pt x="2007394" y="2765965"/>
-                  </a:cubicBezTo>
-                  <a:cubicBezTo>
-                    <a:pt x="2073878" y="2753487"/>
-                    <a:pt x="2130647" y="2712911"/>
-                    <a:pt x="2184654" y="2671763"/>
-                  </a:cubicBezTo>
-                  <a:cubicBezTo>
-                    <a:pt x="2245900" y="2625090"/>
-                    <a:pt x="2304002" y="2573465"/>
-                    <a:pt x="2372773" y="2538984"/>
-                  </a:cubicBezTo>
-                  <a:cubicBezTo>
-                    <a:pt x="2394395" y="2528126"/>
-                    <a:pt x="2416874" y="2518982"/>
-                    <a:pt x="2439543" y="2510504"/>
-                  </a:cubicBezTo>
-                  <a:cubicBezTo>
-                    <a:pt x="2509552" y="2484215"/>
-                    <a:pt x="2580037" y="2459450"/>
-                    <a:pt x="2650617" y="2434781"/>
-                  </a:cubicBezTo>
-                  <a:cubicBezTo>
-                    <a:pt x="2695956" y="2418874"/>
-                    <a:pt x="2741295" y="2402872"/>
-                    <a:pt x="2785110" y="2383060"/>
-                  </a:cubicBezTo>
-                  <a:cubicBezTo>
-                    <a:pt x="2824448" y="2365248"/>
-                    <a:pt x="2862358" y="2344198"/>
-                    <a:pt x="2897315" y="2318861"/>
-                  </a:cubicBezTo>
-                  <a:cubicBezTo>
-                    <a:pt x="2934367" y="2292096"/>
-                    <a:pt x="2968085" y="2260854"/>
-                    <a:pt x="2997994" y="2226183"/>
-                  </a:cubicBezTo>
-                  <a:cubicBezTo>
-                    <a:pt x="3020949" y="2199513"/>
-                    <a:pt x="3041714" y="2170938"/>
-                    <a:pt x="3061240" y="2141506"/>
-                  </a:cubicBezTo>
-                  <a:cubicBezTo>
-                    <a:pt x="3091529" y="2095976"/>
-                    <a:pt x="3119533" y="2049018"/>
-                    <a:pt x="3152108" y="2005203"/>
-                  </a:cubicBezTo>
-                  <a:cubicBezTo>
-                    <a:pt x="3188113" y="1956626"/>
-                    <a:pt x="3229261" y="1912144"/>
-                    <a:pt x="3274124" y="1871567"/>
-                  </a:cubicBezTo>
-                  <a:cubicBezTo>
-                    <a:pt x="3311747" y="1837563"/>
-                    <a:pt x="3351848" y="1806321"/>
-                    <a:pt x="3388138" y="1770888"/>
-                  </a:cubicBezTo>
-                  <a:cubicBezTo>
-                    <a:pt x="3416999" y="1742694"/>
-                    <a:pt x="3443002" y="1711833"/>
-                    <a:pt x="3466529" y="1679162"/>
-                  </a:cubicBezTo>
-                  <a:cubicBezTo>
-                    <a:pt x="3495008" y="1639348"/>
-                    <a:pt x="3519392" y="1596771"/>
-                    <a:pt x="3538633" y="1551718"/>
-                  </a:cubicBezTo>
-                  <a:cubicBezTo>
-                    <a:pt x="3562731" y="1495616"/>
-                    <a:pt x="3578924" y="1436465"/>
-                    <a:pt x="3588544" y="1376172"/>
-                  </a:cubicBezTo>
-                  <a:cubicBezTo>
-                    <a:pt x="3592925" y="1348740"/>
-                    <a:pt x="3595688" y="1321022"/>
-                    <a:pt x="3597402" y="1293305"/>
-                  </a:cubicBezTo>
-                  <a:cubicBezTo>
-                    <a:pt x="3605974" y="1155859"/>
-                    <a:pt x="3717703" y="1018127"/>
-                    <a:pt x="3721227" y="880491"/>
-                  </a:cubicBezTo>
-                  <a:cubicBezTo>
-                    <a:pt x="3724751" y="740855"/>
-                    <a:pt x="3743135" y="602171"/>
-                    <a:pt x="3761137" y="463677"/>
-                  </a:cubicBezTo>
-                  <a:cubicBezTo>
-                    <a:pt x="3776186" y="347758"/>
-                    <a:pt x="3934968" y="116205"/>
-                    <a:pt x="3946874" y="0"/>
-                  </a:cubicBezTo>
-                </a:path>
-              </a:pathLst>
-            </a:custGeom>
-            <a:noFill/>
-            <a:ln w="9525" cap="rnd">
-              <a:solidFill>
-                <a:schemeClr val="accent2">
-                  <a:alpha val="75000"/>
-                </a:schemeClr>
-              </a:solidFill>
-              <a:prstDash val="lgDash"/>
-              <a:round/>
-            </a:ln>
-          </p:spPr>
-          <p:txBody>
-            <a:bodyPr rtlCol="0" anchor="ctr"/>
-            <a:lstStyle/>
-            <a:p>
-              <a:endParaRPr lang="en-US"/>
-            </a:p>
-          </p:txBody>
-        </p:sp>
-        <p:sp>
-          <p:nvSpPr>
-            <p:cNvPr id="73" name="Freeform: Shape 28">
-              <a:extLst>
-                <a:ext uri="{FF2B5EF4-FFF2-40B4-BE49-F238E27FC236}">
-                  <a16:creationId xmlns:a16="http://schemas.microsoft.com/office/drawing/2014/main" id="{318DDF45-08F0-46B6-A0B7-133735C94F47}"/>
-                </a:ext>
-                <a:ext uri="{C183D7F6-B498-43B3-948B-1728B52AA6E4}">
-                  <adec:decorative xmlns:adec="http://schemas.microsoft.com/office/drawing/2017/decorative" val="1"/>
-                </a:ext>
-              </a:extLst>
-            </p:cNvPr>
-            <p:cNvSpPr/>
-            <p:nvPr>
-              <p:extLst>
-                <p:ext uri="{386F3935-93C4-4BCD-93E2-E3B085C9AB24}">
-                  <p16:designElem xmlns:p16="http://schemas.microsoft.com/office/powerpoint/2015/main" val="1"/>
-                </p:ext>
-              </p:extLst>
-            </p:nvPr>
-          </p:nvSpPr>
-          <p:spPr>
-            <a:xfrm>
-              <a:off x="4395978" y="2441733"/>
-              <a:ext cx="3665410" cy="2985611"/>
-            </a:xfrm>
-            <a:custGeom>
-              <a:avLst/>
-              <a:gdLst>
-                <a:gd name="connsiteX0" fmla="*/ 0 w 3665410"/>
-                <a:gd name="connsiteY0" fmla="*/ 2985611 h 2985611"/>
-                <a:gd name="connsiteX1" fmla="*/ 166211 w 3665410"/>
-                <a:gd name="connsiteY1" fmla="*/ 2699766 h 2985611"/>
-                <a:gd name="connsiteX2" fmla="*/ 397002 w 3665410"/>
-                <a:gd name="connsiteY2" fmla="*/ 2414969 h 2985611"/>
-                <a:gd name="connsiteX3" fmla="*/ 620173 w 3665410"/>
-                <a:gd name="connsiteY3" fmla="*/ 2237899 h 2985611"/>
-                <a:gd name="connsiteX4" fmla="*/ 823341 w 3665410"/>
-                <a:gd name="connsiteY4" fmla="*/ 2085499 h 2985611"/>
-                <a:gd name="connsiteX5" fmla="*/ 1089565 w 3665410"/>
-                <a:gd name="connsiteY5" fmla="*/ 1911477 h 2985611"/>
-                <a:gd name="connsiteX6" fmla="*/ 1145000 w 3665410"/>
-                <a:gd name="connsiteY6" fmla="*/ 1886807 h 2985611"/>
-                <a:gd name="connsiteX7" fmla="*/ 1375791 w 3665410"/>
-                <a:gd name="connsiteY7" fmla="*/ 1842135 h 2985611"/>
-                <a:gd name="connsiteX8" fmla="*/ 1486567 w 3665410"/>
-                <a:gd name="connsiteY8" fmla="*/ 1857566 h 2985611"/>
-                <a:gd name="connsiteX9" fmla="*/ 1568101 w 3665410"/>
-                <a:gd name="connsiteY9" fmla="*/ 1871377 h 2985611"/>
-                <a:gd name="connsiteX10" fmla="*/ 1810607 w 3665410"/>
-                <a:gd name="connsiteY10" fmla="*/ 1871377 h 2985611"/>
-                <a:gd name="connsiteX11" fmla="*/ 1997964 w 3665410"/>
-                <a:gd name="connsiteY11" fmla="*/ 1790605 h 2985611"/>
-                <a:gd name="connsiteX12" fmla="*/ 2109883 w 3665410"/>
-                <a:gd name="connsiteY12" fmla="*/ 1702784 h 2985611"/>
-                <a:gd name="connsiteX13" fmla="*/ 2321433 w 3665410"/>
-                <a:gd name="connsiteY13" fmla="*/ 1552384 h 2985611"/>
-                <a:gd name="connsiteX14" fmla="*/ 2558891 w 3665410"/>
-                <a:gd name="connsiteY14" fmla="*/ 1453420 h 2985611"/>
-                <a:gd name="connsiteX15" fmla="*/ 2709767 w 3665410"/>
-                <a:gd name="connsiteY15" fmla="*/ 1377887 h 2985611"/>
-                <a:gd name="connsiteX16" fmla="*/ 2885408 w 3665410"/>
-                <a:gd name="connsiteY16" fmla="*/ 1237393 h 2985611"/>
-                <a:gd name="connsiteX17" fmla="*/ 3017711 w 3665410"/>
-                <a:gd name="connsiteY17" fmla="*/ 1072229 h 2985611"/>
-                <a:gd name="connsiteX18" fmla="*/ 3150680 w 3665410"/>
-                <a:gd name="connsiteY18" fmla="*/ 921830 h 2985611"/>
-                <a:gd name="connsiteX19" fmla="*/ 3255169 w 3665410"/>
-                <a:gd name="connsiteY19" fmla="*/ 801815 h 2985611"/>
-                <a:gd name="connsiteX20" fmla="*/ 3339275 w 3665410"/>
-                <a:gd name="connsiteY20" fmla="*/ 694182 h 2985611"/>
-                <a:gd name="connsiteX21" fmla="*/ 3409188 w 3665410"/>
-                <a:gd name="connsiteY21" fmla="*/ 546926 h 2985611"/>
-                <a:gd name="connsiteX22" fmla="*/ 3464243 w 3665410"/>
-                <a:gd name="connsiteY22" fmla="*/ 347663 h 2985611"/>
-                <a:gd name="connsiteX23" fmla="*/ 3665411 w 3665410"/>
-                <a:gd name="connsiteY23" fmla="*/ 0 h 2985611"/>
-              </a:gdLst>
-              <a:ahLst/>
-              <a:cxnLst>
-                <a:cxn ang="0">
-                  <a:pos x="connsiteX0" y="connsiteY0"/>
-                </a:cxn>
-                <a:cxn ang="0">
-                  <a:pos x="connsiteX1" y="connsiteY1"/>
-                </a:cxn>
-                <a:cxn ang="0">
-                  <a:pos x="connsiteX2" y="connsiteY2"/>
-                </a:cxn>
-                <a:cxn ang="0">
-                  <a:pos x="connsiteX3" y="connsiteY3"/>
-                </a:cxn>
-                <a:cxn ang="0">
-                  <a:pos x="connsiteX4" y="connsiteY4"/>
-                </a:cxn>
-                <a:cxn ang="0">
-                  <a:pos x="connsiteX5" y="connsiteY5"/>
-                </a:cxn>
-                <a:cxn ang="0">
-                  <a:pos x="connsiteX6" y="connsiteY6"/>
-                </a:cxn>
-                <a:cxn ang="0">
-                  <a:pos x="connsiteX7" y="connsiteY7"/>
-                </a:cxn>
-                <a:cxn ang="0">
-                  <a:pos x="connsiteX8" y="connsiteY8"/>
-                </a:cxn>
-                <a:cxn ang="0">
-                  <a:pos x="connsiteX9" y="connsiteY9"/>
-                </a:cxn>
-                <a:cxn ang="0">
-                  <a:pos x="connsiteX10" y="connsiteY10"/>
-                </a:cxn>
-                <a:cxn ang="0">
-                  <a:pos x="connsiteX11" y="connsiteY11"/>
-                </a:cxn>
-                <a:cxn ang="0">
-                  <a:pos x="connsiteX12" y="connsiteY12"/>
-                </a:cxn>
-                <a:cxn ang="0">
-                  <a:pos x="connsiteX13" y="connsiteY13"/>
-                </a:cxn>
-                <a:cxn ang="0">
-                  <a:pos x="connsiteX14" y="connsiteY14"/>
-                </a:cxn>
-                <a:cxn ang="0">
-                  <a:pos x="connsiteX15" y="connsiteY15"/>
-                </a:cxn>
-                <a:cxn ang="0">
-                  <a:pos x="connsiteX16" y="connsiteY16"/>
-                </a:cxn>
-                <a:cxn ang="0">
-                  <a:pos x="connsiteX17" y="connsiteY17"/>
-                </a:cxn>
-                <a:cxn ang="0">
-                  <a:pos x="connsiteX18" y="connsiteY18"/>
-                </a:cxn>
-                <a:cxn ang="0">
-                  <a:pos x="connsiteX19" y="connsiteY19"/>
-                </a:cxn>
-                <a:cxn ang="0">
-                  <a:pos x="connsiteX20" y="connsiteY20"/>
-                </a:cxn>
-                <a:cxn ang="0">
-                  <a:pos x="connsiteX21" y="connsiteY21"/>
-                </a:cxn>
-                <a:cxn ang="0">
-                  <a:pos x="connsiteX22" y="connsiteY22"/>
-                </a:cxn>
-                <a:cxn ang="0">
-                  <a:pos x="connsiteX23" y="connsiteY23"/>
-                </a:cxn>
-              </a:cxnLst>
-              <a:rect l="l" t="t" r="r" b="b"/>
-              <a:pathLst>
-                <a:path w="3665410" h="2985611">
-                  <a:moveTo>
-                    <a:pt x="0" y="2985611"/>
-                  </a:moveTo>
-                  <a:cubicBezTo>
-                    <a:pt x="0" y="2985611"/>
-                    <a:pt x="86773" y="2802827"/>
-                    <a:pt x="166211" y="2699766"/>
-                  </a:cubicBezTo>
-                  <a:cubicBezTo>
-                    <a:pt x="240983" y="2602706"/>
-                    <a:pt x="309182" y="2500122"/>
-                    <a:pt x="397002" y="2414969"/>
-                  </a:cubicBezTo>
-                  <a:cubicBezTo>
-                    <a:pt x="465296" y="2348865"/>
-                    <a:pt x="543592" y="2294477"/>
-                    <a:pt x="620173" y="2237899"/>
-                  </a:cubicBezTo>
-                  <a:cubicBezTo>
-                    <a:pt x="688277" y="2187607"/>
-                    <a:pt x="755333" y="2135886"/>
-                    <a:pt x="823341" y="2085499"/>
-                  </a:cubicBezTo>
-                  <a:cubicBezTo>
-                    <a:pt x="908685" y="2022253"/>
-                    <a:pt x="994791" y="1959197"/>
-                    <a:pt x="1089565" y="1911477"/>
-                  </a:cubicBezTo>
-                  <a:cubicBezTo>
-                    <a:pt x="1107662" y="1902428"/>
-                    <a:pt x="1126141" y="1894141"/>
-                    <a:pt x="1145000" y="1886807"/>
-                  </a:cubicBezTo>
-                  <a:cubicBezTo>
-                    <a:pt x="1218819" y="1858232"/>
-                    <a:pt x="1296924" y="1838611"/>
-                    <a:pt x="1375791" y="1842135"/>
-                  </a:cubicBezTo>
-                  <a:cubicBezTo>
-                    <a:pt x="1413129" y="1843754"/>
-                    <a:pt x="1449896" y="1850422"/>
-                    <a:pt x="1486567" y="1857566"/>
-                  </a:cubicBezTo>
-                  <a:cubicBezTo>
-                    <a:pt x="1513618" y="1862804"/>
-                    <a:pt x="1540859" y="1867376"/>
-                    <a:pt x="1568101" y="1871377"/>
-                  </a:cubicBezTo>
-                  <a:cubicBezTo>
-                    <a:pt x="1648778" y="1883188"/>
-                    <a:pt x="1730978" y="1887665"/>
-                    <a:pt x="1810607" y="1871377"/>
-                  </a:cubicBezTo>
-                  <a:cubicBezTo>
-                    <a:pt x="1877854" y="1857661"/>
-                    <a:pt x="1941100" y="1829086"/>
-                    <a:pt x="1997964" y="1790605"/>
-                  </a:cubicBezTo>
-                  <a:cubicBezTo>
-                    <a:pt x="2037302" y="1764030"/>
-                    <a:pt x="2073497" y="1733264"/>
-                    <a:pt x="2109883" y="1702784"/>
-                  </a:cubicBezTo>
-                  <a:cubicBezTo>
-                    <a:pt x="2176367" y="1647063"/>
-                    <a:pt x="2244852" y="1593151"/>
-                    <a:pt x="2321433" y="1552384"/>
-                  </a:cubicBezTo>
-                  <a:cubicBezTo>
-                    <a:pt x="2397157" y="1512094"/>
-                    <a:pt x="2479548" y="1486281"/>
-                    <a:pt x="2558891" y="1453420"/>
-                  </a:cubicBezTo>
-                  <a:cubicBezTo>
-                    <a:pt x="2610898" y="1431798"/>
-                    <a:pt x="2661571" y="1407033"/>
-                    <a:pt x="2709767" y="1377887"/>
-                  </a:cubicBezTo>
-                  <a:cubicBezTo>
-                    <a:pt x="2774252" y="1338929"/>
-                    <a:pt x="2834069" y="1292447"/>
-                    <a:pt x="2885408" y="1237393"/>
-                  </a:cubicBezTo>
-                  <a:cubicBezTo>
-                    <a:pt x="2933605" y="1185767"/>
-                    <a:pt x="2973324" y="1127093"/>
-                    <a:pt x="3017711" y="1072229"/>
-                  </a:cubicBezTo>
-                  <a:cubicBezTo>
-                    <a:pt x="3059811" y="1020223"/>
-                    <a:pt x="3105912" y="971645"/>
-                    <a:pt x="3150680" y="921830"/>
-                  </a:cubicBezTo>
-                  <a:cubicBezTo>
-                    <a:pt x="3186113" y="882396"/>
-                    <a:pt x="3220593" y="842010"/>
-                    <a:pt x="3255169" y="801815"/>
-                  </a:cubicBezTo>
-                  <a:cubicBezTo>
-                    <a:pt x="3284887" y="767239"/>
-                    <a:pt x="3314605" y="732473"/>
-                    <a:pt x="3339275" y="694182"/>
-                  </a:cubicBezTo>
-                  <a:cubicBezTo>
-                    <a:pt x="3368707" y="648367"/>
-                    <a:pt x="3390138" y="597980"/>
-                    <a:pt x="3409188" y="546926"/>
-                  </a:cubicBezTo>
-                  <a:cubicBezTo>
-                    <a:pt x="3433382" y="482156"/>
-                    <a:pt x="3453384" y="415861"/>
-                    <a:pt x="3464243" y="347663"/>
-                  </a:cubicBezTo>
-                  <a:cubicBezTo>
-                    <a:pt x="3476244" y="272224"/>
-                    <a:pt x="3661696" y="76295"/>
-                    <a:pt x="3665411" y="0"/>
-                  </a:cubicBezTo>
-                </a:path>
-              </a:pathLst>
-            </a:custGeom>
-            <a:noFill/>
-            <a:ln w="9525" cap="rnd">
-              <a:solidFill>
-                <a:schemeClr val="accent2">
-                  <a:alpha val="75000"/>
-                </a:schemeClr>
-              </a:solidFill>
-              <a:prstDash val="lgDash"/>
-              <a:round/>
-            </a:ln>
-          </p:spPr>
-          <p:txBody>
-            <a:bodyPr rtlCol="0" anchor="ctr"/>
-            <a:lstStyle/>
-            <a:p>
-              <a:endParaRPr lang="en-US"/>
-            </a:p>
-          </p:txBody>
-        </p:sp>
-        <p:sp>
-          <p:nvSpPr>
-            <p:cNvPr id="74" name="Freeform: Shape 29">
-              <a:extLst>
-                <a:ext uri="{FF2B5EF4-FFF2-40B4-BE49-F238E27FC236}">
-                  <a16:creationId xmlns:a16="http://schemas.microsoft.com/office/drawing/2014/main" id="{B9D0CC0F-710D-43F4-BC86-763767420133}"/>
-                </a:ext>
-                <a:ext uri="{C183D7F6-B498-43B3-948B-1728B52AA6E4}">
-                  <adec:decorative xmlns:adec="http://schemas.microsoft.com/office/drawing/2017/decorative" val="1"/>
-                </a:ext>
-              </a:extLst>
-            </p:cNvPr>
-            <p:cNvSpPr/>
-            <p:nvPr>
-              <p:extLst>
-                <p:ext uri="{386F3935-93C4-4BCD-93E2-E3B085C9AB24}">
-                  <p16:designElem xmlns:p16="http://schemas.microsoft.com/office/powerpoint/2015/main" val="1"/>
-                </p:ext>
-              </p:extLst>
-            </p:nvPr>
-          </p:nvSpPr>
-          <p:spPr>
-            <a:xfrm>
-              <a:off x="7790402" y="5229700"/>
-              <a:ext cx="285940" cy="199072"/>
-            </a:xfrm>
-            <a:custGeom>
-              <a:avLst/>
-              <a:gdLst>
-                <a:gd name="connsiteX0" fmla="*/ 0 w 285940"/>
-                <a:gd name="connsiteY0" fmla="*/ 199073 h 199072"/>
-                <a:gd name="connsiteX1" fmla="*/ 285940 w 285940"/>
-                <a:gd name="connsiteY1" fmla="*/ 0 h 199072"/>
-              </a:gdLst>
-              <a:ahLst/>
-              <a:cxnLst>
-                <a:cxn ang="0">
-                  <a:pos x="connsiteX0" y="connsiteY0"/>
-                </a:cxn>
-                <a:cxn ang="0">
-                  <a:pos x="connsiteX1" y="connsiteY1"/>
-                </a:cxn>
-              </a:cxnLst>
-              <a:rect l="l" t="t" r="r" b="b"/>
-              <a:pathLst>
-                <a:path w="285940" h="199072">
-                  <a:moveTo>
-                    <a:pt x="0" y="199073"/>
-                  </a:moveTo>
-                  <a:cubicBezTo>
-                    <a:pt x="0" y="199073"/>
-                    <a:pt x="242125" y="39243"/>
-                    <a:pt x="285940" y="0"/>
-                  </a:cubicBezTo>
-                </a:path>
-              </a:pathLst>
-            </a:custGeom>
-            <a:noFill/>
-            <a:ln w="9525" cap="rnd">
-              <a:solidFill>
-                <a:schemeClr val="accent2">
-                  <a:alpha val="75000"/>
-                </a:schemeClr>
-              </a:solidFill>
-              <a:prstDash val="lgDash"/>
-              <a:round/>
-            </a:ln>
-          </p:spPr>
-          <p:txBody>
-            <a:bodyPr rtlCol="0" anchor="ctr"/>
-            <a:lstStyle/>
-            <a:p>
-              <a:endParaRPr lang="en-US"/>
-            </a:p>
-          </p:txBody>
-        </p:sp>
-        <p:sp>
-          <p:nvSpPr>
-            <p:cNvPr id="75" name="Freeform: Shape 30">
-              <a:extLst>
-                <a:ext uri="{FF2B5EF4-FFF2-40B4-BE49-F238E27FC236}">
-                  <a16:creationId xmlns:a16="http://schemas.microsoft.com/office/drawing/2014/main" id="{6FB36AB6-CB81-495A-8A33-C0BCE67D6F23}"/>
-                </a:ext>
-                <a:ext uri="{C183D7F6-B498-43B3-948B-1728B52AA6E4}">
-                  <adec:decorative xmlns:adec="http://schemas.microsoft.com/office/drawing/2017/decorative" val="1"/>
-                </a:ext>
-              </a:extLst>
-            </p:cNvPr>
-            <p:cNvSpPr/>
-            <p:nvPr>
-              <p:extLst>
-                <p:ext uri="{386F3935-93C4-4BCD-93E2-E3B085C9AB24}">
-                  <p16:designElem xmlns:p16="http://schemas.microsoft.com/office/powerpoint/2015/main" val="1"/>
-                </p:ext>
-              </p:extLst>
-            </p:nvPr>
-          </p:nvSpPr>
-          <p:spPr>
-            <a:xfrm>
-              <a:off x="7393114" y="5049773"/>
-              <a:ext cx="655796" cy="381190"/>
-            </a:xfrm>
-            <a:custGeom>
-              <a:avLst/>
-              <a:gdLst>
-                <a:gd name="connsiteX0" fmla="*/ 0 w 655796"/>
-                <a:gd name="connsiteY0" fmla="*/ 381190 h 381190"/>
-                <a:gd name="connsiteX1" fmla="*/ 655796 w 655796"/>
-                <a:gd name="connsiteY1" fmla="*/ 0 h 381190"/>
-              </a:gdLst>
-              <a:ahLst/>
-              <a:cxnLst>
-                <a:cxn ang="0">
-                  <a:pos x="connsiteX0" y="connsiteY0"/>
-                </a:cxn>
-                <a:cxn ang="0">
-                  <a:pos x="connsiteX1" y="connsiteY1"/>
-                </a:cxn>
-              </a:cxnLst>
-              <a:rect l="l" t="t" r="r" b="b"/>
-              <a:pathLst>
-                <a:path w="655796" h="381190">
-                  <a:moveTo>
-                    <a:pt x="0" y="381190"/>
-                  </a:moveTo>
-                  <a:cubicBezTo>
-                    <a:pt x="0" y="381190"/>
-                    <a:pt x="461105" y="172117"/>
-                    <a:pt x="655796" y="0"/>
-                  </a:cubicBezTo>
-                </a:path>
-              </a:pathLst>
-            </a:custGeom>
-            <a:noFill/>
-            <a:ln w="9525" cap="rnd">
-              <a:solidFill>
-                <a:schemeClr val="accent2">
-                  <a:alpha val="75000"/>
-                </a:schemeClr>
-              </a:solidFill>
-              <a:prstDash val="lgDash"/>
-              <a:round/>
-            </a:ln>
-          </p:spPr>
-          <p:txBody>
-            <a:bodyPr rtlCol="0" anchor="ctr"/>
-            <a:lstStyle/>
-            <a:p>
-              <a:endParaRPr lang="en-US"/>
-            </a:p>
-          </p:txBody>
-        </p:sp>
-        <p:sp>
-          <p:nvSpPr>
-            <p:cNvPr id="76" name="Freeform: Shape 31">
-              <a:extLst>
-                <a:ext uri="{FF2B5EF4-FFF2-40B4-BE49-F238E27FC236}">
-                  <a16:creationId xmlns:a16="http://schemas.microsoft.com/office/drawing/2014/main" id="{1993F7E6-ABF6-482D-BEA5-B4E607DDB433}"/>
-                </a:ext>
-                <a:ext uri="{C183D7F6-B498-43B3-948B-1728B52AA6E4}">
-                  <adec:decorative xmlns:adec="http://schemas.microsoft.com/office/drawing/2017/decorative" val="1"/>
-                </a:ext>
-              </a:extLst>
-            </p:cNvPr>
-            <p:cNvSpPr/>
-            <p:nvPr>
-              <p:extLst>
-                <p:ext uri="{386F3935-93C4-4BCD-93E2-E3B085C9AB24}">
-                  <p16:designElem xmlns:p16="http://schemas.microsoft.com/office/powerpoint/2015/main" val="1"/>
-                </p:ext>
-              </p:extLst>
-            </p:nvPr>
-          </p:nvSpPr>
-          <p:spPr>
-            <a:xfrm>
-              <a:off x="5154072" y="3867816"/>
-              <a:ext cx="2907315" cy="1544764"/>
-            </a:xfrm>
-            <a:custGeom>
-              <a:avLst/>
-              <a:gdLst>
-                <a:gd name="connsiteX0" fmla="*/ 0 w 2907315"/>
-                <a:gd name="connsiteY0" fmla="*/ 1544764 h 1544764"/>
-                <a:gd name="connsiteX1" fmla="*/ 201644 w 2907315"/>
-                <a:gd name="connsiteY1" fmla="*/ 1352550 h 1544764"/>
-                <a:gd name="connsiteX2" fmla="*/ 423196 w 2907315"/>
-                <a:gd name="connsiteY2" fmla="*/ 1196054 h 1544764"/>
-                <a:gd name="connsiteX3" fmla="*/ 782193 w 2907315"/>
-                <a:gd name="connsiteY3" fmla="*/ 1099947 h 1544764"/>
-                <a:gd name="connsiteX4" fmla="*/ 1052513 w 2907315"/>
-                <a:gd name="connsiteY4" fmla="*/ 1042321 h 1544764"/>
-                <a:gd name="connsiteX5" fmla="*/ 1311783 w 2907315"/>
-                <a:gd name="connsiteY5" fmla="*/ 1056037 h 1544764"/>
-                <a:gd name="connsiteX6" fmla="*/ 1484662 w 2907315"/>
-                <a:gd name="connsiteY6" fmla="*/ 1083469 h 1544764"/>
-                <a:gd name="connsiteX7" fmla="*/ 1788224 w 2907315"/>
-                <a:gd name="connsiteY7" fmla="*/ 1023080 h 1544764"/>
-                <a:gd name="connsiteX8" fmla="*/ 2269045 w 2907315"/>
-                <a:gd name="connsiteY8" fmla="*/ 734758 h 1544764"/>
-                <a:gd name="connsiteX9" fmla="*/ 2534984 w 2907315"/>
-                <a:gd name="connsiteY9" fmla="*/ 572738 h 1544764"/>
-                <a:gd name="connsiteX10" fmla="*/ 2907316 w 2907315"/>
-                <a:gd name="connsiteY10" fmla="*/ 0 h 1544764"/>
-              </a:gdLst>
-              <a:ahLst/>
-              <a:cxnLst>
-                <a:cxn ang="0">
-                  <a:pos x="connsiteX0" y="connsiteY0"/>
-                </a:cxn>
-                <a:cxn ang="0">
-                  <a:pos x="connsiteX1" y="connsiteY1"/>
-                </a:cxn>
-                <a:cxn ang="0">
-                  <a:pos x="connsiteX2" y="connsiteY2"/>
-                </a:cxn>
-                <a:cxn ang="0">
-                  <a:pos x="connsiteX3" y="connsiteY3"/>
-                </a:cxn>
-                <a:cxn ang="0">
-                  <a:pos x="connsiteX4" y="connsiteY4"/>
-                </a:cxn>
-                <a:cxn ang="0">
-                  <a:pos x="connsiteX5" y="connsiteY5"/>
-                </a:cxn>
-                <a:cxn ang="0">
-                  <a:pos x="connsiteX6" y="connsiteY6"/>
-                </a:cxn>
-                <a:cxn ang="0">
-                  <a:pos x="connsiteX7" y="connsiteY7"/>
-                </a:cxn>
-                <a:cxn ang="0">
-                  <a:pos x="connsiteX8" y="connsiteY8"/>
-                </a:cxn>
-                <a:cxn ang="0">
-                  <a:pos x="connsiteX9" y="connsiteY9"/>
-                </a:cxn>
-                <a:cxn ang="0">
-                  <a:pos x="connsiteX10" y="connsiteY10"/>
-                </a:cxn>
-              </a:cxnLst>
-              <a:rect l="l" t="t" r="r" b="b"/>
-              <a:pathLst>
-                <a:path w="2907315" h="1544764">
-                  <a:moveTo>
-                    <a:pt x="0" y="1544764"/>
-                  </a:moveTo>
-                  <a:cubicBezTo>
-                    <a:pt x="0" y="1544764"/>
-                    <a:pt x="98012" y="1443990"/>
-                    <a:pt x="201644" y="1352550"/>
-                  </a:cubicBezTo>
-                  <a:cubicBezTo>
-                    <a:pt x="271272" y="1291209"/>
-                    <a:pt x="343662" y="1234249"/>
-                    <a:pt x="423196" y="1196054"/>
-                  </a:cubicBezTo>
-                  <a:cubicBezTo>
-                    <a:pt x="537591" y="1141095"/>
-                    <a:pt x="661226" y="1127189"/>
-                    <a:pt x="782193" y="1099947"/>
-                  </a:cubicBezTo>
-                  <a:cubicBezTo>
-                    <a:pt x="872300" y="1079659"/>
-                    <a:pt x="961358" y="1051370"/>
-                    <a:pt x="1052513" y="1042321"/>
-                  </a:cubicBezTo>
-                  <a:cubicBezTo>
-                    <a:pt x="1139000" y="1033653"/>
-                    <a:pt x="1225868" y="1040321"/>
-                    <a:pt x="1311783" y="1056037"/>
-                  </a:cubicBezTo>
-                  <a:cubicBezTo>
-                    <a:pt x="1369314" y="1066609"/>
-                    <a:pt x="1426559" y="1079373"/>
-                    <a:pt x="1484662" y="1083469"/>
-                  </a:cubicBezTo>
-                  <a:cubicBezTo>
-                    <a:pt x="1587913" y="1090803"/>
-                    <a:pt x="1690402" y="1064800"/>
-                    <a:pt x="1788224" y="1023080"/>
-                  </a:cubicBezTo>
-                  <a:cubicBezTo>
-                    <a:pt x="1956721" y="951262"/>
-                    <a:pt x="2106549" y="825722"/>
-                    <a:pt x="2269045" y="734758"/>
-                  </a:cubicBezTo>
-                  <a:cubicBezTo>
-                    <a:pt x="2359438" y="684181"/>
-                    <a:pt x="2452497" y="640556"/>
-                    <a:pt x="2534984" y="572738"/>
-                  </a:cubicBezTo>
-                  <a:cubicBezTo>
-                    <a:pt x="2673001" y="459391"/>
-                    <a:pt x="2847023" y="191453"/>
-                    <a:pt x="2907316" y="0"/>
-                  </a:cubicBezTo>
-                </a:path>
-              </a:pathLst>
-            </a:custGeom>
-            <a:noFill/>
-            <a:ln w="9525" cap="rnd">
-              <a:solidFill>
-                <a:schemeClr val="accent2">
-                  <a:alpha val="75000"/>
-                </a:schemeClr>
-              </a:solidFill>
-              <a:prstDash val="lgDash"/>
-              <a:round/>
-            </a:ln>
-          </p:spPr>
-          <p:txBody>
-            <a:bodyPr rtlCol="0" anchor="ctr"/>
-            <a:lstStyle/>
-            <a:p>
-              <a:endParaRPr lang="en-US"/>
-            </a:p>
-          </p:txBody>
-        </p:sp>
-        <p:sp>
-          <p:nvSpPr>
-            <p:cNvPr id="77" name="Freeform: Shape 32">
-              <a:extLst>
-                <a:ext uri="{FF2B5EF4-FFF2-40B4-BE49-F238E27FC236}">
-                  <a16:creationId xmlns:a16="http://schemas.microsoft.com/office/drawing/2014/main" id="{DCA0B097-C21A-40B4-95E4-2FFA9697F824}"/>
-                </a:ext>
-                <a:ext uri="{C183D7F6-B498-43B3-948B-1728B52AA6E4}">
-                  <adec:decorative xmlns:adec="http://schemas.microsoft.com/office/drawing/2017/decorative" val="1"/>
-                </a:ext>
-              </a:extLst>
-            </p:cNvPr>
-            <p:cNvSpPr/>
-            <p:nvPr>
-              <p:extLst>
-                <p:ext uri="{386F3935-93C4-4BCD-93E2-E3B085C9AB24}">
-                  <p16:designElem xmlns:p16="http://schemas.microsoft.com/office/powerpoint/2015/main" val="1"/>
-                </p:ext>
-              </p:extLst>
-            </p:nvPr>
-          </p:nvSpPr>
-          <p:spPr>
-            <a:xfrm>
-              <a:off x="4907946" y="3479100"/>
-              <a:ext cx="3168300" cy="1952434"/>
-            </a:xfrm>
-            <a:custGeom>
-              <a:avLst/>
-              <a:gdLst>
-                <a:gd name="connsiteX0" fmla="*/ 0 w 3168300"/>
-                <a:gd name="connsiteY0" fmla="*/ 1952435 h 1952434"/>
-                <a:gd name="connsiteX1" fmla="*/ 202121 w 3168300"/>
-                <a:gd name="connsiteY1" fmla="*/ 1687068 h 1952434"/>
-                <a:gd name="connsiteX2" fmla="*/ 545116 w 3168300"/>
-                <a:gd name="connsiteY2" fmla="*/ 1450277 h 1952434"/>
-                <a:gd name="connsiteX3" fmla="*/ 906780 w 3168300"/>
-                <a:gd name="connsiteY3" fmla="*/ 1354455 h 1952434"/>
-                <a:gd name="connsiteX4" fmla="*/ 1332262 w 3168300"/>
-                <a:gd name="connsiteY4" fmla="*/ 1285304 h 1952434"/>
-                <a:gd name="connsiteX5" fmla="*/ 1691259 w 3168300"/>
-                <a:gd name="connsiteY5" fmla="*/ 1240060 h 1952434"/>
-                <a:gd name="connsiteX6" fmla="*/ 2010346 w 3168300"/>
-                <a:gd name="connsiteY6" fmla="*/ 1141667 h 1952434"/>
-                <a:gd name="connsiteX7" fmla="*/ 2393252 w 3168300"/>
-                <a:gd name="connsiteY7" fmla="*/ 1027271 h 1952434"/>
-                <a:gd name="connsiteX8" fmla="*/ 2582037 w 3168300"/>
-                <a:gd name="connsiteY8" fmla="*/ 958120 h 1952434"/>
-                <a:gd name="connsiteX9" fmla="*/ 2760155 w 3168300"/>
-                <a:gd name="connsiteY9" fmla="*/ 827723 h 1952434"/>
-                <a:gd name="connsiteX10" fmla="*/ 2914364 w 3168300"/>
-                <a:gd name="connsiteY10" fmla="*/ 567023 h 1952434"/>
-                <a:gd name="connsiteX11" fmla="*/ 3168301 w 3168300"/>
-                <a:gd name="connsiteY11" fmla="*/ 0 h 1952434"/>
-              </a:gdLst>
-              <a:ahLst/>
-              <a:cxnLst>
-                <a:cxn ang="0">
-                  <a:pos x="connsiteX0" y="connsiteY0"/>
-                </a:cxn>
-                <a:cxn ang="0">
-                  <a:pos x="connsiteX1" y="connsiteY1"/>
-                </a:cxn>
-                <a:cxn ang="0">
-                  <a:pos x="connsiteX2" y="connsiteY2"/>
-                </a:cxn>
-                <a:cxn ang="0">
-                  <a:pos x="connsiteX3" y="connsiteY3"/>
-                </a:cxn>
-                <a:cxn ang="0">
-                  <a:pos x="connsiteX4" y="connsiteY4"/>
-                </a:cxn>
-                <a:cxn ang="0">
-                  <a:pos x="connsiteX5" y="connsiteY5"/>
-                </a:cxn>
-                <a:cxn ang="0">
-                  <a:pos x="connsiteX6" y="connsiteY6"/>
-                </a:cxn>
-                <a:cxn ang="0">
-                  <a:pos x="connsiteX7" y="connsiteY7"/>
-                </a:cxn>
-                <a:cxn ang="0">
-                  <a:pos x="connsiteX8" y="connsiteY8"/>
-                </a:cxn>
-                <a:cxn ang="0">
-                  <a:pos x="connsiteX9" y="connsiteY9"/>
-                </a:cxn>
-                <a:cxn ang="0">
-                  <a:pos x="connsiteX10" y="connsiteY10"/>
-                </a:cxn>
-                <a:cxn ang="0">
-                  <a:pos x="connsiteX11" y="connsiteY11"/>
-                </a:cxn>
-              </a:cxnLst>
-              <a:rect l="l" t="t" r="r" b="b"/>
-              <a:pathLst>
-                <a:path w="3168300" h="1952434">
-                  <a:moveTo>
-                    <a:pt x="0" y="1952435"/>
-                  </a:moveTo>
-                  <a:cubicBezTo>
-                    <a:pt x="0" y="1952435"/>
-                    <a:pt x="91059" y="1796415"/>
-                    <a:pt x="202121" y="1687068"/>
-                  </a:cubicBezTo>
-                  <a:cubicBezTo>
-                    <a:pt x="301943" y="1588675"/>
-                    <a:pt x="416528" y="1505617"/>
-                    <a:pt x="545116" y="1450277"/>
-                  </a:cubicBezTo>
-                  <a:cubicBezTo>
-                    <a:pt x="659987" y="1400747"/>
-                    <a:pt x="783622" y="1377601"/>
-                    <a:pt x="906780" y="1354455"/>
-                  </a:cubicBezTo>
-                  <a:cubicBezTo>
-                    <a:pt x="1048036" y="1327976"/>
-                    <a:pt x="1189482" y="1301972"/>
-                    <a:pt x="1332262" y="1285304"/>
-                  </a:cubicBezTo>
-                  <a:cubicBezTo>
-                    <a:pt x="1452182" y="1271302"/>
-                    <a:pt x="1573340" y="1265873"/>
-                    <a:pt x="1691259" y="1240060"/>
-                  </a:cubicBezTo>
-                  <a:cubicBezTo>
-                    <a:pt x="1800035" y="1216247"/>
-                    <a:pt x="1904619" y="1176718"/>
-                    <a:pt x="2010346" y="1141667"/>
-                  </a:cubicBezTo>
-                  <a:cubicBezTo>
-                    <a:pt x="2136743" y="1099661"/>
-                    <a:pt x="2265902" y="1066229"/>
-                    <a:pt x="2393252" y="1027271"/>
-                  </a:cubicBezTo>
-                  <a:cubicBezTo>
-                    <a:pt x="2457450" y="1007650"/>
-                    <a:pt x="2521744" y="987552"/>
-                    <a:pt x="2582037" y="958120"/>
-                  </a:cubicBezTo>
-                  <a:cubicBezTo>
-                    <a:pt x="2648807" y="925449"/>
-                    <a:pt x="2710815" y="883349"/>
-                    <a:pt x="2760155" y="827723"/>
-                  </a:cubicBezTo>
-                  <a:cubicBezTo>
-                    <a:pt x="2827496" y="751904"/>
-                    <a:pt x="2867978" y="657511"/>
-                    <a:pt x="2914364" y="567023"/>
-                  </a:cubicBezTo>
-                  <a:cubicBezTo>
-                    <a:pt x="2972753" y="453200"/>
-                    <a:pt x="3119152" y="118015"/>
-                    <a:pt x="3168301" y="0"/>
-                  </a:cubicBezTo>
-                </a:path>
-              </a:pathLst>
-            </a:custGeom>
-            <a:noFill/>
-            <a:ln w="9525" cap="rnd">
-              <a:solidFill>
-                <a:schemeClr val="accent2">
-                  <a:alpha val="75000"/>
-                </a:schemeClr>
-              </a:solidFill>
-              <a:prstDash val="lgDash"/>
-              <a:round/>
-            </a:ln>
-          </p:spPr>
-          <p:txBody>
-            <a:bodyPr rtlCol="0" anchor="ctr"/>
-            <a:lstStyle/>
-            <a:p>
-              <a:endParaRPr lang="en-US"/>
-            </a:p>
-          </p:txBody>
-        </p:sp>
-        <p:sp>
-          <p:nvSpPr>
-            <p:cNvPr id="78" name="Freeform: Shape 33">
-              <a:extLst>
-                <a:ext uri="{FF2B5EF4-FFF2-40B4-BE49-F238E27FC236}">
-                  <a16:creationId xmlns:a16="http://schemas.microsoft.com/office/drawing/2014/main" id="{AB2AF0F5-7EAA-4BAB-8DE2-D84E124170FA}"/>
-                </a:ext>
-                <a:ext uri="{C183D7F6-B498-43B3-948B-1728B52AA6E4}">
-                  <adec:decorative xmlns:adec="http://schemas.microsoft.com/office/drawing/2017/decorative" val="1"/>
-                </a:ext>
-              </a:extLst>
-            </p:cNvPr>
-            <p:cNvSpPr/>
-            <p:nvPr>
-              <p:extLst>
-                <p:ext uri="{386F3935-93C4-4BCD-93E2-E3B085C9AB24}">
-                  <p16:designElem xmlns:p16="http://schemas.microsoft.com/office/powerpoint/2015/main" val="1"/>
-                </p:ext>
-              </p:extLst>
-            </p:nvPr>
-          </p:nvSpPr>
-          <p:spPr>
-            <a:xfrm>
-              <a:off x="4704778" y="2976752"/>
-              <a:ext cx="3356800" cy="2452020"/>
-            </a:xfrm>
-            <a:custGeom>
-              <a:avLst/>
-              <a:gdLst>
-                <a:gd name="connsiteX0" fmla="*/ 0 w 3356800"/>
-                <a:gd name="connsiteY0" fmla="*/ 2452021 h 2452020"/>
-                <a:gd name="connsiteX1" fmla="*/ 130874 w 3356800"/>
-                <a:gd name="connsiteY1" fmla="*/ 2247710 h 2452020"/>
-                <a:gd name="connsiteX2" fmla="*/ 437197 w 3356800"/>
-                <a:gd name="connsiteY2" fmla="*/ 1941195 h 2452020"/>
-                <a:gd name="connsiteX3" fmla="*/ 737140 w 3356800"/>
-                <a:gd name="connsiteY3" fmla="*/ 1736884 h 2452020"/>
-                <a:gd name="connsiteX4" fmla="*/ 1031843 w 3356800"/>
-                <a:gd name="connsiteY4" fmla="*/ 1685068 h 2452020"/>
-                <a:gd name="connsiteX5" fmla="*/ 1287304 w 3356800"/>
-                <a:gd name="connsiteY5" fmla="*/ 1655826 h 2452020"/>
-                <a:gd name="connsiteX6" fmla="*/ 1471994 w 3356800"/>
-                <a:gd name="connsiteY6" fmla="*/ 1634300 h 2452020"/>
-                <a:gd name="connsiteX7" fmla="*/ 1898237 w 3356800"/>
-                <a:gd name="connsiteY7" fmla="*/ 1512665 h 2452020"/>
-                <a:gd name="connsiteX8" fmla="*/ 2229136 w 3356800"/>
-                <a:gd name="connsiteY8" fmla="*/ 1355598 h 2452020"/>
-                <a:gd name="connsiteX9" fmla="*/ 2512314 w 3356800"/>
-                <a:gd name="connsiteY9" fmla="*/ 1238631 h 2452020"/>
-                <a:gd name="connsiteX10" fmla="*/ 2758535 w 3356800"/>
-                <a:gd name="connsiteY10" fmla="*/ 1096994 h 2452020"/>
-                <a:gd name="connsiteX11" fmla="*/ 2935510 w 3356800"/>
-                <a:gd name="connsiteY11" fmla="*/ 919925 h 2452020"/>
-                <a:gd name="connsiteX12" fmla="*/ 3081719 w 3356800"/>
-                <a:gd name="connsiteY12" fmla="*/ 687419 h 2452020"/>
-                <a:gd name="connsiteX13" fmla="*/ 3356800 w 3356800"/>
-                <a:gd name="connsiteY13" fmla="*/ 0 h 2452020"/>
-              </a:gdLst>
-              <a:ahLst/>
-              <a:cxnLst>
-                <a:cxn ang="0">
-                  <a:pos x="connsiteX0" y="connsiteY0"/>
-                </a:cxn>
-                <a:cxn ang="0">
-                  <a:pos x="connsiteX1" y="connsiteY1"/>
-                </a:cxn>
-                <a:cxn ang="0">
-                  <a:pos x="connsiteX2" y="connsiteY2"/>
-                </a:cxn>
-                <a:cxn ang="0">
-                  <a:pos x="connsiteX3" y="connsiteY3"/>
-                </a:cxn>
-                <a:cxn ang="0">
-                  <a:pos x="connsiteX4" y="connsiteY4"/>
-                </a:cxn>
-                <a:cxn ang="0">
-                  <a:pos x="connsiteX5" y="connsiteY5"/>
-                </a:cxn>
-                <a:cxn ang="0">
-                  <a:pos x="connsiteX6" y="connsiteY6"/>
-                </a:cxn>
-                <a:cxn ang="0">
-                  <a:pos x="connsiteX7" y="connsiteY7"/>
-                </a:cxn>
-                <a:cxn ang="0">
-                  <a:pos x="connsiteX8" y="connsiteY8"/>
-                </a:cxn>
-                <a:cxn ang="0">
-                  <a:pos x="connsiteX9" y="connsiteY9"/>
-                </a:cxn>
-                <a:cxn ang="0">
-                  <a:pos x="connsiteX10" y="connsiteY10"/>
-                </a:cxn>
-                <a:cxn ang="0">
-                  <a:pos x="connsiteX11" y="connsiteY11"/>
-                </a:cxn>
-                <a:cxn ang="0">
-                  <a:pos x="connsiteX12" y="connsiteY12"/>
-                </a:cxn>
-                <a:cxn ang="0">
-                  <a:pos x="connsiteX13" y="connsiteY13"/>
-                </a:cxn>
-              </a:cxnLst>
-              <a:rect l="l" t="t" r="r" b="b"/>
-              <a:pathLst>
-                <a:path w="3356800" h="2452020">
-                  <a:moveTo>
-                    <a:pt x="0" y="2452021"/>
-                  </a:moveTo>
-                  <a:cubicBezTo>
-                    <a:pt x="0" y="2452021"/>
-                    <a:pt x="57150" y="2344198"/>
-                    <a:pt x="130874" y="2247710"/>
-                  </a:cubicBezTo>
-                  <a:cubicBezTo>
-                    <a:pt x="218694" y="2132648"/>
-                    <a:pt x="328136" y="2036635"/>
-                    <a:pt x="437197" y="1941195"/>
-                  </a:cubicBezTo>
-                  <a:cubicBezTo>
-                    <a:pt x="529304" y="1860709"/>
-                    <a:pt x="623030" y="1779556"/>
-                    <a:pt x="737140" y="1736884"/>
-                  </a:cubicBezTo>
-                  <a:cubicBezTo>
-                    <a:pt x="830866" y="1701736"/>
-                    <a:pt x="932021" y="1695450"/>
-                    <a:pt x="1031843" y="1685068"/>
-                  </a:cubicBezTo>
-                  <a:cubicBezTo>
-                    <a:pt x="1117092" y="1676210"/>
-                    <a:pt x="1202055" y="1665160"/>
-                    <a:pt x="1287304" y="1655826"/>
-                  </a:cubicBezTo>
-                  <a:cubicBezTo>
-                    <a:pt x="1348931" y="1649063"/>
-                    <a:pt x="1410653" y="1643539"/>
-                    <a:pt x="1471994" y="1634300"/>
-                  </a:cubicBezTo>
-                  <a:cubicBezTo>
-                    <a:pt x="1618679" y="1612011"/>
-                    <a:pt x="1761935" y="1571149"/>
-                    <a:pt x="1898237" y="1512665"/>
-                  </a:cubicBezTo>
-                  <a:cubicBezTo>
-                    <a:pt x="2010442" y="1464564"/>
-                    <a:pt x="2117503" y="1405128"/>
-                    <a:pt x="2229136" y="1355598"/>
-                  </a:cubicBezTo>
-                  <a:cubicBezTo>
-                    <a:pt x="2322481" y="1314164"/>
-                    <a:pt x="2418969" y="1280160"/>
-                    <a:pt x="2512314" y="1238631"/>
-                  </a:cubicBezTo>
-                  <a:cubicBezTo>
-                    <a:pt x="2599087" y="1199960"/>
-                    <a:pt x="2683193" y="1154811"/>
-                    <a:pt x="2758535" y="1096994"/>
-                  </a:cubicBezTo>
-                  <a:cubicBezTo>
-                    <a:pt x="2825020" y="1046035"/>
-                    <a:pt x="2883789" y="985837"/>
-                    <a:pt x="2935510" y="919925"/>
-                  </a:cubicBezTo>
-                  <a:cubicBezTo>
-                    <a:pt x="2992184" y="847725"/>
-                    <a:pt x="3039904" y="769144"/>
-                    <a:pt x="3081719" y="687419"/>
-                  </a:cubicBezTo>
-                  <a:cubicBezTo>
-                    <a:pt x="3138297" y="576739"/>
-                    <a:pt x="3314129" y="116776"/>
-                    <a:pt x="3356800" y="0"/>
-                  </a:cubicBezTo>
-                </a:path>
-              </a:pathLst>
-            </a:custGeom>
-            <a:noFill/>
-            <a:ln w="9525" cap="rnd">
-              <a:solidFill>
-                <a:schemeClr val="accent2">
-                  <a:alpha val="75000"/>
-                </a:schemeClr>
-              </a:solidFill>
-              <a:prstDash val="lgDash"/>
-              <a:round/>
-            </a:ln>
-          </p:spPr>
-          <p:txBody>
-            <a:bodyPr rtlCol="0" anchor="ctr"/>
-            <a:lstStyle/>
-            <a:p>
-              <a:endParaRPr lang="en-US"/>
-            </a:p>
-          </p:txBody>
-        </p:sp>
-      </p:grpSp>
-      <p:sp useBgFill="1">
-        <p:nvSpPr>
-          <p:cNvPr id="79" name="Rectangle 35">
-            <a:extLst>
-              <a:ext uri="{FF2B5EF4-FFF2-40B4-BE49-F238E27FC236}">
-                <a16:creationId xmlns:a16="http://schemas.microsoft.com/office/drawing/2014/main" id="{F1174801-1395-44C5-9B00-CCAC45C056E7}"/>
-              </a:ext>
-              <a:ext uri="{C183D7F6-B498-43B3-948B-1728B52AA6E4}">
-                <adec:decorative xmlns:adec="http://schemas.microsoft.com/office/drawing/2017/decorative" val="1"/>
-              </a:ext>
-            </a:extLst>
-          </p:cNvPr>
-          <p:cNvSpPr>
-            <a:spLocks noGrp="1" noRot="1" noChangeAspect="1" noMove="1" noResize="1" noEditPoints="1" noAdjustHandles="1" noChangeArrowheads="1" noChangeShapeType="1" noTextEdit="1"/>
-          </p:cNvSpPr>
-          <p:nvPr>
-            <p:extLst>
-              <p:ext uri="{386F3935-93C4-4BCD-93E2-E3B085C9AB24}">
-                <p16:designElem xmlns:p16="http://schemas.microsoft.com/office/powerpoint/2015/main" val="1"/>
-              </p:ext>
-            </p:extLst>
-          </p:nvPr>
-        </p:nvSpPr>
-        <p:spPr>
-          <a:xfrm>
-            <a:off x="3048" y="0"/>
-            <a:ext cx="12188952" cy="6858000"/>
-          </a:xfrm>
-          <a:prstGeom prst="rect">
-            <a:avLst/>
-          </a:prstGeom>
-          <a:ln>
-            <a:solidFill>
-              <a:schemeClr val="bg1">
-                <a:lumMod val="95000"/>
-              </a:schemeClr>
-            </a:solidFill>
-          </a:ln>
-        </p:spPr>
-        <p:style>
-          <a:lnRef idx="2">
-            <a:schemeClr val="accent1">
-              <a:shade val="50000"/>
-            </a:schemeClr>
-          </a:lnRef>
-          <a:fillRef idx="1">
-            <a:schemeClr val="accent1"/>
-          </a:fillRef>
-          <a:effectRef idx="0">
-            <a:schemeClr val="accent1"/>
-          </a:effectRef>
-          <a:fontRef idx="minor">
-            <a:schemeClr val="lt1"/>
-          </a:fontRef>
-        </p:style>
-        <p:txBody>
-          <a:bodyPr rtlCol="0" anchor="ctr"/>
-          <a:lstStyle/>
-          <a:p>
-            <a:pPr algn="ctr"/>
-            <a:endParaRPr lang="en-US" dirty="0">
-              <a:solidFill>
-                <a:schemeClr val="tx1">
-                  <a:lumMod val="65000"/>
-                  <a:lumOff val="35000"/>
-                </a:schemeClr>
-              </a:solidFill>
-              <a:latin typeface="AvenirNext LT Pro Medium" panose="020B0504020202020204" pitchFamily="34" charset="0"/>
-            </a:endParaRPr>
-          </a:p>
-        </p:txBody>
-      </p:sp>
-      <p:sp>
-        <p:nvSpPr>
-          <p:cNvPr id="38" name="Rectangle 37">
-            <a:extLst>
-              <a:ext uri="{FF2B5EF4-FFF2-40B4-BE49-F238E27FC236}">
-                <a16:creationId xmlns:a16="http://schemas.microsoft.com/office/drawing/2014/main" id="{996DFAFB-BCE1-4BEC-82FB-D574234DEF0A}"/>
-              </a:ext>
-              <a:ext uri="{C183D7F6-B498-43B3-948B-1728B52AA6E4}">
-                <adec:decorative xmlns:adec="http://schemas.microsoft.com/office/drawing/2017/decorative" val="1"/>
-              </a:ext>
-            </a:extLst>
-          </p:cNvPr>
-          <p:cNvSpPr>
-            <a:spLocks noGrp="1" noRot="1" noChangeAspect="1" noMove="1" noResize="1" noEditPoints="1" noAdjustHandles="1" noChangeArrowheads="1" noChangeShapeType="1" noTextEdit="1"/>
-          </p:cNvSpPr>
-          <p:nvPr>
-            <p:extLst>
-              <p:ext uri="{386F3935-93C4-4BCD-93E2-E3B085C9AB24}">
-                <p16:designElem xmlns:p16="http://schemas.microsoft.com/office/powerpoint/2015/main" val="1"/>
-              </p:ext>
-            </p:extLst>
-          </p:nvPr>
-        </p:nvSpPr>
-        <p:spPr>
-          <a:xfrm>
-            <a:off x="3048" y="0"/>
-            <a:ext cx="12188952" cy="6858000"/>
-          </a:xfrm>
-          <a:prstGeom prst="rect">
-            <a:avLst/>
-          </a:prstGeom>
-          <a:solidFill>
-            <a:schemeClr val="bg2"/>
-          </a:solidFill>
-          <a:ln>
-            <a:noFill/>
-          </a:ln>
-        </p:spPr>
-        <p:style>
-          <a:lnRef idx="2">
-            <a:schemeClr val="accent1">
-              <a:shade val="50000"/>
-            </a:schemeClr>
-          </a:lnRef>
-          <a:fillRef idx="1">
-            <a:schemeClr val="accent1"/>
-          </a:fillRef>
-          <a:effectRef idx="0">
-            <a:schemeClr val="accent1"/>
-          </a:effectRef>
-          <a:fontRef idx="minor">
-            <a:schemeClr val="lt1"/>
-          </a:fontRef>
-        </p:style>
-        <p:txBody>
-          <a:bodyPr rtlCol="0" anchor="ctr"/>
-          <a:lstStyle/>
-          <a:p>
-            <a:pPr algn="ctr"/>
-            <a:endParaRPr lang="en-US" dirty="0">
-              <a:solidFill>
-                <a:schemeClr val="tx1">
-                  <a:lumMod val="65000"/>
-                  <a:lumOff val="35000"/>
-                </a:schemeClr>
-              </a:solidFill>
-              <a:latin typeface="AvenirNext LT Pro Medium" panose="020B0504020202020204" pitchFamily="34" charset="0"/>
-            </a:endParaRPr>
-          </a:p>
-        </p:txBody>
-      </p:sp>
-      <p:grpSp>
-        <p:nvGrpSpPr>
-          <p:cNvPr id="40" name="Bottom Right">
-            <a:extLst>
-              <a:ext uri="{FF2B5EF4-FFF2-40B4-BE49-F238E27FC236}">
-                <a16:creationId xmlns:a16="http://schemas.microsoft.com/office/drawing/2014/main" id="{5656314A-7360-472A-85B1-0CC7D3C5C09C}"/>
-              </a:ext>
-              <a:ext uri="{C183D7F6-B498-43B3-948B-1728B52AA6E4}">
-                <adec:decorative xmlns:adec="http://schemas.microsoft.com/office/drawing/2017/decorative" val="1"/>
-              </a:ext>
-            </a:extLst>
-          </p:cNvPr>
-          <p:cNvGrpSpPr>
-            <a:grpSpLocks noGrp="1" noUngrp="1" noRot="1" noChangeAspect="1" noMove="1" noResize="1"/>
-          </p:cNvGrpSpPr>
-          <p:nvPr>
-            <p:extLst>
-              <p:ext uri="{386F3935-93C4-4BCD-93E2-E3B085C9AB24}">
-                <p16:designElem xmlns:p16="http://schemas.microsoft.com/office/powerpoint/2015/main" val="1"/>
-              </p:ext>
-            </p:extLst>
-          </p:nvPr>
-        </p:nvGrpSpPr>
-        <p:grpSpPr>
-          <a:xfrm>
-            <a:off x="7980400" y="3276601"/>
-            <a:ext cx="4211600" cy="3581399"/>
-            <a:chOff x="7980400" y="3276601"/>
-            <a:chExt cx="4211600" cy="3581399"/>
-          </a:xfrm>
-        </p:grpSpPr>
-        <p:sp>
-          <p:nvSpPr>
-            <p:cNvPr id="41" name="Freeform: Shape 40">
-              <a:extLst>
-                <a:ext uri="{FF2B5EF4-FFF2-40B4-BE49-F238E27FC236}">
-                  <a16:creationId xmlns:a16="http://schemas.microsoft.com/office/drawing/2014/main" id="{63499FD5-DA9A-40DA-93B7-3903B0FB6AFE}"/>
-                </a:ext>
-                <a:ext uri="{C183D7F6-B498-43B3-948B-1728B52AA6E4}">
-                  <adec:decorative xmlns:adec="http://schemas.microsoft.com/office/drawing/2017/decorative" val="1"/>
-                </a:ext>
-              </a:extLst>
-            </p:cNvPr>
-            <p:cNvSpPr/>
-            <p:nvPr>
-              <p:extLst>
-                <p:ext uri="{386F3935-93C4-4BCD-93E2-E3B085C9AB24}">
-                  <p16:designElem xmlns:p16="http://schemas.microsoft.com/office/powerpoint/2015/main" val="1"/>
-                </p:ext>
-              </p:extLst>
-            </p:nvPr>
-          </p:nvSpPr>
-          <p:spPr>
-            <a:xfrm>
-              <a:off x="10439256" y="6178637"/>
-              <a:ext cx="1482102" cy="679363"/>
-            </a:xfrm>
-            <a:custGeom>
-              <a:avLst/>
-              <a:gdLst>
-                <a:gd name="connsiteX0" fmla="*/ 741051 w 1482102"/>
-                <a:gd name="connsiteY0" fmla="*/ 0 h 679363"/>
-                <a:gd name="connsiteX1" fmla="*/ 1473822 w 1482102"/>
-                <a:gd name="connsiteY1" fmla="*/ 597226 h 679363"/>
-                <a:gd name="connsiteX2" fmla="*/ 1482102 w 1482102"/>
-                <a:gd name="connsiteY2" fmla="*/ 679363 h 679363"/>
-                <a:gd name="connsiteX3" fmla="*/ 0 w 1482102"/>
-                <a:gd name="connsiteY3" fmla="*/ 679363 h 679363"/>
-                <a:gd name="connsiteX4" fmla="*/ 8280 w 1482102"/>
-                <a:gd name="connsiteY4" fmla="*/ 597226 h 679363"/>
-                <a:gd name="connsiteX5" fmla="*/ 741051 w 1482102"/>
-                <a:gd name="connsiteY5" fmla="*/ 0 h 679363"/>
-              </a:gdLst>
-              <a:ahLst/>
-              <a:cxnLst>
-                <a:cxn ang="0">
-                  <a:pos x="connsiteX0" y="connsiteY0"/>
-                </a:cxn>
-                <a:cxn ang="0">
-                  <a:pos x="connsiteX1" y="connsiteY1"/>
-                </a:cxn>
-                <a:cxn ang="0">
-                  <a:pos x="connsiteX2" y="connsiteY2"/>
-                </a:cxn>
-                <a:cxn ang="0">
-                  <a:pos x="connsiteX3" y="connsiteY3"/>
-                </a:cxn>
-                <a:cxn ang="0">
-                  <a:pos x="connsiteX4" y="connsiteY4"/>
-                </a:cxn>
-                <a:cxn ang="0">
-                  <a:pos x="connsiteX5" y="connsiteY5"/>
-                </a:cxn>
-              </a:cxnLst>
-              <a:rect l="l" t="t" r="r" b="b"/>
-              <a:pathLst>
-                <a:path w="1482102" h="679363">
-                  <a:moveTo>
-                    <a:pt x="741051" y="0"/>
-                  </a:moveTo>
-                  <a:cubicBezTo>
-                    <a:pt x="1102506" y="0"/>
-                    <a:pt x="1404077" y="256390"/>
-                    <a:pt x="1473822" y="597226"/>
-                  </a:cubicBezTo>
-                  <a:lnTo>
-                    <a:pt x="1482102" y="679363"/>
-                  </a:lnTo>
-                  <a:lnTo>
-                    <a:pt x="0" y="679363"/>
-                  </a:lnTo>
-                  <a:lnTo>
-                    <a:pt x="8280" y="597226"/>
-                  </a:lnTo>
-                  <a:cubicBezTo>
-                    <a:pt x="78025" y="256390"/>
-                    <a:pt x="379596" y="0"/>
-                    <a:pt x="741051" y="0"/>
-                  </a:cubicBezTo>
-                  <a:close/>
-                </a:path>
-              </a:pathLst>
-            </a:custGeom>
-            <a:solidFill>
-              <a:schemeClr val="bg1"/>
-            </a:solidFill>
-            <a:ln>
-              <a:noFill/>
-            </a:ln>
-          </p:spPr>
-          <p:style>
-            <a:lnRef idx="2">
-              <a:schemeClr val="accent1">
-                <a:shade val="50000"/>
-              </a:schemeClr>
-            </a:lnRef>
-            <a:fillRef idx="1">
-              <a:schemeClr val="accent1"/>
-            </a:fillRef>
-            <a:effectRef idx="0">
-              <a:schemeClr val="accent1"/>
-            </a:effectRef>
-            <a:fontRef idx="minor">
-              <a:schemeClr val="lt1"/>
-            </a:fontRef>
-          </p:style>
-          <p:txBody>
-            <a:bodyPr wrap="square" rtlCol="0" anchor="ctr">
-              <a:noAutofit/>
-            </a:bodyPr>
-            <a:lstStyle/>
-            <a:p>
-              <a:pPr algn="ctr"/>
-              <a:endParaRPr lang="en-US" dirty="0">
-                <a:solidFill>
-                  <a:schemeClr val="tx1">
-                    <a:lumMod val="65000"/>
-                    <a:lumOff val="35000"/>
-                  </a:schemeClr>
-                </a:solidFill>
-                <a:latin typeface="AvenirNext LT Pro Medium" panose="020B0504020202020204" pitchFamily="34" charset="0"/>
-              </a:endParaRPr>
-            </a:p>
-          </p:txBody>
-        </p:sp>
-        <p:grpSp>
-          <p:nvGrpSpPr>
-            <p:cNvPr id="42" name="Graphic 157">
-              <a:extLst>
-                <a:ext uri="{FF2B5EF4-FFF2-40B4-BE49-F238E27FC236}">
-                  <a16:creationId xmlns:a16="http://schemas.microsoft.com/office/drawing/2014/main" id="{0A52B7C2-CDEF-4E8C-BEC4-F83F5A7E37B6}"/>
-                </a:ext>
-                <a:ext uri="{C183D7F6-B498-43B3-948B-1728B52AA6E4}">
-                  <adec:decorative xmlns:adec="http://schemas.microsoft.com/office/drawing/2017/decorative" val="1"/>
-                </a:ext>
-              </a:extLst>
-            </p:cNvPr>
-            <p:cNvGrpSpPr/>
-            <p:nvPr>
-              <p:extLst>
-                <p:ext uri="{386F3935-93C4-4BCD-93E2-E3B085C9AB24}">
-                  <p16:designElem xmlns:p16="http://schemas.microsoft.com/office/powerpoint/2015/main" val="1"/>
-                </p:ext>
-              </p:extLst>
-            </p:nvPr>
-          </p:nvGrpSpPr>
-          <p:grpSpPr>
-            <a:xfrm>
-              <a:off x="8662740" y="3276601"/>
-              <a:ext cx="3529260" cy="3581398"/>
-              <a:chOff x="4114800" y="1423987"/>
-              <a:chExt cx="3961542" cy="4007547"/>
-            </a:xfrm>
-            <a:noFill/>
-          </p:grpSpPr>
-          <p:sp>
-            <p:nvSpPr>
-              <p:cNvPr id="44" name="Freeform: Shape 43">
-                <a:extLst>
-                  <a:ext uri="{FF2B5EF4-FFF2-40B4-BE49-F238E27FC236}">
-                    <a16:creationId xmlns:a16="http://schemas.microsoft.com/office/drawing/2014/main" id="{DFEF0EC5-5A73-49D5-B41D-BE464CB2EC2C}"/>
-                  </a:ext>
-                  <a:ext uri="{C183D7F6-B498-43B3-948B-1728B52AA6E4}">
-                    <adec:decorative xmlns:adec="http://schemas.microsoft.com/office/drawing/2017/decorative" val="1"/>
-                  </a:ext>
-                </a:extLst>
-              </p:cNvPr>
-              <p:cNvSpPr/>
-              <p:nvPr>
-                <p:extLst>
-                  <p:ext uri="{386F3935-93C4-4BCD-93E2-E3B085C9AB24}">
-                    <p16:designElem xmlns:p16="http://schemas.microsoft.com/office/powerpoint/2015/main" val="1"/>
-                  </p:ext>
-                </p:extLst>
-              </p:nvPr>
-            </p:nvSpPr>
-            <p:spPr>
-              <a:xfrm>
-                <a:off x="4114800" y="1423987"/>
-                <a:ext cx="3946874" cy="3989641"/>
-              </a:xfrm>
-              <a:custGeom>
-                <a:avLst/>
-                <a:gdLst>
-                  <a:gd name="connsiteX0" fmla="*/ 0 w 3946874"/>
-                  <a:gd name="connsiteY0" fmla="*/ 3989641 h 3989641"/>
-                  <a:gd name="connsiteX1" fmla="*/ 79439 w 3946874"/>
-                  <a:gd name="connsiteY1" fmla="*/ 3891153 h 3989641"/>
-                  <a:gd name="connsiteX2" fmla="*/ 297371 w 3946874"/>
-                  <a:gd name="connsiteY2" fmla="*/ 3626930 h 3989641"/>
-                  <a:gd name="connsiteX3" fmla="*/ 454343 w 3946874"/>
-                  <a:gd name="connsiteY3" fmla="*/ 3440335 h 3989641"/>
-                  <a:gd name="connsiteX4" fmla="*/ 622363 w 3946874"/>
-                  <a:gd name="connsiteY4" fmla="*/ 3290697 h 3989641"/>
-                  <a:gd name="connsiteX5" fmla="*/ 927068 w 3946874"/>
-                  <a:gd name="connsiteY5" fmla="*/ 3087434 h 3989641"/>
-                  <a:gd name="connsiteX6" fmla="*/ 1176338 w 3946874"/>
-                  <a:gd name="connsiteY6" fmla="*/ 2915603 h 3989641"/>
-                  <a:gd name="connsiteX7" fmla="*/ 1394270 w 3946874"/>
-                  <a:gd name="connsiteY7" fmla="*/ 2780729 h 3989641"/>
-                  <a:gd name="connsiteX8" fmla="*/ 1601057 w 3946874"/>
-                  <a:gd name="connsiteY8" fmla="*/ 2723483 h 3989641"/>
-                  <a:gd name="connsiteX9" fmla="*/ 1756220 w 3946874"/>
-                  <a:gd name="connsiteY9" fmla="*/ 2743772 h 3989641"/>
-                  <a:gd name="connsiteX10" fmla="*/ 1889189 w 3946874"/>
-                  <a:gd name="connsiteY10" fmla="*/ 2765965 h 3989641"/>
-                  <a:gd name="connsiteX11" fmla="*/ 2007394 w 3946874"/>
-                  <a:gd name="connsiteY11" fmla="*/ 2765965 h 3989641"/>
-                  <a:gd name="connsiteX12" fmla="*/ 2184654 w 3946874"/>
-                  <a:gd name="connsiteY12" fmla="*/ 2671763 h 3989641"/>
-                  <a:gd name="connsiteX13" fmla="*/ 2372773 w 3946874"/>
-                  <a:gd name="connsiteY13" fmla="*/ 2538984 h 3989641"/>
-                  <a:gd name="connsiteX14" fmla="*/ 2439543 w 3946874"/>
-                  <a:gd name="connsiteY14" fmla="*/ 2510504 h 3989641"/>
-                  <a:gd name="connsiteX15" fmla="*/ 2650617 w 3946874"/>
-                  <a:gd name="connsiteY15" fmla="*/ 2434781 h 3989641"/>
-                  <a:gd name="connsiteX16" fmla="*/ 2785110 w 3946874"/>
-                  <a:gd name="connsiteY16" fmla="*/ 2383060 h 3989641"/>
-                  <a:gd name="connsiteX17" fmla="*/ 2897315 w 3946874"/>
-                  <a:gd name="connsiteY17" fmla="*/ 2318861 h 3989641"/>
-                  <a:gd name="connsiteX18" fmla="*/ 2997994 w 3946874"/>
-                  <a:gd name="connsiteY18" fmla="*/ 2226183 h 3989641"/>
-                  <a:gd name="connsiteX19" fmla="*/ 3061240 w 3946874"/>
-                  <a:gd name="connsiteY19" fmla="*/ 2141506 h 3989641"/>
-                  <a:gd name="connsiteX20" fmla="*/ 3152108 w 3946874"/>
-                  <a:gd name="connsiteY20" fmla="*/ 2005203 h 3989641"/>
-                  <a:gd name="connsiteX21" fmla="*/ 3274124 w 3946874"/>
-                  <a:gd name="connsiteY21" fmla="*/ 1871567 h 3989641"/>
-                  <a:gd name="connsiteX22" fmla="*/ 3388138 w 3946874"/>
-                  <a:gd name="connsiteY22" fmla="*/ 1770888 h 3989641"/>
-                  <a:gd name="connsiteX23" fmla="*/ 3466529 w 3946874"/>
-                  <a:gd name="connsiteY23" fmla="*/ 1679162 h 3989641"/>
-                  <a:gd name="connsiteX24" fmla="*/ 3538633 w 3946874"/>
-                  <a:gd name="connsiteY24" fmla="*/ 1551718 h 3989641"/>
-                  <a:gd name="connsiteX25" fmla="*/ 3588544 w 3946874"/>
-                  <a:gd name="connsiteY25" fmla="*/ 1376172 h 3989641"/>
-                  <a:gd name="connsiteX26" fmla="*/ 3597402 w 3946874"/>
-                  <a:gd name="connsiteY26" fmla="*/ 1293305 h 3989641"/>
-                  <a:gd name="connsiteX27" fmla="*/ 3721227 w 3946874"/>
-                  <a:gd name="connsiteY27" fmla="*/ 880491 h 3989641"/>
-                  <a:gd name="connsiteX28" fmla="*/ 3761137 w 3946874"/>
-                  <a:gd name="connsiteY28" fmla="*/ 463677 h 3989641"/>
-                  <a:gd name="connsiteX29" fmla="*/ 3946874 w 3946874"/>
-                  <a:gd name="connsiteY29" fmla="*/ 0 h 3989641"/>
-                </a:gdLst>
-                <a:ahLst/>
-                <a:cxnLst>
-                  <a:cxn ang="0">
-                    <a:pos x="connsiteX0" y="connsiteY0"/>
-                  </a:cxn>
-                  <a:cxn ang="0">
-                    <a:pos x="connsiteX1" y="connsiteY1"/>
-                  </a:cxn>
-                  <a:cxn ang="0">
-                    <a:pos x="connsiteX2" y="connsiteY2"/>
-                  </a:cxn>
-                  <a:cxn ang="0">
-                    <a:pos x="connsiteX3" y="connsiteY3"/>
-                  </a:cxn>
-                  <a:cxn ang="0">
-                    <a:pos x="connsiteX4" y="connsiteY4"/>
-                  </a:cxn>
-                  <a:cxn ang="0">
-                    <a:pos x="connsiteX5" y="connsiteY5"/>
-                  </a:cxn>
-                  <a:cxn ang="0">
-                    <a:pos x="connsiteX6" y="connsiteY6"/>
-                  </a:cxn>
-                  <a:cxn ang="0">
-                    <a:pos x="connsiteX7" y="connsiteY7"/>
-                  </a:cxn>
-                  <a:cxn ang="0">
-                    <a:pos x="connsiteX8" y="connsiteY8"/>
-                  </a:cxn>
-                  <a:cxn ang="0">
-                    <a:pos x="connsiteX9" y="connsiteY9"/>
-                  </a:cxn>
-                  <a:cxn ang="0">
-                    <a:pos x="connsiteX10" y="connsiteY10"/>
-                  </a:cxn>
-                  <a:cxn ang="0">
-                    <a:pos x="connsiteX11" y="connsiteY11"/>
-                  </a:cxn>
-                  <a:cxn ang="0">
-                    <a:pos x="connsiteX12" y="connsiteY12"/>
-                  </a:cxn>
-                  <a:cxn ang="0">
-                    <a:pos x="connsiteX13" y="connsiteY13"/>
-                  </a:cxn>
-                  <a:cxn ang="0">
-                    <a:pos x="connsiteX14" y="connsiteY14"/>
-                  </a:cxn>
-                  <a:cxn ang="0">
-                    <a:pos x="connsiteX15" y="connsiteY15"/>
-                  </a:cxn>
-                  <a:cxn ang="0">
-                    <a:pos x="connsiteX16" y="connsiteY16"/>
-                  </a:cxn>
-                  <a:cxn ang="0">
-                    <a:pos x="connsiteX17" y="connsiteY17"/>
-                  </a:cxn>
-                  <a:cxn ang="0">
-                    <a:pos x="connsiteX18" y="connsiteY18"/>
-                  </a:cxn>
-                  <a:cxn ang="0">
-                    <a:pos x="connsiteX19" y="connsiteY19"/>
-                  </a:cxn>
-                  <a:cxn ang="0">
-                    <a:pos x="connsiteX20" y="connsiteY20"/>
-                  </a:cxn>
-                  <a:cxn ang="0">
-                    <a:pos x="connsiteX21" y="connsiteY21"/>
-                  </a:cxn>
-                  <a:cxn ang="0">
-                    <a:pos x="connsiteX22" y="connsiteY22"/>
-                  </a:cxn>
-                  <a:cxn ang="0">
-                    <a:pos x="connsiteX23" y="connsiteY23"/>
-                  </a:cxn>
-                  <a:cxn ang="0">
-                    <a:pos x="connsiteX24" y="connsiteY24"/>
-                  </a:cxn>
-                  <a:cxn ang="0">
-                    <a:pos x="connsiteX25" y="connsiteY25"/>
-                  </a:cxn>
-                  <a:cxn ang="0">
-                    <a:pos x="connsiteX26" y="connsiteY26"/>
-                  </a:cxn>
-                  <a:cxn ang="0">
-                    <a:pos x="connsiteX27" y="connsiteY27"/>
-                  </a:cxn>
-                  <a:cxn ang="0">
-                    <a:pos x="connsiteX28" y="connsiteY28"/>
-                  </a:cxn>
-                  <a:cxn ang="0">
-                    <a:pos x="connsiteX29" y="connsiteY29"/>
-                  </a:cxn>
-                </a:cxnLst>
-                <a:rect l="l" t="t" r="r" b="b"/>
-                <a:pathLst>
-                  <a:path w="3946874" h="3989641">
-                    <a:moveTo>
-                      <a:pt x="0" y="3989641"/>
-                    </a:moveTo>
-                    <a:cubicBezTo>
-                      <a:pt x="19050" y="3957257"/>
-                      <a:pt x="50959" y="3916013"/>
-                      <a:pt x="79439" y="3891153"/>
-                    </a:cubicBezTo>
-                    <a:cubicBezTo>
-                      <a:pt x="165544" y="3815906"/>
-                      <a:pt x="227933" y="3717989"/>
-                      <a:pt x="297371" y="3626930"/>
-                    </a:cubicBezTo>
-                    <a:cubicBezTo>
-                      <a:pt x="346615" y="3562255"/>
-                      <a:pt x="398050" y="3499009"/>
-                      <a:pt x="454343" y="3440335"/>
-                    </a:cubicBezTo>
-                    <a:cubicBezTo>
-                      <a:pt x="506349" y="3386042"/>
-                      <a:pt x="562642" y="3336227"/>
-                      <a:pt x="622363" y="3290697"/>
-                    </a:cubicBezTo>
-                    <a:cubicBezTo>
-                      <a:pt x="719519" y="3216688"/>
-                      <a:pt x="824960" y="3154585"/>
-                      <a:pt x="927068" y="3087434"/>
-                    </a:cubicBezTo>
-                    <a:cubicBezTo>
-                      <a:pt x="1011365" y="3031998"/>
-                      <a:pt x="1093565" y="2973324"/>
-                      <a:pt x="1176338" y="2915603"/>
-                    </a:cubicBezTo>
-                    <a:cubicBezTo>
-                      <a:pt x="1246537" y="2866644"/>
-                      <a:pt x="1317308" y="2818066"/>
-                      <a:pt x="1394270" y="2780729"/>
-                    </a:cubicBezTo>
-                    <a:cubicBezTo>
-                      <a:pt x="1459421" y="2749106"/>
-                      <a:pt x="1528763" y="2724436"/>
-                      <a:pt x="1601057" y="2723483"/>
-                    </a:cubicBezTo>
-                    <a:cubicBezTo>
-                      <a:pt x="1653350" y="2722721"/>
-                      <a:pt x="1704785" y="2733485"/>
-                      <a:pt x="1756220" y="2743772"/>
-                    </a:cubicBezTo>
-                    <a:cubicBezTo>
-                      <a:pt x="1800320" y="2752630"/>
-                      <a:pt x="1844612" y="2760250"/>
-                      <a:pt x="1889189" y="2765965"/>
-                    </a:cubicBezTo>
-                    <a:cubicBezTo>
-                      <a:pt x="1928622" y="2771013"/>
-                      <a:pt x="1968437" y="2773299"/>
-                      <a:pt x="2007394" y="2765965"/>
-                    </a:cubicBezTo>
-                    <a:cubicBezTo>
-                      <a:pt x="2073878" y="2753487"/>
-                      <a:pt x="2130647" y="2712911"/>
-                      <a:pt x="2184654" y="2671763"/>
-                    </a:cubicBezTo>
-                    <a:cubicBezTo>
-                      <a:pt x="2245900" y="2625090"/>
-                      <a:pt x="2304002" y="2573465"/>
-                      <a:pt x="2372773" y="2538984"/>
-                    </a:cubicBezTo>
-                    <a:cubicBezTo>
-                      <a:pt x="2394395" y="2528126"/>
-                      <a:pt x="2416874" y="2518982"/>
-                      <a:pt x="2439543" y="2510504"/>
-                    </a:cubicBezTo>
-                    <a:cubicBezTo>
-                      <a:pt x="2509552" y="2484215"/>
-                      <a:pt x="2580037" y="2459450"/>
-                      <a:pt x="2650617" y="2434781"/>
-                    </a:cubicBezTo>
-                    <a:cubicBezTo>
-                      <a:pt x="2695956" y="2418874"/>
-                      <a:pt x="2741295" y="2402872"/>
-                      <a:pt x="2785110" y="2383060"/>
-                    </a:cubicBezTo>
-                    <a:cubicBezTo>
-                      <a:pt x="2824448" y="2365248"/>
-                      <a:pt x="2862358" y="2344198"/>
-                      <a:pt x="2897315" y="2318861"/>
-                    </a:cubicBezTo>
-                    <a:cubicBezTo>
-                      <a:pt x="2934367" y="2292096"/>
-                      <a:pt x="2968085" y="2260854"/>
-                      <a:pt x="2997994" y="2226183"/>
-                    </a:cubicBezTo>
-                    <a:cubicBezTo>
-                      <a:pt x="3020949" y="2199513"/>
-                      <a:pt x="3041714" y="2170938"/>
-                      <a:pt x="3061240" y="2141506"/>
-                    </a:cubicBezTo>
-                    <a:cubicBezTo>
-                      <a:pt x="3091529" y="2095976"/>
-                      <a:pt x="3119533" y="2049018"/>
-                      <a:pt x="3152108" y="2005203"/>
-                    </a:cubicBezTo>
-                    <a:cubicBezTo>
-                      <a:pt x="3188113" y="1956626"/>
-                      <a:pt x="3229261" y="1912144"/>
-                      <a:pt x="3274124" y="1871567"/>
-                    </a:cubicBezTo>
-                    <a:cubicBezTo>
-                      <a:pt x="3311747" y="1837563"/>
-                      <a:pt x="3351848" y="1806321"/>
-                      <a:pt x="3388138" y="1770888"/>
-                    </a:cubicBezTo>
-                    <a:cubicBezTo>
-                      <a:pt x="3416999" y="1742694"/>
-                      <a:pt x="3443002" y="1711833"/>
-                      <a:pt x="3466529" y="1679162"/>
-                    </a:cubicBezTo>
-                    <a:cubicBezTo>
-                      <a:pt x="3495008" y="1639348"/>
-                      <a:pt x="3519392" y="1596771"/>
-                      <a:pt x="3538633" y="1551718"/>
-                    </a:cubicBezTo>
-                    <a:cubicBezTo>
-                      <a:pt x="3562731" y="1495616"/>
-                      <a:pt x="3578924" y="1436465"/>
-                      <a:pt x="3588544" y="1376172"/>
-                    </a:cubicBezTo>
-                    <a:cubicBezTo>
-                      <a:pt x="3592925" y="1348740"/>
-                      <a:pt x="3595688" y="1321022"/>
-                      <a:pt x="3597402" y="1293305"/>
-                    </a:cubicBezTo>
-                    <a:cubicBezTo>
-                      <a:pt x="3605974" y="1155859"/>
-                      <a:pt x="3717703" y="1018127"/>
-                      <a:pt x="3721227" y="880491"/>
-                    </a:cubicBezTo>
-                    <a:cubicBezTo>
-                      <a:pt x="3724751" y="740855"/>
-                      <a:pt x="3743135" y="602171"/>
-                      <a:pt x="3761137" y="463677"/>
-                    </a:cubicBezTo>
-                    <a:cubicBezTo>
-                      <a:pt x="3776186" y="347758"/>
-                      <a:pt x="3934968" y="116205"/>
-                      <a:pt x="3946874" y="0"/>
-                    </a:cubicBezTo>
-                  </a:path>
-                </a:pathLst>
-              </a:custGeom>
-              <a:noFill/>
-              <a:ln w="9525" cap="rnd">
-                <a:solidFill>
-                  <a:schemeClr val="accent2">
-                    <a:alpha val="35000"/>
-                  </a:schemeClr>
-                </a:solidFill>
-                <a:prstDash val="lgDash"/>
-                <a:round/>
-              </a:ln>
-            </p:spPr>
-            <p:txBody>
-              <a:bodyPr rtlCol="0" anchor="ctr"/>
-              <a:lstStyle/>
-              <a:p>
-                <a:endParaRPr lang="en-US"/>
-              </a:p>
-            </p:txBody>
-          </p:sp>
-          <p:sp>
-            <p:nvSpPr>
-              <p:cNvPr id="45" name="Freeform: Shape 44">
-                <a:extLst>
-                  <a:ext uri="{FF2B5EF4-FFF2-40B4-BE49-F238E27FC236}">
-                    <a16:creationId xmlns:a16="http://schemas.microsoft.com/office/drawing/2014/main" id="{3A78AC46-8358-46F7-8053-BDB805B2A60C}"/>
-                  </a:ext>
-                  <a:ext uri="{C183D7F6-B498-43B3-948B-1728B52AA6E4}">
-                    <adec:decorative xmlns:adec="http://schemas.microsoft.com/office/drawing/2017/decorative" val="1"/>
-                  </a:ext>
-                </a:extLst>
-              </p:cNvPr>
-              <p:cNvSpPr/>
-              <p:nvPr>
-                <p:extLst>
-                  <p:ext uri="{386F3935-93C4-4BCD-93E2-E3B085C9AB24}">
-                    <p16:designElem xmlns:p16="http://schemas.microsoft.com/office/powerpoint/2015/main" val="1"/>
-                  </p:ext>
-                </p:extLst>
-              </p:nvPr>
-            </p:nvSpPr>
-            <p:spPr>
-              <a:xfrm>
-                <a:off x="4395978" y="2441733"/>
-                <a:ext cx="3665410" cy="2985611"/>
-              </a:xfrm>
-              <a:custGeom>
-                <a:avLst/>
-                <a:gdLst>
-                  <a:gd name="connsiteX0" fmla="*/ 0 w 3665410"/>
-                  <a:gd name="connsiteY0" fmla="*/ 2985611 h 2985611"/>
-                  <a:gd name="connsiteX1" fmla="*/ 166211 w 3665410"/>
-                  <a:gd name="connsiteY1" fmla="*/ 2699766 h 2985611"/>
-                  <a:gd name="connsiteX2" fmla="*/ 397002 w 3665410"/>
-                  <a:gd name="connsiteY2" fmla="*/ 2414969 h 2985611"/>
-                  <a:gd name="connsiteX3" fmla="*/ 620173 w 3665410"/>
-                  <a:gd name="connsiteY3" fmla="*/ 2237899 h 2985611"/>
-                  <a:gd name="connsiteX4" fmla="*/ 823341 w 3665410"/>
-                  <a:gd name="connsiteY4" fmla="*/ 2085499 h 2985611"/>
-                  <a:gd name="connsiteX5" fmla="*/ 1089565 w 3665410"/>
-                  <a:gd name="connsiteY5" fmla="*/ 1911477 h 2985611"/>
-                  <a:gd name="connsiteX6" fmla="*/ 1145000 w 3665410"/>
-                  <a:gd name="connsiteY6" fmla="*/ 1886807 h 2985611"/>
-                  <a:gd name="connsiteX7" fmla="*/ 1375791 w 3665410"/>
-                  <a:gd name="connsiteY7" fmla="*/ 1842135 h 2985611"/>
-                  <a:gd name="connsiteX8" fmla="*/ 1486567 w 3665410"/>
-                  <a:gd name="connsiteY8" fmla="*/ 1857566 h 2985611"/>
-                  <a:gd name="connsiteX9" fmla="*/ 1568101 w 3665410"/>
-                  <a:gd name="connsiteY9" fmla="*/ 1871377 h 2985611"/>
-                  <a:gd name="connsiteX10" fmla="*/ 1810607 w 3665410"/>
-                  <a:gd name="connsiteY10" fmla="*/ 1871377 h 2985611"/>
-                  <a:gd name="connsiteX11" fmla="*/ 1997964 w 3665410"/>
-                  <a:gd name="connsiteY11" fmla="*/ 1790605 h 2985611"/>
-                  <a:gd name="connsiteX12" fmla="*/ 2109883 w 3665410"/>
-                  <a:gd name="connsiteY12" fmla="*/ 1702784 h 2985611"/>
-                  <a:gd name="connsiteX13" fmla="*/ 2321433 w 3665410"/>
-                  <a:gd name="connsiteY13" fmla="*/ 1552384 h 2985611"/>
-                  <a:gd name="connsiteX14" fmla="*/ 2558891 w 3665410"/>
-                  <a:gd name="connsiteY14" fmla="*/ 1453420 h 2985611"/>
-                  <a:gd name="connsiteX15" fmla="*/ 2709767 w 3665410"/>
-                  <a:gd name="connsiteY15" fmla="*/ 1377887 h 2985611"/>
-                  <a:gd name="connsiteX16" fmla="*/ 2885408 w 3665410"/>
-                  <a:gd name="connsiteY16" fmla="*/ 1237393 h 2985611"/>
-                  <a:gd name="connsiteX17" fmla="*/ 3017711 w 3665410"/>
-                  <a:gd name="connsiteY17" fmla="*/ 1072229 h 2985611"/>
-                  <a:gd name="connsiteX18" fmla="*/ 3150680 w 3665410"/>
-                  <a:gd name="connsiteY18" fmla="*/ 921830 h 2985611"/>
-                  <a:gd name="connsiteX19" fmla="*/ 3255169 w 3665410"/>
-                  <a:gd name="connsiteY19" fmla="*/ 801815 h 2985611"/>
-                  <a:gd name="connsiteX20" fmla="*/ 3339275 w 3665410"/>
-                  <a:gd name="connsiteY20" fmla="*/ 694182 h 2985611"/>
-                  <a:gd name="connsiteX21" fmla="*/ 3409188 w 3665410"/>
-                  <a:gd name="connsiteY21" fmla="*/ 546926 h 2985611"/>
-                  <a:gd name="connsiteX22" fmla="*/ 3464243 w 3665410"/>
-                  <a:gd name="connsiteY22" fmla="*/ 347663 h 2985611"/>
-                  <a:gd name="connsiteX23" fmla="*/ 3665411 w 3665410"/>
-                  <a:gd name="connsiteY23" fmla="*/ 0 h 2985611"/>
-                </a:gdLst>
-                <a:ahLst/>
-                <a:cxnLst>
-                  <a:cxn ang="0">
-                    <a:pos x="connsiteX0" y="connsiteY0"/>
-                  </a:cxn>
-                  <a:cxn ang="0">
-                    <a:pos x="connsiteX1" y="connsiteY1"/>
-                  </a:cxn>
-                  <a:cxn ang="0">
-                    <a:pos x="connsiteX2" y="connsiteY2"/>
-                  </a:cxn>
-                  <a:cxn ang="0">
-                    <a:pos x="connsiteX3" y="connsiteY3"/>
-                  </a:cxn>
-                  <a:cxn ang="0">
-                    <a:pos x="connsiteX4" y="connsiteY4"/>
-                  </a:cxn>
-                  <a:cxn ang="0">
-                    <a:pos x="connsiteX5" y="connsiteY5"/>
-                  </a:cxn>
-                  <a:cxn ang="0">
-                    <a:pos x="connsiteX6" y="connsiteY6"/>
-                  </a:cxn>
-                  <a:cxn ang="0">
-                    <a:pos x="connsiteX7" y="connsiteY7"/>
-                  </a:cxn>
-                  <a:cxn ang="0">
-                    <a:pos x="connsiteX8" y="connsiteY8"/>
-                  </a:cxn>
-                  <a:cxn ang="0">
-                    <a:pos x="connsiteX9" y="connsiteY9"/>
-                  </a:cxn>
-                  <a:cxn ang="0">
-                    <a:pos x="connsiteX10" y="connsiteY10"/>
-                  </a:cxn>
-                  <a:cxn ang="0">
-                    <a:pos x="connsiteX11" y="connsiteY11"/>
-                  </a:cxn>
-                  <a:cxn ang="0">
-                    <a:pos x="connsiteX12" y="connsiteY12"/>
-                  </a:cxn>
-                  <a:cxn ang="0">
-                    <a:pos x="connsiteX13" y="connsiteY13"/>
-                  </a:cxn>
-                  <a:cxn ang="0">
-                    <a:pos x="connsiteX14" y="connsiteY14"/>
-                  </a:cxn>
-                  <a:cxn ang="0">
-                    <a:pos x="connsiteX15" y="connsiteY15"/>
-                  </a:cxn>
-                  <a:cxn ang="0">
-                    <a:pos x="connsiteX16" y="connsiteY16"/>
-                  </a:cxn>
-                  <a:cxn ang="0">
-                    <a:pos x="connsiteX17" y="connsiteY17"/>
-                  </a:cxn>
-                  <a:cxn ang="0">
-                    <a:pos x="connsiteX18" y="connsiteY18"/>
-                  </a:cxn>
-                  <a:cxn ang="0">
-                    <a:pos x="connsiteX19" y="connsiteY19"/>
-                  </a:cxn>
-                  <a:cxn ang="0">
-                    <a:pos x="connsiteX20" y="connsiteY20"/>
-                  </a:cxn>
-                  <a:cxn ang="0">
-                    <a:pos x="connsiteX21" y="connsiteY21"/>
-                  </a:cxn>
-                  <a:cxn ang="0">
-                    <a:pos x="connsiteX22" y="connsiteY22"/>
-                  </a:cxn>
-                  <a:cxn ang="0">
-                    <a:pos x="connsiteX23" y="connsiteY23"/>
-                  </a:cxn>
-                </a:cxnLst>
-                <a:rect l="l" t="t" r="r" b="b"/>
-                <a:pathLst>
-                  <a:path w="3665410" h="2985611">
-                    <a:moveTo>
-                      <a:pt x="0" y="2985611"/>
-                    </a:moveTo>
-                    <a:cubicBezTo>
-                      <a:pt x="0" y="2985611"/>
-                      <a:pt x="86773" y="2802827"/>
-                      <a:pt x="166211" y="2699766"/>
-                    </a:cubicBezTo>
-                    <a:cubicBezTo>
-                      <a:pt x="240983" y="2602706"/>
-                      <a:pt x="309182" y="2500122"/>
-                      <a:pt x="397002" y="2414969"/>
-                    </a:cubicBezTo>
-                    <a:cubicBezTo>
-                      <a:pt x="465296" y="2348865"/>
-                      <a:pt x="543592" y="2294477"/>
-                      <a:pt x="620173" y="2237899"/>
-                    </a:cubicBezTo>
-                    <a:cubicBezTo>
-                      <a:pt x="688277" y="2187607"/>
-                      <a:pt x="755333" y="2135886"/>
-                      <a:pt x="823341" y="2085499"/>
-                    </a:cubicBezTo>
-                    <a:cubicBezTo>
-                      <a:pt x="908685" y="2022253"/>
-                      <a:pt x="994791" y="1959197"/>
-                      <a:pt x="1089565" y="1911477"/>
-                    </a:cubicBezTo>
-                    <a:cubicBezTo>
-                      <a:pt x="1107662" y="1902428"/>
-                      <a:pt x="1126141" y="1894141"/>
-                      <a:pt x="1145000" y="1886807"/>
-                    </a:cubicBezTo>
-                    <a:cubicBezTo>
-                      <a:pt x="1218819" y="1858232"/>
-                      <a:pt x="1296924" y="1838611"/>
-                      <a:pt x="1375791" y="1842135"/>
-                    </a:cubicBezTo>
-                    <a:cubicBezTo>
-                      <a:pt x="1413129" y="1843754"/>
-                      <a:pt x="1449896" y="1850422"/>
-                      <a:pt x="1486567" y="1857566"/>
-                    </a:cubicBezTo>
-                    <a:cubicBezTo>
-                      <a:pt x="1513618" y="1862804"/>
-                      <a:pt x="1540859" y="1867376"/>
-                      <a:pt x="1568101" y="1871377"/>
-                    </a:cubicBezTo>
-                    <a:cubicBezTo>
-                      <a:pt x="1648778" y="1883188"/>
-                      <a:pt x="1730978" y="1887665"/>
-                      <a:pt x="1810607" y="1871377"/>
-                    </a:cubicBezTo>
-                    <a:cubicBezTo>
-                      <a:pt x="1877854" y="1857661"/>
-                      <a:pt x="1941100" y="1829086"/>
-                      <a:pt x="1997964" y="1790605"/>
-                    </a:cubicBezTo>
-                    <a:cubicBezTo>
-                      <a:pt x="2037302" y="1764030"/>
-                      <a:pt x="2073497" y="1733264"/>
-                      <a:pt x="2109883" y="1702784"/>
-                    </a:cubicBezTo>
-                    <a:cubicBezTo>
-                      <a:pt x="2176367" y="1647063"/>
-                      <a:pt x="2244852" y="1593151"/>
-                      <a:pt x="2321433" y="1552384"/>
-                    </a:cubicBezTo>
-                    <a:cubicBezTo>
-                      <a:pt x="2397157" y="1512094"/>
-                      <a:pt x="2479548" y="1486281"/>
-                      <a:pt x="2558891" y="1453420"/>
-                    </a:cubicBezTo>
-                    <a:cubicBezTo>
-                      <a:pt x="2610898" y="1431798"/>
-                      <a:pt x="2661571" y="1407033"/>
-                      <a:pt x="2709767" y="1377887"/>
-                    </a:cubicBezTo>
-                    <a:cubicBezTo>
-                      <a:pt x="2774252" y="1338929"/>
-                      <a:pt x="2834069" y="1292447"/>
-                      <a:pt x="2885408" y="1237393"/>
-                    </a:cubicBezTo>
-                    <a:cubicBezTo>
-                      <a:pt x="2933605" y="1185767"/>
-                      <a:pt x="2973324" y="1127093"/>
-                      <a:pt x="3017711" y="1072229"/>
-                    </a:cubicBezTo>
-                    <a:cubicBezTo>
-                      <a:pt x="3059811" y="1020223"/>
-                      <a:pt x="3105912" y="971645"/>
-                      <a:pt x="3150680" y="921830"/>
-                    </a:cubicBezTo>
-                    <a:cubicBezTo>
-                      <a:pt x="3186113" y="882396"/>
-                      <a:pt x="3220593" y="842010"/>
-                      <a:pt x="3255169" y="801815"/>
-                    </a:cubicBezTo>
-                    <a:cubicBezTo>
-                      <a:pt x="3284887" y="767239"/>
-                      <a:pt x="3314605" y="732473"/>
-                      <a:pt x="3339275" y="694182"/>
-                    </a:cubicBezTo>
-                    <a:cubicBezTo>
-                      <a:pt x="3368707" y="648367"/>
-                      <a:pt x="3390138" y="597980"/>
-                      <a:pt x="3409188" y="546926"/>
-                    </a:cubicBezTo>
-                    <a:cubicBezTo>
-                      <a:pt x="3433382" y="482156"/>
-                      <a:pt x="3453384" y="415861"/>
-                      <a:pt x="3464243" y="347663"/>
-                    </a:cubicBezTo>
-                    <a:cubicBezTo>
-                      <a:pt x="3476244" y="272224"/>
-                      <a:pt x="3661696" y="76295"/>
-                      <a:pt x="3665411" y="0"/>
-                    </a:cubicBezTo>
-                  </a:path>
-                </a:pathLst>
-              </a:custGeom>
-              <a:noFill/>
-              <a:ln w="9525" cap="rnd">
-                <a:solidFill>
-                  <a:schemeClr val="accent2">
-                    <a:alpha val="35000"/>
-                  </a:schemeClr>
-                </a:solidFill>
-                <a:prstDash val="lgDash"/>
-                <a:round/>
-              </a:ln>
-            </p:spPr>
-            <p:txBody>
-              <a:bodyPr rtlCol="0" anchor="ctr"/>
-              <a:lstStyle/>
-              <a:p>
-                <a:endParaRPr lang="en-US"/>
-              </a:p>
-            </p:txBody>
-          </p:sp>
-          <p:sp>
-            <p:nvSpPr>
-              <p:cNvPr id="46" name="Freeform: Shape 45">
-                <a:extLst>
-                  <a:ext uri="{FF2B5EF4-FFF2-40B4-BE49-F238E27FC236}">
-                    <a16:creationId xmlns:a16="http://schemas.microsoft.com/office/drawing/2014/main" id="{3D9EBE72-EB96-46AF-9479-A0B4E2F5060F}"/>
-                  </a:ext>
-                  <a:ext uri="{C183D7F6-B498-43B3-948B-1728B52AA6E4}">
-                    <adec:decorative xmlns:adec="http://schemas.microsoft.com/office/drawing/2017/decorative" val="1"/>
-                  </a:ext>
-                </a:extLst>
-              </p:cNvPr>
-              <p:cNvSpPr/>
-              <p:nvPr>
-                <p:extLst>
-                  <p:ext uri="{386F3935-93C4-4BCD-93E2-E3B085C9AB24}">
-                    <p16:designElem xmlns:p16="http://schemas.microsoft.com/office/powerpoint/2015/main" val="1"/>
-                  </p:ext>
-                </p:extLst>
-              </p:nvPr>
-            </p:nvSpPr>
-            <p:spPr>
-              <a:xfrm>
-                <a:off x="7790402" y="5229700"/>
-                <a:ext cx="285940" cy="199072"/>
-              </a:xfrm>
-              <a:custGeom>
-                <a:avLst/>
-                <a:gdLst>
-                  <a:gd name="connsiteX0" fmla="*/ 0 w 285940"/>
-                  <a:gd name="connsiteY0" fmla="*/ 199073 h 199072"/>
-                  <a:gd name="connsiteX1" fmla="*/ 285940 w 285940"/>
-                  <a:gd name="connsiteY1" fmla="*/ 0 h 199072"/>
-                </a:gdLst>
-                <a:ahLst/>
-                <a:cxnLst>
-                  <a:cxn ang="0">
-                    <a:pos x="connsiteX0" y="connsiteY0"/>
-                  </a:cxn>
-                  <a:cxn ang="0">
-                    <a:pos x="connsiteX1" y="connsiteY1"/>
-                  </a:cxn>
-                </a:cxnLst>
-                <a:rect l="l" t="t" r="r" b="b"/>
-                <a:pathLst>
-                  <a:path w="285940" h="199072">
-                    <a:moveTo>
-                      <a:pt x="0" y="199073"/>
-                    </a:moveTo>
-                    <a:cubicBezTo>
-                      <a:pt x="0" y="199073"/>
-                      <a:pt x="242125" y="39243"/>
-                      <a:pt x="285940" y="0"/>
-                    </a:cubicBezTo>
-                  </a:path>
-                </a:pathLst>
-              </a:custGeom>
-              <a:noFill/>
-              <a:ln w="9525" cap="rnd">
-                <a:solidFill>
-                  <a:schemeClr val="accent2">
-                    <a:alpha val="35000"/>
-                  </a:schemeClr>
-                </a:solidFill>
-                <a:prstDash val="lgDash"/>
-                <a:round/>
-              </a:ln>
-            </p:spPr>
-            <p:txBody>
-              <a:bodyPr rtlCol="0" anchor="ctr"/>
-              <a:lstStyle/>
-              <a:p>
-                <a:endParaRPr lang="en-US"/>
-              </a:p>
-            </p:txBody>
-          </p:sp>
-          <p:sp>
-            <p:nvSpPr>
-              <p:cNvPr id="47" name="Freeform: Shape 46">
-                <a:extLst>
-                  <a:ext uri="{FF2B5EF4-FFF2-40B4-BE49-F238E27FC236}">
-                    <a16:creationId xmlns:a16="http://schemas.microsoft.com/office/drawing/2014/main" id="{E778FF3A-B709-48E2-977C-350725CE9DAC}"/>
-                  </a:ext>
-                  <a:ext uri="{C183D7F6-B498-43B3-948B-1728B52AA6E4}">
-                    <adec:decorative xmlns:adec="http://schemas.microsoft.com/office/drawing/2017/decorative" val="1"/>
-                  </a:ext>
-                </a:extLst>
-              </p:cNvPr>
-              <p:cNvSpPr/>
-              <p:nvPr>
-                <p:extLst>
-                  <p:ext uri="{386F3935-93C4-4BCD-93E2-E3B085C9AB24}">
-                    <p16:designElem xmlns:p16="http://schemas.microsoft.com/office/powerpoint/2015/main" val="1"/>
-                  </p:ext>
-                </p:extLst>
-              </p:nvPr>
-            </p:nvSpPr>
-            <p:spPr>
-              <a:xfrm>
-                <a:off x="7393114" y="5049773"/>
-                <a:ext cx="655796" cy="381190"/>
-              </a:xfrm>
-              <a:custGeom>
-                <a:avLst/>
-                <a:gdLst>
-                  <a:gd name="connsiteX0" fmla="*/ 0 w 655796"/>
-                  <a:gd name="connsiteY0" fmla="*/ 381190 h 381190"/>
-                  <a:gd name="connsiteX1" fmla="*/ 655796 w 655796"/>
-                  <a:gd name="connsiteY1" fmla="*/ 0 h 381190"/>
-                </a:gdLst>
-                <a:ahLst/>
-                <a:cxnLst>
-                  <a:cxn ang="0">
-                    <a:pos x="connsiteX0" y="connsiteY0"/>
-                  </a:cxn>
-                  <a:cxn ang="0">
-                    <a:pos x="connsiteX1" y="connsiteY1"/>
-                  </a:cxn>
-                </a:cxnLst>
-                <a:rect l="l" t="t" r="r" b="b"/>
-                <a:pathLst>
-                  <a:path w="655796" h="381190">
-                    <a:moveTo>
-                      <a:pt x="0" y="381190"/>
-                    </a:moveTo>
-                    <a:cubicBezTo>
-                      <a:pt x="0" y="381190"/>
-                      <a:pt x="461105" y="172117"/>
-                      <a:pt x="655796" y="0"/>
-                    </a:cubicBezTo>
-                  </a:path>
-                </a:pathLst>
-              </a:custGeom>
-              <a:noFill/>
-              <a:ln w="9525" cap="rnd">
-                <a:solidFill>
-                  <a:schemeClr val="accent2">
-                    <a:alpha val="35000"/>
-                  </a:schemeClr>
-                </a:solidFill>
-                <a:prstDash val="lgDash"/>
-                <a:round/>
-              </a:ln>
-            </p:spPr>
-            <p:txBody>
-              <a:bodyPr rtlCol="0" anchor="ctr"/>
-              <a:lstStyle/>
-              <a:p>
-                <a:endParaRPr lang="en-US"/>
-              </a:p>
-            </p:txBody>
-          </p:sp>
-          <p:sp>
-            <p:nvSpPr>
-              <p:cNvPr id="48" name="Freeform: Shape 47">
-                <a:extLst>
-                  <a:ext uri="{FF2B5EF4-FFF2-40B4-BE49-F238E27FC236}">
-                    <a16:creationId xmlns:a16="http://schemas.microsoft.com/office/drawing/2014/main" id="{75CEE22A-EC37-49DA-AFBD-BC5C076958D9}"/>
-                  </a:ext>
-                  <a:ext uri="{C183D7F6-B498-43B3-948B-1728B52AA6E4}">
-                    <adec:decorative xmlns:adec="http://schemas.microsoft.com/office/drawing/2017/decorative" val="1"/>
-                  </a:ext>
-                </a:extLst>
-              </p:cNvPr>
-              <p:cNvSpPr/>
-              <p:nvPr>
-                <p:extLst>
-                  <p:ext uri="{386F3935-93C4-4BCD-93E2-E3B085C9AB24}">
-                    <p16:designElem xmlns:p16="http://schemas.microsoft.com/office/powerpoint/2015/main" val="1"/>
-                  </p:ext>
-                </p:extLst>
-              </p:nvPr>
-            </p:nvSpPr>
-            <p:spPr>
-              <a:xfrm>
-                <a:off x="5154072" y="3867816"/>
-                <a:ext cx="2907315" cy="1544764"/>
-              </a:xfrm>
-              <a:custGeom>
-                <a:avLst/>
-                <a:gdLst>
-                  <a:gd name="connsiteX0" fmla="*/ 0 w 2907315"/>
-                  <a:gd name="connsiteY0" fmla="*/ 1544764 h 1544764"/>
-                  <a:gd name="connsiteX1" fmla="*/ 201644 w 2907315"/>
-                  <a:gd name="connsiteY1" fmla="*/ 1352550 h 1544764"/>
-                  <a:gd name="connsiteX2" fmla="*/ 423196 w 2907315"/>
-                  <a:gd name="connsiteY2" fmla="*/ 1196054 h 1544764"/>
-                  <a:gd name="connsiteX3" fmla="*/ 782193 w 2907315"/>
-                  <a:gd name="connsiteY3" fmla="*/ 1099947 h 1544764"/>
-                  <a:gd name="connsiteX4" fmla="*/ 1052513 w 2907315"/>
-                  <a:gd name="connsiteY4" fmla="*/ 1042321 h 1544764"/>
-                  <a:gd name="connsiteX5" fmla="*/ 1311783 w 2907315"/>
-                  <a:gd name="connsiteY5" fmla="*/ 1056037 h 1544764"/>
-                  <a:gd name="connsiteX6" fmla="*/ 1484662 w 2907315"/>
-                  <a:gd name="connsiteY6" fmla="*/ 1083469 h 1544764"/>
-                  <a:gd name="connsiteX7" fmla="*/ 1788224 w 2907315"/>
-                  <a:gd name="connsiteY7" fmla="*/ 1023080 h 1544764"/>
-                  <a:gd name="connsiteX8" fmla="*/ 2269045 w 2907315"/>
-                  <a:gd name="connsiteY8" fmla="*/ 734758 h 1544764"/>
-                  <a:gd name="connsiteX9" fmla="*/ 2534984 w 2907315"/>
-                  <a:gd name="connsiteY9" fmla="*/ 572738 h 1544764"/>
-                  <a:gd name="connsiteX10" fmla="*/ 2907316 w 2907315"/>
-                  <a:gd name="connsiteY10" fmla="*/ 0 h 1544764"/>
-                </a:gdLst>
-                <a:ahLst/>
-                <a:cxnLst>
-                  <a:cxn ang="0">
-                    <a:pos x="connsiteX0" y="connsiteY0"/>
-                  </a:cxn>
-                  <a:cxn ang="0">
-                    <a:pos x="connsiteX1" y="connsiteY1"/>
-                  </a:cxn>
-                  <a:cxn ang="0">
-                    <a:pos x="connsiteX2" y="connsiteY2"/>
-                  </a:cxn>
-                  <a:cxn ang="0">
-                    <a:pos x="connsiteX3" y="connsiteY3"/>
-                  </a:cxn>
-                  <a:cxn ang="0">
-                    <a:pos x="connsiteX4" y="connsiteY4"/>
-                  </a:cxn>
-                  <a:cxn ang="0">
-                    <a:pos x="connsiteX5" y="connsiteY5"/>
-                  </a:cxn>
-                  <a:cxn ang="0">
-                    <a:pos x="connsiteX6" y="connsiteY6"/>
-                  </a:cxn>
-                  <a:cxn ang="0">
-                    <a:pos x="connsiteX7" y="connsiteY7"/>
-                  </a:cxn>
-                  <a:cxn ang="0">
-                    <a:pos x="connsiteX8" y="connsiteY8"/>
-                  </a:cxn>
-                  <a:cxn ang="0">
-                    <a:pos x="connsiteX9" y="connsiteY9"/>
-                  </a:cxn>
-                  <a:cxn ang="0">
-                    <a:pos x="connsiteX10" y="connsiteY10"/>
-                  </a:cxn>
-                </a:cxnLst>
-                <a:rect l="l" t="t" r="r" b="b"/>
-                <a:pathLst>
-                  <a:path w="2907315" h="1544764">
-                    <a:moveTo>
-                      <a:pt x="0" y="1544764"/>
-                    </a:moveTo>
-                    <a:cubicBezTo>
-                      <a:pt x="0" y="1544764"/>
-                      <a:pt x="98012" y="1443990"/>
-                      <a:pt x="201644" y="1352550"/>
-                    </a:cubicBezTo>
-                    <a:cubicBezTo>
-                      <a:pt x="271272" y="1291209"/>
-                      <a:pt x="343662" y="1234249"/>
-                      <a:pt x="423196" y="1196054"/>
-                    </a:cubicBezTo>
-                    <a:cubicBezTo>
-                      <a:pt x="537591" y="1141095"/>
-                      <a:pt x="661226" y="1127189"/>
-                      <a:pt x="782193" y="1099947"/>
-                    </a:cubicBezTo>
-                    <a:cubicBezTo>
-                      <a:pt x="872300" y="1079659"/>
-                      <a:pt x="961358" y="1051370"/>
-                      <a:pt x="1052513" y="1042321"/>
-                    </a:cubicBezTo>
-                    <a:cubicBezTo>
-                      <a:pt x="1139000" y="1033653"/>
-                      <a:pt x="1225868" y="1040321"/>
-                      <a:pt x="1311783" y="1056037"/>
-                    </a:cubicBezTo>
-                    <a:cubicBezTo>
-                      <a:pt x="1369314" y="1066609"/>
-                      <a:pt x="1426559" y="1079373"/>
-                      <a:pt x="1484662" y="1083469"/>
-                    </a:cubicBezTo>
-                    <a:cubicBezTo>
-                      <a:pt x="1587913" y="1090803"/>
-                      <a:pt x="1690402" y="1064800"/>
-                      <a:pt x="1788224" y="1023080"/>
-                    </a:cubicBezTo>
-                    <a:cubicBezTo>
-                      <a:pt x="1956721" y="951262"/>
-                      <a:pt x="2106549" y="825722"/>
-                      <a:pt x="2269045" y="734758"/>
-                    </a:cubicBezTo>
-                    <a:cubicBezTo>
-                      <a:pt x="2359438" y="684181"/>
-                      <a:pt x="2452497" y="640556"/>
-                      <a:pt x="2534984" y="572738"/>
-                    </a:cubicBezTo>
-                    <a:cubicBezTo>
-                      <a:pt x="2673001" y="459391"/>
-                      <a:pt x="2847023" y="191453"/>
-                      <a:pt x="2907316" y="0"/>
-                    </a:cubicBezTo>
-                  </a:path>
-                </a:pathLst>
-              </a:custGeom>
-              <a:noFill/>
-              <a:ln w="9525" cap="rnd">
-                <a:solidFill>
-                  <a:schemeClr val="accent2">
-                    <a:alpha val="35000"/>
-                  </a:schemeClr>
-                </a:solidFill>
-                <a:prstDash val="lgDash"/>
-                <a:round/>
-              </a:ln>
-            </p:spPr>
-            <p:txBody>
-              <a:bodyPr rtlCol="0" anchor="ctr"/>
-              <a:lstStyle/>
-              <a:p>
-                <a:endParaRPr lang="en-US"/>
-              </a:p>
-            </p:txBody>
-          </p:sp>
-          <p:sp>
-            <p:nvSpPr>
-              <p:cNvPr id="49" name="Freeform: Shape 48">
-                <a:extLst>
-                  <a:ext uri="{FF2B5EF4-FFF2-40B4-BE49-F238E27FC236}">
-                    <a16:creationId xmlns:a16="http://schemas.microsoft.com/office/drawing/2014/main" id="{EB48EED8-5833-438B-BDC4-5D529230DB2A}"/>
-                  </a:ext>
-                  <a:ext uri="{C183D7F6-B498-43B3-948B-1728B52AA6E4}">
-                    <adec:decorative xmlns:adec="http://schemas.microsoft.com/office/drawing/2017/decorative" val="1"/>
-                  </a:ext>
-                </a:extLst>
-              </p:cNvPr>
-              <p:cNvSpPr/>
-              <p:nvPr>
-                <p:extLst>
-                  <p:ext uri="{386F3935-93C4-4BCD-93E2-E3B085C9AB24}">
-                    <p16:designElem xmlns:p16="http://schemas.microsoft.com/office/powerpoint/2015/main" val="1"/>
-                  </p:ext>
-                </p:extLst>
-              </p:nvPr>
-            </p:nvSpPr>
-            <p:spPr>
-              <a:xfrm>
-                <a:off x="4907946" y="3479100"/>
-                <a:ext cx="3168300" cy="1952434"/>
-              </a:xfrm>
-              <a:custGeom>
-                <a:avLst/>
-                <a:gdLst>
-                  <a:gd name="connsiteX0" fmla="*/ 0 w 3168300"/>
-                  <a:gd name="connsiteY0" fmla="*/ 1952435 h 1952434"/>
-                  <a:gd name="connsiteX1" fmla="*/ 202121 w 3168300"/>
-                  <a:gd name="connsiteY1" fmla="*/ 1687068 h 1952434"/>
-                  <a:gd name="connsiteX2" fmla="*/ 545116 w 3168300"/>
-                  <a:gd name="connsiteY2" fmla="*/ 1450277 h 1952434"/>
-                  <a:gd name="connsiteX3" fmla="*/ 906780 w 3168300"/>
-                  <a:gd name="connsiteY3" fmla="*/ 1354455 h 1952434"/>
-                  <a:gd name="connsiteX4" fmla="*/ 1332262 w 3168300"/>
-                  <a:gd name="connsiteY4" fmla="*/ 1285304 h 1952434"/>
-                  <a:gd name="connsiteX5" fmla="*/ 1691259 w 3168300"/>
-                  <a:gd name="connsiteY5" fmla="*/ 1240060 h 1952434"/>
-                  <a:gd name="connsiteX6" fmla="*/ 2010346 w 3168300"/>
-                  <a:gd name="connsiteY6" fmla="*/ 1141667 h 1952434"/>
-                  <a:gd name="connsiteX7" fmla="*/ 2393252 w 3168300"/>
-                  <a:gd name="connsiteY7" fmla="*/ 1027271 h 1952434"/>
-                  <a:gd name="connsiteX8" fmla="*/ 2582037 w 3168300"/>
-                  <a:gd name="connsiteY8" fmla="*/ 958120 h 1952434"/>
-                  <a:gd name="connsiteX9" fmla="*/ 2760155 w 3168300"/>
-                  <a:gd name="connsiteY9" fmla="*/ 827723 h 1952434"/>
-                  <a:gd name="connsiteX10" fmla="*/ 2914364 w 3168300"/>
-                  <a:gd name="connsiteY10" fmla="*/ 567023 h 1952434"/>
-                  <a:gd name="connsiteX11" fmla="*/ 3168301 w 3168300"/>
-                  <a:gd name="connsiteY11" fmla="*/ 0 h 1952434"/>
-                </a:gdLst>
-                <a:ahLst/>
-                <a:cxnLst>
-                  <a:cxn ang="0">
-                    <a:pos x="connsiteX0" y="connsiteY0"/>
-                  </a:cxn>
-                  <a:cxn ang="0">
-                    <a:pos x="connsiteX1" y="connsiteY1"/>
-                  </a:cxn>
-                  <a:cxn ang="0">
-                    <a:pos x="connsiteX2" y="connsiteY2"/>
-                  </a:cxn>
-                  <a:cxn ang="0">
-                    <a:pos x="connsiteX3" y="connsiteY3"/>
-                  </a:cxn>
-                  <a:cxn ang="0">
-                    <a:pos x="connsiteX4" y="connsiteY4"/>
-                  </a:cxn>
-                  <a:cxn ang="0">
-                    <a:pos x="connsiteX5" y="connsiteY5"/>
-                  </a:cxn>
-                  <a:cxn ang="0">
-                    <a:pos x="connsiteX6" y="connsiteY6"/>
-                  </a:cxn>
-                  <a:cxn ang="0">
-                    <a:pos x="connsiteX7" y="connsiteY7"/>
-                  </a:cxn>
-                  <a:cxn ang="0">
-                    <a:pos x="connsiteX8" y="connsiteY8"/>
-                  </a:cxn>
-                  <a:cxn ang="0">
-                    <a:pos x="connsiteX9" y="connsiteY9"/>
-                  </a:cxn>
-                  <a:cxn ang="0">
-                    <a:pos x="connsiteX10" y="connsiteY10"/>
-                  </a:cxn>
-                  <a:cxn ang="0">
-                    <a:pos x="connsiteX11" y="connsiteY11"/>
-                  </a:cxn>
-                </a:cxnLst>
-                <a:rect l="l" t="t" r="r" b="b"/>
-                <a:pathLst>
-                  <a:path w="3168300" h="1952434">
-                    <a:moveTo>
-                      <a:pt x="0" y="1952435"/>
-                    </a:moveTo>
-                    <a:cubicBezTo>
-                      <a:pt x="0" y="1952435"/>
-                      <a:pt x="91059" y="1796415"/>
-                      <a:pt x="202121" y="1687068"/>
-                    </a:cubicBezTo>
-                    <a:cubicBezTo>
-                      <a:pt x="301943" y="1588675"/>
-                      <a:pt x="416528" y="1505617"/>
-                      <a:pt x="545116" y="1450277"/>
-                    </a:cubicBezTo>
-                    <a:cubicBezTo>
-                      <a:pt x="659987" y="1400747"/>
-                      <a:pt x="783622" y="1377601"/>
-                      <a:pt x="906780" y="1354455"/>
-                    </a:cubicBezTo>
-                    <a:cubicBezTo>
-                      <a:pt x="1048036" y="1327976"/>
-                      <a:pt x="1189482" y="1301972"/>
-                      <a:pt x="1332262" y="1285304"/>
-                    </a:cubicBezTo>
-                    <a:cubicBezTo>
-                      <a:pt x="1452182" y="1271302"/>
-                      <a:pt x="1573340" y="1265873"/>
-                      <a:pt x="1691259" y="1240060"/>
-                    </a:cubicBezTo>
-                    <a:cubicBezTo>
-                      <a:pt x="1800035" y="1216247"/>
-                      <a:pt x="1904619" y="1176718"/>
-                      <a:pt x="2010346" y="1141667"/>
-                    </a:cubicBezTo>
-                    <a:cubicBezTo>
-                      <a:pt x="2136743" y="1099661"/>
-                      <a:pt x="2265902" y="1066229"/>
-                      <a:pt x="2393252" y="1027271"/>
-                    </a:cubicBezTo>
-                    <a:cubicBezTo>
-                      <a:pt x="2457450" y="1007650"/>
-                      <a:pt x="2521744" y="987552"/>
-                      <a:pt x="2582037" y="958120"/>
-                    </a:cubicBezTo>
-                    <a:cubicBezTo>
-                      <a:pt x="2648807" y="925449"/>
-                      <a:pt x="2710815" y="883349"/>
-                      <a:pt x="2760155" y="827723"/>
-                    </a:cubicBezTo>
-                    <a:cubicBezTo>
-                      <a:pt x="2827496" y="751904"/>
-                      <a:pt x="2867978" y="657511"/>
-                      <a:pt x="2914364" y="567023"/>
-                    </a:cubicBezTo>
-                    <a:cubicBezTo>
-                      <a:pt x="2972753" y="453200"/>
-                      <a:pt x="3119152" y="118015"/>
-                      <a:pt x="3168301" y="0"/>
-                    </a:cubicBezTo>
-                  </a:path>
-                </a:pathLst>
-              </a:custGeom>
-              <a:noFill/>
-              <a:ln w="9525" cap="rnd">
-                <a:solidFill>
-                  <a:schemeClr val="accent2">
-                    <a:alpha val="35000"/>
-                  </a:schemeClr>
-                </a:solidFill>
-                <a:prstDash val="lgDash"/>
-                <a:round/>
-              </a:ln>
-            </p:spPr>
-            <p:txBody>
-              <a:bodyPr rtlCol="0" anchor="ctr"/>
-              <a:lstStyle/>
-              <a:p>
-                <a:endParaRPr lang="en-US"/>
-              </a:p>
-            </p:txBody>
-          </p:sp>
-          <p:sp>
-            <p:nvSpPr>
-              <p:cNvPr id="50" name="Freeform: Shape 49">
-                <a:extLst>
-                  <a:ext uri="{FF2B5EF4-FFF2-40B4-BE49-F238E27FC236}">
-                    <a16:creationId xmlns:a16="http://schemas.microsoft.com/office/drawing/2014/main" id="{15354540-D1D5-44A1-B33C-E3782C8BE719}"/>
-                  </a:ext>
-                  <a:ext uri="{C183D7F6-B498-43B3-948B-1728B52AA6E4}">
-                    <adec:decorative xmlns:adec="http://schemas.microsoft.com/office/drawing/2017/decorative" val="1"/>
-                  </a:ext>
-                </a:extLst>
-              </p:cNvPr>
-              <p:cNvSpPr/>
-              <p:nvPr>
-                <p:extLst>
-                  <p:ext uri="{386F3935-93C4-4BCD-93E2-E3B085C9AB24}">
-                    <p16:designElem xmlns:p16="http://schemas.microsoft.com/office/powerpoint/2015/main" val="1"/>
-                  </p:ext>
-                </p:extLst>
-              </p:nvPr>
-            </p:nvSpPr>
-            <p:spPr>
-              <a:xfrm>
-                <a:off x="4704778" y="2976752"/>
-                <a:ext cx="3356800" cy="2452020"/>
-              </a:xfrm>
-              <a:custGeom>
-                <a:avLst/>
-                <a:gdLst>
-                  <a:gd name="connsiteX0" fmla="*/ 0 w 3356800"/>
-                  <a:gd name="connsiteY0" fmla="*/ 2452021 h 2452020"/>
-                  <a:gd name="connsiteX1" fmla="*/ 130874 w 3356800"/>
-                  <a:gd name="connsiteY1" fmla="*/ 2247710 h 2452020"/>
-                  <a:gd name="connsiteX2" fmla="*/ 437197 w 3356800"/>
-                  <a:gd name="connsiteY2" fmla="*/ 1941195 h 2452020"/>
-                  <a:gd name="connsiteX3" fmla="*/ 737140 w 3356800"/>
-                  <a:gd name="connsiteY3" fmla="*/ 1736884 h 2452020"/>
-                  <a:gd name="connsiteX4" fmla="*/ 1031843 w 3356800"/>
-                  <a:gd name="connsiteY4" fmla="*/ 1685068 h 2452020"/>
-                  <a:gd name="connsiteX5" fmla="*/ 1287304 w 3356800"/>
-                  <a:gd name="connsiteY5" fmla="*/ 1655826 h 2452020"/>
-                  <a:gd name="connsiteX6" fmla="*/ 1471994 w 3356800"/>
-                  <a:gd name="connsiteY6" fmla="*/ 1634300 h 2452020"/>
-                  <a:gd name="connsiteX7" fmla="*/ 1898237 w 3356800"/>
-                  <a:gd name="connsiteY7" fmla="*/ 1512665 h 2452020"/>
-                  <a:gd name="connsiteX8" fmla="*/ 2229136 w 3356800"/>
-                  <a:gd name="connsiteY8" fmla="*/ 1355598 h 2452020"/>
-                  <a:gd name="connsiteX9" fmla="*/ 2512314 w 3356800"/>
-                  <a:gd name="connsiteY9" fmla="*/ 1238631 h 2452020"/>
-                  <a:gd name="connsiteX10" fmla="*/ 2758535 w 3356800"/>
-                  <a:gd name="connsiteY10" fmla="*/ 1096994 h 2452020"/>
-                  <a:gd name="connsiteX11" fmla="*/ 2935510 w 3356800"/>
-                  <a:gd name="connsiteY11" fmla="*/ 919925 h 2452020"/>
-                  <a:gd name="connsiteX12" fmla="*/ 3081719 w 3356800"/>
-                  <a:gd name="connsiteY12" fmla="*/ 687419 h 2452020"/>
-                  <a:gd name="connsiteX13" fmla="*/ 3356800 w 3356800"/>
-                  <a:gd name="connsiteY13" fmla="*/ 0 h 2452020"/>
-                </a:gdLst>
-                <a:ahLst/>
-                <a:cxnLst>
-                  <a:cxn ang="0">
-                    <a:pos x="connsiteX0" y="connsiteY0"/>
-                  </a:cxn>
-                  <a:cxn ang="0">
-                    <a:pos x="connsiteX1" y="connsiteY1"/>
-                  </a:cxn>
-                  <a:cxn ang="0">
-                    <a:pos x="connsiteX2" y="connsiteY2"/>
-                  </a:cxn>
-                  <a:cxn ang="0">
-                    <a:pos x="connsiteX3" y="connsiteY3"/>
-                  </a:cxn>
-                  <a:cxn ang="0">
-                    <a:pos x="connsiteX4" y="connsiteY4"/>
-                  </a:cxn>
-                  <a:cxn ang="0">
-                    <a:pos x="connsiteX5" y="connsiteY5"/>
-                  </a:cxn>
-                  <a:cxn ang="0">
-                    <a:pos x="connsiteX6" y="connsiteY6"/>
-                  </a:cxn>
-                  <a:cxn ang="0">
-                    <a:pos x="connsiteX7" y="connsiteY7"/>
-                  </a:cxn>
-                  <a:cxn ang="0">
-                    <a:pos x="connsiteX8" y="connsiteY8"/>
-                  </a:cxn>
-                  <a:cxn ang="0">
-                    <a:pos x="connsiteX9" y="connsiteY9"/>
-                  </a:cxn>
-                  <a:cxn ang="0">
-                    <a:pos x="connsiteX10" y="connsiteY10"/>
-                  </a:cxn>
-                  <a:cxn ang="0">
-                    <a:pos x="connsiteX11" y="connsiteY11"/>
-                  </a:cxn>
-                  <a:cxn ang="0">
-                    <a:pos x="connsiteX12" y="connsiteY12"/>
-                  </a:cxn>
-                  <a:cxn ang="0">
-                    <a:pos x="connsiteX13" y="connsiteY13"/>
-                  </a:cxn>
-                </a:cxnLst>
-                <a:rect l="l" t="t" r="r" b="b"/>
-                <a:pathLst>
-                  <a:path w="3356800" h="2452020">
-                    <a:moveTo>
-                      <a:pt x="0" y="2452021"/>
-                    </a:moveTo>
-                    <a:cubicBezTo>
-                      <a:pt x="0" y="2452021"/>
-                      <a:pt x="57150" y="2344198"/>
-                      <a:pt x="130874" y="2247710"/>
-                    </a:cubicBezTo>
-                    <a:cubicBezTo>
-                      <a:pt x="218694" y="2132648"/>
-                      <a:pt x="328136" y="2036635"/>
-                      <a:pt x="437197" y="1941195"/>
-                    </a:cubicBezTo>
-                    <a:cubicBezTo>
-                      <a:pt x="529304" y="1860709"/>
-                      <a:pt x="623030" y="1779556"/>
-                      <a:pt x="737140" y="1736884"/>
-                    </a:cubicBezTo>
-                    <a:cubicBezTo>
-                      <a:pt x="830866" y="1701736"/>
-                      <a:pt x="932021" y="1695450"/>
-                      <a:pt x="1031843" y="1685068"/>
-                    </a:cubicBezTo>
-                    <a:cubicBezTo>
-                      <a:pt x="1117092" y="1676210"/>
-                      <a:pt x="1202055" y="1665160"/>
-                      <a:pt x="1287304" y="1655826"/>
-                    </a:cubicBezTo>
-                    <a:cubicBezTo>
-                      <a:pt x="1348931" y="1649063"/>
-                      <a:pt x="1410653" y="1643539"/>
-                      <a:pt x="1471994" y="1634300"/>
-                    </a:cubicBezTo>
-                    <a:cubicBezTo>
-                      <a:pt x="1618679" y="1612011"/>
-                      <a:pt x="1761935" y="1571149"/>
-                      <a:pt x="1898237" y="1512665"/>
-                    </a:cubicBezTo>
-                    <a:cubicBezTo>
-                      <a:pt x="2010442" y="1464564"/>
-                      <a:pt x="2117503" y="1405128"/>
-                      <a:pt x="2229136" y="1355598"/>
-                    </a:cubicBezTo>
-                    <a:cubicBezTo>
-                      <a:pt x="2322481" y="1314164"/>
-                      <a:pt x="2418969" y="1280160"/>
-                      <a:pt x="2512314" y="1238631"/>
-                    </a:cubicBezTo>
-                    <a:cubicBezTo>
-                      <a:pt x="2599087" y="1199960"/>
-                      <a:pt x="2683193" y="1154811"/>
-                      <a:pt x="2758535" y="1096994"/>
-                    </a:cubicBezTo>
-                    <a:cubicBezTo>
-                      <a:pt x="2825020" y="1046035"/>
-                      <a:pt x="2883789" y="985837"/>
-                      <a:pt x="2935510" y="919925"/>
-                    </a:cubicBezTo>
-                    <a:cubicBezTo>
-                      <a:pt x="2992184" y="847725"/>
-                      <a:pt x="3039904" y="769144"/>
-                      <a:pt x="3081719" y="687419"/>
-                    </a:cubicBezTo>
-                    <a:cubicBezTo>
-                      <a:pt x="3138297" y="576739"/>
-                      <a:pt x="3314129" y="116776"/>
-                      <a:pt x="3356800" y="0"/>
-                    </a:cubicBezTo>
-                  </a:path>
-                </a:pathLst>
-              </a:custGeom>
-              <a:noFill/>
-              <a:ln w="9525" cap="rnd">
-                <a:solidFill>
-                  <a:schemeClr val="accent2">
-                    <a:alpha val="35000"/>
-                  </a:schemeClr>
-                </a:solidFill>
-                <a:prstDash val="lgDash"/>
-                <a:round/>
-              </a:ln>
-            </p:spPr>
-            <p:txBody>
-              <a:bodyPr rtlCol="0" anchor="ctr"/>
-              <a:lstStyle/>
-              <a:p>
-                <a:endParaRPr lang="en-US"/>
-              </a:p>
-            </p:txBody>
-          </p:sp>
-        </p:grpSp>
-        <p:sp>
-          <p:nvSpPr>
-            <p:cNvPr id="43" name="Freeform: Shape 42">
-              <a:extLst>
-                <a:ext uri="{FF2B5EF4-FFF2-40B4-BE49-F238E27FC236}">
-                  <a16:creationId xmlns:a16="http://schemas.microsoft.com/office/drawing/2014/main" id="{E72143CA-33C4-4A6C-99B9-0EB5F067723A}"/>
-                </a:ext>
-                <a:ext uri="{C183D7F6-B498-43B3-948B-1728B52AA6E4}">
-                  <adec:decorative xmlns:adec="http://schemas.microsoft.com/office/drawing/2017/decorative" val="1"/>
-                </a:ext>
-              </a:extLst>
-            </p:cNvPr>
-            <p:cNvSpPr/>
-            <p:nvPr>
-              <p:extLst>
-                <p:ext uri="{386F3935-93C4-4BCD-93E2-E3B085C9AB24}">
-                  <p16:designElem xmlns:p16="http://schemas.microsoft.com/office/powerpoint/2015/main" val="1"/>
-                </p:ext>
-              </p:extLst>
-            </p:nvPr>
-          </p:nvSpPr>
-          <p:spPr>
-            <a:xfrm>
-              <a:off x="7980400" y="5197178"/>
-              <a:ext cx="4211600" cy="1660822"/>
-            </a:xfrm>
-            <a:custGeom>
-              <a:avLst/>
-              <a:gdLst>
-                <a:gd name="connsiteX0" fmla="*/ 4211600 w 4211600"/>
-                <a:gd name="connsiteY0" fmla="*/ 0 h 1660822"/>
-                <a:gd name="connsiteX1" fmla="*/ 4211600 w 4211600"/>
-                <a:gd name="connsiteY1" fmla="*/ 58430 h 1660822"/>
-                <a:gd name="connsiteX2" fmla="*/ 4136524 w 4211600"/>
-                <a:gd name="connsiteY2" fmla="*/ 208808 h 1660822"/>
-                <a:gd name="connsiteX3" fmla="*/ 3973354 w 4211600"/>
-                <a:gd name="connsiteY3" fmla="*/ 437313 h 1660822"/>
-                <a:gd name="connsiteX4" fmla="*/ 3884746 w 4211600"/>
-                <a:gd name="connsiteY4" fmla="*/ 553613 h 1660822"/>
-                <a:gd name="connsiteX5" fmla="*/ 3849435 w 4211600"/>
-                <a:gd name="connsiteY5" fmla="*/ 603143 h 1660822"/>
-                <a:gd name="connsiteX6" fmla="*/ 3661849 w 4211600"/>
-                <a:gd name="connsiteY6" fmla="*/ 819075 h 1660822"/>
-                <a:gd name="connsiteX7" fmla="*/ 3402589 w 4211600"/>
-                <a:gd name="connsiteY7" fmla="*/ 952996 h 1660822"/>
-                <a:gd name="connsiteX8" fmla="*/ 3130202 w 4211600"/>
-                <a:gd name="connsiteY8" fmla="*/ 1023386 h 1660822"/>
-                <a:gd name="connsiteX9" fmla="*/ 2914657 w 4211600"/>
-                <a:gd name="connsiteY9" fmla="*/ 1068058 h 1660822"/>
-                <a:gd name="connsiteX10" fmla="*/ 2582149 w 4211600"/>
-                <a:gd name="connsiteY10" fmla="*/ 1138924 h 1660822"/>
-                <a:gd name="connsiteX11" fmla="*/ 2483958 w 4211600"/>
-                <a:gd name="connsiteY11" fmla="*/ 1162356 h 1660822"/>
-                <a:gd name="connsiteX12" fmla="*/ 2123750 w 4211600"/>
-                <a:gd name="connsiteY12" fmla="*/ 1238651 h 1660822"/>
-                <a:gd name="connsiteX13" fmla="*/ 1761444 w 4211600"/>
-                <a:gd name="connsiteY13" fmla="*/ 1273417 h 1660822"/>
-                <a:gd name="connsiteX14" fmla="*/ 1608382 w 4211600"/>
-                <a:gd name="connsiteY14" fmla="*/ 1284466 h 1660822"/>
-                <a:gd name="connsiteX15" fmla="*/ 999942 w 4211600"/>
-                <a:gd name="connsiteY15" fmla="*/ 1354284 h 1660822"/>
-                <a:gd name="connsiteX16" fmla="*/ 484705 w 4211600"/>
-                <a:gd name="connsiteY16" fmla="*/ 1450487 h 1660822"/>
-                <a:gd name="connsiteX17" fmla="*/ 113310 w 4211600"/>
-                <a:gd name="connsiteY17" fmla="*/ 1613700 h 1660822"/>
-                <a:gd name="connsiteX18" fmla="*/ 39668 w 4211600"/>
-                <a:gd name="connsiteY18" fmla="*/ 1660822 h 1660822"/>
-                <a:gd name="connsiteX19" fmla="*/ 0 w 4211600"/>
-                <a:gd name="connsiteY19" fmla="*/ 1660822 h 1660822"/>
-                <a:gd name="connsiteX20" fmla="*/ 96701 w 4211600"/>
-                <a:gd name="connsiteY20" fmla="*/ 1598934 h 1660822"/>
-                <a:gd name="connsiteX21" fmla="*/ 474335 w 4211600"/>
-                <a:gd name="connsiteY21" fmla="*/ 1433056 h 1660822"/>
-                <a:gd name="connsiteX22" fmla="*/ 994299 w 4211600"/>
-                <a:gd name="connsiteY22" fmla="*/ 1335806 h 1660822"/>
-                <a:gd name="connsiteX23" fmla="*/ 1605231 w 4211600"/>
-                <a:gd name="connsiteY23" fmla="*/ 1265702 h 1660822"/>
-                <a:gd name="connsiteX24" fmla="*/ 1758819 w 4211600"/>
-                <a:gd name="connsiteY24" fmla="*/ 1254558 h 1660822"/>
-                <a:gd name="connsiteX25" fmla="*/ 2118106 w 4211600"/>
-                <a:gd name="connsiteY25" fmla="*/ 1220077 h 1660822"/>
-                <a:gd name="connsiteX26" fmla="*/ 2475557 w 4211600"/>
-                <a:gd name="connsiteY26" fmla="*/ 1144353 h 1660822"/>
-                <a:gd name="connsiteX27" fmla="*/ 2573878 w 4211600"/>
-                <a:gd name="connsiteY27" fmla="*/ 1120827 h 1660822"/>
-                <a:gd name="connsiteX28" fmla="*/ 2907437 w 4211600"/>
-                <a:gd name="connsiteY28" fmla="*/ 1049675 h 1660822"/>
-                <a:gd name="connsiteX29" fmla="*/ 3122589 w 4211600"/>
-                <a:gd name="connsiteY29" fmla="*/ 1005098 h 1660822"/>
-                <a:gd name="connsiteX30" fmla="*/ 3391169 w 4211600"/>
-                <a:gd name="connsiteY30" fmla="*/ 935756 h 1660822"/>
-                <a:gd name="connsiteX31" fmla="*/ 3642290 w 4211600"/>
-                <a:gd name="connsiteY31" fmla="*/ 806216 h 1660822"/>
-                <a:gd name="connsiteX32" fmla="*/ 3825937 w 4211600"/>
-                <a:gd name="connsiteY32" fmla="*/ 594475 h 1660822"/>
-                <a:gd name="connsiteX33" fmla="*/ 3861381 w 4211600"/>
-                <a:gd name="connsiteY33" fmla="*/ 544755 h 1660822"/>
-                <a:gd name="connsiteX34" fmla="*/ 3950381 w 4211600"/>
-                <a:gd name="connsiteY34" fmla="*/ 427978 h 1660822"/>
-                <a:gd name="connsiteX35" fmla="*/ 4112370 w 4211600"/>
-                <a:gd name="connsiteY35" fmla="*/ 201378 h 1660822"/>
-                <a:gd name="connsiteX36" fmla="*/ 4195989 w 4211600"/>
-                <a:gd name="connsiteY36" fmla="*/ 33834 h 1660822"/>
-              </a:gdLst>
-              <a:ahLst/>
-              <a:cxnLst>
-                <a:cxn ang="0">
-                  <a:pos x="connsiteX0" y="connsiteY0"/>
-                </a:cxn>
-                <a:cxn ang="0">
-                  <a:pos x="connsiteX1" y="connsiteY1"/>
-                </a:cxn>
-                <a:cxn ang="0">
-                  <a:pos x="connsiteX2" y="connsiteY2"/>
-                </a:cxn>
-                <a:cxn ang="0">
-                  <a:pos x="connsiteX3" y="connsiteY3"/>
-                </a:cxn>
-                <a:cxn ang="0">
-                  <a:pos x="connsiteX4" y="connsiteY4"/>
-                </a:cxn>
-                <a:cxn ang="0">
-                  <a:pos x="connsiteX5" y="connsiteY5"/>
-                </a:cxn>
-                <a:cxn ang="0">
-                  <a:pos x="connsiteX6" y="connsiteY6"/>
-                </a:cxn>
-                <a:cxn ang="0">
-                  <a:pos x="connsiteX7" y="connsiteY7"/>
-                </a:cxn>
-                <a:cxn ang="0">
-                  <a:pos x="connsiteX8" y="connsiteY8"/>
-                </a:cxn>
-                <a:cxn ang="0">
-                  <a:pos x="connsiteX9" y="connsiteY9"/>
-                </a:cxn>
-                <a:cxn ang="0">
-                  <a:pos x="connsiteX10" y="connsiteY10"/>
-                </a:cxn>
-                <a:cxn ang="0">
-                  <a:pos x="connsiteX11" y="connsiteY11"/>
-                </a:cxn>
-                <a:cxn ang="0">
-                  <a:pos x="connsiteX12" y="connsiteY12"/>
-                </a:cxn>
-                <a:cxn ang="0">
-                  <a:pos x="connsiteX13" y="connsiteY13"/>
-                </a:cxn>
-                <a:cxn ang="0">
-                  <a:pos x="connsiteX14" y="connsiteY14"/>
-                </a:cxn>
-                <a:cxn ang="0">
-                  <a:pos x="connsiteX15" y="connsiteY15"/>
-                </a:cxn>
-                <a:cxn ang="0">
-                  <a:pos x="connsiteX16" y="connsiteY16"/>
-                </a:cxn>
-                <a:cxn ang="0">
-                  <a:pos x="connsiteX17" y="connsiteY17"/>
-                </a:cxn>
-                <a:cxn ang="0">
-                  <a:pos x="connsiteX18" y="connsiteY18"/>
-                </a:cxn>
-                <a:cxn ang="0">
-                  <a:pos x="connsiteX19" y="connsiteY19"/>
-                </a:cxn>
-                <a:cxn ang="0">
-                  <a:pos x="connsiteX20" y="connsiteY20"/>
-                </a:cxn>
-                <a:cxn ang="0">
-                  <a:pos x="connsiteX21" y="connsiteY21"/>
-                </a:cxn>
-                <a:cxn ang="0">
-                  <a:pos x="connsiteX22" y="connsiteY22"/>
-                </a:cxn>
-                <a:cxn ang="0">
-                  <a:pos x="connsiteX23" y="connsiteY23"/>
-                </a:cxn>
-                <a:cxn ang="0">
-                  <a:pos x="connsiteX24" y="connsiteY24"/>
-                </a:cxn>
-                <a:cxn ang="0">
-                  <a:pos x="connsiteX25" y="connsiteY25"/>
-                </a:cxn>
-                <a:cxn ang="0">
-                  <a:pos x="connsiteX26" y="connsiteY26"/>
-                </a:cxn>
-                <a:cxn ang="0">
-                  <a:pos x="connsiteX27" y="connsiteY27"/>
-                </a:cxn>
-                <a:cxn ang="0">
-                  <a:pos x="connsiteX28" y="connsiteY28"/>
-                </a:cxn>
-                <a:cxn ang="0">
-                  <a:pos x="connsiteX29" y="connsiteY29"/>
-                </a:cxn>
-                <a:cxn ang="0">
-                  <a:pos x="connsiteX30" y="connsiteY30"/>
-                </a:cxn>
-                <a:cxn ang="0">
-                  <a:pos x="connsiteX31" y="connsiteY31"/>
-                </a:cxn>
-                <a:cxn ang="0">
-                  <a:pos x="connsiteX32" y="connsiteY32"/>
-                </a:cxn>
-                <a:cxn ang="0">
-                  <a:pos x="connsiteX33" y="connsiteY33"/>
-                </a:cxn>
-                <a:cxn ang="0">
-                  <a:pos x="connsiteX34" y="connsiteY34"/>
-                </a:cxn>
-                <a:cxn ang="0">
-                  <a:pos x="connsiteX35" y="connsiteY35"/>
-                </a:cxn>
-                <a:cxn ang="0">
-                  <a:pos x="connsiteX36" y="connsiteY36"/>
-                </a:cxn>
-              </a:cxnLst>
-              <a:rect l="l" t="t" r="r" b="b"/>
-              <a:pathLst>
-                <a:path w="4211600" h="1660822">
-                  <a:moveTo>
-                    <a:pt x="4211600" y="0"/>
-                  </a:moveTo>
-                  <a:lnTo>
-                    <a:pt x="4211600" y="58430"/>
-                  </a:lnTo>
-                  <a:lnTo>
-                    <a:pt x="4136524" y="208808"/>
-                  </a:lnTo>
-                  <a:cubicBezTo>
-                    <a:pt x="4089791" y="287770"/>
-                    <a:pt x="4030588" y="363780"/>
-                    <a:pt x="3973354" y="437313"/>
-                  </a:cubicBezTo>
-                  <a:cubicBezTo>
-                    <a:pt x="3943819" y="475222"/>
-                    <a:pt x="3913231" y="514465"/>
-                    <a:pt x="3884746" y="553613"/>
-                  </a:cubicBezTo>
-                  <a:cubicBezTo>
-                    <a:pt x="3872801" y="569996"/>
-                    <a:pt x="3861119" y="586569"/>
-                    <a:pt x="3849435" y="603143"/>
-                  </a:cubicBezTo>
-                  <a:cubicBezTo>
-                    <a:pt x="3796665" y="678009"/>
-                    <a:pt x="3742187" y="755352"/>
-                    <a:pt x="3661849" y="819075"/>
-                  </a:cubicBezTo>
-                  <a:cubicBezTo>
-                    <a:pt x="3596214" y="871176"/>
-                    <a:pt x="3509050" y="916230"/>
-                    <a:pt x="3402589" y="952996"/>
-                  </a:cubicBezTo>
-                  <a:cubicBezTo>
-                    <a:pt x="3312406" y="984048"/>
-                    <a:pt x="3215660" y="1005003"/>
-                    <a:pt x="3130202" y="1023386"/>
-                  </a:cubicBezTo>
-                  <a:cubicBezTo>
-                    <a:pt x="3058529" y="1038816"/>
-                    <a:pt x="2985412" y="1053675"/>
-                    <a:pt x="2914657" y="1068058"/>
-                  </a:cubicBezTo>
-                  <a:cubicBezTo>
-                    <a:pt x="2805176" y="1090251"/>
-                    <a:pt x="2692021" y="1113207"/>
-                    <a:pt x="2582149" y="1138924"/>
-                  </a:cubicBezTo>
-                  <a:cubicBezTo>
-                    <a:pt x="2549330" y="1146639"/>
-                    <a:pt x="2516644" y="1154450"/>
-                    <a:pt x="2483958" y="1162356"/>
-                  </a:cubicBezTo>
-                  <a:cubicBezTo>
-                    <a:pt x="2367257" y="1190550"/>
-                    <a:pt x="2246621" y="1219601"/>
-                    <a:pt x="2123750" y="1238651"/>
-                  </a:cubicBezTo>
-                  <a:cubicBezTo>
-                    <a:pt x="2004294" y="1257129"/>
-                    <a:pt x="1880769" y="1265416"/>
-                    <a:pt x="1761444" y="1273417"/>
-                  </a:cubicBezTo>
-                  <a:cubicBezTo>
-                    <a:pt x="1711167" y="1276751"/>
-                    <a:pt x="1659184" y="1280275"/>
-                    <a:pt x="1608382" y="1284466"/>
-                  </a:cubicBezTo>
-                  <a:cubicBezTo>
-                    <a:pt x="1408589" y="1300944"/>
-                    <a:pt x="1214570" y="1325805"/>
-                    <a:pt x="999942" y="1354284"/>
-                  </a:cubicBezTo>
-                  <a:cubicBezTo>
-                    <a:pt x="826403" y="1377240"/>
-                    <a:pt x="647744" y="1400957"/>
-                    <a:pt x="484705" y="1450487"/>
-                  </a:cubicBezTo>
-                  <a:cubicBezTo>
-                    <a:pt x="355831" y="1489635"/>
-                    <a:pt x="231387" y="1544374"/>
-                    <a:pt x="113310" y="1613700"/>
-                  </a:cubicBezTo>
-                  <a:lnTo>
-                    <a:pt x="39668" y="1660822"/>
-                  </a:lnTo>
-                  <a:lnTo>
-                    <a:pt x="0" y="1660822"/>
-                  </a:lnTo>
-                  <a:lnTo>
-                    <a:pt x="96701" y="1598934"/>
-                  </a:lnTo>
-                  <a:cubicBezTo>
-                    <a:pt x="216635" y="1528533"/>
-                    <a:pt x="343196" y="1472919"/>
-                    <a:pt x="474335" y="1433056"/>
-                  </a:cubicBezTo>
-                  <a:cubicBezTo>
-                    <a:pt x="639999" y="1382669"/>
-                    <a:pt x="820102" y="1358856"/>
-                    <a:pt x="994299" y="1335806"/>
-                  </a:cubicBezTo>
-                  <a:cubicBezTo>
-                    <a:pt x="1210239" y="1307231"/>
-                    <a:pt x="1404650" y="1282275"/>
-                    <a:pt x="1605231" y="1265702"/>
-                  </a:cubicBezTo>
-                  <a:cubicBezTo>
-                    <a:pt x="1656428" y="1261511"/>
-                    <a:pt x="1708411" y="1257987"/>
-                    <a:pt x="1758819" y="1254558"/>
-                  </a:cubicBezTo>
-                  <a:cubicBezTo>
-                    <a:pt x="1877487" y="1246557"/>
-                    <a:pt x="2000094" y="1238365"/>
-                    <a:pt x="2118106" y="1220077"/>
-                  </a:cubicBezTo>
-                  <a:cubicBezTo>
-                    <a:pt x="2239531" y="1201313"/>
-                    <a:pt x="2359513" y="1172357"/>
-                    <a:pt x="2475557" y="1144353"/>
-                  </a:cubicBezTo>
-                  <a:cubicBezTo>
-                    <a:pt x="2508243" y="1136448"/>
-                    <a:pt x="2541060" y="1128542"/>
-                    <a:pt x="2573878" y="1120827"/>
-                  </a:cubicBezTo>
-                  <a:cubicBezTo>
-                    <a:pt x="2684276" y="1094919"/>
-                    <a:pt x="2797694" y="1071963"/>
-                    <a:pt x="2907437" y="1049675"/>
-                  </a:cubicBezTo>
-                  <a:cubicBezTo>
-                    <a:pt x="2978061" y="1035387"/>
-                    <a:pt x="3051178" y="1020528"/>
-                    <a:pt x="3122589" y="1005098"/>
-                  </a:cubicBezTo>
-                  <a:cubicBezTo>
-                    <a:pt x="3206997" y="986810"/>
-                    <a:pt x="3302823" y="966141"/>
-                    <a:pt x="3391169" y="935756"/>
-                  </a:cubicBezTo>
-                  <a:cubicBezTo>
-                    <a:pt x="3494479" y="900132"/>
-                    <a:pt x="3578886" y="856508"/>
-                    <a:pt x="3642290" y="806216"/>
-                  </a:cubicBezTo>
-                  <a:cubicBezTo>
-                    <a:pt x="3720133" y="744303"/>
-                    <a:pt x="3773953" y="668103"/>
-                    <a:pt x="3825937" y="594475"/>
-                  </a:cubicBezTo>
-                  <a:cubicBezTo>
-                    <a:pt x="3837621" y="577902"/>
-                    <a:pt x="3849435" y="561233"/>
-                    <a:pt x="3861381" y="544755"/>
-                  </a:cubicBezTo>
-                  <a:cubicBezTo>
-                    <a:pt x="3889997" y="505416"/>
-                    <a:pt x="3920715" y="465983"/>
-                    <a:pt x="3950381" y="427978"/>
-                  </a:cubicBezTo>
-                  <a:cubicBezTo>
-                    <a:pt x="4007353" y="354921"/>
-                    <a:pt x="4066163" y="279388"/>
-                    <a:pt x="4112370" y="201378"/>
-                  </a:cubicBezTo>
-                  <a:cubicBezTo>
-                    <a:pt x="4144662" y="146800"/>
-                    <a:pt x="4170785" y="89364"/>
-                    <a:pt x="4195989" y="33834"/>
-                  </a:cubicBezTo>
-                  <a:close/>
-                </a:path>
-              </a:pathLst>
-            </a:custGeom>
-            <a:solidFill>
-              <a:schemeClr val="accent1"/>
-            </a:solidFill>
-            <a:ln>
-              <a:noFill/>
-            </a:ln>
-          </p:spPr>
-          <p:style>
-            <a:lnRef idx="2">
-              <a:schemeClr val="accent1">
-                <a:shade val="50000"/>
-              </a:schemeClr>
-            </a:lnRef>
-            <a:fillRef idx="1">
-              <a:schemeClr val="accent1"/>
-            </a:fillRef>
-            <a:effectRef idx="0">
-              <a:schemeClr val="accent1"/>
-            </a:effectRef>
-            <a:fontRef idx="minor">
-              <a:schemeClr val="lt1"/>
-            </a:fontRef>
-          </p:style>
-          <p:txBody>
-            <a:bodyPr wrap="square" rtlCol="0" anchor="ctr">
-              <a:noAutofit/>
-            </a:bodyPr>
-            <a:lstStyle/>
-            <a:p>
-              <a:pPr algn="ctr"/>
-              <a:endParaRPr lang="en-US"/>
-            </a:p>
-          </p:txBody>
-        </p:sp>
-      </p:grpSp>
-      <p:sp>
-        <p:nvSpPr>
-          <p:cNvPr id="2" name="Título 1">
-            <a:extLst>
-              <a:ext uri="{FF2B5EF4-FFF2-40B4-BE49-F238E27FC236}">
-                <a16:creationId xmlns:a16="http://schemas.microsoft.com/office/drawing/2014/main" id="{A40F0BDD-611B-03C3-C82E-48F1DE718EC8}"/>
-              </a:ext>
-            </a:extLst>
-          </p:cNvPr>
-          <p:cNvSpPr>
-            <a:spLocks noGrp="1"/>
-          </p:cNvSpPr>
-          <p:nvPr>
-            <p:ph type="title"/>
-          </p:nvPr>
-        </p:nvSpPr>
-        <p:spPr>
-          <a:xfrm>
-            <a:off x="8160846" y="737738"/>
-            <a:ext cx="3776416" cy="3155419"/>
-          </a:xfrm>
-        </p:spPr>
-        <p:txBody>
-          <a:bodyPr vert="horz" lIns="91440" tIns="45720" rIns="91440" bIns="45720" rtlCol="0" anchor="b">
-            <a:normAutofit/>
-          </a:bodyPr>
-          <a:lstStyle/>
-          <a:p>
-            <a:pPr>
-              <a:lnSpc>
-                <a:spcPct val="90000"/>
-              </a:lnSpc>
-            </a:pPr>
-            <a:r>
-              <a:rPr lang="en-US" sz="5400" kern="1200" dirty="0">
-                <a:solidFill>
-                  <a:schemeClr val="tx2"/>
-                </a:solidFill>
-                <a:latin typeface="+mj-lt"/>
-                <a:ea typeface="+mj-ea"/>
-                <a:cs typeface="+mj-cs"/>
-              </a:rPr>
-              <a:t>Diagrama de Entidad-Relación:</a:t>
-            </a:r>
-          </a:p>
-        </p:txBody>
-      </p:sp>
-      <p:pic>
-        <p:nvPicPr>
-          <p:cNvPr id="5" name="Marcador de contenido 4">
-            <a:extLst>
-              <a:ext uri="{FF2B5EF4-FFF2-40B4-BE49-F238E27FC236}">
-                <a16:creationId xmlns:a16="http://schemas.microsoft.com/office/drawing/2014/main" id="{9B6BF17E-F5A2-78C4-E30C-39E621E833F8}"/>
-              </a:ext>
-            </a:extLst>
-          </p:cNvPr>
-          <p:cNvPicPr>
-            <a:picLocks noGrp="1" noChangeAspect="1"/>
-          </p:cNvPicPr>
-          <p:nvPr>
-            <p:ph idx="1"/>
-          </p:nvPr>
-        </p:nvPicPr>
-        <p:blipFill>
-          <a:blip r:embed="rId2"/>
-          <a:stretch>
-            <a:fillRect/>
-          </a:stretch>
-        </p:blipFill>
-        <p:spPr>
-          <a:xfrm>
-            <a:off x="532858" y="609695"/>
-            <a:ext cx="7187640" cy="5983710"/>
-          </a:xfrm>
-          <a:prstGeom prst="rect">
-            <a:avLst/>
-          </a:prstGeom>
-        </p:spPr>
-      </p:pic>
-      <p:grpSp>
-        <p:nvGrpSpPr>
-          <p:cNvPr id="52" name="Top left">
-            <a:extLst>
-              <a:ext uri="{FF2B5EF4-FFF2-40B4-BE49-F238E27FC236}">
-                <a16:creationId xmlns:a16="http://schemas.microsoft.com/office/drawing/2014/main" id="{3530084A-AE46-40C3-AEC2-05AE51DBE567}"/>
-              </a:ext>
-              <a:ext uri="{C183D7F6-B498-43B3-948B-1728B52AA6E4}">
-                <adec:decorative xmlns:adec="http://schemas.microsoft.com/office/drawing/2017/decorative" val="1"/>
-              </a:ext>
-            </a:extLst>
-          </p:cNvPr>
-          <p:cNvGrpSpPr>
-            <a:grpSpLocks noGrp="1" noUngrp="1" noRot="1" noChangeAspect="1" noMove="1" noResize="1"/>
-          </p:cNvGrpSpPr>
-          <p:nvPr>
-            <p:extLst>
-              <p:ext uri="{386F3935-93C4-4BCD-93E2-E3B085C9AB24}">
-                <p16:designElem xmlns:p16="http://schemas.microsoft.com/office/powerpoint/2015/main" val="1"/>
-              </p:ext>
-            </p:extLst>
-          </p:nvPr>
-        </p:nvGrpSpPr>
-        <p:grpSpPr>
-          <a:xfrm>
-            <a:off x="10849" y="-3086"/>
-            <a:ext cx="2198951" cy="3349518"/>
-            <a:chOff x="10849" y="-3086"/>
-            <a:chExt cx="2198951" cy="3349518"/>
-          </a:xfrm>
-        </p:grpSpPr>
-        <p:sp>
-          <p:nvSpPr>
-            <p:cNvPr id="53" name="Freeform: Shape 52">
-              <a:extLst>
-                <a:ext uri="{FF2B5EF4-FFF2-40B4-BE49-F238E27FC236}">
-                  <a16:creationId xmlns:a16="http://schemas.microsoft.com/office/drawing/2014/main" id="{2EB1988D-D0C1-4769-952F-AFED38C2C058}"/>
-                </a:ext>
-                <a:ext uri="{C183D7F6-B498-43B3-948B-1728B52AA6E4}">
-                  <adec:decorative xmlns:adec="http://schemas.microsoft.com/office/drawing/2017/decorative" val="1"/>
-                </a:ext>
-              </a:extLst>
-            </p:cNvPr>
-            <p:cNvSpPr/>
-            <p:nvPr>
-              <p:extLst>
-                <p:ext uri="{386F3935-93C4-4BCD-93E2-E3B085C9AB24}">
-                  <p16:designElem xmlns:p16="http://schemas.microsoft.com/office/powerpoint/2015/main" val="1"/>
-                </p:ext>
-              </p:extLst>
-            </p:nvPr>
-          </p:nvSpPr>
-          <p:spPr>
-            <a:xfrm rot="10800000">
-              <a:off x="692844" y="-3086"/>
-              <a:ext cx="1326111" cy="597603"/>
-            </a:xfrm>
-            <a:custGeom>
-              <a:avLst/>
-              <a:gdLst>
-                <a:gd name="connsiteX0" fmla="*/ 741051 w 1482102"/>
-                <a:gd name="connsiteY0" fmla="*/ 0 h 679363"/>
-                <a:gd name="connsiteX1" fmla="*/ 1473822 w 1482102"/>
-                <a:gd name="connsiteY1" fmla="*/ 597226 h 679363"/>
-                <a:gd name="connsiteX2" fmla="*/ 1482102 w 1482102"/>
-                <a:gd name="connsiteY2" fmla="*/ 679363 h 679363"/>
-                <a:gd name="connsiteX3" fmla="*/ 0 w 1482102"/>
-                <a:gd name="connsiteY3" fmla="*/ 679363 h 679363"/>
-                <a:gd name="connsiteX4" fmla="*/ 8280 w 1482102"/>
-                <a:gd name="connsiteY4" fmla="*/ 597226 h 679363"/>
-                <a:gd name="connsiteX5" fmla="*/ 741051 w 1482102"/>
-                <a:gd name="connsiteY5" fmla="*/ 0 h 679363"/>
-              </a:gdLst>
-              <a:ahLst/>
-              <a:cxnLst>
-                <a:cxn ang="0">
-                  <a:pos x="connsiteX0" y="connsiteY0"/>
-                </a:cxn>
-                <a:cxn ang="0">
-                  <a:pos x="connsiteX1" y="connsiteY1"/>
-                </a:cxn>
-                <a:cxn ang="0">
-                  <a:pos x="connsiteX2" y="connsiteY2"/>
-                </a:cxn>
-                <a:cxn ang="0">
-                  <a:pos x="connsiteX3" y="connsiteY3"/>
-                </a:cxn>
-                <a:cxn ang="0">
-                  <a:pos x="connsiteX4" y="connsiteY4"/>
-                </a:cxn>
-                <a:cxn ang="0">
-                  <a:pos x="connsiteX5" y="connsiteY5"/>
-                </a:cxn>
-              </a:cxnLst>
-              <a:rect l="l" t="t" r="r" b="b"/>
-              <a:pathLst>
-                <a:path w="1482102" h="679363">
-                  <a:moveTo>
-                    <a:pt x="741051" y="0"/>
-                  </a:moveTo>
-                  <a:cubicBezTo>
-                    <a:pt x="1102506" y="0"/>
-                    <a:pt x="1404077" y="256390"/>
-                    <a:pt x="1473822" y="597226"/>
-                  </a:cubicBezTo>
-                  <a:lnTo>
-                    <a:pt x="1482102" y="679363"/>
-                  </a:lnTo>
-                  <a:lnTo>
-                    <a:pt x="0" y="679363"/>
-                  </a:lnTo>
-                  <a:lnTo>
-                    <a:pt x="8280" y="597226"/>
-                  </a:lnTo>
-                  <a:cubicBezTo>
-                    <a:pt x="78025" y="256390"/>
-                    <a:pt x="379596" y="0"/>
-                    <a:pt x="741051" y="0"/>
-                  </a:cubicBezTo>
-                  <a:close/>
-                </a:path>
-              </a:pathLst>
-            </a:custGeom>
-            <a:solidFill>
-              <a:schemeClr val="bg1"/>
-            </a:solidFill>
-            <a:ln>
-              <a:noFill/>
-            </a:ln>
-          </p:spPr>
-          <p:style>
-            <a:lnRef idx="2">
-              <a:schemeClr val="accent1">
-                <a:shade val="50000"/>
-              </a:schemeClr>
-            </a:lnRef>
-            <a:fillRef idx="1">
-              <a:schemeClr val="accent1"/>
-            </a:fillRef>
-            <a:effectRef idx="0">
-              <a:schemeClr val="accent1"/>
-            </a:effectRef>
-            <a:fontRef idx="minor">
-              <a:schemeClr val="lt1"/>
-            </a:fontRef>
-          </p:style>
-          <p:txBody>
-            <a:bodyPr wrap="square" rtlCol="0" anchor="ctr">
-              <a:noAutofit/>
-            </a:bodyPr>
-            <a:lstStyle/>
-            <a:p>
-              <a:pPr algn="ctr"/>
-              <a:endParaRPr lang="en-US" dirty="0">
-                <a:solidFill>
-                  <a:schemeClr val="tx1">
-                    <a:lumMod val="65000"/>
-                    <a:lumOff val="35000"/>
-                  </a:schemeClr>
-                </a:solidFill>
-                <a:latin typeface="AvenirNext LT Pro Medium" panose="020B0504020202020204" pitchFamily="34" charset="0"/>
-              </a:endParaRPr>
-            </a:p>
-          </p:txBody>
-        </p:sp>
-        <p:sp>
-          <p:nvSpPr>
-            <p:cNvPr id="54" name="Freeform: Shape 53">
-              <a:extLst>
-                <a:ext uri="{FF2B5EF4-FFF2-40B4-BE49-F238E27FC236}">
-                  <a16:creationId xmlns:a16="http://schemas.microsoft.com/office/drawing/2014/main" id="{C51D1B66-2529-4A19-8440-105458F15D72}"/>
-                </a:ext>
-                <a:ext uri="{C183D7F6-B498-43B3-948B-1728B52AA6E4}">
-                  <adec:decorative xmlns:adec="http://schemas.microsoft.com/office/drawing/2017/decorative" val="1"/>
-                </a:ext>
-              </a:extLst>
-            </p:cNvPr>
-            <p:cNvSpPr/>
-            <p:nvPr>
-              <p:extLst>
-                <p:ext uri="{386F3935-93C4-4BCD-93E2-E3B085C9AB24}">
-                  <p16:designElem xmlns:p16="http://schemas.microsoft.com/office/powerpoint/2015/main" val="1"/>
-                </p:ext>
-              </p:extLst>
-            </p:nvPr>
-          </p:nvSpPr>
-          <p:spPr>
-            <a:xfrm>
-              <a:off x="19394" y="15241"/>
-              <a:ext cx="2190406" cy="3331191"/>
-            </a:xfrm>
-            <a:custGeom>
-              <a:avLst/>
-              <a:gdLst>
-                <a:gd name="connsiteX0" fmla="*/ 0 w 3296088"/>
-                <a:gd name="connsiteY0" fmla="*/ 5012722 h 5012722"/>
-                <a:gd name="connsiteX1" fmla="*/ 244031 w 3296088"/>
-                <a:gd name="connsiteY1" fmla="*/ 4820222 h 5012722"/>
-                <a:gd name="connsiteX2" fmla="*/ 729234 w 3296088"/>
-                <a:gd name="connsiteY2" fmla="*/ 4360641 h 5012722"/>
-                <a:gd name="connsiteX3" fmla="*/ 881444 w 3296088"/>
-                <a:gd name="connsiteY3" fmla="*/ 4173950 h 5012722"/>
-                <a:gd name="connsiteX4" fmla="*/ 1151287 w 3296088"/>
-                <a:gd name="connsiteY4" fmla="*/ 3972877 h 5012722"/>
-                <a:gd name="connsiteX5" fmla="*/ 1498664 w 3296088"/>
-                <a:gd name="connsiteY5" fmla="*/ 3786188 h 5012722"/>
-                <a:gd name="connsiteX6" fmla="*/ 1716881 w 3296088"/>
-                <a:gd name="connsiteY6" fmla="*/ 3674174 h 5012722"/>
-                <a:gd name="connsiteX7" fmla="*/ 1913573 w 3296088"/>
-                <a:gd name="connsiteY7" fmla="*/ 3477387 h 5012722"/>
-                <a:gd name="connsiteX8" fmla="*/ 2167700 w 3296088"/>
-                <a:gd name="connsiteY8" fmla="*/ 3042190 h 5012722"/>
-                <a:gd name="connsiteX9" fmla="*/ 2273903 w 3296088"/>
-                <a:gd name="connsiteY9" fmla="*/ 2775014 h 5012722"/>
-                <a:gd name="connsiteX10" fmla="*/ 2463356 w 3296088"/>
-                <a:gd name="connsiteY10" fmla="*/ 2335530 h 5012722"/>
-                <a:gd name="connsiteX11" fmla="*/ 2741866 w 3296088"/>
-                <a:gd name="connsiteY11" fmla="*/ 1982248 h 5012722"/>
-                <a:gd name="connsiteX12" fmla="*/ 2985897 w 3296088"/>
-                <a:gd name="connsiteY12" fmla="*/ 1634681 h 5012722"/>
-                <a:gd name="connsiteX13" fmla="*/ 3212687 w 3296088"/>
-                <a:gd name="connsiteY13" fmla="*/ 1226820 h 5012722"/>
-                <a:gd name="connsiteX14" fmla="*/ 3281553 w 3296088"/>
-                <a:gd name="connsiteY14" fmla="*/ 959644 h 5012722"/>
-                <a:gd name="connsiteX15" fmla="*/ 3295936 w 3296088"/>
-                <a:gd name="connsiteY15" fmla="*/ 701135 h 5012722"/>
-                <a:gd name="connsiteX16" fmla="*/ 3267266 w 3296088"/>
-                <a:gd name="connsiteY16" fmla="*/ 436817 h 5012722"/>
-                <a:gd name="connsiteX17" fmla="*/ 3105341 w 3296088"/>
-                <a:gd name="connsiteY17" fmla="*/ 0 h 5012722"/>
-              </a:gdLst>
-              <a:ahLst/>
-              <a:cxnLst>
-                <a:cxn ang="0">
-                  <a:pos x="connsiteX0" y="connsiteY0"/>
-                </a:cxn>
-                <a:cxn ang="0">
-                  <a:pos x="connsiteX1" y="connsiteY1"/>
-                </a:cxn>
-                <a:cxn ang="0">
-                  <a:pos x="connsiteX2" y="connsiteY2"/>
-                </a:cxn>
-                <a:cxn ang="0">
-                  <a:pos x="connsiteX3" y="connsiteY3"/>
-                </a:cxn>
-                <a:cxn ang="0">
-                  <a:pos x="connsiteX4" y="connsiteY4"/>
-                </a:cxn>
-                <a:cxn ang="0">
-                  <a:pos x="connsiteX5" y="connsiteY5"/>
-                </a:cxn>
-                <a:cxn ang="0">
-                  <a:pos x="connsiteX6" y="connsiteY6"/>
-                </a:cxn>
-                <a:cxn ang="0">
-                  <a:pos x="connsiteX7" y="connsiteY7"/>
-                </a:cxn>
-                <a:cxn ang="0">
-                  <a:pos x="connsiteX8" y="connsiteY8"/>
-                </a:cxn>
-                <a:cxn ang="0">
-                  <a:pos x="connsiteX9" y="connsiteY9"/>
-                </a:cxn>
-                <a:cxn ang="0">
-                  <a:pos x="connsiteX10" y="connsiteY10"/>
-                </a:cxn>
-                <a:cxn ang="0">
-                  <a:pos x="connsiteX11" y="connsiteY11"/>
-                </a:cxn>
-                <a:cxn ang="0">
-                  <a:pos x="connsiteX12" y="connsiteY12"/>
-                </a:cxn>
-                <a:cxn ang="0">
-                  <a:pos x="connsiteX13" y="connsiteY13"/>
-                </a:cxn>
-                <a:cxn ang="0">
-                  <a:pos x="connsiteX14" y="connsiteY14"/>
-                </a:cxn>
-                <a:cxn ang="0">
-                  <a:pos x="connsiteX15" y="connsiteY15"/>
-                </a:cxn>
-                <a:cxn ang="0">
-                  <a:pos x="connsiteX16" y="connsiteY16"/>
-                </a:cxn>
-                <a:cxn ang="0">
-                  <a:pos x="connsiteX17" y="connsiteY17"/>
-                </a:cxn>
-              </a:cxnLst>
-              <a:rect l="l" t="t" r="r" b="b"/>
-              <a:pathLst>
-                <a:path w="3296088" h="5012722">
-                  <a:moveTo>
-                    <a:pt x="0" y="5012722"/>
-                  </a:moveTo>
-                  <a:cubicBezTo>
-                    <a:pt x="81820" y="4949095"/>
-                    <a:pt x="163544" y="4885468"/>
-                    <a:pt x="244031" y="4820222"/>
-                  </a:cubicBezTo>
-                  <a:cubicBezTo>
-                    <a:pt x="417671" y="4679633"/>
-                    <a:pt x="589883" y="4535139"/>
-                    <a:pt x="729234" y="4360641"/>
-                  </a:cubicBezTo>
-                  <a:cubicBezTo>
-                    <a:pt x="779431" y="4297776"/>
-                    <a:pt x="825818" y="4231958"/>
-                    <a:pt x="881444" y="4173950"/>
-                  </a:cubicBezTo>
-                  <a:cubicBezTo>
-                    <a:pt x="959358" y="4092607"/>
-                    <a:pt x="1054799" y="4031075"/>
-                    <a:pt x="1151287" y="3972877"/>
-                  </a:cubicBezTo>
-                  <a:cubicBezTo>
-                    <a:pt x="1263968" y="3904964"/>
-                    <a:pt x="1379315" y="3841337"/>
-                    <a:pt x="1498664" y="3786188"/>
-                  </a:cubicBezTo>
-                  <a:cubicBezTo>
-                    <a:pt x="1573149" y="3751802"/>
-                    <a:pt x="1649159" y="3720179"/>
-                    <a:pt x="1716881" y="3674174"/>
-                  </a:cubicBezTo>
-                  <a:cubicBezTo>
-                    <a:pt x="1794034" y="3621691"/>
-                    <a:pt x="1856708" y="3551492"/>
-                    <a:pt x="1913573" y="3477387"/>
-                  </a:cubicBezTo>
-                  <a:cubicBezTo>
-                    <a:pt x="2016157" y="3343751"/>
-                    <a:pt x="2099024" y="3196114"/>
-                    <a:pt x="2167700" y="3042190"/>
-                  </a:cubicBezTo>
-                  <a:cubicBezTo>
-                    <a:pt x="2206752" y="2954655"/>
-                    <a:pt x="2241233" y="2865215"/>
-                    <a:pt x="2273903" y="2775014"/>
-                  </a:cubicBezTo>
-                  <a:cubicBezTo>
-                    <a:pt x="2328482" y="2624423"/>
-                    <a:pt x="2379440" y="2471642"/>
-                    <a:pt x="2463356" y="2335530"/>
-                  </a:cubicBezTo>
-                  <a:cubicBezTo>
-                    <a:pt x="2542127" y="2207705"/>
-                    <a:pt x="2647855" y="2099501"/>
-                    <a:pt x="2741866" y="1982248"/>
-                  </a:cubicBezTo>
-                  <a:cubicBezTo>
-                    <a:pt x="2830449" y="1871758"/>
-                    <a:pt x="2908554" y="1753362"/>
-                    <a:pt x="2985897" y="1634681"/>
-                  </a:cubicBezTo>
-                  <a:cubicBezTo>
-                    <a:pt x="3071146" y="1503902"/>
-                    <a:pt x="3156395" y="1372172"/>
-                    <a:pt x="3212687" y="1226820"/>
-                  </a:cubicBezTo>
-                  <a:cubicBezTo>
-                    <a:pt x="3246025" y="1140809"/>
-                    <a:pt x="3268790" y="1051084"/>
-                    <a:pt x="3281553" y="959644"/>
-                  </a:cubicBezTo>
-                  <a:cubicBezTo>
-                    <a:pt x="3293555" y="874014"/>
-                    <a:pt x="3296888" y="787527"/>
-                    <a:pt x="3295936" y="701135"/>
-                  </a:cubicBezTo>
-                  <a:cubicBezTo>
-                    <a:pt x="3294888" y="612172"/>
-                    <a:pt x="3289268" y="523018"/>
-                    <a:pt x="3267266" y="436817"/>
-                  </a:cubicBezTo>
-                  <a:cubicBezTo>
-                    <a:pt x="3227832" y="282416"/>
-                    <a:pt x="3105341" y="0"/>
-                    <a:pt x="3105341" y="0"/>
-                  </a:cubicBezTo>
-                </a:path>
-              </a:pathLst>
-            </a:custGeom>
-            <a:noFill/>
-            <a:ln w="9525" cap="rnd">
-              <a:solidFill>
-                <a:schemeClr val="accent2">
-                  <a:alpha val="50000"/>
-                </a:schemeClr>
-              </a:solidFill>
-              <a:prstDash val="lgDash"/>
-              <a:round/>
-            </a:ln>
-          </p:spPr>
-          <p:txBody>
-            <a:bodyPr rtlCol="0" anchor="ctr"/>
-            <a:lstStyle/>
-            <a:p>
-              <a:endParaRPr lang="en-US"/>
-            </a:p>
-          </p:txBody>
-        </p:sp>
-        <p:sp>
-          <p:nvSpPr>
-            <p:cNvPr id="55" name="Freeform: Shape 54">
-              <a:extLst>
-                <a:ext uri="{FF2B5EF4-FFF2-40B4-BE49-F238E27FC236}">
-                  <a16:creationId xmlns:a16="http://schemas.microsoft.com/office/drawing/2014/main" id="{9754BAC8-DD8C-4971-9849-97F66DDEE91D}"/>
-                </a:ext>
-                <a:ext uri="{C183D7F6-B498-43B3-948B-1728B52AA6E4}">
-                  <adec:decorative xmlns:adec="http://schemas.microsoft.com/office/drawing/2017/decorative" val="1"/>
-                </a:ext>
-              </a:extLst>
-            </p:cNvPr>
-            <p:cNvSpPr/>
-            <p:nvPr>
-              <p:extLst>
-                <p:ext uri="{386F3935-93C4-4BCD-93E2-E3B085C9AB24}">
-                  <p16:designElem xmlns:p16="http://schemas.microsoft.com/office/powerpoint/2015/main" val="1"/>
-                </p:ext>
-              </p:extLst>
-            </p:nvPr>
-          </p:nvSpPr>
-          <p:spPr>
-            <a:xfrm>
-              <a:off x="10849" y="15178"/>
-              <a:ext cx="1978674" cy="3074959"/>
-            </a:xfrm>
-            <a:custGeom>
-              <a:avLst/>
-              <a:gdLst>
-                <a:gd name="connsiteX0" fmla="*/ 0 w 2977477"/>
-                <a:gd name="connsiteY0" fmla="*/ 4627150 h 4627149"/>
-                <a:gd name="connsiteX1" fmla="*/ 275082 w 2977477"/>
-                <a:gd name="connsiteY1" fmla="*/ 4341590 h 4627149"/>
-                <a:gd name="connsiteX2" fmla="*/ 502825 w 2977477"/>
-                <a:gd name="connsiteY2" fmla="*/ 4054126 h 4627149"/>
-                <a:gd name="connsiteX3" fmla="*/ 666179 w 2977477"/>
-                <a:gd name="connsiteY3" fmla="*/ 3890677 h 4627149"/>
-                <a:gd name="connsiteX4" fmla="*/ 864203 w 2977477"/>
-                <a:gd name="connsiteY4" fmla="*/ 3675983 h 4627149"/>
-                <a:gd name="connsiteX5" fmla="*/ 982599 w 2977477"/>
-                <a:gd name="connsiteY5" fmla="*/ 3557492 h 4627149"/>
-                <a:gd name="connsiteX6" fmla="*/ 1188244 w 2977477"/>
-                <a:gd name="connsiteY6" fmla="*/ 3329654 h 4627149"/>
-                <a:gd name="connsiteX7" fmla="*/ 1344740 w 2977477"/>
-                <a:gd name="connsiteY7" fmla="*/ 3146774 h 4627149"/>
-                <a:gd name="connsiteX8" fmla="*/ 1470755 w 2977477"/>
-                <a:gd name="connsiteY8" fmla="*/ 2984659 h 4627149"/>
-                <a:gd name="connsiteX9" fmla="*/ 1657636 w 2977477"/>
-                <a:gd name="connsiteY9" fmla="*/ 2670239 h 4627149"/>
-                <a:gd name="connsiteX10" fmla="*/ 1762887 w 2977477"/>
-                <a:gd name="connsiteY10" fmla="*/ 2473547 h 4627149"/>
-                <a:gd name="connsiteX11" fmla="*/ 1866710 w 2977477"/>
-                <a:gd name="connsiteY11" fmla="*/ 2290667 h 4627149"/>
-                <a:gd name="connsiteX12" fmla="*/ 2106263 w 2977477"/>
-                <a:gd name="connsiteY12" fmla="*/ 2030254 h 4627149"/>
-                <a:gd name="connsiteX13" fmla="*/ 2277237 w 2977477"/>
-                <a:gd name="connsiteY13" fmla="*/ 1859185 h 4627149"/>
-                <a:gd name="connsiteX14" fmla="*/ 2499455 w 2977477"/>
-                <a:gd name="connsiteY14" fmla="*/ 1656207 h 4627149"/>
-                <a:gd name="connsiteX15" fmla="*/ 2707100 w 2977477"/>
-                <a:gd name="connsiteY15" fmla="*/ 1390269 h 4627149"/>
-                <a:gd name="connsiteX16" fmla="*/ 2812352 w 2977477"/>
-                <a:gd name="connsiteY16" fmla="*/ 1230916 h 4627149"/>
-                <a:gd name="connsiteX17" fmla="*/ 2898172 w 2977477"/>
-                <a:gd name="connsiteY17" fmla="*/ 1036987 h 4627149"/>
-                <a:gd name="connsiteX18" fmla="*/ 2963228 w 2977477"/>
-                <a:gd name="connsiteY18" fmla="*/ 850011 h 4627149"/>
-                <a:gd name="connsiteX19" fmla="*/ 2977325 w 2977477"/>
-                <a:gd name="connsiteY19" fmla="*/ 745427 h 4627149"/>
-                <a:gd name="connsiteX20" fmla="*/ 2929509 w 2977477"/>
-                <a:gd name="connsiteY20" fmla="*/ 480155 h 4627149"/>
-                <a:gd name="connsiteX21" fmla="*/ 2563082 w 2977477"/>
-                <a:gd name="connsiteY21" fmla="*/ 0 h 4627149"/>
-              </a:gdLst>
-              <a:ahLst/>
-              <a:cxnLst>
-                <a:cxn ang="0">
-                  <a:pos x="connsiteX0" y="connsiteY0"/>
-                </a:cxn>
-                <a:cxn ang="0">
-                  <a:pos x="connsiteX1" y="connsiteY1"/>
-                </a:cxn>
-                <a:cxn ang="0">
-                  <a:pos x="connsiteX2" y="connsiteY2"/>
-                </a:cxn>
-                <a:cxn ang="0">
-                  <a:pos x="connsiteX3" y="connsiteY3"/>
-                </a:cxn>
-                <a:cxn ang="0">
-                  <a:pos x="connsiteX4" y="connsiteY4"/>
-                </a:cxn>
-                <a:cxn ang="0">
-                  <a:pos x="connsiteX5" y="connsiteY5"/>
-                </a:cxn>
-                <a:cxn ang="0">
-                  <a:pos x="connsiteX6" y="connsiteY6"/>
-                </a:cxn>
-                <a:cxn ang="0">
-                  <a:pos x="connsiteX7" y="connsiteY7"/>
-                </a:cxn>
-                <a:cxn ang="0">
-                  <a:pos x="connsiteX8" y="connsiteY8"/>
-                </a:cxn>
-                <a:cxn ang="0">
-                  <a:pos x="connsiteX9" y="connsiteY9"/>
-                </a:cxn>
-                <a:cxn ang="0">
-                  <a:pos x="connsiteX10" y="connsiteY10"/>
-                </a:cxn>
-                <a:cxn ang="0">
-                  <a:pos x="connsiteX11" y="connsiteY11"/>
-                </a:cxn>
-                <a:cxn ang="0">
-                  <a:pos x="connsiteX12" y="connsiteY12"/>
-                </a:cxn>
-                <a:cxn ang="0">
-                  <a:pos x="connsiteX13" y="connsiteY13"/>
-                </a:cxn>
-                <a:cxn ang="0">
-                  <a:pos x="connsiteX14" y="connsiteY14"/>
-                </a:cxn>
-                <a:cxn ang="0">
-                  <a:pos x="connsiteX15" y="connsiteY15"/>
-                </a:cxn>
-                <a:cxn ang="0">
-                  <a:pos x="connsiteX16" y="connsiteY16"/>
-                </a:cxn>
-                <a:cxn ang="0">
-                  <a:pos x="connsiteX17" y="connsiteY17"/>
-                </a:cxn>
-                <a:cxn ang="0">
-                  <a:pos x="connsiteX18" y="connsiteY18"/>
-                </a:cxn>
-                <a:cxn ang="0">
-                  <a:pos x="connsiteX19" y="connsiteY19"/>
-                </a:cxn>
-                <a:cxn ang="0">
-                  <a:pos x="connsiteX20" y="connsiteY20"/>
-                </a:cxn>
-                <a:cxn ang="0">
-                  <a:pos x="connsiteX21" y="connsiteY21"/>
-                </a:cxn>
-              </a:cxnLst>
-              <a:rect l="l" t="t" r="r" b="b"/>
-              <a:pathLst>
-                <a:path w="2977477" h="4627149">
-                  <a:moveTo>
-                    <a:pt x="0" y="4627150"/>
-                  </a:moveTo>
-                  <a:cubicBezTo>
-                    <a:pt x="79820" y="4552283"/>
-                    <a:pt x="203835" y="4424648"/>
-                    <a:pt x="275082" y="4341590"/>
-                  </a:cubicBezTo>
-                  <a:cubicBezTo>
-                    <a:pt x="354711" y="4248722"/>
-                    <a:pt x="421005" y="4145090"/>
-                    <a:pt x="502825" y="4054126"/>
-                  </a:cubicBezTo>
-                  <a:cubicBezTo>
-                    <a:pt x="554355" y="3996881"/>
-                    <a:pt x="612362" y="3945827"/>
-                    <a:pt x="666179" y="3890677"/>
-                  </a:cubicBezTo>
-                  <a:cubicBezTo>
-                    <a:pt x="734187" y="3821049"/>
-                    <a:pt x="796671" y="3746183"/>
-                    <a:pt x="864203" y="3675983"/>
-                  </a:cubicBezTo>
-                  <a:cubicBezTo>
-                    <a:pt x="902875" y="3635788"/>
-                    <a:pt x="943642" y="3597593"/>
-                    <a:pt x="982599" y="3557492"/>
-                  </a:cubicBezTo>
-                  <a:cubicBezTo>
-                    <a:pt x="1053941" y="3484150"/>
-                    <a:pt x="1121378" y="3407093"/>
-                    <a:pt x="1188244" y="3329654"/>
-                  </a:cubicBezTo>
-                  <a:cubicBezTo>
-                    <a:pt x="1240631" y="3268885"/>
-                    <a:pt x="1293495" y="3208496"/>
-                    <a:pt x="1344740" y="3146774"/>
-                  </a:cubicBezTo>
-                  <a:cubicBezTo>
-                    <a:pt x="1388459" y="3094101"/>
-                    <a:pt x="1431512" y="3040761"/>
-                    <a:pt x="1470755" y="2984659"/>
-                  </a:cubicBezTo>
-                  <a:cubicBezTo>
-                    <a:pt x="1540764" y="2884646"/>
-                    <a:pt x="1598771" y="2777109"/>
-                    <a:pt x="1657636" y="2670239"/>
-                  </a:cubicBezTo>
-                  <a:cubicBezTo>
-                    <a:pt x="1693545" y="2605088"/>
-                    <a:pt x="1728502" y="2539460"/>
-                    <a:pt x="1762887" y="2473547"/>
-                  </a:cubicBezTo>
-                  <a:cubicBezTo>
-                    <a:pt x="1795367" y="2411349"/>
-                    <a:pt x="1826419" y="2348103"/>
-                    <a:pt x="1866710" y="2290667"/>
-                  </a:cubicBezTo>
-                  <a:cubicBezTo>
-                    <a:pt x="1934623" y="2193893"/>
-                    <a:pt x="2022729" y="2114169"/>
-                    <a:pt x="2106263" y="2030254"/>
-                  </a:cubicBezTo>
-                  <a:cubicBezTo>
-                    <a:pt x="2163128" y="1973104"/>
-                    <a:pt x="2218182" y="1914049"/>
-                    <a:pt x="2277237" y="1859185"/>
-                  </a:cubicBezTo>
-                  <a:cubicBezTo>
-                    <a:pt x="2350770" y="1790891"/>
-                    <a:pt x="2430304" y="1728978"/>
-                    <a:pt x="2499455" y="1656207"/>
-                  </a:cubicBezTo>
-                  <a:cubicBezTo>
-                    <a:pt x="2576989" y="1574578"/>
-                    <a:pt x="2641568" y="1481900"/>
-                    <a:pt x="2707100" y="1390269"/>
-                  </a:cubicBezTo>
-                  <a:cubicBezTo>
-                    <a:pt x="2744153" y="1338453"/>
-                    <a:pt x="2781586" y="1286732"/>
-                    <a:pt x="2812352" y="1230916"/>
-                  </a:cubicBezTo>
-                  <a:cubicBezTo>
-                    <a:pt x="2846546" y="1168908"/>
-                    <a:pt x="2872550" y="1102900"/>
-                    <a:pt x="2898172" y="1036987"/>
-                  </a:cubicBezTo>
-                  <a:cubicBezTo>
-                    <a:pt x="2922175" y="975455"/>
-                    <a:pt x="2948273" y="914305"/>
-                    <a:pt x="2963228" y="850011"/>
-                  </a:cubicBezTo>
-                  <a:cubicBezTo>
-                    <a:pt x="2971229" y="815626"/>
-                    <a:pt x="2976563" y="780764"/>
-                    <a:pt x="2977325" y="745427"/>
-                  </a:cubicBezTo>
-                  <a:cubicBezTo>
-                    <a:pt x="2979230" y="654844"/>
-                    <a:pt x="2963323" y="564261"/>
-                    <a:pt x="2929509" y="480155"/>
-                  </a:cubicBezTo>
-                  <a:cubicBezTo>
-                    <a:pt x="2851309" y="285655"/>
-                    <a:pt x="2563082" y="0"/>
-                    <a:pt x="2563082" y="0"/>
-                  </a:cubicBezTo>
-                </a:path>
-              </a:pathLst>
-            </a:custGeom>
-            <a:noFill/>
-            <a:ln w="9525" cap="rnd">
-              <a:solidFill>
-                <a:schemeClr val="accent2">
-                  <a:alpha val="50000"/>
-                </a:schemeClr>
-              </a:solidFill>
-              <a:prstDash val="lgDash"/>
-              <a:round/>
-            </a:ln>
-          </p:spPr>
-          <p:txBody>
-            <a:bodyPr rtlCol="0" anchor="ctr"/>
-            <a:lstStyle/>
-            <a:p>
-              <a:endParaRPr lang="en-US"/>
-            </a:p>
-          </p:txBody>
-        </p:sp>
-        <p:sp>
-          <p:nvSpPr>
-            <p:cNvPr id="56" name="Freeform: Shape 55">
-              <a:extLst>
-                <a:ext uri="{FF2B5EF4-FFF2-40B4-BE49-F238E27FC236}">
-                  <a16:creationId xmlns:a16="http://schemas.microsoft.com/office/drawing/2014/main" id="{551C64B0-B7BA-43EF-8165-A989D1EECB90}"/>
-                </a:ext>
-                <a:ext uri="{C183D7F6-B498-43B3-948B-1728B52AA6E4}">
-                  <adec:decorative xmlns:adec="http://schemas.microsoft.com/office/drawing/2017/decorative" val="1"/>
-                </a:ext>
-              </a:extLst>
-            </p:cNvPr>
-            <p:cNvSpPr/>
-            <p:nvPr>
-              <p:extLst>
-                <p:ext uri="{386F3935-93C4-4BCD-93E2-E3B085C9AB24}">
-                  <p16:designElem xmlns:p16="http://schemas.microsoft.com/office/powerpoint/2015/main" val="1"/>
-                </p:ext>
-              </p:extLst>
-            </p:nvPr>
-          </p:nvSpPr>
-          <p:spPr>
-            <a:xfrm>
-              <a:off x="25092" y="15178"/>
-              <a:ext cx="1566146" cy="2737264"/>
-            </a:xfrm>
-            <a:custGeom>
-              <a:avLst/>
-              <a:gdLst>
-                <a:gd name="connsiteX0" fmla="*/ 1707071 w 2356712"/>
-                <a:gd name="connsiteY0" fmla="*/ 0 h 4118991"/>
-                <a:gd name="connsiteX1" fmla="*/ 1824514 w 2356712"/>
-                <a:gd name="connsiteY1" fmla="*/ 244697 h 4118991"/>
-                <a:gd name="connsiteX2" fmla="*/ 1908715 w 2356712"/>
-                <a:gd name="connsiteY2" fmla="*/ 328994 h 4118991"/>
-                <a:gd name="connsiteX3" fmla="*/ 2226469 w 2356712"/>
-                <a:gd name="connsiteY3" fmla="*/ 603695 h 4118991"/>
-                <a:gd name="connsiteX4" fmla="*/ 2355628 w 2356712"/>
-                <a:gd name="connsiteY4" fmla="*/ 900494 h 4118991"/>
-                <a:gd name="connsiteX5" fmla="*/ 2281428 w 2356712"/>
-                <a:gd name="connsiteY5" fmla="*/ 1206913 h 4118991"/>
-                <a:gd name="connsiteX6" fmla="*/ 2092452 w 2356712"/>
-                <a:gd name="connsiteY6" fmla="*/ 1460659 h 4118991"/>
-                <a:gd name="connsiteX7" fmla="*/ 1834039 w 2356712"/>
-                <a:gd name="connsiteY7" fmla="*/ 1625822 h 4118991"/>
-                <a:gd name="connsiteX8" fmla="*/ 1558862 w 2356712"/>
-                <a:gd name="connsiteY8" fmla="*/ 1743075 h 4118991"/>
-                <a:gd name="connsiteX9" fmla="*/ 1386554 w 2356712"/>
-                <a:gd name="connsiteY9" fmla="*/ 1869948 h 4118991"/>
-                <a:gd name="connsiteX10" fmla="*/ 1271683 w 2356712"/>
-                <a:gd name="connsiteY10" fmla="*/ 2073402 h 4118991"/>
-                <a:gd name="connsiteX11" fmla="*/ 1178338 w 2356712"/>
-                <a:gd name="connsiteY11" fmla="*/ 2355914 h 4118991"/>
-                <a:gd name="connsiteX12" fmla="*/ 1113758 w 2356712"/>
-                <a:gd name="connsiteY12" fmla="*/ 2578513 h 4118991"/>
-                <a:gd name="connsiteX13" fmla="*/ 1034796 w 2356712"/>
-                <a:gd name="connsiteY13" fmla="*/ 2834640 h 4118991"/>
-                <a:gd name="connsiteX14" fmla="*/ 905637 w 2356712"/>
-                <a:gd name="connsiteY14" fmla="*/ 3081242 h 4118991"/>
-                <a:gd name="connsiteX15" fmla="*/ 793147 w 2356712"/>
-                <a:gd name="connsiteY15" fmla="*/ 3258407 h 4118991"/>
-                <a:gd name="connsiteX16" fmla="*/ 546735 w 2356712"/>
-                <a:gd name="connsiteY16" fmla="*/ 3571970 h 4118991"/>
-                <a:gd name="connsiteX17" fmla="*/ 346996 w 2356712"/>
-                <a:gd name="connsiteY17" fmla="*/ 3771900 h 4118991"/>
-                <a:gd name="connsiteX18" fmla="*/ 174689 w 2356712"/>
-                <a:gd name="connsiteY18" fmla="*/ 3944207 h 4118991"/>
-                <a:gd name="connsiteX19" fmla="*/ 0 w 2356712"/>
-                <a:gd name="connsiteY19" fmla="*/ 4118991 h 4118991"/>
-              </a:gdLst>
-              <a:ahLst/>
-              <a:cxnLst>
-                <a:cxn ang="0">
-                  <a:pos x="connsiteX0" y="connsiteY0"/>
-                </a:cxn>
-                <a:cxn ang="0">
-                  <a:pos x="connsiteX1" y="connsiteY1"/>
-                </a:cxn>
-                <a:cxn ang="0">
-                  <a:pos x="connsiteX2" y="connsiteY2"/>
-                </a:cxn>
-                <a:cxn ang="0">
-                  <a:pos x="connsiteX3" y="connsiteY3"/>
-                </a:cxn>
-                <a:cxn ang="0">
-                  <a:pos x="connsiteX4" y="connsiteY4"/>
-                </a:cxn>
-                <a:cxn ang="0">
-                  <a:pos x="connsiteX5" y="connsiteY5"/>
-                </a:cxn>
-                <a:cxn ang="0">
-                  <a:pos x="connsiteX6" y="connsiteY6"/>
-                </a:cxn>
-                <a:cxn ang="0">
-                  <a:pos x="connsiteX7" y="connsiteY7"/>
-                </a:cxn>
-                <a:cxn ang="0">
-                  <a:pos x="connsiteX8" y="connsiteY8"/>
-                </a:cxn>
-                <a:cxn ang="0">
-                  <a:pos x="connsiteX9" y="connsiteY9"/>
-                </a:cxn>
-                <a:cxn ang="0">
-                  <a:pos x="connsiteX10" y="connsiteY10"/>
-                </a:cxn>
-                <a:cxn ang="0">
-                  <a:pos x="connsiteX11" y="connsiteY11"/>
-                </a:cxn>
-                <a:cxn ang="0">
-                  <a:pos x="connsiteX12" y="connsiteY12"/>
-                </a:cxn>
-                <a:cxn ang="0">
-                  <a:pos x="connsiteX13" y="connsiteY13"/>
-                </a:cxn>
-                <a:cxn ang="0">
-                  <a:pos x="connsiteX14" y="connsiteY14"/>
-                </a:cxn>
-                <a:cxn ang="0">
-                  <a:pos x="connsiteX15" y="connsiteY15"/>
-                </a:cxn>
-                <a:cxn ang="0">
-                  <a:pos x="connsiteX16" y="connsiteY16"/>
-                </a:cxn>
-                <a:cxn ang="0">
-                  <a:pos x="connsiteX17" y="connsiteY17"/>
-                </a:cxn>
-                <a:cxn ang="0">
-                  <a:pos x="connsiteX18" y="connsiteY18"/>
-                </a:cxn>
-                <a:cxn ang="0">
-                  <a:pos x="connsiteX19" y="connsiteY19"/>
-                </a:cxn>
-              </a:cxnLst>
-              <a:rect l="l" t="t" r="r" b="b"/>
-              <a:pathLst>
-                <a:path w="2356712" h="4118991">
-                  <a:moveTo>
-                    <a:pt x="1707071" y="0"/>
-                  </a:moveTo>
-                  <a:cubicBezTo>
-                    <a:pt x="1715357" y="22098"/>
-                    <a:pt x="1812608" y="224409"/>
-                    <a:pt x="1824514" y="244697"/>
-                  </a:cubicBezTo>
-                  <a:cubicBezTo>
-                    <a:pt x="1844802" y="279273"/>
-                    <a:pt x="1876996" y="304324"/>
-                    <a:pt x="1908715" y="328994"/>
-                  </a:cubicBezTo>
-                  <a:cubicBezTo>
-                    <a:pt x="2019967" y="415195"/>
-                    <a:pt x="2137886" y="494633"/>
-                    <a:pt x="2226469" y="603695"/>
-                  </a:cubicBezTo>
-                  <a:cubicBezTo>
-                    <a:pt x="2296287" y="689610"/>
-                    <a:pt x="2347817" y="790480"/>
-                    <a:pt x="2355628" y="900494"/>
-                  </a:cubicBezTo>
-                  <a:cubicBezTo>
-                    <a:pt x="2363248" y="1007078"/>
-                    <a:pt x="2329910" y="1111187"/>
-                    <a:pt x="2281428" y="1206913"/>
-                  </a:cubicBezTo>
-                  <a:cubicBezTo>
-                    <a:pt x="2233422" y="1301877"/>
-                    <a:pt x="2170938" y="1388936"/>
-                    <a:pt x="2092452" y="1460659"/>
-                  </a:cubicBezTo>
-                  <a:cubicBezTo>
-                    <a:pt x="2016538" y="1530001"/>
-                    <a:pt x="1927765" y="1583436"/>
-                    <a:pt x="1834039" y="1625822"/>
-                  </a:cubicBezTo>
-                  <a:cubicBezTo>
-                    <a:pt x="1743075" y="1666970"/>
-                    <a:pt x="1647730" y="1697736"/>
-                    <a:pt x="1558862" y="1743075"/>
-                  </a:cubicBezTo>
-                  <a:cubicBezTo>
-                    <a:pt x="1494758" y="1775841"/>
-                    <a:pt x="1434275" y="1816132"/>
-                    <a:pt x="1386554" y="1869948"/>
-                  </a:cubicBezTo>
-                  <a:cubicBezTo>
-                    <a:pt x="1334548" y="1928622"/>
-                    <a:pt x="1300544" y="2000345"/>
-                    <a:pt x="1271683" y="2073402"/>
-                  </a:cubicBezTo>
-                  <a:cubicBezTo>
-                    <a:pt x="1235202" y="2165699"/>
-                    <a:pt x="1206722" y="2260759"/>
-                    <a:pt x="1178338" y="2355914"/>
-                  </a:cubicBezTo>
-                  <a:cubicBezTo>
-                    <a:pt x="1156240" y="2429923"/>
-                    <a:pt x="1134237" y="2504028"/>
-                    <a:pt x="1113758" y="2578513"/>
-                  </a:cubicBezTo>
-                  <a:cubicBezTo>
-                    <a:pt x="1090041" y="2664714"/>
-                    <a:pt x="1068134" y="2751678"/>
-                    <a:pt x="1034796" y="2834640"/>
-                  </a:cubicBezTo>
-                  <a:cubicBezTo>
-                    <a:pt x="1000125" y="2920841"/>
-                    <a:pt x="953643" y="3001613"/>
-                    <a:pt x="905637" y="3081242"/>
-                  </a:cubicBezTo>
-                  <a:cubicBezTo>
-                    <a:pt x="869442" y="3141155"/>
-                    <a:pt x="832295" y="3200400"/>
-                    <a:pt x="793147" y="3258407"/>
-                  </a:cubicBezTo>
-                  <a:cubicBezTo>
-                    <a:pt x="718661" y="3368802"/>
-                    <a:pt x="637223" y="3474434"/>
-                    <a:pt x="546735" y="3571970"/>
-                  </a:cubicBezTo>
-                  <a:cubicBezTo>
-                    <a:pt x="482632" y="3641027"/>
-                    <a:pt x="414147" y="3705797"/>
-                    <a:pt x="346996" y="3771900"/>
-                  </a:cubicBezTo>
-                  <a:cubicBezTo>
-                    <a:pt x="288989" y="3828764"/>
-                    <a:pt x="232029" y="3886676"/>
-                    <a:pt x="174689" y="3944207"/>
-                  </a:cubicBezTo>
-                  <a:cubicBezTo>
-                    <a:pt x="116586" y="4002596"/>
-                    <a:pt x="58293" y="4060698"/>
-                    <a:pt x="0" y="4118991"/>
-                  </a:cubicBezTo>
-                </a:path>
-              </a:pathLst>
-            </a:custGeom>
-            <a:noFill/>
-            <a:ln w="9525" cap="rnd">
-              <a:solidFill>
-                <a:schemeClr val="accent2">
-                  <a:alpha val="50000"/>
-                </a:schemeClr>
-              </a:solidFill>
-              <a:prstDash val="lgDash"/>
-              <a:round/>
-            </a:ln>
-          </p:spPr>
-          <p:txBody>
-            <a:bodyPr rtlCol="0" anchor="ctr"/>
-            <a:lstStyle/>
-            <a:p>
-              <a:endParaRPr lang="en-US"/>
-            </a:p>
-          </p:txBody>
-        </p:sp>
-        <p:sp>
-          <p:nvSpPr>
-            <p:cNvPr id="57" name="Freeform: Shape 56">
-              <a:extLst>
-                <a:ext uri="{FF2B5EF4-FFF2-40B4-BE49-F238E27FC236}">
-                  <a16:creationId xmlns:a16="http://schemas.microsoft.com/office/drawing/2014/main" id="{83A9894D-475B-4629-9643-CEB6BEEF5464}"/>
-                </a:ext>
-                <a:ext uri="{C183D7F6-B498-43B3-948B-1728B52AA6E4}">
-                  <adec:decorative xmlns:adec="http://schemas.microsoft.com/office/drawing/2017/decorative" val="1"/>
-                </a:ext>
-              </a:extLst>
-            </p:cNvPr>
-            <p:cNvSpPr/>
-            <p:nvPr>
-              <p:extLst>
-                <p:ext uri="{386F3935-93C4-4BCD-93E2-E3B085C9AB24}">
-                  <p16:designElem xmlns:p16="http://schemas.microsoft.com/office/powerpoint/2015/main" val="1"/>
-                </p:ext>
-              </p:extLst>
-            </p:nvPr>
-          </p:nvSpPr>
-          <p:spPr>
-            <a:xfrm>
-              <a:off x="10849" y="15178"/>
-              <a:ext cx="1368431" cy="2644975"/>
-            </a:xfrm>
-            <a:custGeom>
-              <a:avLst/>
-              <a:gdLst>
-                <a:gd name="connsiteX0" fmla="*/ 0 w 2059193"/>
-                <a:gd name="connsiteY0" fmla="*/ 3980116 h 3980116"/>
-                <a:gd name="connsiteX1" fmla="*/ 471583 w 2059193"/>
-                <a:gd name="connsiteY1" fmla="*/ 3515678 h 3980116"/>
-                <a:gd name="connsiteX2" fmla="*/ 758666 w 2059193"/>
-                <a:gd name="connsiteY2" fmla="*/ 3163824 h 3980116"/>
-                <a:gd name="connsiteX3" fmla="*/ 940499 w 2059193"/>
-                <a:gd name="connsiteY3" fmla="*/ 2780824 h 3980116"/>
-                <a:gd name="connsiteX4" fmla="*/ 1055370 w 2059193"/>
-                <a:gd name="connsiteY4" fmla="*/ 2242185 h 3980116"/>
-                <a:gd name="connsiteX5" fmla="*/ 1136714 w 2059193"/>
-                <a:gd name="connsiteY5" fmla="*/ 1878330 h 3980116"/>
-                <a:gd name="connsiteX6" fmla="*/ 1246727 w 2059193"/>
-                <a:gd name="connsiteY6" fmla="*/ 1562386 h 3980116"/>
-                <a:gd name="connsiteX7" fmla="*/ 1378363 w 2059193"/>
-                <a:gd name="connsiteY7" fmla="*/ 1430750 h 3980116"/>
-                <a:gd name="connsiteX8" fmla="*/ 1691831 w 2059193"/>
-                <a:gd name="connsiteY8" fmla="*/ 1394841 h 3980116"/>
-                <a:gd name="connsiteX9" fmla="*/ 1914335 w 2059193"/>
-                <a:gd name="connsiteY9" fmla="*/ 1323023 h 3980116"/>
-                <a:gd name="connsiteX10" fmla="*/ 2055495 w 2059193"/>
-                <a:gd name="connsiteY10" fmla="*/ 1098042 h 3980116"/>
-                <a:gd name="connsiteX11" fmla="*/ 2033969 w 2059193"/>
-                <a:gd name="connsiteY11" fmla="*/ 930497 h 3980116"/>
-                <a:gd name="connsiteX12" fmla="*/ 1885664 w 2059193"/>
-                <a:gd name="connsiteY12" fmla="*/ 760571 h 3980116"/>
-                <a:gd name="connsiteX13" fmla="*/ 1636871 w 2059193"/>
-                <a:gd name="connsiteY13" fmla="*/ 612172 h 3980116"/>
-                <a:gd name="connsiteX14" fmla="*/ 1335405 w 2059193"/>
-                <a:gd name="connsiteY14" fmla="*/ 459010 h 3980116"/>
-                <a:gd name="connsiteX15" fmla="*/ 1234916 w 2059193"/>
-                <a:gd name="connsiteY15" fmla="*/ 269939 h 3980116"/>
-                <a:gd name="connsiteX16" fmla="*/ 1386935 w 2059193"/>
-                <a:gd name="connsiteY16" fmla="*/ 0 h 3980116"/>
-              </a:gdLst>
-              <a:ahLst/>
-              <a:cxnLst>
-                <a:cxn ang="0">
-                  <a:pos x="connsiteX0" y="connsiteY0"/>
-                </a:cxn>
-                <a:cxn ang="0">
-                  <a:pos x="connsiteX1" y="connsiteY1"/>
-                </a:cxn>
-                <a:cxn ang="0">
-                  <a:pos x="connsiteX2" y="connsiteY2"/>
-                </a:cxn>
-                <a:cxn ang="0">
-                  <a:pos x="connsiteX3" y="connsiteY3"/>
-                </a:cxn>
-                <a:cxn ang="0">
-                  <a:pos x="connsiteX4" y="connsiteY4"/>
-                </a:cxn>
-                <a:cxn ang="0">
-                  <a:pos x="connsiteX5" y="connsiteY5"/>
-                </a:cxn>
-                <a:cxn ang="0">
-                  <a:pos x="connsiteX6" y="connsiteY6"/>
-                </a:cxn>
-                <a:cxn ang="0">
-                  <a:pos x="connsiteX7" y="connsiteY7"/>
-                </a:cxn>
-                <a:cxn ang="0">
-                  <a:pos x="connsiteX8" y="connsiteY8"/>
-                </a:cxn>
-                <a:cxn ang="0">
-                  <a:pos x="connsiteX9" y="connsiteY9"/>
-                </a:cxn>
-                <a:cxn ang="0">
-                  <a:pos x="connsiteX10" y="connsiteY10"/>
-                </a:cxn>
-                <a:cxn ang="0">
-                  <a:pos x="connsiteX11" y="connsiteY11"/>
-                </a:cxn>
-                <a:cxn ang="0">
-                  <a:pos x="connsiteX12" y="connsiteY12"/>
-                </a:cxn>
-                <a:cxn ang="0">
-                  <a:pos x="connsiteX13" y="connsiteY13"/>
-                </a:cxn>
-                <a:cxn ang="0">
-                  <a:pos x="connsiteX14" y="connsiteY14"/>
-                </a:cxn>
-                <a:cxn ang="0">
-                  <a:pos x="connsiteX15" y="connsiteY15"/>
-                </a:cxn>
-                <a:cxn ang="0">
-                  <a:pos x="connsiteX16" y="connsiteY16"/>
-                </a:cxn>
-              </a:cxnLst>
-              <a:rect l="l" t="t" r="r" b="b"/>
-              <a:pathLst>
-                <a:path w="2059193" h="3980116">
-                  <a:moveTo>
-                    <a:pt x="0" y="3980116"/>
-                  </a:moveTo>
-                  <a:cubicBezTo>
-                    <a:pt x="91345" y="3889534"/>
-                    <a:pt x="382715" y="3608737"/>
-                    <a:pt x="471583" y="3515678"/>
-                  </a:cubicBezTo>
-                  <a:cubicBezTo>
-                    <a:pt x="576358" y="3405949"/>
-                    <a:pt x="675989" y="3290983"/>
-                    <a:pt x="758666" y="3163824"/>
-                  </a:cubicBezTo>
-                  <a:cubicBezTo>
-                    <a:pt x="836105" y="3044857"/>
-                    <a:pt x="897445" y="2916079"/>
-                    <a:pt x="940499" y="2780824"/>
-                  </a:cubicBezTo>
-                  <a:cubicBezTo>
-                    <a:pt x="996315" y="2605754"/>
-                    <a:pt x="1020985" y="2422874"/>
-                    <a:pt x="1055370" y="2242185"/>
-                  </a:cubicBezTo>
-                  <a:cubicBezTo>
-                    <a:pt x="1078611" y="2120075"/>
-                    <a:pt x="1107472" y="1999107"/>
-                    <a:pt x="1136714" y="1878330"/>
-                  </a:cubicBezTo>
-                  <a:cubicBezTo>
-                    <a:pt x="1163098" y="1769174"/>
-                    <a:pt x="1189482" y="1658588"/>
-                    <a:pt x="1246727" y="1562386"/>
-                  </a:cubicBezTo>
-                  <a:cubicBezTo>
-                    <a:pt x="1279208" y="1507808"/>
-                    <a:pt x="1321689" y="1459039"/>
-                    <a:pt x="1378363" y="1430750"/>
-                  </a:cubicBezTo>
-                  <a:cubicBezTo>
-                    <a:pt x="1473327" y="1383221"/>
-                    <a:pt x="1584865" y="1402652"/>
-                    <a:pt x="1691831" y="1394841"/>
-                  </a:cubicBezTo>
-                  <a:cubicBezTo>
-                    <a:pt x="1771079" y="1389031"/>
-                    <a:pt x="1849279" y="1368266"/>
-                    <a:pt x="1914335" y="1323023"/>
-                  </a:cubicBezTo>
-                  <a:cubicBezTo>
-                    <a:pt x="1989963" y="1270445"/>
-                    <a:pt x="2041493" y="1189101"/>
-                    <a:pt x="2055495" y="1098042"/>
-                  </a:cubicBezTo>
-                  <a:cubicBezTo>
-                    <a:pt x="2064258" y="1041178"/>
-                    <a:pt x="2057591" y="982980"/>
-                    <a:pt x="2033969" y="930497"/>
-                  </a:cubicBezTo>
-                  <a:cubicBezTo>
-                    <a:pt x="2002727" y="861060"/>
-                    <a:pt x="1945958" y="807625"/>
-                    <a:pt x="1885664" y="760571"/>
-                  </a:cubicBezTo>
-                  <a:cubicBezTo>
-                    <a:pt x="1809179" y="700945"/>
-                    <a:pt x="1725549" y="651415"/>
-                    <a:pt x="1636871" y="612172"/>
-                  </a:cubicBezTo>
-                  <a:cubicBezTo>
-                    <a:pt x="1532763" y="566071"/>
-                    <a:pt x="1421606" y="532543"/>
-                    <a:pt x="1335405" y="459010"/>
-                  </a:cubicBezTo>
-                  <a:cubicBezTo>
-                    <a:pt x="1277969" y="409956"/>
-                    <a:pt x="1232059" y="344615"/>
-                    <a:pt x="1234916" y="269939"/>
-                  </a:cubicBezTo>
-                  <a:cubicBezTo>
-                    <a:pt x="1237012" y="211741"/>
-                    <a:pt x="1386935" y="0"/>
-                    <a:pt x="1386935" y="0"/>
-                  </a:cubicBezTo>
-                </a:path>
-              </a:pathLst>
-            </a:custGeom>
-            <a:noFill/>
-            <a:ln w="9525" cap="rnd">
-              <a:solidFill>
-                <a:schemeClr val="accent2">
-                  <a:alpha val="50000"/>
-                </a:schemeClr>
-              </a:solidFill>
-              <a:prstDash val="lgDash"/>
-              <a:round/>
-            </a:ln>
-          </p:spPr>
-          <p:txBody>
-            <a:bodyPr rtlCol="0" anchor="ctr"/>
-            <a:lstStyle/>
-            <a:p>
-              <a:endParaRPr lang="en-US"/>
-            </a:p>
-          </p:txBody>
-        </p:sp>
-        <p:sp>
-          <p:nvSpPr>
-            <p:cNvPr id="58" name="Freeform: Shape 57">
-              <a:extLst>
-                <a:ext uri="{FF2B5EF4-FFF2-40B4-BE49-F238E27FC236}">
-                  <a16:creationId xmlns:a16="http://schemas.microsoft.com/office/drawing/2014/main" id="{0E5E81DE-AC91-47A7-BCB7-F0C46AE19B9D}"/>
-                </a:ext>
-                <a:ext uri="{C183D7F6-B498-43B3-948B-1728B52AA6E4}">
-                  <adec:decorative xmlns:adec="http://schemas.microsoft.com/office/drawing/2017/decorative" val="1"/>
-                </a:ext>
-              </a:extLst>
-            </p:cNvPr>
-            <p:cNvSpPr/>
-            <p:nvPr>
-              <p:extLst>
-                <p:ext uri="{386F3935-93C4-4BCD-93E2-E3B085C9AB24}">
-                  <p16:designElem xmlns:p16="http://schemas.microsoft.com/office/powerpoint/2015/main" val="1"/>
-                </p:ext>
-              </p:extLst>
-            </p:nvPr>
-          </p:nvSpPr>
-          <p:spPr>
-            <a:xfrm>
-              <a:off x="18825" y="543780"/>
-              <a:ext cx="494287" cy="1905590"/>
-            </a:xfrm>
-            <a:custGeom>
-              <a:avLst/>
-              <a:gdLst>
-                <a:gd name="connsiteX0" fmla="*/ 11144 w 743796"/>
-                <a:gd name="connsiteY0" fmla="*/ 0 h 2867501"/>
-                <a:gd name="connsiteX1" fmla="*/ 353663 w 743796"/>
-                <a:gd name="connsiteY1" fmla="*/ 55245 h 2867501"/>
-                <a:gd name="connsiteX2" fmla="*/ 571405 w 743796"/>
-                <a:gd name="connsiteY2" fmla="*/ 179737 h 2867501"/>
-                <a:gd name="connsiteX3" fmla="*/ 688658 w 743796"/>
-                <a:gd name="connsiteY3" fmla="*/ 368808 h 2867501"/>
-                <a:gd name="connsiteX4" fmla="*/ 731711 w 743796"/>
-                <a:gd name="connsiteY4" fmla="*/ 612934 h 2867501"/>
-                <a:gd name="connsiteX5" fmla="*/ 725233 w 743796"/>
-                <a:gd name="connsiteY5" fmla="*/ 995648 h 2867501"/>
-                <a:gd name="connsiteX6" fmla="*/ 742855 w 743796"/>
-                <a:gd name="connsiteY6" fmla="*/ 1499330 h 2867501"/>
-                <a:gd name="connsiteX7" fmla="*/ 707898 w 743796"/>
-                <a:gd name="connsiteY7" fmla="*/ 1793081 h 2867501"/>
-                <a:gd name="connsiteX8" fmla="*/ 633222 w 743796"/>
-                <a:gd name="connsiteY8" fmla="*/ 2073592 h 2867501"/>
-                <a:gd name="connsiteX9" fmla="*/ 404527 w 743796"/>
-                <a:gd name="connsiteY9" fmla="*/ 2472404 h 2867501"/>
-                <a:gd name="connsiteX10" fmla="*/ 0 w 743796"/>
-                <a:gd name="connsiteY10" fmla="*/ 2867501 h 2867501"/>
-              </a:gdLst>
-              <a:ahLst/>
-              <a:cxnLst>
-                <a:cxn ang="0">
-                  <a:pos x="connsiteX0" y="connsiteY0"/>
-                </a:cxn>
-                <a:cxn ang="0">
-                  <a:pos x="connsiteX1" y="connsiteY1"/>
-                </a:cxn>
-                <a:cxn ang="0">
-                  <a:pos x="connsiteX2" y="connsiteY2"/>
-                </a:cxn>
-                <a:cxn ang="0">
-                  <a:pos x="connsiteX3" y="connsiteY3"/>
-                </a:cxn>
-                <a:cxn ang="0">
-                  <a:pos x="connsiteX4" y="connsiteY4"/>
-                </a:cxn>
-                <a:cxn ang="0">
-                  <a:pos x="connsiteX5" y="connsiteY5"/>
-                </a:cxn>
-                <a:cxn ang="0">
-                  <a:pos x="connsiteX6" y="connsiteY6"/>
-                </a:cxn>
-                <a:cxn ang="0">
-                  <a:pos x="connsiteX7" y="connsiteY7"/>
-                </a:cxn>
-                <a:cxn ang="0">
-                  <a:pos x="connsiteX8" y="connsiteY8"/>
-                </a:cxn>
-                <a:cxn ang="0">
-                  <a:pos x="connsiteX9" y="connsiteY9"/>
-                </a:cxn>
-                <a:cxn ang="0">
-                  <a:pos x="connsiteX10" y="connsiteY10"/>
-                </a:cxn>
-              </a:cxnLst>
-              <a:rect l="l" t="t" r="r" b="b"/>
-              <a:pathLst>
-                <a:path w="743796" h="2867501">
-                  <a:moveTo>
-                    <a:pt x="11144" y="0"/>
-                  </a:moveTo>
-                  <a:cubicBezTo>
-                    <a:pt x="101060" y="2953"/>
-                    <a:pt x="268796" y="25146"/>
-                    <a:pt x="353663" y="55245"/>
-                  </a:cubicBezTo>
-                  <a:cubicBezTo>
-                    <a:pt x="433483" y="83534"/>
-                    <a:pt x="510635" y="120967"/>
-                    <a:pt x="571405" y="179737"/>
-                  </a:cubicBezTo>
-                  <a:cubicBezTo>
-                    <a:pt x="625412" y="231934"/>
-                    <a:pt x="663607" y="297942"/>
-                    <a:pt x="688658" y="368808"/>
-                  </a:cubicBezTo>
-                  <a:cubicBezTo>
-                    <a:pt x="716375" y="447103"/>
-                    <a:pt x="727996" y="529876"/>
-                    <a:pt x="731711" y="612934"/>
-                  </a:cubicBezTo>
-                  <a:cubicBezTo>
-                    <a:pt x="737426" y="740474"/>
-                    <a:pt x="724948" y="867918"/>
-                    <a:pt x="725233" y="995648"/>
-                  </a:cubicBezTo>
-                  <a:cubicBezTo>
-                    <a:pt x="725710" y="1163765"/>
-                    <a:pt x="748665" y="1331309"/>
-                    <a:pt x="742855" y="1499330"/>
-                  </a:cubicBezTo>
-                  <a:cubicBezTo>
-                    <a:pt x="739426" y="1598009"/>
-                    <a:pt x="725996" y="1696022"/>
-                    <a:pt x="707898" y="1793081"/>
-                  </a:cubicBezTo>
-                  <a:cubicBezTo>
-                    <a:pt x="690086" y="1888426"/>
-                    <a:pt x="666845" y="1982724"/>
-                    <a:pt x="633222" y="2073592"/>
-                  </a:cubicBezTo>
-                  <a:cubicBezTo>
-                    <a:pt x="579692" y="2218182"/>
-                    <a:pt x="499682" y="2351056"/>
-                    <a:pt x="404527" y="2472404"/>
-                  </a:cubicBezTo>
-                  <a:cubicBezTo>
-                    <a:pt x="266033" y="2648902"/>
-                    <a:pt x="179642" y="2732818"/>
-                    <a:pt x="0" y="2867501"/>
-                  </a:cubicBezTo>
-                </a:path>
-              </a:pathLst>
-            </a:custGeom>
-            <a:noFill/>
-            <a:ln w="9525" cap="rnd">
-              <a:solidFill>
-                <a:schemeClr val="accent2">
-                  <a:alpha val="50000"/>
-                </a:schemeClr>
-              </a:solidFill>
-              <a:prstDash val="lgDash"/>
-              <a:round/>
-            </a:ln>
-          </p:spPr>
-          <p:txBody>
-            <a:bodyPr rtlCol="0" anchor="ctr"/>
-            <a:lstStyle/>
-            <a:p>
-              <a:endParaRPr lang="en-US"/>
-            </a:p>
-          </p:txBody>
-        </p:sp>
-        <p:sp>
-          <p:nvSpPr>
-            <p:cNvPr id="59" name="Freeform: Shape 58">
-              <a:extLst>
-                <a:ext uri="{FF2B5EF4-FFF2-40B4-BE49-F238E27FC236}">
-                  <a16:creationId xmlns:a16="http://schemas.microsoft.com/office/drawing/2014/main" id="{182FC6CF-DCC9-469A-B15F-405E32C5B581}"/>
-                </a:ext>
-                <a:ext uri="{C183D7F6-B498-43B3-948B-1728B52AA6E4}">
-                  <adec:decorative xmlns:adec="http://schemas.microsoft.com/office/drawing/2017/decorative" val="1"/>
-                </a:ext>
-              </a:extLst>
-            </p:cNvPr>
-            <p:cNvSpPr/>
-            <p:nvPr>
-              <p:extLst>
-                <p:ext uri="{386F3935-93C4-4BCD-93E2-E3B085C9AB24}">
-                  <p16:designElem xmlns:p16="http://schemas.microsoft.com/office/powerpoint/2015/main" val="1"/>
-                </p:ext>
-              </p:extLst>
-            </p:nvPr>
-          </p:nvSpPr>
-          <p:spPr>
-            <a:xfrm>
-              <a:off x="10849" y="672286"/>
-              <a:ext cx="396930" cy="1690303"/>
-            </a:xfrm>
-            <a:custGeom>
-              <a:avLst/>
-              <a:gdLst>
-                <a:gd name="connsiteX0" fmla="*/ 16478 w 597294"/>
-                <a:gd name="connsiteY0" fmla="*/ 2079 h 2543540"/>
-                <a:gd name="connsiteX1" fmla="*/ 299847 w 597294"/>
-                <a:gd name="connsiteY1" fmla="*/ 53991 h 2543540"/>
-                <a:gd name="connsiteX2" fmla="*/ 503206 w 597294"/>
-                <a:gd name="connsiteY2" fmla="*/ 291354 h 2543540"/>
-                <a:gd name="connsiteX3" fmla="*/ 525113 w 597294"/>
-                <a:gd name="connsiteY3" fmla="*/ 724265 h 2543540"/>
-                <a:gd name="connsiteX4" fmla="*/ 578930 w 597294"/>
-                <a:gd name="connsiteY4" fmla="*/ 1117267 h 2543540"/>
-                <a:gd name="connsiteX5" fmla="*/ 592931 w 597294"/>
-                <a:gd name="connsiteY5" fmla="*/ 1476359 h 2543540"/>
-                <a:gd name="connsiteX6" fmla="*/ 503206 w 597294"/>
-                <a:gd name="connsiteY6" fmla="*/ 1859359 h 2543540"/>
-                <a:gd name="connsiteX7" fmla="*/ 291846 w 597294"/>
-                <a:gd name="connsiteY7" fmla="*/ 2250361 h 2543540"/>
-                <a:gd name="connsiteX8" fmla="*/ 0 w 597294"/>
-                <a:gd name="connsiteY8" fmla="*/ 2543540 h 2543540"/>
-              </a:gdLst>
-              <a:ahLst/>
-              <a:cxnLst>
-                <a:cxn ang="0">
-                  <a:pos x="connsiteX0" y="connsiteY0"/>
-                </a:cxn>
-                <a:cxn ang="0">
-                  <a:pos x="connsiteX1" y="connsiteY1"/>
-                </a:cxn>
-                <a:cxn ang="0">
-                  <a:pos x="connsiteX2" y="connsiteY2"/>
-                </a:cxn>
-                <a:cxn ang="0">
-                  <a:pos x="connsiteX3" y="connsiteY3"/>
-                </a:cxn>
-                <a:cxn ang="0">
-                  <a:pos x="connsiteX4" y="connsiteY4"/>
-                </a:cxn>
-                <a:cxn ang="0">
-                  <a:pos x="connsiteX5" y="connsiteY5"/>
-                </a:cxn>
-                <a:cxn ang="0">
-                  <a:pos x="connsiteX6" y="connsiteY6"/>
-                </a:cxn>
-                <a:cxn ang="0">
-                  <a:pos x="connsiteX7" y="connsiteY7"/>
-                </a:cxn>
-                <a:cxn ang="0">
-                  <a:pos x="connsiteX8" y="connsiteY8"/>
-                </a:cxn>
-              </a:cxnLst>
-              <a:rect l="l" t="t" r="r" b="b"/>
-              <a:pathLst>
-                <a:path w="597294" h="2543540">
-                  <a:moveTo>
-                    <a:pt x="16478" y="2079"/>
-                  </a:moveTo>
-                  <a:cubicBezTo>
-                    <a:pt x="101441" y="-6684"/>
-                    <a:pt x="224885" y="12557"/>
-                    <a:pt x="299847" y="53991"/>
-                  </a:cubicBezTo>
-                  <a:cubicBezTo>
-                    <a:pt x="394240" y="106092"/>
-                    <a:pt x="468440" y="189341"/>
-                    <a:pt x="503206" y="291354"/>
-                  </a:cubicBezTo>
-                  <a:cubicBezTo>
-                    <a:pt x="550069" y="429085"/>
-                    <a:pt x="520827" y="577770"/>
-                    <a:pt x="525113" y="724265"/>
-                  </a:cubicBezTo>
-                  <a:cubicBezTo>
-                    <a:pt x="529019" y="856472"/>
-                    <a:pt x="561118" y="986012"/>
-                    <a:pt x="578930" y="1117267"/>
-                  </a:cubicBezTo>
-                  <a:cubicBezTo>
-                    <a:pt x="595122" y="1236234"/>
-                    <a:pt x="602742" y="1356630"/>
-                    <a:pt x="592931" y="1476359"/>
-                  </a:cubicBezTo>
-                  <a:cubicBezTo>
-                    <a:pt x="582073" y="1607709"/>
-                    <a:pt x="549783" y="1736011"/>
-                    <a:pt x="503206" y="1859359"/>
-                  </a:cubicBezTo>
-                  <a:cubicBezTo>
-                    <a:pt x="450628" y="1998710"/>
-                    <a:pt x="383857" y="2133298"/>
-                    <a:pt x="291846" y="2250361"/>
-                  </a:cubicBezTo>
-                  <a:cubicBezTo>
-                    <a:pt x="231553" y="2327132"/>
-                    <a:pt x="73819" y="2479532"/>
-                    <a:pt x="0" y="2543540"/>
-                  </a:cubicBezTo>
-                </a:path>
-              </a:pathLst>
-            </a:custGeom>
-            <a:noFill/>
-            <a:ln w="9525" cap="rnd">
-              <a:solidFill>
-                <a:schemeClr val="accent2">
-                  <a:alpha val="50000"/>
-                </a:schemeClr>
-              </a:solidFill>
-              <a:prstDash val="lgDash"/>
-              <a:round/>
-            </a:ln>
-          </p:spPr>
-          <p:txBody>
-            <a:bodyPr rtlCol="0" anchor="ctr"/>
-            <a:lstStyle/>
-            <a:p>
-              <a:endParaRPr lang="en-US"/>
-            </a:p>
-          </p:txBody>
-        </p:sp>
-        <p:sp>
-          <p:nvSpPr>
-            <p:cNvPr id="60" name="Freeform: Shape 59">
-              <a:extLst>
-                <a:ext uri="{FF2B5EF4-FFF2-40B4-BE49-F238E27FC236}">
-                  <a16:creationId xmlns:a16="http://schemas.microsoft.com/office/drawing/2014/main" id="{1F1624A4-F120-495F-BCDC-908EAC4C13A2}"/>
-                </a:ext>
-                <a:ext uri="{C183D7F6-B498-43B3-948B-1728B52AA6E4}">
-                  <adec:decorative xmlns:adec="http://schemas.microsoft.com/office/drawing/2017/decorative" val="1"/>
-                </a:ext>
-              </a:extLst>
-            </p:cNvPr>
-            <p:cNvSpPr/>
-            <p:nvPr>
-              <p:extLst>
-                <p:ext uri="{386F3935-93C4-4BCD-93E2-E3B085C9AB24}">
-                  <p16:designElem xmlns:p16="http://schemas.microsoft.com/office/powerpoint/2015/main" val="1"/>
-                </p:ext>
-              </p:extLst>
-            </p:nvPr>
-          </p:nvSpPr>
-          <p:spPr>
-            <a:xfrm>
-              <a:off x="23002" y="881264"/>
-              <a:ext cx="258791" cy="1336561"/>
-            </a:xfrm>
-            <a:custGeom>
-              <a:avLst/>
-              <a:gdLst>
-                <a:gd name="connsiteX0" fmla="*/ 0 w 389425"/>
-                <a:gd name="connsiteY0" fmla="*/ 33 h 2011236"/>
-                <a:gd name="connsiteX1" fmla="*/ 171260 w 389425"/>
-                <a:gd name="connsiteY1" fmla="*/ 60326 h 2011236"/>
-                <a:gd name="connsiteX2" fmla="*/ 211455 w 389425"/>
-                <a:gd name="connsiteY2" fmla="*/ 221204 h 2011236"/>
-                <a:gd name="connsiteX3" fmla="*/ 243078 w 389425"/>
-                <a:gd name="connsiteY3" fmla="*/ 448089 h 2011236"/>
-                <a:gd name="connsiteX4" fmla="*/ 346424 w 389425"/>
-                <a:gd name="connsiteY4" fmla="*/ 789941 h 2011236"/>
-                <a:gd name="connsiteX5" fmla="*/ 372237 w 389425"/>
-                <a:gd name="connsiteY5" fmla="*/ 942151 h 2011236"/>
-                <a:gd name="connsiteX6" fmla="*/ 386620 w 389425"/>
-                <a:gd name="connsiteY6" fmla="*/ 1272478 h 2011236"/>
-                <a:gd name="connsiteX7" fmla="*/ 280416 w 389425"/>
-                <a:gd name="connsiteY7" fmla="*/ 1660241 h 2011236"/>
-                <a:gd name="connsiteX8" fmla="*/ 151257 w 389425"/>
-                <a:gd name="connsiteY8" fmla="*/ 1844073 h 2011236"/>
-                <a:gd name="connsiteX9" fmla="*/ 1905 w 389425"/>
-                <a:gd name="connsiteY9" fmla="*/ 2011237 h 2011236"/>
-              </a:gdLst>
-              <a:ahLst/>
-              <a:cxnLst>
-                <a:cxn ang="0">
-                  <a:pos x="connsiteX0" y="connsiteY0"/>
-                </a:cxn>
-                <a:cxn ang="0">
-                  <a:pos x="connsiteX1" y="connsiteY1"/>
-                </a:cxn>
-                <a:cxn ang="0">
-                  <a:pos x="connsiteX2" y="connsiteY2"/>
-                </a:cxn>
-                <a:cxn ang="0">
-                  <a:pos x="connsiteX3" y="connsiteY3"/>
-                </a:cxn>
-                <a:cxn ang="0">
-                  <a:pos x="connsiteX4" y="connsiteY4"/>
-                </a:cxn>
-                <a:cxn ang="0">
-                  <a:pos x="connsiteX5" y="connsiteY5"/>
-                </a:cxn>
-                <a:cxn ang="0">
-                  <a:pos x="connsiteX6" y="connsiteY6"/>
-                </a:cxn>
-                <a:cxn ang="0">
-                  <a:pos x="connsiteX7" y="connsiteY7"/>
-                </a:cxn>
-                <a:cxn ang="0">
-                  <a:pos x="connsiteX8" y="connsiteY8"/>
-                </a:cxn>
-                <a:cxn ang="0">
-                  <a:pos x="connsiteX9" y="connsiteY9"/>
-                </a:cxn>
-              </a:cxnLst>
-              <a:rect l="l" t="t" r="r" b="b"/>
-              <a:pathLst>
-                <a:path w="389425" h="2011236">
-                  <a:moveTo>
-                    <a:pt x="0" y="33"/>
-                  </a:moveTo>
-                  <a:cubicBezTo>
-                    <a:pt x="57912" y="-824"/>
-                    <a:pt x="136112" y="14892"/>
-                    <a:pt x="171260" y="60326"/>
-                  </a:cubicBezTo>
-                  <a:cubicBezTo>
-                    <a:pt x="205645" y="104903"/>
-                    <a:pt x="207740" y="164244"/>
-                    <a:pt x="211455" y="221204"/>
-                  </a:cubicBezTo>
-                  <a:cubicBezTo>
-                    <a:pt x="216408" y="297594"/>
-                    <a:pt x="225838" y="373604"/>
-                    <a:pt x="243078" y="448089"/>
-                  </a:cubicBezTo>
-                  <a:cubicBezTo>
-                    <a:pt x="269939" y="564199"/>
-                    <a:pt x="319183" y="673927"/>
-                    <a:pt x="346424" y="789941"/>
-                  </a:cubicBezTo>
-                  <a:cubicBezTo>
-                    <a:pt x="358235" y="840043"/>
-                    <a:pt x="365951" y="891097"/>
-                    <a:pt x="372237" y="942151"/>
-                  </a:cubicBezTo>
-                  <a:cubicBezTo>
-                    <a:pt x="385858" y="1051784"/>
-                    <a:pt x="394049" y="1162274"/>
-                    <a:pt x="386620" y="1272478"/>
-                  </a:cubicBezTo>
-                  <a:cubicBezTo>
-                    <a:pt x="377476" y="1407828"/>
-                    <a:pt x="344996" y="1541178"/>
-                    <a:pt x="280416" y="1660241"/>
-                  </a:cubicBezTo>
-                  <a:cubicBezTo>
-                    <a:pt x="244602" y="1726249"/>
-                    <a:pt x="199358" y="1786352"/>
-                    <a:pt x="151257" y="1844073"/>
-                  </a:cubicBezTo>
-                  <a:cubicBezTo>
-                    <a:pt x="79534" y="1930084"/>
-                    <a:pt x="89345" y="1941419"/>
-                    <a:pt x="1905" y="2011237"/>
-                  </a:cubicBezTo>
-                </a:path>
-              </a:pathLst>
-            </a:custGeom>
-            <a:noFill/>
-            <a:ln w="9525" cap="rnd">
-              <a:solidFill>
-                <a:schemeClr val="accent2">
-                  <a:alpha val="50000"/>
-                </a:schemeClr>
-              </a:solidFill>
-              <a:prstDash val="lgDash"/>
-              <a:round/>
-            </a:ln>
-          </p:spPr>
-          <p:txBody>
-            <a:bodyPr rtlCol="0" anchor="ctr"/>
-            <a:lstStyle/>
-            <a:p>
-              <a:endParaRPr lang="en-US" dirty="0"/>
-            </a:p>
-          </p:txBody>
-        </p:sp>
-      </p:grpSp>
-      <p:grpSp>
-        <p:nvGrpSpPr>
-          <p:cNvPr id="62" name="Cross">
-            <a:extLst>
-              <a:ext uri="{FF2B5EF4-FFF2-40B4-BE49-F238E27FC236}">
-                <a16:creationId xmlns:a16="http://schemas.microsoft.com/office/drawing/2014/main" id="{7486C3FB-E613-42EE-BB94-C836C350912A}"/>
-              </a:ext>
-              <a:ext uri="{C183D7F6-B498-43B3-948B-1728B52AA6E4}">
-                <adec:decorative xmlns:adec="http://schemas.microsoft.com/office/drawing/2017/decorative" val="1"/>
-              </a:ext>
-            </a:extLst>
-          </p:cNvPr>
-          <p:cNvGrpSpPr>
-            <a:grpSpLocks noGrp="1" noUngrp="1" noRot="1" noChangeAspect="1" noMove="1" noResize="1"/>
-          </p:cNvGrpSpPr>
-          <p:nvPr>
-            <p:extLst>
-              <p:ext uri="{386F3935-93C4-4BCD-93E2-E3B085C9AB24}">
-                <p16:designElem xmlns:p16="http://schemas.microsoft.com/office/powerpoint/2015/main" val="1"/>
-              </p:ext>
-            </p:extLst>
-          </p:nvPr>
-        </p:nvGrpSpPr>
-        <p:grpSpPr>
-          <a:xfrm>
-            <a:off x="11945264" y="149792"/>
-            <a:ext cx="118872" cy="118872"/>
-            <a:chOff x="1175347" y="3733800"/>
-            <a:chExt cx="118872" cy="118872"/>
-          </a:xfrm>
-        </p:grpSpPr>
-        <p:cxnSp>
-          <p:nvCxnSpPr>
-            <p:cNvPr id="63" name="Straight Connector 62">
-              <a:extLst>
-                <a:ext uri="{FF2B5EF4-FFF2-40B4-BE49-F238E27FC236}">
-                  <a16:creationId xmlns:a16="http://schemas.microsoft.com/office/drawing/2014/main" id="{2A4D2DB4-ADC6-454F-88D2-920131F2BBB7}"/>
-                </a:ext>
-                <a:ext uri="{C183D7F6-B498-43B3-948B-1728B52AA6E4}">
-                  <adec:decorative xmlns:adec="http://schemas.microsoft.com/office/drawing/2017/decorative" val="1"/>
-                </a:ext>
-              </a:extLst>
-            </p:cNvPr>
-            <p:cNvCxnSpPr>
-              <a:cxnSpLocks/>
-            </p:cNvCxnSpPr>
-            <p:nvPr>
-              <p:extLst>
-                <p:ext uri="{386F3935-93C4-4BCD-93E2-E3B085C9AB24}">
-                  <p16:designElem xmlns:p16="http://schemas.microsoft.com/office/powerpoint/2015/main" val="1"/>
-                </p:ext>
-              </p:extLst>
-            </p:nvPr>
-          </p:nvCxnSpPr>
-          <p:spPr>
-            <a:xfrm>
-              <a:off x="1234783" y="3733800"/>
-              <a:ext cx="0" cy="118872"/>
-            </a:xfrm>
-            <a:prstGeom prst="line">
-              <a:avLst/>
-            </a:prstGeom>
-            <a:ln w="12700">
-              <a:solidFill>
-                <a:schemeClr val="accent5"/>
-              </a:solidFill>
-            </a:ln>
-          </p:spPr>
-          <p:style>
-            <a:lnRef idx="1">
-              <a:schemeClr val="accent2"/>
-            </a:lnRef>
-            <a:fillRef idx="0">
-              <a:schemeClr val="accent2"/>
-            </a:fillRef>
-            <a:effectRef idx="0">
-              <a:schemeClr val="accent2"/>
-            </a:effectRef>
-            <a:fontRef idx="minor">
-              <a:schemeClr val="tx1"/>
-            </a:fontRef>
-          </p:style>
-        </p:cxnSp>
-        <p:cxnSp>
-          <p:nvCxnSpPr>
-            <p:cNvPr id="64" name="Straight Connector 63">
-              <a:extLst>
-                <a:ext uri="{FF2B5EF4-FFF2-40B4-BE49-F238E27FC236}">
-                  <a16:creationId xmlns:a16="http://schemas.microsoft.com/office/drawing/2014/main" id="{DC9C2CC8-1779-42F6-95C3-C68E02716611}"/>
-                </a:ext>
-                <a:ext uri="{C183D7F6-B498-43B3-948B-1728B52AA6E4}">
-                  <adec:decorative xmlns:adec="http://schemas.microsoft.com/office/drawing/2017/decorative" val="1"/>
-                </a:ext>
-              </a:extLst>
-            </p:cNvPr>
-            <p:cNvCxnSpPr>
-              <a:cxnSpLocks/>
-            </p:cNvCxnSpPr>
-            <p:nvPr>
-              <p:extLst>
-                <p:ext uri="{386F3935-93C4-4BCD-93E2-E3B085C9AB24}">
-                  <p16:designElem xmlns:p16="http://schemas.microsoft.com/office/powerpoint/2015/main" val="1"/>
-                </p:ext>
-              </p:extLst>
-            </p:nvPr>
-          </p:nvCxnSpPr>
-          <p:spPr>
-            <a:xfrm>
-              <a:off x="1175347" y="3793236"/>
-              <a:ext cx="118872" cy="0"/>
-            </a:xfrm>
-            <a:prstGeom prst="line">
-              <a:avLst/>
-            </a:prstGeom>
-            <a:ln w="12700">
-              <a:solidFill>
-                <a:schemeClr val="accent5"/>
-              </a:solidFill>
-            </a:ln>
-          </p:spPr>
-          <p:style>
-            <a:lnRef idx="1">
-              <a:schemeClr val="accent2"/>
-            </a:lnRef>
-            <a:fillRef idx="0">
-              <a:schemeClr val="accent2"/>
-            </a:fillRef>
-            <a:effectRef idx="0">
-              <a:schemeClr val="accent2"/>
-            </a:effectRef>
-            <a:fontRef idx="minor">
-              <a:schemeClr val="tx1"/>
-            </a:fontRef>
-          </p:style>
-        </p:cxnSp>
-      </p:grpSp>
-    </p:spTree>
-    <p:extLst>
-      <p:ext uri="{BB962C8B-B14F-4D97-AF65-F5344CB8AC3E}">
-        <p14:creationId xmlns:p14="http://schemas.microsoft.com/office/powerpoint/2010/main" val="3690159367"/>
-      </p:ext>
-    </p:extLst>
-  </p:cSld>
-  <p:clrMapOvr>
-    <a:masterClrMapping/>
-  </p:clrMapOvr>
-</p:sld>
-</file>
-
-<file path=ppt/slides/slide8.xml><?xml version="1.0" encoding="utf-8"?>
-<p:sld xmlns:a="http://schemas.openxmlformats.org/drawingml/2006/main" xmlns:r="http://schemas.openxmlformats.org/officeDocument/2006/relationships" xmlns:p="http://schemas.openxmlformats.org/presentationml/2006/main">
-  <p:cSld>
-    <p:spTree>
-      <p:nvGrpSpPr>
-        <p:cNvPr id="1" name=""/>
-        <p:cNvGrpSpPr/>
-        <p:nvPr/>
-      </p:nvGrpSpPr>
-      <p:grpSpPr>
-        <a:xfrm>
-          <a:off x="0" y="0"/>
-          <a:ext cx="0" cy="0"/>
-          <a:chOff x="0" y="0"/>
-          <a:chExt cx="0" cy="0"/>
-        </a:xfrm>
-      </p:grpSpPr>
-      <p:sp>
-        <p:nvSpPr>
-          <p:cNvPr id="2" name="Título 1">
-            <a:extLst>
-              <a:ext uri="{FF2B5EF4-FFF2-40B4-BE49-F238E27FC236}">
-                <a16:creationId xmlns:a16="http://schemas.microsoft.com/office/drawing/2014/main" id="{E90C41DF-8A69-C844-C8BF-CEC4AAB77417}"/>
-              </a:ext>
-            </a:extLst>
-          </p:cNvPr>
-          <p:cNvSpPr>
-            <a:spLocks noGrp="1"/>
-          </p:cNvSpPr>
-          <p:nvPr>
-            <p:ph type="title"/>
-          </p:nvPr>
-        </p:nvSpPr>
-        <p:spPr/>
-        <p:txBody>
-          <a:bodyPr>
-            <a:normAutofit fontScale="90000"/>
-          </a:bodyPr>
-          <a:lstStyle/>
-          <a:p>
-            <a:r>
-              <a:rPr lang="es-ES" dirty="0"/>
-              <a:t>Diagrama de secuencia de la operación más compleja del proyecto</a:t>
-            </a:r>
-          </a:p>
-        </p:txBody>
-      </p:sp>
-      <p:sp>
-        <p:nvSpPr>
-          <p:cNvPr id="3" name="Marcador de contenido 2">
-            <a:extLst>
-              <a:ext uri="{FF2B5EF4-FFF2-40B4-BE49-F238E27FC236}">
-                <a16:creationId xmlns:a16="http://schemas.microsoft.com/office/drawing/2014/main" id="{3C32A01C-DCD4-3E7D-FBCC-272767553531}"/>
-              </a:ext>
-            </a:extLst>
-          </p:cNvPr>
-          <p:cNvSpPr>
-            <a:spLocks noGrp="1"/>
-          </p:cNvSpPr>
-          <p:nvPr>
-            <p:ph idx="1"/>
-          </p:nvPr>
-        </p:nvSpPr>
-        <p:spPr/>
-        <p:txBody>
-          <a:bodyPr/>
-          <a:lstStyle/>
-          <a:p>
-            <a:endParaRPr lang="es-ES"/>
-          </a:p>
-        </p:txBody>
-      </p:sp>
-    </p:spTree>
-    <p:extLst>
-      <p:ext uri="{BB962C8B-B14F-4D97-AF65-F5344CB8AC3E}">
-        <p14:creationId xmlns:p14="http://schemas.microsoft.com/office/powerpoint/2010/main" val="1611886366"/>
-      </p:ext>
-    </p:extLst>
-  </p:cSld>
-  <p:clrMapOvr>
-    <a:masterClrMapping/>
-  </p:clrMapOvr>
-</p:sld>
-</file>
-
-<file path=ppt/slides/slide9.xml><?xml version="1.0" encoding="utf-8"?>
 <p:sld xmlns:a="http://schemas.openxmlformats.org/drawingml/2006/main" xmlns:r="http://schemas.openxmlformats.org/officeDocument/2006/relationships" xmlns:p="http://schemas.openxmlformats.org/presentationml/2006/main">
   <p:cSld>
     <p:spTree>
@@ -40379,7 +32347,7 @@
           <a:p>
             <a:r>
               <a:rPr lang="es-ES" dirty="0"/>
-              <a:t>Usuario Raso.</a:t>
+              <a:t>Usuario.</a:t>
             </a:r>
           </a:p>
         </p:txBody>
@@ -40388,6 +32356,202 @@
     <p:extLst>
       <p:ext uri="{BB962C8B-B14F-4D97-AF65-F5344CB8AC3E}">
         <p14:creationId xmlns:p14="http://schemas.microsoft.com/office/powerpoint/2010/main" val="1255280417"/>
+      </p:ext>
+    </p:extLst>
+  </p:cSld>
+  <p:clrMapOvr>
+    <a:masterClrMapping/>
+  </p:clrMapOvr>
+</p:sld>
+</file>
+
+<file path=ppt/slides/slide8.xml><?xml version="1.0" encoding="utf-8"?>
+<p:sld xmlns:a="http://schemas.openxmlformats.org/drawingml/2006/main" xmlns:r="http://schemas.openxmlformats.org/officeDocument/2006/relationships" xmlns:p="http://schemas.openxmlformats.org/presentationml/2006/main">
+  <p:cSld>
+    <p:spTree>
+      <p:nvGrpSpPr>
+        <p:cNvPr id="1" name=""/>
+        <p:cNvGrpSpPr/>
+        <p:nvPr/>
+      </p:nvGrpSpPr>
+      <p:grpSpPr>
+        <a:xfrm>
+          <a:off x="0" y="0"/>
+          <a:ext cx="0" cy="0"/>
+          <a:chOff x="0" y="0"/>
+          <a:chExt cx="0" cy="0"/>
+        </a:xfrm>
+      </p:grpSpPr>
+      <p:sp>
+        <p:nvSpPr>
+          <p:cNvPr id="2" name="Título 1">
+            <a:extLst>
+              <a:ext uri="{FF2B5EF4-FFF2-40B4-BE49-F238E27FC236}">
+                <a16:creationId xmlns:a16="http://schemas.microsoft.com/office/drawing/2014/main" id="{A90F7858-93A1-D305-503D-585DDE0DA9F9}"/>
+              </a:ext>
+            </a:extLst>
+          </p:cNvPr>
+          <p:cNvSpPr>
+            <a:spLocks noGrp="1"/>
+          </p:cNvSpPr>
+          <p:nvPr>
+            <p:ph type="title"/>
+          </p:nvPr>
+        </p:nvSpPr>
+        <p:spPr/>
+        <p:txBody>
+          <a:bodyPr/>
+          <a:lstStyle/>
+          <a:p>
+            <a:r>
+              <a:rPr lang="es-ES"/>
+              <a:t>Organización temporal del proyecto.</a:t>
+            </a:r>
+            <a:endParaRPr lang="es-ES" dirty="0"/>
+          </a:p>
+        </p:txBody>
+      </p:sp>
+      <p:graphicFrame>
+        <p:nvGraphicFramePr>
+          <p:cNvPr id="10" name="Marcador de contenido 7">
+            <a:extLst>
+              <a:ext uri="{FF2B5EF4-FFF2-40B4-BE49-F238E27FC236}">
+                <a16:creationId xmlns:a16="http://schemas.microsoft.com/office/drawing/2014/main" id="{8AE4FA64-BE9F-DA78-3B13-1B215A84BD9A}"/>
+              </a:ext>
+            </a:extLst>
+          </p:cNvPr>
+          <p:cNvGraphicFramePr>
+            <a:graphicFrameLocks noGrp="1"/>
+          </p:cNvGraphicFramePr>
+          <p:nvPr>
+            <p:ph idx="1"/>
+            <p:extLst>
+              <p:ext uri="{D42A27DB-BD31-4B8C-83A1-F6EECF244321}">
+                <p14:modId xmlns:p14="http://schemas.microsoft.com/office/powerpoint/2010/main" val="1827217355"/>
+              </p:ext>
+            </p:extLst>
+          </p:nvPr>
+        </p:nvGraphicFramePr>
+        <p:xfrm>
+          <a:off x="838200" y="1825625"/>
+          <a:ext cx="10515600" cy="4351338"/>
+        </p:xfrm>
+        <a:graphic>
+          <a:graphicData uri="http://schemas.openxmlformats.org/drawingml/2006/diagram">
+            <dgm:relIds xmlns:dgm="http://schemas.openxmlformats.org/drawingml/2006/diagram" xmlns:r="http://schemas.openxmlformats.org/officeDocument/2006/relationships" r:dm="rId2" r:lo="rId3" r:qs="rId4" r:cs="rId5"/>
+          </a:graphicData>
+        </a:graphic>
+      </p:graphicFrame>
+    </p:spTree>
+    <p:extLst>
+      <p:ext uri="{BB962C8B-B14F-4D97-AF65-F5344CB8AC3E}">
+        <p14:creationId xmlns:p14="http://schemas.microsoft.com/office/powerpoint/2010/main" val="2273736533"/>
+      </p:ext>
+    </p:extLst>
+  </p:cSld>
+  <p:clrMapOvr>
+    <a:masterClrMapping/>
+  </p:clrMapOvr>
+</p:sld>
+</file>
+
+<file path=ppt/slides/slide9.xml><?xml version="1.0" encoding="utf-8"?>
+<p:sld xmlns:a="http://schemas.openxmlformats.org/drawingml/2006/main" xmlns:r="http://schemas.openxmlformats.org/officeDocument/2006/relationships" xmlns:p="http://schemas.openxmlformats.org/presentationml/2006/main">
+  <p:cSld>
+    <p:spTree>
+      <p:nvGrpSpPr>
+        <p:cNvPr id="1" name=""/>
+        <p:cNvGrpSpPr/>
+        <p:nvPr/>
+      </p:nvGrpSpPr>
+      <p:grpSpPr>
+        <a:xfrm>
+          <a:off x="0" y="0"/>
+          <a:ext cx="0" cy="0"/>
+          <a:chOff x="0" y="0"/>
+          <a:chExt cx="0" cy="0"/>
+        </a:xfrm>
+      </p:grpSpPr>
+      <p:sp>
+        <p:nvSpPr>
+          <p:cNvPr id="2" name="Título 1">
+            <a:extLst>
+              <a:ext uri="{FF2B5EF4-FFF2-40B4-BE49-F238E27FC236}">
+                <a16:creationId xmlns:a16="http://schemas.microsoft.com/office/drawing/2014/main" id="{F584598D-CA49-B17D-5D35-7B42C868BE9E}"/>
+              </a:ext>
+            </a:extLst>
+          </p:cNvPr>
+          <p:cNvSpPr>
+            <a:spLocks noGrp="1"/>
+          </p:cNvSpPr>
+          <p:nvPr>
+            <p:ph type="title"/>
+          </p:nvPr>
+        </p:nvSpPr>
+        <p:spPr/>
+        <p:txBody>
+          <a:bodyPr/>
+          <a:lstStyle/>
+          <a:p>
+            <a:r>
+              <a:rPr lang="es-ES" dirty="0"/>
+              <a:t>Posibilidades de ampliación</a:t>
+            </a:r>
+          </a:p>
+        </p:txBody>
+      </p:sp>
+      <p:sp>
+        <p:nvSpPr>
+          <p:cNvPr id="3" name="Marcador de contenido 2">
+            <a:extLst>
+              <a:ext uri="{FF2B5EF4-FFF2-40B4-BE49-F238E27FC236}">
+                <a16:creationId xmlns:a16="http://schemas.microsoft.com/office/drawing/2014/main" id="{B683210C-BAAD-CFB4-CB4A-73FCC735AD70}"/>
+              </a:ext>
+            </a:extLst>
+          </p:cNvPr>
+          <p:cNvSpPr>
+            <a:spLocks noGrp="1"/>
+          </p:cNvSpPr>
+          <p:nvPr>
+            <p:ph idx="1"/>
+          </p:nvPr>
+        </p:nvSpPr>
+        <p:spPr/>
+        <p:txBody>
+          <a:bodyPr>
+            <a:normAutofit lnSpcReduction="10000"/>
+          </a:bodyPr>
+          <a:lstStyle/>
+          <a:p>
+            <a:r>
+              <a:rPr lang="es-ES" dirty="0"/>
+              <a:t>Añadir una tabla Clubes para que cualquier club pueda hacer el torneo, y que se modifiquen los estilos de la página.</a:t>
+            </a:r>
+          </a:p>
+          <a:p>
+            <a:r>
+              <a:rPr lang="es-ES" dirty="0"/>
+              <a:t>Añadir una tienda, en la cual cuando le des a realizar compra al final del todo, te de una cita y te mande un correo.(no hay envío).</a:t>
+            </a:r>
+          </a:p>
+          <a:p>
+            <a:r>
+              <a:rPr lang="es-ES" dirty="0"/>
+              <a:t>Añadir algo para identificar los goles de cada jugador y las asistencias en tiempo real.</a:t>
+            </a:r>
+          </a:p>
+          <a:p>
+            <a:r>
+              <a:rPr lang="es-ES" dirty="0"/>
+              <a:t>Darle la posibilidad de añadir los goles al partido en tiempo real.</a:t>
+            </a:r>
+          </a:p>
+        </p:txBody>
+      </p:sp>
+    </p:spTree>
+    <p:extLst>
+      <p:ext uri="{BB962C8B-B14F-4D97-AF65-F5344CB8AC3E}">
+        <p14:creationId xmlns:p14="http://schemas.microsoft.com/office/powerpoint/2010/main" val="931273949"/>
       </p:ext>
     </p:extLst>
   </p:cSld>

--- a/PowerPointFinalCurso.pptx
+++ b/PowerPointFinalCurso.pptx
@@ -2249,8 +2249,8 @@
             <a:defRPr b="1"/>
           </a:pPr>
           <a:r>
-            <a:rPr lang="en-US"/>
-            <a:t>marzo</a:t>
+            <a:rPr lang="en-US" dirty="0"/>
+            <a:t>Marzo</a:t>
           </a:r>
         </a:p>
       </dgm:t>
@@ -2460,7 +2460,7 @@
           </a:r>
           <a:r>
             <a:rPr lang="en-US" dirty="0" err="1"/>
-            <a:t>capetas</a:t>
+            <a:t>carpetas</a:t>
           </a:r>
           <a:r>
             <a:rPr lang="en-US" dirty="0"/>
@@ -3724,8 +3724,8 @@
             <a:defRPr b="1"/>
           </a:pPr>
           <a:r>
-            <a:rPr lang="en-US" sz="2000" kern="1200"/>
-            <a:t>marzo</a:t>
+            <a:rPr lang="en-US" sz="2000" kern="1200" dirty="0"/>
+            <a:t>Marzo</a:t>
           </a:r>
         </a:p>
       </dsp:txBody>
@@ -4345,7 +4345,7 @@
           </a:r>
           <a:r>
             <a:rPr lang="en-US" sz="1500" kern="1200" dirty="0" err="1"/>
-            <a:t>capetas</a:t>
+            <a:t>carpetas</a:t>
           </a:r>
           <a:r>
             <a:rPr lang="en-US" sz="1500" kern="1200" dirty="0"/>
@@ -7562,7 +7562,7 @@
           <a:p>
             <a:fld id="{0DAF61AA-5A98-4049-A93E-477E5505141A}" type="datetimeFigureOut">
               <a:rPr lang="en-US" smtClean="0"/>
-              <a:t>6/13/2024</a:t>
+              <a:t>6/17/2024</a:t>
             </a:fld>
             <a:endParaRPr lang="en-US" dirty="0"/>
           </a:p>
@@ -7760,7 +7760,7 @@
           <a:p>
             <a:fld id="{0DAF61AA-5A98-4049-A93E-477E5505141A}" type="datetimeFigureOut">
               <a:rPr lang="en-US" smtClean="0"/>
-              <a:t>6/13/2024</a:t>
+              <a:t>6/17/2024</a:t>
             </a:fld>
             <a:endParaRPr lang="en-US"/>
           </a:p>
@@ -7968,7 +7968,7 @@
           <a:p>
             <a:fld id="{0DAF61AA-5A98-4049-A93E-477E5505141A}" type="datetimeFigureOut">
               <a:rPr lang="en-US" smtClean="0"/>
-              <a:t>6/13/2024</a:t>
+              <a:t>6/17/2024</a:t>
             </a:fld>
             <a:endParaRPr lang="en-US"/>
           </a:p>
@@ -8166,7 +8166,7 @@
           <a:p>
             <a:fld id="{0DAF61AA-5A98-4049-A93E-477E5505141A}" type="datetimeFigureOut">
               <a:rPr lang="en-US" smtClean="0"/>
-              <a:t>6/13/2024</a:t>
+              <a:t>6/17/2024</a:t>
             </a:fld>
             <a:endParaRPr lang="en-US"/>
           </a:p>
@@ -8441,7 +8441,7 @@
           <a:p>
             <a:fld id="{0DAF61AA-5A98-4049-A93E-477E5505141A}" type="datetimeFigureOut">
               <a:rPr lang="en-US" smtClean="0"/>
-              <a:t>6/13/2024</a:t>
+              <a:t>6/17/2024</a:t>
             </a:fld>
             <a:endParaRPr lang="en-US"/>
           </a:p>
@@ -8706,7 +8706,7 @@
           <a:p>
             <a:fld id="{0DAF61AA-5A98-4049-A93E-477E5505141A}" type="datetimeFigureOut">
               <a:rPr lang="en-US" smtClean="0"/>
-              <a:t>6/13/2024</a:t>
+              <a:t>6/17/2024</a:t>
             </a:fld>
             <a:endParaRPr lang="en-US"/>
           </a:p>
@@ -9118,7 +9118,7 @@
           <a:p>
             <a:fld id="{0DAF61AA-5A98-4049-A93E-477E5505141A}" type="datetimeFigureOut">
               <a:rPr lang="en-US" smtClean="0"/>
-              <a:t>6/13/2024</a:t>
+              <a:t>6/17/2024</a:t>
             </a:fld>
             <a:endParaRPr lang="en-US"/>
           </a:p>
@@ -9259,7 +9259,7 @@
           <a:p>
             <a:fld id="{0DAF61AA-5A98-4049-A93E-477E5505141A}" type="datetimeFigureOut">
               <a:rPr lang="en-US" smtClean="0"/>
-              <a:t>6/13/2024</a:t>
+              <a:t>6/17/2024</a:t>
             </a:fld>
             <a:endParaRPr lang="en-US"/>
           </a:p>
@@ -9372,7 +9372,7 @@
           <a:p>
             <a:fld id="{0DAF61AA-5A98-4049-A93E-477E5505141A}" type="datetimeFigureOut">
               <a:rPr lang="en-US" smtClean="0"/>
-              <a:t>6/13/2024</a:t>
+              <a:t>6/17/2024</a:t>
             </a:fld>
             <a:endParaRPr lang="en-US"/>
           </a:p>
@@ -9683,7 +9683,7 @@
           <a:p>
             <a:fld id="{0DAF61AA-5A98-4049-A93E-477E5505141A}" type="datetimeFigureOut">
               <a:rPr lang="en-US" smtClean="0"/>
-              <a:t>6/13/2024</a:t>
+              <a:t>6/17/2024</a:t>
             </a:fld>
             <a:endParaRPr lang="en-US"/>
           </a:p>
@@ -9974,7 +9974,7 @@
           <a:p>
             <a:fld id="{0DAF61AA-5A98-4049-A93E-477E5505141A}" type="datetimeFigureOut">
               <a:rPr lang="en-US" smtClean="0"/>
-              <a:t>6/13/2024</a:t>
+              <a:t>6/17/2024</a:t>
             </a:fld>
             <a:endParaRPr lang="en-US"/>
           </a:p>
@@ -13662,7 +13662,7 @@
             <a:fld id="{0DAF61AA-5A98-4049-A93E-477E5505141A}" type="datetimeFigureOut">
               <a:rPr lang="en-US" smtClean="0"/>
               <a:pPr/>
-              <a:t>6/13/2024</a:t>
+              <a:t>6/17/2024</a:t>
             </a:fld>
             <a:endParaRPr lang="en-US" dirty="0"/>
           </a:p>
@@ -32427,7 +32427,7 @@
             <p:ph idx="1"/>
             <p:extLst>
               <p:ext uri="{D42A27DB-BD31-4B8C-83A1-F6EECF244321}">
-                <p14:modId xmlns:p14="http://schemas.microsoft.com/office/powerpoint/2010/main" val="1827217355"/>
+                <p14:modId xmlns:p14="http://schemas.microsoft.com/office/powerpoint/2010/main" val="3306263553"/>
               </p:ext>
             </p:extLst>
           </p:nvPr>

--- a/PowerPointFinalCurso.pptx
+++ b/PowerPointFinalCurso.pptx
@@ -10,10 +10,11 @@
     <p:sldId id="259" r:id="rId4"/>
     <p:sldId id="257" r:id="rId5"/>
     <p:sldId id="260" r:id="rId6"/>
-    <p:sldId id="267" r:id="rId7"/>
-    <p:sldId id="264" r:id="rId8"/>
-    <p:sldId id="265" r:id="rId9"/>
-    <p:sldId id="266" r:id="rId10"/>
+    <p:sldId id="268" r:id="rId7"/>
+    <p:sldId id="267" r:id="rId8"/>
+    <p:sldId id="264" r:id="rId9"/>
+    <p:sldId id="265" r:id="rId10"/>
+    <p:sldId id="266" r:id="rId11"/>
   </p:sldIdLst>
   <p:sldSz cx="12192000" cy="6858000"/>
   <p:notesSz cx="6858000" cy="9144000"/>
@@ -1042,6 +1043,788 @@
 </file>
 
 <file path=ppt/diagrams/colors2.xml><?xml version="1.0" encoding="utf-8"?>
+<dgm:colorsDef xmlns:dgm="http://schemas.openxmlformats.org/drawingml/2006/diagram" xmlns:a="http://schemas.openxmlformats.org/drawingml/2006/main" uniqueId="urn:microsoft.com/office/officeart/2005/8/colors/colorful2">
+  <dgm:title val=""/>
+  <dgm:desc val=""/>
+  <dgm:catLst>
+    <dgm:cat type="colorful" pri="10200"/>
+  </dgm:catLst>
+  <dgm:styleLbl name="node0">
+    <dgm:fillClrLst meth="repeat">
+      <a:schemeClr val="accent1"/>
+    </dgm:fillClrLst>
+    <dgm:linClrLst meth="repeat">
+      <a:schemeClr val="lt1"/>
+    </dgm:linClrLst>
+    <dgm:effectClrLst/>
+    <dgm:txLinClrLst/>
+    <dgm:txFillClrLst/>
+    <dgm:txEffectClrLst/>
+  </dgm:styleLbl>
+  <dgm:styleLbl name="node1">
+    <dgm:fillClrLst>
+      <a:schemeClr val="accent2"/>
+      <a:schemeClr val="accent3"/>
+    </dgm:fillClrLst>
+    <dgm:linClrLst meth="repeat">
+      <a:schemeClr val="lt1"/>
+    </dgm:linClrLst>
+    <dgm:effectClrLst/>
+    <dgm:txLinClrLst/>
+    <dgm:txFillClrLst/>
+    <dgm:txEffectClrLst/>
+  </dgm:styleLbl>
+  <dgm:styleLbl name="alignNode1">
+    <dgm:fillClrLst>
+      <a:schemeClr val="accent2"/>
+      <a:schemeClr val="accent3"/>
+    </dgm:fillClrLst>
+    <dgm:linClrLst>
+      <a:schemeClr val="accent2"/>
+      <a:schemeClr val="accent3"/>
+    </dgm:linClrLst>
+    <dgm:effectClrLst/>
+    <dgm:txLinClrLst/>
+    <dgm:txFillClrLst/>
+    <dgm:txEffectClrLst/>
+  </dgm:styleLbl>
+  <dgm:styleLbl name="lnNode1">
+    <dgm:fillClrLst>
+      <a:schemeClr val="accent2"/>
+      <a:schemeClr val="accent3"/>
+    </dgm:fillClrLst>
+    <dgm:linClrLst meth="repeat">
+      <a:schemeClr val="lt1"/>
+    </dgm:linClrLst>
+    <dgm:effectClrLst/>
+    <dgm:txLinClrLst/>
+    <dgm:txFillClrLst/>
+    <dgm:txEffectClrLst/>
+  </dgm:styleLbl>
+  <dgm:styleLbl name="vennNode1">
+    <dgm:fillClrLst>
+      <a:schemeClr val="accent2">
+        <a:alpha val="50000"/>
+      </a:schemeClr>
+      <a:schemeClr val="accent3">
+        <a:alpha val="50000"/>
+      </a:schemeClr>
+    </dgm:fillClrLst>
+    <dgm:linClrLst meth="repeat">
+      <a:schemeClr val="lt1"/>
+    </dgm:linClrLst>
+    <dgm:effectClrLst/>
+    <dgm:txLinClrLst/>
+    <dgm:txFillClrLst/>
+    <dgm:txEffectClrLst/>
+  </dgm:styleLbl>
+  <dgm:styleLbl name="node2">
+    <dgm:fillClrLst>
+      <a:schemeClr val="accent3"/>
+    </dgm:fillClrLst>
+    <dgm:linClrLst meth="repeat">
+      <a:schemeClr val="lt1"/>
+    </dgm:linClrLst>
+    <dgm:effectClrLst/>
+    <dgm:txLinClrLst/>
+    <dgm:txFillClrLst/>
+    <dgm:txEffectClrLst/>
+  </dgm:styleLbl>
+  <dgm:styleLbl name="node3">
+    <dgm:fillClrLst>
+      <a:schemeClr val="accent4"/>
+    </dgm:fillClrLst>
+    <dgm:linClrLst meth="repeat">
+      <a:schemeClr val="lt1"/>
+    </dgm:linClrLst>
+    <dgm:effectClrLst/>
+    <dgm:txLinClrLst/>
+    <dgm:txFillClrLst/>
+    <dgm:txEffectClrLst/>
+  </dgm:styleLbl>
+  <dgm:styleLbl name="node4">
+    <dgm:fillClrLst>
+      <a:schemeClr val="accent5"/>
+    </dgm:fillClrLst>
+    <dgm:linClrLst meth="repeat">
+      <a:schemeClr val="lt1"/>
+    </dgm:linClrLst>
+    <dgm:effectClrLst/>
+    <dgm:txLinClrLst/>
+    <dgm:txFillClrLst/>
+    <dgm:txEffectClrLst/>
+  </dgm:styleLbl>
+  <dgm:styleLbl name="fgImgPlace1">
+    <dgm:fillClrLst>
+      <a:schemeClr val="accent2">
+        <a:tint val="50000"/>
+      </a:schemeClr>
+      <a:schemeClr val="accent3">
+        <a:tint val="50000"/>
+      </a:schemeClr>
+    </dgm:fillClrLst>
+    <dgm:linClrLst meth="repeat">
+      <a:schemeClr val="lt1"/>
+    </dgm:linClrLst>
+    <dgm:effectClrLst/>
+    <dgm:txLinClrLst/>
+    <dgm:txFillClrLst meth="repeat">
+      <a:schemeClr val="lt1"/>
+    </dgm:txFillClrLst>
+    <dgm:txEffectClrLst/>
+  </dgm:styleLbl>
+  <dgm:styleLbl name="alignImgPlace1">
+    <dgm:fillClrLst>
+      <a:schemeClr val="accent2">
+        <a:tint val="50000"/>
+      </a:schemeClr>
+      <a:schemeClr val="accent3">
+        <a:tint val="20000"/>
+      </a:schemeClr>
+    </dgm:fillClrLst>
+    <dgm:linClrLst meth="repeat">
+      <a:schemeClr val="lt1"/>
+    </dgm:linClrLst>
+    <dgm:effectClrLst/>
+    <dgm:txLinClrLst/>
+    <dgm:txFillClrLst meth="repeat">
+      <a:schemeClr val="lt1"/>
+    </dgm:txFillClrLst>
+    <dgm:txEffectClrLst/>
+  </dgm:styleLbl>
+  <dgm:styleLbl name="bgImgPlace1">
+    <dgm:fillClrLst>
+      <a:schemeClr val="accent2">
+        <a:tint val="50000"/>
+      </a:schemeClr>
+      <a:schemeClr val="accent3">
+        <a:tint val="20000"/>
+      </a:schemeClr>
+    </dgm:fillClrLst>
+    <dgm:linClrLst meth="repeat">
+      <a:schemeClr val="lt1"/>
+    </dgm:linClrLst>
+    <dgm:effectClrLst/>
+    <dgm:txLinClrLst/>
+    <dgm:txFillClrLst meth="repeat">
+      <a:schemeClr val="lt1"/>
+    </dgm:txFillClrLst>
+    <dgm:txEffectClrLst/>
+  </dgm:styleLbl>
+  <dgm:styleLbl name="sibTrans2D1">
+    <dgm:fillClrLst>
+      <a:schemeClr val="accent2"/>
+      <a:schemeClr val="accent3"/>
+    </dgm:fillClrLst>
+    <dgm:linClrLst meth="repeat">
+      <a:schemeClr val="lt1"/>
+    </dgm:linClrLst>
+    <dgm:effectClrLst/>
+    <dgm:txLinClrLst/>
+    <dgm:txFillClrLst/>
+    <dgm:txEffectClrLst/>
+  </dgm:styleLbl>
+  <dgm:styleLbl name="fgSibTrans2D1">
+    <dgm:fillClrLst>
+      <a:schemeClr val="accent2"/>
+      <a:schemeClr val="accent3"/>
+    </dgm:fillClrLst>
+    <dgm:linClrLst meth="repeat">
+      <a:schemeClr val="lt1"/>
+    </dgm:linClrLst>
+    <dgm:effectClrLst/>
+    <dgm:txLinClrLst/>
+    <dgm:txFillClrLst meth="repeat">
+      <a:schemeClr val="lt1"/>
+    </dgm:txFillClrLst>
+    <dgm:txEffectClrLst/>
+  </dgm:styleLbl>
+  <dgm:styleLbl name="bgSibTrans2D1">
+    <dgm:fillClrLst>
+      <a:schemeClr val="accent2"/>
+      <a:schemeClr val="accent3"/>
+    </dgm:fillClrLst>
+    <dgm:linClrLst meth="repeat">
+      <a:schemeClr val="lt1"/>
+    </dgm:linClrLst>
+    <dgm:effectClrLst/>
+    <dgm:txLinClrLst/>
+    <dgm:txFillClrLst meth="repeat">
+      <a:schemeClr val="lt1"/>
+    </dgm:txFillClrLst>
+    <dgm:txEffectClrLst/>
+  </dgm:styleLbl>
+  <dgm:styleLbl name="sibTrans1D1">
+    <dgm:fillClrLst/>
+    <dgm:linClrLst>
+      <a:schemeClr val="accent2"/>
+      <a:schemeClr val="accent3"/>
+    </dgm:linClrLst>
+    <dgm:effectClrLst/>
+    <dgm:txLinClrLst/>
+    <dgm:txFillClrLst meth="repeat">
+      <a:schemeClr val="tx1"/>
+    </dgm:txFillClrLst>
+    <dgm:txEffectClrLst/>
+  </dgm:styleLbl>
+  <dgm:styleLbl name="callout">
+    <dgm:fillClrLst meth="repeat">
+      <a:schemeClr val="accent2"/>
+    </dgm:fillClrLst>
+    <dgm:linClrLst meth="repeat">
+      <a:schemeClr val="accent2">
+        <a:tint val="50000"/>
+      </a:schemeClr>
+    </dgm:linClrLst>
+    <dgm:effectClrLst/>
+    <dgm:txLinClrLst/>
+    <dgm:txFillClrLst meth="repeat">
+      <a:schemeClr val="tx1"/>
+    </dgm:txFillClrLst>
+    <dgm:txEffectClrLst/>
+  </dgm:styleLbl>
+  <dgm:styleLbl name="asst0">
+    <dgm:fillClrLst meth="repeat">
+      <a:schemeClr val="accent2"/>
+    </dgm:fillClrLst>
+    <dgm:linClrLst meth="repeat">
+      <a:schemeClr val="lt1">
+        <a:shade val="80000"/>
+      </a:schemeClr>
+    </dgm:linClrLst>
+    <dgm:effectClrLst/>
+    <dgm:txLinClrLst/>
+    <dgm:txFillClrLst/>
+    <dgm:txEffectClrLst/>
+  </dgm:styleLbl>
+  <dgm:styleLbl name="asst1">
+    <dgm:fillClrLst meth="repeat">
+      <a:schemeClr val="accent3"/>
+    </dgm:fillClrLst>
+    <dgm:linClrLst meth="repeat">
+      <a:schemeClr val="lt1">
+        <a:shade val="80000"/>
+      </a:schemeClr>
+    </dgm:linClrLst>
+    <dgm:effectClrLst/>
+    <dgm:txLinClrLst/>
+    <dgm:txFillClrLst/>
+    <dgm:txEffectClrLst/>
+  </dgm:styleLbl>
+  <dgm:styleLbl name="asst2">
+    <dgm:fillClrLst>
+      <a:schemeClr val="accent4"/>
+    </dgm:fillClrLst>
+    <dgm:linClrLst meth="repeat">
+      <a:schemeClr val="lt1"/>
+    </dgm:linClrLst>
+    <dgm:effectClrLst/>
+    <dgm:txLinClrLst/>
+    <dgm:txFillClrLst/>
+    <dgm:txEffectClrLst/>
+  </dgm:styleLbl>
+  <dgm:styleLbl name="asst3">
+    <dgm:fillClrLst>
+      <a:schemeClr val="accent5"/>
+    </dgm:fillClrLst>
+    <dgm:linClrLst meth="repeat">
+      <a:schemeClr val="lt1"/>
+    </dgm:linClrLst>
+    <dgm:effectClrLst/>
+    <dgm:txLinClrLst/>
+    <dgm:txFillClrLst/>
+    <dgm:txEffectClrLst/>
+  </dgm:styleLbl>
+  <dgm:styleLbl name="asst4">
+    <dgm:fillClrLst>
+      <a:schemeClr val="accent6"/>
+    </dgm:fillClrLst>
+    <dgm:linClrLst meth="repeat">
+      <a:schemeClr val="lt1"/>
+    </dgm:linClrLst>
+    <dgm:effectClrLst/>
+    <dgm:txLinClrLst/>
+    <dgm:txFillClrLst/>
+    <dgm:txEffectClrLst/>
+  </dgm:styleLbl>
+  <dgm:styleLbl name="parChTrans2D1">
+    <dgm:fillClrLst meth="repeat">
+      <a:schemeClr val="accent2"/>
+    </dgm:fillClrLst>
+    <dgm:linClrLst meth="repeat">
+      <a:schemeClr val="lt1"/>
+    </dgm:linClrLst>
+    <dgm:effectClrLst/>
+    <dgm:txLinClrLst/>
+    <dgm:txFillClrLst meth="repeat">
+      <a:schemeClr val="lt1"/>
+    </dgm:txFillClrLst>
+    <dgm:txEffectClrLst/>
+  </dgm:styleLbl>
+  <dgm:styleLbl name="parChTrans2D2">
+    <dgm:fillClrLst meth="repeat">
+      <a:schemeClr val="accent3"/>
+    </dgm:fillClrLst>
+    <dgm:linClrLst meth="repeat">
+      <a:schemeClr val="lt1"/>
+    </dgm:linClrLst>
+    <dgm:effectClrLst/>
+    <dgm:txLinClrLst/>
+    <dgm:txFillClrLst/>
+    <dgm:txEffectClrLst/>
+  </dgm:styleLbl>
+  <dgm:styleLbl name="parChTrans2D3">
+    <dgm:fillClrLst meth="repeat">
+      <a:schemeClr val="accent4"/>
+    </dgm:fillClrLst>
+    <dgm:linClrLst meth="repeat">
+      <a:schemeClr val="lt1"/>
+    </dgm:linClrLst>
+    <dgm:effectClrLst/>
+    <dgm:txLinClrLst/>
+    <dgm:txFillClrLst/>
+    <dgm:txEffectClrLst/>
+  </dgm:styleLbl>
+  <dgm:styleLbl name="parChTrans2D4">
+    <dgm:fillClrLst meth="repeat">
+      <a:schemeClr val="accent5"/>
+    </dgm:fillClrLst>
+    <dgm:linClrLst meth="repeat">
+      <a:schemeClr val="lt1"/>
+    </dgm:linClrLst>
+    <dgm:effectClrLst/>
+    <dgm:txLinClrLst/>
+    <dgm:txFillClrLst meth="repeat">
+      <a:schemeClr val="lt1"/>
+    </dgm:txFillClrLst>
+    <dgm:txEffectClrLst/>
+  </dgm:styleLbl>
+  <dgm:styleLbl name="parChTrans1D1">
+    <dgm:fillClrLst meth="repeat">
+      <a:schemeClr val="accent2"/>
+    </dgm:fillClrLst>
+    <dgm:linClrLst meth="repeat">
+      <a:schemeClr val="accent2"/>
+    </dgm:linClrLst>
+    <dgm:effectClrLst/>
+    <dgm:txLinClrLst/>
+    <dgm:txFillClrLst meth="repeat">
+      <a:schemeClr val="tx1"/>
+    </dgm:txFillClrLst>
+    <dgm:txEffectClrLst/>
+  </dgm:styleLbl>
+  <dgm:styleLbl name="parChTrans1D2">
+    <dgm:fillClrLst meth="repeat">
+      <a:schemeClr val="accent2">
+        <a:tint val="90000"/>
+      </a:schemeClr>
+    </dgm:fillClrLst>
+    <dgm:linClrLst meth="repeat">
+      <a:schemeClr val="accent3"/>
+    </dgm:linClrLst>
+    <dgm:effectClrLst/>
+    <dgm:txLinClrLst/>
+    <dgm:txFillClrLst meth="repeat">
+      <a:schemeClr val="tx1"/>
+    </dgm:txFillClrLst>
+    <dgm:txEffectClrLst/>
+  </dgm:styleLbl>
+  <dgm:styleLbl name="parChTrans1D3">
+    <dgm:fillClrLst meth="repeat">
+      <a:schemeClr val="accent2">
+        <a:tint val="70000"/>
+      </a:schemeClr>
+    </dgm:fillClrLst>
+    <dgm:linClrLst meth="repeat">
+      <a:schemeClr val="accent4"/>
+    </dgm:linClrLst>
+    <dgm:effectClrLst/>
+    <dgm:txLinClrLst/>
+    <dgm:txFillClrLst meth="repeat">
+      <a:schemeClr val="tx1"/>
+    </dgm:txFillClrLst>
+    <dgm:txEffectClrLst/>
+  </dgm:styleLbl>
+  <dgm:styleLbl name="parChTrans1D4">
+    <dgm:fillClrLst meth="repeat">
+      <a:schemeClr val="accent2">
+        <a:tint val="50000"/>
+      </a:schemeClr>
+    </dgm:fillClrLst>
+    <dgm:linClrLst meth="repeat">
+      <a:schemeClr val="accent5"/>
+    </dgm:linClrLst>
+    <dgm:effectClrLst/>
+    <dgm:txLinClrLst/>
+    <dgm:txFillClrLst meth="repeat">
+      <a:schemeClr val="tx1"/>
+    </dgm:txFillClrLst>
+    <dgm:txEffectClrLst/>
+  </dgm:styleLbl>
+  <dgm:styleLbl name="fgAcc1">
+    <dgm:fillClrLst meth="repeat">
+      <a:schemeClr val="lt1">
+        <a:alpha val="90000"/>
+      </a:schemeClr>
+    </dgm:fillClrLst>
+    <dgm:linClrLst>
+      <a:schemeClr val="accent2"/>
+      <a:schemeClr val="accent3"/>
+    </dgm:linClrLst>
+    <dgm:effectClrLst/>
+    <dgm:txLinClrLst/>
+    <dgm:txFillClrLst meth="repeat">
+      <a:schemeClr val="dk1"/>
+    </dgm:txFillClrLst>
+    <dgm:txEffectClrLst/>
+  </dgm:styleLbl>
+  <dgm:styleLbl name="conFgAcc1">
+    <dgm:fillClrLst meth="repeat">
+      <a:schemeClr val="lt1">
+        <a:alpha val="90000"/>
+      </a:schemeClr>
+    </dgm:fillClrLst>
+    <dgm:linClrLst>
+      <a:schemeClr val="accent2"/>
+      <a:schemeClr val="accent3"/>
+    </dgm:linClrLst>
+    <dgm:effectClrLst/>
+    <dgm:txLinClrLst/>
+    <dgm:txFillClrLst meth="repeat">
+      <a:schemeClr val="dk1"/>
+    </dgm:txFillClrLst>
+    <dgm:txEffectClrLst/>
+  </dgm:styleLbl>
+  <dgm:styleLbl name="alignAcc1">
+    <dgm:fillClrLst meth="repeat">
+      <a:schemeClr val="lt1">
+        <a:alpha val="90000"/>
+      </a:schemeClr>
+    </dgm:fillClrLst>
+    <dgm:linClrLst>
+      <a:schemeClr val="accent2"/>
+      <a:schemeClr val="accent3"/>
+    </dgm:linClrLst>
+    <dgm:effectClrLst/>
+    <dgm:txLinClrLst/>
+    <dgm:txFillClrLst meth="repeat">
+      <a:schemeClr val="dk1"/>
+    </dgm:txFillClrLst>
+    <dgm:txEffectClrLst/>
+  </dgm:styleLbl>
+  <dgm:styleLbl name="trAlignAcc1">
+    <dgm:fillClrLst meth="repeat">
+      <a:schemeClr val="lt1">
+        <a:alpha val="40000"/>
+      </a:schemeClr>
+    </dgm:fillClrLst>
+    <dgm:linClrLst meth="repeat">
+      <a:schemeClr val="accent2"/>
+    </dgm:linClrLst>
+    <dgm:effectClrLst/>
+    <dgm:txLinClrLst/>
+    <dgm:txFillClrLst meth="repeat">
+      <a:schemeClr val="dk1"/>
+    </dgm:txFillClrLst>
+    <dgm:txEffectClrLst/>
+  </dgm:styleLbl>
+  <dgm:styleLbl name="bgAcc1">
+    <dgm:fillClrLst meth="repeat">
+      <a:schemeClr val="lt1">
+        <a:alpha val="90000"/>
+      </a:schemeClr>
+    </dgm:fillClrLst>
+    <dgm:linClrLst>
+      <a:schemeClr val="accent2"/>
+      <a:schemeClr val="accent3"/>
+    </dgm:linClrLst>
+    <dgm:effectClrLst/>
+    <dgm:txLinClrLst/>
+    <dgm:txFillClrLst meth="repeat">
+      <a:schemeClr val="dk1"/>
+    </dgm:txFillClrLst>
+    <dgm:txEffectClrLst/>
+  </dgm:styleLbl>
+  <dgm:styleLbl name="solidFgAcc1">
+    <dgm:fillClrLst meth="repeat">
+      <a:schemeClr val="lt1"/>
+    </dgm:fillClrLst>
+    <dgm:linClrLst>
+      <a:schemeClr val="accent2"/>
+      <a:schemeClr val="accent3"/>
+    </dgm:linClrLst>
+    <dgm:effectClrLst/>
+    <dgm:txLinClrLst/>
+    <dgm:txFillClrLst meth="repeat">
+      <a:schemeClr val="dk1"/>
+    </dgm:txFillClrLst>
+    <dgm:txEffectClrLst/>
+  </dgm:styleLbl>
+  <dgm:styleLbl name="solidAlignAcc1">
+    <dgm:fillClrLst meth="repeat">
+      <a:schemeClr val="lt1"/>
+    </dgm:fillClrLst>
+    <dgm:linClrLst>
+      <a:schemeClr val="accent2"/>
+      <a:schemeClr val="accent3"/>
+    </dgm:linClrLst>
+    <dgm:effectClrLst/>
+    <dgm:txLinClrLst/>
+    <dgm:txFillClrLst meth="repeat">
+      <a:schemeClr val="dk1"/>
+    </dgm:txFillClrLst>
+    <dgm:txEffectClrLst/>
+  </dgm:styleLbl>
+  <dgm:styleLbl name="solidBgAcc1">
+    <dgm:fillClrLst meth="repeat">
+      <a:schemeClr val="lt1"/>
+    </dgm:fillClrLst>
+    <dgm:linClrLst>
+      <a:schemeClr val="accent2"/>
+      <a:schemeClr val="accent3"/>
+    </dgm:linClrLst>
+    <dgm:effectClrLst/>
+    <dgm:txLinClrLst/>
+    <dgm:txFillClrLst meth="repeat">
+      <a:schemeClr val="dk1"/>
+    </dgm:txFillClrLst>
+    <dgm:txEffectClrLst/>
+  </dgm:styleLbl>
+  <dgm:styleLbl name="fgAccFollowNode1">
+    <dgm:fillClrLst>
+      <a:schemeClr val="accent2">
+        <a:tint val="40000"/>
+        <a:alpha val="90000"/>
+      </a:schemeClr>
+      <a:schemeClr val="accent3">
+        <a:tint val="40000"/>
+        <a:alpha val="90000"/>
+      </a:schemeClr>
+    </dgm:fillClrLst>
+    <dgm:linClrLst>
+      <a:schemeClr val="accent2">
+        <a:tint val="40000"/>
+        <a:alpha val="90000"/>
+      </a:schemeClr>
+      <a:schemeClr val="accent3">
+        <a:tint val="40000"/>
+        <a:alpha val="90000"/>
+      </a:schemeClr>
+    </dgm:linClrLst>
+    <dgm:effectClrLst/>
+    <dgm:txLinClrLst/>
+    <dgm:txFillClrLst meth="repeat">
+      <a:schemeClr val="dk1"/>
+    </dgm:txFillClrLst>
+    <dgm:txEffectClrLst/>
+  </dgm:styleLbl>
+  <dgm:styleLbl name="alignAccFollowNode1">
+    <dgm:fillClrLst>
+      <a:schemeClr val="accent2">
+        <a:tint val="40000"/>
+        <a:alpha val="90000"/>
+      </a:schemeClr>
+      <a:schemeClr val="accent3">
+        <a:tint val="40000"/>
+        <a:alpha val="90000"/>
+      </a:schemeClr>
+    </dgm:fillClrLst>
+    <dgm:linClrLst>
+      <a:schemeClr val="accent2">
+        <a:tint val="40000"/>
+        <a:alpha val="90000"/>
+      </a:schemeClr>
+      <a:schemeClr val="accent3">
+        <a:tint val="40000"/>
+        <a:alpha val="90000"/>
+      </a:schemeClr>
+    </dgm:linClrLst>
+    <dgm:effectClrLst/>
+    <dgm:txLinClrLst/>
+    <dgm:txFillClrLst meth="repeat">
+      <a:schemeClr val="dk1"/>
+    </dgm:txFillClrLst>
+    <dgm:txEffectClrLst/>
+  </dgm:styleLbl>
+  <dgm:styleLbl name="bgAccFollowNode1">
+    <dgm:fillClrLst>
+      <a:schemeClr val="accent2">
+        <a:tint val="40000"/>
+        <a:alpha val="90000"/>
+      </a:schemeClr>
+      <a:schemeClr val="accent3">
+        <a:tint val="40000"/>
+        <a:alpha val="90000"/>
+      </a:schemeClr>
+    </dgm:fillClrLst>
+    <dgm:linClrLst>
+      <a:schemeClr val="accent2">
+        <a:tint val="40000"/>
+        <a:alpha val="90000"/>
+      </a:schemeClr>
+      <a:schemeClr val="accent3">
+        <a:tint val="40000"/>
+        <a:alpha val="90000"/>
+      </a:schemeClr>
+    </dgm:linClrLst>
+    <dgm:effectClrLst/>
+    <dgm:txLinClrLst/>
+    <dgm:txFillClrLst meth="repeat">
+      <a:schemeClr val="dk1"/>
+    </dgm:txFillClrLst>
+    <dgm:txEffectClrLst/>
+  </dgm:styleLbl>
+  <dgm:styleLbl name="fgAcc0">
+    <dgm:fillClrLst meth="repeat">
+      <a:schemeClr val="lt1">
+        <a:alpha val="90000"/>
+      </a:schemeClr>
+    </dgm:fillClrLst>
+    <dgm:linClrLst>
+      <a:schemeClr val="accent1"/>
+    </dgm:linClrLst>
+    <dgm:effectClrLst/>
+    <dgm:txLinClrLst/>
+    <dgm:txFillClrLst meth="repeat">
+      <a:schemeClr val="dk1"/>
+    </dgm:txFillClrLst>
+    <dgm:txEffectClrLst/>
+  </dgm:styleLbl>
+  <dgm:styleLbl name="fgAcc2">
+    <dgm:fillClrLst meth="repeat">
+      <a:schemeClr val="lt1">
+        <a:alpha val="90000"/>
+      </a:schemeClr>
+    </dgm:fillClrLst>
+    <dgm:linClrLst>
+      <a:schemeClr val="accent3"/>
+    </dgm:linClrLst>
+    <dgm:effectClrLst/>
+    <dgm:txLinClrLst/>
+    <dgm:txFillClrLst meth="repeat">
+      <a:schemeClr val="dk1"/>
+    </dgm:txFillClrLst>
+    <dgm:txEffectClrLst/>
+  </dgm:styleLbl>
+  <dgm:styleLbl name="fgAcc3">
+    <dgm:fillClrLst meth="repeat">
+      <a:schemeClr val="lt1">
+        <a:alpha val="90000"/>
+      </a:schemeClr>
+    </dgm:fillClrLst>
+    <dgm:linClrLst>
+      <a:schemeClr val="accent4"/>
+    </dgm:linClrLst>
+    <dgm:effectClrLst/>
+    <dgm:txLinClrLst/>
+    <dgm:txFillClrLst meth="repeat">
+      <a:schemeClr val="dk1"/>
+    </dgm:txFillClrLst>
+    <dgm:txEffectClrLst/>
+  </dgm:styleLbl>
+  <dgm:styleLbl name="fgAcc4">
+    <dgm:fillClrLst meth="repeat">
+      <a:schemeClr val="lt1">
+        <a:alpha val="90000"/>
+      </a:schemeClr>
+    </dgm:fillClrLst>
+    <dgm:linClrLst>
+      <a:schemeClr val="accent5"/>
+    </dgm:linClrLst>
+    <dgm:effectClrLst/>
+    <dgm:txLinClrLst/>
+    <dgm:txFillClrLst meth="repeat">
+      <a:schemeClr val="dk1"/>
+    </dgm:txFillClrLst>
+    <dgm:txEffectClrLst/>
+  </dgm:styleLbl>
+  <dgm:styleLbl name="bgShp">
+    <dgm:fillClrLst meth="repeat">
+      <a:schemeClr val="accent2">
+        <a:tint val="40000"/>
+      </a:schemeClr>
+    </dgm:fillClrLst>
+    <dgm:linClrLst meth="repeat">
+      <a:schemeClr val="dk1"/>
+    </dgm:linClrLst>
+    <dgm:effectClrLst/>
+    <dgm:txLinClrLst/>
+    <dgm:txFillClrLst meth="repeat">
+      <a:schemeClr val="dk1"/>
+    </dgm:txFillClrLst>
+    <dgm:txEffectClrLst/>
+  </dgm:styleLbl>
+  <dgm:styleLbl name="dkBgShp">
+    <dgm:fillClrLst meth="repeat">
+      <a:schemeClr val="accent2">
+        <a:shade val="90000"/>
+      </a:schemeClr>
+    </dgm:fillClrLst>
+    <dgm:linClrLst meth="repeat">
+      <a:schemeClr val="dk1"/>
+    </dgm:linClrLst>
+    <dgm:effectClrLst/>
+    <dgm:txLinClrLst/>
+    <dgm:txFillClrLst meth="repeat">
+      <a:schemeClr val="lt1"/>
+    </dgm:txFillClrLst>
+    <dgm:txEffectClrLst/>
+  </dgm:styleLbl>
+  <dgm:styleLbl name="trBgShp">
+    <dgm:fillClrLst meth="repeat">
+      <a:schemeClr val="accent2">
+        <a:tint val="50000"/>
+        <a:alpha val="40000"/>
+      </a:schemeClr>
+    </dgm:fillClrLst>
+    <dgm:linClrLst meth="repeat">
+      <a:schemeClr val="accent2"/>
+    </dgm:linClrLst>
+    <dgm:effectClrLst/>
+    <dgm:txLinClrLst/>
+    <dgm:txFillClrLst meth="repeat">
+      <a:schemeClr val="lt1"/>
+    </dgm:txFillClrLst>
+    <dgm:txEffectClrLst/>
+  </dgm:styleLbl>
+  <dgm:styleLbl name="fgShp">
+    <dgm:fillClrLst meth="repeat">
+      <a:schemeClr val="accent2">
+        <a:tint val="40000"/>
+      </a:schemeClr>
+    </dgm:fillClrLst>
+    <dgm:linClrLst meth="repeat">
+      <a:schemeClr val="lt1"/>
+    </dgm:linClrLst>
+    <dgm:effectClrLst/>
+    <dgm:txLinClrLst/>
+    <dgm:txFillClrLst meth="repeat">
+      <a:schemeClr val="dk1"/>
+    </dgm:txFillClrLst>
+    <dgm:txEffectClrLst/>
+  </dgm:styleLbl>
+  <dgm:styleLbl name="revTx">
+    <dgm:fillClrLst meth="repeat">
+      <a:schemeClr val="lt1">
+        <a:alpha val="0"/>
+      </a:schemeClr>
+    </dgm:fillClrLst>
+    <dgm:linClrLst meth="repeat">
+      <a:schemeClr val="dk1">
+        <a:alpha val="0"/>
+      </a:schemeClr>
+    </dgm:linClrLst>
+    <dgm:effectClrLst/>
+    <dgm:txLinClrLst/>
+    <dgm:txFillClrLst meth="repeat">
+      <a:schemeClr val="tx1"/>
+    </dgm:txFillClrLst>
+    <dgm:txEffectClrLst/>
+  </dgm:styleLbl>
+</dgm:colorsDef>
+</file>
+
+<file path=ppt/diagrams/colors3.xml><?xml version="1.0" encoding="utf-8"?>
 <dgm:colorsDef xmlns:dgm="http://schemas.openxmlformats.org/drawingml/2006/diagram" xmlns:a="http://schemas.openxmlformats.org/drawingml/2006/main" uniqueId="urn:microsoft.com/office/officeart/2005/8/colors/accent1_2">
   <dgm:title val=""/>
   <dgm:desc val=""/>
@@ -2225,6 +3008,841 @@
 </file>
 
 <file path=ppt/diagrams/data2.xml><?xml version="1.0" encoding="utf-8"?>
+<dgm:dataModel xmlns:dgm="http://schemas.openxmlformats.org/drawingml/2006/diagram" xmlns:a="http://schemas.openxmlformats.org/drawingml/2006/main">
+  <dgm:ptLst>
+    <dgm:pt modelId="{043717E7-9B8D-472A-9829-7ECF2B5F87C7}" type="doc">
+      <dgm:prSet loTypeId="urn:microsoft.com/office/officeart/2005/8/layout/default" loCatId="list" qsTypeId="urn:microsoft.com/office/officeart/2005/8/quickstyle/simple1" qsCatId="simple" csTypeId="urn:microsoft.com/office/officeart/2005/8/colors/colorful2" csCatId="colorful" phldr="1"/>
+      <dgm:spPr/>
+      <dgm:t>
+        <a:bodyPr/>
+        <a:lstStyle/>
+        <a:p>
+          <a:endParaRPr lang="en-US"/>
+        </a:p>
+      </dgm:t>
+    </dgm:pt>
+    <dgm:pt modelId="{A36FF091-DFE0-4A5E-A86F-CEA7DEB8F772}">
+      <dgm:prSet/>
+      <dgm:spPr/>
+      <dgm:t>
+        <a:bodyPr/>
+        <a:lstStyle/>
+        <a:p>
+          <a:r>
+            <a:rPr lang="es-ES" b="0" i="0" baseline="0"/>
+            <a:t>Mejor adherencia al estándar SQL.</a:t>
+          </a:r>
+          <a:endParaRPr lang="en-US"/>
+        </a:p>
+      </dgm:t>
+    </dgm:pt>
+    <dgm:pt modelId="{E0913EBB-45CB-4F70-9BA5-5BC65C20BD5B}" type="parTrans" cxnId="{B637D847-6E2E-4F76-B22E-DD8C6CD4FDC0}">
+      <dgm:prSet/>
+      <dgm:spPr/>
+      <dgm:t>
+        <a:bodyPr/>
+        <a:lstStyle/>
+        <a:p>
+          <a:endParaRPr lang="en-US"/>
+        </a:p>
+      </dgm:t>
+    </dgm:pt>
+    <dgm:pt modelId="{0DFFA4A9-3EBD-473C-A763-8B8911261F34}" type="sibTrans" cxnId="{B637D847-6E2E-4F76-B22E-DD8C6CD4FDC0}">
+      <dgm:prSet/>
+      <dgm:spPr/>
+      <dgm:t>
+        <a:bodyPr/>
+        <a:lstStyle/>
+        <a:p>
+          <a:endParaRPr lang="en-US"/>
+        </a:p>
+      </dgm:t>
+    </dgm:pt>
+    <dgm:pt modelId="{9690FC3F-9B2F-4FAC-A048-5D9278D2555F}">
+      <dgm:prSet/>
+      <dgm:spPr/>
+      <dgm:t>
+        <a:bodyPr/>
+        <a:lstStyle/>
+        <a:p>
+          <a:r>
+            <a:rPr lang="es-ES" b="0" i="0" baseline="0"/>
+            <a:t>Soporte robusto para JSON con JSONB.</a:t>
+          </a:r>
+          <a:endParaRPr lang="en-US"/>
+        </a:p>
+      </dgm:t>
+    </dgm:pt>
+    <dgm:pt modelId="{6006EAA3-C413-45E0-B96A-C275F022CE85}" type="parTrans" cxnId="{B7CB5B52-C8EF-419B-8942-EC9167E1C5FD}">
+      <dgm:prSet/>
+      <dgm:spPr/>
+      <dgm:t>
+        <a:bodyPr/>
+        <a:lstStyle/>
+        <a:p>
+          <a:endParaRPr lang="en-US"/>
+        </a:p>
+      </dgm:t>
+    </dgm:pt>
+    <dgm:pt modelId="{7BD5FD5C-BF59-4E83-9E97-6F2BF166EDDE}" type="sibTrans" cxnId="{B7CB5B52-C8EF-419B-8942-EC9167E1C5FD}">
+      <dgm:prSet/>
+      <dgm:spPr/>
+      <dgm:t>
+        <a:bodyPr/>
+        <a:lstStyle/>
+        <a:p>
+          <a:endParaRPr lang="en-US"/>
+        </a:p>
+      </dgm:t>
+    </dgm:pt>
+    <dgm:pt modelId="{BCAA3A68-38B2-496B-B500-6B0594F70F8F}">
+      <dgm:prSet/>
+      <dgm:spPr/>
+      <dgm:t>
+        <a:bodyPr/>
+        <a:lstStyle/>
+        <a:p>
+          <a:r>
+            <a:rPr lang="es-ES" b="0" i="0" baseline="0"/>
+            <a:t>Implementación estricta de propiedades ACID.</a:t>
+          </a:r>
+          <a:endParaRPr lang="en-US"/>
+        </a:p>
+      </dgm:t>
+    </dgm:pt>
+    <dgm:pt modelId="{D9F890FC-E619-49B4-8232-394BB0266C6F}" type="parTrans" cxnId="{82677684-CCBE-4601-9F81-B5E283AFA187}">
+      <dgm:prSet/>
+      <dgm:spPr/>
+      <dgm:t>
+        <a:bodyPr/>
+        <a:lstStyle/>
+        <a:p>
+          <a:endParaRPr lang="en-US"/>
+        </a:p>
+      </dgm:t>
+    </dgm:pt>
+    <dgm:pt modelId="{C7D0EA30-D3A8-4DCB-B31E-D69E415F9727}" type="sibTrans" cxnId="{82677684-CCBE-4601-9F81-B5E283AFA187}">
+      <dgm:prSet/>
+      <dgm:spPr/>
+      <dgm:t>
+        <a:bodyPr/>
+        <a:lstStyle/>
+        <a:p>
+          <a:endParaRPr lang="en-US"/>
+        </a:p>
+      </dgm:t>
+    </dgm:pt>
+    <dgm:pt modelId="{59627AC2-35FA-4EB4-A2D5-B1DD9E209FC1}">
+      <dgm:prSet/>
+      <dgm:spPr/>
+      <dgm:t>
+        <a:bodyPr/>
+        <a:lstStyle/>
+        <a:p>
+          <a:r>
+            <a:rPr lang="es-ES" b="0" i="0" baseline="0"/>
+            <a:t>Mejor soporte para subconsultas y CTEs.</a:t>
+          </a:r>
+          <a:endParaRPr lang="en-US"/>
+        </a:p>
+      </dgm:t>
+    </dgm:pt>
+    <dgm:pt modelId="{E85028B1-375D-4AD7-9501-B2E44A312CA7}" type="parTrans" cxnId="{82849F87-8AA1-4468-BA1D-99DF01161D97}">
+      <dgm:prSet/>
+      <dgm:spPr/>
+      <dgm:t>
+        <a:bodyPr/>
+        <a:lstStyle/>
+        <a:p>
+          <a:endParaRPr lang="en-US"/>
+        </a:p>
+      </dgm:t>
+    </dgm:pt>
+    <dgm:pt modelId="{082AB599-11C2-48C8-A093-1230EF488567}" type="sibTrans" cxnId="{82849F87-8AA1-4468-BA1D-99DF01161D97}">
+      <dgm:prSet/>
+      <dgm:spPr/>
+      <dgm:t>
+        <a:bodyPr/>
+        <a:lstStyle/>
+        <a:p>
+          <a:endParaRPr lang="en-US"/>
+        </a:p>
+      </dgm:t>
+    </dgm:pt>
+    <dgm:pt modelId="{D687F8C6-AE1E-4004-883D-C52DA64D897E}">
+      <dgm:prSet/>
+      <dgm:spPr/>
+      <dgm:t>
+        <a:bodyPr/>
+        <a:lstStyle/>
+        <a:p>
+          <a:r>
+            <a:rPr lang="es-ES" b="0" i="0" baseline="0"/>
+            <a:t>Permite extensiones (e.g., PostGIS).</a:t>
+          </a:r>
+          <a:endParaRPr lang="en-US"/>
+        </a:p>
+      </dgm:t>
+    </dgm:pt>
+    <dgm:pt modelId="{3DC8478F-CA6D-4439-83CD-89470DB08780}" type="parTrans" cxnId="{E514BEE6-2E17-4F7E-8197-BD6F71C5687A}">
+      <dgm:prSet/>
+      <dgm:spPr/>
+      <dgm:t>
+        <a:bodyPr/>
+        <a:lstStyle/>
+        <a:p>
+          <a:endParaRPr lang="en-US"/>
+        </a:p>
+      </dgm:t>
+    </dgm:pt>
+    <dgm:pt modelId="{733B0B0D-17AA-4637-94AF-1992A4C88BFB}" type="sibTrans" cxnId="{E514BEE6-2E17-4F7E-8197-BD6F71C5687A}">
+      <dgm:prSet/>
+      <dgm:spPr/>
+      <dgm:t>
+        <a:bodyPr/>
+        <a:lstStyle/>
+        <a:p>
+          <a:endParaRPr lang="en-US"/>
+        </a:p>
+      </dgm:t>
+    </dgm:pt>
+    <dgm:pt modelId="{445EFCB8-2B05-4A05-9EA7-4846E7D0741B}">
+      <dgm:prSet/>
+      <dgm:spPr/>
+      <dgm:t>
+        <a:bodyPr/>
+        <a:lstStyle/>
+        <a:p>
+          <a:r>
+            <a:rPr lang="es-ES" b="0" i="0" baseline="0"/>
+            <a:t>Soporta tipos de datos personalizados.</a:t>
+          </a:r>
+          <a:endParaRPr lang="en-US"/>
+        </a:p>
+      </dgm:t>
+    </dgm:pt>
+    <dgm:pt modelId="{DE3526BF-475C-42EE-9B63-A3482301DF30}" type="parTrans" cxnId="{2287C9D3-B477-4A8B-A98D-6044B41D73A0}">
+      <dgm:prSet/>
+      <dgm:spPr/>
+      <dgm:t>
+        <a:bodyPr/>
+        <a:lstStyle/>
+        <a:p>
+          <a:endParaRPr lang="en-US"/>
+        </a:p>
+      </dgm:t>
+    </dgm:pt>
+    <dgm:pt modelId="{E8CB028B-86FB-406A-99E3-ABF78B845542}" type="sibTrans" cxnId="{2287C9D3-B477-4A8B-A98D-6044B41D73A0}">
+      <dgm:prSet/>
+      <dgm:spPr/>
+      <dgm:t>
+        <a:bodyPr/>
+        <a:lstStyle/>
+        <a:p>
+          <a:endParaRPr lang="en-US"/>
+        </a:p>
+      </dgm:t>
+    </dgm:pt>
+    <dgm:pt modelId="{9A4A9FB6-D30D-4BB7-A234-60EE81FF43A3}">
+      <dgm:prSet/>
+      <dgm:spPr/>
+      <dgm:t>
+        <a:bodyPr/>
+        <a:lstStyle/>
+        <a:p>
+          <a:r>
+            <a:rPr lang="es-ES" b="0" i="0" baseline="0"/>
+            <a:t>Optimización avanzada de consultas.</a:t>
+          </a:r>
+          <a:endParaRPr lang="en-US"/>
+        </a:p>
+      </dgm:t>
+    </dgm:pt>
+    <dgm:pt modelId="{52B00765-D185-47DE-BAE0-A96471FCC404}" type="parTrans" cxnId="{BBB99CDF-0EC2-40BB-9C84-EC57F00C9692}">
+      <dgm:prSet/>
+      <dgm:spPr/>
+      <dgm:t>
+        <a:bodyPr/>
+        <a:lstStyle/>
+        <a:p>
+          <a:endParaRPr lang="en-US"/>
+        </a:p>
+      </dgm:t>
+    </dgm:pt>
+    <dgm:pt modelId="{D6497E04-4445-4F8A-8546-A23D2F448A15}" type="sibTrans" cxnId="{BBB99CDF-0EC2-40BB-9C84-EC57F00C9692}">
+      <dgm:prSet/>
+      <dgm:spPr/>
+      <dgm:t>
+        <a:bodyPr/>
+        <a:lstStyle/>
+        <a:p>
+          <a:endParaRPr lang="en-US"/>
+        </a:p>
+      </dgm:t>
+    </dgm:pt>
+    <dgm:pt modelId="{30164295-5B52-49FD-BBB8-64F1616AE492}">
+      <dgm:prSet/>
+      <dgm:spPr/>
+      <dgm:t>
+        <a:bodyPr/>
+        <a:lstStyle/>
+        <a:p>
+          <a:r>
+            <a:rPr lang="es-ES" b="0" i="0" baseline="0" dirty="0">
+              <a:solidFill>
+                <a:schemeClr val="tx1"/>
+              </a:solidFill>
+            </a:rPr>
+            <a:t>Mejor manejo de transacciones concurrentes con MVCC.</a:t>
+          </a:r>
+          <a:endParaRPr lang="en-US" dirty="0">
+            <a:solidFill>
+              <a:schemeClr val="tx1"/>
+            </a:solidFill>
+          </a:endParaRPr>
+        </a:p>
+      </dgm:t>
+    </dgm:pt>
+    <dgm:pt modelId="{31BE19F5-144E-4C60-81D2-5DA7CCA8E608}" type="parTrans" cxnId="{A96C2FBB-7C82-4BB8-8BB1-1E91925A6BA1}">
+      <dgm:prSet/>
+      <dgm:spPr/>
+      <dgm:t>
+        <a:bodyPr/>
+        <a:lstStyle/>
+        <a:p>
+          <a:endParaRPr lang="en-US"/>
+        </a:p>
+      </dgm:t>
+    </dgm:pt>
+    <dgm:pt modelId="{A21E81E8-9DFC-451C-96B8-05C868D7F95D}" type="sibTrans" cxnId="{A96C2FBB-7C82-4BB8-8BB1-1E91925A6BA1}">
+      <dgm:prSet/>
+      <dgm:spPr/>
+      <dgm:t>
+        <a:bodyPr/>
+        <a:lstStyle/>
+        <a:p>
+          <a:endParaRPr lang="en-US"/>
+        </a:p>
+      </dgm:t>
+    </dgm:pt>
+    <dgm:pt modelId="{A9D0AE2B-33F0-4E8C-91F7-AF53FCBC065C}">
+      <dgm:prSet/>
+      <dgm:spPr/>
+      <dgm:t>
+        <a:bodyPr/>
+        <a:lstStyle/>
+        <a:p>
+          <a:r>
+            <a:rPr lang="es-ES" b="0" i="0" baseline="0"/>
+            <a:t>Control de acceso granular a nivel de columna y fila.</a:t>
+          </a:r>
+          <a:endParaRPr lang="en-US"/>
+        </a:p>
+      </dgm:t>
+    </dgm:pt>
+    <dgm:pt modelId="{8813AE70-86AD-4C27-94ED-DC53979B0001}" type="parTrans" cxnId="{5FC8620D-B2BC-40B5-BFF5-C9EDE37DC87F}">
+      <dgm:prSet/>
+      <dgm:spPr/>
+      <dgm:t>
+        <a:bodyPr/>
+        <a:lstStyle/>
+        <a:p>
+          <a:endParaRPr lang="en-US"/>
+        </a:p>
+      </dgm:t>
+    </dgm:pt>
+    <dgm:pt modelId="{6A1F363D-8076-459D-9C4C-A3C618967FBA}" type="sibTrans" cxnId="{5FC8620D-B2BC-40B5-BFF5-C9EDE37DC87F}">
+      <dgm:prSet/>
+      <dgm:spPr/>
+      <dgm:t>
+        <a:bodyPr/>
+        <a:lstStyle/>
+        <a:p>
+          <a:endParaRPr lang="en-US"/>
+        </a:p>
+      </dgm:t>
+    </dgm:pt>
+    <dgm:pt modelId="{A615256D-A4B6-40CD-BF1B-172E4E4B647A}">
+      <dgm:prSet/>
+      <dgm:spPr/>
+      <dgm:t>
+        <a:bodyPr/>
+        <a:lstStyle/>
+        <a:p>
+          <a:r>
+            <a:rPr lang="es-ES" b="0" i="0" baseline="0"/>
+            <a:t>Soporta múltiples lenguajes procedurales (e.g., PL/pgSQL, PL/Python).</a:t>
+          </a:r>
+          <a:endParaRPr lang="en-US"/>
+        </a:p>
+      </dgm:t>
+    </dgm:pt>
+    <dgm:pt modelId="{A0736694-37C6-4EA1-8B92-37C02FB5E1F4}" type="parTrans" cxnId="{1FF8D40F-BAED-45F7-8019-0AFFDE0740D3}">
+      <dgm:prSet/>
+      <dgm:spPr/>
+      <dgm:t>
+        <a:bodyPr/>
+        <a:lstStyle/>
+        <a:p>
+          <a:endParaRPr lang="en-US"/>
+        </a:p>
+      </dgm:t>
+    </dgm:pt>
+    <dgm:pt modelId="{521B948F-A6F5-4F4A-B1DF-D6FC2C2639DD}" type="sibTrans" cxnId="{1FF8D40F-BAED-45F7-8019-0AFFDE0740D3}">
+      <dgm:prSet/>
+      <dgm:spPr/>
+      <dgm:t>
+        <a:bodyPr/>
+        <a:lstStyle/>
+        <a:p>
+          <a:endParaRPr lang="en-US"/>
+        </a:p>
+      </dgm:t>
+    </dgm:pt>
+    <dgm:pt modelId="{C2044703-01A6-4401-A94A-76FD73345809}">
+      <dgm:prSet/>
+      <dgm:spPr/>
+      <dgm:t>
+        <a:bodyPr/>
+        <a:lstStyle/>
+        <a:p>
+          <a:r>
+            <a:rPr lang="es-ES" b="0" i="0" baseline="0"/>
+            <a:t>Replicación sincrónica y asíncrona.</a:t>
+          </a:r>
+          <a:endParaRPr lang="en-US"/>
+        </a:p>
+      </dgm:t>
+    </dgm:pt>
+    <dgm:pt modelId="{1E591E96-3848-424D-87C3-0A0AF8DAC48C}" type="parTrans" cxnId="{815CEE97-6465-418F-8690-5AC6E652009D}">
+      <dgm:prSet/>
+      <dgm:spPr/>
+      <dgm:t>
+        <a:bodyPr/>
+        <a:lstStyle/>
+        <a:p>
+          <a:endParaRPr lang="en-US"/>
+        </a:p>
+      </dgm:t>
+    </dgm:pt>
+    <dgm:pt modelId="{702EF984-A9DC-4B3C-BB4C-7C8612D6134C}" type="sibTrans" cxnId="{815CEE97-6465-418F-8690-5AC6E652009D}">
+      <dgm:prSet/>
+      <dgm:spPr/>
+      <dgm:t>
+        <a:bodyPr/>
+        <a:lstStyle/>
+        <a:p>
+          <a:endParaRPr lang="en-US"/>
+        </a:p>
+      </dgm:t>
+    </dgm:pt>
+    <dgm:pt modelId="{CC4FD2ED-820C-48E9-9071-CBF0B86D6750}">
+      <dgm:prSet/>
+      <dgm:spPr/>
+      <dgm:t>
+        <a:bodyPr/>
+        <a:lstStyle/>
+        <a:p>
+          <a:r>
+            <a:rPr lang="es-ES" b="0" i="0" baseline="0"/>
+            <a:t>Particionamiento de tablas nativo.</a:t>
+          </a:r>
+          <a:endParaRPr lang="en-US"/>
+        </a:p>
+      </dgm:t>
+    </dgm:pt>
+    <dgm:pt modelId="{B2C8E773-FAD8-40E8-BAE9-440209F90CBD}" type="parTrans" cxnId="{C2DE1146-A1C2-4E27-9DC3-48A1F6411892}">
+      <dgm:prSet/>
+      <dgm:spPr/>
+      <dgm:t>
+        <a:bodyPr/>
+        <a:lstStyle/>
+        <a:p>
+          <a:endParaRPr lang="en-US"/>
+        </a:p>
+      </dgm:t>
+    </dgm:pt>
+    <dgm:pt modelId="{B844FE2D-66E5-42D4-8C31-350015892FC0}" type="sibTrans" cxnId="{C2DE1146-A1C2-4E27-9DC3-48A1F6411892}">
+      <dgm:prSet/>
+      <dgm:spPr/>
+      <dgm:t>
+        <a:bodyPr/>
+        <a:lstStyle/>
+        <a:p>
+          <a:endParaRPr lang="en-US"/>
+        </a:p>
+      </dgm:t>
+    </dgm:pt>
+    <dgm:pt modelId="{64A5D5FA-7FFC-47F6-8582-168727A91CE2}">
+      <dgm:prSet/>
+      <dgm:spPr/>
+      <dgm:t>
+        <a:bodyPr/>
+        <a:lstStyle/>
+        <a:p>
+          <a:r>
+            <a:rPr lang="es-ES" b="0" i="0" baseline="0"/>
+            <a:t>Adoptado por grandes empresas.</a:t>
+          </a:r>
+          <a:endParaRPr lang="en-US"/>
+        </a:p>
+      </dgm:t>
+    </dgm:pt>
+    <dgm:pt modelId="{3F32D7FE-80E8-4CCA-A5C9-E69F1C095C78}" type="parTrans" cxnId="{5FE873CA-66B0-446B-A7B6-E5EF5A37A2B6}">
+      <dgm:prSet/>
+      <dgm:spPr/>
+      <dgm:t>
+        <a:bodyPr/>
+        <a:lstStyle/>
+        <a:p>
+          <a:endParaRPr lang="en-US"/>
+        </a:p>
+      </dgm:t>
+    </dgm:pt>
+    <dgm:pt modelId="{0743CB10-6768-4961-BAE6-F659FD6210CE}" type="sibTrans" cxnId="{5FE873CA-66B0-446B-A7B6-E5EF5A37A2B6}">
+      <dgm:prSet/>
+      <dgm:spPr/>
+      <dgm:t>
+        <a:bodyPr/>
+        <a:lstStyle/>
+        <a:p>
+          <a:endParaRPr lang="en-US"/>
+        </a:p>
+      </dgm:t>
+    </dgm:pt>
+    <dgm:pt modelId="{46FF8F81-42DB-47F6-AC6C-A969C578DBB2}">
+      <dgm:prSet/>
+      <dgm:spPr/>
+      <dgm:t>
+        <a:bodyPr/>
+        <a:lstStyle/>
+        <a:p>
+          <a:r>
+            <a:rPr lang="es-ES" b="0" i="0" baseline="0"/>
+            <a:t>Licencia BSD que ofrece mayor libertad de uso.</a:t>
+          </a:r>
+          <a:endParaRPr lang="en-US"/>
+        </a:p>
+      </dgm:t>
+    </dgm:pt>
+    <dgm:pt modelId="{371A7EFE-55A8-429E-8C0F-7E7BBF7D8506}" type="parTrans" cxnId="{80C6D893-BF20-41E4-9111-BBBA21322D1B}">
+      <dgm:prSet/>
+      <dgm:spPr/>
+      <dgm:t>
+        <a:bodyPr/>
+        <a:lstStyle/>
+        <a:p>
+          <a:endParaRPr lang="en-US"/>
+        </a:p>
+      </dgm:t>
+    </dgm:pt>
+    <dgm:pt modelId="{03BBA29A-EA95-463D-A4AF-857871075DEB}" type="sibTrans" cxnId="{80C6D893-BF20-41E4-9111-BBBA21322D1B}">
+      <dgm:prSet/>
+      <dgm:spPr/>
+      <dgm:t>
+        <a:bodyPr/>
+        <a:lstStyle/>
+        <a:p>
+          <a:endParaRPr lang="en-US"/>
+        </a:p>
+      </dgm:t>
+    </dgm:pt>
+    <dgm:pt modelId="{B73C4825-BC22-4E4B-89F6-F1419D8A3E3E}">
+      <dgm:prSet/>
+      <dgm:spPr/>
+      <dgm:t>
+        <a:bodyPr/>
+        <a:lstStyle/>
+        <a:p>
+          <a:r>
+            <a:rPr lang="es-ES" b="0" i="0" baseline="0"/>
+            <a:t>Comunidad activa y abundante documentación.</a:t>
+          </a:r>
+          <a:endParaRPr lang="en-US"/>
+        </a:p>
+      </dgm:t>
+    </dgm:pt>
+    <dgm:pt modelId="{B3A0FF6B-D095-4061-B41B-87EA876F278D}" type="parTrans" cxnId="{EA82E1D5-201C-4EB4-BA45-ACE5BF490286}">
+      <dgm:prSet/>
+      <dgm:spPr/>
+      <dgm:t>
+        <a:bodyPr/>
+        <a:lstStyle/>
+        <a:p>
+          <a:endParaRPr lang="en-US"/>
+        </a:p>
+      </dgm:t>
+    </dgm:pt>
+    <dgm:pt modelId="{438714D3-4162-4832-98F4-F50716C487AA}" type="sibTrans" cxnId="{EA82E1D5-201C-4EB4-BA45-ACE5BF490286}">
+      <dgm:prSet/>
+      <dgm:spPr/>
+      <dgm:t>
+        <a:bodyPr/>
+        <a:lstStyle/>
+        <a:p>
+          <a:endParaRPr lang="en-US"/>
+        </a:p>
+      </dgm:t>
+    </dgm:pt>
+    <dgm:pt modelId="{D5BCC4C4-6792-432C-9C56-E74E7F38AD7B}" type="pres">
+      <dgm:prSet presAssocID="{043717E7-9B8D-472A-9829-7ECF2B5F87C7}" presName="diagram" presStyleCnt="0">
+        <dgm:presLayoutVars>
+          <dgm:dir/>
+          <dgm:resizeHandles val="exact"/>
+        </dgm:presLayoutVars>
+      </dgm:prSet>
+      <dgm:spPr/>
+    </dgm:pt>
+    <dgm:pt modelId="{B988E9E7-CB28-41AF-9670-0D126F3D55C6}" type="pres">
+      <dgm:prSet presAssocID="{A36FF091-DFE0-4A5E-A86F-CEA7DEB8F772}" presName="node" presStyleLbl="node1" presStyleIdx="0" presStyleCnt="15">
+        <dgm:presLayoutVars>
+          <dgm:bulletEnabled val="1"/>
+        </dgm:presLayoutVars>
+      </dgm:prSet>
+      <dgm:spPr/>
+    </dgm:pt>
+    <dgm:pt modelId="{62857F91-9B2F-4343-B336-4384B38FC1AF}" type="pres">
+      <dgm:prSet presAssocID="{0DFFA4A9-3EBD-473C-A763-8B8911261F34}" presName="sibTrans" presStyleCnt="0"/>
+      <dgm:spPr/>
+    </dgm:pt>
+    <dgm:pt modelId="{80B532CB-113E-4358-9BB2-9A2EC5CDE122}" type="pres">
+      <dgm:prSet presAssocID="{9690FC3F-9B2F-4FAC-A048-5D9278D2555F}" presName="node" presStyleLbl="node1" presStyleIdx="1" presStyleCnt="15">
+        <dgm:presLayoutVars>
+          <dgm:bulletEnabled val="1"/>
+        </dgm:presLayoutVars>
+      </dgm:prSet>
+      <dgm:spPr/>
+    </dgm:pt>
+    <dgm:pt modelId="{F6E18AE1-FA87-4A5E-8C01-7EF779FD27D0}" type="pres">
+      <dgm:prSet presAssocID="{7BD5FD5C-BF59-4E83-9E97-6F2BF166EDDE}" presName="sibTrans" presStyleCnt="0"/>
+      <dgm:spPr/>
+    </dgm:pt>
+    <dgm:pt modelId="{8224D1B5-AD44-4FA1-BF9B-6FB4CC706605}" type="pres">
+      <dgm:prSet presAssocID="{BCAA3A68-38B2-496B-B500-6B0594F70F8F}" presName="node" presStyleLbl="node1" presStyleIdx="2" presStyleCnt="15">
+        <dgm:presLayoutVars>
+          <dgm:bulletEnabled val="1"/>
+        </dgm:presLayoutVars>
+      </dgm:prSet>
+      <dgm:spPr/>
+    </dgm:pt>
+    <dgm:pt modelId="{392E6C71-1CD2-401B-855E-7AB91B5A3038}" type="pres">
+      <dgm:prSet presAssocID="{C7D0EA30-D3A8-4DCB-B31E-D69E415F9727}" presName="sibTrans" presStyleCnt="0"/>
+      <dgm:spPr/>
+    </dgm:pt>
+    <dgm:pt modelId="{7D37C692-FA44-4A37-9BEC-9B6A041E2682}" type="pres">
+      <dgm:prSet presAssocID="{59627AC2-35FA-4EB4-A2D5-B1DD9E209FC1}" presName="node" presStyleLbl="node1" presStyleIdx="3" presStyleCnt="15">
+        <dgm:presLayoutVars>
+          <dgm:bulletEnabled val="1"/>
+        </dgm:presLayoutVars>
+      </dgm:prSet>
+      <dgm:spPr/>
+    </dgm:pt>
+    <dgm:pt modelId="{6A31B0D6-98E8-4852-B375-5FCA46C9BB0E}" type="pres">
+      <dgm:prSet presAssocID="{082AB599-11C2-48C8-A093-1230EF488567}" presName="sibTrans" presStyleCnt="0"/>
+      <dgm:spPr/>
+    </dgm:pt>
+    <dgm:pt modelId="{BED134B9-C5AD-49EA-B8E6-852A2E0BBC49}" type="pres">
+      <dgm:prSet presAssocID="{D687F8C6-AE1E-4004-883D-C52DA64D897E}" presName="node" presStyleLbl="node1" presStyleIdx="4" presStyleCnt="15">
+        <dgm:presLayoutVars>
+          <dgm:bulletEnabled val="1"/>
+        </dgm:presLayoutVars>
+      </dgm:prSet>
+      <dgm:spPr/>
+    </dgm:pt>
+    <dgm:pt modelId="{1886B99B-58BF-48E6-84F5-758069F4DE86}" type="pres">
+      <dgm:prSet presAssocID="{733B0B0D-17AA-4637-94AF-1992A4C88BFB}" presName="sibTrans" presStyleCnt="0"/>
+      <dgm:spPr/>
+    </dgm:pt>
+    <dgm:pt modelId="{244FB654-9F63-4645-AD00-FB4382B33D10}" type="pres">
+      <dgm:prSet presAssocID="{445EFCB8-2B05-4A05-9EA7-4846E7D0741B}" presName="node" presStyleLbl="node1" presStyleIdx="5" presStyleCnt="15">
+        <dgm:presLayoutVars>
+          <dgm:bulletEnabled val="1"/>
+        </dgm:presLayoutVars>
+      </dgm:prSet>
+      <dgm:spPr/>
+    </dgm:pt>
+    <dgm:pt modelId="{D1FCCF87-A93F-4A15-9CA1-DC4DF081AAB1}" type="pres">
+      <dgm:prSet presAssocID="{E8CB028B-86FB-406A-99E3-ABF78B845542}" presName="sibTrans" presStyleCnt="0"/>
+      <dgm:spPr/>
+    </dgm:pt>
+    <dgm:pt modelId="{D31EF798-B87B-46BA-92D5-8258B84D9E3A}" type="pres">
+      <dgm:prSet presAssocID="{9A4A9FB6-D30D-4BB7-A234-60EE81FF43A3}" presName="node" presStyleLbl="node1" presStyleIdx="6" presStyleCnt="15">
+        <dgm:presLayoutVars>
+          <dgm:bulletEnabled val="1"/>
+        </dgm:presLayoutVars>
+      </dgm:prSet>
+      <dgm:spPr/>
+    </dgm:pt>
+    <dgm:pt modelId="{1F0E23FC-ACD4-411A-B0AD-E96362E4313E}" type="pres">
+      <dgm:prSet presAssocID="{D6497E04-4445-4F8A-8546-A23D2F448A15}" presName="sibTrans" presStyleCnt="0"/>
+      <dgm:spPr/>
+    </dgm:pt>
+    <dgm:pt modelId="{8B27EA6F-0FF9-45B6-B12F-C9998CBEDE14}" type="pres">
+      <dgm:prSet presAssocID="{30164295-5B52-49FD-BBB8-64F1616AE492}" presName="node" presStyleLbl="node1" presStyleIdx="7" presStyleCnt="15">
+        <dgm:presLayoutVars>
+          <dgm:bulletEnabled val="1"/>
+        </dgm:presLayoutVars>
+      </dgm:prSet>
+      <dgm:spPr/>
+    </dgm:pt>
+    <dgm:pt modelId="{55C5F808-B892-4635-AAE0-355A19DC8DC9}" type="pres">
+      <dgm:prSet presAssocID="{A21E81E8-9DFC-451C-96B8-05C868D7F95D}" presName="sibTrans" presStyleCnt="0"/>
+      <dgm:spPr/>
+    </dgm:pt>
+    <dgm:pt modelId="{4AC2E693-E0CA-4CD8-8F00-12AE50D8ADE9}" type="pres">
+      <dgm:prSet presAssocID="{A9D0AE2B-33F0-4E8C-91F7-AF53FCBC065C}" presName="node" presStyleLbl="node1" presStyleIdx="8" presStyleCnt="15">
+        <dgm:presLayoutVars>
+          <dgm:bulletEnabled val="1"/>
+        </dgm:presLayoutVars>
+      </dgm:prSet>
+      <dgm:spPr/>
+    </dgm:pt>
+    <dgm:pt modelId="{191B3832-5952-4673-B798-A44E933E17C2}" type="pres">
+      <dgm:prSet presAssocID="{6A1F363D-8076-459D-9C4C-A3C618967FBA}" presName="sibTrans" presStyleCnt="0"/>
+      <dgm:spPr/>
+    </dgm:pt>
+    <dgm:pt modelId="{E7355C90-B727-4626-B2E3-85A7575FB9F3}" type="pres">
+      <dgm:prSet presAssocID="{A615256D-A4B6-40CD-BF1B-172E4E4B647A}" presName="node" presStyleLbl="node1" presStyleIdx="9" presStyleCnt="15">
+        <dgm:presLayoutVars>
+          <dgm:bulletEnabled val="1"/>
+        </dgm:presLayoutVars>
+      </dgm:prSet>
+      <dgm:spPr/>
+    </dgm:pt>
+    <dgm:pt modelId="{D9D95B9A-2654-4417-BE0C-440628BA234D}" type="pres">
+      <dgm:prSet presAssocID="{521B948F-A6F5-4F4A-B1DF-D6FC2C2639DD}" presName="sibTrans" presStyleCnt="0"/>
+      <dgm:spPr/>
+    </dgm:pt>
+    <dgm:pt modelId="{6A497191-39CB-44D1-99C2-E51AB22F4C9C}" type="pres">
+      <dgm:prSet presAssocID="{C2044703-01A6-4401-A94A-76FD73345809}" presName="node" presStyleLbl="node1" presStyleIdx="10" presStyleCnt="15">
+        <dgm:presLayoutVars>
+          <dgm:bulletEnabled val="1"/>
+        </dgm:presLayoutVars>
+      </dgm:prSet>
+      <dgm:spPr/>
+    </dgm:pt>
+    <dgm:pt modelId="{4744636C-3645-40B9-9831-6C7B209C8059}" type="pres">
+      <dgm:prSet presAssocID="{702EF984-A9DC-4B3C-BB4C-7C8612D6134C}" presName="sibTrans" presStyleCnt="0"/>
+      <dgm:spPr/>
+    </dgm:pt>
+    <dgm:pt modelId="{E5EC9FF2-B926-4283-A547-4960E03335C4}" type="pres">
+      <dgm:prSet presAssocID="{CC4FD2ED-820C-48E9-9071-CBF0B86D6750}" presName="node" presStyleLbl="node1" presStyleIdx="11" presStyleCnt="15">
+        <dgm:presLayoutVars>
+          <dgm:bulletEnabled val="1"/>
+        </dgm:presLayoutVars>
+      </dgm:prSet>
+      <dgm:spPr/>
+    </dgm:pt>
+    <dgm:pt modelId="{AFB675A9-AE9C-4AD0-A87F-9E04BB641083}" type="pres">
+      <dgm:prSet presAssocID="{B844FE2D-66E5-42D4-8C31-350015892FC0}" presName="sibTrans" presStyleCnt="0"/>
+      <dgm:spPr/>
+    </dgm:pt>
+    <dgm:pt modelId="{AD946100-6232-4F17-A630-20AC8B2C4770}" type="pres">
+      <dgm:prSet presAssocID="{64A5D5FA-7FFC-47F6-8582-168727A91CE2}" presName="node" presStyleLbl="node1" presStyleIdx="12" presStyleCnt="15">
+        <dgm:presLayoutVars>
+          <dgm:bulletEnabled val="1"/>
+        </dgm:presLayoutVars>
+      </dgm:prSet>
+      <dgm:spPr/>
+    </dgm:pt>
+    <dgm:pt modelId="{DCEBF0E4-4E28-40C8-9A4E-BFD86819C853}" type="pres">
+      <dgm:prSet presAssocID="{0743CB10-6768-4961-BAE6-F659FD6210CE}" presName="sibTrans" presStyleCnt="0"/>
+      <dgm:spPr/>
+    </dgm:pt>
+    <dgm:pt modelId="{FD8EEAF4-E941-4C96-81D2-F27E5779F4F3}" type="pres">
+      <dgm:prSet presAssocID="{46FF8F81-42DB-47F6-AC6C-A969C578DBB2}" presName="node" presStyleLbl="node1" presStyleIdx="13" presStyleCnt="15">
+        <dgm:presLayoutVars>
+          <dgm:bulletEnabled val="1"/>
+        </dgm:presLayoutVars>
+      </dgm:prSet>
+      <dgm:spPr/>
+    </dgm:pt>
+    <dgm:pt modelId="{76BCB700-D5BB-4743-9BB2-C5F7FCC8FFDA}" type="pres">
+      <dgm:prSet presAssocID="{03BBA29A-EA95-463D-A4AF-857871075DEB}" presName="sibTrans" presStyleCnt="0"/>
+      <dgm:spPr/>
+    </dgm:pt>
+    <dgm:pt modelId="{B429E400-8BAD-41D9-AE1C-939437C2013E}" type="pres">
+      <dgm:prSet presAssocID="{B73C4825-BC22-4E4B-89F6-F1419D8A3E3E}" presName="node" presStyleLbl="node1" presStyleIdx="14" presStyleCnt="15">
+        <dgm:presLayoutVars>
+          <dgm:bulletEnabled val="1"/>
+        </dgm:presLayoutVars>
+      </dgm:prSet>
+      <dgm:spPr/>
+    </dgm:pt>
+  </dgm:ptLst>
+  <dgm:cxnLst>
+    <dgm:cxn modelId="{025F0A00-31D1-41A4-8FFC-C4D72896857F}" type="presOf" srcId="{445EFCB8-2B05-4A05-9EA7-4846E7D0741B}" destId="{244FB654-9F63-4645-AD00-FB4382B33D10}" srcOrd="0" destOrd="0" presId="urn:microsoft.com/office/officeart/2005/8/layout/default"/>
+    <dgm:cxn modelId="{1829050B-E04E-412F-A2C9-E6C3122DE10A}" type="presOf" srcId="{A9D0AE2B-33F0-4E8C-91F7-AF53FCBC065C}" destId="{4AC2E693-E0CA-4CD8-8F00-12AE50D8ADE9}" srcOrd="0" destOrd="0" presId="urn:microsoft.com/office/officeart/2005/8/layout/default"/>
+    <dgm:cxn modelId="{5FC8620D-B2BC-40B5-BFF5-C9EDE37DC87F}" srcId="{043717E7-9B8D-472A-9829-7ECF2B5F87C7}" destId="{A9D0AE2B-33F0-4E8C-91F7-AF53FCBC065C}" srcOrd="8" destOrd="0" parTransId="{8813AE70-86AD-4C27-94ED-DC53979B0001}" sibTransId="{6A1F363D-8076-459D-9C4C-A3C618967FBA}"/>
+    <dgm:cxn modelId="{1FF8D40F-BAED-45F7-8019-0AFFDE0740D3}" srcId="{043717E7-9B8D-472A-9829-7ECF2B5F87C7}" destId="{A615256D-A4B6-40CD-BF1B-172E4E4B647A}" srcOrd="9" destOrd="0" parTransId="{A0736694-37C6-4EA1-8B92-37C02FB5E1F4}" sibTransId="{521B948F-A6F5-4F4A-B1DF-D6FC2C2639DD}"/>
+    <dgm:cxn modelId="{4206081E-B9CF-44A8-9514-073A634CDEF5}" type="presOf" srcId="{9690FC3F-9B2F-4FAC-A048-5D9278D2555F}" destId="{80B532CB-113E-4358-9BB2-9A2EC5CDE122}" srcOrd="0" destOrd="0" presId="urn:microsoft.com/office/officeart/2005/8/layout/default"/>
+    <dgm:cxn modelId="{20252F22-AE54-4878-B18D-6407F01BE3CD}" type="presOf" srcId="{043717E7-9B8D-472A-9829-7ECF2B5F87C7}" destId="{D5BCC4C4-6792-432C-9C56-E74E7F38AD7B}" srcOrd="0" destOrd="0" presId="urn:microsoft.com/office/officeart/2005/8/layout/default"/>
+    <dgm:cxn modelId="{40221C26-1572-4B80-9DBE-A3DFDD6A5821}" type="presOf" srcId="{B73C4825-BC22-4E4B-89F6-F1419D8A3E3E}" destId="{B429E400-8BAD-41D9-AE1C-939437C2013E}" srcOrd="0" destOrd="0" presId="urn:microsoft.com/office/officeart/2005/8/layout/default"/>
+    <dgm:cxn modelId="{9EEDB95F-4A17-4AEA-BA44-496933993245}" type="presOf" srcId="{C2044703-01A6-4401-A94A-76FD73345809}" destId="{6A497191-39CB-44D1-99C2-E51AB22F4C9C}" srcOrd="0" destOrd="0" presId="urn:microsoft.com/office/officeart/2005/8/layout/default"/>
+    <dgm:cxn modelId="{C2DE1146-A1C2-4E27-9DC3-48A1F6411892}" srcId="{043717E7-9B8D-472A-9829-7ECF2B5F87C7}" destId="{CC4FD2ED-820C-48E9-9071-CBF0B86D6750}" srcOrd="11" destOrd="0" parTransId="{B2C8E773-FAD8-40E8-BAE9-440209F90CBD}" sibTransId="{B844FE2D-66E5-42D4-8C31-350015892FC0}"/>
+    <dgm:cxn modelId="{B637D847-6E2E-4F76-B22E-DD8C6CD4FDC0}" srcId="{043717E7-9B8D-472A-9829-7ECF2B5F87C7}" destId="{A36FF091-DFE0-4A5E-A86F-CEA7DEB8F772}" srcOrd="0" destOrd="0" parTransId="{E0913EBB-45CB-4F70-9BA5-5BC65C20BD5B}" sibTransId="{0DFFA4A9-3EBD-473C-A763-8B8911261F34}"/>
+    <dgm:cxn modelId="{B7CB5B52-C8EF-419B-8942-EC9167E1C5FD}" srcId="{043717E7-9B8D-472A-9829-7ECF2B5F87C7}" destId="{9690FC3F-9B2F-4FAC-A048-5D9278D2555F}" srcOrd="1" destOrd="0" parTransId="{6006EAA3-C413-45E0-B96A-C275F022CE85}" sibTransId="{7BD5FD5C-BF59-4E83-9E97-6F2BF166EDDE}"/>
+    <dgm:cxn modelId="{E823AC81-9289-4187-9470-19A165BF3F3D}" type="presOf" srcId="{46FF8F81-42DB-47F6-AC6C-A969C578DBB2}" destId="{FD8EEAF4-E941-4C96-81D2-F27E5779F4F3}" srcOrd="0" destOrd="0" presId="urn:microsoft.com/office/officeart/2005/8/layout/default"/>
+    <dgm:cxn modelId="{82677684-CCBE-4601-9F81-B5E283AFA187}" srcId="{043717E7-9B8D-472A-9829-7ECF2B5F87C7}" destId="{BCAA3A68-38B2-496B-B500-6B0594F70F8F}" srcOrd="2" destOrd="0" parTransId="{D9F890FC-E619-49B4-8232-394BB0266C6F}" sibTransId="{C7D0EA30-D3A8-4DCB-B31E-D69E415F9727}"/>
+    <dgm:cxn modelId="{82849F87-8AA1-4468-BA1D-99DF01161D97}" srcId="{043717E7-9B8D-472A-9829-7ECF2B5F87C7}" destId="{59627AC2-35FA-4EB4-A2D5-B1DD9E209FC1}" srcOrd="3" destOrd="0" parTransId="{E85028B1-375D-4AD7-9501-B2E44A312CA7}" sibTransId="{082AB599-11C2-48C8-A093-1230EF488567}"/>
+    <dgm:cxn modelId="{80C6D893-BF20-41E4-9111-BBBA21322D1B}" srcId="{043717E7-9B8D-472A-9829-7ECF2B5F87C7}" destId="{46FF8F81-42DB-47F6-AC6C-A969C578DBB2}" srcOrd="13" destOrd="0" parTransId="{371A7EFE-55A8-429E-8C0F-7E7BBF7D8506}" sibTransId="{03BBA29A-EA95-463D-A4AF-857871075DEB}"/>
+    <dgm:cxn modelId="{815CEE97-6465-418F-8690-5AC6E652009D}" srcId="{043717E7-9B8D-472A-9829-7ECF2B5F87C7}" destId="{C2044703-01A6-4401-A94A-76FD73345809}" srcOrd="10" destOrd="0" parTransId="{1E591E96-3848-424D-87C3-0A0AF8DAC48C}" sibTransId="{702EF984-A9DC-4B3C-BB4C-7C8612D6134C}"/>
+    <dgm:cxn modelId="{F9B4789F-C97C-4A6B-9E13-45553861E845}" type="presOf" srcId="{CC4FD2ED-820C-48E9-9071-CBF0B86D6750}" destId="{E5EC9FF2-B926-4283-A547-4960E03335C4}" srcOrd="0" destOrd="0" presId="urn:microsoft.com/office/officeart/2005/8/layout/default"/>
+    <dgm:cxn modelId="{7251CAAE-C4A5-4007-887D-6E08E450202F}" type="presOf" srcId="{9A4A9FB6-D30D-4BB7-A234-60EE81FF43A3}" destId="{D31EF798-B87B-46BA-92D5-8258B84D9E3A}" srcOrd="0" destOrd="0" presId="urn:microsoft.com/office/officeart/2005/8/layout/default"/>
+    <dgm:cxn modelId="{A96C2FBB-7C82-4BB8-8BB1-1E91925A6BA1}" srcId="{043717E7-9B8D-472A-9829-7ECF2B5F87C7}" destId="{30164295-5B52-49FD-BBB8-64F1616AE492}" srcOrd="7" destOrd="0" parTransId="{31BE19F5-144E-4C60-81D2-5DA7CCA8E608}" sibTransId="{A21E81E8-9DFC-451C-96B8-05C868D7F95D}"/>
+    <dgm:cxn modelId="{F731CBBD-392C-4BB5-958F-2D5B794C7578}" type="presOf" srcId="{64A5D5FA-7FFC-47F6-8582-168727A91CE2}" destId="{AD946100-6232-4F17-A630-20AC8B2C4770}" srcOrd="0" destOrd="0" presId="urn:microsoft.com/office/officeart/2005/8/layout/default"/>
+    <dgm:cxn modelId="{255754C5-4575-4383-9605-BA8F16A137B9}" type="presOf" srcId="{A615256D-A4B6-40CD-BF1B-172E4E4B647A}" destId="{E7355C90-B727-4626-B2E3-85A7575FB9F3}" srcOrd="0" destOrd="0" presId="urn:microsoft.com/office/officeart/2005/8/layout/default"/>
+    <dgm:cxn modelId="{5FE873CA-66B0-446B-A7B6-E5EF5A37A2B6}" srcId="{043717E7-9B8D-472A-9829-7ECF2B5F87C7}" destId="{64A5D5FA-7FFC-47F6-8582-168727A91CE2}" srcOrd="12" destOrd="0" parTransId="{3F32D7FE-80E8-4CCA-A5C9-E69F1C095C78}" sibTransId="{0743CB10-6768-4961-BAE6-F659FD6210CE}"/>
+    <dgm:cxn modelId="{4F7474D0-A4CA-40C3-A465-0DC777DFE68A}" type="presOf" srcId="{30164295-5B52-49FD-BBB8-64F1616AE492}" destId="{8B27EA6F-0FF9-45B6-B12F-C9998CBEDE14}" srcOrd="0" destOrd="0" presId="urn:microsoft.com/office/officeart/2005/8/layout/default"/>
+    <dgm:cxn modelId="{9D3D0CD3-83FE-480E-A5DF-166B6443308F}" type="presOf" srcId="{A36FF091-DFE0-4A5E-A86F-CEA7DEB8F772}" destId="{B988E9E7-CB28-41AF-9670-0D126F3D55C6}" srcOrd="0" destOrd="0" presId="urn:microsoft.com/office/officeart/2005/8/layout/default"/>
+    <dgm:cxn modelId="{2287C9D3-B477-4A8B-A98D-6044B41D73A0}" srcId="{043717E7-9B8D-472A-9829-7ECF2B5F87C7}" destId="{445EFCB8-2B05-4A05-9EA7-4846E7D0741B}" srcOrd="5" destOrd="0" parTransId="{DE3526BF-475C-42EE-9B63-A3482301DF30}" sibTransId="{E8CB028B-86FB-406A-99E3-ABF78B845542}"/>
+    <dgm:cxn modelId="{EA82E1D5-201C-4EB4-BA45-ACE5BF490286}" srcId="{043717E7-9B8D-472A-9829-7ECF2B5F87C7}" destId="{B73C4825-BC22-4E4B-89F6-F1419D8A3E3E}" srcOrd="14" destOrd="0" parTransId="{B3A0FF6B-D095-4061-B41B-87EA876F278D}" sibTransId="{438714D3-4162-4832-98F4-F50716C487AA}"/>
+    <dgm:cxn modelId="{BBB99CDF-0EC2-40BB-9C84-EC57F00C9692}" srcId="{043717E7-9B8D-472A-9829-7ECF2B5F87C7}" destId="{9A4A9FB6-D30D-4BB7-A234-60EE81FF43A3}" srcOrd="6" destOrd="0" parTransId="{52B00765-D185-47DE-BAE0-A96471FCC404}" sibTransId="{D6497E04-4445-4F8A-8546-A23D2F448A15}"/>
+    <dgm:cxn modelId="{1005E4E5-4FC0-4FF8-9DB1-6B8B446697D6}" type="presOf" srcId="{D687F8C6-AE1E-4004-883D-C52DA64D897E}" destId="{BED134B9-C5AD-49EA-B8E6-852A2E0BBC49}" srcOrd="0" destOrd="0" presId="urn:microsoft.com/office/officeart/2005/8/layout/default"/>
+    <dgm:cxn modelId="{E514BEE6-2E17-4F7E-8197-BD6F71C5687A}" srcId="{043717E7-9B8D-472A-9829-7ECF2B5F87C7}" destId="{D687F8C6-AE1E-4004-883D-C52DA64D897E}" srcOrd="4" destOrd="0" parTransId="{3DC8478F-CA6D-4439-83CD-89470DB08780}" sibTransId="{733B0B0D-17AA-4637-94AF-1992A4C88BFB}"/>
+    <dgm:cxn modelId="{FA288DEB-2C1F-4CE4-8E29-CD8E3E6869DD}" type="presOf" srcId="{59627AC2-35FA-4EB4-A2D5-B1DD9E209FC1}" destId="{7D37C692-FA44-4A37-9BEC-9B6A041E2682}" srcOrd="0" destOrd="0" presId="urn:microsoft.com/office/officeart/2005/8/layout/default"/>
+    <dgm:cxn modelId="{042049F8-005F-433F-9C8A-F64C33184783}" type="presOf" srcId="{BCAA3A68-38B2-496B-B500-6B0594F70F8F}" destId="{8224D1B5-AD44-4FA1-BF9B-6FB4CC706605}" srcOrd="0" destOrd="0" presId="urn:microsoft.com/office/officeart/2005/8/layout/default"/>
+    <dgm:cxn modelId="{DCFCCB9B-7772-403E-9B51-A59583835B42}" type="presParOf" srcId="{D5BCC4C4-6792-432C-9C56-E74E7F38AD7B}" destId="{B988E9E7-CB28-41AF-9670-0D126F3D55C6}" srcOrd="0" destOrd="0" presId="urn:microsoft.com/office/officeart/2005/8/layout/default"/>
+    <dgm:cxn modelId="{E1FDC651-1B5F-4DE4-9C7C-64722EA876A4}" type="presParOf" srcId="{D5BCC4C4-6792-432C-9C56-E74E7F38AD7B}" destId="{62857F91-9B2F-4343-B336-4384B38FC1AF}" srcOrd="1" destOrd="0" presId="urn:microsoft.com/office/officeart/2005/8/layout/default"/>
+    <dgm:cxn modelId="{7BED3681-9ED1-4E68-ADCE-8330D1303C46}" type="presParOf" srcId="{D5BCC4C4-6792-432C-9C56-E74E7F38AD7B}" destId="{80B532CB-113E-4358-9BB2-9A2EC5CDE122}" srcOrd="2" destOrd="0" presId="urn:microsoft.com/office/officeart/2005/8/layout/default"/>
+    <dgm:cxn modelId="{6F6FEC06-3B41-41D9-AB5A-BE080E046F13}" type="presParOf" srcId="{D5BCC4C4-6792-432C-9C56-E74E7F38AD7B}" destId="{F6E18AE1-FA87-4A5E-8C01-7EF779FD27D0}" srcOrd="3" destOrd="0" presId="urn:microsoft.com/office/officeart/2005/8/layout/default"/>
+    <dgm:cxn modelId="{8D6C692A-0D3D-4258-8E24-1B9EC1F1C3F3}" type="presParOf" srcId="{D5BCC4C4-6792-432C-9C56-E74E7F38AD7B}" destId="{8224D1B5-AD44-4FA1-BF9B-6FB4CC706605}" srcOrd="4" destOrd="0" presId="urn:microsoft.com/office/officeart/2005/8/layout/default"/>
+    <dgm:cxn modelId="{11E25C36-491E-4628-809F-2C749FEB0D2E}" type="presParOf" srcId="{D5BCC4C4-6792-432C-9C56-E74E7F38AD7B}" destId="{392E6C71-1CD2-401B-855E-7AB91B5A3038}" srcOrd="5" destOrd="0" presId="urn:microsoft.com/office/officeart/2005/8/layout/default"/>
+    <dgm:cxn modelId="{163F1911-AA21-4EDF-BF55-14440180E407}" type="presParOf" srcId="{D5BCC4C4-6792-432C-9C56-E74E7F38AD7B}" destId="{7D37C692-FA44-4A37-9BEC-9B6A041E2682}" srcOrd="6" destOrd="0" presId="urn:microsoft.com/office/officeart/2005/8/layout/default"/>
+    <dgm:cxn modelId="{6A0A697E-2B61-4335-96B1-5C195F24882D}" type="presParOf" srcId="{D5BCC4C4-6792-432C-9C56-E74E7F38AD7B}" destId="{6A31B0D6-98E8-4852-B375-5FCA46C9BB0E}" srcOrd="7" destOrd="0" presId="urn:microsoft.com/office/officeart/2005/8/layout/default"/>
+    <dgm:cxn modelId="{04BEFBAD-0CCA-4E49-84BC-833242A30402}" type="presParOf" srcId="{D5BCC4C4-6792-432C-9C56-E74E7F38AD7B}" destId="{BED134B9-C5AD-49EA-B8E6-852A2E0BBC49}" srcOrd="8" destOrd="0" presId="urn:microsoft.com/office/officeart/2005/8/layout/default"/>
+    <dgm:cxn modelId="{0B6B20E8-D3FD-4DA8-9835-C96B9F4DBCC5}" type="presParOf" srcId="{D5BCC4C4-6792-432C-9C56-E74E7F38AD7B}" destId="{1886B99B-58BF-48E6-84F5-758069F4DE86}" srcOrd="9" destOrd="0" presId="urn:microsoft.com/office/officeart/2005/8/layout/default"/>
+    <dgm:cxn modelId="{AD37E0C0-0583-4E88-AF73-97331E26BF59}" type="presParOf" srcId="{D5BCC4C4-6792-432C-9C56-E74E7F38AD7B}" destId="{244FB654-9F63-4645-AD00-FB4382B33D10}" srcOrd="10" destOrd="0" presId="urn:microsoft.com/office/officeart/2005/8/layout/default"/>
+    <dgm:cxn modelId="{9045BEBE-283B-4E8A-B6FE-BB065789786D}" type="presParOf" srcId="{D5BCC4C4-6792-432C-9C56-E74E7F38AD7B}" destId="{D1FCCF87-A93F-4A15-9CA1-DC4DF081AAB1}" srcOrd="11" destOrd="0" presId="urn:microsoft.com/office/officeart/2005/8/layout/default"/>
+    <dgm:cxn modelId="{5284D851-7D89-44B4-96C9-0747D59538E8}" type="presParOf" srcId="{D5BCC4C4-6792-432C-9C56-E74E7F38AD7B}" destId="{D31EF798-B87B-46BA-92D5-8258B84D9E3A}" srcOrd="12" destOrd="0" presId="urn:microsoft.com/office/officeart/2005/8/layout/default"/>
+    <dgm:cxn modelId="{3403B402-7742-4450-92A5-4B83ACAB035A}" type="presParOf" srcId="{D5BCC4C4-6792-432C-9C56-E74E7F38AD7B}" destId="{1F0E23FC-ACD4-411A-B0AD-E96362E4313E}" srcOrd="13" destOrd="0" presId="urn:microsoft.com/office/officeart/2005/8/layout/default"/>
+    <dgm:cxn modelId="{E815EC1C-2CC3-4921-9870-FDAF381C8898}" type="presParOf" srcId="{D5BCC4C4-6792-432C-9C56-E74E7F38AD7B}" destId="{8B27EA6F-0FF9-45B6-B12F-C9998CBEDE14}" srcOrd="14" destOrd="0" presId="urn:microsoft.com/office/officeart/2005/8/layout/default"/>
+    <dgm:cxn modelId="{68B91631-E4E7-469C-90EC-0C7AA1D28B5C}" type="presParOf" srcId="{D5BCC4C4-6792-432C-9C56-E74E7F38AD7B}" destId="{55C5F808-B892-4635-AAE0-355A19DC8DC9}" srcOrd="15" destOrd="0" presId="urn:microsoft.com/office/officeart/2005/8/layout/default"/>
+    <dgm:cxn modelId="{7CBDA78F-D0AA-4851-8AAC-316D6720B2AC}" type="presParOf" srcId="{D5BCC4C4-6792-432C-9C56-E74E7F38AD7B}" destId="{4AC2E693-E0CA-4CD8-8F00-12AE50D8ADE9}" srcOrd="16" destOrd="0" presId="urn:microsoft.com/office/officeart/2005/8/layout/default"/>
+    <dgm:cxn modelId="{B737897C-822E-4ECE-9249-F7DE5313E98B}" type="presParOf" srcId="{D5BCC4C4-6792-432C-9C56-E74E7F38AD7B}" destId="{191B3832-5952-4673-B798-A44E933E17C2}" srcOrd="17" destOrd="0" presId="urn:microsoft.com/office/officeart/2005/8/layout/default"/>
+    <dgm:cxn modelId="{F0B69F53-EC71-4C25-BB98-BB2FD4D06F11}" type="presParOf" srcId="{D5BCC4C4-6792-432C-9C56-E74E7F38AD7B}" destId="{E7355C90-B727-4626-B2E3-85A7575FB9F3}" srcOrd="18" destOrd="0" presId="urn:microsoft.com/office/officeart/2005/8/layout/default"/>
+    <dgm:cxn modelId="{77532594-4AA5-4688-A0D3-4C634C80134F}" type="presParOf" srcId="{D5BCC4C4-6792-432C-9C56-E74E7F38AD7B}" destId="{D9D95B9A-2654-4417-BE0C-440628BA234D}" srcOrd="19" destOrd="0" presId="urn:microsoft.com/office/officeart/2005/8/layout/default"/>
+    <dgm:cxn modelId="{255E7841-E3F5-4369-9DBE-AB608062B43F}" type="presParOf" srcId="{D5BCC4C4-6792-432C-9C56-E74E7F38AD7B}" destId="{6A497191-39CB-44D1-99C2-E51AB22F4C9C}" srcOrd="20" destOrd="0" presId="urn:microsoft.com/office/officeart/2005/8/layout/default"/>
+    <dgm:cxn modelId="{5BAF2626-88F1-463C-91E6-6C282FD3574D}" type="presParOf" srcId="{D5BCC4C4-6792-432C-9C56-E74E7F38AD7B}" destId="{4744636C-3645-40B9-9831-6C7B209C8059}" srcOrd="21" destOrd="0" presId="urn:microsoft.com/office/officeart/2005/8/layout/default"/>
+    <dgm:cxn modelId="{79327886-BB32-40EA-8477-71265CE27B51}" type="presParOf" srcId="{D5BCC4C4-6792-432C-9C56-E74E7F38AD7B}" destId="{E5EC9FF2-B926-4283-A547-4960E03335C4}" srcOrd="22" destOrd="0" presId="urn:microsoft.com/office/officeart/2005/8/layout/default"/>
+    <dgm:cxn modelId="{82B14FFC-A03E-44A9-9DF9-83649700AAC1}" type="presParOf" srcId="{D5BCC4C4-6792-432C-9C56-E74E7F38AD7B}" destId="{AFB675A9-AE9C-4AD0-A87F-9E04BB641083}" srcOrd="23" destOrd="0" presId="urn:microsoft.com/office/officeart/2005/8/layout/default"/>
+    <dgm:cxn modelId="{C4D1B7E2-0CEF-4976-882F-8C732C40511B}" type="presParOf" srcId="{D5BCC4C4-6792-432C-9C56-E74E7F38AD7B}" destId="{AD946100-6232-4F17-A630-20AC8B2C4770}" srcOrd="24" destOrd="0" presId="urn:microsoft.com/office/officeart/2005/8/layout/default"/>
+    <dgm:cxn modelId="{FD831E6F-42DF-4283-AEA9-28FE945CA398}" type="presParOf" srcId="{D5BCC4C4-6792-432C-9C56-E74E7F38AD7B}" destId="{DCEBF0E4-4E28-40C8-9A4E-BFD86819C853}" srcOrd="25" destOrd="0" presId="urn:microsoft.com/office/officeart/2005/8/layout/default"/>
+    <dgm:cxn modelId="{89FCF047-4525-4BC5-AA77-235C2B12FDEC}" type="presParOf" srcId="{D5BCC4C4-6792-432C-9C56-E74E7F38AD7B}" destId="{FD8EEAF4-E941-4C96-81D2-F27E5779F4F3}" srcOrd="26" destOrd="0" presId="urn:microsoft.com/office/officeart/2005/8/layout/default"/>
+    <dgm:cxn modelId="{69005252-C802-4DF6-A033-BD7E4E44EFE7}" type="presParOf" srcId="{D5BCC4C4-6792-432C-9C56-E74E7F38AD7B}" destId="{76BCB700-D5BB-4743-9BB2-C5F7FCC8FFDA}" srcOrd="27" destOrd="0" presId="urn:microsoft.com/office/officeart/2005/8/layout/default"/>
+    <dgm:cxn modelId="{538D7B76-B9A9-47EB-BFB4-C0414C7622B8}" type="presParOf" srcId="{D5BCC4C4-6792-432C-9C56-E74E7F38AD7B}" destId="{B429E400-8BAD-41D9-AE1C-939437C2013E}" srcOrd="28" destOrd="0" presId="urn:microsoft.com/office/officeart/2005/8/layout/default"/>
+  </dgm:cxnLst>
+  <dgm:bg/>
+  <dgm:whole/>
+  <dgm:extLst>
+    <a:ext uri="http://schemas.microsoft.com/office/drawing/2008/diagram">
+      <dsp:dataModelExt xmlns:dsp="http://schemas.microsoft.com/office/drawing/2008/diagram" relId="rId6" minVer="http://schemas.openxmlformats.org/drawingml/2006/diagram"/>
+    </a:ext>
+  </dgm:extLst>
+</dgm:dataModel>
+</file>
+
+<file path=ppt/diagrams/data3.xml><?xml version="1.0" encoding="utf-8"?>
 <dgm:dataModel xmlns:dgm="http://schemas.openxmlformats.org/drawingml/2006/diagram" xmlns:a="http://schemas.openxmlformats.org/drawingml/2006/main">
   <dgm:ptLst>
     <dgm:pt modelId="{3C4E5771-9D95-4DCB-86A1-CED77BF1DFA0}" type="doc">
@@ -3673,6 +5291,1211 @@
       <dsp:cNvGrpSpPr/>
     </dsp:nvGrpSpPr>
     <dsp:grpSpPr/>
+    <dsp:sp modelId="{B988E9E7-CB28-41AF-9670-0D126F3D55C6}">
+      <dsp:nvSpPr>
+        <dsp:cNvPr id="0" name=""/>
+        <dsp:cNvSpPr/>
+      </dsp:nvSpPr>
+      <dsp:spPr>
+        <a:xfrm>
+          <a:off x="3753" y="105697"/>
+          <a:ext cx="2032330" cy="1219398"/>
+        </a:xfrm>
+        <a:prstGeom prst="rect">
+          <a:avLst/>
+        </a:prstGeom>
+        <a:solidFill>
+          <a:schemeClr val="accent2">
+            <a:hueOff val="0"/>
+            <a:satOff val="0"/>
+            <a:lumOff val="0"/>
+            <a:alphaOff val="0"/>
+          </a:schemeClr>
+        </a:solidFill>
+        <a:ln w="12700" cap="flat" cmpd="sng" algn="ctr">
+          <a:solidFill>
+            <a:schemeClr val="lt1">
+              <a:hueOff val="0"/>
+              <a:satOff val="0"/>
+              <a:lumOff val="0"/>
+              <a:alphaOff val="0"/>
+            </a:schemeClr>
+          </a:solidFill>
+          <a:prstDash val="solid"/>
+          <a:miter lim="800000"/>
+        </a:ln>
+        <a:effectLst/>
+      </dsp:spPr>
+      <dsp:style>
+        <a:lnRef idx="2">
+          <a:scrgbClr r="0" g="0" b="0"/>
+        </a:lnRef>
+        <a:fillRef idx="1">
+          <a:scrgbClr r="0" g="0" b="0"/>
+        </a:fillRef>
+        <a:effectRef idx="0">
+          <a:scrgbClr r="0" g="0" b="0"/>
+        </a:effectRef>
+        <a:fontRef idx="minor">
+          <a:schemeClr val="lt1"/>
+        </a:fontRef>
+      </dsp:style>
+      <dsp:txBody>
+        <a:bodyPr spcFirstLastPara="0" vert="horz" wrap="square" lIns="60960" tIns="60960" rIns="60960" bIns="60960" numCol="1" spcCol="1270" anchor="ctr" anchorCtr="0">
+          <a:noAutofit/>
+        </a:bodyPr>
+        <a:lstStyle/>
+        <a:p>
+          <a:pPr marL="0" lvl="0" indent="0" algn="ctr" defTabSz="711200">
+            <a:lnSpc>
+              <a:spcPct val="90000"/>
+            </a:lnSpc>
+            <a:spcBef>
+              <a:spcPct val="0"/>
+            </a:spcBef>
+            <a:spcAft>
+              <a:spcPct val="35000"/>
+            </a:spcAft>
+            <a:buNone/>
+          </a:pPr>
+          <a:r>
+            <a:rPr lang="es-ES" sz="1600" b="0" i="0" kern="1200" baseline="0"/>
+            <a:t>Mejor adherencia al estándar SQL.</a:t>
+          </a:r>
+          <a:endParaRPr lang="en-US" sz="1600" kern="1200"/>
+        </a:p>
+      </dsp:txBody>
+      <dsp:txXfrm>
+        <a:off x="3753" y="105697"/>
+        <a:ext cx="2032330" cy="1219398"/>
+      </dsp:txXfrm>
+    </dsp:sp>
+    <dsp:sp modelId="{80B532CB-113E-4358-9BB2-9A2EC5CDE122}">
+      <dsp:nvSpPr>
+        <dsp:cNvPr id="0" name=""/>
+        <dsp:cNvSpPr/>
+      </dsp:nvSpPr>
+      <dsp:spPr>
+        <a:xfrm>
+          <a:off x="2239316" y="105697"/>
+          <a:ext cx="2032330" cy="1219398"/>
+        </a:xfrm>
+        <a:prstGeom prst="rect">
+          <a:avLst/>
+        </a:prstGeom>
+        <a:solidFill>
+          <a:schemeClr val="accent2">
+            <a:hueOff val="1435942"/>
+            <a:satOff val="-48"/>
+            <a:lumOff val="504"/>
+            <a:alphaOff val="0"/>
+          </a:schemeClr>
+        </a:solidFill>
+        <a:ln w="12700" cap="flat" cmpd="sng" algn="ctr">
+          <a:solidFill>
+            <a:schemeClr val="lt1">
+              <a:hueOff val="0"/>
+              <a:satOff val="0"/>
+              <a:lumOff val="0"/>
+              <a:alphaOff val="0"/>
+            </a:schemeClr>
+          </a:solidFill>
+          <a:prstDash val="solid"/>
+          <a:miter lim="800000"/>
+        </a:ln>
+        <a:effectLst/>
+      </dsp:spPr>
+      <dsp:style>
+        <a:lnRef idx="2">
+          <a:scrgbClr r="0" g="0" b="0"/>
+        </a:lnRef>
+        <a:fillRef idx="1">
+          <a:scrgbClr r="0" g="0" b="0"/>
+        </a:fillRef>
+        <a:effectRef idx="0">
+          <a:scrgbClr r="0" g="0" b="0"/>
+        </a:effectRef>
+        <a:fontRef idx="minor">
+          <a:schemeClr val="lt1"/>
+        </a:fontRef>
+      </dsp:style>
+      <dsp:txBody>
+        <a:bodyPr spcFirstLastPara="0" vert="horz" wrap="square" lIns="60960" tIns="60960" rIns="60960" bIns="60960" numCol="1" spcCol="1270" anchor="ctr" anchorCtr="0">
+          <a:noAutofit/>
+        </a:bodyPr>
+        <a:lstStyle/>
+        <a:p>
+          <a:pPr marL="0" lvl="0" indent="0" algn="ctr" defTabSz="711200">
+            <a:lnSpc>
+              <a:spcPct val="90000"/>
+            </a:lnSpc>
+            <a:spcBef>
+              <a:spcPct val="0"/>
+            </a:spcBef>
+            <a:spcAft>
+              <a:spcPct val="35000"/>
+            </a:spcAft>
+            <a:buNone/>
+          </a:pPr>
+          <a:r>
+            <a:rPr lang="es-ES" sz="1600" b="0" i="0" kern="1200" baseline="0"/>
+            <a:t>Soporte robusto para JSON con JSONB.</a:t>
+          </a:r>
+          <a:endParaRPr lang="en-US" sz="1600" kern="1200"/>
+        </a:p>
+      </dsp:txBody>
+      <dsp:txXfrm>
+        <a:off x="2239316" y="105697"/>
+        <a:ext cx="2032330" cy="1219398"/>
+      </dsp:txXfrm>
+    </dsp:sp>
+    <dsp:sp modelId="{8224D1B5-AD44-4FA1-BF9B-6FB4CC706605}">
+      <dsp:nvSpPr>
+        <dsp:cNvPr id="0" name=""/>
+        <dsp:cNvSpPr/>
+      </dsp:nvSpPr>
+      <dsp:spPr>
+        <a:xfrm>
+          <a:off x="4474879" y="105697"/>
+          <a:ext cx="2032330" cy="1219398"/>
+        </a:xfrm>
+        <a:prstGeom prst="rect">
+          <a:avLst/>
+        </a:prstGeom>
+        <a:solidFill>
+          <a:schemeClr val="accent2">
+            <a:hueOff val="2871884"/>
+            <a:satOff val="-96"/>
+            <a:lumOff val="1008"/>
+            <a:alphaOff val="0"/>
+          </a:schemeClr>
+        </a:solidFill>
+        <a:ln w="12700" cap="flat" cmpd="sng" algn="ctr">
+          <a:solidFill>
+            <a:schemeClr val="lt1">
+              <a:hueOff val="0"/>
+              <a:satOff val="0"/>
+              <a:lumOff val="0"/>
+              <a:alphaOff val="0"/>
+            </a:schemeClr>
+          </a:solidFill>
+          <a:prstDash val="solid"/>
+          <a:miter lim="800000"/>
+        </a:ln>
+        <a:effectLst/>
+      </dsp:spPr>
+      <dsp:style>
+        <a:lnRef idx="2">
+          <a:scrgbClr r="0" g="0" b="0"/>
+        </a:lnRef>
+        <a:fillRef idx="1">
+          <a:scrgbClr r="0" g="0" b="0"/>
+        </a:fillRef>
+        <a:effectRef idx="0">
+          <a:scrgbClr r="0" g="0" b="0"/>
+        </a:effectRef>
+        <a:fontRef idx="minor">
+          <a:schemeClr val="lt1"/>
+        </a:fontRef>
+      </dsp:style>
+      <dsp:txBody>
+        <a:bodyPr spcFirstLastPara="0" vert="horz" wrap="square" lIns="60960" tIns="60960" rIns="60960" bIns="60960" numCol="1" spcCol="1270" anchor="ctr" anchorCtr="0">
+          <a:noAutofit/>
+        </a:bodyPr>
+        <a:lstStyle/>
+        <a:p>
+          <a:pPr marL="0" lvl="0" indent="0" algn="ctr" defTabSz="711200">
+            <a:lnSpc>
+              <a:spcPct val="90000"/>
+            </a:lnSpc>
+            <a:spcBef>
+              <a:spcPct val="0"/>
+            </a:spcBef>
+            <a:spcAft>
+              <a:spcPct val="35000"/>
+            </a:spcAft>
+            <a:buNone/>
+          </a:pPr>
+          <a:r>
+            <a:rPr lang="es-ES" sz="1600" b="0" i="0" kern="1200" baseline="0"/>
+            <a:t>Implementación estricta de propiedades ACID.</a:t>
+          </a:r>
+          <a:endParaRPr lang="en-US" sz="1600" kern="1200"/>
+        </a:p>
+      </dsp:txBody>
+      <dsp:txXfrm>
+        <a:off x="4474879" y="105697"/>
+        <a:ext cx="2032330" cy="1219398"/>
+      </dsp:txXfrm>
+    </dsp:sp>
+    <dsp:sp modelId="{7D37C692-FA44-4A37-9BEC-9B6A041E2682}">
+      <dsp:nvSpPr>
+        <dsp:cNvPr id="0" name=""/>
+        <dsp:cNvSpPr/>
+      </dsp:nvSpPr>
+      <dsp:spPr>
+        <a:xfrm>
+          <a:off x="6710443" y="105697"/>
+          <a:ext cx="2032330" cy="1219398"/>
+        </a:xfrm>
+        <a:prstGeom prst="rect">
+          <a:avLst/>
+        </a:prstGeom>
+        <a:solidFill>
+          <a:schemeClr val="accent2">
+            <a:hueOff val="4307825"/>
+            <a:satOff val="-144"/>
+            <a:lumOff val="1512"/>
+            <a:alphaOff val="0"/>
+          </a:schemeClr>
+        </a:solidFill>
+        <a:ln w="12700" cap="flat" cmpd="sng" algn="ctr">
+          <a:solidFill>
+            <a:schemeClr val="lt1">
+              <a:hueOff val="0"/>
+              <a:satOff val="0"/>
+              <a:lumOff val="0"/>
+              <a:alphaOff val="0"/>
+            </a:schemeClr>
+          </a:solidFill>
+          <a:prstDash val="solid"/>
+          <a:miter lim="800000"/>
+        </a:ln>
+        <a:effectLst/>
+      </dsp:spPr>
+      <dsp:style>
+        <a:lnRef idx="2">
+          <a:scrgbClr r="0" g="0" b="0"/>
+        </a:lnRef>
+        <a:fillRef idx="1">
+          <a:scrgbClr r="0" g="0" b="0"/>
+        </a:fillRef>
+        <a:effectRef idx="0">
+          <a:scrgbClr r="0" g="0" b="0"/>
+        </a:effectRef>
+        <a:fontRef idx="minor">
+          <a:schemeClr val="lt1"/>
+        </a:fontRef>
+      </dsp:style>
+      <dsp:txBody>
+        <a:bodyPr spcFirstLastPara="0" vert="horz" wrap="square" lIns="60960" tIns="60960" rIns="60960" bIns="60960" numCol="1" spcCol="1270" anchor="ctr" anchorCtr="0">
+          <a:noAutofit/>
+        </a:bodyPr>
+        <a:lstStyle/>
+        <a:p>
+          <a:pPr marL="0" lvl="0" indent="0" algn="ctr" defTabSz="711200">
+            <a:lnSpc>
+              <a:spcPct val="90000"/>
+            </a:lnSpc>
+            <a:spcBef>
+              <a:spcPct val="0"/>
+            </a:spcBef>
+            <a:spcAft>
+              <a:spcPct val="35000"/>
+            </a:spcAft>
+            <a:buNone/>
+          </a:pPr>
+          <a:r>
+            <a:rPr lang="es-ES" sz="1600" b="0" i="0" kern="1200" baseline="0"/>
+            <a:t>Mejor soporte para subconsultas y CTEs.</a:t>
+          </a:r>
+          <a:endParaRPr lang="en-US" sz="1600" kern="1200"/>
+        </a:p>
+      </dsp:txBody>
+      <dsp:txXfrm>
+        <a:off x="6710443" y="105697"/>
+        <a:ext cx="2032330" cy="1219398"/>
+      </dsp:txXfrm>
+    </dsp:sp>
+    <dsp:sp modelId="{BED134B9-C5AD-49EA-B8E6-852A2E0BBC49}">
+      <dsp:nvSpPr>
+        <dsp:cNvPr id="0" name=""/>
+        <dsp:cNvSpPr/>
+      </dsp:nvSpPr>
+      <dsp:spPr>
+        <a:xfrm>
+          <a:off x="8946006" y="105697"/>
+          <a:ext cx="2032330" cy="1219398"/>
+        </a:xfrm>
+        <a:prstGeom prst="rect">
+          <a:avLst/>
+        </a:prstGeom>
+        <a:solidFill>
+          <a:schemeClr val="accent2">
+            <a:hueOff val="5743767"/>
+            <a:satOff val="-193"/>
+            <a:lumOff val="2016"/>
+            <a:alphaOff val="0"/>
+          </a:schemeClr>
+        </a:solidFill>
+        <a:ln w="12700" cap="flat" cmpd="sng" algn="ctr">
+          <a:solidFill>
+            <a:schemeClr val="lt1">
+              <a:hueOff val="0"/>
+              <a:satOff val="0"/>
+              <a:lumOff val="0"/>
+              <a:alphaOff val="0"/>
+            </a:schemeClr>
+          </a:solidFill>
+          <a:prstDash val="solid"/>
+          <a:miter lim="800000"/>
+        </a:ln>
+        <a:effectLst/>
+      </dsp:spPr>
+      <dsp:style>
+        <a:lnRef idx="2">
+          <a:scrgbClr r="0" g="0" b="0"/>
+        </a:lnRef>
+        <a:fillRef idx="1">
+          <a:scrgbClr r="0" g="0" b="0"/>
+        </a:fillRef>
+        <a:effectRef idx="0">
+          <a:scrgbClr r="0" g="0" b="0"/>
+        </a:effectRef>
+        <a:fontRef idx="minor">
+          <a:schemeClr val="lt1"/>
+        </a:fontRef>
+      </dsp:style>
+      <dsp:txBody>
+        <a:bodyPr spcFirstLastPara="0" vert="horz" wrap="square" lIns="60960" tIns="60960" rIns="60960" bIns="60960" numCol="1" spcCol="1270" anchor="ctr" anchorCtr="0">
+          <a:noAutofit/>
+        </a:bodyPr>
+        <a:lstStyle/>
+        <a:p>
+          <a:pPr marL="0" lvl="0" indent="0" algn="ctr" defTabSz="711200">
+            <a:lnSpc>
+              <a:spcPct val="90000"/>
+            </a:lnSpc>
+            <a:spcBef>
+              <a:spcPct val="0"/>
+            </a:spcBef>
+            <a:spcAft>
+              <a:spcPct val="35000"/>
+            </a:spcAft>
+            <a:buNone/>
+          </a:pPr>
+          <a:r>
+            <a:rPr lang="es-ES" sz="1600" b="0" i="0" kern="1200" baseline="0"/>
+            <a:t>Permite extensiones (e.g., PostGIS).</a:t>
+          </a:r>
+          <a:endParaRPr lang="en-US" sz="1600" kern="1200"/>
+        </a:p>
+      </dsp:txBody>
+      <dsp:txXfrm>
+        <a:off x="8946006" y="105697"/>
+        <a:ext cx="2032330" cy="1219398"/>
+      </dsp:txXfrm>
+    </dsp:sp>
+    <dsp:sp modelId="{244FB654-9F63-4645-AD00-FB4382B33D10}">
+      <dsp:nvSpPr>
+        <dsp:cNvPr id="0" name=""/>
+        <dsp:cNvSpPr/>
+      </dsp:nvSpPr>
+      <dsp:spPr>
+        <a:xfrm>
+          <a:off x="3753" y="1528328"/>
+          <a:ext cx="2032330" cy="1219398"/>
+        </a:xfrm>
+        <a:prstGeom prst="rect">
+          <a:avLst/>
+        </a:prstGeom>
+        <a:solidFill>
+          <a:schemeClr val="accent2">
+            <a:hueOff val="7179709"/>
+            <a:satOff val="-241"/>
+            <a:lumOff val="2520"/>
+            <a:alphaOff val="0"/>
+          </a:schemeClr>
+        </a:solidFill>
+        <a:ln w="12700" cap="flat" cmpd="sng" algn="ctr">
+          <a:solidFill>
+            <a:schemeClr val="lt1">
+              <a:hueOff val="0"/>
+              <a:satOff val="0"/>
+              <a:lumOff val="0"/>
+              <a:alphaOff val="0"/>
+            </a:schemeClr>
+          </a:solidFill>
+          <a:prstDash val="solid"/>
+          <a:miter lim="800000"/>
+        </a:ln>
+        <a:effectLst/>
+      </dsp:spPr>
+      <dsp:style>
+        <a:lnRef idx="2">
+          <a:scrgbClr r="0" g="0" b="0"/>
+        </a:lnRef>
+        <a:fillRef idx="1">
+          <a:scrgbClr r="0" g="0" b="0"/>
+        </a:fillRef>
+        <a:effectRef idx="0">
+          <a:scrgbClr r="0" g="0" b="0"/>
+        </a:effectRef>
+        <a:fontRef idx="minor">
+          <a:schemeClr val="lt1"/>
+        </a:fontRef>
+      </dsp:style>
+      <dsp:txBody>
+        <a:bodyPr spcFirstLastPara="0" vert="horz" wrap="square" lIns="60960" tIns="60960" rIns="60960" bIns="60960" numCol="1" spcCol="1270" anchor="ctr" anchorCtr="0">
+          <a:noAutofit/>
+        </a:bodyPr>
+        <a:lstStyle/>
+        <a:p>
+          <a:pPr marL="0" lvl="0" indent="0" algn="ctr" defTabSz="711200">
+            <a:lnSpc>
+              <a:spcPct val="90000"/>
+            </a:lnSpc>
+            <a:spcBef>
+              <a:spcPct val="0"/>
+            </a:spcBef>
+            <a:spcAft>
+              <a:spcPct val="35000"/>
+            </a:spcAft>
+            <a:buNone/>
+          </a:pPr>
+          <a:r>
+            <a:rPr lang="es-ES" sz="1600" b="0" i="0" kern="1200" baseline="0"/>
+            <a:t>Soporta tipos de datos personalizados.</a:t>
+          </a:r>
+          <a:endParaRPr lang="en-US" sz="1600" kern="1200"/>
+        </a:p>
+      </dsp:txBody>
+      <dsp:txXfrm>
+        <a:off x="3753" y="1528328"/>
+        <a:ext cx="2032330" cy="1219398"/>
+      </dsp:txXfrm>
+    </dsp:sp>
+    <dsp:sp modelId="{D31EF798-B87B-46BA-92D5-8258B84D9E3A}">
+      <dsp:nvSpPr>
+        <dsp:cNvPr id="0" name=""/>
+        <dsp:cNvSpPr/>
+      </dsp:nvSpPr>
+      <dsp:spPr>
+        <a:xfrm>
+          <a:off x="2239316" y="1528328"/>
+          <a:ext cx="2032330" cy="1219398"/>
+        </a:xfrm>
+        <a:prstGeom prst="rect">
+          <a:avLst/>
+        </a:prstGeom>
+        <a:solidFill>
+          <a:schemeClr val="accent2">
+            <a:hueOff val="8615651"/>
+            <a:satOff val="-289"/>
+            <a:lumOff val="3024"/>
+            <a:alphaOff val="0"/>
+          </a:schemeClr>
+        </a:solidFill>
+        <a:ln w="12700" cap="flat" cmpd="sng" algn="ctr">
+          <a:solidFill>
+            <a:schemeClr val="lt1">
+              <a:hueOff val="0"/>
+              <a:satOff val="0"/>
+              <a:lumOff val="0"/>
+              <a:alphaOff val="0"/>
+            </a:schemeClr>
+          </a:solidFill>
+          <a:prstDash val="solid"/>
+          <a:miter lim="800000"/>
+        </a:ln>
+        <a:effectLst/>
+      </dsp:spPr>
+      <dsp:style>
+        <a:lnRef idx="2">
+          <a:scrgbClr r="0" g="0" b="0"/>
+        </a:lnRef>
+        <a:fillRef idx="1">
+          <a:scrgbClr r="0" g="0" b="0"/>
+        </a:fillRef>
+        <a:effectRef idx="0">
+          <a:scrgbClr r="0" g="0" b="0"/>
+        </a:effectRef>
+        <a:fontRef idx="minor">
+          <a:schemeClr val="lt1"/>
+        </a:fontRef>
+      </dsp:style>
+      <dsp:txBody>
+        <a:bodyPr spcFirstLastPara="0" vert="horz" wrap="square" lIns="60960" tIns="60960" rIns="60960" bIns="60960" numCol="1" spcCol="1270" anchor="ctr" anchorCtr="0">
+          <a:noAutofit/>
+        </a:bodyPr>
+        <a:lstStyle/>
+        <a:p>
+          <a:pPr marL="0" lvl="0" indent="0" algn="ctr" defTabSz="711200">
+            <a:lnSpc>
+              <a:spcPct val="90000"/>
+            </a:lnSpc>
+            <a:spcBef>
+              <a:spcPct val="0"/>
+            </a:spcBef>
+            <a:spcAft>
+              <a:spcPct val="35000"/>
+            </a:spcAft>
+            <a:buNone/>
+          </a:pPr>
+          <a:r>
+            <a:rPr lang="es-ES" sz="1600" b="0" i="0" kern="1200" baseline="0"/>
+            <a:t>Optimización avanzada de consultas.</a:t>
+          </a:r>
+          <a:endParaRPr lang="en-US" sz="1600" kern="1200"/>
+        </a:p>
+      </dsp:txBody>
+      <dsp:txXfrm>
+        <a:off x="2239316" y="1528328"/>
+        <a:ext cx="2032330" cy="1219398"/>
+      </dsp:txXfrm>
+    </dsp:sp>
+    <dsp:sp modelId="{8B27EA6F-0FF9-45B6-B12F-C9998CBEDE14}">
+      <dsp:nvSpPr>
+        <dsp:cNvPr id="0" name=""/>
+        <dsp:cNvSpPr/>
+      </dsp:nvSpPr>
+      <dsp:spPr>
+        <a:xfrm>
+          <a:off x="4474879" y="1528328"/>
+          <a:ext cx="2032330" cy="1219398"/>
+        </a:xfrm>
+        <a:prstGeom prst="rect">
+          <a:avLst/>
+        </a:prstGeom>
+        <a:solidFill>
+          <a:schemeClr val="accent2">
+            <a:hueOff val="10051592"/>
+            <a:satOff val="-337"/>
+            <a:lumOff val="3529"/>
+            <a:alphaOff val="0"/>
+          </a:schemeClr>
+        </a:solidFill>
+        <a:ln w="12700" cap="flat" cmpd="sng" algn="ctr">
+          <a:solidFill>
+            <a:schemeClr val="lt1">
+              <a:hueOff val="0"/>
+              <a:satOff val="0"/>
+              <a:lumOff val="0"/>
+              <a:alphaOff val="0"/>
+            </a:schemeClr>
+          </a:solidFill>
+          <a:prstDash val="solid"/>
+          <a:miter lim="800000"/>
+        </a:ln>
+        <a:effectLst/>
+      </dsp:spPr>
+      <dsp:style>
+        <a:lnRef idx="2">
+          <a:scrgbClr r="0" g="0" b="0"/>
+        </a:lnRef>
+        <a:fillRef idx="1">
+          <a:scrgbClr r="0" g="0" b="0"/>
+        </a:fillRef>
+        <a:effectRef idx="0">
+          <a:scrgbClr r="0" g="0" b="0"/>
+        </a:effectRef>
+        <a:fontRef idx="minor">
+          <a:schemeClr val="lt1"/>
+        </a:fontRef>
+      </dsp:style>
+      <dsp:txBody>
+        <a:bodyPr spcFirstLastPara="0" vert="horz" wrap="square" lIns="60960" tIns="60960" rIns="60960" bIns="60960" numCol="1" spcCol="1270" anchor="ctr" anchorCtr="0">
+          <a:noAutofit/>
+        </a:bodyPr>
+        <a:lstStyle/>
+        <a:p>
+          <a:pPr marL="0" lvl="0" indent="0" algn="ctr" defTabSz="711200">
+            <a:lnSpc>
+              <a:spcPct val="90000"/>
+            </a:lnSpc>
+            <a:spcBef>
+              <a:spcPct val="0"/>
+            </a:spcBef>
+            <a:spcAft>
+              <a:spcPct val="35000"/>
+            </a:spcAft>
+            <a:buNone/>
+          </a:pPr>
+          <a:r>
+            <a:rPr lang="es-ES" sz="1600" b="0" i="0" kern="1200" baseline="0" dirty="0">
+              <a:solidFill>
+                <a:schemeClr val="tx1"/>
+              </a:solidFill>
+            </a:rPr>
+            <a:t>Mejor manejo de transacciones concurrentes con MVCC.</a:t>
+          </a:r>
+          <a:endParaRPr lang="en-US" sz="1600" kern="1200" dirty="0">
+            <a:solidFill>
+              <a:schemeClr val="tx1"/>
+            </a:solidFill>
+          </a:endParaRPr>
+        </a:p>
+      </dsp:txBody>
+      <dsp:txXfrm>
+        <a:off x="4474879" y="1528328"/>
+        <a:ext cx="2032330" cy="1219398"/>
+      </dsp:txXfrm>
+    </dsp:sp>
+    <dsp:sp modelId="{4AC2E693-E0CA-4CD8-8F00-12AE50D8ADE9}">
+      <dsp:nvSpPr>
+        <dsp:cNvPr id="0" name=""/>
+        <dsp:cNvSpPr/>
+      </dsp:nvSpPr>
+      <dsp:spPr>
+        <a:xfrm>
+          <a:off x="6710443" y="1528328"/>
+          <a:ext cx="2032330" cy="1219398"/>
+        </a:xfrm>
+        <a:prstGeom prst="rect">
+          <a:avLst/>
+        </a:prstGeom>
+        <a:solidFill>
+          <a:schemeClr val="accent2">
+            <a:hueOff val="11487534"/>
+            <a:satOff val="-385"/>
+            <a:lumOff val="4033"/>
+            <a:alphaOff val="0"/>
+          </a:schemeClr>
+        </a:solidFill>
+        <a:ln w="12700" cap="flat" cmpd="sng" algn="ctr">
+          <a:solidFill>
+            <a:schemeClr val="lt1">
+              <a:hueOff val="0"/>
+              <a:satOff val="0"/>
+              <a:lumOff val="0"/>
+              <a:alphaOff val="0"/>
+            </a:schemeClr>
+          </a:solidFill>
+          <a:prstDash val="solid"/>
+          <a:miter lim="800000"/>
+        </a:ln>
+        <a:effectLst/>
+      </dsp:spPr>
+      <dsp:style>
+        <a:lnRef idx="2">
+          <a:scrgbClr r="0" g="0" b="0"/>
+        </a:lnRef>
+        <a:fillRef idx="1">
+          <a:scrgbClr r="0" g="0" b="0"/>
+        </a:fillRef>
+        <a:effectRef idx="0">
+          <a:scrgbClr r="0" g="0" b="0"/>
+        </a:effectRef>
+        <a:fontRef idx="minor">
+          <a:schemeClr val="lt1"/>
+        </a:fontRef>
+      </dsp:style>
+      <dsp:txBody>
+        <a:bodyPr spcFirstLastPara="0" vert="horz" wrap="square" lIns="60960" tIns="60960" rIns="60960" bIns="60960" numCol="1" spcCol="1270" anchor="ctr" anchorCtr="0">
+          <a:noAutofit/>
+        </a:bodyPr>
+        <a:lstStyle/>
+        <a:p>
+          <a:pPr marL="0" lvl="0" indent="0" algn="ctr" defTabSz="711200">
+            <a:lnSpc>
+              <a:spcPct val="90000"/>
+            </a:lnSpc>
+            <a:spcBef>
+              <a:spcPct val="0"/>
+            </a:spcBef>
+            <a:spcAft>
+              <a:spcPct val="35000"/>
+            </a:spcAft>
+            <a:buNone/>
+          </a:pPr>
+          <a:r>
+            <a:rPr lang="es-ES" sz="1600" b="0" i="0" kern="1200" baseline="0"/>
+            <a:t>Control de acceso granular a nivel de columna y fila.</a:t>
+          </a:r>
+          <a:endParaRPr lang="en-US" sz="1600" kern="1200"/>
+        </a:p>
+      </dsp:txBody>
+      <dsp:txXfrm>
+        <a:off x="6710443" y="1528328"/>
+        <a:ext cx="2032330" cy="1219398"/>
+      </dsp:txXfrm>
+    </dsp:sp>
+    <dsp:sp modelId="{E7355C90-B727-4626-B2E3-85A7575FB9F3}">
+      <dsp:nvSpPr>
+        <dsp:cNvPr id="0" name=""/>
+        <dsp:cNvSpPr/>
+      </dsp:nvSpPr>
+      <dsp:spPr>
+        <a:xfrm>
+          <a:off x="8946006" y="1528328"/>
+          <a:ext cx="2032330" cy="1219398"/>
+        </a:xfrm>
+        <a:prstGeom prst="rect">
+          <a:avLst/>
+        </a:prstGeom>
+        <a:solidFill>
+          <a:schemeClr val="accent2">
+            <a:hueOff val="12923475"/>
+            <a:satOff val="-433"/>
+            <a:lumOff val="4537"/>
+            <a:alphaOff val="0"/>
+          </a:schemeClr>
+        </a:solidFill>
+        <a:ln w="12700" cap="flat" cmpd="sng" algn="ctr">
+          <a:solidFill>
+            <a:schemeClr val="lt1">
+              <a:hueOff val="0"/>
+              <a:satOff val="0"/>
+              <a:lumOff val="0"/>
+              <a:alphaOff val="0"/>
+            </a:schemeClr>
+          </a:solidFill>
+          <a:prstDash val="solid"/>
+          <a:miter lim="800000"/>
+        </a:ln>
+        <a:effectLst/>
+      </dsp:spPr>
+      <dsp:style>
+        <a:lnRef idx="2">
+          <a:scrgbClr r="0" g="0" b="0"/>
+        </a:lnRef>
+        <a:fillRef idx="1">
+          <a:scrgbClr r="0" g="0" b="0"/>
+        </a:fillRef>
+        <a:effectRef idx="0">
+          <a:scrgbClr r="0" g="0" b="0"/>
+        </a:effectRef>
+        <a:fontRef idx="minor">
+          <a:schemeClr val="lt1"/>
+        </a:fontRef>
+      </dsp:style>
+      <dsp:txBody>
+        <a:bodyPr spcFirstLastPara="0" vert="horz" wrap="square" lIns="60960" tIns="60960" rIns="60960" bIns="60960" numCol="1" spcCol="1270" anchor="ctr" anchorCtr="0">
+          <a:noAutofit/>
+        </a:bodyPr>
+        <a:lstStyle/>
+        <a:p>
+          <a:pPr marL="0" lvl="0" indent="0" algn="ctr" defTabSz="711200">
+            <a:lnSpc>
+              <a:spcPct val="90000"/>
+            </a:lnSpc>
+            <a:spcBef>
+              <a:spcPct val="0"/>
+            </a:spcBef>
+            <a:spcAft>
+              <a:spcPct val="35000"/>
+            </a:spcAft>
+            <a:buNone/>
+          </a:pPr>
+          <a:r>
+            <a:rPr lang="es-ES" sz="1600" b="0" i="0" kern="1200" baseline="0"/>
+            <a:t>Soporta múltiples lenguajes procedurales (e.g., PL/pgSQL, PL/Python).</a:t>
+          </a:r>
+          <a:endParaRPr lang="en-US" sz="1600" kern="1200"/>
+        </a:p>
+      </dsp:txBody>
+      <dsp:txXfrm>
+        <a:off x="8946006" y="1528328"/>
+        <a:ext cx="2032330" cy="1219398"/>
+      </dsp:txXfrm>
+    </dsp:sp>
+    <dsp:sp modelId="{6A497191-39CB-44D1-99C2-E51AB22F4C9C}">
+      <dsp:nvSpPr>
+        <dsp:cNvPr id="0" name=""/>
+        <dsp:cNvSpPr/>
+      </dsp:nvSpPr>
+      <dsp:spPr>
+        <a:xfrm>
+          <a:off x="3753" y="2950959"/>
+          <a:ext cx="2032330" cy="1219398"/>
+        </a:xfrm>
+        <a:prstGeom prst="rect">
+          <a:avLst/>
+        </a:prstGeom>
+        <a:solidFill>
+          <a:schemeClr val="accent2">
+            <a:hueOff val="14359417"/>
+            <a:satOff val="-481"/>
+            <a:lumOff val="5041"/>
+            <a:alphaOff val="0"/>
+          </a:schemeClr>
+        </a:solidFill>
+        <a:ln w="12700" cap="flat" cmpd="sng" algn="ctr">
+          <a:solidFill>
+            <a:schemeClr val="lt1">
+              <a:hueOff val="0"/>
+              <a:satOff val="0"/>
+              <a:lumOff val="0"/>
+              <a:alphaOff val="0"/>
+            </a:schemeClr>
+          </a:solidFill>
+          <a:prstDash val="solid"/>
+          <a:miter lim="800000"/>
+        </a:ln>
+        <a:effectLst/>
+      </dsp:spPr>
+      <dsp:style>
+        <a:lnRef idx="2">
+          <a:scrgbClr r="0" g="0" b="0"/>
+        </a:lnRef>
+        <a:fillRef idx="1">
+          <a:scrgbClr r="0" g="0" b="0"/>
+        </a:fillRef>
+        <a:effectRef idx="0">
+          <a:scrgbClr r="0" g="0" b="0"/>
+        </a:effectRef>
+        <a:fontRef idx="minor">
+          <a:schemeClr val="lt1"/>
+        </a:fontRef>
+      </dsp:style>
+      <dsp:txBody>
+        <a:bodyPr spcFirstLastPara="0" vert="horz" wrap="square" lIns="60960" tIns="60960" rIns="60960" bIns="60960" numCol="1" spcCol="1270" anchor="ctr" anchorCtr="0">
+          <a:noAutofit/>
+        </a:bodyPr>
+        <a:lstStyle/>
+        <a:p>
+          <a:pPr marL="0" lvl="0" indent="0" algn="ctr" defTabSz="711200">
+            <a:lnSpc>
+              <a:spcPct val="90000"/>
+            </a:lnSpc>
+            <a:spcBef>
+              <a:spcPct val="0"/>
+            </a:spcBef>
+            <a:spcAft>
+              <a:spcPct val="35000"/>
+            </a:spcAft>
+            <a:buNone/>
+          </a:pPr>
+          <a:r>
+            <a:rPr lang="es-ES" sz="1600" b="0" i="0" kern="1200" baseline="0"/>
+            <a:t>Replicación sincrónica y asíncrona.</a:t>
+          </a:r>
+          <a:endParaRPr lang="en-US" sz="1600" kern="1200"/>
+        </a:p>
+      </dsp:txBody>
+      <dsp:txXfrm>
+        <a:off x="3753" y="2950959"/>
+        <a:ext cx="2032330" cy="1219398"/>
+      </dsp:txXfrm>
+    </dsp:sp>
+    <dsp:sp modelId="{E5EC9FF2-B926-4283-A547-4960E03335C4}">
+      <dsp:nvSpPr>
+        <dsp:cNvPr id="0" name=""/>
+        <dsp:cNvSpPr/>
+      </dsp:nvSpPr>
+      <dsp:spPr>
+        <a:xfrm>
+          <a:off x="2239316" y="2950959"/>
+          <a:ext cx="2032330" cy="1219398"/>
+        </a:xfrm>
+        <a:prstGeom prst="rect">
+          <a:avLst/>
+        </a:prstGeom>
+        <a:solidFill>
+          <a:schemeClr val="accent2">
+            <a:hueOff val="15795359"/>
+            <a:satOff val="-530"/>
+            <a:lumOff val="5545"/>
+            <a:alphaOff val="0"/>
+          </a:schemeClr>
+        </a:solidFill>
+        <a:ln w="12700" cap="flat" cmpd="sng" algn="ctr">
+          <a:solidFill>
+            <a:schemeClr val="lt1">
+              <a:hueOff val="0"/>
+              <a:satOff val="0"/>
+              <a:lumOff val="0"/>
+              <a:alphaOff val="0"/>
+            </a:schemeClr>
+          </a:solidFill>
+          <a:prstDash val="solid"/>
+          <a:miter lim="800000"/>
+        </a:ln>
+        <a:effectLst/>
+      </dsp:spPr>
+      <dsp:style>
+        <a:lnRef idx="2">
+          <a:scrgbClr r="0" g="0" b="0"/>
+        </a:lnRef>
+        <a:fillRef idx="1">
+          <a:scrgbClr r="0" g="0" b="0"/>
+        </a:fillRef>
+        <a:effectRef idx="0">
+          <a:scrgbClr r="0" g="0" b="0"/>
+        </a:effectRef>
+        <a:fontRef idx="minor">
+          <a:schemeClr val="lt1"/>
+        </a:fontRef>
+      </dsp:style>
+      <dsp:txBody>
+        <a:bodyPr spcFirstLastPara="0" vert="horz" wrap="square" lIns="60960" tIns="60960" rIns="60960" bIns="60960" numCol="1" spcCol="1270" anchor="ctr" anchorCtr="0">
+          <a:noAutofit/>
+        </a:bodyPr>
+        <a:lstStyle/>
+        <a:p>
+          <a:pPr marL="0" lvl="0" indent="0" algn="ctr" defTabSz="711200">
+            <a:lnSpc>
+              <a:spcPct val="90000"/>
+            </a:lnSpc>
+            <a:spcBef>
+              <a:spcPct val="0"/>
+            </a:spcBef>
+            <a:spcAft>
+              <a:spcPct val="35000"/>
+            </a:spcAft>
+            <a:buNone/>
+          </a:pPr>
+          <a:r>
+            <a:rPr lang="es-ES" sz="1600" b="0" i="0" kern="1200" baseline="0"/>
+            <a:t>Particionamiento de tablas nativo.</a:t>
+          </a:r>
+          <a:endParaRPr lang="en-US" sz="1600" kern="1200"/>
+        </a:p>
+      </dsp:txBody>
+      <dsp:txXfrm>
+        <a:off x="2239316" y="2950959"/>
+        <a:ext cx="2032330" cy="1219398"/>
+      </dsp:txXfrm>
+    </dsp:sp>
+    <dsp:sp modelId="{AD946100-6232-4F17-A630-20AC8B2C4770}">
+      <dsp:nvSpPr>
+        <dsp:cNvPr id="0" name=""/>
+        <dsp:cNvSpPr/>
+      </dsp:nvSpPr>
+      <dsp:spPr>
+        <a:xfrm>
+          <a:off x="4474879" y="2950959"/>
+          <a:ext cx="2032330" cy="1219398"/>
+        </a:xfrm>
+        <a:prstGeom prst="rect">
+          <a:avLst/>
+        </a:prstGeom>
+        <a:solidFill>
+          <a:schemeClr val="accent2">
+            <a:hueOff val="17231301"/>
+            <a:satOff val="-578"/>
+            <a:lumOff val="6049"/>
+            <a:alphaOff val="0"/>
+          </a:schemeClr>
+        </a:solidFill>
+        <a:ln w="12700" cap="flat" cmpd="sng" algn="ctr">
+          <a:solidFill>
+            <a:schemeClr val="lt1">
+              <a:hueOff val="0"/>
+              <a:satOff val="0"/>
+              <a:lumOff val="0"/>
+              <a:alphaOff val="0"/>
+            </a:schemeClr>
+          </a:solidFill>
+          <a:prstDash val="solid"/>
+          <a:miter lim="800000"/>
+        </a:ln>
+        <a:effectLst/>
+      </dsp:spPr>
+      <dsp:style>
+        <a:lnRef idx="2">
+          <a:scrgbClr r="0" g="0" b="0"/>
+        </a:lnRef>
+        <a:fillRef idx="1">
+          <a:scrgbClr r="0" g="0" b="0"/>
+        </a:fillRef>
+        <a:effectRef idx="0">
+          <a:scrgbClr r="0" g="0" b="0"/>
+        </a:effectRef>
+        <a:fontRef idx="minor">
+          <a:schemeClr val="lt1"/>
+        </a:fontRef>
+      </dsp:style>
+      <dsp:txBody>
+        <a:bodyPr spcFirstLastPara="0" vert="horz" wrap="square" lIns="60960" tIns="60960" rIns="60960" bIns="60960" numCol="1" spcCol="1270" anchor="ctr" anchorCtr="0">
+          <a:noAutofit/>
+        </a:bodyPr>
+        <a:lstStyle/>
+        <a:p>
+          <a:pPr marL="0" lvl="0" indent="0" algn="ctr" defTabSz="711200">
+            <a:lnSpc>
+              <a:spcPct val="90000"/>
+            </a:lnSpc>
+            <a:spcBef>
+              <a:spcPct val="0"/>
+            </a:spcBef>
+            <a:spcAft>
+              <a:spcPct val="35000"/>
+            </a:spcAft>
+            <a:buNone/>
+          </a:pPr>
+          <a:r>
+            <a:rPr lang="es-ES" sz="1600" b="0" i="0" kern="1200" baseline="0"/>
+            <a:t>Adoptado por grandes empresas.</a:t>
+          </a:r>
+          <a:endParaRPr lang="en-US" sz="1600" kern="1200"/>
+        </a:p>
+      </dsp:txBody>
+      <dsp:txXfrm>
+        <a:off x="4474879" y="2950959"/>
+        <a:ext cx="2032330" cy="1219398"/>
+      </dsp:txXfrm>
+    </dsp:sp>
+    <dsp:sp modelId="{FD8EEAF4-E941-4C96-81D2-F27E5779F4F3}">
+      <dsp:nvSpPr>
+        <dsp:cNvPr id="0" name=""/>
+        <dsp:cNvSpPr/>
+      </dsp:nvSpPr>
+      <dsp:spPr>
+        <a:xfrm>
+          <a:off x="6710443" y="2950959"/>
+          <a:ext cx="2032330" cy="1219398"/>
+        </a:xfrm>
+        <a:prstGeom prst="rect">
+          <a:avLst/>
+        </a:prstGeom>
+        <a:solidFill>
+          <a:schemeClr val="accent2">
+            <a:hueOff val="18667242"/>
+            <a:satOff val="-626"/>
+            <a:lumOff val="6553"/>
+            <a:alphaOff val="0"/>
+          </a:schemeClr>
+        </a:solidFill>
+        <a:ln w="12700" cap="flat" cmpd="sng" algn="ctr">
+          <a:solidFill>
+            <a:schemeClr val="lt1">
+              <a:hueOff val="0"/>
+              <a:satOff val="0"/>
+              <a:lumOff val="0"/>
+              <a:alphaOff val="0"/>
+            </a:schemeClr>
+          </a:solidFill>
+          <a:prstDash val="solid"/>
+          <a:miter lim="800000"/>
+        </a:ln>
+        <a:effectLst/>
+      </dsp:spPr>
+      <dsp:style>
+        <a:lnRef idx="2">
+          <a:scrgbClr r="0" g="0" b="0"/>
+        </a:lnRef>
+        <a:fillRef idx="1">
+          <a:scrgbClr r="0" g="0" b="0"/>
+        </a:fillRef>
+        <a:effectRef idx="0">
+          <a:scrgbClr r="0" g="0" b="0"/>
+        </a:effectRef>
+        <a:fontRef idx="minor">
+          <a:schemeClr val="lt1"/>
+        </a:fontRef>
+      </dsp:style>
+      <dsp:txBody>
+        <a:bodyPr spcFirstLastPara="0" vert="horz" wrap="square" lIns="60960" tIns="60960" rIns="60960" bIns="60960" numCol="1" spcCol="1270" anchor="ctr" anchorCtr="0">
+          <a:noAutofit/>
+        </a:bodyPr>
+        <a:lstStyle/>
+        <a:p>
+          <a:pPr marL="0" lvl="0" indent="0" algn="ctr" defTabSz="711200">
+            <a:lnSpc>
+              <a:spcPct val="90000"/>
+            </a:lnSpc>
+            <a:spcBef>
+              <a:spcPct val="0"/>
+            </a:spcBef>
+            <a:spcAft>
+              <a:spcPct val="35000"/>
+            </a:spcAft>
+            <a:buNone/>
+          </a:pPr>
+          <a:r>
+            <a:rPr lang="es-ES" sz="1600" b="0" i="0" kern="1200" baseline="0"/>
+            <a:t>Licencia BSD que ofrece mayor libertad de uso.</a:t>
+          </a:r>
+          <a:endParaRPr lang="en-US" sz="1600" kern="1200"/>
+        </a:p>
+      </dsp:txBody>
+      <dsp:txXfrm>
+        <a:off x="6710443" y="2950959"/>
+        <a:ext cx="2032330" cy="1219398"/>
+      </dsp:txXfrm>
+    </dsp:sp>
+    <dsp:sp modelId="{B429E400-8BAD-41D9-AE1C-939437C2013E}">
+      <dsp:nvSpPr>
+        <dsp:cNvPr id="0" name=""/>
+        <dsp:cNvSpPr/>
+      </dsp:nvSpPr>
+      <dsp:spPr>
+        <a:xfrm>
+          <a:off x="8946006" y="2950959"/>
+          <a:ext cx="2032330" cy="1219398"/>
+        </a:xfrm>
+        <a:prstGeom prst="rect">
+          <a:avLst/>
+        </a:prstGeom>
+        <a:solidFill>
+          <a:schemeClr val="accent2">
+            <a:hueOff val="20103184"/>
+            <a:satOff val="-674"/>
+            <a:lumOff val="7057"/>
+            <a:alphaOff val="0"/>
+          </a:schemeClr>
+        </a:solidFill>
+        <a:ln w="12700" cap="flat" cmpd="sng" algn="ctr">
+          <a:solidFill>
+            <a:schemeClr val="lt1">
+              <a:hueOff val="0"/>
+              <a:satOff val="0"/>
+              <a:lumOff val="0"/>
+              <a:alphaOff val="0"/>
+            </a:schemeClr>
+          </a:solidFill>
+          <a:prstDash val="solid"/>
+          <a:miter lim="800000"/>
+        </a:ln>
+        <a:effectLst/>
+      </dsp:spPr>
+      <dsp:style>
+        <a:lnRef idx="2">
+          <a:scrgbClr r="0" g="0" b="0"/>
+        </a:lnRef>
+        <a:fillRef idx="1">
+          <a:scrgbClr r="0" g="0" b="0"/>
+        </a:fillRef>
+        <a:effectRef idx="0">
+          <a:scrgbClr r="0" g="0" b="0"/>
+        </a:effectRef>
+        <a:fontRef idx="minor">
+          <a:schemeClr val="lt1"/>
+        </a:fontRef>
+      </dsp:style>
+      <dsp:txBody>
+        <a:bodyPr spcFirstLastPara="0" vert="horz" wrap="square" lIns="60960" tIns="60960" rIns="60960" bIns="60960" numCol="1" spcCol="1270" anchor="ctr" anchorCtr="0">
+          <a:noAutofit/>
+        </a:bodyPr>
+        <a:lstStyle/>
+        <a:p>
+          <a:pPr marL="0" lvl="0" indent="0" algn="ctr" defTabSz="711200">
+            <a:lnSpc>
+              <a:spcPct val="90000"/>
+            </a:lnSpc>
+            <a:spcBef>
+              <a:spcPct val="0"/>
+            </a:spcBef>
+            <a:spcAft>
+              <a:spcPct val="35000"/>
+            </a:spcAft>
+            <a:buNone/>
+          </a:pPr>
+          <a:r>
+            <a:rPr lang="es-ES" sz="1600" b="0" i="0" kern="1200" baseline="0"/>
+            <a:t>Comunidad activa y abundante documentación.</a:t>
+          </a:r>
+          <a:endParaRPr lang="en-US" sz="1600" kern="1200"/>
+        </a:p>
+      </dsp:txBody>
+      <dsp:txXfrm>
+        <a:off x="8946006" y="2950959"/>
+        <a:ext cx="2032330" cy="1219398"/>
+      </dsp:txXfrm>
+    </dsp:sp>
+  </dsp:spTree>
+</dsp:drawing>
+</file>
+
+<file path=ppt/diagrams/drawing3.xml><?xml version="1.0" encoding="utf-8"?>
+<dsp:drawing xmlns:dgm="http://schemas.openxmlformats.org/drawingml/2006/diagram" xmlns:dsp="http://schemas.microsoft.com/office/drawing/2008/diagram" xmlns:a="http://schemas.openxmlformats.org/drawingml/2006/main">
+  <dsp:spTree>
+    <dsp:nvGrpSpPr>
+      <dsp:cNvPr id="0" name=""/>
+      <dsp:cNvGrpSpPr/>
+    </dsp:nvGrpSpPr>
+    <dsp:grpSpPr/>
     <dsp:sp modelId="{CD078AD7-0EB5-4AF8-BB73-BA5272296ADE}">
       <dsp:nvSpPr>
         <dsp:cNvPr id="0" name=""/>
@@ -4955,6 +7778,153 @@
 </file>
 
 <file path=ppt/diagrams/layout2.xml><?xml version="1.0" encoding="utf-8"?>
+<dgm:layoutDef xmlns:dgm="http://schemas.openxmlformats.org/drawingml/2006/diagram" xmlns:a="http://schemas.openxmlformats.org/drawingml/2006/main" uniqueId="urn:microsoft.com/office/officeart/2005/8/layout/default">
+  <dgm:title val=""/>
+  <dgm:desc val=""/>
+  <dgm:catLst>
+    <dgm:cat type="list" pri="400"/>
+  </dgm:catLst>
+  <dgm:sampData>
+    <dgm:dataModel>
+      <dgm:ptLst>
+        <dgm:pt modelId="0" type="doc"/>
+        <dgm:pt modelId="1">
+          <dgm:prSet phldr="1"/>
+        </dgm:pt>
+        <dgm:pt modelId="2">
+          <dgm:prSet phldr="1"/>
+        </dgm:pt>
+        <dgm:pt modelId="3">
+          <dgm:prSet phldr="1"/>
+        </dgm:pt>
+        <dgm:pt modelId="4">
+          <dgm:prSet phldr="1"/>
+        </dgm:pt>
+        <dgm:pt modelId="5">
+          <dgm:prSet phldr="1"/>
+        </dgm:pt>
+      </dgm:ptLst>
+      <dgm:cxnLst>
+        <dgm:cxn modelId="6" srcId="0" destId="1" srcOrd="0" destOrd="0"/>
+        <dgm:cxn modelId="7" srcId="0" destId="2" srcOrd="1" destOrd="0"/>
+        <dgm:cxn modelId="8" srcId="0" destId="3" srcOrd="2" destOrd="0"/>
+        <dgm:cxn modelId="9" srcId="0" destId="4" srcOrd="3" destOrd="0"/>
+        <dgm:cxn modelId="10" srcId="0" destId="5" srcOrd="4" destOrd="0"/>
+      </dgm:cxnLst>
+      <dgm:bg/>
+      <dgm:whole/>
+    </dgm:dataModel>
+  </dgm:sampData>
+  <dgm:styleData>
+    <dgm:dataModel>
+      <dgm:ptLst>
+        <dgm:pt modelId="0" type="doc"/>
+        <dgm:pt modelId="1"/>
+        <dgm:pt modelId="2"/>
+      </dgm:ptLst>
+      <dgm:cxnLst>
+        <dgm:cxn modelId="3" srcId="0" destId="1" srcOrd="0" destOrd="0"/>
+        <dgm:cxn modelId="4" srcId="0" destId="2" srcOrd="1" destOrd="0"/>
+      </dgm:cxnLst>
+      <dgm:bg/>
+      <dgm:whole/>
+    </dgm:dataModel>
+  </dgm:styleData>
+  <dgm:clrData>
+    <dgm:dataModel>
+      <dgm:ptLst>
+        <dgm:pt modelId="0" type="doc"/>
+        <dgm:pt modelId="1"/>
+        <dgm:pt modelId="2"/>
+        <dgm:pt modelId="3"/>
+        <dgm:pt modelId="4"/>
+        <dgm:pt modelId="5"/>
+        <dgm:pt modelId="6"/>
+      </dgm:ptLst>
+      <dgm:cxnLst>
+        <dgm:cxn modelId="7" srcId="0" destId="1" srcOrd="0" destOrd="0"/>
+        <dgm:cxn modelId="8" srcId="0" destId="2" srcOrd="1" destOrd="0"/>
+        <dgm:cxn modelId="9" srcId="0" destId="3" srcOrd="2" destOrd="0"/>
+        <dgm:cxn modelId="10" srcId="0" destId="4" srcOrd="3" destOrd="0"/>
+        <dgm:cxn modelId="11" srcId="0" destId="5" srcOrd="4" destOrd="0"/>
+        <dgm:cxn modelId="12" srcId="0" destId="6" srcOrd="5" destOrd="0"/>
+      </dgm:cxnLst>
+      <dgm:bg/>
+      <dgm:whole/>
+    </dgm:dataModel>
+  </dgm:clrData>
+  <dgm:layoutNode name="diagram">
+    <dgm:varLst>
+      <dgm:dir/>
+      <dgm:resizeHandles val="exact"/>
+    </dgm:varLst>
+    <dgm:choose name="Name0">
+      <dgm:if name="Name1" func="var" arg="dir" op="equ" val="norm">
+        <dgm:alg type="snake">
+          <dgm:param type="grDir" val="tL"/>
+          <dgm:param type="flowDir" val="row"/>
+          <dgm:param type="contDir" val="sameDir"/>
+          <dgm:param type="off" val="ctr"/>
+        </dgm:alg>
+      </dgm:if>
+      <dgm:else name="Name2">
+        <dgm:alg type="snake">
+          <dgm:param type="grDir" val="tR"/>
+          <dgm:param type="flowDir" val="row"/>
+          <dgm:param type="contDir" val="sameDir"/>
+          <dgm:param type="off" val="ctr"/>
+        </dgm:alg>
+      </dgm:else>
+    </dgm:choose>
+    <dgm:shape xmlns:r="http://schemas.openxmlformats.org/officeDocument/2006/relationships" r:blip="">
+      <dgm:adjLst/>
+    </dgm:shape>
+    <dgm:presOf/>
+    <dgm:constrLst>
+      <dgm:constr type="w" for="ch" forName="node" refType="w"/>
+      <dgm:constr type="h" for="ch" forName="node" refType="w" refFor="ch" refForName="node" fact="0.6"/>
+      <dgm:constr type="w" for="ch" forName="sibTrans" refType="w" refFor="ch" refForName="node" fact="0.1"/>
+      <dgm:constr type="sp" refType="w" refFor="ch" refForName="sibTrans"/>
+      <dgm:constr type="primFontSz" for="ch" forName="node" op="equ" val="65"/>
+    </dgm:constrLst>
+    <dgm:ruleLst/>
+    <dgm:forEach name="Name3" axis="ch" ptType="node">
+      <dgm:layoutNode name="node">
+        <dgm:varLst>
+          <dgm:bulletEnabled val="1"/>
+        </dgm:varLst>
+        <dgm:alg type="tx"/>
+        <dgm:shape xmlns:r="http://schemas.openxmlformats.org/officeDocument/2006/relationships" type="rect" r:blip="">
+          <dgm:adjLst/>
+        </dgm:shape>
+        <dgm:presOf axis="desOrSelf" ptType="node"/>
+        <dgm:constrLst>
+          <dgm:constr type="lMarg" refType="primFontSz" fact="0.3"/>
+          <dgm:constr type="rMarg" refType="primFontSz" fact="0.3"/>
+          <dgm:constr type="tMarg" refType="primFontSz" fact="0.3"/>
+          <dgm:constr type="bMarg" refType="primFontSz" fact="0.3"/>
+        </dgm:constrLst>
+        <dgm:ruleLst>
+          <dgm:rule type="primFontSz" val="5" fact="NaN" max="NaN"/>
+        </dgm:ruleLst>
+      </dgm:layoutNode>
+      <dgm:forEach name="Name4" axis="followSib" ptType="sibTrans" cnt="1">
+        <dgm:layoutNode name="sibTrans">
+          <dgm:alg type="sp"/>
+          <dgm:shape xmlns:r="http://schemas.openxmlformats.org/officeDocument/2006/relationships" r:blip="">
+            <dgm:adjLst/>
+          </dgm:shape>
+          <dgm:presOf/>
+          <dgm:constrLst/>
+          <dgm:ruleLst/>
+        </dgm:layoutNode>
+      </dgm:forEach>
+    </dgm:forEach>
+  </dgm:layoutNode>
+</dgm:layoutDef>
+</file>
+
+<file path=ppt/diagrams/layout3.xml><?xml version="1.0" encoding="utf-8"?>
 <dgm:layoutDef xmlns:dgm="http://schemas.openxmlformats.org/drawingml/2006/diagram" xmlns:a="http://schemas.openxmlformats.org/drawingml/2006/main" uniqueId="urn:microsoft.com/office/officeart/2017/3/layout/HorizontalPathTimeline">
   <dgm:title val="Horizontal Path Timeline"/>
   <dgm:desc val="Use to show a list of events in chronological order. The rectangular shape contains the description while the date is shown near the circular dot along the time line. It's the perfect SmartArt for displaying large amount of text with a short date format."/>
@@ -7415,6 +10385,1040 @@
 </dgm:styleDef>
 </file>
 
+<file path=ppt/diagrams/quickStyle3.xml><?xml version="1.0" encoding="utf-8"?>
+<dgm:styleDef xmlns:dgm="http://schemas.openxmlformats.org/drawingml/2006/diagram" xmlns:a="http://schemas.openxmlformats.org/drawingml/2006/main" uniqueId="urn:microsoft.com/office/officeart/2005/8/quickstyle/simple1">
+  <dgm:title val=""/>
+  <dgm:desc val=""/>
+  <dgm:catLst>
+    <dgm:cat type="simple" pri="10100"/>
+  </dgm:catLst>
+  <dgm:scene3d>
+    <a:camera prst="orthographicFront"/>
+    <a:lightRig rig="threePt" dir="t"/>
+  </dgm:scene3d>
+  <dgm:styleLbl name="node0">
+    <dgm:scene3d>
+      <a:camera prst="orthographicFront"/>
+      <a:lightRig rig="threePt" dir="t"/>
+    </dgm:scene3d>
+    <dgm:sp3d/>
+    <dgm:txPr/>
+    <dgm:style>
+      <a:lnRef idx="2">
+        <a:scrgbClr r="0" g="0" b="0"/>
+      </a:lnRef>
+      <a:fillRef idx="1">
+        <a:scrgbClr r="0" g="0" b="0"/>
+      </a:fillRef>
+      <a:effectRef idx="0">
+        <a:scrgbClr r="0" g="0" b="0"/>
+      </a:effectRef>
+      <a:fontRef idx="minor">
+        <a:schemeClr val="lt1"/>
+      </a:fontRef>
+    </dgm:style>
+  </dgm:styleLbl>
+  <dgm:styleLbl name="lnNode1">
+    <dgm:scene3d>
+      <a:camera prst="orthographicFront"/>
+      <a:lightRig rig="threePt" dir="t"/>
+    </dgm:scene3d>
+    <dgm:sp3d/>
+    <dgm:txPr/>
+    <dgm:style>
+      <a:lnRef idx="2">
+        <a:scrgbClr r="0" g="0" b="0"/>
+      </a:lnRef>
+      <a:fillRef idx="1">
+        <a:scrgbClr r="0" g="0" b="0"/>
+      </a:fillRef>
+      <a:effectRef idx="0">
+        <a:scrgbClr r="0" g="0" b="0"/>
+      </a:effectRef>
+      <a:fontRef idx="minor">
+        <a:schemeClr val="lt1"/>
+      </a:fontRef>
+    </dgm:style>
+  </dgm:styleLbl>
+  <dgm:styleLbl name="vennNode1">
+    <dgm:scene3d>
+      <a:camera prst="orthographicFront"/>
+      <a:lightRig rig="threePt" dir="t"/>
+    </dgm:scene3d>
+    <dgm:sp3d/>
+    <dgm:txPr/>
+    <dgm:style>
+      <a:lnRef idx="2">
+        <a:scrgbClr r="0" g="0" b="0"/>
+      </a:lnRef>
+      <a:fillRef idx="1">
+        <a:scrgbClr r="0" g="0" b="0"/>
+      </a:fillRef>
+      <a:effectRef idx="0">
+        <a:scrgbClr r="0" g="0" b="0"/>
+      </a:effectRef>
+      <a:fontRef idx="minor">
+        <a:schemeClr val="tx1"/>
+      </a:fontRef>
+    </dgm:style>
+  </dgm:styleLbl>
+  <dgm:styleLbl name="alignNode1">
+    <dgm:scene3d>
+      <a:camera prst="orthographicFront"/>
+      <a:lightRig rig="threePt" dir="t"/>
+    </dgm:scene3d>
+    <dgm:sp3d/>
+    <dgm:txPr/>
+    <dgm:style>
+      <a:lnRef idx="2">
+        <a:scrgbClr r="0" g="0" b="0"/>
+      </a:lnRef>
+      <a:fillRef idx="1">
+        <a:scrgbClr r="0" g="0" b="0"/>
+      </a:fillRef>
+      <a:effectRef idx="0">
+        <a:scrgbClr r="0" g="0" b="0"/>
+      </a:effectRef>
+      <a:fontRef idx="minor">
+        <a:schemeClr val="lt1"/>
+      </a:fontRef>
+    </dgm:style>
+  </dgm:styleLbl>
+  <dgm:styleLbl name="node1">
+    <dgm:scene3d>
+      <a:camera prst="orthographicFront"/>
+      <a:lightRig rig="threePt" dir="t"/>
+    </dgm:scene3d>
+    <dgm:sp3d/>
+    <dgm:txPr/>
+    <dgm:style>
+      <a:lnRef idx="2">
+        <a:scrgbClr r="0" g="0" b="0"/>
+      </a:lnRef>
+      <a:fillRef idx="1">
+        <a:scrgbClr r="0" g="0" b="0"/>
+      </a:fillRef>
+      <a:effectRef idx="0">
+        <a:scrgbClr r="0" g="0" b="0"/>
+      </a:effectRef>
+      <a:fontRef idx="minor">
+        <a:schemeClr val="lt1"/>
+      </a:fontRef>
+    </dgm:style>
+  </dgm:styleLbl>
+  <dgm:styleLbl name="node2">
+    <dgm:scene3d>
+      <a:camera prst="orthographicFront"/>
+      <a:lightRig rig="threePt" dir="t"/>
+    </dgm:scene3d>
+    <dgm:sp3d/>
+    <dgm:txPr/>
+    <dgm:style>
+      <a:lnRef idx="2">
+        <a:scrgbClr r="0" g="0" b="0"/>
+      </a:lnRef>
+      <a:fillRef idx="1">
+        <a:scrgbClr r="0" g="0" b="0"/>
+      </a:fillRef>
+      <a:effectRef idx="0">
+        <a:scrgbClr r="0" g="0" b="0"/>
+      </a:effectRef>
+      <a:fontRef idx="minor">
+        <a:schemeClr val="lt1"/>
+      </a:fontRef>
+    </dgm:style>
+  </dgm:styleLbl>
+  <dgm:styleLbl name="node3">
+    <dgm:scene3d>
+      <a:camera prst="orthographicFront"/>
+      <a:lightRig rig="threePt" dir="t"/>
+    </dgm:scene3d>
+    <dgm:sp3d/>
+    <dgm:txPr/>
+    <dgm:style>
+      <a:lnRef idx="2">
+        <a:scrgbClr r="0" g="0" b="0"/>
+      </a:lnRef>
+      <a:fillRef idx="1">
+        <a:scrgbClr r="0" g="0" b="0"/>
+      </a:fillRef>
+      <a:effectRef idx="0">
+        <a:scrgbClr r="0" g="0" b="0"/>
+      </a:effectRef>
+      <a:fontRef idx="minor">
+        <a:schemeClr val="lt1"/>
+      </a:fontRef>
+    </dgm:style>
+  </dgm:styleLbl>
+  <dgm:styleLbl name="node4">
+    <dgm:scene3d>
+      <a:camera prst="orthographicFront"/>
+      <a:lightRig rig="threePt" dir="t"/>
+    </dgm:scene3d>
+    <dgm:sp3d/>
+    <dgm:txPr/>
+    <dgm:style>
+      <a:lnRef idx="2">
+        <a:scrgbClr r="0" g="0" b="0"/>
+      </a:lnRef>
+      <a:fillRef idx="1">
+        <a:scrgbClr r="0" g="0" b="0"/>
+      </a:fillRef>
+      <a:effectRef idx="0">
+        <a:scrgbClr r="0" g="0" b="0"/>
+      </a:effectRef>
+      <a:fontRef idx="minor">
+        <a:schemeClr val="lt1"/>
+      </a:fontRef>
+    </dgm:style>
+  </dgm:styleLbl>
+  <dgm:styleLbl name="fgImgPlace1">
+    <dgm:scene3d>
+      <a:camera prst="orthographicFront"/>
+      <a:lightRig rig="threePt" dir="t"/>
+    </dgm:scene3d>
+    <dgm:sp3d/>
+    <dgm:txPr/>
+    <dgm:style>
+      <a:lnRef idx="2">
+        <a:scrgbClr r="0" g="0" b="0"/>
+      </a:lnRef>
+      <a:fillRef idx="1">
+        <a:scrgbClr r="0" g="0" b="0"/>
+      </a:fillRef>
+      <a:effectRef idx="0">
+        <a:scrgbClr r="0" g="0" b="0"/>
+      </a:effectRef>
+      <a:fontRef idx="minor"/>
+    </dgm:style>
+  </dgm:styleLbl>
+  <dgm:styleLbl name="alignImgPlace1">
+    <dgm:scene3d>
+      <a:camera prst="orthographicFront"/>
+      <a:lightRig rig="threePt" dir="t"/>
+    </dgm:scene3d>
+    <dgm:sp3d/>
+    <dgm:txPr/>
+    <dgm:style>
+      <a:lnRef idx="2">
+        <a:scrgbClr r="0" g="0" b="0"/>
+      </a:lnRef>
+      <a:fillRef idx="1">
+        <a:scrgbClr r="0" g="0" b="0"/>
+      </a:fillRef>
+      <a:effectRef idx="0">
+        <a:scrgbClr r="0" g="0" b="0"/>
+      </a:effectRef>
+      <a:fontRef idx="minor"/>
+    </dgm:style>
+  </dgm:styleLbl>
+  <dgm:styleLbl name="bgImgPlace1">
+    <dgm:scene3d>
+      <a:camera prst="orthographicFront"/>
+      <a:lightRig rig="threePt" dir="t"/>
+    </dgm:scene3d>
+    <dgm:sp3d/>
+    <dgm:txPr/>
+    <dgm:style>
+      <a:lnRef idx="2">
+        <a:scrgbClr r="0" g="0" b="0"/>
+      </a:lnRef>
+      <a:fillRef idx="1">
+        <a:scrgbClr r="0" g="0" b="0"/>
+      </a:fillRef>
+      <a:effectRef idx="0">
+        <a:scrgbClr r="0" g="0" b="0"/>
+      </a:effectRef>
+      <a:fontRef idx="minor"/>
+    </dgm:style>
+  </dgm:styleLbl>
+  <dgm:styleLbl name="sibTrans2D1">
+    <dgm:scene3d>
+      <a:camera prst="orthographicFront"/>
+      <a:lightRig rig="threePt" dir="t"/>
+    </dgm:scene3d>
+    <dgm:sp3d/>
+    <dgm:txPr/>
+    <dgm:style>
+      <a:lnRef idx="0">
+        <a:scrgbClr r="0" g="0" b="0"/>
+      </a:lnRef>
+      <a:fillRef idx="1">
+        <a:scrgbClr r="0" g="0" b="0"/>
+      </a:fillRef>
+      <a:effectRef idx="0">
+        <a:scrgbClr r="0" g="0" b="0"/>
+      </a:effectRef>
+      <a:fontRef idx="minor">
+        <a:schemeClr val="lt1"/>
+      </a:fontRef>
+    </dgm:style>
+  </dgm:styleLbl>
+  <dgm:styleLbl name="fgSibTrans2D1">
+    <dgm:scene3d>
+      <a:camera prst="orthographicFront"/>
+      <a:lightRig rig="threePt" dir="t"/>
+    </dgm:scene3d>
+    <dgm:sp3d/>
+    <dgm:txPr/>
+    <dgm:style>
+      <a:lnRef idx="0">
+        <a:scrgbClr r="0" g="0" b="0"/>
+      </a:lnRef>
+      <a:fillRef idx="1">
+        <a:scrgbClr r="0" g="0" b="0"/>
+      </a:fillRef>
+      <a:effectRef idx="0">
+        <a:scrgbClr r="0" g="0" b="0"/>
+      </a:effectRef>
+      <a:fontRef idx="minor">
+        <a:schemeClr val="lt1"/>
+      </a:fontRef>
+    </dgm:style>
+  </dgm:styleLbl>
+  <dgm:styleLbl name="bgSibTrans2D1">
+    <dgm:scene3d>
+      <a:camera prst="orthographicFront"/>
+      <a:lightRig rig="threePt" dir="t"/>
+    </dgm:scene3d>
+    <dgm:sp3d/>
+    <dgm:txPr/>
+    <dgm:style>
+      <a:lnRef idx="0">
+        <a:scrgbClr r="0" g="0" b="0"/>
+      </a:lnRef>
+      <a:fillRef idx="1">
+        <a:scrgbClr r="0" g="0" b="0"/>
+      </a:fillRef>
+      <a:effectRef idx="0">
+        <a:scrgbClr r="0" g="0" b="0"/>
+      </a:effectRef>
+      <a:fontRef idx="minor">
+        <a:schemeClr val="lt1"/>
+      </a:fontRef>
+    </dgm:style>
+  </dgm:styleLbl>
+  <dgm:styleLbl name="sibTrans1D1">
+    <dgm:scene3d>
+      <a:camera prst="orthographicFront"/>
+      <a:lightRig rig="threePt" dir="t"/>
+    </dgm:scene3d>
+    <dgm:sp3d/>
+    <dgm:txPr/>
+    <dgm:style>
+      <a:lnRef idx="1">
+        <a:scrgbClr r="0" g="0" b="0"/>
+      </a:lnRef>
+      <a:fillRef idx="0">
+        <a:scrgbClr r="0" g="0" b="0"/>
+      </a:fillRef>
+      <a:effectRef idx="0">
+        <a:scrgbClr r="0" g="0" b="0"/>
+      </a:effectRef>
+      <a:fontRef idx="minor"/>
+    </dgm:style>
+  </dgm:styleLbl>
+  <dgm:styleLbl name="callout">
+    <dgm:scene3d>
+      <a:camera prst="orthographicFront"/>
+      <a:lightRig rig="threePt" dir="t"/>
+    </dgm:scene3d>
+    <dgm:sp3d/>
+    <dgm:txPr/>
+    <dgm:style>
+      <a:lnRef idx="2">
+        <a:scrgbClr r="0" g="0" b="0"/>
+      </a:lnRef>
+      <a:fillRef idx="1">
+        <a:scrgbClr r="0" g="0" b="0"/>
+      </a:fillRef>
+      <a:effectRef idx="0">
+        <a:scrgbClr r="0" g="0" b="0"/>
+      </a:effectRef>
+      <a:fontRef idx="minor"/>
+    </dgm:style>
+  </dgm:styleLbl>
+  <dgm:styleLbl name="asst0">
+    <dgm:scene3d>
+      <a:camera prst="orthographicFront"/>
+      <a:lightRig rig="threePt" dir="t"/>
+    </dgm:scene3d>
+    <dgm:sp3d/>
+    <dgm:txPr/>
+    <dgm:style>
+      <a:lnRef idx="2">
+        <a:scrgbClr r="0" g="0" b="0"/>
+      </a:lnRef>
+      <a:fillRef idx="1">
+        <a:scrgbClr r="0" g="0" b="0"/>
+      </a:fillRef>
+      <a:effectRef idx="0">
+        <a:scrgbClr r="0" g="0" b="0"/>
+      </a:effectRef>
+      <a:fontRef idx="minor">
+        <a:schemeClr val="lt1"/>
+      </a:fontRef>
+    </dgm:style>
+  </dgm:styleLbl>
+  <dgm:styleLbl name="asst1">
+    <dgm:scene3d>
+      <a:camera prst="orthographicFront"/>
+      <a:lightRig rig="threePt" dir="t"/>
+    </dgm:scene3d>
+    <dgm:sp3d/>
+    <dgm:txPr/>
+    <dgm:style>
+      <a:lnRef idx="2">
+        <a:scrgbClr r="0" g="0" b="0"/>
+      </a:lnRef>
+      <a:fillRef idx="1">
+        <a:scrgbClr r="0" g="0" b="0"/>
+      </a:fillRef>
+      <a:effectRef idx="0">
+        <a:scrgbClr r="0" g="0" b="0"/>
+      </a:effectRef>
+      <a:fontRef idx="minor">
+        <a:schemeClr val="lt1"/>
+      </a:fontRef>
+    </dgm:style>
+  </dgm:styleLbl>
+  <dgm:styleLbl name="asst2">
+    <dgm:scene3d>
+      <a:camera prst="orthographicFront"/>
+      <a:lightRig rig="threePt" dir="t"/>
+    </dgm:scene3d>
+    <dgm:sp3d/>
+    <dgm:txPr/>
+    <dgm:style>
+      <a:lnRef idx="2">
+        <a:scrgbClr r="0" g="0" b="0"/>
+      </a:lnRef>
+      <a:fillRef idx="1">
+        <a:scrgbClr r="0" g="0" b="0"/>
+      </a:fillRef>
+      <a:effectRef idx="0">
+        <a:scrgbClr r="0" g="0" b="0"/>
+      </a:effectRef>
+      <a:fontRef idx="minor">
+        <a:schemeClr val="lt1"/>
+      </a:fontRef>
+    </dgm:style>
+  </dgm:styleLbl>
+  <dgm:styleLbl name="asst3">
+    <dgm:scene3d>
+      <a:camera prst="orthographicFront"/>
+      <a:lightRig rig="threePt" dir="t"/>
+    </dgm:scene3d>
+    <dgm:sp3d/>
+    <dgm:txPr/>
+    <dgm:style>
+      <a:lnRef idx="2">
+        <a:scrgbClr r="0" g="0" b="0"/>
+      </a:lnRef>
+      <a:fillRef idx="1">
+        <a:scrgbClr r="0" g="0" b="0"/>
+      </a:fillRef>
+      <a:effectRef idx="0">
+        <a:scrgbClr r="0" g="0" b="0"/>
+      </a:effectRef>
+      <a:fontRef idx="minor">
+        <a:schemeClr val="lt1"/>
+      </a:fontRef>
+    </dgm:style>
+  </dgm:styleLbl>
+  <dgm:styleLbl name="asst4">
+    <dgm:scene3d>
+      <a:camera prst="orthographicFront"/>
+      <a:lightRig rig="threePt" dir="t"/>
+    </dgm:scene3d>
+    <dgm:sp3d/>
+    <dgm:txPr/>
+    <dgm:style>
+      <a:lnRef idx="2">
+        <a:scrgbClr r="0" g="0" b="0"/>
+      </a:lnRef>
+      <a:fillRef idx="1">
+        <a:scrgbClr r="0" g="0" b="0"/>
+      </a:fillRef>
+      <a:effectRef idx="0">
+        <a:scrgbClr r="0" g="0" b="0"/>
+      </a:effectRef>
+      <a:fontRef idx="minor">
+        <a:schemeClr val="lt1"/>
+      </a:fontRef>
+    </dgm:style>
+  </dgm:styleLbl>
+  <dgm:styleLbl name="parChTrans2D1">
+    <dgm:scene3d>
+      <a:camera prst="orthographicFront"/>
+      <a:lightRig rig="threePt" dir="t"/>
+    </dgm:scene3d>
+    <dgm:sp3d/>
+    <dgm:txPr/>
+    <dgm:style>
+      <a:lnRef idx="2">
+        <a:scrgbClr r="0" g="0" b="0"/>
+      </a:lnRef>
+      <a:fillRef idx="1">
+        <a:scrgbClr r="0" g="0" b="0"/>
+      </a:fillRef>
+      <a:effectRef idx="0">
+        <a:scrgbClr r="0" g="0" b="0"/>
+      </a:effectRef>
+      <a:fontRef idx="minor">
+        <a:schemeClr val="lt1"/>
+      </a:fontRef>
+    </dgm:style>
+  </dgm:styleLbl>
+  <dgm:styleLbl name="parChTrans2D2">
+    <dgm:scene3d>
+      <a:camera prst="orthographicFront"/>
+      <a:lightRig rig="threePt" dir="t"/>
+    </dgm:scene3d>
+    <dgm:sp3d/>
+    <dgm:txPr/>
+    <dgm:style>
+      <a:lnRef idx="2">
+        <a:scrgbClr r="0" g="0" b="0"/>
+      </a:lnRef>
+      <a:fillRef idx="1">
+        <a:scrgbClr r="0" g="0" b="0"/>
+      </a:fillRef>
+      <a:effectRef idx="0">
+        <a:scrgbClr r="0" g="0" b="0"/>
+      </a:effectRef>
+      <a:fontRef idx="minor">
+        <a:schemeClr val="lt1"/>
+      </a:fontRef>
+    </dgm:style>
+  </dgm:styleLbl>
+  <dgm:styleLbl name="parChTrans2D3">
+    <dgm:scene3d>
+      <a:camera prst="orthographicFront"/>
+      <a:lightRig rig="threePt" dir="t"/>
+    </dgm:scene3d>
+    <dgm:sp3d/>
+    <dgm:txPr/>
+    <dgm:style>
+      <a:lnRef idx="2">
+        <a:scrgbClr r="0" g="0" b="0"/>
+      </a:lnRef>
+      <a:fillRef idx="1">
+        <a:scrgbClr r="0" g="0" b="0"/>
+      </a:fillRef>
+      <a:effectRef idx="0">
+        <a:scrgbClr r="0" g="0" b="0"/>
+      </a:effectRef>
+      <a:fontRef idx="minor">
+        <a:schemeClr val="lt1"/>
+      </a:fontRef>
+    </dgm:style>
+  </dgm:styleLbl>
+  <dgm:styleLbl name="parChTrans2D4">
+    <dgm:scene3d>
+      <a:camera prst="orthographicFront"/>
+      <a:lightRig rig="threePt" dir="t"/>
+    </dgm:scene3d>
+    <dgm:sp3d/>
+    <dgm:txPr/>
+    <dgm:style>
+      <a:lnRef idx="2">
+        <a:scrgbClr r="0" g="0" b="0"/>
+      </a:lnRef>
+      <a:fillRef idx="1">
+        <a:scrgbClr r="0" g="0" b="0"/>
+      </a:fillRef>
+      <a:effectRef idx="0">
+        <a:scrgbClr r="0" g="0" b="0"/>
+      </a:effectRef>
+      <a:fontRef idx="minor">
+        <a:schemeClr val="lt1"/>
+      </a:fontRef>
+    </dgm:style>
+  </dgm:styleLbl>
+  <dgm:styleLbl name="parChTrans1D1">
+    <dgm:scene3d>
+      <a:camera prst="orthographicFront"/>
+      <a:lightRig rig="threePt" dir="t"/>
+    </dgm:scene3d>
+    <dgm:sp3d/>
+    <dgm:txPr/>
+    <dgm:style>
+      <a:lnRef idx="2">
+        <a:scrgbClr r="0" g="0" b="0"/>
+      </a:lnRef>
+      <a:fillRef idx="0">
+        <a:scrgbClr r="0" g="0" b="0"/>
+      </a:fillRef>
+      <a:effectRef idx="0">
+        <a:scrgbClr r="0" g="0" b="0"/>
+      </a:effectRef>
+      <a:fontRef idx="minor"/>
+    </dgm:style>
+  </dgm:styleLbl>
+  <dgm:styleLbl name="parChTrans1D2">
+    <dgm:scene3d>
+      <a:camera prst="orthographicFront"/>
+      <a:lightRig rig="threePt" dir="t"/>
+    </dgm:scene3d>
+    <dgm:sp3d/>
+    <dgm:txPr/>
+    <dgm:style>
+      <a:lnRef idx="2">
+        <a:scrgbClr r="0" g="0" b="0"/>
+      </a:lnRef>
+      <a:fillRef idx="0">
+        <a:scrgbClr r="0" g="0" b="0"/>
+      </a:fillRef>
+      <a:effectRef idx="0">
+        <a:scrgbClr r="0" g="0" b="0"/>
+      </a:effectRef>
+      <a:fontRef idx="minor"/>
+    </dgm:style>
+  </dgm:styleLbl>
+  <dgm:styleLbl name="parChTrans1D3">
+    <dgm:scene3d>
+      <a:camera prst="orthographicFront"/>
+      <a:lightRig rig="threePt" dir="t"/>
+    </dgm:scene3d>
+    <dgm:sp3d/>
+    <dgm:txPr/>
+    <dgm:style>
+      <a:lnRef idx="2">
+        <a:scrgbClr r="0" g="0" b="0"/>
+      </a:lnRef>
+      <a:fillRef idx="0">
+        <a:scrgbClr r="0" g="0" b="0"/>
+      </a:fillRef>
+      <a:effectRef idx="0">
+        <a:scrgbClr r="0" g="0" b="0"/>
+      </a:effectRef>
+      <a:fontRef idx="minor"/>
+    </dgm:style>
+  </dgm:styleLbl>
+  <dgm:styleLbl name="parChTrans1D4">
+    <dgm:scene3d>
+      <a:camera prst="orthographicFront"/>
+      <a:lightRig rig="threePt" dir="t"/>
+    </dgm:scene3d>
+    <dgm:sp3d/>
+    <dgm:txPr/>
+    <dgm:style>
+      <a:lnRef idx="2">
+        <a:scrgbClr r="0" g="0" b="0"/>
+      </a:lnRef>
+      <a:fillRef idx="0">
+        <a:scrgbClr r="0" g="0" b="0"/>
+      </a:fillRef>
+      <a:effectRef idx="0">
+        <a:scrgbClr r="0" g="0" b="0"/>
+      </a:effectRef>
+      <a:fontRef idx="minor"/>
+    </dgm:style>
+  </dgm:styleLbl>
+  <dgm:styleLbl name="fgAcc1">
+    <dgm:scene3d>
+      <a:camera prst="orthographicFront"/>
+      <a:lightRig rig="threePt" dir="t"/>
+    </dgm:scene3d>
+    <dgm:sp3d/>
+    <dgm:txPr/>
+    <dgm:style>
+      <a:lnRef idx="2">
+        <a:scrgbClr r="0" g="0" b="0"/>
+      </a:lnRef>
+      <a:fillRef idx="1">
+        <a:scrgbClr r="0" g="0" b="0"/>
+      </a:fillRef>
+      <a:effectRef idx="0">
+        <a:scrgbClr r="0" g="0" b="0"/>
+      </a:effectRef>
+      <a:fontRef idx="minor"/>
+    </dgm:style>
+  </dgm:styleLbl>
+  <dgm:styleLbl name="conFgAcc1">
+    <dgm:scene3d>
+      <a:camera prst="orthographicFront"/>
+      <a:lightRig rig="threePt" dir="t"/>
+    </dgm:scene3d>
+    <dgm:sp3d/>
+    <dgm:txPr/>
+    <dgm:style>
+      <a:lnRef idx="2">
+        <a:scrgbClr r="0" g="0" b="0"/>
+      </a:lnRef>
+      <a:fillRef idx="1">
+        <a:scrgbClr r="0" g="0" b="0"/>
+      </a:fillRef>
+      <a:effectRef idx="0">
+        <a:scrgbClr r="0" g="0" b="0"/>
+      </a:effectRef>
+      <a:fontRef idx="minor"/>
+    </dgm:style>
+  </dgm:styleLbl>
+  <dgm:styleLbl name="alignAcc1">
+    <dgm:scene3d>
+      <a:camera prst="orthographicFront"/>
+      <a:lightRig rig="threePt" dir="t"/>
+    </dgm:scene3d>
+    <dgm:sp3d/>
+    <dgm:txPr/>
+    <dgm:style>
+      <a:lnRef idx="2">
+        <a:scrgbClr r="0" g="0" b="0"/>
+      </a:lnRef>
+      <a:fillRef idx="1">
+        <a:scrgbClr r="0" g="0" b="0"/>
+      </a:fillRef>
+      <a:effectRef idx="0">
+        <a:scrgbClr r="0" g="0" b="0"/>
+      </a:effectRef>
+      <a:fontRef idx="minor"/>
+    </dgm:style>
+  </dgm:styleLbl>
+  <dgm:styleLbl name="trAlignAcc1">
+    <dgm:scene3d>
+      <a:camera prst="orthographicFront"/>
+      <a:lightRig rig="threePt" dir="t"/>
+    </dgm:scene3d>
+    <dgm:sp3d/>
+    <dgm:txPr/>
+    <dgm:style>
+      <a:lnRef idx="1">
+        <a:scrgbClr r="0" g="0" b="0"/>
+      </a:lnRef>
+      <a:fillRef idx="1">
+        <a:scrgbClr r="0" g="0" b="0"/>
+      </a:fillRef>
+      <a:effectRef idx="0">
+        <a:scrgbClr r="0" g="0" b="0"/>
+      </a:effectRef>
+      <a:fontRef idx="minor"/>
+    </dgm:style>
+  </dgm:styleLbl>
+  <dgm:styleLbl name="bgAcc1">
+    <dgm:scene3d>
+      <a:camera prst="orthographicFront"/>
+      <a:lightRig rig="threePt" dir="t"/>
+    </dgm:scene3d>
+    <dgm:sp3d/>
+    <dgm:txPr/>
+    <dgm:style>
+      <a:lnRef idx="2">
+        <a:scrgbClr r="0" g="0" b="0"/>
+      </a:lnRef>
+      <a:fillRef idx="1">
+        <a:scrgbClr r="0" g="0" b="0"/>
+      </a:fillRef>
+      <a:effectRef idx="0">
+        <a:scrgbClr r="0" g="0" b="0"/>
+      </a:effectRef>
+      <a:fontRef idx="minor"/>
+    </dgm:style>
+  </dgm:styleLbl>
+  <dgm:styleLbl name="solidFgAcc1">
+    <dgm:scene3d>
+      <a:camera prst="orthographicFront"/>
+      <a:lightRig rig="threePt" dir="t"/>
+    </dgm:scene3d>
+    <dgm:sp3d/>
+    <dgm:txPr/>
+    <dgm:style>
+      <a:lnRef idx="2">
+        <a:scrgbClr r="0" g="0" b="0"/>
+      </a:lnRef>
+      <a:fillRef idx="1">
+        <a:scrgbClr r="0" g="0" b="0"/>
+      </a:fillRef>
+      <a:effectRef idx="0">
+        <a:scrgbClr r="0" g="0" b="0"/>
+      </a:effectRef>
+      <a:fontRef idx="minor"/>
+    </dgm:style>
+  </dgm:styleLbl>
+  <dgm:styleLbl name="solidAlignAcc1">
+    <dgm:scene3d>
+      <a:camera prst="orthographicFront"/>
+      <a:lightRig rig="threePt" dir="t"/>
+    </dgm:scene3d>
+    <dgm:sp3d/>
+    <dgm:txPr/>
+    <dgm:style>
+      <a:lnRef idx="2">
+        <a:scrgbClr r="0" g="0" b="0"/>
+      </a:lnRef>
+      <a:fillRef idx="1">
+        <a:scrgbClr r="0" g="0" b="0"/>
+      </a:fillRef>
+      <a:effectRef idx="0">
+        <a:scrgbClr r="0" g="0" b="0"/>
+      </a:effectRef>
+      <a:fontRef idx="minor"/>
+    </dgm:style>
+  </dgm:styleLbl>
+  <dgm:styleLbl name="solidBgAcc1">
+    <dgm:scene3d>
+      <a:camera prst="orthographicFront"/>
+      <a:lightRig rig="threePt" dir="t"/>
+    </dgm:scene3d>
+    <dgm:sp3d/>
+    <dgm:txPr/>
+    <dgm:style>
+      <a:lnRef idx="2">
+        <a:scrgbClr r="0" g="0" b="0"/>
+      </a:lnRef>
+      <a:fillRef idx="1">
+        <a:scrgbClr r="0" g="0" b="0"/>
+      </a:fillRef>
+      <a:effectRef idx="0">
+        <a:scrgbClr r="0" g="0" b="0"/>
+      </a:effectRef>
+      <a:fontRef idx="minor"/>
+    </dgm:style>
+  </dgm:styleLbl>
+  <dgm:styleLbl name="fgAccFollowNode1">
+    <dgm:scene3d>
+      <a:camera prst="orthographicFront"/>
+      <a:lightRig rig="threePt" dir="t"/>
+    </dgm:scene3d>
+    <dgm:sp3d/>
+    <dgm:txPr/>
+    <dgm:style>
+      <a:lnRef idx="2">
+        <a:scrgbClr r="0" g="0" b="0"/>
+      </a:lnRef>
+      <a:fillRef idx="1">
+        <a:scrgbClr r="0" g="0" b="0"/>
+      </a:fillRef>
+      <a:effectRef idx="0">
+        <a:scrgbClr r="0" g="0" b="0"/>
+      </a:effectRef>
+      <a:fontRef idx="minor"/>
+    </dgm:style>
+  </dgm:styleLbl>
+  <dgm:styleLbl name="alignAccFollowNode1">
+    <dgm:scene3d>
+      <a:camera prst="orthographicFront"/>
+      <a:lightRig rig="threePt" dir="t"/>
+    </dgm:scene3d>
+    <dgm:sp3d/>
+    <dgm:txPr/>
+    <dgm:style>
+      <a:lnRef idx="2">
+        <a:scrgbClr r="0" g="0" b="0"/>
+      </a:lnRef>
+      <a:fillRef idx="1">
+        <a:scrgbClr r="0" g="0" b="0"/>
+      </a:fillRef>
+      <a:effectRef idx="0">
+        <a:scrgbClr r="0" g="0" b="0"/>
+      </a:effectRef>
+      <a:fontRef idx="minor"/>
+    </dgm:style>
+  </dgm:styleLbl>
+  <dgm:styleLbl name="bgAccFollowNode1">
+    <dgm:scene3d>
+      <a:camera prst="orthographicFront"/>
+      <a:lightRig rig="threePt" dir="t"/>
+    </dgm:scene3d>
+    <dgm:sp3d/>
+    <dgm:txPr/>
+    <dgm:style>
+      <a:lnRef idx="2">
+        <a:scrgbClr r="0" g="0" b="0"/>
+      </a:lnRef>
+      <a:fillRef idx="1">
+        <a:scrgbClr r="0" g="0" b="0"/>
+      </a:fillRef>
+      <a:effectRef idx="0">
+        <a:scrgbClr r="0" g="0" b="0"/>
+      </a:effectRef>
+      <a:fontRef idx="minor"/>
+    </dgm:style>
+  </dgm:styleLbl>
+  <dgm:styleLbl name="fgAcc0">
+    <dgm:scene3d>
+      <a:camera prst="orthographicFront"/>
+      <a:lightRig rig="threePt" dir="t"/>
+    </dgm:scene3d>
+    <dgm:sp3d/>
+    <dgm:txPr/>
+    <dgm:style>
+      <a:lnRef idx="2">
+        <a:scrgbClr r="0" g="0" b="0"/>
+      </a:lnRef>
+      <a:fillRef idx="1">
+        <a:scrgbClr r="0" g="0" b="0"/>
+      </a:fillRef>
+      <a:effectRef idx="0">
+        <a:scrgbClr r="0" g="0" b="0"/>
+      </a:effectRef>
+      <a:fontRef idx="minor"/>
+    </dgm:style>
+  </dgm:styleLbl>
+  <dgm:styleLbl name="fgAcc2">
+    <dgm:scene3d>
+      <a:camera prst="orthographicFront"/>
+      <a:lightRig rig="threePt" dir="t"/>
+    </dgm:scene3d>
+    <dgm:sp3d/>
+    <dgm:txPr/>
+    <dgm:style>
+      <a:lnRef idx="2">
+        <a:scrgbClr r="0" g="0" b="0"/>
+      </a:lnRef>
+      <a:fillRef idx="1">
+        <a:scrgbClr r="0" g="0" b="0"/>
+      </a:fillRef>
+      <a:effectRef idx="0">
+        <a:scrgbClr r="0" g="0" b="0"/>
+      </a:effectRef>
+      <a:fontRef idx="minor"/>
+    </dgm:style>
+  </dgm:styleLbl>
+  <dgm:styleLbl name="fgAcc3">
+    <dgm:scene3d>
+      <a:camera prst="orthographicFront"/>
+      <a:lightRig rig="threePt" dir="t"/>
+    </dgm:scene3d>
+    <dgm:sp3d/>
+    <dgm:txPr/>
+    <dgm:style>
+      <a:lnRef idx="2">
+        <a:scrgbClr r="0" g="0" b="0"/>
+      </a:lnRef>
+      <a:fillRef idx="1">
+        <a:scrgbClr r="0" g="0" b="0"/>
+      </a:fillRef>
+      <a:effectRef idx="0">
+        <a:scrgbClr r="0" g="0" b="0"/>
+      </a:effectRef>
+      <a:fontRef idx="minor"/>
+    </dgm:style>
+  </dgm:styleLbl>
+  <dgm:styleLbl name="fgAcc4">
+    <dgm:scene3d>
+      <a:camera prst="orthographicFront"/>
+      <a:lightRig rig="threePt" dir="t"/>
+    </dgm:scene3d>
+    <dgm:sp3d/>
+    <dgm:txPr/>
+    <dgm:style>
+      <a:lnRef idx="2">
+        <a:scrgbClr r="0" g="0" b="0"/>
+      </a:lnRef>
+      <a:fillRef idx="1">
+        <a:scrgbClr r="0" g="0" b="0"/>
+      </a:fillRef>
+      <a:effectRef idx="0">
+        <a:scrgbClr r="0" g="0" b="0"/>
+      </a:effectRef>
+      <a:fontRef idx="minor"/>
+    </dgm:style>
+  </dgm:styleLbl>
+  <dgm:styleLbl name="bgShp">
+    <dgm:scene3d>
+      <a:camera prst="orthographicFront"/>
+      <a:lightRig rig="threePt" dir="t"/>
+    </dgm:scene3d>
+    <dgm:sp3d/>
+    <dgm:txPr/>
+    <dgm:style>
+      <a:lnRef idx="0">
+        <a:scrgbClr r="0" g="0" b="0"/>
+      </a:lnRef>
+      <a:fillRef idx="1">
+        <a:scrgbClr r="0" g="0" b="0"/>
+      </a:fillRef>
+      <a:effectRef idx="0">
+        <a:scrgbClr r="0" g="0" b="0"/>
+      </a:effectRef>
+      <a:fontRef idx="minor"/>
+    </dgm:style>
+  </dgm:styleLbl>
+  <dgm:styleLbl name="dkBgShp">
+    <dgm:scene3d>
+      <a:camera prst="orthographicFront"/>
+      <a:lightRig rig="threePt" dir="t"/>
+    </dgm:scene3d>
+    <dgm:sp3d/>
+    <dgm:txPr/>
+    <dgm:style>
+      <a:lnRef idx="0">
+        <a:scrgbClr r="0" g="0" b="0"/>
+      </a:lnRef>
+      <a:fillRef idx="1">
+        <a:scrgbClr r="0" g="0" b="0"/>
+      </a:fillRef>
+      <a:effectRef idx="0">
+        <a:scrgbClr r="0" g="0" b="0"/>
+      </a:effectRef>
+      <a:fontRef idx="minor"/>
+    </dgm:style>
+  </dgm:styleLbl>
+  <dgm:styleLbl name="trBgShp">
+    <dgm:scene3d>
+      <a:camera prst="orthographicFront"/>
+      <a:lightRig rig="threePt" dir="t"/>
+    </dgm:scene3d>
+    <dgm:sp3d/>
+    <dgm:txPr/>
+    <dgm:style>
+      <a:lnRef idx="0">
+        <a:scrgbClr r="0" g="0" b="0"/>
+      </a:lnRef>
+      <a:fillRef idx="1">
+        <a:scrgbClr r="0" g="0" b="0"/>
+      </a:fillRef>
+      <a:effectRef idx="0">
+        <a:scrgbClr r="0" g="0" b="0"/>
+      </a:effectRef>
+      <a:fontRef idx="minor"/>
+    </dgm:style>
+  </dgm:styleLbl>
+  <dgm:styleLbl name="fgShp">
+    <dgm:scene3d>
+      <a:camera prst="orthographicFront"/>
+      <a:lightRig rig="threePt" dir="t"/>
+    </dgm:scene3d>
+    <dgm:sp3d/>
+    <dgm:txPr/>
+    <dgm:style>
+      <a:lnRef idx="2">
+        <a:scrgbClr r="0" g="0" b="0"/>
+      </a:lnRef>
+      <a:fillRef idx="1">
+        <a:scrgbClr r="0" g="0" b="0"/>
+      </a:fillRef>
+      <a:effectRef idx="0">
+        <a:scrgbClr r="0" g="0" b="0"/>
+      </a:effectRef>
+      <a:fontRef idx="minor"/>
+    </dgm:style>
+  </dgm:styleLbl>
+  <dgm:styleLbl name="revTx">
+    <dgm:scene3d>
+      <a:camera prst="orthographicFront"/>
+      <a:lightRig rig="threePt" dir="t"/>
+    </dgm:scene3d>
+    <dgm:sp3d/>
+    <dgm:txPr/>
+    <dgm:style>
+      <a:lnRef idx="0">
+        <a:scrgbClr r="0" g="0" b="0"/>
+      </a:lnRef>
+      <a:fillRef idx="0">
+        <a:scrgbClr r="0" g="0" b="0"/>
+      </a:fillRef>
+      <a:effectRef idx="0">
+        <a:scrgbClr r="0" g="0" b="0"/>
+      </a:effectRef>
+      <a:fontRef idx="minor"/>
+    </dgm:style>
+  </dgm:styleLbl>
+</dgm:styleDef>
+</file>
+
 <file path=ppt/slideLayouts/slideLayout1.xml><?xml version="1.0" encoding="utf-8"?>
 <p:sldLayout xmlns:a="http://schemas.openxmlformats.org/drawingml/2006/main" xmlns:r="http://schemas.openxmlformats.org/officeDocument/2006/relationships" xmlns:p="http://schemas.openxmlformats.org/presentationml/2006/main" type="title" preserve="1">
   <p:cSld name="Title Slide">
@@ -7562,7 +11566,7 @@
           <a:p>
             <a:fld id="{0DAF61AA-5A98-4049-A93E-477E5505141A}" type="datetimeFigureOut">
               <a:rPr lang="en-US" smtClean="0"/>
-              <a:t>6/17/2024</a:t>
+              <a:t>6/18/2024</a:t>
             </a:fld>
             <a:endParaRPr lang="en-US" dirty="0"/>
           </a:p>
@@ -7760,7 +11764,7 @@
           <a:p>
             <a:fld id="{0DAF61AA-5A98-4049-A93E-477E5505141A}" type="datetimeFigureOut">
               <a:rPr lang="en-US" smtClean="0"/>
-              <a:t>6/17/2024</a:t>
+              <a:t>6/18/2024</a:t>
             </a:fld>
             <a:endParaRPr lang="en-US"/>
           </a:p>
@@ -7968,7 +11972,7 @@
           <a:p>
             <a:fld id="{0DAF61AA-5A98-4049-A93E-477E5505141A}" type="datetimeFigureOut">
               <a:rPr lang="en-US" smtClean="0"/>
-              <a:t>6/17/2024</a:t>
+              <a:t>6/18/2024</a:t>
             </a:fld>
             <a:endParaRPr lang="en-US"/>
           </a:p>
@@ -8166,7 +12170,7 @@
           <a:p>
             <a:fld id="{0DAF61AA-5A98-4049-A93E-477E5505141A}" type="datetimeFigureOut">
               <a:rPr lang="en-US" smtClean="0"/>
-              <a:t>6/17/2024</a:t>
+              <a:t>6/18/2024</a:t>
             </a:fld>
             <a:endParaRPr lang="en-US"/>
           </a:p>
@@ -8441,7 +12445,7 @@
           <a:p>
             <a:fld id="{0DAF61AA-5A98-4049-A93E-477E5505141A}" type="datetimeFigureOut">
               <a:rPr lang="en-US" smtClean="0"/>
-              <a:t>6/17/2024</a:t>
+              <a:t>6/18/2024</a:t>
             </a:fld>
             <a:endParaRPr lang="en-US"/>
           </a:p>
@@ -8706,7 +12710,7 @@
           <a:p>
             <a:fld id="{0DAF61AA-5A98-4049-A93E-477E5505141A}" type="datetimeFigureOut">
               <a:rPr lang="en-US" smtClean="0"/>
-              <a:t>6/17/2024</a:t>
+              <a:t>6/18/2024</a:t>
             </a:fld>
             <a:endParaRPr lang="en-US"/>
           </a:p>
@@ -9118,7 +13122,7 @@
           <a:p>
             <a:fld id="{0DAF61AA-5A98-4049-A93E-477E5505141A}" type="datetimeFigureOut">
               <a:rPr lang="en-US" smtClean="0"/>
-              <a:t>6/17/2024</a:t>
+              <a:t>6/18/2024</a:t>
             </a:fld>
             <a:endParaRPr lang="en-US"/>
           </a:p>
@@ -9259,7 +13263,7 @@
           <a:p>
             <a:fld id="{0DAF61AA-5A98-4049-A93E-477E5505141A}" type="datetimeFigureOut">
               <a:rPr lang="en-US" smtClean="0"/>
-              <a:t>6/17/2024</a:t>
+              <a:t>6/18/2024</a:t>
             </a:fld>
             <a:endParaRPr lang="en-US"/>
           </a:p>
@@ -9372,7 +13376,7 @@
           <a:p>
             <a:fld id="{0DAF61AA-5A98-4049-A93E-477E5505141A}" type="datetimeFigureOut">
               <a:rPr lang="en-US" smtClean="0"/>
-              <a:t>6/17/2024</a:t>
+              <a:t>6/18/2024</a:t>
             </a:fld>
             <a:endParaRPr lang="en-US"/>
           </a:p>
@@ -9683,7 +13687,7 @@
           <a:p>
             <a:fld id="{0DAF61AA-5A98-4049-A93E-477E5505141A}" type="datetimeFigureOut">
               <a:rPr lang="en-US" smtClean="0"/>
-              <a:t>6/17/2024</a:t>
+              <a:t>6/18/2024</a:t>
             </a:fld>
             <a:endParaRPr lang="en-US"/>
           </a:p>
@@ -9974,7 +13978,7 @@
           <a:p>
             <a:fld id="{0DAF61AA-5A98-4049-A93E-477E5505141A}" type="datetimeFigureOut">
               <a:rPr lang="en-US" smtClean="0"/>
-              <a:t>6/17/2024</a:t>
+              <a:t>6/18/2024</a:t>
             </a:fld>
             <a:endParaRPr lang="en-US"/>
           </a:p>
@@ -13662,7 +17666,7 @@
             <a:fld id="{0DAF61AA-5A98-4049-A93E-477E5505141A}" type="datetimeFigureOut">
               <a:rPr lang="en-US" smtClean="0"/>
               <a:pPr/>
-              <a:t>6/17/2024</a:t>
+              <a:t>6/18/2024</a:t>
             </a:fld>
             <a:endParaRPr lang="en-US" dirty="0"/>
           </a:p>
@@ -17892,6 +21896,112 @@
     <p:extLst>
       <p:ext uri="{BB962C8B-B14F-4D97-AF65-F5344CB8AC3E}">
         <p14:creationId xmlns:p14="http://schemas.microsoft.com/office/powerpoint/2010/main" val="825156460"/>
+      </p:ext>
+    </p:extLst>
+  </p:cSld>
+  <p:clrMapOvr>
+    <a:masterClrMapping/>
+  </p:clrMapOvr>
+</p:sld>
+</file>
+
+<file path=ppt/slides/slide10.xml><?xml version="1.0" encoding="utf-8"?>
+<p:sld xmlns:a="http://schemas.openxmlformats.org/drawingml/2006/main" xmlns:r="http://schemas.openxmlformats.org/officeDocument/2006/relationships" xmlns:p="http://schemas.openxmlformats.org/presentationml/2006/main">
+  <p:cSld>
+    <p:spTree>
+      <p:nvGrpSpPr>
+        <p:cNvPr id="1" name=""/>
+        <p:cNvGrpSpPr/>
+        <p:nvPr/>
+      </p:nvGrpSpPr>
+      <p:grpSpPr>
+        <a:xfrm>
+          <a:off x="0" y="0"/>
+          <a:ext cx="0" cy="0"/>
+          <a:chOff x="0" y="0"/>
+          <a:chExt cx="0" cy="0"/>
+        </a:xfrm>
+      </p:grpSpPr>
+      <p:sp>
+        <p:nvSpPr>
+          <p:cNvPr id="2" name="Título 1">
+            <a:extLst>
+              <a:ext uri="{FF2B5EF4-FFF2-40B4-BE49-F238E27FC236}">
+                <a16:creationId xmlns:a16="http://schemas.microsoft.com/office/drawing/2014/main" id="{F584598D-CA49-B17D-5D35-7B42C868BE9E}"/>
+              </a:ext>
+            </a:extLst>
+          </p:cNvPr>
+          <p:cNvSpPr>
+            <a:spLocks noGrp="1"/>
+          </p:cNvSpPr>
+          <p:nvPr>
+            <p:ph type="title"/>
+          </p:nvPr>
+        </p:nvSpPr>
+        <p:spPr/>
+        <p:txBody>
+          <a:bodyPr/>
+          <a:lstStyle/>
+          <a:p>
+            <a:r>
+              <a:rPr lang="es-ES" dirty="0"/>
+              <a:t>Posibilidades de ampliación</a:t>
+            </a:r>
+          </a:p>
+        </p:txBody>
+      </p:sp>
+      <p:sp>
+        <p:nvSpPr>
+          <p:cNvPr id="3" name="Marcador de contenido 2">
+            <a:extLst>
+              <a:ext uri="{FF2B5EF4-FFF2-40B4-BE49-F238E27FC236}">
+                <a16:creationId xmlns:a16="http://schemas.microsoft.com/office/drawing/2014/main" id="{B683210C-BAAD-CFB4-CB4A-73FCC735AD70}"/>
+              </a:ext>
+            </a:extLst>
+          </p:cNvPr>
+          <p:cNvSpPr>
+            <a:spLocks noGrp="1"/>
+          </p:cNvSpPr>
+          <p:nvPr>
+            <p:ph idx="1"/>
+          </p:nvPr>
+        </p:nvSpPr>
+        <p:spPr/>
+        <p:txBody>
+          <a:bodyPr>
+            <a:normAutofit lnSpcReduction="10000"/>
+          </a:bodyPr>
+          <a:lstStyle/>
+          <a:p>
+            <a:r>
+              <a:rPr lang="es-ES" dirty="0"/>
+              <a:t>Añadir una tabla Clubes para que cualquier club pueda hacer el torneo, y que se modifiquen los estilos de la página.</a:t>
+            </a:r>
+          </a:p>
+          <a:p>
+            <a:r>
+              <a:rPr lang="es-ES" dirty="0"/>
+              <a:t>Añadir una tienda, en la cual cuando le des a realizar compra al final del todo, te de una cita y te mande un correo.(no hay envío).</a:t>
+            </a:r>
+          </a:p>
+          <a:p>
+            <a:r>
+              <a:rPr lang="es-ES" dirty="0"/>
+              <a:t>Añadir algo para identificar los goles de cada jugador y las asistencias en tiempo real.</a:t>
+            </a:r>
+          </a:p>
+          <a:p>
+            <a:r>
+              <a:rPr lang="es-ES" dirty="0"/>
+              <a:t>Darle la posibilidad de añadir los goles al partido en tiempo real.</a:t>
+            </a:r>
+          </a:p>
+        </p:txBody>
+      </p:sp>
+    </p:spTree>
+    <p:extLst>
+      <p:ext uri="{BB962C8B-B14F-4D97-AF65-F5344CB8AC3E}">
+        <p14:creationId xmlns:p14="http://schemas.microsoft.com/office/powerpoint/2010/main" val="931273949"/>
       </p:ext>
     </p:extLst>
   </p:cSld>
@@ -32144,6 +36254,5223 @@
 <file path=ppt/slides/slide6.xml><?xml version="1.0" encoding="utf-8"?>
 <p:sld xmlns:a="http://schemas.openxmlformats.org/drawingml/2006/main" xmlns:r="http://schemas.openxmlformats.org/officeDocument/2006/relationships" xmlns:p="http://schemas.openxmlformats.org/presentationml/2006/main">
   <p:cSld>
+    <p:bg>
+      <p:bgPr>
+        <a:solidFill>
+          <a:schemeClr val="bg1"/>
+        </a:solidFill>
+        <a:effectLst/>
+      </p:bgPr>
+    </p:bg>
+    <p:spTree>
+      <p:nvGrpSpPr>
+        <p:cNvPr id="1" name=""/>
+        <p:cNvGrpSpPr/>
+        <p:nvPr/>
+      </p:nvGrpSpPr>
+      <p:grpSpPr>
+        <a:xfrm>
+          <a:off x="0" y="0"/>
+          <a:ext cx="0" cy="0"/>
+          <a:chOff x="0" y="0"/>
+          <a:chExt cx="0" cy="0"/>
+        </a:xfrm>
+      </p:grpSpPr>
+      <p:sp useBgFill="1">
+        <p:nvSpPr>
+          <p:cNvPr id="11" name="Rectangle 10">
+            <a:extLst>
+              <a:ext uri="{FF2B5EF4-FFF2-40B4-BE49-F238E27FC236}">
+                <a16:creationId xmlns:a16="http://schemas.microsoft.com/office/drawing/2014/main" id="{8651CFA9-6065-4243-AC48-858E359780B1}"/>
+              </a:ext>
+              <a:ext uri="{C183D7F6-B498-43B3-948B-1728B52AA6E4}">
+                <adec:decorative xmlns:adec="http://schemas.microsoft.com/office/drawing/2017/decorative" val="1"/>
+              </a:ext>
+            </a:extLst>
+          </p:cNvPr>
+          <p:cNvSpPr>
+            <a:spLocks noGrp="1" noRot="1" noChangeAspect="1" noMove="1" noResize="1" noEditPoints="1" noAdjustHandles="1" noChangeArrowheads="1" noChangeShapeType="1" noTextEdit="1"/>
+          </p:cNvSpPr>
+          <p:nvPr>
+            <p:extLst>
+              <p:ext uri="{386F3935-93C4-4BCD-93E2-E3B085C9AB24}">
+                <p16:designElem xmlns:p16="http://schemas.microsoft.com/office/powerpoint/2015/main" val="1"/>
+              </p:ext>
+            </p:extLst>
+          </p:nvPr>
+        </p:nvSpPr>
+        <p:spPr>
+          <a:xfrm>
+            <a:off x="0" y="0"/>
+            <a:ext cx="12188952" cy="6858000"/>
+          </a:xfrm>
+          <a:prstGeom prst="rect">
+            <a:avLst/>
+          </a:prstGeom>
+          <a:ln>
+            <a:solidFill>
+              <a:schemeClr val="bg1">
+                <a:lumMod val="95000"/>
+              </a:schemeClr>
+            </a:solidFill>
+          </a:ln>
+        </p:spPr>
+        <p:style>
+          <a:lnRef idx="2">
+            <a:schemeClr val="accent1">
+              <a:shade val="50000"/>
+            </a:schemeClr>
+          </a:lnRef>
+          <a:fillRef idx="1">
+            <a:schemeClr val="accent1"/>
+          </a:fillRef>
+          <a:effectRef idx="0">
+            <a:schemeClr val="accent1"/>
+          </a:effectRef>
+          <a:fontRef idx="minor">
+            <a:schemeClr val="lt1"/>
+          </a:fontRef>
+        </p:style>
+        <p:txBody>
+          <a:bodyPr rtlCol="0" anchor="ctr"/>
+          <a:lstStyle/>
+          <a:p>
+            <a:pPr algn="ctr"/>
+            <a:endParaRPr lang="en-US" dirty="0">
+              <a:solidFill>
+                <a:schemeClr val="tx1">
+                  <a:lumMod val="65000"/>
+                  <a:lumOff val="35000"/>
+                </a:schemeClr>
+              </a:solidFill>
+              <a:latin typeface="AvenirNext LT Pro Medium" panose="020B0504020202020204" pitchFamily="34" charset="0"/>
+            </a:endParaRPr>
+          </a:p>
+        </p:txBody>
+      </p:sp>
+      <p:sp>
+        <p:nvSpPr>
+          <p:cNvPr id="13" name="Rectangle 12">
+            <a:extLst>
+              <a:ext uri="{FF2B5EF4-FFF2-40B4-BE49-F238E27FC236}">
+                <a16:creationId xmlns:a16="http://schemas.microsoft.com/office/drawing/2014/main" id="{37962AE0-6A1C-4B76-9D52-10E5E6D7D3BB}"/>
+              </a:ext>
+              <a:ext uri="{C183D7F6-B498-43B3-948B-1728B52AA6E4}">
+                <adec:decorative xmlns:adec="http://schemas.microsoft.com/office/drawing/2017/decorative" val="1"/>
+              </a:ext>
+            </a:extLst>
+          </p:cNvPr>
+          <p:cNvSpPr>
+            <a:spLocks noGrp="1" noRot="1" noChangeAspect="1" noMove="1" noResize="1" noEditPoints="1" noAdjustHandles="1" noChangeArrowheads="1" noChangeShapeType="1" noTextEdit="1"/>
+          </p:cNvSpPr>
+          <p:nvPr>
+            <p:extLst>
+              <p:ext uri="{386F3935-93C4-4BCD-93E2-E3B085C9AB24}">
+                <p16:designElem xmlns:p16="http://schemas.microsoft.com/office/powerpoint/2015/main" val="1"/>
+              </p:ext>
+            </p:extLst>
+          </p:nvPr>
+        </p:nvSpPr>
+        <p:spPr>
+          <a:xfrm>
+            <a:off x="0" y="0"/>
+            <a:ext cx="12188952" cy="6858000"/>
+          </a:xfrm>
+          <a:prstGeom prst="rect">
+            <a:avLst/>
+          </a:prstGeom>
+          <a:solidFill>
+            <a:schemeClr val="bg2"/>
+          </a:solidFill>
+          <a:ln>
+            <a:noFill/>
+          </a:ln>
+        </p:spPr>
+        <p:style>
+          <a:lnRef idx="2">
+            <a:schemeClr val="accent1">
+              <a:shade val="50000"/>
+            </a:schemeClr>
+          </a:lnRef>
+          <a:fillRef idx="1">
+            <a:schemeClr val="accent1"/>
+          </a:fillRef>
+          <a:effectRef idx="0">
+            <a:schemeClr val="accent1"/>
+          </a:effectRef>
+          <a:fontRef idx="minor">
+            <a:schemeClr val="lt1"/>
+          </a:fontRef>
+        </p:style>
+        <p:txBody>
+          <a:bodyPr rtlCol="0" anchor="ctr"/>
+          <a:lstStyle/>
+          <a:p>
+            <a:pPr algn="ctr"/>
+            <a:endParaRPr lang="en-US" dirty="0">
+              <a:solidFill>
+                <a:schemeClr val="tx1">
+                  <a:lumMod val="65000"/>
+                  <a:lumOff val="35000"/>
+                </a:schemeClr>
+              </a:solidFill>
+              <a:latin typeface="AvenirNext LT Pro Medium" panose="020B0504020202020204" pitchFamily="34" charset="0"/>
+            </a:endParaRPr>
+          </a:p>
+        </p:txBody>
+      </p:sp>
+      <p:grpSp>
+        <p:nvGrpSpPr>
+          <p:cNvPr id="15" name="Top left">
+            <a:extLst>
+              <a:ext uri="{FF2B5EF4-FFF2-40B4-BE49-F238E27FC236}">
+                <a16:creationId xmlns:a16="http://schemas.microsoft.com/office/drawing/2014/main" id="{32D15CB3-AC64-41F7-86F8-22A111F3DC24}"/>
+              </a:ext>
+              <a:ext uri="{C183D7F6-B498-43B3-948B-1728B52AA6E4}">
+                <adec:decorative xmlns:adec="http://schemas.microsoft.com/office/drawing/2017/decorative" val="1"/>
+              </a:ext>
+            </a:extLst>
+          </p:cNvPr>
+          <p:cNvGrpSpPr>
+            <a:grpSpLocks noGrp="1" noUngrp="1" noRot="1" noChangeAspect="1" noMove="1" noResize="1"/>
+          </p:cNvGrpSpPr>
+          <p:nvPr>
+            <p:extLst>
+              <p:ext uri="{386F3935-93C4-4BCD-93E2-E3B085C9AB24}">
+                <p16:designElem xmlns:p16="http://schemas.microsoft.com/office/powerpoint/2015/main" val="1"/>
+              </p:ext>
+            </p:extLst>
+          </p:nvPr>
+        </p:nvGrpSpPr>
+        <p:grpSpPr>
+          <a:xfrm>
+            <a:off x="5425" y="-1543"/>
+            <a:ext cx="2198951" cy="3349518"/>
+            <a:chOff x="10849" y="-3086"/>
+            <a:chExt cx="2198951" cy="3349518"/>
+          </a:xfrm>
+        </p:grpSpPr>
+        <p:sp>
+          <p:nvSpPr>
+            <p:cNvPr id="16" name="Freeform: Shape 15">
+              <a:extLst>
+                <a:ext uri="{FF2B5EF4-FFF2-40B4-BE49-F238E27FC236}">
+                  <a16:creationId xmlns:a16="http://schemas.microsoft.com/office/drawing/2014/main" id="{9B8FAC53-55F6-4B51-8FAD-977E5E7D7EF7}"/>
+                </a:ext>
+                <a:ext uri="{C183D7F6-B498-43B3-948B-1728B52AA6E4}">
+                  <adec:decorative xmlns:adec="http://schemas.microsoft.com/office/drawing/2017/decorative" val="1"/>
+                </a:ext>
+              </a:extLst>
+            </p:cNvPr>
+            <p:cNvSpPr/>
+            <p:nvPr>
+              <p:extLst>
+                <p:ext uri="{386F3935-93C4-4BCD-93E2-E3B085C9AB24}">
+                  <p16:designElem xmlns:p16="http://schemas.microsoft.com/office/powerpoint/2015/main" val="1"/>
+                </p:ext>
+              </p:extLst>
+            </p:nvPr>
+          </p:nvSpPr>
+          <p:spPr>
+            <a:xfrm rot="10800000">
+              <a:off x="692844" y="-3086"/>
+              <a:ext cx="1326111" cy="597603"/>
+            </a:xfrm>
+            <a:custGeom>
+              <a:avLst/>
+              <a:gdLst>
+                <a:gd name="connsiteX0" fmla="*/ 741051 w 1482102"/>
+                <a:gd name="connsiteY0" fmla="*/ 0 h 679363"/>
+                <a:gd name="connsiteX1" fmla="*/ 1473822 w 1482102"/>
+                <a:gd name="connsiteY1" fmla="*/ 597226 h 679363"/>
+                <a:gd name="connsiteX2" fmla="*/ 1482102 w 1482102"/>
+                <a:gd name="connsiteY2" fmla="*/ 679363 h 679363"/>
+                <a:gd name="connsiteX3" fmla="*/ 0 w 1482102"/>
+                <a:gd name="connsiteY3" fmla="*/ 679363 h 679363"/>
+                <a:gd name="connsiteX4" fmla="*/ 8280 w 1482102"/>
+                <a:gd name="connsiteY4" fmla="*/ 597226 h 679363"/>
+                <a:gd name="connsiteX5" fmla="*/ 741051 w 1482102"/>
+                <a:gd name="connsiteY5" fmla="*/ 0 h 679363"/>
+              </a:gdLst>
+              <a:ahLst/>
+              <a:cxnLst>
+                <a:cxn ang="0">
+                  <a:pos x="connsiteX0" y="connsiteY0"/>
+                </a:cxn>
+                <a:cxn ang="0">
+                  <a:pos x="connsiteX1" y="connsiteY1"/>
+                </a:cxn>
+                <a:cxn ang="0">
+                  <a:pos x="connsiteX2" y="connsiteY2"/>
+                </a:cxn>
+                <a:cxn ang="0">
+                  <a:pos x="connsiteX3" y="connsiteY3"/>
+                </a:cxn>
+                <a:cxn ang="0">
+                  <a:pos x="connsiteX4" y="connsiteY4"/>
+                </a:cxn>
+                <a:cxn ang="0">
+                  <a:pos x="connsiteX5" y="connsiteY5"/>
+                </a:cxn>
+              </a:cxnLst>
+              <a:rect l="l" t="t" r="r" b="b"/>
+              <a:pathLst>
+                <a:path w="1482102" h="679363">
+                  <a:moveTo>
+                    <a:pt x="741051" y="0"/>
+                  </a:moveTo>
+                  <a:cubicBezTo>
+                    <a:pt x="1102506" y="0"/>
+                    <a:pt x="1404077" y="256390"/>
+                    <a:pt x="1473822" y="597226"/>
+                  </a:cubicBezTo>
+                  <a:lnTo>
+                    <a:pt x="1482102" y="679363"/>
+                  </a:lnTo>
+                  <a:lnTo>
+                    <a:pt x="0" y="679363"/>
+                  </a:lnTo>
+                  <a:lnTo>
+                    <a:pt x="8280" y="597226"/>
+                  </a:lnTo>
+                  <a:cubicBezTo>
+                    <a:pt x="78025" y="256390"/>
+                    <a:pt x="379596" y="0"/>
+                    <a:pt x="741051" y="0"/>
+                  </a:cubicBezTo>
+                  <a:close/>
+                </a:path>
+              </a:pathLst>
+            </a:custGeom>
+            <a:solidFill>
+              <a:schemeClr val="bg1"/>
+            </a:solidFill>
+            <a:ln>
+              <a:noFill/>
+            </a:ln>
+          </p:spPr>
+          <p:style>
+            <a:lnRef idx="2">
+              <a:schemeClr val="accent1">
+                <a:shade val="50000"/>
+              </a:schemeClr>
+            </a:lnRef>
+            <a:fillRef idx="1">
+              <a:schemeClr val="accent1"/>
+            </a:fillRef>
+            <a:effectRef idx="0">
+              <a:schemeClr val="accent1"/>
+            </a:effectRef>
+            <a:fontRef idx="minor">
+              <a:schemeClr val="lt1"/>
+            </a:fontRef>
+          </p:style>
+          <p:txBody>
+            <a:bodyPr wrap="square" rtlCol="0" anchor="ctr">
+              <a:noAutofit/>
+            </a:bodyPr>
+            <a:lstStyle>
+              <a:defPPr>
+                <a:defRPr lang="en-US"/>
+              </a:defPPr>
+              <a:lvl1pPr marL="0" algn="l" defTabSz="914400" rtl="0" eaLnBrk="1" latinLnBrk="0" hangingPunct="1">
+                <a:defRPr sz="1800" kern="1200">
+                  <a:solidFill>
+                    <a:schemeClr val="lt1"/>
+                  </a:solidFill>
+                  <a:latin typeface="+mn-lt"/>
+                  <a:ea typeface="+mn-ea"/>
+                  <a:cs typeface="+mn-cs"/>
+                </a:defRPr>
+              </a:lvl1pPr>
+              <a:lvl2pPr marL="457200" algn="l" defTabSz="914400" rtl="0" eaLnBrk="1" latinLnBrk="0" hangingPunct="1">
+                <a:defRPr sz="1800" kern="1200">
+                  <a:solidFill>
+                    <a:schemeClr val="lt1"/>
+                  </a:solidFill>
+                  <a:latin typeface="+mn-lt"/>
+                  <a:ea typeface="+mn-ea"/>
+                  <a:cs typeface="+mn-cs"/>
+                </a:defRPr>
+              </a:lvl2pPr>
+              <a:lvl3pPr marL="914400" algn="l" defTabSz="914400" rtl="0" eaLnBrk="1" latinLnBrk="0" hangingPunct="1">
+                <a:defRPr sz="1800" kern="1200">
+                  <a:solidFill>
+                    <a:schemeClr val="lt1"/>
+                  </a:solidFill>
+                  <a:latin typeface="+mn-lt"/>
+                  <a:ea typeface="+mn-ea"/>
+                  <a:cs typeface="+mn-cs"/>
+                </a:defRPr>
+              </a:lvl3pPr>
+              <a:lvl4pPr marL="1371600" algn="l" defTabSz="914400" rtl="0" eaLnBrk="1" latinLnBrk="0" hangingPunct="1">
+                <a:defRPr sz="1800" kern="1200">
+                  <a:solidFill>
+                    <a:schemeClr val="lt1"/>
+                  </a:solidFill>
+                  <a:latin typeface="+mn-lt"/>
+                  <a:ea typeface="+mn-ea"/>
+                  <a:cs typeface="+mn-cs"/>
+                </a:defRPr>
+              </a:lvl4pPr>
+              <a:lvl5pPr marL="1828800" algn="l" defTabSz="914400" rtl="0" eaLnBrk="1" latinLnBrk="0" hangingPunct="1">
+                <a:defRPr sz="1800" kern="1200">
+                  <a:solidFill>
+                    <a:schemeClr val="lt1"/>
+                  </a:solidFill>
+                  <a:latin typeface="+mn-lt"/>
+                  <a:ea typeface="+mn-ea"/>
+                  <a:cs typeface="+mn-cs"/>
+                </a:defRPr>
+              </a:lvl5pPr>
+              <a:lvl6pPr marL="2286000" algn="l" defTabSz="914400" rtl="0" eaLnBrk="1" latinLnBrk="0" hangingPunct="1">
+                <a:defRPr sz="1800" kern="1200">
+                  <a:solidFill>
+                    <a:schemeClr val="lt1"/>
+                  </a:solidFill>
+                  <a:latin typeface="+mn-lt"/>
+                  <a:ea typeface="+mn-ea"/>
+                  <a:cs typeface="+mn-cs"/>
+                </a:defRPr>
+              </a:lvl6pPr>
+              <a:lvl7pPr marL="2743200" algn="l" defTabSz="914400" rtl="0" eaLnBrk="1" latinLnBrk="0" hangingPunct="1">
+                <a:defRPr sz="1800" kern="1200">
+                  <a:solidFill>
+                    <a:schemeClr val="lt1"/>
+                  </a:solidFill>
+                  <a:latin typeface="+mn-lt"/>
+                  <a:ea typeface="+mn-ea"/>
+                  <a:cs typeface="+mn-cs"/>
+                </a:defRPr>
+              </a:lvl7pPr>
+              <a:lvl8pPr marL="3200400" algn="l" defTabSz="914400" rtl="0" eaLnBrk="1" latinLnBrk="0" hangingPunct="1">
+                <a:defRPr sz="1800" kern="1200">
+                  <a:solidFill>
+                    <a:schemeClr val="lt1"/>
+                  </a:solidFill>
+                  <a:latin typeface="+mn-lt"/>
+                  <a:ea typeface="+mn-ea"/>
+                  <a:cs typeface="+mn-cs"/>
+                </a:defRPr>
+              </a:lvl8pPr>
+              <a:lvl9pPr marL="3657600" algn="l" defTabSz="914400" rtl="0" eaLnBrk="1" latinLnBrk="0" hangingPunct="1">
+                <a:defRPr sz="1800" kern="1200">
+                  <a:solidFill>
+                    <a:schemeClr val="lt1"/>
+                  </a:solidFill>
+                  <a:latin typeface="+mn-lt"/>
+                  <a:ea typeface="+mn-ea"/>
+                  <a:cs typeface="+mn-cs"/>
+                </a:defRPr>
+              </a:lvl9pPr>
+            </a:lstStyle>
+            <a:p>
+              <a:pPr algn="ctr"/>
+              <a:endParaRPr lang="en-US" dirty="0">
+                <a:solidFill>
+                  <a:schemeClr val="tx1">
+                    <a:lumMod val="65000"/>
+                    <a:lumOff val="35000"/>
+                  </a:schemeClr>
+                </a:solidFill>
+                <a:latin typeface="AvenirNext LT Pro Medium" panose="020B0504020202020204" pitchFamily="34" charset="0"/>
+              </a:endParaRPr>
+            </a:p>
+          </p:txBody>
+        </p:sp>
+        <p:sp>
+          <p:nvSpPr>
+            <p:cNvPr id="17" name="Freeform: Shape 16">
+              <a:extLst>
+                <a:ext uri="{FF2B5EF4-FFF2-40B4-BE49-F238E27FC236}">
+                  <a16:creationId xmlns:a16="http://schemas.microsoft.com/office/drawing/2014/main" id="{BC29D267-CD4D-4FD7-8F45-1C8FB4235AF0}"/>
+                </a:ext>
+                <a:ext uri="{C183D7F6-B498-43B3-948B-1728B52AA6E4}">
+                  <adec:decorative xmlns:adec="http://schemas.microsoft.com/office/drawing/2017/decorative" val="1"/>
+                </a:ext>
+              </a:extLst>
+            </p:cNvPr>
+            <p:cNvSpPr/>
+            <p:nvPr>
+              <p:extLst>
+                <p:ext uri="{386F3935-93C4-4BCD-93E2-E3B085C9AB24}">
+                  <p16:designElem xmlns:p16="http://schemas.microsoft.com/office/powerpoint/2015/main" val="1"/>
+                </p:ext>
+              </p:extLst>
+            </p:nvPr>
+          </p:nvSpPr>
+          <p:spPr>
+            <a:xfrm>
+              <a:off x="19394" y="15241"/>
+              <a:ext cx="2190406" cy="3331191"/>
+            </a:xfrm>
+            <a:custGeom>
+              <a:avLst/>
+              <a:gdLst>
+                <a:gd name="connsiteX0" fmla="*/ 0 w 3296088"/>
+                <a:gd name="connsiteY0" fmla="*/ 5012722 h 5012722"/>
+                <a:gd name="connsiteX1" fmla="*/ 244031 w 3296088"/>
+                <a:gd name="connsiteY1" fmla="*/ 4820222 h 5012722"/>
+                <a:gd name="connsiteX2" fmla="*/ 729234 w 3296088"/>
+                <a:gd name="connsiteY2" fmla="*/ 4360641 h 5012722"/>
+                <a:gd name="connsiteX3" fmla="*/ 881444 w 3296088"/>
+                <a:gd name="connsiteY3" fmla="*/ 4173950 h 5012722"/>
+                <a:gd name="connsiteX4" fmla="*/ 1151287 w 3296088"/>
+                <a:gd name="connsiteY4" fmla="*/ 3972877 h 5012722"/>
+                <a:gd name="connsiteX5" fmla="*/ 1498664 w 3296088"/>
+                <a:gd name="connsiteY5" fmla="*/ 3786188 h 5012722"/>
+                <a:gd name="connsiteX6" fmla="*/ 1716881 w 3296088"/>
+                <a:gd name="connsiteY6" fmla="*/ 3674174 h 5012722"/>
+                <a:gd name="connsiteX7" fmla="*/ 1913573 w 3296088"/>
+                <a:gd name="connsiteY7" fmla="*/ 3477387 h 5012722"/>
+                <a:gd name="connsiteX8" fmla="*/ 2167700 w 3296088"/>
+                <a:gd name="connsiteY8" fmla="*/ 3042190 h 5012722"/>
+                <a:gd name="connsiteX9" fmla="*/ 2273903 w 3296088"/>
+                <a:gd name="connsiteY9" fmla="*/ 2775014 h 5012722"/>
+                <a:gd name="connsiteX10" fmla="*/ 2463356 w 3296088"/>
+                <a:gd name="connsiteY10" fmla="*/ 2335530 h 5012722"/>
+                <a:gd name="connsiteX11" fmla="*/ 2741866 w 3296088"/>
+                <a:gd name="connsiteY11" fmla="*/ 1982248 h 5012722"/>
+                <a:gd name="connsiteX12" fmla="*/ 2985897 w 3296088"/>
+                <a:gd name="connsiteY12" fmla="*/ 1634681 h 5012722"/>
+                <a:gd name="connsiteX13" fmla="*/ 3212687 w 3296088"/>
+                <a:gd name="connsiteY13" fmla="*/ 1226820 h 5012722"/>
+                <a:gd name="connsiteX14" fmla="*/ 3281553 w 3296088"/>
+                <a:gd name="connsiteY14" fmla="*/ 959644 h 5012722"/>
+                <a:gd name="connsiteX15" fmla="*/ 3295936 w 3296088"/>
+                <a:gd name="connsiteY15" fmla="*/ 701135 h 5012722"/>
+                <a:gd name="connsiteX16" fmla="*/ 3267266 w 3296088"/>
+                <a:gd name="connsiteY16" fmla="*/ 436817 h 5012722"/>
+                <a:gd name="connsiteX17" fmla="*/ 3105341 w 3296088"/>
+                <a:gd name="connsiteY17" fmla="*/ 0 h 5012722"/>
+              </a:gdLst>
+              <a:ahLst/>
+              <a:cxnLst>
+                <a:cxn ang="0">
+                  <a:pos x="connsiteX0" y="connsiteY0"/>
+                </a:cxn>
+                <a:cxn ang="0">
+                  <a:pos x="connsiteX1" y="connsiteY1"/>
+                </a:cxn>
+                <a:cxn ang="0">
+                  <a:pos x="connsiteX2" y="connsiteY2"/>
+                </a:cxn>
+                <a:cxn ang="0">
+                  <a:pos x="connsiteX3" y="connsiteY3"/>
+                </a:cxn>
+                <a:cxn ang="0">
+                  <a:pos x="connsiteX4" y="connsiteY4"/>
+                </a:cxn>
+                <a:cxn ang="0">
+                  <a:pos x="connsiteX5" y="connsiteY5"/>
+                </a:cxn>
+                <a:cxn ang="0">
+                  <a:pos x="connsiteX6" y="connsiteY6"/>
+                </a:cxn>
+                <a:cxn ang="0">
+                  <a:pos x="connsiteX7" y="connsiteY7"/>
+                </a:cxn>
+                <a:cxn ang="0">
+                  <a:pos x="connsiteX8" y="connsiteY8"/>
+                </a:cxn>
+                <a:cxn ang="0">
+                  <a:pos x="connsiteX9" y="connsiteY9"/>
+                </a:cxn>
+                <a:cxn ang="0">
+                  <a:pos x="connsiteX10" y="connsiteY10"/>
+                </a:cxn>
+                <a:cxn ang="0">
+                  <a:pos x="connsiteX11" y="connsiteY11"/>
+                </a:cxn>
+                <a:cxn ang="0">
+                  <a:pos x="connsiteX12" y="connsiteY12"/>
+                </a:cxn>
+                <a:cxn ang="0">
+                  <a:pos x="connsiteX13" y="connsiteY13"/>
+                </a:cxn>
+                <a:cxn ang="0">
+                  <a:pos x="connsiteX14" y="connsiteY14"/>
+                </a:cxn>
+                <a:cxn ang="0">
+                  <a:pos x="connsiteX15" y="connsiteY15"/>
+                </a:cxn>
+                <a:cxn ang="0">
+                  <a:pos x="connsiteX16" y="connsiteY16"/>
+                </a:cxn>
+                <a:cxn ang="0">
+                  <a:pos x="connsiteX17" y="connsiteY17"/>
+                </a:cxn>
+              </a:cxnLst>
+              <a:rect l="l" t="t" r="r" b="b"/>
+              <a:pathLst>
+                <a:path w="3296088" h="5012722">
+                  <a:moveTo>
+                    <a:pt x="0" y="5012722"/>
+                  </a:moveTo>
+                  <a:cubicBezTo>
+                    <a:pt x="81820" y="4949095"/>
+                    <a:pt x="163544" y="4885468"/>
+                    <a:pt x="244031" y="4820222"/>
+                  </a:cubicBezTo>
+                  <a:cubicBezTo>
+                    <a:pt x="417671" y="4679633"/>
+                    <a:pt x="589883" y="4535139"/>
+                    <a:pt x="729234" y="4360641"/>
+                  </a:cubicBezTo>
+                  <a:cubicBezTo>
+                    <a:pt x="779431" y="4297776"/>
+                    <a:pt x="825818" y="4231958"/>
+                    <a:pt x="881444" y="4173950"/>
+                  </a:cubicBezTo>
+                  <a:cubicBezTo>
+                    <a:pt x="959358" y="4092607"/>
+                    <a:pt x="1054799" y="4031075"/>
+                    <a:pt x="1151287" y="3972877"/>
+                  </a:cubicBezTo>
+                  <a:cubicBezTo>
+                    <a:pt x="1263968" y="3904964"/>
+                    <a:pt x="1379315" y="3841337"/>
+                    <a:pt x="1498664" y="3786188"/>
+                  </a:cubicBezTo>
+                  <a:cubicBezTo>
+                    <a:pt x="1573149" y="3751802"/>
+                    <a:pt x="1649159" y="3720179"/>
+                    <a:pt x="1716881" y="3674174"/>
+                  </a:cubicBezTo>
+                  <a:cubicBezTo>
+                    <a:pt x="1794034" y="3621691"/>
+                    <a:pt x="1856708" y="3551492"/>
+                    <a:pt x="1913573" y="3477387"/>
+                  </a:cubicBezTo>
+                  <a:cubicBezTo>
+                    <a:pt x="2016157" y="3343751"/>
+                    <a:pt x="2099024" y="3196114"/>
+                    <a:pt x="2167700" y="3042190"/>
+                  </a:cubicBezTo>
+                  <a:cubicBezTo>
+                    <a:pt x="2206752" y="2954655"/>
+                    <a:pt x="2241233" y="2865215"/>
+                    <a:pt x="2273903" y="2775014"/>
+                  </a:cubicBezTo>
+                  <a:cubicBezTo>
+                    <a:pt x="2328482" y="2624423"/>
+                    <a:pt x="2379440" y="2471642"/>
+                    <a:pt x="2463356" y="2335530"/>
+                  </a:cubicBezTo>
+                  <a:cubicBezTo>
+                    <a:pt x="2542127" y="2207705"/>
+                    <a:pt x="2647855" y="2099501"/>
+                    <a:pt x="2741866" y="1982248"/>
+                  </a:cubicBezTo>
+                  <a:cubicBezTo>
+                    <a:pt x="2830449" y="1871758"/>
+                    <a:pt x="2908554" y="1753362"/>
+                    <a:pt x="2985897" y="1634681"/>
+                  </a:cubicBezTo>
+                  <a:cubicBezTo>
+                    <a:pt x="3071146" y="1503902"/>
+                    <a:pt x="3156395" y="1372172"/>
+                    <a:pt x="3212687" y="1226820"/>
+                  </a:cubicBezTo>
+                  <a:cubicBezTo>
+                    <a:pt x="3246025" y="1140809"/>
+                    <a:pt x="3268790" y="1051084"/>
+                    <a:pt x="3281553" y="959644"/>
+                  </a:cubicBezTo>
+                  <a:cubicBezTo>
+                    <a:pt x="3293555" y="874014"/>
+                    <a:pt x="3296888" y="787527"/>
+                    <a:pt x="3295936" y="701135"/>
+                  </a:cubicBezTo>
+                  <a:cubicBezTo>
+                    <a:pt x="3294888" y="612172"/>
+                    <a:pt x="3289268" y="523018"/>
+                    <a:pt x="3267266" y="436817"/>
+                  </a:cubicBezTo>
+                  <a:cubicBezTo>
+                    <a:pt x="3227832" y="282416"/>
+                    <a:pt x="3105341" y="0"/>
+                    <a:pt x="3105341" y="0"/>
+                  </a:cubicBezTo>
+                </a:path>
+              </a:pathLst>
+            </a:custGeom>
+            <a:noFill/>
+            <a:ln w="9525" cap="rnd">
+              <a:solidFill>
+                <a:schemeClr val="accent2">
+                  <a:alpha val="50000"/>
+                </a:schemeClr>
+              </a:solidFill>
+              <a:prstDash val="lgDash"/>
+              <a:round/>
+            </a:ln>
+          </p:spPr>
+          <p:txBody>
+            <a:bodyPr rtlCol="0" anchor="ctr"/>
+            <a:lstStyle>
+              <a:defPPr>
+                <a:defRPr lang="en-US"/>
+              </a:defPPr>
+              <a:lvl1pPr marL="0" algn="l" defTabSz="914400" rtl="0" eaLnBrk="1" latinLnBrk="0" hangingPunct="1">
+                <a:defRPr sz="1800" kern="1200">
+                  <a:solidFill>
+                    <a:schemeClr val="tx1"/>
+                  </a:solidFill>
+                  <a:latin typeface="+mn-lt"/>
+                  <a:ea typeface="+mn-ea"/>
+                  <a:cs typeface="+mn-cs"/>
+                </a:defRPr>
+              </a:lvl1pPr>
+              <a:lvl2pPr marL="457200" algn="l" defTabSz="914400" rtl="0" eaLnBrk="1" latinLnBrk="0" hangingPunct="1">
+                <a:defRPr sz="1800" kern="1200">
+                  <a:solidFill>
+                    <a:schemeClr val="tx1"/>
+                  </a:solidFill>
+                  <a:latin typeface="+mn-lt"/>
+                  <a:ea typeface="+mn-ea"/>
+                  <a:cs typeface="+mn-cs"/>
+                </a:defRPr>
+              </a:lvl2pPr>
+              <a:lvl3pPr marL="914400" algn="l" defTabSz="914400" rtl="0" eaLnBrk="1" latinLnBrk="0" hangingPunct="1">
+                <a:defRPr sz="1800" kern="1200">
+                  <a:solidFill>
+                    <a:schemeClr val="tx1"/>
+                  </a:solidFill>
+                  <a:latin typeface="+mn-lt"/>
+                  <a:ea typeface="+mn-ea"/>
+                  <a:cs typeface="+mn-cs"/>
+                </a:defRPr>
+              </a:lvl3pPr>
+              <a:lvl4pPr marL="1371600" algn="l" defTabSz="914400" rtl="0" eaLnBrk="1" latinLnBrk="0" hangingPunct="1">
+                <a:defRPr sz="1800" kern="1200">
+                  <a:solidFill>
+                    <a:schemeClr val="tx1"/>
+                  </a:solidFill>
+                  <a:latin typeface="+mn-lt"/>
+                  <a:ea typeface="+mn-ea"/>
+                  <a:cs typeface="+mn-cs"/>
+                </a:defRPr>
+              </a:lvl4pPr>
+              <a:lvl5pPr marL="1828800" algn="l" defTabSz="914400" rtl="0" eaLnBrk="1" latinLnBrk="0" hangingPunct="1">
+                <a:defRPr sz="1800" kern="1200">
+                  <a:solidFill>
+                    <a:schemeClr val="tx1"/>
+                  </a:solidFill>
+                  <a:latin typeface="+mn-lt"/>
+                  <a:ea typeface="+mn-ea"/>
+                  <a:cs typeface="+mn-cs"/>
+                </a:defRPr>
+              </a:lvl5pPr>
+              <a:lvl6pPr marL="2286000" algn="l" defTabSz="914400" rtl="0" eaLnBrk="1" latinLnBrk="0" hangingPunct="1">
+                <a:defRPr sz="1800" kern="1200">
+                  <a:solidFill>
+                    <a:schemeClr val="tx1"/>
+                  </a:solidFill>
+                  <a:latin typeface="+mn-lt"/>
+                  <a:ea typeface="+mn-ea"/>
+                  <a:cs typeface="+mn-cs"/>
+                </a:defRPr>
+              </a:lvl6pPr>
+              <a:lvl7pPr marL="2743200" algn="l" defTabSz="914400" rtl="0" eaLnBrk="1" latinLnBrk="0" hangingPunct="1">
+                <a:defRPr sz="1800" kern="1200">
+                  <a:solidFill>
+                    <a:schemeClr val="tx1"/>
+                  </a:solidFill>
+                  <a:latin typeface="+mn-lt"/>
+                  <a:ea typeface="+mn-ea"/>
+                  <a:cs typeface="+mn-cs"/>
+                </a:defRPr>
+              </a:lvl7pPr>
+              <a:lvl8pPr marL="3200400" algn="l" defTabSz="914400" rtl="0" eaLnBrk="1" latinLnBrk="0" hangingPunct="1">
+                <a:defRPr sz="1800" kern="1200">
+                  <a:solidFill>
+                    <a:schemeClr val="tx1"/>
+                  </a:solidFill>
+                  <a:latin typeface="+mn-lt"/>
+                  <a:ea typeface="+mn-ea"/>
+                  <a:cs typeface="+mn-cs"/>
+                </a:defRPr>
+              </a:lvl8pPr>
+              <a:lvl9pPr marL="3657600" algn="l" defTabSz="914400" rtl="0" eaLnBrk="1" latinLnBrk="0" hangingPunct="1">
+                <a:defRPr sz="1800" kern="1200">
+                  <a:solidFill>
+                    <a:schemeClr val="tx1"/>
+                  </a:solidFill>
+                  <a:latin typeface="+mn-lt"/>
+                  <a:ea typeface="+mn-ea"/>
+                  <a:cs typeface="+mn-cs"/>
+                </a:defRPr>
+              </a:lvl9pPr>
+            </a:lstStyle>
+            <a:p>
+              <a:endParaRPr lang="en-US"/>
+            </a:p>
+          </p:txBody>
+        </p:sp>
+        <p:sp>
+          <p:nvSpPr>
+            <p:cNvPr id="18" name="Freeform: Shape 17">
+              <a:extLst>
+                <a:ext uri="{FF2B5EF4-FFF2-40B4-BE49-F238E27FC236}">
+                  <a16:creationId xmlns:a16="http://schemas.microsoft.com/office/drawing/2014/main" id="{0EFC9A2B-D1CA-4247-836D-EAB80EB5EDA2}"/>
+                </a:ext>
+                <a:ext uri="{C183D7F6-B498-43B3-948B-1728B52AA6E4}">
+                  <adec:decorative xmlns:adec="http://schemas.microsoft.com/office/drawing/2017/decorative" val="1"/>
+                </a:ext>
+              </a:extLst>
+            </p:cNvPr>
+            <p:cNvSpPr/>
+            <p:nvPr>
+              <p:extLst>
+                <p:ext uri="{386F3935-93C4-4BCD-93E2-E3B085C9AB24}">
+                  <p16:designElem xmlns:p16="http://schemas.microsoft.com/office/powerpoint/2015/main" val="1"/>
+                </p:ext>
+              </p:extLst>
+            </p:nvPr>
+          </p:nvSpPr>
+          <p:spPr>
+            <a:xfrm>
+              <a:off x="10849" y="15178"/>
+              <a:ext cx="1978674" cy="3074959"/>
+            </a:xfrm>
+            <a:custGeom>
+              <a:avLst/>
+              <a:gdLst>
+                <a:gd name="connsiteX0" fmla="*/ 0 w 2977477"/>
+                <a:gd name="connsiteY0" fmla="*/ 4627150 h 4627149"/>
+                <a:gd name="connsiteX1" fmla="*/ 275082 w 2977477"/>
+                <a:gd name="connsiteY1" fmla="*/ 4341590 h 4627149"/>
+                <a:gd name="connsiteX2" fmla="*/ 502825 w 2977477"/>
+                <a:gd name="connsiteY2" fmla="*/ 4054126 h 4627149"/>
+                <a:gd name="connsiteX3" fmla="*/ 666179 w 2977477"/>
+                <a:gd name="connsiteY3" fmla="*/ 3890677 h 4627149"/>
+                <a:gd name="connsiteX4" fmla="*/ 864203 w 2977477"/>
+                <a:gd name="connsiteY4" fmla="*/ 3675983 h 4627149"/>
+                <a:gd name="connsiteX5" fmla="*/ 982599 w 2977477"/>
+                <a:gd name="connsiteY5" fmla="*/ 3557492 h 4627149"/>
+                <a:gd name="connsiteX6" fmla="*/ 1188244 w 2977477"/>
+                <a:gd name="connsiteY6" fmla="*/ 3329654 h 4627149"/>
+                <a:gd name="connsiteX7" fmla="*/ 1344740 w 2977477"/>
+                <a:gd name="connsiteY7" fmla="*/ 3146774 h 4627149"/>
+                <a:gd name="connsiteX8" fmla="*/ 1470755 w 2977477"/>
+                <a:gd name="connsiteY8" fmla="*/ 2984659 h 4627149"/>
+                <a:gd name="connsiteX9" fmla="*/ 1657636 w 2977477"/>
+                <a:gd name="connsiteY9" fmla="*/ 2670239 h 4627149"/>
+                <a:gd name="connsiteX10" fmla="*/ 1762887 w 2977477"/>
+                <a:gd name="connsiteY10" fmla="*/ 2473547 h 4627149"/>
+                <a:gd name="connsiteX11" fmla="*/ 1866710 w 2977477"/>
+                <a:gd name="connsiteY11" fmla="*/ 2290667 h 4627149"/>
+                <a:gd name="connsiteX12" fmla="*/ 2106263 w 2977477"/>
+                <a:gd name="connsiteY12" fmla="*/ 2030254 h 4627149"/>
+                <a:gd name="connsiteX13" fmla="*/ 2277237 w 2977477"/>
+                <a:gd name="connsiteY13" fmla="*/ 1859185 h 4627149"/>
+                <a:gd name="connsiteX14" fmla="*/ 2499455 w 2977477"/>
+                <a:gd name="connsiteY14" fmla="*/ 1656207 h 4627149"/>
+                <a:gd name="connsiteX15" fmla="*/ 2707100 w 2977477"/>
+                <a:gd name="connsiteY15" fmla="*/ 1390269 h 4627149"/>
+                <a:gd name="connsiteX16" fmla="*/ 2812352 w 2977477"/>
+                <a:gd name="connsiteY16" fmla="*/ 1230916 h 4627149"/>
+                <a:gd name="connsiteX17" fmla="*/ 2898172 w 2977477"/>
+                <a:gd name="connsiteY17" fmla="*/ 1036987 h 4627149"/>
+                <a:gd name="connsiteX18" fmla="*/ 2963228 w 2977477"/>
+                <a:gd name="connsiteY18" fmla="*/ 850011 h 4627149"/>
+                <a:gd name="connsiteX19" fmla="*/ 2977325 w 2977477"/>
+                <a:gd name="connsiteY19" fmla="*/ 745427 h 4627149"/>
+                <a:gd name="connsiteX20" fmla="*/ 2929509 w 2977477"/>
+                <a:gd name="connsiteY20" fmla="*/ 480155 h 4627149"/>
+                <a:gd name="connsiteX21" fmla="*/ 2563082 w 2977477"/>
+                <a:gd name="connsiteY21" fmla="*/ 0 h 4627149"/>
+              </a:gdLst>
+              <a:ahLst/>
+              <a:cxnLst>
+                <a:cxn ang="0">
+                  <a:pos x="connsiteX0" y="connsiteY0"/>
+                </a:cxn>
+                <a:cxn ang="0">
+                  <a:pos x="connsiteX1" y="connsiteY1"/>
+                </a:cxn>
+                <a:cxn ang="0">
+                  <a:pos x="connsiteX2" y="connsiteY2"/>
+                </a:cxn>
+                <a:cxn ang="0">
+                  <a:pos x="connsiteX3" y="connsiteY3"/>
+                </a:cxn>
+                <a:cxn ang="0">
+                  <a:pos x="connsiteX4" y="connsiteY4"/>
+                </a:cxn>
+                <a:cxn ang="0">
+                  <a:pos x="connsiteX5" y="connsiteY5"/>
+                </a:cxn>
+                <a:cxn ang="0">
+                  <a:pos x="connsiteX6" y="connsiteY6"/>
+                </a:cxn>
+                <a:cxn ang="0">
+                  <a:pos x="connsiteX7" y="connsiteY7"/>
+                </a:cxn>
+                <a:cxn ang="0">
+                  <a:pos x="connsiteX8" y="connsiteY8"/>
+                </a:cxn>
+                <a:cxn ang="0">
+                  <a:pos x="connsiteX9" y="connsiteY9"/>
+                </a:cxn>
+                <a:cxn ang="0">
+                  <a:pos x="connsiteX10" y="connsiteY10"/>
+                </a:cxn>
+                <a:cxn ang="0">
+                  <a:pos x="connsiteX11" y="connsiteY11"/>
+                </a:cxn>
+                <a:cxn ang="0">
+                  <a:pos x="connsiteX12" y="connsiteY12"/>
+                </a:cxn>
+                <a:cxn ang="0">
+                  <a:pos x="connsiteX13" y="connsiteY13"/>
+                </a:cxn>
+                <a:cxn ang="0">
+                  <a:pos x="connsiteX14" y="connsiteY14"/>
+                </a:cxn>
+                <a:cxn ang="0">
+                  <a:pos x="connsiteX15" y="connsiteY15"/>
+                </a:cxn>
+                <a:cxn ang="0">
+                  <a:pos x="connsiteX16" y="connsiteY16"/>
+                </a:cxn>
+                <a:cxn ang="0">
+                  <a:pos x="connsiteX17" y="connsiteY17"/>
+                </a:cxn>
+                <a:cxn ang="0">
+                  <a:pos x="connsiteX18" y="connsiteY18"/>
+                </a:cxn>
+                <a:cxn ang="0">
+                  <a:pos x="connsiteX19" y="connsiteY19"/>
+                </a:cxn>
+                <a:cxn ang="0">
+                  <a:pos x="connsiteX20" y="connsiteY20"/>
+                </a:cxn>
+                <a:cxn ang="0">
+                  <a:pos x="connsiteX21" y="connsiteY21"/>
+                </a:cxn>
+              </a:cxnLst>
+              <a:rect l="l" t="t" r="r" b="b"/>
+              <a:pathLst>
+                <a:path w="2977477" h="4627149">
+                  <a:moveTo>
+                    <a:pt x="0" y="4627150"/>
+                  </a:moveTo>
+                  <a:cubicBezTo>
+                    <a:pt x="79820" y="4552283"/>
+                    <a:pt x="203835" y="4424648"/>
+                    <a:pt x="275082" y="4341590"/>
+                  </a:cubicBezTo>
+                  <a:cubicBezTo>
+                    <a:pt x="354711" y="4248722"/>
+                    <a:pt x="421005" y="4145090"/>
+                    <a:pt x="502825" y="4054126"/>
+                  </a:cubicBezTo>
+                  <a:cubicBezTo>
+                    <a:pt x="554355" y="3996881"/>
+                    <a:pt x="612362" y="3945827"/>
+                    <a:pt x="666179" y="3890677"/>
+                  </a:cubicBezTo>
+                  <a:cubicBezTo>
+                    <a:pt x="734187" y="3821049"/>
+                    <a:pt x="796671" y="3746183"/>
+                    <a:pt x="864203" y="3675983"/>
+                  </a:cubicBezTo>
+                  <a:cubicBezTo>
+                    <a:pt x="902875" y="3635788"/>
+                    <a:pt x="943642" y="3597593"/>
+                    <a:pt x="982599" y="3557492"/>
+                  </a:cubicBezTo>
+                  <a:cubicBezTo>
+                    <a:pt x="1053941" y="3484150"/>
+                    <a:pt x="1121378" y="3407093"/>
+                    <a:pt x="1188244" y="3329654"/>
+                  </a:cubicBezTo>
+                  <a:cubicBezTo>
+                    <a:pt x="1240631" y="3268885"/>
+                    <a:pt x="1293495" y="3208496"/>
+                    <a:pt x="1344740" y="3146774"/>
+                  </a:cubicBezTo>
+                  <a:cubicBezTo>
+                    <a:pt x="1388459" y="3094101"/>
+                    <a:pt x="1431512" y="3040761"/>
+                    <a:pt x="1470755" y="2984659"/>
+                  </a:cubicBezTo>
+                  <a:cubicBezTo>
+                    <a:pt x="1540764" y="2884646"/>
+                    <a:pt x="1598771" y="2777109"/>
+                    <a:pt x="1657636" y="2670239"/>
+                  </a:cubicBezTo>
+                  <a:cubicBezTo>
+                    <a:pt x="1693545" y="2605088"/>
+                    <a:pt x="1728502" y="2539460"/>
+                    <a:pt x="1762887" y="2473547"/>
+                  </a:cubicBezTo>
+                  <a:cubicBezTo>
+                    <a:pt x="1795367" y="2411349"/>
+                    <a:pt x="1826419" y="2348103"/>
+                    <a:pt x="1866710" y="2290667"/>
+                  </a:cubicBezTo>
+                  <a:cubicBezTo>
+                    <a:pt x="1934623" y="2193893"/>
+                    <a:pt x="2022729" y="2114169"/>
+                    <a:pt x="2106263" y="2030254"/>
+                  </a:cubicBezTo>
+                  <a:cubicBezTo>
+                    <a:pt x="2163128" y="1973104"/>
+                    <a:pt x="2218182" y="1914049"/>
+                    <a:pt x="2277237" y="1859185"/>
+                  </a:cubicBezTo>
+                  <a:cubicBezTo>
+                    <a:pt x="2350770" y="1790891"/>
+                    <a:pt x="2430304" y="1728978"/>
+                    <a:pt x="2499455" y="1656207"/>
+                  </a:cubicBezTo>
+                  <a:cubicBezTo>
+                    <a:pt x="2576989" y="1574578"/>
+                    <a:pt x="2641568" y="1481900"/>
+                    <a:pt x="2707100" y="1390269"/>
+                  </a:cubicBezTo>
+                  <a:cubicBezTo>
+                    <a:pt x="2744153" y="1338453"/>
+                    <a:pt x="2781586" y="1286732"/>
+                    <a:pt x="2812352" y="1230916"/>
+                  </a:cubicBezTo>
+                  <a:cubicBezTo>
+                    <a:pt x="2846546" y="1168908"/>
+                    <a:pt x="2872550" y="1102900"/>
+                    <a:pt x="2898172" y="1036987"/>
+                  </a:cubicBezTo>
+                  <a:cubicBezTo>
+                    <a:pt x="2922175" y="975455"/>
+                    <a:pt x="2948273" y="914305"/>
+                    <a:pt x="2963228" y="850011"/>
+                  </a:cubicBezTo>
+                  <a:cubicBezTo>
+                    <a:pt x="2971229" y="815626"/>
+                    <a:pt x="2976563" y="780764"/>
+                    <a:pt x="2977325" y="745427"/>
+                  </a:cubicBezTo>
+                  <a:cubicBezTo>
+                    <a:pt x="2979230" y="654844"/>
+                    <a:pt x="2963323" y="564261"/>
+                    <a:pt x="2929509" y="480155"/>
+                  </a:cubicBezTo>
+                  <a:cubicBezTo>
+                    <a:pt x="2851309" y="285655"/>
+                    <a:pt x="2563082" y="0"/>
+                    <a:pt x="2563082" y="0"/>
+                  </a:cubicBezTo>
+                </a:path>
+              </a:pathLst>
+            </a:custGeom>
+            <a:noFill/>
+            <a:ln w="9525" cap="rnd">
+              <a:solidFill>
+                <a:schemeClr val="accent2">
+                  <a:alpha val="50000"/>
+                </a:schemeClr>
+              </a:solidFill>
+              <a:prstDash val="lgDash"/>
+              <a:round/>
+            </a:ln>
+          </p:spPr>
+          <p:txBody>
+            <a:bodyPr rtlCol="0" anchor="ctr"/>
+            <a:lstStyle>
+              <a:defPPr>
+                <a:defRPr lang="en-US"/>
+              </a:defPPr>
+              <a:lvl1pPr marL="0" algn="l" defTabSz="914400" rtl="0" eaLnBrk="1" latinLnBrk="0" hangingPunct="1">
+                <a:defRPr sz="1800" kern="1200">
+                  <a:solidFill>
+                    <a:schemeClr val="tx1"/>
+                  </a:solidFill>
+                  <a:latin typeface="+mn-lt"/>
+                  <a:ea typeface="+mn-ea"/>
+                  <a:cs typeface="+mn-cs"/>
+                </a:defRPr>
+              </a:lvl1pPr>
+              <a:lvl2pPr marL="457200" algn="l" defTabSz="914400" rtl="0" eaLnBrk="1" latinLnBrk="0" hangingPunct="1">
+                <a:defRPr sz="1800" kern="1200">
+                  <a:solidFill>
+                    <a:schemeClr val="tx1"/>
+                  </a:solidFill>
+                  <a:latin typeface="+mn-lt"/>
+                  <a:ea typeface="+mn-ea"/>
+                  <a:cs typeface="+mn-cs"/>
+                </a:defRPr>
+              </a:lvl2pPr>
+              <a:lvl3pPr marL="914400" algn="l" defTabSz="914400" rtl="0" eaLnBrk="1" latinLnBrk="0" hangingPunct="1">
+                <a:defRPr sz="1800" kern="1200">
+                  <a:solidFill>
+                    <a:schemeClr val="tx1"/>
+                  </a:solidFill>
+                  <a:latin typeface="+mn-lt"/>
+                  <a:ea typeface="+mn-ea"/>
+                  <a:cs typeface="+mn-cs"/>
+                </a:defRPr>
+              </a:lvl3pPr>
+              <a:lvl4pPr marL="1371600" algn="l" defTabSz="914400" rtl="0" eaLnBrk="1" latinLnBrk="0" hangingPunct="1">
+                <a:defRPr sz="1800" kern="1200">
+                  <a:solidFill>
+                    <a:schemeClr val="tx1"/>
+                  </a:solidFill>
+                  <a:latin typeface="+mn-lt"/>
+                  <a:ea typeface="+mn-ea"/>
+                  <a:cs typeface="+mn-cs"/>
+                </a:defRPr>
+              </a:lvl4pPr>
+              <a:lvl5pPr marL="1828800" algn="l" defTabSz="914400" rtl="0" eaLnBrk="1" latinLnBrk="0" hangingPunct="1">
+                <a:defRPr sz="1800" kern="1200">
+                  <a:solidFill>
+                    <a:schemeClr val="tx1"/>
+                  </a:solidFill>
+                  <a:latin typeface="+mn-lt"/>
+                  <a:ea typeface="+mn-ea"/>
+                  <a:cs typeface="+mn-cs"/>
+                </a:defRPr>
+              </a:lvl5pPr>
+              <a:lvl6pPr marL="2286000" algn="l" defTabSz="914400" rtl="0" eaLnBrk="1" latinLnBrk="0" hangingPunct="1">
+                <a:defRPr sz="1800" kern="1200">
+                  <a:solidFill>
+                    <a:schemeClr val="tx1"/>
+                  </a:solidFill>
+                  <a:latin typeface="+mn-lt"/>
+                  <a:ea typeface="+mn-ea"/>
+                  <a:cs typeface="+mn-cs"/>
+                </a:defRPr>
+              </a:lvl6pPr>
+              <a:lvl7pPr marL="2743200" algn="l" defTabSz="914400" rtl="0" eaLnBrk="1" latinLnBrk="0" hangingPunct="1">
+                <a:defRPr sz="1800" kern="1200">
+                  <a:solidFill>
+                    <a:schemeClr val="tx1"/>
+                  </a:solidFill>
+                  <a:latin typeface="+mn-lt"/>
+                  <a:ea typeface="+mn-ea"/>
+                  <a:cs typeface="+mn-cs"/>
+                </a:defRPr>
+              </a:lvl7pPr>
+              <a:lvl8pPr marL="3200400" algn="l" defTabSz="914400" rtl="0" eaLnBrk="1" latinLnBrk="0" hangingPunct="1">
+                <a:defRPr sz="1800" kern="1200">
+                  <a:solidFill>
+                    <a:schemeClr val="tx1"/>
+                  </a:solidFill>
+                  <a:latin typeface="+mn-lt"/>
+                  <a:ea typeface="+mn-ea"/>
+                  <a:cs typeface="+mn-cs"/>
+                </a:defRPr>
+              </a:lvl8pPr>
+              <a:lvl9pPr marL="3657600" algn="l" defTabSz="914400" rtl="0" eaLnBrk="1" latinLnBrk="0" hangingPunct="1">
+                <a:defRPr sz="1800" kern="1200">
+                  <a:solidFill>
+                    <a:schemeClr val="tx1"/>
+                  </a:solidFill>
+                  <a:latin typeface="+mn-lt"/>
+                  <a:ea typeface="+mn-ea"/>
+                  <a:cs typeface="+mn-cs"/>
+                </a:defRPr>
+              </a:lvl9pPr>
+            </a:lstStyle>
+            <a:p>
+              <a:endParaRPr lang="en-US"/>
+            </a:p>
+          </p:txBody>
+        </p:sp>
+        <p:sp>
+          <p:nvSpPr>
+            <p:cNvPr id="19" name="Freeform: Shape 18">
+              <a:extLst>
+                <a:ext uri="{FF2B5EF4-FFF2-40B4-BE49-F238E27FC236}">
+                  <a16:creationId xmlns:a16="http://schemas.microsoft.com/office/drawing/2014/main" id="{F4F9AB28-B3F0-425B-8E51-E16DDB853680}"/>
+                </a:ext>
+                <a:ext uri="{C183D7F6-B498-43B3-948B-1728B52AA6E4}">
+                  <adec:decorative xmlns:adec="http://schemas.microsoft.com/office/drawing/2017/decorative" val="1"/>
+                </a:ext>
+              </a:extLst>
+            </p:cNvPr>
+            <p:cNvSpPr/>
+            <p:nvPr>
+              <p:extLst>
+                <p:ext uri="{386F3935-93C4-4BCD-93E2-E3B085C9AB24}">
+                  <p16:designElem xmlns:p16="http://schemas.microsoft.com/office/powerpoint/2015/main" val="1"/>
+                </p:ext>
+              </p:extLst>
+            </p:nvPr>
+          </p:nvSpPr>
+          <p:spPr>
+            <a:xfrm>
+              <a:off x="25092" y="15178"/>
+              <a:ext cx="1566146" cy="2737264"/>
+            </a:xfrm>
+            <a:custGeom>
+              <a:avLst/>
+              <a:gdLst>
+                <a:gd name="connsiteX0" fmla="*/ 1707071 w 2356712"/>
+                <a:gd name="connsiteY0" fmla="*/ 0 h 4118991"/>
+                <a:gd name="connsiteX1" fmla="*/ 1824514 w 2356712"/>
+                <a:gd name="connsiteY1" fmla="*/ 244697 h 4118991"/>
+                <a:gd name="connsiteX2" fmla="*/ 1908715 w 2356712"/>
+                <a:gd name="connsiteY2" fmla="*/ 328994 h 4118991"/>
+                <a:gd name="connsiteX3" fmla="*/ 2226469 w 2356712"/>
+                <a:gd name="connsiteY3" fmla="*/ 603695 h 4118991"/>
+                <a:gd name="connsiteX4" fmla="*/ 2355628 w 2356712"/>
+                <a:gd name="connsiteY4" fmla="*/ 900494 h 4118991"/>
+                <a:gd name="connsiteX5" fmla="*/ 2281428 w 2356712"/>
+                <a:gd name="connsiteY5" fmla="*/ 1206913 h 4118991"/>
+                <a:gd name="connsiteX6" fmla="*/ 2092452 w 2356712"/>
+                <a:gd name="connsiteY6" fmla="*/ 1460659 h 4118991"/>
+                <a:gd name="connsiteX7" fmla="*/ 1834039 w 2356712"/>
+                <a:gd name="connsiteY7" fmla="*/ 1625822 h 4118991"/>
+                <a:gd name="connsiteX8" fmla="*/ 1558862 w 2356712"/>
+                <a:gd name="connsiteY8" fmla="*/ 1743075 h 4118991"/>
+                <a:gd name="connsiteX9" fmla="*/ 1386554 w 2356712"/>
+                <a:gd name="connsiteY9" fmla="*/ 1869948 h 4118991"/>
+                <a:gd name="connsiteX10" fmla="*/ 1271683 w 2356712"/>
+                <a:gd name="connsiteY10" fmla="*/ 2073402 h 4118991"/>
+                <a:gd name="connsiteX11" fmla="*/ 1178338 w 2356712"/>
+                <a:gd name="connsiteY11" fmla="*/ 2355914 h 4118991"/>
+                <a:gd name="connsiteX12" fmla="*/ 1113758 w 2356712"/>
+                <a:gd name="connsiteY12" fmla="*/ 2578513 h 4118991"/>
+                <a:gd name="connsiteX13" fmla="*/ 1034796 w 2356712"/>
+                <a:gd name="connsiteY13" fmla="*/ 2834640 h 4118991"/>
+                <a:gd name="connsiteX14" fmla="*/ 905637 w 2356712"/>
+                <a:gd name="connsiteY14" fmla="*/ 3081242 h 4118991"/>
+                <a:gd name="connsiteX15" fmla="*/ 793147 w 2356712"/>
+                <a:gd name="connsiteY15" fmla="*/ 3258407 h 4118991"/>
+                <a:gd name="connsiteX16" fmla="*/ 546735 w 2356712"/>
+                <a:gd name="connsiteY16" fmla="*/ 3571970 h 4118991"/>
+                <a:gd name="connsiteX17" fmla="*/ 346996 w 2356712"/>
+                <a:gd name="connsiteY17" fmla="*/ 3771900 h 4118991"/>
+                <a:gd name="connsiteX18" fmla="*/ 174689 w 2356712"/>
+                <a:gd name="connsiteY18" fmla="*/ 3944207 h 4118991"/>
+                <a:gd name="connsiteX19" fmla="*/ 0 w 2356712"/>
+                <a:gd name="connsiteY19" fmla="*/ 4118991 h 4118991"/>
+              </a:gdLst>
+              <a:ahLst/>
+              <a:cxnLst>
+                <a:cxn ang="0">
+                  <a:pos x="connsiteX0" y="connsiteY0"/>
+                </a:cxn>
+                <a:cxn ang="0">
+                  <a:pos x="connsiteX1" y="connsiteY1"/>
+                </a:cxn>
+                <a:cxn ang="0">
+                  <a:pos x="connsiteX2" y="connsiteY2"/>
+                </a:cxn>
+                <a:cxn ang="0">
+                  <a:pos x="connsiteX3" y="connsiteY3"/>
+                </a:cxn>
+                <a:cxn ang="0">
+                  <a:pos x="connsiteX4" y="connsiteY4"/>
+                </a:cxn>
+                <a:cxn ang="0">
+                  <a:pos x="connsiteX5" y="connsiteY5"/>
+                </a:cxn>
+                <a:cxn ang="0">
+                  <a:pos x="connsiteX6" y="connsiteY6"/>
+                </a:cxn>
+                <a:cxn ang="0">
+                  <a:pos x="connsiteX7" y="connsiteY7"/>
+                </a:cxn>
+                <a:cxn ang="0">
+                  <a:pos x="connsiteX8" y="connsiteY8"/>
+                </a:cxn>
+                <a:cxn ang="0">
+                  <a:pos x="connsiteX9" y="connsiteY9"/>
+                </a:cxn>
+                <a:cxn ang="0">
+                  <a:pos x="connsiteX10" y="connsiteY10"/>
+                </a:cxn>
+                <a:cxn ang="0">
+                  <a:pos x="connsiteX11" y="connsiteY11"/>
+                </a:cxn>
+                <a:cxn ang="0">
+                  <a:pos x="connsiteX12" y="connsiteY12"/>
+                </a:cxn>
+                <a:cxn ang="0">
+                  <a:pos x="connsiteX13" y="connsiteY13"/>
+                </a:cxn>
+                <a:cxn ang="0">
+                  <a:pos x="connsiteX14" y="connsiteY14"/>
+                </a:cxn>
+                <a:cxn ang="0">
+                  <a:pos x="connsiteX15" y="connsiteY15"/>
+                </a:cxn>
+                <a:cxn ang="0">
+                  <a:pos x="connsiteX16" y="connsiteY16"/>
+                </a:cxn>
+                <a:cxn ang="0">
+                  <a:pos x="connsiteX17" y="connsiteY17"/>
+                </a:cxn>
+                <a:cxn ang="0">
+                  <a:pos x="connsiteX18" y="connsiteY18"/>
+                </a:cxn>
+                <a:cxn ang="0">
+                  <a:pos x="connsiteX19" y="connsiteY19"/>
+                </a:cxn>
+              </a:cxnLst>
+              <a:rect l="l" t="t" r="r" b="b"/>
+              <a:pathLst>
+                <a:path w="2356712" h="4118991">
+                  <a:moveTo>
+                    <a:pt x="1707071" y="0"/>
+                  </a:moveTo>
+                  <a:cubicBezTo>
+                    <a:pt x="1715357" y="22098"/>
+                    <a:pt x="1812608" y="224409"/>
+                    <a:pt x="1824514" y="244697"/>
+                  </a:cubicBezTo>
+                  <a:cubicBezTo>
+                    <a:pt x="1844802" y="279273"/>
+                    <a:pt x="1876996" y="304324"/>
+                    <a:pt x="1908715" y="328994"/>
+                  </a:cubicBezTo>
+                  <a:cubicBezTo>
+                    <a:pt x="2019967" y="415195"/>
+                    <a:pt x="2137886" y="494633"/>
+                    <a:pt x="2226469" y="603695"/>
+                  </a:cubicBezTo>
+                  <a:cubicBezTo>
+                    <a:pt x="2296287" y="689610"/>
+                    <a:pt x="2347817" y="790480"/>
+                    <a:pt x="2355628" y="900494"/>
+                  </a:cubicBezTo>
+                  <a:cubicBezTo>
+                    <a:pt x="2363248" y="1007078"/>
+                    <a:pt x="2329910" y="1111187"/>
+                    <a:pt x="2281428" y="1206913"/>
+                  </a:cubicBezTo>
+                  <a:cubicBezTo>
+                    <a:pt x="2233422" y="1301877"/>
+                    <a:pt x="2170938" y="1388936"/>
+                    <a:pt x="2092452" y="1460659"/>
+                  </a:cubicBezTo>
+                  <a:cubicBezTo>
+                    <a:pt x="2016538" y="1530001"/>
+                    <a:pt x="1927765" y="1583436"/>
+                    <a:pt x="1834039" y="1625822"/>
+                  </a:cubicBezTo>
+                  <a:cubicBezTo>
+                    <a:pt x="1743075" y="1666970"/>
+                    <a:pt x="1647730" y="1697736"/>
+                    <a:pt x="1558862" y="1743075"/>
+                  </a:cubicBezTo>
+                  <a:cubicBezTo>
+                    <a:pt x="1494758" y="1775841"/>
+                    <a:pt x="1434275" y="1816132"/>
+                    <a:pt x="1386554" y="1869948"/>
+                  </a:cubicBezTo>
+                  <a:cubicBezTo>
+                    <a:pt x="1334548" y="1928622"/>
+                    <a:pt x="1300544" y="2000345"/>
+                    <a:pt x="1271683" y="2073402"/>
+                  </a:cubicBezTo>
+                  <a:cubicBezTo>
+                    <a:pt x="1235202" y="2165699"/>
+                    <a:pt x="1206722" y="2260759"/>
+                    <a:pt x="1178338" y="2355914"/>
+                  </a:cubicBezTo>
+                  <a:cubicBezTo>
+                    <a:pt x="1156240" y="2429923"/>
+                    <a:pt x="1134237" y="2504028"/>
+                    <a:pt x="1113758" y="2578513"/>
+                  </a:cubicBezTo>
+                  <a:cubicBezTo>
+                    <a:pt x="1090041" y="2664714"/>
+                    <a:pt x="1068134" y="2751678"/>
+                    <a:pt x="1034796" y="2834640"/>
+                  </a:cubicBezTo>
+                  <a:cubicBezTo>
+                    <a:pt x="1000125" y="2920841"/>
+                    <a:pt x="953643" y="3001613"/>
+                    <a:pt x="905637" y="3081242"/>
+                  </a:cubicBezTo>
+                  <a:cubicBezTo>
+                    <a:pt x="869442" y="3141155"/>
+                    <a:pt x="832295" y="3200400"/>
+                    <a:pt x="793147" y="3258407"/>
+                  </a:cubicBezTo>
+                  <a:cubicBezTo>
+                    <a:pt x="718661" y="3368802"/>
+                    <a:pt x="637223" y="3474434"/>
+                    <a:pt x="546735" y="3571970"/>
+                  </a:cubicBezTo>
+                  <a:cubicBezTo>
+                    <a:pt x="482632" y="3641027"/>
+                    <a:pt x="414147" y="3705797"/>
+                    <a:pt x="346996" y="3771900"/>
+                  </a:cubicBezTo>
+                  <a:cubicBezTo>
+                    <a:pt x="288989" y="3828764"/>
+                    <a:pt x="232029" y="3886676"/>
+                    <a:pt x="174689" y="3944207"/>
+                  </a:cubicBezTo>
+                  <a:cubicBezTo>
+                    <a:pt x="116586" y="4002596"/>
+                    <a:pt x="58293" y="4060698"/>
+                    <a:pt x="0" y="4118991"/>
+                  </a:cubicBezTo>
+                </a:path>
+              </a:pathLst>
+            </a:custGeom>
+            <a:noFill/>
+            <a:ln w="9525" cap="rnd">
+              <a:solidFill>
+                <a:schemeClr val="accent2">
+                  <a:alpha val="50000"/>
+                </a:schemeClr>
+              </a:solidFill>
+              <a:prstDash val="lgDash"/>
+              <a:round/>
+            </a:ln>
+          </p:spPr>
+          <p:txBody>
+            <a:bodyPr rtlCol="0" anchor="ctr"/>
+            <a:lstStyle>
+              <a:defPPr>
+                <a:defRPr lang="en-US"/>
+              </a:defPPr>
+              <a:lvl1pPr marL="0" algn="l" defTabSz="914400" rtl="0" eaLnBrk="1" latinLnBrk="0" hangingPunct="1">
+                <a:defRPr sz="1800" kern="1200">
+                  <a:solidFill>
+                    <a:schemeClr val="tx1"/>
+                  </a:solidFill>
+                  <a:latin typeface="+mn-lt"/>
+                  <a:ea typeface="+mn-ea"/>
+                  <a:cs typeface="+mn-cs"/>
+                </a:defRPr>
+              </a:lvl1pPr>
+              <a:lvl2pPr marL="457200" algn="l" defTabSz="914400" rtl="0" eaLnBrk="1" latinLnBrk="0" hangingPunct="1">
+                <a:defRPr sz="1800" kern="1200">
+                  <a:solidFill>
+                    <a:schemeClr val="tx1"/>
+                  </a:solidFill>
+                  <a:latin typeface="+mn-lt"/>
+                  <a:ea typeface="+mn-ea"/>
+                  <a:cs typeface="+mn-cs"/>
+                </a:defRPr>
+              </a:lvl2pPr>
+              <a:lvl3pPr marL="914400" algn="l" defTabSz="914400" rtl="0" eaLnBrk="1" latinLnBrk="0" hangingPunct="1">
+                <a:defRPr sz="1800" kern="1200">
+                  <a:solidFill>
+                    <a:schemeClr val="tx1"/>
+                  </a:solidFill>
+                  <a:latin typeface="+mn-lt"/>
+                  <a:ea typeface="+mn-ea"/>
+                  <a:cs typeface="+mn-cs"/>
+                </a:defRPr>
+              </a:lvl3pPr>
+              <a:lvl4pPr marL="1371600" algn="l" defTabSz="914400" rtl="0" eaLnBrk="1" latinLnBrk="0" hangingPunct="1">
+                <a:defRPr sz="1800" kern="1200">
+                  <a:solidFill>
+                    <a:schemeClr val="tx1"/>
+                  </a:solidFill>
+                  <a:latin typeface="+mn-lt"/>
+                  <a:ea typeface="+mn-ea"/>
+                  <a:cs typeface="+mn-cs"/>
+                </a:defRPr>
+              </a:lvl4pPr>
+              <a:lvl5pPr marL="1828800" algn="l" defTabSz="914400" rtl="0" eaLnBrk="1" latinLnBrk="0" hangingPunct="1">
+                <a:defRPr sz="1800" kern="1200">
+                  <a:solidFill>
+                    <a:schemeClr val="tx1"/>
+                  </a:solidFill>
+                  <a:latin typeface="+mn-lt"/>
+                  <a:ea typeface="+mn-ea"/>
+                  <a:cs typeface="+mn-cs"/>
+                </a:defRPr>
+              </a:lvl5pPr>
+              <a:lvl6pPr marL="2286000" algn="l" defTabSz="914400" rtl="0" eaLnBrk="1" latinLnBrk="0" hangingPunct="1">
+                <a:defRPr sz="1800" kern="1200">
+                  <a:solidFill>
+                    <a:schemeClr val="tx1"/>
+                  </a:solidFill>
+                  <a:latin typeface="+mn-lt"/>
+                  <a:ea typeface="+mn-ea"/>
+                  <a:cs typeface="+mn-cs"/>
+                </a:defRPr>
+              </a:lvl6pPr>
+              <a:lvl7pPr marL="2743200" algn="l" defTabSz="914400" rtl="0" eaLnBrk="1" latinLnBrk="0" hangingPunct="1">
+                <a:defRPr sz="1800" kern="1200">
+                  <a:solidFill>
+                    <a:schemeClr val="tx1"/>
+                  </a:solidFill>
+                  <a:latin typeface="+mn-lt"/>
+                  <a:ea typeface="+mn-ea"/>
+                  <a:cs typeface="+mn-cs"/>
+                </a:defRPr>
+              </a:lvl7pPr>
+              <a:lvl8pPr marL="3200400" algn="l" defTabSz="914400" rtl="0" eaLnBrk="1" latinLnBrk="0" hangingPunct="1">
+                <a:defRPr sz="1800" kern="1200">
+                  <a:solidFill>
+                    <a:schemeClr val="tx1"/>
+                  </a:solidFill>
+                  <a:latin typeface="+mn-lt"/>
+                  <a:ea typeface="+mn-ea"/>
+                  <a:cs typeface="+mn-cs"/>
+                </a:defRPr>
+              </a:lvl8pPr>
+              <a:lvl9pPr marL="3657600" algn="l" defTabSz="914400" rtl="0" eaLnBrk="1" latinLnBrk="0" hangingPunct="1">
+                <a:defRPr sz="1800" kern="1200">
+                  <a:solidFill>
+                    <a:schemeClr val="tx1"/>
+                  </a:solidFill>
+                  <a:latin typeface="+mn-lt"/>
+                  <a:ea typeface="+mn-ea"/>
+                  <a:cs typeface="+mn-cs"/>
+                </a:defRPr>
+              </a:lvl9pPr>
+            </a:lstStyle>
+            <a:p>
+              <a:endParaRPr lang="en-US"/>
+            </a:p>
+          </p:txBody>
+        </p:sp>
+        <p:sp>
+          <p:nvSpPr>
+            <p:cNvPr id="20" name="Freeform: Shape 19">
+              <a:extLst>
+                <a:ext uri="{FF2B5EF4-FFF2-40B4-BE49-F238E27FC236}">
+                  <a16:creationId xmlns:a16="http://schemas.microsoft.com/office/drawing/2014/main" id="{891B00CE-2CF5-4DF1-A345-4516E2E83D06}"/>
+                </a:ext>
+                <a:ext uri="{C183D7F6-B498-43B3-948B-1728B52AA6E4}">
+                  <adec:decorative xmlns:adec="http://schemas.microsoft.com/office/drawing/2017/decorative" val="1"/>
+                </a:ext>
+              </a:extLst>
+            </p:cNvPr>
+            <p:cNvSpPr/>
+            <p:nvPr>
+              <p:extLst>
+                <p:ext uri="{386F3935-93C4-4BCD-93E2-E3B085C9AB24}">
+                  <p16:designElem xmlns:p16="http://schemas.microsoft.com/office/powerpoint/2015/main" val="1"/>
+                </p:ext>
+              </p:extLst>
+            </p:nvPr>
+          </p:nvSpPr>
+          <p:spPr>
+            <a:xfrm>
+              <a:off x="10849" y="15178"/>
+              <a:ext cx="1368431" cy="2644975"/>
+            </a:xfrm>
+            <a:custGeom>
+              <a:avLst/>
+              <a:gdLst>
+                <a:gd name="connsiteX0" fmla="*/ 0 w 2059193"/>
+                <a:gd name="connsiteY0" fmla="*/ 3980116 h 3980116"/>
+                <a:gd name="connsiteX1" fmla="*/ 471583 w 2059193"/>
+                <a:gd name="connsiteY1" fmla="*/ 3515678 h 3980116"/>
+                <a:gd name="connsiteX2" fmla="*/ 758666 w 2059193"/>
+                <a:gd name="connsiteY2" fmla="*/ 3163824 h 3980116"/>
+                <a:gd name="connsiteX3" fmla="*/ 940499 w 2059193"/>
+                <a:gd name="connsiteY3" fmla="*/ 2780824 h 3980116"/>
+                <a:gd name="connsiteX4" fmla="*/ 1055370 w 2059193"/>
+                <a:gd name="connsiteY4" fmla="*/ 2242185 h 3980116"/>
+                <a:gd name="connsiteX5" fmla="*/ 1136714 w 2059193"/>
+                <a:gd name="connsiteY5" fmla="*/ 1878330 h 3980116"/>
+                <a:gd name="connsiteX6" fmla="*/ 1246727 w 2059193"/>
+                <a:gd name="connsiteY6" fmla="*/ 1562386 h 3980116"/>
+                <a:gd name="connsiteX7" fmla="*/ 1378363 w 2059193"/>
+                <a:gd name="connsiteY7" fmla="*/ 1430750 h 3980116"/>
+                <a:gd name="connsiteX8" fmla="*/ 1691831 w 2059193"/>
+                <a:gd name="connsiteY8" fmla="*/ 1394841 h 3980116"/>
+                <a:gd name="connsiteX9" fmla="*/ 1914335 w 2059193"/>
+                <a:gd name="connsiteY9" fmla="*/ 1323023 h 3980116"/>
+                <a:gd name="connsiteX10" fmla="*/ 2055495 w 2059193"/>
+                <a:gd name="connsiteY10" fmla="*/ 1098042 h 3980116"/>
+                <a:gd name="connsiteX11" fmla="*/ 2033969 w 2059193"/>
+                <a:gd name="connsiteY11" fmla="*/ 930497 h 3980116"/>
+                <a:gd name="connsiteX12" fmla="*/ 1885664 w 2059193"/>
+                <a:gd name="connsiteY12" fmla="*/ 760571 h 3980116"/>
+                <a:gd name="connsiteX13" fmla="*/ 1636871 w 2059193"/>
+                <a:gd name="connsiteY13" fmla="*/ 612172 h 3980116"/>
+                <a:gd name="connsiteX14" fmla="*/ 1335405 w 2059193"/>
+                <a:gd name="connsiteY14" fmla="*/ 459010 h 3980116"/>
+                <a:gd name="connsiteX15" fmla="*/ 1234916 w 2059193"/>
+                <a:gd name="connsiteY15" fmla="*/ 269939 h 3980116"/>
+                <a:gd name="connsiteX16" fmla="*/ 1386935 w 2059193"/>
+                <a:gd name="connsiteY16" fmla="*/ 0 h 3980116"/>
+              </a:gdLst>
+              <a:ahLst/>
+              <a:cxnLst>
+                <a:cxn ang="0">
+                  <a:pos x="connsiteX0" y="connsiteY0"/>
+                </a:cxn>
+                <a:cxn ang="0">
+                  <a:pos x="connsiteX1" y="connsiteY1"/>
+                </a:cxn>
+                <a:cxn ang="0">
+                  <a:pos x="connsiteX2" y="connsiteY2"/>
+                </a:cxn>
+                <a:cxn ang="0">
+                  <a:pos x="connsiteX3" y="connsiteY3"/>
+                </a:cxn>
+                <a:cxn ang="0">
+                  <a:pos x="connsiteX4" y="connsiteY4"/>
+                </a:cxn>
+                <a:cxn ang="0">
+                  <a:pos x="connsiteX5" y="connsiteY5"/>
+                </a:cxn>
+                <a:cxn ang="0">
+                  <a:pos x="connsiteX6" y="connsiteY6"/>
+                </a:cxn>
+                <a:cxn ang="0">
+                  <a:pos x="connsiteX7" y="connsiteY7"/>
+                </a:cxn>
+                <a:cxn ang="0">
+                  <a:pos x="connsiteX8" y="connsiteY8"/>
+                </a:cxn>
+                <a:cxn ang="0">
+                  <a:pos x="connsiteX9" y="connsiteY9"/>
+                </a:cxn>
+                <a:cxn ang="0">
+                  <a:pos x="connsiteX10" y="connsiteY10"/>
+                </a:cxn>
+                <a:cxn ang="0">
+                  <a:pos x="connsiteX11" y="connsiteY11"/>
+                </a:cxn>
+                <a:cxn ang="0">
+                  <a:pos x="connsiteX12" y="connsiteY12"/>
+                </a:cxn>
+                <a:cxn ang="0">
+                  <a:pos x="connsiteX13" y="connsiteY13"/>
+                </a:cxn>
+                <a:cxn ang="0">
+                  <a:pos x="connsiteX14" y="connsiteY14"/>
+                </a:cxn>
+                <a:cxn ang="0">
+                  <a:pos x="connsiteX15" y="connsiteY15"/>
+                </a:cxn>
+                <a:cxn ang="0">
+                  <a:pos x="connsiteX16" y="connsiteY16"/>
+                </a:cxn>
+              </a:cxnLst>
+              <a:rect l="l" t="t" r="r" b="b"/>
+              <a:pathLst>
+                <a:path w="2059193" h="3980116">
+                  <a:moveTo>
+                    <a:pt x="0" y="3980116"/>
+                  </a:moveTo>
+                  <a:cubicBezTo>
+                    <a:pt x="91345" y="3889534"/>
+                    <a:pt x="382715" y="3608737"/>
+                    <a:pt x="471583" y="3515678"/>
+                  </a:cubicBezTo>
+                  <a:cubicBezTo>
+                    <a:pt x="576358" y="3405949"/>
+                    <a:pt x="675989" y="3290983"/>
+                    <a:pt x="758666" y="3163824"/>
+                  </a:cubicBezTo>
+                  <a:cubicBezTo>
+                    <a:pt x="836105" y="3044857"/>
+                    <a:pt x="897445" y="2916079"/>
+                    <a:pt x="940499" y="2780824"/>
+                  </a:cubicBezTo>
+                  <a:cubicBezTo>
+                    <a:pt x="996315" y="2605754"/>
+                    <a:pt x="1020985" y="2422874"/>
+                    <a:pt x="1055370" y="2242185"/>
+                  </a:cubicBezTo>
+                  <a:cubicBezTo>
+                    <a:pt x="1078611" y="2120075"/>
+                    <a:pt x="1107472" y="1999107"/>
+                    <a:pt x="1136714" y="1878330"/>
+                  </a:cubicBezTo>
+                  <a:cubicBezTo>
+                    <a:pt x="1163098" y="1769174"/>
+                    <a:pt x="1189482" y="1658588"/>
+                    <a:pt x="1246727" y="1562386"/>
+                  </a:cubicBezTo>
+                  <a:cubicBezTo>
+                    <a:pt x="1279208" y="1507808"/>
+                    <a:pt x="1321689" y="1459039"/>
+                    <a:pt x="1378363" y="1430750"/>
+                  </a:cubicBezTo>
+                  <a:cubicBezTo>
+                    <a:pt x="1473327" y="1383221"/>
+                    <a:pt x="1584865" y="1402652"/>
+                    <a:pt x="1691831" y="1394841"/>
+                  </a:cubicBezTo>
+                  <a:cubicBezTo>
+                    <a:pt x="1771079" y="1389031"/>
+                    <a:pt x="1849279" y="1368266"/>
+                    <a:pt x="1914335" y="1323023"/>
+                  </a:cubicBezTo>
+                  <a:cubicBezTo>
+                    <a:pt x="1989963" y="1270445"/>
+                    <a:pt x="2041493" y="1189101"/>
+                    <a:pt x="2055495" y="1098042"/>
+                  </a:cubicBezTo>
+                  <a:cubicBezTo>
+                    <a:pt x="2064258" y="1041178"/>
+                    <a:pt x="2057591" y="982980"/>
+                    <a:pt x="2033969" y="930497"/>
+                  </a:cubicBezTo>
+                  <a:cubicBezTo>
+                    <a:pt x="2002727" y="861060"/>
+                    <a:pt x="1945958" y="807625"/>
+                    <a:pt x="1885664" y="760571"/>
+                  </a:cubicBezTo>
+                  <a:cubicBezTo>
+                    <a:pt x="1809179" y="700945"/>
+                    <a:pt x="1725549" y="651415"/>
+                    <a:pt x="1636871" y="612172"/>
+                  </a:cubicBezTo>
+                  <a:cubicBezTo>
+                    <a:pt x="1532763" y="566071"/>
+                    <a:pt x="1421606" y="532543"/>
+                    <a:pt x="1335405" y="459010"/>
+                  </a:cubicBezTo>
+                  <a:cubicBezTo>
+                    <a:pt x="1277969" y="409956"/>
+                    <a:pt x="1232059" y="344615"/>
+                    <a:pt x="1234916" y="269939"/>
+                  </a:cubicBezTo>
+                  <a:cubicBezTo>
+                    <a:pt x="1237012" y="211741"/>
+                    <a:pt x="1386935" y="0"/>
+                    <a:pt x="1386935" y="0"/>
+                  </a:cubicBezTo>
+                </a:path>
+              </a:pathLst>
+            </a:custGeom>
+            <a:noFill/>
+            <a:ln w="9525" cap="rnd">
+              <a:solidFill>
+                <a:schemeClr val="accent2">
+                  <a:alpha val="50000"/>
+                </a:schemeClr>
+              </a:solidFill>
+              <a:prstDash val="lgDash"/>
+              <a:round/>
+            </a:ln>
+          </p:spPr>
+          <p:txBody>
+            <a:bodyPr rtlCol="0" anchor="ctr"/>
+            <a:lstStyle>
+              <a:defPPr>
+                <a:defRPr lang="en-US"/>
+              </a:defPPr>
+              <a:lvl1pPr marL="0" algn="l" defTabSz="914400" rtl="0" eaLnBrk="1" latinLnBrk="0" hangingPunct="1">
+                <a:defRPr sz="1800" kern="1200">
+                  <a:solidFill>
+                    <a:schemeClr val="tx1"/>
+                  </a:solidFill>
+                  <a:latin typeface="+mn-lt"/>
+                  <a:ea typeface="+mn-ea"/>
+                  <a:cs typeface="+mn-cs"/>
+                </a:defRPr>
+              </a:lvl1pPr>
+              <a:lvl2pPr marL="457200" algn="l" defTabSz="914400" rtl="0" eaLnBrk="1" latinLnBrk="0" hangingPunct="1">
+                <a:defRPr sz="1800" kern="1200">
+                  <a:solidFill>
+                    <a:schemeClr val="tx1"/>
+                  </a:solidFill>
+                  <a:latin typeface="+mn-lt"/>
+                  <a:ea typeface="+mn-ea"/>
+                  <a:cs typeface="+mn-cs"/>
+                </a:defRPr>
+              </a:lvl2pPr>
+              <a:lvl3pPr marL="914400" algn="l" defTabSz="914400" rtl="0" eaLnBrk="1" latinLnBrk="0" hangingPunct="1">
+                <a:defRPr sz="1800" kern="1200">
+                  <a:solidFill>
+                    <a:schemeClr val="tx1"/>
+                  </a:solidFill>
+                  <a:latin typeface="+mn-lt"/>
+                  <a:ea typeface="+mn-ea"/>
+                  <a:cs typeface="+mn-cs"/>
+                </a:defRPr>
+              </a:lvl3pPr>
+              <a:lvl4pPr marL="1371600" algn="l" defTabSz="914400" rtl="0" eaLnBrk="1" latinLnBrk="0" hangingPunct="1">
+                <a:defRPr sz="1800" kern="1200">
+                  <a:solidFill>
+                    <a:schemeClr val="tx1"/>
+                  </a:solidFill>
+                  <a:latin typeface="+mn-lt"/>
+                  <a:ea typeface="+mn-ea"/>
+                  <a:cs typeface="+mn-cs"/>
+                </a:defRPr>
+              </a:lvl4pPr>
+              <a:lvl5pPr marL="1828800" algn="l" defTabSz="914400" rtl="0" eaLnBrk="1" latinLnBrk="0" hangingPunct="1">
+                <a:defRPr sz="1800" kern="1200">
+                  <a:solidFill>
+                    <a:schemeClr val="tx1"/>
+                  </a:solidFill>
+                  <a:latin typeface="+mn-lt"/>
+                  <a:ea typeface="+mn-ea"/>
+                  <a:cs typeface="+mn-cs"/>
+                </a:defRPr>
+              </a:lvl5pPr>
+              <a:lvl6pPr marL="2286000" algn="l" defTabSz="914400" rtl="0" eaLnBrk="1" latinLnBrk="0" hangingPunct="1">
+                <a:defRPr sz="1800" kern="1200">
+                  <a:solidFill>
+                    <a:schemeClr val="tx1"/>
+                  </a:solidFill>
+                  <a:latin typeface="+mn-lt"/>
+                  <a:ea typeface="+mn-ea"/>
+                  <a:cs typeface="+mn-cs"/>
+                </a:defRPr>
+              </a:lvl6pPr>
+              <a:lvl7pPr marL="2743200" algn="l" defTabSz="914400" rtl="0" eaLnBrk="1" latinLnBrk="0" hangingPunct="1">
+                <a:defRPr sz="1800" kern="1200">
+                  <a:solidFill>
+                    <a:schemeClr val="tx1"/>
+                  </a:solidFill>
+                  <a:latin typeface="+mn-lt"/>
+                  <a:ea typeface="+mn-ea"/>
+                  <a:cs typeface="+mn-cs"/>
+                </a:defRPr>
+              </a:lvl7pPr>
+              <a:lvl8pPr marL="3200400" algn="l" defTabSz="914400" rtl="0" eaLnBrk="1" latinLnBrk="0" hangingPunct="1">
+                <a:defRPr sz="1800" kern="1200">
+                  <a:solidFill>
+                    <a:schemeClr val="tx1"/>
+                  </a:solidFill>
+                  <a:latin typeface="+mn-lt"/>
+                  <a:ea typeface="+mn-ea"/>
+                  <a:cs typeface="+mn-cs"/>
+                </a:defRPr>
+              </a:lvl8pPr>
+              <a:lvl9pPr marL="3657600" algn="l" defTabSz="914400" rtl="0" eaLnBrk="1" latinLnBrk="0" hangingPunct="1">
+                <a:defRPr sz="1800" kern="1200">
+                  <a:solidFill>
+                    <a:schemeClr val="tx1"/>
+                  </a:solidFill>
+                  <a:latin typeface="+mn-lt"/>
+                  <a:ea typeface="+mn-ea"/>
+                  <a:cs typeface="+mn-cs"/>
+                </a:defRPr>
+              </a:lvl9pPr>
+            </a:lstStyle>
+            <a:p>
+              <a:endParaRPr lang="en-US"/>
+            </a:p>
+          </p:txBody>
+        </p:sp>
+        <p:sp>
+          <p:nvSpPr>
+            <p:cNvPr id="21" name="Freeform: Shape 20">
+              <a:extLst>
+                <a:ext uri="{FF2B5EF4-FFF2-40B4-BE49-F238E27FC236}">
+                  <a16:creationId xmlns:a16="http://schemas.microsoft.com/office/drawing/2014/main" id="{8B332657-F1E9-428F-BA70-8DD848E55333}"/>
+                </a:ext>
+                <a:ext uri="{C183D7F6-B498-43B3-948B-1728B52AA6E4}">
+                  <adec:decorative xmlns:adec="http://schemas.microsoft.com/office/drawing/2017/decorative" val="1"/>
+                </a:ext>
+              </a:extLst>
+            </p:cNvPr>
+            <p:cNvSpPr/>
+            <p:nvPr>
+              <p:extLst>
+                <p:ext uri="{386F3935-93C4-4BCD-93E2-E3B085C9AB24}">
+                  <p16:designElem xmlns:p16="http://schemas.microsoft.com/office/powerpoint/2015/main" val="1"/>
+                </p:ext>
+              </p:extLst>
+            </p:nvPr>
+          </p:nvSpPr>
+          <p:spPr>
+            <a:xfrm>
+              <a:off x="18825" y="543780"/>
+              <a:ext cx="494287" cy="1905590"/>
+            </a:xfrm>
+            <a:custGeom>
+              <a:avLst/>
+              <a:gdLst>
+                <a:gd name="connsiteX0" fmla="*/ 11144 w 743796"/>
+                <a:gd name="connsiteY0" fmla="*/ 0 h 2867501"/>
+                <a:gd name="connsiteX1" fmla="*/ 353663 w 743796"/>
+                <a:gd name="connsiteY1" fmla="*/ 55245 h 2867501"/>
+                <a:gd name="connsiteX2" fmla="*/ 571405 w 743796"/>
+                <a:gd name="connsiteY2" fmla="*/ 179737 h 2867501"/>
+                <a:gd name="connsiteX3" fmla="*/ 688658 w 743796"/>
+                <a:gd name="connsiteY3" fmla="*/ 368808 h 2867501"/>
+                <a:gd name="connsiteX4" fmla="*/ 731711 w 743796"/>
+                <a:gd name="connsiteY4" fmla="*/ 612934 h 2867501"/>
+                <a:gd name="connsiteX5" fmla="*/ 725233 w 743796"/>
+                <a:gd name="connsiteY5" fmla="*/ 995648 h 2867501"/>
+                <a:gd name="connsiteX6" fmla="*/ 742855 w 743796"/>
+                <a:gd name="connsiteY6" fmla="*/ 1499330 h 2867501"/>
+                <a:gd name="connsiteX7" fmla="*/ 707898 w 743796"/>
+                <a:gd name="connsiteY7" fmla="*/ 1793081 h 2867501"/>
+                <a:gd name="connsiteX8" fmla="*/ 633222 w 743796"/>
+                <a:gd name="connsiteY8" fmla="*/ 2073592 h 2867501"/>
+                <a:gd name="connsiteX9" fmla="*/ 404527 w 743796"/>
+                <a:gd name="connsiteY9" fmla="*/ 2472404 h 2867501"/>
+                <a:gd name="connsiteX10" fmla="*/ 0 w 743796"/>
+                <a:gd name="connsiteY10" fmla="*/ 2867501 h 2867501"/>
+              </a:gdLst>
+              <a:ahLst/>
+              <a:cxnLst>
+                <a:cxn ang="0">
+                  <a:pos x="connsiteX0" y="connsiteY0"/>
+                </a:cxn>
+                <a:cxn ang="0">
+                  <a:pos x="connsiteX1" y="connsiteY1"/>
+                </a:cxn>
+                <a:cxn ang="0">
+                  <a:pos x="connsiteX2" y="connsiteY2"/>
+                </a:cxn>
+                <a:cxn ang="0">
+                  <a:pos x="connsiteX3" y="connsiteY3"/>
+                </a:cxn>
+                <a:cxn ang="0">
+                  <a:pos x="connsiteX4" y="connsiteY4"/>
+                </a:cxn>
+                <a:cxn ang="0">
+                  <a:pos x="connsiteX5" y="connsiteY5"/>
+                </a:cxn>
+                <a:cxn ang="0">
+                  <a:pos x="connsiteX6" y="connsiteY6"/>
+                </a:cxn>
+                <a:cxn ang="0">
+                  <a:pos x="connsiteX7" y="connsiteY7"/>
+                </a:cxn>
+                <a:cxn ang="0">
+                  <a:pos x="connsiteX8" y="connsiteY8"/>
+                </a:cxn>
+                <a:cxn ang="0">
+                  <a:pos x="connsiteX9" y="connsiteY9"/>
+                </a:cxn>
+                <a:cxn ang="0">
+                  <a:pos x="connsiteX10" y="connsiteY10"/>
+                </a:cxn>
+              </a:cxnLst>
+              <a:rect l="l" t="t" r="r" b="b"/>
+              <a:pathLst>
+                <a:path w="743796" h="2867501">
+                  <a:moveTo>
+                    <a:pt x="11144" y="0"/>
+                  </a:moveTo>
+                  <a:cubicBezTo>
+                    <a:pt x="101060" y="2953"/>
+                    <a:pt x="268796" y="25146"/>
+                    <a:pt x="353663" y="55245"/>
+                  </a:cubicBezTo>
+                  <a:cubicBezTo>
+                    <a:pt x="433483" y="83534"/>
+                    <a:pt x="510635" y="120967"/>
+                    <a:pt x="571405" y="179737"/>
+                  </a:cubicBezTo>
+                  <a:cubicBezTo>
+                    <a:pt x="625412" y="231934"/>
+                    <a:pt x="663607" y="297942"/>
+                    <a:pt x="688658" y="368808"/>
+                  </a:cubicBezTo>
+                  <a:cubicBezTo>
+                    <a:pt x="716375" y="447103"/>
+                    <a:pt x="727996" y="529876"/>
+                    <a:pt x="731711" y="612934"/>
+                  </a:cubicBezTo>
+                  <a:cubicBezTo>
+                    <a:pt x="737426" y="740474"/>
+                    <a:pt x="724948" y="867918"/>
+                    <a:pt x="725233" y="995648"/>
+                  </a:cubicBezTo>
+                  <a:cubicBezTo>
+                    <a:pt x="725710" y="1163765"/>
+                    <a:pt x="748665" y="1331309"/>
+                    <a:pt x="742855" y="1499330"/>
+                  </a:cubicBezTo>
+                  <a:cubicBezTo>
+                    <a:pt x="739426" y="1598009"/>
+                    <a:pt x="725996" y="1696022"/>
+                    <a:pt x="707898" y="1793081"/>
+                  </a:cubicBezTo>
+                  <a:cubicBezTo>
+                    <a:pt x="690086" y="1888426"/>
+                    <a:pt x="666845" y="1982724"/>
+                    <a:pt x="633222" y="2073592"/>
+                  </a:cubicBezTo>
+                  <a:cubicBezTo>
+                    <a:pt x="579692" y="2218182"/>
+                    <a:pt x="499682" y="2351056"/>
+                    <a:pt x="404527" y="2472404"/>
+                  </a:cubicBezTo>
+                  <a:cubicBezTo>
+                    <a:pt x="266033" y="2648902"/>
+                    <a:pt x="179642" y="2732818"/>
+                    <a:pt x="0" y="2867501"/>
+                  </a:cubicBezTo>
+                </a:path>
+              </a:pathLst>
+            </a:custGeom>
+            <a:noFill/>
+            <a:ln w="9525" cap="rnd">
+              <a:solidFill>
+                <a:schemeClr val="accent2">
+                  <a:alpha val="50000"/>
+                </a:schemeClr>
+              </a:solidFill>
+              <a:prstDash val="lgDash"/>
+              <a:round/>
+            </a:ln>
+          </p:spPr>
+          <p:txBody>
+            <a:bodyPr rtlCol="0" anchor="ctr"/>
+            <a:lstStyle>
+              <a:defPPr>
+                <a:defRPr lang="en-US"/>
+              </a:defPPr>
+              <a:lvl1pPr marL="0" algn="l" defTabSz="914400" rtl="0" eaLnBrk="1" latinLnBrk="0" hangingPunct="1">
+                <a:defRPr sz="1800" kern="1200">
+                  <a:solidFill>
+                    <a:schemeClr val="tx1"/>
+                  </a:solidFill>
+                  <a:latin typeface="+mn-lt"/>
+                  <a:ea typeface="+mn-ea"/>
+                  <a:cs typeface="+mn-cs"/>
+                </a:defRPr>
+              </a:lvl1pPr>
+              <a:lvl2pPr marL="457200" algn="l" defTabSz="914400" rtl="0" eaLnBrk="1" latinLnBrk="0" hangingPunct="1">
+                <a:defRPr sz="1800" kern="1200">
+                  <a:solidFill>
+                    <a:schemeClr val="tx1"/>
+                  </a:solidFill>
+                  <a:latin typeface="+mn-lt"/>
+                  <a:ea typeface="+mn-ea"/>
+                  <a:cs typeface="+mn-cs"/>
+                </a:defRPr>
+              </a:lvl2pPr>
+              <a:lvl3pPr marL="914400" algn="l" defTabSz="914400" rtl="0" eaLnBrk="1" latinLnBrk="0" hangingPunct="1">
+                <a:defRPr sz="1800" kern="1200">
+                  <a:solidFill>
+                    <a:schemeClr val="tx1"/>
+                  </a:solidFill>
+                  <a:latin typeface="+mn-lt"/>
+                  <a:ea typeface="+mn-ea"/>
+                  <a:cs typeface="+mn-cs"/>
+                </a:defRPr>
+              </a:lvl3pPr>
+              <a:lvl4pPr marL="1371600" algn="l" defTabSz="914400" rtl="0" eaLnBrk="1" latinLnBrk="0" hangingPunct="1">
+                <a:defRPr sz="1800" kern="1200">
+                  <a:solidFill>
+                    <a:schemeClr val="tx1"/>
+                  </a:solidFill>
+                  <a:latin typeface="+mn-lt"/>
+                  <a:ea typeface="+mn-ea"/>
+                  <a:cs typeface="+mn-cs"/>
+                </a:defRPr>
+              </a:lvl4pPr>
+              <a:lvl5pPr marL="1828800" algn="l" defTabSz="914400" rtl="0" eaLnBrk="1" latinLnBrk="0" hangingPunct="1">
+                <a:defRPr sz="1800" kern="1200">
+                  <a:solidFill>
+                    <a:schemeClr val="tx1"/>
+                  </a:solidFill>
+                  <a:latin typeface="+mn-lt"/>
+                  <a:ea typeface="+mn-ea"/>
+                  <a:cs typeface="+mn-cs"/>
+                </a:defRPr>
+              </a:lvl5pPr>
+              <a:lvl6pPr marL="2286000" algn="l" defTabSz="914400" rtl="0" eaLnBrk="1" latinLnBrk="0" hangingPunct="1">
+                <a:defRPr sz="1800" kern="1200">
+                  <a:solidFill>
+                    <a:schemeClr val="tx1"/>
+                  </a:solidFill>
+                  <a:latin typeface="+mn-lt"/>
+                  <a:ea typeface="+mn-ea"/>
+                  <a:cs typeface="+mn-cs"/>
+                </a:defRPr>
+              </a:lvl6pPr>
+              <a:lvl7pPr marL="2743200" algn="l" defTabSz="914400" rtl="0" eaLnBrk="1" latinLnBrk="0" hangingPunct="1">
+                <a:defRPr sz="1800" kern="1200">
+                  <a:solidFill>
+                    <a:schemeClr val="tx1"/>
+                  </a:solidFill>
+                  <a:latin typeface="+mn-lt"/>
+                  <a:ea typeface="+mn-ea"/>
+                  <a:cs typeface="+mn-cs"/>
+                </a:defRPr>
+              </a:lvl7pPr>
+              <a:lvl8pPr marL="3200400" algn="l" defTabSz="914400" rtl="0" eaLnBrk="1" latinLnBrk="0" hangingPunct="1">
+                <a:defRPr sz="1800" kern="1200">
+                  <a:solidFill>
+                    <a:schemeClr val="tx1"/>
+                  </a:solidFill>
+                  <a:latin typeface="+mn-lt"/>
+                  <a:ea typeface="+mn-ea"/>
+                  <a:cs typeface="+mn-cs"/>
+                </a:defRPr>
+              </a:lvl8pPr>
+              <a:lvl9pPr marL="3657600" algn="l" defTabSz="914400" rtl="0" eaLnBrk="1" latinLnBrk="0" hangingPunct="1">
+                <a:defRPr sz="1800" kern="1200">
+                  <a:solidFill>
+                    <a:schemeClr val="tx1"/>
+                  </a:solidFill>
+                  <a:latin typeface="+mn-lt"/>
+                  <a:ea typeface="+mn-ea"/>
+                  <a:cs typeface="+mn-cs"/>
+                </a:defRPr>
+              </a:lvl9pPr>
+            </a:lstStyle>
+            <a:p>
+              <a:endParaRPr lang="en-US"/>
+            </a:p>
+          </p:txBody>
+        </p:sp>
+        <p:sp>
+          <p:nvSpPr>
+            <p:cNvPr id="22" name="Freeform: Shape 21">
+              <a:extLst>
+                <a:ext uri="{FF2B5EF4-FFF2-40B4-BE49-F238E27FC236}">
+                  <a16:creationId xmlns:a16="http://schemas.microsoft.com/office/drawing/2014/main" id="{766A6EF8-94C7-4127-9EF9-584AD6885BF2}"/>
+                </a:ext>
+                <a:ext uri="{C183D7F6-B498-43B3-948B-1728B52AA6E4}">
+                  <adec:decorative xmlns:adec="http://schemas.microsoft.com/office/drawing/2017/decorative" val="1"/>
+                </a:ext>
+              </a:extLst>
+            </p:cNvPr>
+            <p:cNvSpPr/>
+            <p:nvPr>
+              <p:extLst>
+                <p:ext uri="{386F3935-93C4-4BCD-93E2-E3B085C9AB24}">
+                  <p16:designElem xmlns:p16="http://schemas.microsoft.com/office/powerpoint/2015/main" val="1"/>
+                </p:ext>
+              </p:extLst>
+            </p:nvPr>
+          </p:nvSpPr>
+          <p:spPr>
+            <a:xfrm>
+              <a:off x="10849" y="672286"/>
+              <a:ext cx="396930" cy="1690303"/>
+            </a:xfrm>
+            <a:custGeom>
+              <a:avLst/>
+              <a:gdLst>
+                <a:gd name="connsiteX0" fmla="*/ 16478 w 597294"/>
+                <a:gd name="connsiteY0" fmla="*/ 2079 h 2543540"/>
+                <a:gd name="connsiteX1" fmla="*/ 299847 w 597294"/>
+                <a:gd name="connsiteY1" fmla="*/ 53991 h 2543540"/>
+                <a:gd name="connsiteX2" fmla="*/ 503206 w 597294"/>
+                <a:gd name="connsiteY2" fmla="*/ 291354 h 2543540"/>
+                <a:gd name="connsiteX3" fmla="*/ 525113 w 597294"/>
+                <a:gd name="connsiteY3" fmla="*/ 724265 h 2543540"/>
+                <a:gd name="connsiteX4" fmla="*/ 578930 w 597294"/>
+                <a:gd name="connsiteY4" fmla="*/ 1117267 h 2543540"/>
+                <a:gd name="connsiteX5" fmla="*/ 592931 w 597294"/>
+                <a:gd name="connsiteY5" fmla="*/ 1476359 h 2543540"/>
+                <a:gd name="connsiteX6" fmla="*/ 503206 w 597294"/>
+                <a:gd name="connsiteY6" fmla="*/ 1859359 h 2543540"/>
+                <a:gd name="connsiteX7" fmla="*/ 291846 w 597294"/>
+                <a:gd name="connsiteY7" fmla="*/ 2250361 h 2543540"/>
+                <a:gd name="connsiteX8" fmla="*/ 0 w 597294"/>
+                <a:gd name="connsiteY8" fmla="*/ 2543540 h 2543540"/>
+              </a:gdLst>
+              <a:ahLst/>
+              <a:cxnLst>
+                <a:cxn ang="0">
+                  <a:pos x="connsiteX0" y="connsiteY0"/>
+                </a:cxn>
+                <a:cxn ang="0">
+                  <a:pos x="connsiteX1" y="connsiteY1"/>
+                </a:cxn>
+                <a:cxn ang="0">
+                  <a:pos x="connsiteX2" y="connsiteY2"/>
+                </a:cxn>
+                <a:cxn ang="0">
+                  <a:pos x="connsiteX3" y="connsiteY3"/>
+                </a:cxn>
+                <a:cxn ang="0">
+                  <a:pos x="connsiteX4" y="connsiteY4"/>
+                </a:cxn>
+                <a:cxn ang="0">
+                  <a:pos x="connsiteX5" y="connsiteY5"/>
+                </a:cxn>
+                <a:cxn ang="0">
+                  <a:pos x="connsiteX6" y="connsiteY6"/>
+                </a:cxn>
+                <a:cxn ang="0">
+                  <a:pos x="connsiteX7" y="connsiteY7"/>
+                </a:cxn>
+                <a:cxn ang="0">
+                  <a:pos x="connsiteX8" y="connsiteY8"/>
+                </a:cxn>
+              </a:cxnLst>
+              <a:rect l="l" t="t" r="r" b="b"/>
+              <a:pathLst>
+                <a:path w="597294" h="2543540">
+                  <a:moveTo>
+                    <a:pt x="16478" y="2079"/>
+                  </a:moveTo>
+                  <a:cubicBezTo>
+                    <a:pt x="101441" y="-6684"/>
+                    <a:pt x="224885" y="12557"/>
+                    <a:pt x="299847" y="53991"/>
+                  </a:cubicBezTo>
+                  <a:cubicBezTo>
+                    <a:pt x="394240" y="106092"/>
+                    <a:pt x="468440" y="189341"/>
+                    <a:pt x="503206" y="291354"/>
+                  </a:cubicBezTo>
+                  <a:cubicBezTo>
+                    <a:pt x="550069" y="429085"/>
+                    <a:pt x="520827" y="577770"/>
+                    <a:pt x="525113" y="724265"/>
+                  </a:cubicBezTo>
+                  <a:cubicBezTo>
+                    <a:pt x="529019" y="856472"/>
+                    <a:pt x="561118" y="986012"/>
+                    <a:pt x="578930" y="1117267"/>
+                  </a:cubicBezTo>
+                  <a:cubicBezTo>
+                    <a:pt x="595122" y="1236234"/>
+                    <a:pt x="602742" y="1356630"/>
+                    <a:pt x="592931" y="1476359"/>
+                  </a:cubicBezTo>
+                  <a:cubicBezTo>
+                    <a:pt x="582073" y="1607709"/>
+                    <a:pt x="549783" y="1736011"/>
+                    <a:pt x="503206" y="1859359"/>
+                  </a:cubicBezTo>
+                  <a:cubicBezTo>
+                    <a:pt x="450628" y="1998710"/>
+                    <a:pt x="383857" y="2133298"/>
+                    <a:pt x="291846" y="2250361"/>
+                  </a:cubicBezTo>
+                  <a:cubicBezTo>
+                    <a:pt x="231553" y="2327132"/>
+                    <a:pt x="73819" y="2479532"/>
+                    <a:pt x="0" y="2543540"/>
+                  </a:cubicBezTo>
+                </a:path>
+              </a:pathLst>
+            </a:custGeom>
+            <a:noFill/>
+            <a:ln w="9525" cap="rnd">
+              <a:solidFill>
+                <a:schemeClr val="accent2">
+                  <a:alpha val="50000"/>
+                </a:schemeClr>
+              </a:solidFill>
+              <a:prstDash val="lgDash"/>
+              <a:round/>
+            </a:ln>
+          </p:spPr>
+          <p:txBody>
+            <a:bodyPr rtlCol="0" anchor="ctr"/>
+            <a:lstStyle>
+              <a:defPPr>
+                <a:defRPr lang="en-US"/>
+              </a:defPPr>
+              <a:lvl1pPr marL="0" algn="l" defTabSz="914400" rtl="0" eaLnBrk="1" latinLnBrk="0" hangingPunct="1">
+                <a:defRPr sz="1800" kern="1200">
+                  <a:solidFill>
+                    <a:schemeClr val="tx1"/>
+                  </a:solidFill>
+                  <a:latin typeface="+mn-lt"/>
+                  <a:ea typeface="+mn-ea"/>
+                  <a:cs typeface="+mn-cs"/>
+                </a:defRPr>
+              </a:lvl1pPr>
+              <a:lvl2pPr marL="457200" algn="l" defTabSz="914400" rtl="0" eaLnBrk="1" latinLnBrk="0" hangingPunct="1">
+                <a:defRPr sz="1800" kern="1200">
+                  <a:solidFill>
+                    <a:schemeClr val="tx1"/>
+                  </a:solidFill>
+                  <a:latin typeface="+mn-lt"/>
+                  <a:ea typeface="+mn-ea"/>
+                  <a:cs typeface="+mn-cs"/>
+                </a:defRPr>
+              </a:lvl2pPr>
+              <a:lvl3pPr marL="914400" algn="l" defTabSz="914400" rtl="0" eaLnBrk="1" latinLnBrk="0" hangingPunct="1">
+                <a:defRPr sz="1800" kern="1200">
+                  <a:solidFill>
+                    <a:schemeClr val="tx1"/>
+                  </a:solidFill>
+                  <a:latin typeface="+mn-lt"/>
+                  <a:ea typeface="+mn-ea"/>
+                  <a:cs typeface="+mn-cs"/>
+                </a:defRPr>
+              </a:lvl3pPr>
+              <a:lvl4pPr marL="1371600" algn="l" defTabSz="914400" rtl="0" eaLnBrk="1" latinLnBrk="0" hangingPunct="1">
+                <a:defRPr sz="1800" kern="1200">
+                  <a:solidFill>
+                    <a:schemeClr val="tx1"/>
+                  </a:solidFill>
+                  <a:latin typeface="+mn-lt"/>
+                  <a:ea typeface="+mn-ea"/>
+                  <a:cs typeface="+mn-cs"/>
+                </a:defRPr>
+              </a:lvl4pPr>
+              <a:lvl5pPr marL="1828800" algn="l" defTabSz="914400" rtl="0" eaLnBrk="1" latinLnBrk="0" hangingPunct="1">
+                <a:defRPr sz="1800" kern="1200">
+                  <a:solidFill>
+                    <a:schemeClr val="tx1"/>
+                  </a:solidFill>
+                  <a:latin typeface="+mn-lt"/>
+                  <a:ea typeface="+mn-ea"/>
+                  <a:cs typeface="+mn-cs"/>
+                </a:defRPr>
+              </a:lvl5pPr>
+              <a:lvl6pPr marL="2286000" algn="l" defTabSz="914400" rtl="0" eaLnBrk="1" latinLnBrk="0" hangingPunct="1">
+                <a:defRPr sz="1800" kern="1200">
+                  <a:solidFill>
+                    <a:schemeClr val="tx1"/>
+                  </a:solidFill>
+                  <a:latin typeface="+mn-lt"/>
+                  <a:ea typeface="+mn-ea"/>
+                  <a:cs typeface="+mn-cs"/>
+                </a:defRPr>
+              </a:lvl6pPr>
+              <a:lvl7pPr marL="2743200" algn="l" defTabSz="914400" rtl="0" eaLnBrk="1" latinLnBrk="0" hangingPunct="1">
+                <a:defRPr sz="1800" kern="1200">
+                  <a:solidFill>
+                    <a:schemeClr val="tx1"/>
+                  </a:solidFill>
+                  <a:latin typeface="+mn-lt"/>
+                  <a:ea typeface="+mn-ea"/>
+                  <a:cs typeface="+mn-cs"/>
+                </a:defRPr>
+              </a:lvl7pPr>
+              <a:lvl8pPr marL="3200400" algn="l" defTabSz="914400" rtl="0" eaLnBrk="1" latinLnBrk="0" hangingPunct="1">
+                <a:defRPr sz="1800" kern="1200">
+                  <a:solidFill>
+                    <a:schemeClr val="tx1"/>
+                  </a:solidFill>
+                  <a:latin typeface="+mn-lt"/>
+                  <a:ea typeface="+mn-ea"/>
+                  <a:cs typeface="+mn-cs"/>
+                </a:defRPr>
+              </a:lvl8pPr>
+              <a:lvl9pPr marL="3657600" algn="l" defTabSz="914400" rtl="0" eaLnBrk="1" latinLnBrk="0" hangingPunct="1">
+                <a:defRPr sz="1800" kern="1200">
+                  <a:solidFill>
+                    <a:schemeClr val="tx1"/>
+                  </a:solidFill>
+                  <a:latin typeface="+mn-lt"/>
+                  <a:ea typeface="+mn-ea"/>
+                  <a:cs typeface="+mn-cs"/>
+                </a:defRPr>
+              </a:lvl9pPr>
+            </a:lstStyle>
+            <a:p>
+              <a:endParaRPr lang="en-US"/>
+            </a:p>
+          </p:txBody>
+        </p:sp>
+        <p:sp>
+          <p:nvSpPr>
+            <p:cNvPr id="23" name="Freeform: Shape 22">
+              <a:extLst>
+                <a:ext uri="{FF2B5EF4-FFF2-40B4-BE49-F238E27FC236}">
+                  <a16:creationId xmlns:a16="http://schemas.microsoft.com/office/drawing/2014/main" id="{3B1C2001-8549-4C7B-86AB-049B0C99EF49}"/>
+                </a:ext>
+                <a:ext uri="{C183D7F6-B498-43B3-948B-1728B52AA6E4}">
+                  <adec:decorative xmlns:adec="http://schemas.microsoft.com/office/drawing/2017/decorative" val="1"/>
+                </a:ext>
+              </a:extLst>
+            </p:cNvPr>
+            <p:cNvSpPr/>
+            <p:nvPr>
+              <p:extLst>
+                <p:ext uri="{386F3935-93C4-4BCD-93E2-E3B085C9AB24}">
+                  <p16:designElem xmlns:p16="http://schemas.microsoft.com/office/powerpoint/2015/main" val="1"/>
+                </p:ext>
+              </p:extLst>
+            </p:nvPr>
+          </p:nvSpPr>
+          <p:spPr>
+            <a:xfrm>
+              <a:off x="23002" y="881264"/>
+              <a:ext cx="258791" cy="1336561"/>
+            </a:xfrm>
+            <a:custGeom>
+              <a:avLst/>
+              <a:gdLst>
+                <a:gd name="connsiteX0" fmla="*/ 0 w 389425"/>
+                <a:gd name="connsiteY0" fmla="*/ 33 h 2011236"/>
+                <a:gd name="connsiteX1" fmla="*/ 171260 w 389425"/>
+                <a:gd name="connsiteY1" fmla="*/ 60326 h 2011236"/>
+                <a:gd name="connsiteX2" fmla="*/ 211455 w 389425"/>
+                <a:gd name="connsiteY2" fmla="*/ 221204 h 2011236"/>
+                <a:gd name="connsiteX3" fmla="*/ 243078 w 389425"/>
+                <a:gd name="connsiteY3" fmla="*/ 448089 h 2011236"/>
+                <a:gd name="connsiteX4" fmla="*/ 346424 w 389425"/>
+                <a:gd name="connsiteY4" fmla="*/ 789941 h 2011236"/>
+                <a:gd name="connsiteX5" fmla="*/ 372237 w 389425"/>
+                <a:gd name="connsiteY5" fmla="*/ 942151 h 2011236"/>
+                <a:gd name="connsiteX6" fmla="*/ 386620 w 389425"/>
+                <a:gd name="connsiteY6" fmla="*/ 1272478 h 2011236"/>
+                <a:gd name="connsiteX7" fmla="*/ 280416 w 389425"/>
+                <a:gd name="connsiteY7" fmla="*/ 1660241 h 2011236"/>
+                <a:gd name="connsiteX8" fmla="*/ 151257 w 389425"/>
+                <a:gd name="connsiteY8" fmla="*/ 1844073 h 2011236"/>
+                <a:gd name="connsiteX9" fmla="*/ 1905 w 389425"/>
+                <a:gd name="connsiteY9" fmla="*/ 2011237 h 2011236"/>
+              </a:gdLst>
+              <a:ahLst/>
+              <a:cxnLst>
+                <a:cxn ang="0">
+                  <a:pos x="connsiteX0" y="connsiteY0"/>
+                </a:cxn>
+                <a:cxn ang="0">
+                  <a:pos x="connsiteX1" y="connsiteY1"/>
+                </a:cxn>
+                <a:cxn ang="0">
+                  <a:pos x="connsiteX2" y="connsiteY2"/>
+                </a:cxn>
+                <a:cxn ang="0">
+                  <a:pos x="connsiteX3" y="connsiteY3"/>
+                </a:cxn>
+                <a:cxn ang="0">
+                  <a:pos x="connsiteX4" y="connsiteY4"/>
+                </a:cxn>
+                <a:cxn ang="0">
+                  <a:pos x="connsiteX5" y="connsiteY5"/>
+                </a:cxn>
+                <a:cxn ang="0">
+                  <a:pos x="connsiteX6" y="connsiteY6"/>
+                </a:cxn>
+                <a:cxn ang="0">
+                  <a:pos x="connsiteX7" y="connsiteY7"/>
+                </a:cxn>
+                <a:cxn ang="0">
+                  <a:pos x="connsiteX8" y="connsiteY8"/>
+                </a:cxn>
+                <a:cxn ang="0">
+                  <a:pos x="connsiteX9" y="connsiteY9"/>
+                </a:cxn>
+              </a:cxnLst>
+              <a:rect l="l" t="t" r="r" b="b"/>
+              <a:pathLst>
+                <a:path w="389425" h="2011236">
+                  <a:moveTo>
+                    <a:pt x="0" y="33"/>
+                  </a:moveTo>
+                  <a:cubicBezTo>
+                    <a:pt x="57912" y="-824"/>
+                    <a:pt x="136112" y="14892"/>
+                    <a:pt x="171260" y="60326"/>
+                  </a:cubicBezTo>
+                  <a:cubicBezTo>
+                    <a:pt x="205645" y="104903"/>
+                    <a:pt x="207740" y="164244"/>
+                    <a:pt x="211455" y="221204"/>
+                  </a:cubicBezTo>
+                  <a:cubicBezTo>
+                    <a:pt x="216408" y="297594"/>
+                    <a:pt x="225838" y="373604"/>
+                    <a:pt x="243078" y="448089"/>
+                  </a:cubicBezTo>
+                  <a:cubicBezTo>
+                    <a:pt x="269939" y="564199"/>
+                    <a:pt x="319183" y="673927"/>
+                    <a:pt x="346424" y="789941"/>
+                  </a:cubicBezTo>
+                  <a:cubicBezTo>
+                    <a:pt x="358235" y="840043"/>
+                    <a:pt x="365951" y="891097"/>
+                    <a:pt x="372237" y="942151"/>
+                  </a:cubicBezTo>
+                  <a:cubicBezTo>
+                    <a:pt x="385858" y="1051784"/>
+                    <a:pt x="394049" y="1162274"/>
+                    <a:pt x="386620" y="1272478"/>
+                  </a:cubicBezTo>
+                  <a:cubicBezTo>
+                    <a:pt x="377476" y="1407828"/>
+                    <a:pt x="344996" y="1541178"/>
+                    <a:pt x="280416" y="1660241"/>
+                  </a:cubicBezTo>
+                  <a:cubicBezTo>
+                    <a:pt x="244602" y="1726249"/>
+                    <a:pt x="199358" y="1786352"/>
+                    <a:pt x="151257" y="1844073"/>
+                  </a:cubicBezTo>
+                  <a:cubicBezTo>
+                    <a:pt x="79534" y="1930084"/>
+                    <a:pt x="89345" y="1941419"/>
+                    <a:pt x="1905" y="2011237"/>
+                  </a:cubicBezTo>
+                </a:path>
+              </a:pathLst>
+            </a:custGeom>
+            <a:noFill/>
+            <a:ln w="9525" cap="rnd">
+              <a:solidFill>
+                <a:schemeClr val="accent2">
+                  <a:alpha val="50000"/>
+                </a:schemeClr>
+              </a:solidFill>
+              <a:prstDash val="lgDash"/>
+              <a:round/>
+            </a:ln>
+          </p:spPr>
+          <p:txBody>
+            <a:bodyPr rtlCol="0" anchor="ctr"/>
+            <a:lstStyle>
+              <a:defPPr>
+                <a:defRPr lang="en-US"/>
+              </a:defPPr>
+              <a:lvl1pPr marL="0" algn="l" defTabSz="914400" rtl="0" eaLnBrk="1" latinLnBrk="0" hangingPunct="1">
+                <a:defRPr sz="1800" kern="1200">
+                  <a:solidFill>
+                    <a:schemeClr val="tx1"/>
+                  </a:solidFill>
+                  <a:latin typeface="+mn-lt"/>
+                  <a:ea typeface="+mn-ea"/>
+                  <a:cs typeface="+mn-cs"/>
+                </a:defRPr>
+              </a:lvl1pPr>
+              <a:lvl2pPr marL="457200" algn="l" defTabSz="914400" rtl="0" eaLnBrk="1" latinLnBrk="0" hangingPunct="1">
+                <a:defRPr sz="1800" kern="1200">
+                  <a:solidFill>
+                    <a:schemeClr val="tx1"/>
+                  </a:solidFill>
+                  <a:latin typeface="+mn-lt"/>
+                  <a:ea typeface="+mn-ea"/>
+                  <a:cs typeface="+mn-cs"/>
+                </a:defRPr>
+              </a:lvl2pPr>
+              <a:lvl3pPr marL="914400" algn="l" defTabSz="914400" rtl="0" eaLnBrk="1" latinLnBrk="0" hangingPunct="1">
+                <a:defRPr sz="1800" kern="1200">
+                  <a:solidFill>
+                    <a:schemeClr val="tx1"/>
+                  </a:solidFill>
+                  <a:latin typeface="+mn-lt"/>
+                  <a:ea typeface="+mn-ea"/>
+                  <a:cs typeface="+mn-cs"/>
+                </a:defRPr>
+              </a:lvl3pPr>
+              <a:lvl4pPr marL="1371600" algn="l" defTabSz="914400" rtl="0" eaLnBrk="1" latinLnBrk="0" hangingPunct="1">
+                <a:defRPr sz="1800" kern="1200">
+                  <a:solidFill>
+                    <a:schemeClr val="tx1"/>
+                  </a:solidFill>
+                  <a:latin typeface="+mn-lt"/>
+                  <a:ea typeface="+mn-ea"/>
+                  <a:cs typeface="+mn-cs"/>
+                </a:defRPr>
+              </a:lvl4pPr>
+              <a:lvl5pPr marL="1828800" algn="l" defTabSz="914400" rtl="0" eaLnBrk="1" latinLnBrk="0" hangingPunct="1">
+                <a:defRPr sz="1800" kern="1200">
+                  <a:solidFill>
+                    <a:schemeClr val="tx1"/>
+                  </a:solidFill>
+                  <a:latin typeface="+mn-lt"/>
+                  <a:ea typeface="+mn-ea"/>
+                  <a:cs typeface="+mn-cs"/>
+                </a:defRPr>
+              </a:lvl5pPr>
+              <a:lvl6pPr marL="2286000" algn="l" defTabSz="914400" rtl="0" eaLnBrk="1" latinLnBrk="0" hangingPunct="1">
+                <a:defRPr sz="1800" kern="1200">
+                  <a:solidFill>
+                    <a:schemeClr val="tx1"/>
+                  </a:solidFill>
+                  <a:latin typeface="+mn-lt"/>
+                  <a:ea typeface="+mn-ea"/>
+                  <a:cs typeface="+mn-cs"/>
+                </a:defRPr>
+              </a:lvl6pPr>
+              <a:lvl7pPr marL="2743200" algn="l" defTabSz="914400" rtl="0" eaLnBrk="1" latinLnBrk="0" hangingPunct="1">
+                <a:defRPr sz="1800" kern="1200">
+                  <a:solidFill>
+                    <a:schemeClr val="tx1"/>
+                  </a:solidFill>
+                  <a:latin typeface="+mn-lt"/>
+                  <a:ea typeface="+mn-ea"/>
+                  <a:cs typeface="+mn-cs"/>
+                </a:defRPr>
+              </a:lvl7pPr>
+              <a:lvl8pPr marL="3200400" algn="l" defTabSz="914400" rtl="0" eaLnBrk="1" latinLnBrk="0" hangingPunct="1">
+                <a:defRPr sz="1800" kern="1200">
+                  <a:solidFill>
+                    <a:schemeClr val="tx1"/>
+                  </a:solidFill>
+                  <a:latin typeface="+mn-lt"/>
+                  <a:ea typeface="+mn-ea"/>
+                  <a:cs typeface="+mn-cs"/>
+                </a:defRPr>
+              </a:lvl8pPr>
+              <a:lvl9pPr marL="3657600" algn="l" defTabSz="914400" rtl="0" eaLnBrk="1" latinLnBrk="0" hangingPunct="1">
+                <a:defRPr sz="1800" kern="1200">
+                  <a:solidFill>
+                    <a:schemeClr val="tx1"/>
+                  </a:solidFill>
+                  <a:latin typeface="+mn-lt"/>
+                  <a:ea typeface="+mn-ea"/>
+                  <a:cs typeface="+mn-cs"/>
+                </a:defRPr>
+              </a:lvl9pPr>
+            </a:lstStyle>
+            <a:p>
+              <a:endParaRPr lang="en-US" dirty="0"/>
+            </a:p>
+          </p:txBody>
+        </p:sp>
+      </p:grpSp>
+      <p:sp>
+        <p:nvSpPr>
+          <p:cNvPr id="2" name="Título 1">
+            <a:extLst>
+              <a:ext uri="{FF2B5EF4-FFF2-40B4-BE49-F238E27FC236}">
+                <a16:creationId xmlns:a16="http://schemas.microsoft.com/office/drawing/2014/main" id="{086A6E6A-F416-72BA-6579-E9FE9750E24D}"/>
+              </a:ext>
+            </a:extLst>
+          </p:cNvPr>
+          <p:cNvSpPr>
+            <a:spLocks noGrp="1"/>
+          </p:cNvSpPr>
+          <p:nvPr>
+            <p:ph type="title"/>
+          </p:nvPr>
+        </p:nvSpPr>
+        <p:spPr>
+          <a:xfrm>
+            <a:off x="1198181" y="168425"/>
+            <a:ext cx="9988166" cy="1499401"/>
+          </a:xfrm>
+        </p:spPr>
+        <p:txBody>
+          <a:bodyPr>
+            <a:normAutofit/>
+          </a:bodyPr>
+          <a:lstStyle/>
+          <a:p>
+            <a:pPr algn="ctr"/>
+            <a:r>
+              <a:rPr lang="es-ES" dirty="0"/>
+              <a:t>PostgreSQL vs MySQL:</a:t>
+            </a:r>
+          </a:p>
+        </p:txBody>
+      </p:sp>
+      <p:grpSp>
+        <p:nvGrpSpPr>
+          <p:cNvPr id="25" name="Bottom Right">
+            <a:extLst>
+              <a:ext uri="{FF2B5EF4-FFF2-40B4-BE49-F238E27FC236}">
+                <a16:creationId xmlns:a16="http://schemas.microsoft.com/office/drawing/2014/main" id="{921D9B61-CDA2-49D1-82AA-534691496FE5}"/>
+              </a:ext>
+              <a:ext uri="{C183D7F6-B498-43B3-948B-1728B52AA6E4}">
+                <adec:decorative xmlns:adec="http://schemas.microsoft.com/office/drawing/2017/decorative" val="1"/>
+              </a:ext>
+            </a:extLst>
+          </p:cNvPr>
+          <p:cNvGrpSpPr>
+            <a:grpSpLocks noGrp="1" noUngrp="1" noRot="1" noChangeAspect="1" noMove="1" noResize="1"/>
+          </p:cNvGrpSpPr>
+          <p:nvPr>
+            <p:extLst>
+              <p:ext uri="{386F3935-93C4-4BCD-93E2-E3B085C9AB24}">
+                <p16:designElem xmlns:p16="http://schemas.microsoft.com/office/powerpoint/2015/main" val="1"/>
+              </p:ext>
+            </p:extLst>
+          </p:nvPr>
+        </p:nvGrpSpPr>
+        <p:grpSpPr>
+          <a:xfrm>
+            <a:off x="7974976" y="3278144"/>
+            <a:ext cx="4211600" cy="3581399"/>
+            <a:chOff x="7980400" y="3276601"/>
+            <a:chExt cx="4211600" cy="3581399"/>
+          </a:xfrm>
+        </p:grpSpPr>
+        <p:grpSp>
+          <p:nvGrpSpPr>
+            <p:cNvPr id="26" name="Graphic 157">
+              <a:extLst>
+                <a:ext uri="{FF2B5EF4-FFF2-40B4-BE49-F238E27FC236}">
+                  <a16:creationId xmlns:a16="http://schemas.microsoft.com/office/drawing/2014/main" id="{A202591B-301C-460E-801A-4C116AC08CD7}"/>
+                </a:ext>
+                <a:ext uri="{C183D7F6-B498-43B3-948B-1728B52AA6E4}">
+                  <adec:decorative xmlns:adec="http://schemas.microsoft.com/office/drawing/2017/decorative" val="1"/>
+                </a:ext>
+              </a:extLst>
+            </p:cNvPr>
+            <p:cNvGrpSpPr/>
+            <p:nvPr>
+              <p:extLst>
+                <p:ext uri="{386F3935-93C4-4BCD-93E2-E3B085C9AB24}">
+                  <p16:designElem xmlns:p16="http://schemas.microsoft.com/office/powerpoint/2015/main" val="1"/>
+                </p:ext>
+              </p:extLst>
+            </p:nvPr>
+          </p:nvGrpSpPr>
+          <p:grpSpPr>
+            <a:xfrm>
+              <a:off x="8662740" y="3276601"/>
+              <a:ext cx="3529260" cy="3581396"/>
+              <a:chOff x="4114800" y="1423987"/>
+              <a:chExt cx="3961542" cy="4007547"/>
+            </a:xfrm>
+            <a:noFill/>
+          </p:grpSpPr>
+          <p:sp>
+            <p:nvSpPr>
+              <p:cNvPr id="28" name="Freeform: Shape 27">
+                <a:extLst>
+                  <a:ext uri="{FF2B5EF4-FFF2-40B4-BE49-F238E27FC236}">
+                    <a16:creationId xmlns:a16="http://schemas.microsoft.com/office/drawing/2014/main" id="{257EC7EC-4934-4A65-B3AA-6AE3BD0739CF}"/>
+                  </a:ext>
+                  <a:ext uri="{C183D7F6-B498-43B3-948B-1728B52AA6E4}">
+                    <adec:decorative xmlns:adec="http://schemas.microsoft.com/office/drawing/2017/decorative" val="1"/>
+                  </a:ext>
+                </a:extLst>
+              </p:cNvPr>
+              <p:cNvSpPr/>
+              <p:nvPr>
+                <p:extLst>
+                  <p:ext uri="{386F3935-93C4-4BCD-93E2-E3B085C9AB24}">
+                    <p16:designElem xmlns:p16="http://schemas.microsoft.com/office/powerpoint/2015/main" val="1"/>
+                  </p:ext>
+                </p:extLst>
+              </p:nvPr>
+            </p:nvSpPr>
+            <p:spPr>
+              <a:xfrm>
+                <a:off x="4114800" y="1423987"/>
+                <a:ext cx="3946874" cy="3989641"/>
+              </a:xfrm>
+              <a:custGeom>
+                <a:avLst/>
+                <a:gdLst>
+                  <a:gd name="connsiteX0" fmla="*/ 0 w 3946874"/>
+                  <a:gd name="connsiteY0" fmla="*/ 3989641 h 3989641"/>
+                  <a:gd name="connsiteX1" fmla="*/ 79439 w 3946874"/>
+                  <a:gd name="connsiteY1" fmla="*/ 3891153 h 3989641"/>
+                  <a:gd name="connsiteX2" fmla="*/ 297371 w 3946874"/>
+                  <a:gd name="connsiteY2" fmla="*/ 3626930 h 3989641"/>
+                  <a:gd name="connsiteX3" fmla="*/ 454343 w 3946874"/>
+                  <a:gd name="connsiteY3" fmla="*/ 3440335 h 3989641"/>
+                  <a:gd name="connsiteX4" fmla="*/ 622363 w 3946874"/>
+                  <a:gd name="connsiteY4" fmla="*/ 3290697 h 3989641"/>
+                  <a:gd name="connsiteX5" fmla="*/ 927068 w 3946874"/>
+                  <a:gd name="connsiteY5" fmla="*/ 3087434 h 3989641"/>
+                  <a:gd name="connsiteX6" fmla="*/ 1176338 w 3946874"/>
+                  <a:gd name="connsiteY6" fmla="*/ 2915603 h 3989641"/>
+                  <a:gd name="connsiteX7" fmla="*/ 1394270 w 3946874"/>
+                  <a:gd name="connsiteY7" fmla="*/ 2780729 h 3989641"/>
+                  <a:gd name="connsiteX8" fmla="*/ 1601057 w 3946874"/>
+                  <a:gd name="connsiteY8" fmla="*/ 2723483 h 3989641"/>
+                  <a:gd name="connsiteX9" fmla="*/ 1756220 w 3946874"/>
+                  <a:gd name="connsiteY9" fmla="*/ 2743772 h 3989641"/>
+                  <a:gd name="connsiteX10" fmla="*/ 1889189 w 3946874"/>
+                  <a:gd name="connsiteY10" fmla="*/ 2765965 h 3989641"/>
+                  <a:gd name="connsiteX11" fmla="*/ 2007394 w 3946874"/>
+                  <a:gd name="connsiteY11" fmla="*/ 2765965 h 3989641"/>
+                  <a:gd name="connsiteX12" fmla="*/ 2184654 w 3946874"/>
+                  <a:gd name="connsiteY12" fmla="*/ 2671763 h 3989641"/>
+                  <a:gd name="connsiteX13" fmla="*/ 2372773 w 3946874"/>
+                  <a:gd name="connsiteY13" fmla="*/ 2538984 h 3989641"/>
+                  <a:gd name="connsiteX14" fmla="*/ 2439543 w 3946874"/>
+                  <a:gd name="connsiteY14" fmla="*/ 2510504 h 3989641"/>
+                  <a:gd name="connsiteX15" fmla="*/ 2650617 w 3946874"/>
+                  <a:gd name="connsiteY15" fmla="*/ 2434781 h 3989641"/>
+                  <a:gd name="connsiteX16" fmla="*/ 2785110 w 3946874"/>
+                  <a:gd name="connsiteY16" fmla="*/ 2383060 h 3989641"/>
+                  <a:gd name="connsiteX17" fmla="*/ 2897315 w 3946874"/>
+                  <a:gd name="connsiteY17" fmla="*/ 2318861 h 3989641"/>
+                  <a:gd name="connsiteX18" fmla="*/ 2997994 w 3946874"/>
+                  <a:gd name="connsiteY18" fmla="*/ 2226183 h 3989641"/>
+                  <a:gd name="connsiteX19" fmla="*/ 3061240 w 3946874"/>
+                  <a:gd name="connsiteY19" fmla="*/ 2141506 h 3989641"/>
+                  <a:gd name="connsiteX20" fmla="*/ 3152108 w 3946874"/>
+                  <a:gd name="connsiteY20" fmla="*/ 2005203 h 3989641"/>
+                  <a:gd name="connsiteX21" fmla="*/ 3274124 w 3946874"/>
+                  <a:gd name="connsiteY21" fmla="*/ 1871567 h 3989641"/>
+                  <a:gd name="connsiteX22" fmla="*/ 3388138 w 3946874"/>
+                  <a:gd name="connsiteY22" fmla="*/ 1770888 h 3989641"/>
+                  <a:gd name="connsiteX23" fmla="*/ 3466529 w 3946874"/>
+                  <a:gd name="connsiteY23" fmla="*/ 1679162 h 3989641"/>
+                  <a:gd name="connsiteX24" fmla="*/ 3538633 w 3946874"/>
+                  <a:gd name="connsiteY24" fmla="*/ 1551718 h 3989641"/>
+                  <a:gd name="connsiteX25" fmla="*/ 3588544 w 3946874"/>
+                  <a:gd name="connsiteY25" fmla="*/ 1376172 h 3989641"/>
+                  <a:gd name="connsiteX26" fmla="*/ 3597402 w 3946874"/>
+                  <a:gd name="connsiteY26" fmla="*/ 1293305 h 3989641"/>
+                  <a:gd name="connsiteX27" fmla="*/ 3721227 w 3946874"/>
+                  <a:gd name="connsiteY27" fmla="*/ 880491 h 3989641"/>
+                  <a:gd name="connsiteX28" fmla="*/ 3761137 w 3946874"/>
+                  <a:gd name="connsiteY28" fmla="*/ 463677 h 3989641"/>
+                  <a:gd name="connsiteX29" fmla="*/ 3946874 w 3946874"/>
+                  <a:gd name="connsiteY29" fmla="*/ 0 h 3989641"/>
+                </a:gdLst>
+                <a:ahLst/>
+                <a:cxnLst>
+                  <a:cxn ang="0">
+                    <a:pos x="connsiteX0" y="connsiteY0"/>
+                  </a:cxn>
+                  <a:cxn ang="0">
+                    <a:pos x="connsiteX1" y="connsiteY1"/>
+                  </a:cxn>
+                  <a:cxn ang="0">
+                    <a:pos x="connsiteX2" y="connsiteY2"/>
+                  </a:cxn>
+                  <a:cxn ang="0">
+                    <a:pos x="connsiteX3" y="connsiteY3"/>
+                  </a:cxn>
+                  <a:cxn ang="0">
+                    <a:pos x="connsiteX4" y="connsiteY4"/>
+                  </a:cxn>
+                  <a:cxn ang="0">
+                    <a:pos x="connsiteX5" y="connsiteY5"/>
+                  </a:cxn>
+                  <a:cxn ang="0">
+                    <a:pos x="connsiteX6" y="connsiteY6"/>
+                  </a:cxn>
+                  <a:cxn ang="0">
+                    <a:pos x="connsiteX7" y="connsiteY7"/>
+                  </a:cxn>
+                  <a:cxn ang="0">
+                    <a:pos x="connsiteX8" y="connsiteY8"/>
+                  </a:cxn>
+                  <a:cxn ang="0">
+                    <a:pos x="connsiteX9" y="connsiteY9"/>
+                  </a:cxn>
+                  <a:cxn ang="0">
+                    <a:pos x="connsiteX10" y="connsiteY10"/>
+                  </a:cxn>
+                  <a:cxn ang="0">
+                    <a:pos x="connsiteX11" y="connsiteY11"/>
+                  </a:cxn>
+                  <a:cxn ang="0">
+                    <a:pos x="connsiteX12" y="connsiteY12"/>
+                  </a:cxn>
+                  <a:cxn ang="0">
+                    <a:pos x="connsiteX13" y="connsiteY13"/>
+                  </a:cxn>
+                  <a:cxn ang="0">
+                    <a:pos x="connsiteX14" y="connsiteY14"/>
+                  </a:cxn>
+                  <a:cxn ang="0">
+                    <a:pos x="connsiteX15" y="connsiteY15"/>
+                  </a:cxn>
+                  <a:cxn ang="0">
+                    <a:pos x="connsiteX16" y="connsiteY16"/>
+                  </a:cxn>
+                  <a:cxn ang="0">
+                    <a:pos x="connsiteX17" y="connsiteY17"/>
+                  </a:cxn>
+                  <a:cxn ang="0">
+                    <a:pos x="connsiteX18" y="connsiteY18"/>
+                  </a:cxn>
+                  <a:cxn ang="0">
+                    <a:pos x="connsiteX19" y="connsiteY19"/>
+                  </a:cxn>
+                  <a:cxn ang="0">
+                    <a:pos x="connsiteX20" y="connsiteY20"/>
+                  </a:cxn>
+                  <a:cxn ang="0">
+                    <a:pos x="connsiteX21" y="connsiteY21"/>
+                  </a:cxn>
+                  <a:cxn ang="0">
+                    <a:pos x="connsiteX22" y="connsiteY22"/>
+                  </a:cxn>
+                  <a:cxn ang="0">
+                    <a:pos x="connsiteX23" y="connsiteY23"/>
+                  </a:cxn>
+                  <a:cxn ang="0">
+                    <a:pos x="connsiteX24" y="connsiteY24"/>
+                  </a:cxn>
+                  <a:cxn ang="0">
+                    <a:pos x="connsiteX25" y="connsiteY25"/>
+                  </a:cxn>
+                  <a:cxn ang="0">
+                    <a:pos x="connsiteX26" y="connsiteY26"/>
+                  </a:cxn>
+                  <a:cxn ang="0">
+                    <a:pos x="connsiteX27" y="connsiteY27"/>
+                  </a:cxn>
+                  <a:cxn ang="0">
+                    <a:pos x="connsiteX28" y="connsiteY28"/>
+                  </a:cxn>
+                  <a:cxn ang="0">
+                    <a:pos x="connsiteX29" y="connsiteY29"/>
+                  </a:cxn>
+                </a:cxnLst>
+                <a:rect l="l" t="t" r="r" b="b"/>
+                <a:pathLst>
+                  <a:path w="3946874" h="3989641">
+                    <a:moveTo>
+                      <a:pt x="0" y="3989641"/>
+                    </a:moveTo>
+                    <a:cubicBezTo>
+                      <a:pt x="19050" y="3957257"/>
+                      <a:pt x="50959" y="3916013"/>
+                      <a:pt x="79439" y="3891153"/>
+                    </a:cubicBezTo>
+                    <a:cubicBezTo>
+                      <a:pt x="165544" y="3815906"/>
+                      <a:pt x="227933" y="3717989"/>
+                      <a:pt x="297371" y="3626930"/>
+                    </a:cubicBezTo>
+                    <a:cubicBezTo>
+                      <a:pt x="346615" y="3562255"/>
+                      <a:pt x="398050" y="3499009"/>
+                      <a:pt x="454343" y="3440335"/>
+                    </a:cubicBezTo>
+                    <a:cubicBezTo>
+                      <a:pt x="506349" y="3386042"/>
+                      <a:pt x="562642" y="3336227"/>
+                      <a:pt x="622363" y="3290697"/>
+                    </a:cubicBezTo>
+                    <a:cubicBezTo>
+                      <a:pt x="719519" y="3216688"/>
+                      <a:pt x="824960" y="3154585"/>
+                      <a:pt x="927068" y="3087434"/>
+                    </a:cubicBezTo>
+                    <a:cubicBezTo>
+                      <a:pt x="1011365" y="3031998"/>
+                      <a:pt x="1093565" y="2973324"/>
+                      <a:pt x="1176338" y="2915603"/>
+                    </a:cubicBezTo>
+                    <a:cubicBezTo>
+                      <a:pt x="1246537" y="2866644"/>
+                      <a:pt x="1317308" y="2818066"/>
+                      <a:pt x="1394270" y="2780729"/>
+                    </a:cubicBezTo>
+                    <a:cubicBezTo>
+                      <a:pt x="1459421" y="2749106"/>
+                      <a:pt x="1528763" y="2724436"/>
+                      <a:pt x="1601057" y="2723483"/>
+                    </a:cubicBezTo>
+                    <a:cubicBezTo>
+                      <a:pt x="1653350" y="2722721"/>
+                      <a:pt x="1704785" y="2733485"/>
+                      <a:pt x="1756220" y="2743772"/>
+                    </a:cubicBezTo>
+                    <a:cubicBezTo>
+                      <a:pt x="1800320" y="2752630"/>
+                      <a:pt x="1844612" y="2760250"/>
+                      <a:pt x="1889189" y="2765965"/>
+                    </a:cubicBezTo>
+                    <a:cubicBezTo>
+                      <a:pt x="1928622" y="2771013"/>
+                      <a:pt x="1968437" y="2773299"/>
+                      <a:pt x="2007394" y="2765965"/>
+                    </a:cubicBezTo>
+                    <a:cubicBezTo>
+                      <a:pt x="2073878" y="2753487"/>
+                      <a:pt x="2130647" y="2712911"/>
+                      <a:pt x="2184654" y="2671763"/>
+                    </a:cubicBezTo>
+                    <a:cubicBezTo>
+                      <a:pt x="2245900" y="2625090"/>
+                      <a:pt x="2304002" y="2573465"/>
+                      <a:pt x="2372773" y="2538984"/>
+                    </a:cubicBezTo>
+                    <a:cubicBezTo>
+                      <a:pt x="2394395" y="2528126"/>
+                      <a:pt x="2416874" y="2518982"/>
+                      <a:pt x="2439543" y="2510504"/>
+                    </a:cubicBezTo>
+                    <a:cubicBezTo>
+                      <a:pt x="2509552" y="2484215"/>
+                      <a:pt x="2580037" y="2459450"/>
+                      <a:pt x="2650617" y="2434781"/>
+                    </a:cubicBezTo>
+                    <a:cubicBezTo>
+                      <a:pt x="2695956" y="2418874"/>
+                      <a:pt x="2741295" y="2402872"/>
+                      <a:pt x="2785110" y="2383060"/>
+                    </a:cubicBezTo>
+                    <a:cubicBezTo>
+                      <a:pt x="2824448" y="2365248"/>
+                      <a:pt x="2862358" y="2344198"/>
+                      <a:pt x="2897315" y="2318861"/>
+                    </a:cubicBezTo>
+                    <a:cubicBezTo>
+                      <a:pt x="2934367" y="2292096"/>
+                      <a:pt x="2968085" y="2260854"/>
+                      <a:pt x="2997994" y="2226183"/>
+                    </a:cubicBezTo>
+                    <a:cubicBezTo>
+                      <a:pt x="3020949" y="2199513"/>
+                      <a:pt x="3041714" y="2170938"/>
+                      <a:pt x="3061240" y="2141506"/>
+                    </a:cubicBezTo>
+                    <a:cubicBezTo>
+                      <a:pt x="3091529" y="2095976"/>
+                      <a:pt x="3119533" y="2049018"/>
+                      <a:pt x="3152108" y="2005203"/>
+                    </a:cubicBezTo>
+                    <a:cubicBezTo>
+                      <a:pt x="3188113" y="1956626"/>
+                      <a:pt x="3229261" y="1912144"/>
+                      <a:pt x="3274124" y="1871567"/>
+                    </a:cubicBezTo>
+                    <a:cubicBezTo>
+                      <a:pt x="3311747" y="1837563"/>
+                      <a:pt x="3351848" y="1806321"/>
+                      <a:pt x="3388138" y="1770888"/>
+                    </a:cubicBezTo>
+                    <a:cubicBezTo>
+                      <a:pt x="3416999" y="1742694"/>
+                      <a:pt x="3443002" y="1711833"/>
+                      <a:pt x="3466529" y="1679162"/>
+                    </a:cubicBezTo>
+                    <a:cubicBezTo>
+                      <a:pt x="3495008" y="1639348"/>
+                      <a:pt x="3519392" y="1596771"/>
+                      <a:pt x="3538633" y="1551718"/>
+                    </a:cubicBezTo>
+                    <a:cubicBezTo>
+                      <a:pt x="3562731" y="1495616"/>
+                      <a:pt x="3578924" y="1436465"/>
+                      <a:pt x="3588544" y="1376172"/>
+                    </a:cubicBezTo>
+                    <a:cubicBezTo>
+                      <a:pt x="3592925" y="1348740"/>
+                      <a:pt x="3595688" y="1321022"/>
+                      <a:pt x="3597402" y="1293305"/>
+                    </a:cubicBezTo>
+                    <a:cubicBezTo>
+                      <a:pt x="3605974" y="1155859"/>
+                      <a:pt x="3717703" y="1018127"/>
+                      <a:pt x="3721227" y="880491"/>
+                    </a:cubicBezTo>
+                    <a:cubicBezTo>
+                      <a:pt x="3724751" y="740855"/>
+                      <a:pt x="3743135" y="602171"/>
+                      <a:pt x="3761137" y="463677"/>
+                    </a:cubicBezTo>
+                    <a:cubicBezTo>
+                      <a:pt x="3776186" y="347758"/>
+                      <a:pt x="3934968" y="116205"/>
+                      <a:pt x="3946874" y="0"/>
+                    </a:cubicBezTo>
+                  </a:path>
+                </a:pathLst>
+              </a:custGeom>
+              <a:noFill/>
+              <a:ln w="9525" cap="rnd">
+                <a:solidFill>
+                  <a:schemeClr val="accent2">
+                    <a:alpha val="35000"/>
+                  </a:schemeClr>
+                </a:solidFill>
+                <a:prstDash val="lgDash"/>
+                <a:round/>
+              </a:ln>
+            </p:spPr>
+            <p:txBody>
+              <a:bodyPr rtlCol="0" anchor="ctr"/>
+              <a:lstStyle>
+                <a:defPPr>
+                  <a:defRPr lang="en-US"/>
+                </a:defPPr>
+                <a:lvl1pPr marL="0" algn="l" defTabSz="914400" rtl="0" eaLnBrk="1" latinLnBrk="0" hangingPunct="1">
+                  <a:defRPr sz="1800" kern="1200">
+                    <a:solidFill>
+                      <a:schemeClr val="tx1"/>
+                    </a:solidFill>
+                    <a:latin typeface="+mn-lt"/>
+                    <a:ea typeface="+mn-ea"/>
+                    <a:cs typeface="+mn-cs"/>
+                  </a:defRPr>
+                </a:lvl1pPr>
+                <a:lvl2pPr marL="457200" algn="l" defTabSz="914400" rtl="0" eaLnBrk="1" latinLnBrk="0" hangingPunct="1">
+                  <a:defRPr sz="1800" kern="1200">
+                    <a:solidFill>
+                      <a:schemeClr val="tx1"/>
+                    </a:solidFill>
+                    <a:latin typeface="+mn-lt"/>
+                    <a:ea typeface="+mn-ea"/>
+                    <a:cs typeface="+mn-cs"/>
+                  </a:defRPr>
+                </a:lvl2pPr>
+                <a:lvl3pPr marL="914400" algn="l" defTabSz="914400" rtl="0" eaLnBrk="1" latinLnBrk="0" hangingPunct="1">
+                  <a:defRPr sz="1800" kern="1200">
+                    <a:solidFill>
+                      <a:schemeClr val="tx1"/>
+                    </a:solidFill>
+                    <a:latin typeface="+mn-lt"/>
+                    <a:ea typeface="+mn-ea"/>
+                    <a:cs typeface="+mn-cs"/>
+                  </a:defRPr>
+                </a:lvl3pPr>
+                <a:lvl4pPr marL="1371600" algn="l" defTabSz="914400" rtl="0" eaLnBrk="1" latinLnBrk="0" hangingPunct="1">
+                  <a:defRPr sz="1800" kern="1200">
+                    <a:solidFill>
+                      <a:schemeClr val="tx1"/>
+                    </a:solidFill>
+                    <a:latin typeface="+mn-lt"/>
+                    <a:ea typeface="+mn-ea"/>
+                    <a:cs typeface="+mn-cs"/>
+                  </a:defRPr>
+                </a:lvl4pPr>
+                <a:lvl5pPr marL="1828800" algn="l" defTabSz="914400" rtl="0" eaLnBrk="1" latinLnBrk="0" hangingPunct="1">
+                  <a:defRPr sz="1800" kern="1200">
+                    <a:solidFill>
+                      <a:schemeClr val="tx1"/>
+                    </a:solidFill>
+                    <a:latin typeface="+mn-lt"/>
+                    <a:ea typeface="+mn-ea"/>
+                    <a:cs typeface="+mn-cs"/>
+                  </a:defRPr>
+                </a:lvl5pPr>
+                <a:lvl6pPr marL="2286000" algn="l" defTabSz="914400" rtl="0" eaLnBrk="1" latinLnBrk="0" hangingPunct="1">
+                  <a:defRPr sz="1800" kern="1200">
+                    <a:solidFill>
+                      <a:schemeClr val="tx1"/>
+                    </a:solidFill>
+                    <a:latin typeface="+mn-lt"/>
+                    <a:ea typeface="+mn-ea"/>
+                    <a:cs typeface="+mn-cs"/>
+                  </a:defRPr>
+                </a:lvl6pPr>
+                <a:lvl7pPr marL="2743200" algn="l" defTabSz="914400" rtl="0" eaLnBrk="1" latinLnBrk="0" hangingPunct="1">
+                  <a:defRPr sz="1800" kern="1200">
+                    <a:solidFill>
+                      <a:schemeClr val="tx1"/>
+                    </a:solidFill>
+                    <a:latin typeface="+mn-lt"/>
+                    <a:ea typeface="+mn-ea"/>
+                    <a:cs typeface="+mn-cs"/>
+                  </a:defRPr>
+                </a:lvl7pPr>
+                <a:lvl8pPr marL="3200400" algn="l" defTabSz="914400" rtl="0" eaLnBrk="1" latinLnBrk="0" hangingPunct="1">
+                  <a:defRPr sz="1800" kern="1200">
+                    <a:solidFill>
+                      <a:schemeClr val="tx1"/>
+                    </a:solidFill>
+                    <a:latin typeface="+mn-lt"/>
+                    <a:ea typeface="+mn-ea"/>
+                    <a:cs typeface="+mn-cs"/>
+                  </a:defRPr>
+                </a:lvl8pPr>
+                <a:lvl9pPr marL="3657600" algn="l" defTabSz="914400" rtl="0" eaLnBrk="1" latinLnBrk="0" hangingPunct="1">
+                  <a:defRPr sz="1800" kern="1200">
+                    <a:solidFill>
+                      <a:schemeClr val="tx1"/>
+                    </a:solidFill>
+                    <a:latin typeface="+mn-lt"/>
+                    <a:ea typeface="+mn-ea"/>
+                    <a:cs typeface="+mn-cs"/>
+                  </a:defRPr>
+                </a:lvl9pPr>
+              </a:lstStyle>
+              <a:p>
+                <a:endParaRPr lang="en-US"/>
+              </a:p>
+            </p:txBody>
+          </p:sp>
+          <p:sp>
+            <p:nvSpPr>
+              <p:cNvPr id="29" name="Freeform: Shape 28">
+                <a:extLst>
+                  <a:ext uri="{FF2B5EF4-FFF2-40B4-BE49-F238E27FC236}">
+                    <a16:creationId xmlns:a16="http://schemas.microsoft.com/office/drawing/2014/main" id="{201FEC27-F3E2-41E5-8C3B-FF66A13D8436}"/>
+                  </a:ext>
+                  <a:ext uri="{C183D7F6-B498-43B3-948B-1728B52AA6E4}">
+                    <adec:decorative xmlns:adec="http://schemas.microsoft.com/office/drawing/2017/decorative" val="1"/>
+                  </a:ext>
+                </a:extLst>
+              </p:cNvPr>
+              <p:cNvSpPr/>
+              <p:nvPr>
+                <p:extLst>
+                  <p:ext uri="{386F3935-93C4-4BCD-93E2-E3B085C9AB24}">
+                    <p16:designElem xmlns:p16="http://schemas.microsoft.com/office/powerpoint/2015/main" val="1"/>
+                  </p:ext>
+                </p:extLst>
+              </p:nvPr>
+            </p:nvSpPr>
+            <p:spPr>
+              <a:xfrm>
+                <a:off x="4395978" y="2441733"/>
+                <a:ext cx="3665410" cy="2985611"/>
+              </a:xfrm>
+              <a:custGeom>
+                <a:avLst/>
+                <a:gdLst>
+                  <a:gd name="connsiteX0" fmla="*/ 0 w 3665410"/>
+                  <a:gd name="connsiteY0" fmla="*/ 2985611 h 2985611"/>
+                  <a:gd name="connsiteX1" fmla="*/ 166211 w 3665410"/>
+                  <a:gd name="connsiteY1" fmla="*/ 2699766 h 2985611"/>
+                  <a:gd name="connsiteX2" fmla="*/ 397002 w 3665410"/>
+                  <a:gd name="connsiteY2" fmla="*/ 2414969 h 2985611"/>
+                  <a:gd name="connsiteX3" fmla="*/ 620173 w 3665410"/>
+                  <a:gd name="connsiteY3" fmla="*/ 2237899 h 2985611"/>
+                  <a:gd name="connsiteX4" fmla="*/ 823341 w 3665410"/>
+                  <a:gd name="connsiteY4" fmla="*/ 2085499 h 2985611"/>
+                  <a:gd name="connsiteX5" fmla="*/ 1089565 w 3665410"/>
+                  <a:gd name="connsiteY5" fmla="*/ 1911477 h 2985611"/>
+                  <a:gd name="connsiteX6" fmla="*/ 1145000 w 3665410"/>
+                  <a:gd name="connsiteY6" fmla="*/ 1886807 h 2985611"/>
+                  <a:gd name="connsiteX7" fmla="*/ 1375791 w 3665410"/>
+                  <a:gd name="connsiteY7" fmla="*/ 1842135 h 2985611"/>
+                  <a:gd name="connsiteX8" fmla="*/ 1486567 w 3665410"/>
+                  <a:gd name="connsiteY8" fmla="*/ 1857566 h 2985611"/>
+                  <a:gd name="connsiteX9" fmla="*/ 1568101 w 3665410"/>
+                  <a:gd name="connsiteY9" fmla="*/ 1871377 h 2985611"/>
+                  <a:gd name="connsiteX10" fmla="*/ 1810607 w 3665410"/>
+                  <a:gd name="connsiteY10" fmla="*/ 1871377 h 2985611"/>
+                  <a:gd name="connsiteX11" fmla="*/ 1997964 w 3665410"/>
+                  <a:gd name="connsiteY11" fmla="*/ 1790605 h 2985611"/>
+                  <a:gd name="connsiteX12" fmla="*/ 2109883 w 3665410"/>
+                  <a:gd name="connsiteY12" fmla="*/ 1702784 h 2985611"/>
+                  <a:gd name="connsiteX13" fmla="*/ 2321433 w 3665410"/>
+                  <a:gd name="connsiteY13" fmla="*/ 1552384 h 2985611"/>
+                  <a:gd name="connsiteX14" fmla="*/ 2558891 w 3665410"/>
+                  <a:gd name="connsiteY14" fmla="*/ 1453420 h 2985611"/>
+                  <a:gd name="connsiteX15" fmla="*/ 2709767 w 3665410"/>
+                  <a:gd name="connsiteY15" fmla="*/ 1377887 h 2985611"/>
+                  <a:gd name="connsiteX16" fmla="*/ 2885408 w 3665410"/>
+                  <a:gd name="connsiteY16" fmla="*/ 1237393 h 2985611"/>
+                  <a:gd name="connsiteX17" fmla="*/ 3017711 w 3665410"/>
+                  <a:gd name="connsiteY17" fmla="*/ 1072229 h 2985611"/>
+                  <a:gd name="connsiteX18" fmla="*/ 3150680 w 3665410"/>
+                  <a:gd name="connsiteY18" fmla="*/ 921830 h 2985611"/>
+                  <a:gd name="connsiteX19" fmla="*/ 3255169 w 3665410"/>
+                  <a:gd name="connsiteY19" fmla="*/ 801815 h 2985611"/>
+                  <a:gd name="connsiteX20" fmla="*/ 3339275 w 3665410"/>
+                  <a:gd name="connsiteY20" fmla="*/ 694182 h 2985611"/>
+                  <a:gd name="connsiteX21" fmla="*/ 3409188 w 3665410"/>
+                  <a:gd name="connsiteY21" fmla="*/ 546926 h 2985611"/>
+                  <a:gd name="connsiteX22" fmla="*/ 3464243 w 3665410"/>
+                  <a:gd name="connsiteY22" fmla="*/ 347663 h 2985611"/>
+                  <a:gd name="connsiteX23" fmla="*/ 3665411 w 3665410"/>
+                  <a:gd name="connsiteY23" fmla="*/ 0 h 2985611"/>
+                </a:gdLst>
+                <a:ahLst/>
+                <a:cxnLst>
+                  <a:cxn ang="0">
+                    <a:pos x="connsiteX0" y="connsiteY0"/>
+                  </a:cxn>
+                  <a:cxn ang="0">
+                    <a:pos x="connsiteX1" y="connsiteY1"/>
+                  </a:cxn>
+                  <a:cxn ang="0">
+                    <a:pos x="connsiteX2" y="connsiteY2"/>
+                  </a:cxn>
+                  <a:cxn ang="0">
+                    <a:pos x="connsiteX3" y="connsiteY3"/>
+                  </a:cxn>
+                  <a:cxn ang="0">
+                    <a:pos x="connsiteX4" y="connsiteY4"/>
+                  </a:cxn>
+                  <a:cxn ang="0">
+                    <a:pos x="connsiteX5" y="connsiteY5"/>
+                  </a:cxn>
+                  <a:cxn ang="0">
+                    <a:pos x="connsiteX6" y="connsiteY6"/>
+                  </a:cxn>
+                  <a:cxn ang="0">
+                    <a:pos x="connsiteX7" y="connsiteY7"/>
+                  </a:cxn>
+                  <a:cxn ang="0">
+                    <a:pos x="connsiteX8" y="connsiteY8"/>
+                  </a:cxn>
+                  <a:cxn ang="0">
+                    <a:pos x="connsiteX9" y="connsiteY9"/>
+                  </a:cxn>
+                  <a:cxn ang="0">
+                    <a:pos x="connsiteX10" y="connsiteY10"/>
+                  </a:cxn>
+                  <a:cxn ang="0">
+                    <a:pos x="connsiteX11" y="connsiteY11"/>
+                  </a:cxn>
+                  <a:cxn ang="0">
+                    <a:pos x="connsiteX12" y="connsiteY12"/>
+                  </a:cxn>
+                  <a:cxn ang="0">
+                    <a:pos x="connsiteX13" y="connsiteY13"/>
+                  </a:cxn>
+                  <a:cxn ang="0">
+                    <a:pos x="connsiteX14" y="connsiteY14"/>
+                  </a:cxn>
+                  <a:cxn ang="0">
+                    <a:pos x="connsiteX15" y="connsiteY15"/>
+                  </a:cxn>
+                  <a:cxn ang="0">
+                    <a:pos x="connsiteX16" y="connsiteY16"/>
+                  </a:cxn>
+                  <a:cxn ang="0">
+                    <a:pos x="connsiteX17" y="connsiteY17"/>
+                  </a:cxn>
+                  <a:cxn ang="0">
+                    <a:pos x="connsiteX18" y="connsiteY18"/>
+                  </a:cxn>
+                  <a:cxn ang="0">
+                    <a:pos x="connsiteX19" y="connsiteY19"/>
+                  </a:cxn>
+                  <a:cxn ang="0">
+                    <a:pos x="connsiteX20" y="connsiteY20"/>
+                  </a:cxn>
+                  <a:cxn ang="0">
+                    <a:pos x="connsiteX21" y="connsiteY21"/>
+                  </a:cxn>
+                  <a:cxn ang="0">
+                    <a:pos x="connsiteX22" y="connsiteY22"/>
+                  </a:cxn>
+                  <a:cxn ang="0">
+                    <a:pos x="connsiteX23" y="connsiteY23"/>
+                  </a:cxn>
+                </a:cxnLst>
+                <a:rect l="l" t="t" r="r" b="b"/>
+                <a:pathLst>
+                  <a:path w="3665410" h="2985611">
+                    <a:moveTo>
+                      <a:pt x="0" y="2985611"/>
+                    </a:moveTo>
+                    <a:cubicBezTo>
+                      <a:pt x="0" y="2985611"/>
+                      <a:pt x="86773" y="2802827"/>
+                      <a:pt x="166211" y="2699766"/>
+                    </a:cubicBezTo>
+                    <a:cubicBezTo>
+                      <a:pt x="240983" y="2602706"/>
+                      <a:pt x="309182" y="2500122"/>
+                      <a:pt x="397002" y="2414969"/>
+                    </a:cubicBezTo>
+                    <a:cubicBezTo>
+                      <a:pt x="465296" y="2348865"/>
+                      <a:pt x="543592" y="2294477"/>
+                      <a:pt x="620173" y="2237899"/>
+                    </a:cubicBezTo>
+                    <a:cubicBezTo>
+                      <a:pt x="688277" y="2187607"/>
+                      <a:pt x="755333" y="2135886"/>
+                      <a:pt x="823341" y="2085499"/>
+                    </a:cubicBezTo>
+                    <a:cubicBezTo>
+                      <a:pt x="908685" y="2022253"/>
+                      <a:pt x="994791" y="1959197"/>
+                      <a:pt x="1089565" y="1911477"/>
+                    </a:cubicBezTo>
+                    <a:cubicBezTo>
+                      <a:pt x="1107662" y="1902428"/>
+                      <a:pt x="1126141" y="1894141"/>
+                      <a:pt x="1145000" y="1886807"/>
+                    </a:cubicBezTo>
+                    <a:cubicBezTo>
+                      <a:pt x="1218819" y="1858232"/>
+                      <a:pt x="1296924" y="1838611"/>
+                      <a:pt x="1375791" y="1842135"/>
+                    </a:cubicBezTo>
+                    <a:cubicBezTo>
+                      <a:pt x="1413129" y="1843754"/>
+                      <a:pt x="1449896" y="1850422"/>
+                      <a:pt x="1486567" y="1857566"/>
+                    </a:cubicBezTo>
+                    <a:cubicBezTo>
+                      <a:pt x="1513618" y="1862804"/>
+                      <a:pt x="1540859" y="1867376"/>
+                      <a:pt x="1568101" y="1871377"/>
+                    </a:cubicBezTo>
+                    <a:cubicBezTo>
+                      <a:pt x="1648778" y="1883188"/>
+                      <a:pt x="1730978" y="1887665"/>
+                      <a:pt x="1810607" y="1871377"/>
+                    </a:cubicBezTo>
+                    <a:cubicBezTo>
+                      <a:pt x="1877854" y="1857661"/>
+                      <a:pt x="1941100" y="1829086"/>
+                      <a:pt x="1997964" y="1790605"/>
+                    </a:cubicBezTo>
+                    <a:cubicBezTo>
+                      <a:pt x="2037302" y="1764030"/>
+                      <a:pt x="2073497" y="1733264"/>
+                      <a:pt x="2109883" y="1702784"/>
+                    </a:cubicBezTo>
+                    <a:cubicBezTo>
+                      <a:pt x="2176367" y="1647063"/>
+                      <a:pt x="2244852" y="1593151"/>
+                      <a:pt x="2321433" y="1552384"/>
+                    </a:cubicBezTo>
+                    <a:cubicBezTo>
+                      <a:pt x="2397157" y="1512094"/>
+                      <a:pt x="2479548" y="1486281"/>
+                      <a:pt x="2558891" y="1453420"/>
+                    </a:cubicBezTo>
+                    <a:cubicBezTo>
+                      <a:pt x="2610898" y="1431798"/>
+                      <a:pt x="2661571" y="1407033"/>
+                      <a:pt x="2709767" y="1377887"/>
+                    </a:cubicBezTo>
+                    <a:cubicBezTo>
+                      <a:pt x="2774252" y="1338929"/>
+                      <a:pt x="2834069" y="1292447"/>
+                      <a:pt x="2885408" y="1237393"/>
+                    </a:cubicBezTo>
+                    <a:cubicBezTo>
+                      <a:pt x="2933605" y="1185767"/>
+                      <a:pt x="2973324" y="1127093"/>
+                      <a:pt x="3017711" y="1072229"/>
+                    </a:cubicBezTo>
+                    <a:cubicBezTo>
+                      <a:pt x="3059811" y="1020223"/>
+                      <a:pt x="3105912" y="971645"/>
+                      <a:pt x="3150680" y="921830"/>
+                    </a:cubicBezTo>
+                    <a:cubicBezTo>
+                      <a:pt x="3186113" y="882396"/>
+                      <a:pt x="3220593" y="842010"/>
+                      <a:pt x="3255169" y="801815"/>
+                    </a:cubicBezTo>
+                    <a:cubicBezTo>
+                      <a:pt x="3284887" y="767239"/>
+                      <a:pt x="3314605" y="732473"/>
+                      <a:pt x="3339275" y="694182"/>
+                    </a:cubicBezTo>
+                    <a:cubicBezTo>
+                      <a:pt x="3368707" y="648367"/>
+                      <a:pt x="3390138" y="597980"/>
+                      <a:pt x="3409188" y="546926"/>
+                    </a:cubicBezTo>
+                    <a:cubicBezTo>
+                      <a:pt x="3433382" y="482156"/>
+                      <a:pt x="3453384" y="415861"/>
+                      <a:pt x="3464243" y="347663"/>
+                    </a:cubicBezTo>
+                    <a:cubicBezTo>
+                      <a:pt x="3476244" y="272224"/>
+                      <a:pt x="3661696" y="76295"/>
+                      <a:pt x="3665411" y="0"/>
+                    </a:cubicBezTo>
+                  </a:path>
+                </a:pathLst>
+              </a:custGeom>
+              <a:noFill/>
+              <a:ln w="9525" cap="rnd">
+                <a:solidFill>
+                  <a:schemeClr val="accent2">
+                    <a:alpha val="35000"/>
+                  </a:schemeClr>
+                </a:solidFill>
+                <a:prstDash val="lgDash"/>
+                <a:round/>
+              </a:ln>
+            </p:spPr>
+            <p:txBody>
+              <a:bodyPr rtlCol="0" anchor="ctr"/>
+              <a:lstStyle>
+                <a:defPPr>
+                  <a:defRPr lang="en-US"/>
+                </a:defPPr>
+                <a:lvl1pPr marL="0" algn="l" defTabSz="914400" rtl="0" eaLnBrk="1" latinLnBrk="0" hangingPunct="1">
+                  <a:defRPr sz="1800" kern="1200">
+                    <a:solidFill>
+                      <a:schemeClr val="tx1"/>
+                    </a:solidFill>
+                    <a:latin typeface="+mn-lt"/>
+                    <a:ea typeface="+mn-ea"/>
+                    <a:cs typeface="+mn-cs"/>
+                  </a:defRPr>
+                </a:lvl1pPr>
+                <a:lvl2pPr marL="457200" algn="l" defTabSz="914400" rtl="0" eaLnBrk="1" latinLnBrk="0" hangingPunct="1">
+                  <a:defRPr sz="1800" kern="1200">
+                    <a:solidFill>
+                      <a:schemeClr val="tx1"/>
+                    </a:solidFill>
+                    <a:latin typeface="+mn-lt"/>
+                    <a:ea typeface="+mn-ea"/>
+                    <a:cs typeface="+mn-cs"/>
+                  </a:defRPr>
+                </a:lvl2pPr>
+                <a:lvl3pPr marL="914400" algn="l" defTabSz="914400" rtl="0" eaLnBrk="1" latinLnBrk="0" hangingPunct="1">
+                  <a:defRPr sz="1800" kern="1200">
+                    <a:solidFill>
+                      <a:schemeClr val="tx1"/>
+                    </a:solidFill>
+                    <a:latin typeface="+mn-lt"/>
+                    <a:ea typeface="+mn-ea"/>
+                    <a:cs typeface="+mn-cs"/>
+                  </a:defRPr>
+                </a:lvl3pPr>
+                <a:lvl4pPr marL="1371600" algn="l" defTabSz="914400" rtl="0" eaLnBrk="1" latinLnBrk="0" hangingPunct="1">
+                  <a:defRPr sz="1800" kern="1200">
+                    <a:solidFill>
+                      <a:schemeClr val="tx1"/>
+                    </a:solidFill>
+                    <a:latin typeface="+mn-lt"/>
+                    <a:ea typeface="+mn-ea"/>
+                    <a:cs typeface="+mn-cs"/>
+                  </a:defRPr>
+                </a:lvl4pPr>
+                <a:lvl5pPr marL="1828800" algn="l" defTabSz="914400" rtl="0" eaLnBrk="1" latinLnBrk="0" hangingPunct="1">
+                  <a:defRPr sz="1800" kern="1200">
+                    <a:solidFill>
+                      <a:schemeClr val="tx1"/>
+                    </a:solidFill>
+                    <a:latin typeface="+mn-lt"/>
+                    <a:ea typeface="+mn-ea"/>
+                    <a:cs typeface="+mn-cs"/>
+                  </a:defRPr>
+                </a:lvl5pPr>
+                <a:lvl6pPr marL="2286000" algn="l" defTabSz="914400" rtl="0" eaLnBrk="1" latinLnBrk="0" hangingPunct="1">
+                  <a:defRPr sz="1800" kern="1200">
+                    <a:solidFill>
+                      <a:schemeClr val="tx1"/>
+                    </a:solidFill>
+                    <a:latin typeface="+mn-lt"/>
+                    <a:ea typeface="+mn-ea"/>
+                    <a:cs typeface="+mn-cs"/>
+                  </a:defRPr>
+                </a:lvl6pPr>
+                <a:lvl7pPr marL="2743200" algn="l" defTabSz="914400" rtl="0" eaLnBrk="1" latinLnBrk="0" hangingPunct="1">
+                  <a:defRPr sz="1800" kern="1200">
+                    <a:solidFill>
+                      <a:schemeClr val="tx1"/>
+                    </a:solidFill>
+                    <a:latin typeface="+mn-lt"/>
+                    <a:ea typeface="+mn-ea"/>
+                    <a:cs typeface="+mn-cs"/>
+                  </a:defRPr>
+                </a:lvl7pPr>
+                <a:lvl8pPr marL="3200400" algn="l" defTabSz="914400" rtl="0" eaLnBrk="1" latinLnBrk="0" hangingPunct="1">
+                  <a:defRPr sz="1800" kern="1200">
+                    <a:solidFill>
+                      <a:schemeClr val="tx1"/>
+                    </a:solidFill>
+                    <a:latin typeface="+mn-lt"/>
+                    <a:ea typeface="+mn-ea"/>
+                    <a:cs typeface="+mn-cs"/>
+                  </a:defRPr>
+                </a:lvl8pPr>
+                <a:lvl9pPr marL="3657600" algn="l" defTabSz="914400" rtl="0" eaLnBrk="1" latinLnBrk="0" hangingPunct="1">
+                  <a:defRPr sz="1800" kern="1200">
+                    <a:solidFill>
+                      <a:schemeClr val="tx1"/>
+                    </a:solidFill>
+                    <a:latin typeface="+mn-lt"/>
+                    <a:ea typeface="+mn-ea"/>
+                    <a:cs typeface="+mn-cs"/>
+                  </a:defRPr>
+                </a:lvl9pPr>
+              </a:lstStyle>
+              <a:p>
+                <a:endParaRPr lang="en-US"/>
+              </a:p>
+            </p:txBody>
+          </p:sp>
+          <p:sp>
+            <p:nvSpPr>
+              <p:cNvPr id="30" name="Freeform: Shape 29">
+                <a:extLst>
+                  <a:ext uri="{FF2B5EF4-FFF2-40B4-BE49-F238E27FC236}">
+                    <a16:creationId xmlns:a16="http://schemas.microsoft.com/office/drawing/2014/main" id="{CBFE67A7-A995-43D6-8414-EBB2A758A03C}"/>
+                  </a:ext>
+                  <a:ext uri="{C183D7F6-B498-43B3-948B-1728B52AA6E4}">
+                    <adec:decorative xmlns:adec="http://schemas.microsoft.com/office/drawing/2017/decorative" val="1"/>
+                  </a:ext>
+                </a:extLst>
+              </p:cNvPr>
+              <p:cNvSpPr/>
+              <p:nvPr>
+                <p:extLst>
+                  <p:ext uri="{386F3935-93C4-4BCD-93E2-E3B085C9AB24}">
+                    <p16:designElem xmlns:p16="http://schemas.microsoft.com/office/powerpoint/2015/main" val="1"/>
+                  </p:ext>
+                </p:extLst>
+              </p:nvPr>
+            </p:nvSpPr>
+            <p:spPr>
+              <a:xfrm>
+                <a:off x="7790402" y="5229700"/>
+                <a:ext cx="285940" cy="199072"/>
+              </a:xfrm>
+              <a:custGeom>
+                <a:avLst/>
+                <a:gdLst>
+                  <a:gd name="connsiteX0" fmla="*/ 0 w 285940"/>
+                  <a:gd name="connsiteY0" fmla="*/ 199073 h 199072"/>
+                  <a:gd name="connsiteX1" fmla="*/ 285940 w 285940"/>
+                  <a:gd name="connsiteY1" fmla="*/ 0 h 199072"/>
+                </a:gdLst>
+                <a:ahLst/>
+                <a:cxnLst>
+                  <a:cxn ang="0">
+                    <a:pos x="connsiteX0" y="connsiteY0"/>
+                  </a:cxn>
+                  <a:cxn ang="0">
+                    <a:pos x="connsiteX1" y="connsiteY1"/>
+                  </a:cxn>
+                </a:cxnLst>
+                <a:rect l="l" t="t" r="r" b="b"/>
+                <a:pathLst>
+                  <a:path w="285940" h="199072">
+                    <a:moveTo>
+                      <a:pt x="0" y="199073"/>
+                    </a:moveTo>
+                    <a:cubicBezTo>
+                      <a:pt x="0" y="199073"/>
+                      <a:pt x="242125" y="39243"/>
+                      <a:pt x="285940" y="0"/>
+                    </a:cubicBezTo>
+                  </a:path>
+                </a:pathLst>
+              </a:custGeom>
+              <a:noFill/>
+              <a:ln w="9525" cap="rnd">
+                <a:solidFill>
+                  <a:schemeClr val="accent2">
+                    <a:alpha val="35000"/>
+                  </a:schemeClr>
+                </a:solidFill>
+                <a:prstDash val="lgDash"/>
+                <a:round/>
+              </a:ln>
+            </p:spPr>
+            <p:txBody>
+              <a:bodyPr rtlCol="0" anchor="ctr"/>
+              <a:lstStyle>
+                <a:defPPr>
+                  <a:defRPr lang="en-US"/>
+                </a:defPPr>
+                <a:lvl1pPr marL="0" algn="l" defTabSz="914400" rtl="0" eaLnBrk="1" latinLnBrk="0" hangingPunct="1">
+                  <a:defRPr sz="1800" kern="1200">
+                    <a:solidFill>
+                      <a:schemeClr val="tx1"/>
+                    </a:solidFill>
+                    <a:latin typeface="+mn-lt"/>
+                    <a:ea typeface="+mn-ea"/>
+                    <a:cs typeface="+mn-cs"/>
+                  </a:defRPr>
+                </a:lvl1pPr>
+                <a:lvl2pPr marL="457200" algn="l" defTabSz="914400" rtl="0" eaLnBrk="1" latinLnBrk="0" hangingPunct="1">
+                  <a:defRPr sz="1800" kern="1200">
+                    <a:solidFill>
+                      <a:schemeClr val="tx1"/>
+                    </a:solidFill>
+                    <a:latin typeface="+mn-lt"/>
+                    <a:ea typeface="+mn-ea"/>
+                    <a:cs typeface="+mn-cs"/>
+                  </a:defRPr>
+                </a:lvl2pPr>
+                <a:lvl3pPr marL="914400" algn="l" defTabSz="914400" rtl="0" eaLnBrk="1" latinLnBrk="0" hangingPunct="1">
+                  <a:defRPr sz="1800" kern="1200">
+                    <a:solidFill>
+                      <a:schemeClr val="tx1"/>
+                    </a:solidFill>
+                    <a:latin typeface="+mn-lt"/>
+                    <a:ea typeface="+mn-ea"/>
+                    <a:cs typeface="+mn-cs"/>
+                  </a:defRPr>
+                </a:lvl3pPr>
+                <a:lvl4pPr marL="1371600" algn="l" defTabSz="914400" rtl="0" eaLnBrk="1" latinLnBrk="0" hangingPunct="1">
+                  <a:defRPr sz="1800" kern="1200">
+                    <a:solidFill>
+                      <a:schemeClr val="tx1"/>
+                    </a:solidFill>
+                    <a:latin typeface="+mn-lt"/>
+                    <a:ea typeface="+mn-ea"/>
+                    <a:cs typeface="+mn-cs"/>
+                  </a:defRPr>
+                </a:lvl4pPr>
+                <a:lvl5pPr marL="1828800" algn="l" defTabSz="914400" rtl="0" eaLnBrk="1" latinLnBrk="0" hangingPunct="1">
+                  <a:defRPr sz="1800" kern="1200">
+                    <a:solidFill>
+                      <a:schemeClr val="tx1"/>
+                    </a:solidFill>
+                    <a:latin typeface="+mn-lt"/>
+                    <a:ea typeface="+mn-ea"/>
+                    <a:cs typeface="+mn-cs"/>
+                  </a:defRPr>
+                </a:lvl5pPr>
+                <a:lvl6pPr marL="2286000" algn="l" defTabSz="914400" rtl="0" eaLnBrk="1" latinLnBrk="0" hangingPunct="1">
+                  <a:defRPr sz="1800" kern="1200">
+                    <a:solidFill>
+                      <a:schemeClr val="tx1"/>
+                    </a:solidFill>
+                    <a:latin typeface="+mn-lt"/>
+                    <a:ea typeface="+mn-ea"/>
+                    <a:cs typeface="+mn-cs"/>
+                  </a:defRPr>
+                </a:lvl6pPr>
+                <a:lvl7pPr marL="2743200" algn="l" defTabSz="914400" rtl="0" eaLnBrk="1" latinLnBrk="0" hangingPunct="1">
+                  <a:defRPr sz="1800" kern="1200">
+                    <a:solidFill>
+                      <a:schemeClr val="tx1"/>
+                    </a:solidFill>
+                    <a:latin typeface="+mn-lt"/>
+                    <a:ea typeface="+mn-ea"/>
+                    <a:cs typeface="+mn-cs"/>
+                  </a:defRPr>
+                </a:lvl7pPr>
+                <a:lvl8pPr marL="3200400" algn="l" defTabSz="914400" rtl="0" eaLnBrk="1" latinLnBrk="0" hangingPunct="1">
+                  <a:defRPr sz="1800" kern="1200">
+                    <a:solidFill>
+                      <a:schemeClr val="tx1"/>
+                    </a:solidFill>
+                    <a:latin typeface="+mn-lt"/>
+                    <a:ea typeface="+mn-ea"/>
+                    <a:cs typeface="+mn-cs"/>
+                  </a:defRPr>
+                </a:lvl8pPr>
+                <a:lvl9pPr marL="3657600" algn="l" defTabSz="914400" rtl="0" eaLnBrk="1" latinLnBrk="0" hangingPunct="1">
+                  <a:defRPr sz="1800" kern="1200">
+                    <a:solidFill>
+                      <a:schemeClr val="tx1"/>
+                    </a:solidFill>
+                    <a:latin typeface="+mn-lt"/>
+                    <a:ea typeface="+mn-ea"/>
+                    <a:cs typeface="+mn-cs"/>
+                  </a:defRPr>
+                </a:lvl9pPr>
+              </a:lstStyle>
+              <a:p>
+                <a:endParaRPr lang="en-US"/>
+              </a:p>
+            </p:txBody>
+          </p:sp>
+          <p:sp>
+            <p:nvSpPr>
+              <p:cNvPr id="31" name="Freeform: Shape 30">
+                <a:extLst>
+                  <a:ext uri="{FF2B5EF4-FFF2-40B4-BE49-F238E27FC236}">
+                    <a16:creationId xmlns:a16="http://schemas.microsoft.com/office/drawing/2014/main" id="{6DB28E40-FF5E-459D-B516-A16554BBBF2B}"/>
+                  </a:ext>
+                  <a:ext uri="{C183D7F6-B498-43B3-948B-1728B52AA6E4}">
+                    <adec:decorative xmlns:adec="http://schemas.microsoft.com/office/drawing/2017/decorative" val="1"/>
+                  </a:ext>
+                </a:extLst>
+              </p:cNvPr>
+              <p:cNvSpPr/>
+              <p:nvPr>
+                <p:extLst>
+                  <p:ext uri="{386F3935-93C4-4BCD-93E2-E3B085C9AB24}">
+                    <p16:designElem xmlns:p16="http://schemas.microsoft.com/office/powerpoint/2015/main" val="1"/>
+                  </p:ext>
+                </p:extLst>
+              </p:nvPr>
+            </p:nvSpPr>
+            <p:spPr>
+              <a:xfrm>
+                <a:off x="7393114" y="5049773"/>
+                <a:ext cx="655796" cy="381190"/>
+              </a:xfrm>
+              <a:custGeom>
+                <a:avLst/>
+                <a:gdLst>
+                  <a:gd name="connsiteX0" fmla="*/ 0 w 655796"/>
+                  <a:gd name="connsiteY0" fmla="*/ 381190 h 381190"/>
+                  <a:gd name="connsiteX1" fmla="*/ 655796 w 655796"/>
+                  <a:gd name="connsiteY1" fmla="*/ 0 h 381190"/>
+                </a:gdLst>
+                <a:ahLst/>
+                <a:cxnLst>
+                  <a:cxn ang="0">
+                    <a:pos x="connsiteX0" y="connsiteY0"/>
+                  </a:cxn>
+                  <a:cxn ang="0">
+                    <a:pos x="connsiteX1" y="connsiteY1"/>
+                  </a:cxn>
+                </a:cxnLst>
+                <a:rect l="l" t="t" r="r" b="b"/>
+                <a:pathLst>
+                  <a:path w="655796" h="381190">
+                    <a:moveTo>
+                      <a:pt x="0" y="381190"/>
+                    </a:moveTo>
+                    <a:cubicBezTo>
+                      <a:pt x="0" y="381190"/>
+                      <a:pt x="461105" y="172117"/>
+                      <a:pt x="655796" y="0"/>
+                    </a:cubicBezTo>
+                  </a:path>
+                </a:pathLst>
+              </a:custGeom>
+              <a:noFill/>
+              <a:ln w="9525" cap="rnd">
+                <a:solidFill>
+                  <a:schemeClr val="accent2">
+                    <a:alpha val="35000"/>
+                  </a:schemeClr>
+                </a:solidFill>
+                <a:prstDash val="lgDash"/>
+                <a:round/>
+              </a:ln>
+            </p:spPr>
+            <p:txBody>
+              <a:bodyPr rtlCol="0" anchor="ctr"/>
+              <a:lstStyle>
+                <a:defPPr>
+                  <a:defRPr lang="en-US"/>
+                </a:defPPr>
+                <a:lvl1pPr marL="0" algn="l" defTabSz="914400" rtl="0" eaLnBrk="1" latinLnBrk="0" hangingPunct="1">
+                  <a:defRPr sz="1800" kern="1200">
+                    <a:solidFill>
+                      <a:schemeClr val="tx1"/>
+                    </a:solidFill>
+                    <a:latin typeface="+mn-lt"/>
+                    <a:ea typeface="+mn-ea"/>
+                    <a:cs typeface="+mn-cs"/>
+                  </a:defRPr>
+                </a:lvl1pPr>
+                <a:lvl2pPr marL="457200" algn="l" defTabSz="914400" rtl="0" eaLnBrk="1" latinLnBrk="0" hangingPunct="1">
+                  <a:defRPr sz="1800" kern="1200">
+                    <a:solidFill>
+                      <a:schemeClr val="tx1"/>
+                    </a:solidFill>
+                    <a:latin typeface="+mn-lt"/>
+                    <a:ea typeface="+mn-ea"/>
+                    <a:cs typeface="+mn-cs"/>
+                  </a:defRPr>
+                </a:lvl2pPr>
+                <a:lvl3pPr marL="914400" algn="l" defTabSz="914400" rtl="0" eaLnBrk="1" latinLnBrk="0" hangingPunct="1">
+                  <a:defRPr sz="1800" kern="1200">
+                    <a:solidFill>
+                      <a:schemeClr val="tx1"/>
+                    </a:solidFill>
+                    <a:latin typeface="+mn-lt"/>
+                    <a:ea typeface="+mn-ea"/>
+                    <a:cs typeface="+mn-cs"/>
+                  </a:defRPr>
+                </a:lvl3pPr>
+                <a:lvl4pPr marL="1371600" algn="l" defTabSz="914400" rtl="0" eaLnBrk="1" latinLnBrk="0" hangingPunct="1">
+                  <a:defRPr sz="1800" kern="1200">
+                    <a:solidFill>
+                      <a:schemeClr val="tx1"/>
+                    </a:solidFill>
+                    <a:latin typeface="+mn-lt"/>
+                    <a:ea typeface="+mn-ea"/>
+                    <a:cs typeface="+mn-cs"/>
+                  </a:defRPr>
+                </a:lvl4pPr>
+                <a:lvl5pPr marL="1828800" algn="l" defTabSz="914400" rtl="0" eaLnBrk="1" latinLnBrk="0" hangingPunct="1">
+                  <a:defRPr sz="1800" kern="1200">
+                    <a:solidFill>
+                      <a:schemeClr val="tx1"/>
+                    </a:solidFill>
+                    <a:latin typeface="+mn-lt"/>
+                    <a:ea typeface="+mn-ea"/>
+                    <a:cs typeface="+mn-cs"/>
+                  </a:defRPr>
+                </a:lvl5pPr>
+                <a:lvl6pPr marL="2286000" algn="l" defTabSz="914400" rtl="0" eaLnBrk="1" latinLnBrk="0" hangingPunct="1">
+                  <a:defRPr sz="1800" kern="1200">
+                    <a:solidFill>
+                      <a:schemeClr val="tx1"/>
+                    </a:solidFill>
+                    <a:latin typeface="+mn-lt"/>
+                    <a:ea typeface="+mn-ea"/>
+                    <a:cs typeface="+mn-cs"/>
+                  </a:defRPr>
+                </a:lvl6pPr>
+                <a:lvl7pPr marL="2743200" algn="l" defTabSz="914400" rtl="0" eaLnBrk="1" latinLnBrk="0" hangingPunct="1">
+                  <a:defRPr sz="1800" kern="1200">
+                    <a:solidFill>
+                      <a:schemeClr val="tx1"/>
+                    </a:solidFill>
+                    <a:latin typeface="+mn-lt"/>
+                    <a:ea typeface="+mn-ea"/>
+                    <a:cs typeface="+mn-cs"/>
+                  </a:defRPr>
+                </a:lvl7pPr>
+                <a:lvl8pPr marL="3200400" algn="l" defTabSz="914400" rtl="0" eaLnBrk="1" latinLnBrk="0" hangingPunct="1">
+                  <a:defRPr sz="1800" kern="1200">
+                    <a:solidFill>
+                      <a:schemeClr val="tx1"/>
+                    </a:solidFill>
+                    <a:latin typeface="+mn-lt"/>
+                    <a:ea typeface="+mn-ea"/>
+                    <a:cs typeface="+mn-cs"/>
+                  </a:defRPr>
+                </a:lvl8pPr>
+                <a:lvl9pPr marL="3657600" algn="l" defTabSz="914400" rtl="0" eaLnBrk="1" latinLnBrk="0" hangingPunct="1">
+                  <a:defRPr sz="1800" kern="1200">
+                    <a:solidFill>
+                      <a:schemeClr val="tx1"/>
+                    </a:solidFill>
+                    <a:latin typeface="+mn-lt"/>
+                    <a:ea typeface="+mn-ea"/>
+                    <a:cs typeface="+mn-cs"/>
+                  </a:defRPr>
+                </a:lvl9pPr>
+              </a:lstStyle>
+              <a:p>
+                <a:endParaRPr lang="en-US"/>
+              </a:p>
+            </p:txBody>
+          </p:sp>
+          <p:sp>
+            <p:nvSpPr>
+              <p:cNvPr id="32" name="Freeform: Shape 31">
+                <a:extLst>
+                  <a:ext uri="{FF2B5EF4-FFF2-40B4-BE49-F238E27FC236}">
+                    <a16:creationId xmlns:a16="http://schemas.microsoft.com/office/drawing/2014/main" id="{9724247A-6615-4D27-80F0-33927628267E}"/>
+                  </a:ext>
+                  <a:ext uri="{C183D7F6-B498-43B3-948B-1728B52AA6E4}">
+                    <adec:decorative xmlns:adec="http://schemas.microsoft.com/office/drawing/2017/decorative" val="1"/>
+                  </a:ext>
+                </a:extLst>
+              </p:cNvPr>
+              <p:cNvSpPr/>
+              <p:nvPr>
+                <p:extLst>
+                  <p:ext uri="{386F3935-93C4-4BCD-93E2-E3B085C9AB24}">
+                    <p16:designElem xmlns:p16="http://schemas.microsoft.com/office/powerpoint/2015/main" val="1"/>
+                  </p:ext>
+                </p:extLst>
+              </p:nvPr>
+            </p:nvSpPr>
+            <p:spPr>
+              <a:xfrm>
+                <a:off x="5154072" y="3867816"/>
+                <a:ext cx="2907315" cy="1544764"/>
+              </a:xfrm>
+              <a:custGeom>
+                <a:avLst/>
+                <a:gdLst>
+                  <a:gd name="connsiteX0" fmla="*/ 0 w 2907315"/>
+                  <a:gd name="connsiteY0" fmla="*/ 1544764 h 1544764"/>
+                  <a:gd name="connsiteX1" fmla="*/ 201644 w 2907315"/>
+                  <a:gd name="connsiteY1" fmla="*/ 1352550 h 1544764"/>
+                  <a:gd name="connsiteX2" fmla="*/ 423196 w 2907315"/>
+                  <a:gd name="connsiteY2" fmla="*/ 1196054 h 1544764"/>
+                  <a:gd name="connsiteX3" fmla="*/ 782193 w 2907315"/>
+                  <a:gd name="connsiteY3" fmla="*/ 1099947 h 1544764"/>
+                  <a:gd name="connsiteX4" fmla="*/ 1052513 w 2907315"/>
+                  <a:gd name="connsiteY4" fmla="*/ 1042321 h 1544764"/>
+                  <a:gd name="connsiteX5" fmla="*/ 1311783 w 2907315"/>
+                  <a:gd name="connsiteY5" fmla="*/ 1056037 h 1544764"/>
+                  <a:gd name="connsiteX6" fmla="*/ 1484662 w 2907315"/>
+                  <a:gd name="connsiteY6" fmla="*/ 1083469 h 1544764"/>
+                  <a:gd name="connsiteX7" fmla="*/ 1788224 w 2907315"/>
+                  <a:gd name="connsiteY7" fmla="*/ 1023080 h 1544764"/>
+                  <a:gd name="connsiteX8" fmla="*/ 2269045 w 2907315"/>
+                  <a:gd name="connsiteY8" fmla="*/ 734758 h 1544764"/>
+                  <a:gd name="connsiteX9" fmla="*/ 2534984 w 2907315"/>
+                  <a:gd name="connsiteY9" fmla="*/ 572738 h 1544764"/>
+                  <a:gd name="connsiteX10" fmla="*/ 2907316 w 2907315"/>
+                  <a:gd name="connsiteY10" fmla="*/ 0 h 1544764"/>
+                </a:gdLst>
+                <a:ahLst/>
+                <a:cxnLst>
+                  <a:cxn ang="0">
+                    <a:pos x="connsiteX0" y="connsiteY0"/>
+                  </a:cxn>
+                  <a:cxn ang="0">
+                    <a:pos x="connsiteX1" y="connsiteY1"/>
+                  </a:cxn>
+                  <a:cxn ang="0">
+                    <a:pos x="connsiteX2" y="connsiteY2"/>
+                  </a:cxn>
+                  <a:cxn ang="0">
+                    <a:pos x="connsiteX3" y="connsiteY3"/>
+                  </a:cxn>
+                  <a:cxn ang="0">
+                    <a:pos x="connsiteX4" y="connsiteY4"/>
+                  </a:cxn>
+                  <a:cxn ang="0">
+                    <a:pos x="connsiteX5" y="connsiteY5"/>
+                  </a:cxn>
+                  <a:cxn ang="0">
+                    <a:pos x="connsiteX6" y="connsiteY6"/>
+                  </a:cxn>
+                  <a:cxn ang="0">
+                    <a:pos x="connsiteX7" y="connsiteY7"/>
+                  </a:cxn>
+                  <a:cxn ang="0">
+                    <a:pos x="connsiteX8" y="connsiteY8"/>
+                  </a:cxn>
+                  <a:cxn ang="0">
+                    <a:pos x="connsiteX9" y="connsiteY9"/>
+                  </a:cxn>
+                  <a:cxn ang="0">
+                    <a:pos x="connsiteX10" y="connsiteY10"/>
+                  </a:cxn>
+                </a:cxnLst>
+                <a:rect l="l" t="t" r="r" b="b"/>
+                <a:pathLst>
+                  <a:path w="2907315" h="1544764">
+                    <a:moveTo>
+                      <a:pt x="0" y="1544764"/>
+                    </a:moveTo>
+                    <a:cubicBezTo>
+                      <a:pt x="0" y="1544764"/>
+                      <a:pt x="98012" y="1443990"/>
+                      <a:pt x="201644" y="1352550"/>
+                    </a:cubicBezTo>
+                    <a:cubicBezTo>
+                      <a:pt x="271272" y="1291209"/>
+                      <a:pt x="343662" y="1234249"/>
+                      <a:pt x="423196" y="1196054"/>
+                    </a:cubicBezTo>
+                    <a:cubicBezTo>
+                      <a:pt x="537591" y="1141095"/>
+                      <a:pt x="661226" y="1127189"/>
+                      <a:pt x="782193" y="1099947"/>
+                    </a:cubicBezTo>
+                    <a:cubicBezTo>
+                      <a:pt x="872300" y="1079659"/>
+                      <a:pt x="961358" y="1051370"/>
+                      <a:pt x="1052513" y="1042321"/>
+                    </a:cubicBezTo>
+                    <a:cubicBezTo>
+                      <a:pt x="1139000" y="1033653"/>
+                      <a:pt x="1225868" y="1040321"/>
+                      <a:pt x="1311783" y="1056037"/>
+                    </a:cubicBezTo>
+                    <a:cubicBezTo>
+                      <a:pt x="1369314" y="1066609"/>
+                      <a:pt x="1426559" y="1079373"/>
+                      <a:pt x="1484662" y="1083469"/>
+                    </a:cubicBezTo>
+                    <a:cubicBezTo>
+                      <a:pt x="1587913" y="1090803"/>
+                      <a:pt x="1690402" y="1064800"/>
+                      <a:pt x="1788224" y="1023080"/>
+                    </a:cubicBezTo>
+                    <a:cubicBezTo>
+                      <a:pt x="1956721" y="951262"/>
+                      <a:pt x="2106549" y="825722"/>
+                      <a:pt x="2269045" y="734758"/>
+                    </a:cubicBezTo>
+                    <a:cubicBezTo>
+                      <a:pt x="2359438" y="684181"/>
+                      <a:pt x="2452497" y="640556"/>
+                      <a:pt x="2534984" y="572738"/>
+                    </a:cubicBezTo>
+                    <a:cubicBezTo>
+                      <a:pt x="2673001" y="459391"/>
+                      <a:pt x="2847023" y="191453"/>
+                      <a:pt x="2907316" y="0"/>
+                    </a:cubicBezTo>
+                  </a:path>
+                </a:pathLst>
+              </a:custGeom>
+              <a:noFill/>
+              <a:ln w="9525" cap="rnd">
+                <a:solidFill>
+                  <a:schemeClr val="accent2">
+                    <a:alpha val="35000"/>
+                  </a:schemeClr>
+                </a:solidFill>
+                <a:prstDash val="lgDash"/>
+                <a:round/>
+              </a:ln>
+            </p:spPr>
+            <p:txBody>
+              <a:bodyPr rtlCol="0" anchor="ctr"/>
+              <a:lstStyle>
+                <a:defPPr>
+                  <a:defRPr lang="en-US"/>
+                </a:defPPr>
+                <a:lvl1pPr marL="0" algn="l" defTabSz="914400" rtl="0" eaLnBrk="1" latinLnBrk="0" hangingPunct="1">
+                  <a:defRPr sz="1800" kern="1200">
+                    <a:solidFill>
+                      <a:schemeClr val="tx1"/>
+                    </a:solidFill>
+                    <a:latin typeface="+mn-lt"/>
+                    <a:ea typeface="+mn-ea"/>
+                    <a:cs typeface="+mn-cs"/>
+                  </a:defRPr>
+                </a:lvl1pPr>
+                <a:lvl2pPr marL="457200" algn="l" defTabSz="914400" rtl="0" eaLnBrk="1" latinLnBrk="0" hangingPunct="1">
+                  <a:defRPr sz="1800" kern="1200">
+                    <a:solidFill>
+                      <a:schemeClr val="tx1"/>
+                    </a:solidFill>
+                    <a:latin typeface="+mn-lt"/>
+                    <a:ea typeface="+mn-ea"/>
+                    <a:cs typeface="+mn-cs"/>
+                  </a:defRPr>
+                </a:lvl2pPr>
+                <a:lvl3pPr marL="914400" algn="l" defTabSz="914400" rtl="0" eaLnBrk="1" latinLnBrk="0" hangingPunct="1">
+                  <a:defRPr sz="1800" kern="1200">
+                    <a:solidFill>
+                      <a:schemeClr val="tx1"/>
+                    </a:solidFill>
+                    <a:latin typeface="+mn-lt"/>
+                    <a:ea typeface="+mn-ea"/>
+                    <a:cs typeface="+mn-cs"/>
+                  </a:defRPr>
+                </a:lvl3pPr>
+                <a:lvl4pPr marL="1371600" algn="l" defTabSz="914400" rtl="0" eaLnBrk="1" latinLnBrk="0" hangingPunct="1">
+                  <a:defRPr sz="1800" kern="1200">
+                    <a:solidFill>
+                      <a:schemeClr val="tx1"/>
+                    </a:solidFill>
+                    <a:latin typeface="+mn-lt"/>
+                    <a:ea typeface="+mn-ea"/>
+                    <a:cs typeface="+mn-cs"/>
+                  </a:defRPr>
+                </a:lvl4pPr>
+                <a:lvl5pPr marL="1828800" algn="l" defTabSz="914400" rtl="0" eaLnBrk="1" latinLnBrk="0" hangingPunct="1">
+                  <a:defRPr sz="1800" kern="1200">
+                    <a:solidFill>
+                      <a:schemeClr val="tx1"/>
+                    </a:solidFill>
+                    <a:latin typeface="+mn-lt"/>
+                    <a:ea typeface="+mn-ea"/>
+                    <a:cs typeface="+mn-cs"/>
+                  </a:defRPr>
+                </a:lvl5pPr>
+                <a:lvl6pPr marL="2286000" algn="l" defTabSz="914400" rtl="0" eaLnBrk="1" latinLnBrk="0" hangingPunct="1">
+                  <a:defRPr sz="1800" kern="1200">
+                    <a:solidFill>
+                      <a:schemeClr val="tx1"/>
+                    </a:solidFill>
+                    <a:latin typeface="+mn-lt"/>
+                    <a:ea typeface="+mn-ea"/>
+                    <a:cs typeface="+mn-cs"/>
+                  </a:defRPr>
+                </a:lvl6pPr>
+                <a:lvl7pPr marL="2743200" algn="l" defTabSz="914400" rtl="0" eaLnBrk="1" latinLnBrk="0" hangingPunct="1">
+                  <a:defRPr sz="1800" kern="1200">
+                    <a:solidFill>
+                      <a:schemeClr val="tx1"/>
+                    </a:solidFill>
+                    <a:latin typeface="+mn-lt"/>
+                    <a:ea typeface="+mn-ea"/>
+                    <a:cs typeface="+mn-cs"/>
+                  </a:defRPr>
+                </a:lvl7pPr>
+                <a:lvl8pPr marL="3200400" algn="l" defTabSz="914400" rtl="0" eaLnBrk="1" latinLnBrk="0" hangingPunct="1">
+                  <a:defRPr sz="1800" kern="1200">
+                    <a:solidFill>
+                      <a:schemeClr val="tx1"/>
+                    </a:solidFill>
+                    <a:latin typeface="+mn-lt"/>
+                    <a:ea typeface="+mn-ea"/>
+                    <a:cs typeface="+mn-cs"/>
+                  </a:defRPr>
+                </a:lvl8pPr>
+                <a:lvl9pPr marL="3657600" algn="l" defTabSz="914400" rtl="0" eaLnBrk="1" latinLnBrk="0" hangingPunct="1">
+                  <a:defRPr sz="1800" kern="1200">
+                    <a:solidFill>
+                      <a:schemeClr val="tx1"/>
+                    </a:solidFill>
+                    <a:latin typeface="+mn-lt"/>
+                    <a:ea typeface="+mn-ea"/>
+                    <a:cs typeface="+mn-cs"/>
+                  </a:defRPr>
+                </a:lvl9pPr>
+              </a:lstStyle>
+              <a:p>
+                <a:endParaRPr lang="en-US"/>
+              </a:p>
+            </p:txBody>
+          </p:sp>
+          <p:sp>
+            <p:nvSpPr>
+              <p:cNvPr id="33" name="Freeform: Shape 32">
+                <a:extLst>
+                  <a:ext uri="{FF2B5EF4-FFF2-40B4-BE49-F238E27FC236}">
+                    <a16:creationId xmlns:a16="http://schemas.microsoft.com/office/drawing/2014/main" id="{495168B2-CEF6-486B-AD0C-D063CDD9885D}"/>
+                  </a:ext>
+                  <a:ext uri="{C183D7F6-B498-43B3-948B-1728B52AA6E4}">
+                    <adec:decorative xmlns:adec="http://schemas.microsoft.com/office/drawing/2017/decorative" val="1"/>
+                  </a:ext>
+                </a:extLst>
+              </p:cNvPr>
+              <p:cNvSpPr/>
+              <p:nvPr>
+                <p:extLst>
+                  <p:ext uri="{386F3935-93C4-4BCD-93E2-E3B085C9AB24}">
+                    <p16:designElem xmlns:p16="http://schemas.microsoft.com/office/powerpoint/2015/main" val="1"/>
+                  </p:ext>
+                </p:extLst>
+              </p:nvPr>
+            </p:nvSpPr>
+            <p:spPr>
+              <a:xfrm>
+                <a:off x="4907946" y="3479100"/>
+                <a:ext cx="3168300" cy="1952434"/>
+              </a:xfrm>
+              <a:custGeom>
+                <a:avLst/>
+                <a:gdLst>
+                  <a:gd name="connsiteX0" fmla="*/ 0 w 3168300"/>
+                  <a:gd name="connsiteY0" fmla="*/ 1952435 h 1952434"/>
+                  <a:gd name="connsiteX1" fmla="*/ 202121 w 3168300"/>
+                  <a:gd name="connsiteY1" fmla="*/ 1687068 h 1952434"/>
+                  <a:gd name="connsiteX2" fmla="*/ 545116 w 3168300"/>
+                  <a:gd name="connsiteY2" fmla="*/ 1450277 h 1952434"/>
+                  <a:gd name="connsiteX3" fmla="*/ 906780 w 3168300"/>
+                  <a:gd name="connsiteY3" fmla="*/ 1354455 h 1952434"/>
+                  <a:gd name="connsiteX4" fmla="*/ 1332262 w 3168300"/>
+                  <a:gd name="connsiteY4" fmla="*/ 1285304 h 1952434"/>
+                  <a:gd name="connsiteX5" fmla="*/ 1691259 w 3168300"/>
+                  <a:gd name="connsiteY5" fmla="*/ 1240060 h 1952434"/>
+                  <a:gd name="connsiteX6" fmla="*/ 2010346 w 3168300"/>
+                  <a:gd name="connsiteY6" fmla="*/ 1141667 h 1952434"/>
+                  <a:gd name="connsiteX7" fmla="*/ 2393252 w 3168300"/>
+                  <a:gd name="connsiteY7" fmla="*/ 1027271 h 1952434"/>
+                  <a:gd name="connsiteX8" fmla="*/ 2582037 w 3168300"/>
+                  <a:gd name="connsiteY8" fmla="*/ 958120 h 1952434"/>
+                  <a:gd name="connsiteX9" fmla="*/ 2760155 w 3168300"/>
+                  <a:gd name="connsiteY9" fmla="*/ 827723 h 1952434"/>
+                  <a:gd name="connsiteX10" fmla="*/ 2914364 w 3168300"/>
+                  <a:gd name="connsiteY10" fmla="*/ 567023 h 1952434"/>
+                  <a:gd name="connsiteX11" fmla="*/ 3168301 w 3168300"/>
+                  <a:gd name="connsiteY11" fmla="*/ 0 h 1952434"/>
+                </a:gdLst>
+                <a:ahLst/>
+                <a:cxnLst>
+                  <a:cxn ang="0">
+                    <a:pos x="connsiteX0" y="connsiteY0"/>
+                  </a:cxn>
+                  <a:cxn ang="0">
+                    <a:pos x="connsiteX1" y="connsiteY1"/>
+                  </a:cxn>
+                  <a:cxn ang="0">
+                    <a:pos x="connsiteX2" y="connsiteY2"/>
+                  </a:cxn>
+                  <a:cxn ang="0">
+                    <a:pos x="connsiteX3" y="connsiteY3"/>
+                  </a:cxn>
+                  <a:cxn ang="0">
+                    <a:pos x="connsiteX4" y="connsiteY4"/>
+                  </a:cxn>
+                  <a:cxn ang="0">
+                    <a:pos x="connsiteX5" y="connsiteY5"/>
+                  </a:cxn>
+                  <a:cxn ang="0">
+                    <a:pos x="connsiteX6" y="connsiteY6"/>
+                  </a:cxn>
+                  <a:cxn ang="0">
+                    <a:pos x="connsiteX7" y="connsiteY7"/>
+                  </a:cxn>
+                  <a:cxn ang="0">
+                    <a:pos x="connsiteX8" y="connsiteY8"/>
+                  </a:cxn>
+                  <a:cxn ang="0">
+                    <a:pos x="connsiteX9" y="connsiteY9"/>
+                  </a:cxn>
+                  <a:cxn ang="0">
+                    <a:pos x="connsiteX10" y="connsiteY10"/>
+                  </a:cxn>
+                  <a:cxn ang="0">
+                    <a:pos x="connsiteX11" y="connsiteY11"/>
+                  </a:cxn>
+                </a:cxnLst>
+                <a:rect l="l" t="t" r="r" b="b"/>
+                <a:pathLst>
+                  <a:path w="3168300" h="1952434">
+                    <a:moveTo>
+                      <a:pt x="0" y="1952435"/>
+                    </a:moveTo>
+                    <a:cubicBezTo>
+                      <a:pt x="0" y="1952435"/>
+                      <a:pt x="91059" y="1796415"/>
+                      <a:pt x="202121" y="1687068"/>
+                    </a:cubicBezTo>
+                    <a:cubicBezTo>
+                      <a:pt x="301943" y="1588675"/>
+                      <a:pt x="416528" y="1505617"/>
+                      <a:pt x="545116" y="1450277"/>
+                    </a:cubicBezTo>
+                    <a:cubicBezTo>
+                      <a:pt x="659987" y="1400747"/>
+                      <a:pt x="783622" y="1377601"/>
+                      <a:pt x="906780" y="1354455"/>
+                    </a:cubicBezTo>
+                    <a:cubicBezTo>
+                      <a:pt x="1048036" y="1327976"/>
+                      <a:pt x="1189482" y="1301972"/>
+                      <a:pt x="1332262" y="1285304"/>
+                    </a:cubicBezTo>
+                    <a:cubicBezTo>
+                      <a:pt x="1452182" y="1271302"/>
+                      <a:pt x="1573340" y="1265873"/>
+                      <a:pt x="1691259" y="1240060"/>
+                    </a:cubicBezTo>
+                    <a:cubicBezTo>
+                      <a:pt x="1800035" y="1216247"/>
+                      <a:pt x="1904619" y="1176718"/>
+                      <a:pt x="2010346" y="1141667"/>
+                    </a:cubicBezTo>
+                    <a:cubicBezTo>
+                      <a:pt x="2136743" y="1099661"/>
+                      <a:pt x="2265902" y="1066229"/>
+                      <a:pt x="2393252" y="1027271"/>
+                    </a:cubicBezTo>
+                    <a:cubicBezTo>
+                      <a:pt x="2457450" y="1007650"/>
+                      <a:pt x="2521744" y="987552"/>
+                      <a:pt x="2582037" y="958120"/>
+                    </a:cubicBezTo>
+                    <a:cubicBezTo>
+                      <a:pt x="2648807" y="925449"/>
+                      <a:pt x="2710815" y="883349"/>
+                      <a:pt x="2760155" y="827723"/>
+                    </a:cubicBezTo>
+                    <a:cubicBezTo>
+                      <a:pt x="2827496" y="751904"/>
+                      <a:pt x="2867978" y="657511"/>
+                      <a:pt x="2914364" y="567023"/>
+                    </a:cubicBezTo>
+                    <a:cubicBezTo>
+                      <a:pt x="2972753" y="453200"/>
+                      <a:pt x="3119152" y="118015"/>
+                      <a:pt x="3168301" y="0"/>
+                    </a:cubicBezTo>
+                  </a:path>
+                </a:pathLst>
+              </a:custGeom>
+              <a:noFill/>
+              <a:ln w="9525" cap="rnd">
+                <a:solidFill>
+                  <a:schemeClr val="accent2">
+                    <a:alpha val="35000"/>
+                  </a:schemeClr>
+                </a:solidFill>
+                <a:prstDash val="lgDash"/>
+                <a:round/>
+              </a:ln>
+            </p:spPr>
+            <p:txBody>
+              <a:bodyPr rtlCol="0" anchor="ctr"/>
+              <a:lstStyle>
+                <a:defPPr>
+                  <a:defRPr lang="en-US"/>
+                </a:defPPr>
+                <a:lvl1pPr marL="0" algn="l" defTabSz="914400" rtl="0" eaLnBrk="1" latinLnBrk="0" hangingPunct="1">
+                  <a:defRPr sz="1800" kern="1200">
+                    <a:solidFill>
+                      <a:schemeClr val="tx1"/>
+                    </a:solidFill>
+                    <a:latin typeface="+mn-lt"/>
+                    <a:ea typeface="+mn-ea"/>
+                    <a:cs typeface="+mn-cs"/>
+                  </a:defRPr>
+                </a:lvl1pPr>
+                <a:lvl2pPr marL="457200" algn="l" defTabSz="914400" rtl="0" eaLnBrk="1" latinLnBrk="0" hangingPunct="1">
+                  <a:defRPr sz="1800" kern="1200">
+                    <a:solidFill>
+                      <a:schemeClr val="tx1"/>
+                    </a:solidFill>
+                    <a:latin typeface="+mn-lt"/>
+                    <a:ea typeface="+mn-ea"/>
+                    <a:cs typeface="+mn-cs"/>
+                  </a:defRPr>
+                </a:lvl2pPr>
+                <a:lvl3pPr marL="914400" algn="l" defTabSz="914400" rtl="0" eaLnBrk="1" latinLnBrk="0" hangingPunct="1">
+                  <a:defRPr sz="1800" kern="1200">
+                    <a:solidFill>
+                      <a:schemeClr val="tx1"/>
+                    </a:solidFill>
+                    <a:latin typeface="+mn-lt"/>
+                    <a:ea typeface="+mn-ea"/>
+                    <a:cs typeface="+mn-cs"/>
+                  </a:defRPr>
+                </a:lvl3pPr>
+                <a:lvl4pPr marL="1371600" algn="l" defTabSz="914400" rtl="0" eaLnBrk="1" latinLnBrk="0" hangingPunct="1">
+                  <a:defRPr sz="1800" kern="1200">
+                    <a:solidFill>
+                      <a:schemeClr val="tx1"/>
+                    </a:solidFill>
+                    <a:latin typeface="+mn-lt"/>
+                    <a:ea typeface="+mn-ea"/>
+                    <a:cs typeface="+mn-cs"/>
+                  </a:defRPr>
+                </a:lvl4pPr>
+                <a:lvl5pPr marL="1828800" algn="l" defTabSz="914400" rtl="0" eaLnBrk="1" latinLnBrk="0" hangingPunct="1">
+                  <a:defRPr sz="1800" kern="1200">
+                    <a:solidFill>
+                      <a:schemeClr val="tx1"/>
+                    </a:solidFill>
+                    <a:latin typeface="+mn-lt"/>
+                    <a:ea typeface="+mn-ea"/>
+                    <a:cs typeface="+mn-cs"/>
+                  </a:defRPr>
+                </a:lvl5pPr>
+                <a:lvl6pPr marL="2286000" algn="l" defTabSz="914400" rtl="0" eaLnBrk="1" latinLnBrk="0" hangingPunct="1">
+                  <a:defRPr sz="1800" kern="1200">
+                    <a:solidFill>
+                      <a:schemeClr val="tx1"/>
+                    </a:solidFill>
+                    <a:latin typeface="+mn-lt"/>
+                    <a:ea typeface="+mn-ea"/>
+                    <a:cs typeface="+mn-cs"/>
+                  </a:defRPr>
+                </a:lvl6pPr>
+                <a:lvl7pPr marL="2743200" algn="l" defTabSz="914400" rtl="0" eaLnBrk="1" latinLnBrk="0" hangingPunct="1">
+                  <a:defRPr sz="1800" kern="1200">
+                    <a:solidFill>
+                      <a:schemeClr val="tx1"/>
+                    </a:solidFill>
+                    <a:latin typeface="+mn-lt"/>
+                    <a:ea typeface="+mn-ea"/>
+                    <a:cs typeface="+mn-cs"/>
+                  </a:defRPr>
+                </a:lvl7pPr>
+                <a:lvl8pPr marL="3200400" algn="l" defTabSz="914400" rtl="0" eaLnBrk="1" latinLnBrk="0" hangingPunct="1">
+                  <a:defRPr sz="1800" kern="1200">
+                    <a:solidFill>
+                      <a:schemeClr val="tx1"/>
+                    </a:solidFill>
+                    <a:latin typeface="+mn-lt"/>
+                    <a:ea typeface="+mn-ea"/>
+                    <a:cs typeface="+mn-cs"/>
+                  </a:defRPr>
+                </a:lvl8pPr>
+                <a:lvl9pPr marL="3657600" algn="l" defTabSz="914400" rtl="0" eaLnBrk="1" latinLnBrk="0" hangingPunct="1">
+                  <a:defRPr sz="1800" kern="1200">
+                    <a:solidFill>
+                      <a:schemeClr val="tx1"/>
+                    </a:solidFill>
+                    <a:latin typeface="+mn-lt"/>
+                    <a:ea typeface="+mn-ea"/>
+                    <a:cs typeface="+mn-cs"/>
+                  </a:defRPr>
+                </a:lvl9pPr>
+              </a:lstStyle>
+              <a:p>
+                <a:endParaRPr lang="en-US"/>
+              </a:p>
+            </p:txBody>
+          </p:sp>
+          <p:sp>
+            <p:nvSpPr>
+              <p:cNvPr id="34" name="Freeform: Shape 33">
+                <a:extLst>
+                  <a:ext uri="{FF2B5EF4-FFF2-40B4-BE49-F238E27FC236}">
+                    <a16:creationId xmlns:a16="http://schemas.microsoft.com/office/drawing/2014/main" id="{E27C133D-9749-4B34-9018-29F3FF86C0FD}"/>
+                  </a:ext>
+                  <a:ext uri="{C183D7F6-B498-43B3-948B-1728B52AA6E4}">
+                    <adec:decorative xmlns:adec="http://schemas.microsoft.com/office/drawing/2017/decorative" val="1"/>
+                  </a:ext>
+                </a:extLst>
+              </p:cNvPr>
+              <p:cNvSpPr/>
+              <p:nvPr>
+                <p:extLst>
+                  <p:ext uri="{386F3935-93C4-4BCD-93E2-E3B085C9AB24}">
+                    <p16:designElem xmlns:p16="http://schemas.microsoft.com/office/powerpoint/2015/main" val="1"/>
+                  </p:ext>
+                </p:extLst>
+              </p:nvPr>
+            </p:nvSpPr>
+            <p:spPr>
+              <a:xfrm>
+                <a:off x="4704778" y="2976752"/>
+                <a:ext cx="3356800" cy="2452020"/>
+              </a:xfrm>
+              <a:custGeom>
+                <a:avLst/>
+                <a:gdLst>
+                  <a:gd name="connsiteX0" fmla="*/ 0 w 3356800"/>
+                  <a:gd name="connsiteY0" fmla="*/ 2452021 h 2452020"/>
+                  <a:gd name="connsiteX1" fmla="*/ 130874 w 3356800"/>
+                  <a:gd name="connsiteY1" fmla="*/ 2247710 h 2452020"/>
+                  <a:gd name="connsiteX2" fmla="*/ 437197 w 3356800"/>
+                  <a:gd name="connsiteY2" fmla="*/ 1941195 h 2452020"/>
+                  <a:gd name="connsiteX3" fmla="*/ 737140 w 3356800"/>
+                  <a:gd name="connsiteY3" fmla="*/ 1736884 h 2452020"/>
+                  <a:gd name="connsiteX4" fmla="*/ 1031843 w 3356800"/>
+                  <a:gd name="connsiteY4" fmla="*/ 1685068 h 2452020"/>
+                  <a:gd name="connsiteX5" fmla="*/ 1287304 w 3356800"/>
+                  <a:gd name="connsiteY5" fmla="*/ 1655826 h 2452020"/>
+                  <a:gd name="connsiteX6" fmla="*/ 1471994 w 3356800"/>
+                  <a:gd name="connsiteY6" fmla="*/ 1634300 h 2452020"/>
+                  <a:gd name="connsiteX7" fmla="*/ 1898237 w 3356800"/>
+                  <a:gd name="connsiteY7" fmla="*/ 1512665 h 2452020"/>
+                  <a:gd name="connsiteX8" fmla="*/ 2229136 w 3356800"/>
+                  <a:gd name="connsiteY8" fmla="*/ 1355598 h 2452020"/>
+                  <a:gd name="connsiteX9" fmla="*/ 2512314 w 3356800"/>
+                  <a:gd name="connsiteY9" fmla="*/ 1238631 h 2452020"/>
+                  <a:gd name="connsiteX10" fmla="*/ 2758535 w 3356800"/>
+                  <a:gd name="connsiteY10" fmla="*/ 1096994 h 2452020"/>
+                  <a:gd name="connsiteX11" fmla="*/ 2935510 w 3356800"/>
+                  <a:gd name="connsiteY11" fmla="*/ 919925 h 2452020"/>
+                  <a:gd name="connsiteX12" fmla="*/ 3081719 w 3356800"/>
+                  <a:gd name="connsiteY12" fmla="*/ 687419 h 2452020"/>
+                  <a:gd name="connsiteX13" fmla="*/ 3356800 w 3356800"/>
+                  <a:gd name="connsiteY13" fmla="*/ 0 h 2452020"/>
+                </a:gdLst>
+                <a:ahLst/>
+                <a:cxnLst>
+                  <a:cxn ang="0">
+                    <a:pos x="connsiteX0" y="connsiteY0"/>
+                  </a:cxn>
+                  <a:cxn ang="0">
+                    <a:pos x="connsiteX1" y="connsiteY1"/>
+                  </a:cxn>
+                  <a:cxn ang="0">
+                    <a:pos x="connsiteX2" y="connsiteY2"/>
+                  </a:cxn>
+                  <a:cxn ang="0">
+                    <a:pos x="connsiteX3" y="connsiteY3"/>
+                  </a:cxn>
+                  <a:cxn ang="0">
+                    <a:pos x="connsiteX4" y="connsiteY4"/>
+                  </a:cxn>
+                  <a:cxn ang="0">
+                    <a:pos x="connsiteX5" y="connsiteY5"/>
+                  </a:cxn>
+                  <a:cxn ang="0">
+                    <a:pos x="connsiteX6" y="connsiteY6"/>
+                  </a:cxn>
+                  <a:cxn ang="0">
+                    <a:pos x="connsiteX7" y="connsiteY7"/>
+                  </a:cxn>
+                  <a:cxn ang="0">
+                    <a:pos x="connsiteX8" y="connsiteY8"/>
+                  </a:cxn>
+                  <a:cxn ang="0">
+                    <a:pos x="connsiteX9" y="connsiteY9"/>
+                  </a:cxn>
+                  <a:cxn ang="0">
+                    <a:pos x="connsiteX10" y="connsiteY10"/>
+                  </a:cxn>
+                  <a:cxn ang="0">
+                    <a:pos x="connsiteX11" y="connsiteY11"/>
+                  </a:cxn>
+                  <a:cxn ang="0">
+                    <a:pos x="connsiteX12" y="connsiteY12"/>
+                  </a:cxn>
+                  <a:cxn ang="0">
+                    <a:pos x="connsiteX13" y="connsiteY13"/>
+                  </a:cxn>
+                </a:cxnLst>
+                <a:rect l="l" t="t" r="r" b="b"/>
+                <a:pathLst>
+                  <a:path w="3356800" h="2452020">
+                    <a:moveTo>
+                      <a:pt x="0" y="2452021"/>
+                    </a:moveTo>
+                    <a:cubicBezTo>
+                      <a:pt x="0" y="2452021"/>
+                      <a:pt x="57150" y="2344198"/>
+                      <a:pt x="130874" y="2247710"/>
+                    </a:cubicBezTo>
+                    <a:cubicBezTo>
+                      <a:pt x="218694" y="2132648"/>
+                      <a:pt x="328136" y="2036635"/>
+                      <a:pt x="437197" y="1941195"/>
+                    </a:cubicBezTo>
+                    <a:cubicBezTo>
+                      <a:pt x="529304" y="1860709"/>
+                      <a:pt x="623030" y="1779556"/>
+                      <a:pt x="737140" y="1736884"/>
+                    </a:cubicBezTo>
+                    <a:cubicBezTo>
+                      <a:pt x="830866" y="1701736"/>
+                      <a:pt x="932021" y="1695450"/>
+                      <a:pt x="1031843" y="1685068"/>
+                    </a:cubicBezTo>
+                    <a:cubicBezTo>
+                      <a:pt x="1117092" y="1676210"/>
+                      <a:pt x="1202055" y="1665160"/>
+                      <a:pt x="1287304" y="1655826"/>
+                    </a:cubicBezTo>
+                    <a:cubicBezTo>
+                      <a:pt x="1348931" y="1649063"/>
+                      <a:pt x="1410653" y="1643539"/>
+                      <a:pt x="1471994" y="1634300"/>
+                    </a:cubicBezTo>
+                    <a:cubicBezTo>
+                      <a:pt x="1618679" y="1612011"/>
+                      <a:pt x="1761935" y="1571149"/>
+                      <a:pt x="1898237" y="1512665"/>
+                    </a:cubicBezTo>
+                    <a:cubicBezTo>
+                      <a:pt x="2010442" y="1464564"/>
+                      <a:pt x="2117503" y="1405128"/>
+                      <a:pt x="2229136" y="1355598"/>
+                    </a:cubicBezTo>
+                    <a:cubicBezTo>
+                      <a:pt x="2322481" y="1314164"/>
+                      <a:pt x="2418969" y="1280160"/>
+                      <a:pt x="2512314" y="1238631"/>
+                    </a:cubicBezTo>
+                    <a:cubicBezTo>
+                      <a:pt x="2599087" y="1199960"/>
+                      <a:pt x="2683193" y="1154811"/>
+                      <a:pt x="2758535" y="1096994"/>
+                    </a:cubicBezTo>
+                    <a:cubicBezTo>
+                      <a:pt x="2825020" y="1046035"/>
+                      <a:pt x="2883789" y="985837"/>
+                      <a:pt x="2935510" y="919925"/>
+                    </a:cubicBezTo>
+                    <a:cubicBezTo>
+                      <a:pt x="2992184" y="847725"/>
+                      <a:pt x="3039904" y="769144"/>
+                      <a:pt x="3081719" y="687419"/>
+                    </a:cubicBezTo>
+                    <a:cubicBezTo>
+                      <a:pt x="3138297" y="576739"/>
+                      <a:pt x="3314129" y="116776"/>
+                      <a:pt x="3356800" y="0"/>
+                    </a:cubicBezTo>
+                  </a:path>
+                </a:pathLst>
+              </a:custGeom>
+              <a:noFill/>
+              <a:ln w="9525" cap="rnd">
+                <a:solidFill>
+                  <a:schemeClr val="accent2">
+                    <a:alpha val="35000"/>
+                  </a:schemeClr>
+                </a:solidFill>
+                <a:prstDash val="lgDash"/>
+                <a:round/>
+              </a:ln>
+            </p:spPr>
+            <p:txBody>
+              <a:bodyPr rtlCol="0" anchor="ctr"/>
+              <a:lstStyle>
+                <a:defPPr>
+                  <a:defRPr lang="en-US"/>
+                </a:defPPr>
+                <a:lvl1pPr marL="0" algn="l" defTabSz="914400" rtl="0" eaLnBrk="1" latinLnBrk="0" hangingPunct="1">
+                  <a:defRPr sz="1800" kern="1200">
+                    <a:solidFill>
+                      <a:schemeClr val="tx1"/>
+                    </a:solidFill>
+                    <a:latin typeface="+mn-lt"/>
+                    <a:ea typeface="+mn-ea"/>
+                    <a:cs typeface="+mn-cs"/>
+                  </a:defRPr>
+                </a:lvl1pPr>
+                <a:lvl2pPr marL="457200" algn="l" defTabSz="914400" rtl="0" eaLnBrk="1" latinLnBrk="0" hangingPunct="1">
+                  <a:defRPr sz="1800" kern="1200">
+                    <a:solidFill>
+                      <a:schemeClr val="tx1"/>
+                    </a:solidFill>
+                    <a:latin typeface="+mn-lt"/>
+                    <a:ea typeface="+mn-ea"/>
+                    <a:cs typeface="+mn-cs"/>
+                  </a:defRPr>
+                </a:lvl2pPr>
+                <a:lvl3pPr marL="914400" algn="l" defTabSz="914400" rtl="0" eaLnBrk="1" latinLnBrk="0" hangingPunct="1">
+                  <a:defRPr sz="1800" kern="1200">
+                    <a:solidFill>
+                      <a:schemeClr val="tx1"/>
+                    </a:solidFill>
+                    <a:latin typeface="+mn-lt"/>
+                    <a:ea typeface="+mn-ea"/>
+                    <a:cs typeface="+mn-cs"/>
+                  </a:defRPr>
+                </a:lvl3pPr>
+                <a:lvl4pPr marL="1371600" algn="l" defTabSz="914400" rtl="0" eaLnBrk="1" latinLnBrk="0" hangingPunct="1">
+                  <a:defRPr sz="1800" kern="1200">
+                    <a:solidFill>
+                      <a:schemeClr val="tx1"/>
+                    </a:solidFill>
+                    <a:latin typeface="+mn-lt"/>
+                    <a:ea typeface="+mn-ea"/>
+                    <a:cs typeface="+mn-cs"/>
+                  </a:defRPr>
+                </a:lvl4pPr>
+                <a:lvl5pPr marL="1828800" algn="l" defTabSz="914400" rtl="0" eaLnBrk="1" latinLnBrk="0" hangingPunct="1">
+                  <a:defRPr sz="1800" kern="1200">
+                    <a:solidFill>
+                      <a:schemeClr val="tx1"/>
+                    </a:solidFill>
+                    <a:latin typeface="+mn-lt"/>
+                    <a:ea typeface="+mn-ea"/>
+                    <a:cs typeface="+mn-cs"/>
+                  </a:defRPr>
+                </a:lvl5pPr>
+                <a:lvl6pPr marL="2286000" algn="l" defTabSz="914400" rtl="0" eaLnBrk="1" latinLnBrk="0" hangingPunct="1">
+                  <a:defRPr sz="1800" kern="1200">
+                    <a:solidFill>
+                      <a:schemeClr val="tx1"/>
+                    </a:solidFill>
+                    <a:latin typeface="+mn-lt"/>
+                    <a:ea typeface="+mn-ea"/>
+                    <a:cs typeface="+mn-cs"/>
+                  </a:defRPr>
+                </a:lvl6pPr>
+                <a:lvl7pPr marL="2743200" algn="l" defTabSz="914400" rtl="0" eaLnBrk="1" latinLnBrk="0" hangingPunct="1">
+                  <a:defRPr sz="1800" kern="1200">
+                    <a:solidFill>
+                      <a:schemeClr val="tx1"/>
+                    </a:solidFill>
+                    <a:latin typeface="+mn-lt"/>
+                    <a:ea typeface="+mn-ea"/>
+                    <a:cs typeface="+mn-cs"/>
+                  </a:defRPr>
+                </a:lvl7pPr>
+                <a:lvl8pPr marL="3200400" algn="l" defTabSz="914400" rtl="0" eaLnBrk="1" latinLnBrk="0" hangingPunct="1">
+                  <a:defRPr sz="1800" kern="1200">
+                    <a:solidFill>
+                      <a:schemeClr val="tx1"/>
+                    </a:solidFill>
+                    <a:latin typeface="+mn-lt"/>
+                    <a:ea typeface="+mn-ea"/>
+                    <a:cs typeface="+mn-cs"/>
+                  </a:defRPr>
+                </a:lvl8pPr>
+                <a:lvl9pPr marL="3657600" algn="l" defTabSz="914400" rtl="0" eaLnBrk="1" latinLnBrk="0" hangingPunct="1">
+                  <a:defRPr sz="1800" kern="1200">
+                    <a:solidFill>
+                      <a:schemeClr val="tx1"/>
+                    </a:solidFill>
+                    <a:latin typeface="+mn-lt"/>
+                    <a:ea typeface="+mn-ea"/>
+                    <a:cs typeface="+mn-cs"/>
+                  </a:defRPr>
+                </a:lvl9pPr>
+              </a:lstStyle>
+              <a:p>
+                <a:endParaRPr lang="en-US"/>
+              </a:p>
+            </p:txBody>
+          </p:sp>
+        </p:grpSp>
+        <p:sp>
+          <p:nvSpPr>
+            <p:cNvPr id="27" name="Freeform: Shape 26">
+              <a:extLst>
+                <a:ext uri="{FF2B5EF4-FFF2-40B4-BE49-F238E27FC236}">
+                  <a16:creationId xmlns:a16="http://schemas.microsoft.com/office/drawing/2014/main" id="{10388060-18B7-4BD6-A3C5-F6B8E1467ECA}"/>
+                </a:ext>
+                <a:ext uri="{C183D7F6-B498-43B3-948B-1728B52AA6E4}">
+                  <adec:decorative xmlns:adec="http://schemas.microsoft.com/office/drawing/2017/decorative" val="1"/>
+                </a:ext>
+              </a:extLst>
+            </p:cNvPr>
+            <p:cNvSpPr/>
+            <p:nvPr>
+              <p:extLst>
+                <p:ext uri="{386F3935-93C4-4BCD-93E2-E3B085C9AB24}">
+                  <p16:designElem xmlns:p16="http://schemas.microsoft.com/office/powerpoint/2015/main" val="1"/>
+                </p:ext>
+              </p:extLst>
+            </p:nvPr>
+          </p:nvSpPr>
+          <p:spPr>
+            <a:xfrm>
+              <a:off x="7980400" y="5197178"/>
+              <a:ext cx="4211600" cy="1660822"/>
+            </a:xfrm>
+            <a:custGeom>
+              <a:avLst/>
+              <a:gdLst>
+                <a:gd name="connsiteX0" fmla="*/ 4211600 w 4211600"/>
+                <a:gd name="connsiteY0" fmla="*/ 0 h 1660822"/>
+                <a:gd name="connsiteX1" fmla="*/ 4211600 w 4211600"/>
+                <a:gd name="connsiteY1" fmla="*/ 58430 h 1660822"/>
+                <a:gd name="connsiteX2" fmla="*/ 4136524 w 4211600"/>
+                <a:gd name="connsiteY2" fmla="*/ 208808 h 1660822"/>
+                <a:gd name="connsiteX3" fmla="*/ 3973354 w 4211600"/>
+                <a:gd name="connsiteY3" fmla="*/ 437313 h 1660822"/>
+                <a:gd name="connsiteX4" fmla="*/ 3884746 w 4211600"/>
+                <a:gd name="connsiteY4" fmla="*/ 553613 h 1660822"/>
+                <a:gd name="connsiteX5" fmla="*/ 3849435 w 4211600"/>
+                <a:gd name="connsiteY5" fmla="*/ 603143 h 1660822"/>
+                <a:gd name="connsiteX6" fmla="*/ 3661849 w 4211600"/>
+                <a:gd name="connsiteY6" fmla="*/ 819075 h 1660822"/>
+                <a:gd name="connsiteX7" fmla="*/ 3402589 w 4211600"/>
+                <a:gd name="connsiteY7" fmla="*/ 952996 h 1660822"/>
+                <a:gd name="connsiteX8" fmla="*/ 3130202 w 4211600"/>
+                <a:gd name="connsiteY8" fmla="*/ 1023386 h 1660822"/>
+                <a:gd name="connsiteX9" fmla="*/ 2914657 w 4211600"/>
+                <a:gd name="connsiteY9" fmla="*/ 1068058 h 1660822"/>
+                <a:gd name="connsiteX10" fmla="*/ 2582149 w 4211600"/>
+                <a:gd name="connsiteY10" fmla="*/ 1138924 h 1660822"/>
+                <a:gd name="connsiteX11" fmla="*/ 2483958 w 4211600"/>
+                <a:gd name="connsiteY11" fmla="*/ 1162356 h 1660822"/>
+                <a:gd name="connsiteX12" fmla="*/ 2123750 w 4211600"/>
+                <a:gd name="connsiteY12" fmla="*/ 1238651 h 1660822"/>
+                <a:gd name="connsiteX13" fmla="*/ 1761444 w 4211600"/>
+                <a:gd name="connsiteY13" fmla="*/ 1273417 h 1660822"/>
+                <a:gd name="connsiteX14" fmla="*/ 1608382 w 4211600"/>
+                <a:gd name="connsiteY14" fmla="*/ 1284466 h 1660822"/>
+                <a:gd name="connsiteX15" fmla="*/ 999942 w 4211600"/>
+                <a:gd name="connsiteY15" fmla="*/ 1354284 h 1660822"/>
+                <a:gd name="connsiteX16" fmla="*/ 484705 w 4211600"/>
+                <a:gd name="connsiteY16" fmla="*/ 1450487 h 1660822"/>
+                <a:gd name="connsiteX17" fmla="*/ 113310 w 4211600"/>
+                <a:gd name="connsiteY17" fmla="*/ 1613700 h 1660822"/>
+                <a:gd name="connsiteX18" fmla="*/ 39668 w 4211600"/>
+                <a:gd name="connsiteY18" fmla="*/ 1660822 h 1660822"/>
+                <a:gd name="connsiteX19" fmla="*/ 0 w 4211600"/>
+                <a:gd name="connsiteY19" fmla="*/ 1660822 h 1660822"/>
+                <a:gd name="connsiteX20" fmla="*/ 96701 w 4211600"/>
+                <a:gd name="connsiteY20" fmla="*/ 1598934 h 1660822"/>
+                <a:gd name="connsiteX21" fmla="*/ 474335 w 4211600"/>
+                <a:gd name="connsiteY21" fmla="*/ 1433056 h 1660822"/>
+                <a:gd name="connsiteX22" fmla="*/ 994299 w 4211600"/>
+                <a:gd name="connsiteY22" fmla="*/ 1335806 h 1660822"/>
+                <a:gd name="connsiteX23" fmla="*/ 1605231 w 4211600"/>
+                <a:gd name="connsiteY23" fmla="*/ 1265702 h 1660822"/>
+                <a:gd name="connsiteX24" fmla="*/ 1758819 w 4211600"/>
+                <a:gd name="connsiteY24" fmla="*/ 1254558 h 1660822"/>
+                <a:gd name="connsiteX25" fmla="*/ 2118106 w 4211600"/>
+                <a:gd name="connsiteY25" fmla="*/ 1220077 h 1660822"/>
+                <a:gd name="connsiteX26" fmla="*/ 2475557 w 4211600"/>
+                <a:gd name="connsiteY26" fmla="*/ 1144353 h 1660822"/>
+                <a:gd name="connsiteX27" fmla="*/ 2573878 w 4211600"/>
+                <a:gd name="connsiteY27" fmla="*/ 1120827 h 1660822"/>
+                <a:gd name="connsiteX28" fmla="*/ 2907437 w 4211600"/>
+                <a:gd name="connsiteY28" fmla="*/ 1049675 h 1660822"/>
+                <a:gd name="connsiteX29" fmla="*/ 3122589 w 4211600"/>
+                <a:gd name="connsiteY29" fmla="*/ 1005098 h 1660822"/>
+                <a:gd name="connsiteX30" fmla="*/ 3391169 w 4211600"/>
+                <a:gd name="connsiteY30" fmla="*/ 935756 h 1660822"/>
+                <a:gd name="connsiteX31" fmla="*/ 3642290 w 4211600"/>
+                <a:gd name="connsiteY31" fmla="*/ 806216 h 1660822"/>
+                <a:gd name="connsiteX32" fmla="*/ 3825937 w 4211600"/>
+                <a:gd name="connsiteY32" fmla="*/ 594475 h 1660822"/>
+                <a:gd name="connsiteX33" fmla="*/ 3861381 w 4211600"/>
+                <a:gd name="connsiteY33" fmla="*/ 544755 h 1660822"/>
+                <a:gd name="connsiteX34" fmla="*/ 3950381 w 4211600"/>
+                <a:gd name="connsiteY34" fmla="*/ 427978 h 1660822"/>
+                <a:gd name="connsiteX35" fmla="*/ 4112370 w 4211600"/>
+                <a:gd name="connsiteY35" fmla="*/ 201378 h 1660822"/>
+                <a:gd name="connsiteX36" fmla="*/ 4195989 w 4211600"/>
+                <a:gd name="connsiteY36" fmla="*/ 33834 h 1660822"/>
+              </a:gdLst>
+              <a:ahLst/>
+              <a:cxnLst>
+                <a:cxn ang="0">
+                  <a:pos x="connsiteX0" y="connsiteY0"/>
+                </a:cxn>
+                <a:cxn ang="0">
+                  <a:pos x="connsiteX1" y="connsiteY1"/>
+                </a:cxn>
+                <a:cxn ang="0">
+                  <a:pos x="connsiteX2" y="connsiteY2"/>
+                </a:cxn>
+                <a:cxn ang="0">
+                  <a:pos x="connsiteX3" y="connsiteY3"/>
+                </a:cxn>
+                <a:cxn ang="0">
+                  <a:pos x="connsiteX4" y="connsiteY4"/>
+                </a:cxn>
+                <a:cxn ang="0">
+                  <a:pos x="connsiteX5" y="connsiteY5"/>
+                </a:cxn>
+                <a:cxn ang="0">
+                  <a:pos x="connsiteX6" y="connsiteY6"/>
+                </a:cxn>
+                <a:cxn ang="0">
+                  <a:pos x="connsiteX7" y="connsiteY7"/>
+                </a:cxn>
+                <a:cxn ang="0">
+                  <a:pos x="connsiteX8" y="connsiteY8"/>
+                </a:cxn>
+                <a:cxn ang="0">
+                  <a:pos x="connsiteX9" y="connsiteY9"/>
+                </a:cxn>
+                <a:cxn ang="0">
+                  <a:pos x="connsiteX10" y="connsiteY10"/>
+                </a:cxn>
+                <a:cxn ang="0">
+                  <a:pos x="connsiteX11" y="connsiteY11"/>
+                </a:cxn>
+                <a:cxn ang="0">
+                  <a:pos x="connsiteX12" y="connsiteY12"/>
+                </a:cxn>
+                <a:cxn ang="0">
+                  <a:pos x="connsiteX13" y="connsiteY13"/>
+                </a:cxn>
+                <a:cxn ang="0">
+                  <a:pos x="connsiteX14" y="connsiteY14"/>
+                </a:cxn>
+                <a:cxn ang="0">
+                  <a:pos x="connsiteX15" y="connsiteY15"/>
+                </a:cxn>
+                <a:cxn ang="0">
+                  <a:pos x="connsiteX16" y="connsiteY16"/>
+                </a:cxn>
+                <a:cxn ang="0">
+                  <a:pos x="connsiteX17" y="connsiteY17"/>
+                </a:cxn>
+                <a:cxn ang="0">
+                  <a:pos x="connsiteX18" y="connsiteY18"/>
+                </a:cxn>
+                <a:cxn ang="0">
+                  <a:pos x="connsiteX19" y="connsiteY19"/>
+                </a:cxn>
+                <a:cxn ang="0">
+                  <a:pos x="connsiteX20" y="connsiteY20"/>
+                </a:cxn>
+                <a:cxn ang="0">
+                  <a:pos x="connsiteX21" y="connsiteY21"/>
+                </a:cxn>
+                <a:cxn ang="0">
+                  <a:pos x="connsiteX22" y="connsiteY22"/>
+                </a:cxn>
+                <a:cxn ang="0">
+                  <a:pos x="connsiteX23" y="connsiteY23"/>
+                </a:cxn>
+                <a:cxn ang="0">
+                  <a:pos x="connsiteX24" y="connsiteY24"/>
+                </a:cxn>
+                <a:cxn ang="0">
+                  <a:pos x="connsiteX25" y="connsiteY25"/>
+                </a:cxn>
+                <a:cxn ang="0">
+                  <a:pos x="connsiteX26" y="connsiteY26"/>
+                </a:cxn>
+                <a:cxn ang="0">
+                  <a:pos x="connsiteX27" y="connsiteY27"/>
+                </a:cxn>
+                <a:cxn ang="0">
+                  <a:pos x="connsiteX28" y="connsiteY28"/>
+                </a:cxn>
+                <a:cxn ang="0">
+                  <a:pos x="connsiteX29" y="connsiteY29"/>
+                </a:cxn>
+                <a:cxn ang="0">
+                  <a:pos x="connsiteX30" y="connsiteY30"/>
+                </a:cxn>
+                <a:cxn ang="0">
+                  <a:pos x="connsiteX31" y="connsiteY31"/>
+                </a:cxn>
+                <a:cxn ang="0">
+                  <a:pos x="connsiteX32" y="connsiteY32"/>
+                </a:cxn>
+                <a:cxn ang="0">
+                  <a:pos x="connsiteX33" y="connsiteY33"/>
+                </a:cxn>
+                <a:cxn ang="0">
+                  <a:pos x="connsiteX34" y="connsiteY34"/>
+                </a:cxn>
+                <a:cxn ang="0">
+                  <a:pos x="connsiteX35" y="connsiteY35"/>
+                </a:cxn>
+                <a:cxn ang="0">
+                  <a:pos x="connsiteX36" y="connsiteY36"/>
+                </a:cxn>
+              </a:cxnLst>
+              <a:rect l="l" t="t" r="r" b="b"/>
+              <a:pathLst>
+                <a:path w="4211600" h="1660822">
+                  <a:moveTo>
+                    <a:pt x="4211600" y="0"/>
+                  </a:moveTo>
+                  <a:lnTo>
+                    <a:pt x="4211600" y="58430"/>
+                  </a:lnTo>
+                  <a:lnTo>
+                    <a:pt x="4136524" y="208808"/>
+                  </a:lnTo>
+                  <a:cubicBezTo>
+                    <a:pt x="4089791" y="287770"/>
+                    <a:pt x="4030588" y="363780"/>
+                    <a:pt x="3973354" y="437313"/>
+                  </a:cubicBezTo>
+                  <a:cubicBezTo>
+                    <a:pt x="3943819" y="475222"/>
+                    <a:pt x="3913231" y="514465"/>
+                    <a:pt x="3884746" y="553613"/>
+                  </a:cubicBezTo>
+                  <a:cubicBezTo>
+                    <a:pt x="3872801" y="569996"/>
+                    <a:pt x="3861119" y="586569"/>
+                    <a:pt x="3849435" y="603143"/>
+                  </a:cubicBezTo>
+                  <a:cubicBezTo>
+                    <a:pt x="3796665" y="678009"/>
+                    <a:pt x="3742187" y="755352"/>
+                    <a:pt x="3661849" y="819075"/>
+                  </a:cubicBezTo>
+                  <a:cubicBezTo>
+                    <a:pt x="3596214" y="871176"/>
+                    <a:pt x="3509050" y="916230"/>
+                    <a:pt x="3402589" y="952996"/>
+                  </a:cubicBezTo>
+                  <a:cubicBezTo>
+                    <a:pt x="3312406" y="984048"/>
+                    <a:pt x="3215660" y="1005003"/>
+                    <a:pt x="3130202" y="1023386"/>
+                  </a:cubicBezTo>
+                  <a:cubicBezTo>
+                    <a:pt x="3058529" y="1038816"/>
+                    <a:pt x="2985412" y="1053675"/>
+                    <a:pt x="2914657" y="1068058"/>
+                  </a:cubicBezTo>
+                  <a:cubicBezTo>
+                    <a:pt x="2805176" y="1090251"/>
+                    <a:pt x="2692021" y="1113207"/>
+                    <a:pt x="2582149" y="1138924"/>
+                  </a:cubicBezTo>
+                  <a:cubicBezTo>
+                    <a:pt x="2549330" y="1146639"/>
+                    <a:pt x="2516644" y="1154450"/>
+                    <a:pt x="2483958" y="1162356"/>
+                  </a:cubicBezTo>
+                  <a:cubicBezTo>
+                    <a:pt x="2367257" y="1190550"/>
+                    <a:pt x="2246621" y="1219601"/>
+                    <a:pt x="2123750" y="1238651"/>
+                  </a:cubicBezTo>
+                  <a:cubicBezTo>
+                    <a:pt x="2004294" y="1257129"/>
+                    <a:pt x="1880769" y="1265416"/>
+                    <a:pt x="1761444" y="1273417"/>
+                  </a:cubicBezTo>
+                  <a:cubicBezTo>
+                    <a:pt x="1711167" y="1276751"/>
+                    <a:pt x="1659184" y="1280275"/>
+                    <a:pt x="1608382" y="1284466"/>
+                  </a:cubicBezTo>
+                  <a:cubicBezTo>
+                    <a:pt x="1408589" y="1300944"/>
+                    <a:pt x="1214570" y="1325805"/>
+                    <a:pt x="999942" y="1354284"/>
+                  </a:cubicBezTo>
+                  <a:cubicBezTo>
+                    <a:pt x="826403" y="1377240"/>
+                    <a:pt x="647744" y="1400957"/>
+                    <a:pt x="484705" y="1450487"/>
+                  </a:cubicBezTo>
+                  <a:cubicBezTo>
+                    <a:pt x="355831" y="1489635"/>
+                    <a:pt x="231387" y="1544374"/>
+                    <a:pt x="113310" y="1613700"/>
+                  </a:cubicBezTo>
+                  <a:lnTo>
+                    <a:pt x="39668" y="1660822"/>
+                  </a:lnTo>
+                  <a:lnTo>
+                    <a:pt x="0" y="1660822"/>
+                  </a:lnTo>
+                  <a:lnTo>
+                    <a:pt x="96701" y="1598934"/>
+                  </a:lnTo>
+                  <a:cubicBezTo>
+                    <a:pt x="216635" y="1528533"/>
+                    <a:pt x="343196" y="1472919"/>
+                    <a:pt x="474335" y="1433056"/>
+                  </a:cubicBezTo>
+                  <a:cubicBezTo>
+                    <a:pt x="639999" y="1382669"/>
+                    <a:pt x="820102" y="1358856"/>
+                    <a:pt x="994299" y="1335806"/>
+                  </a:cubicBezTo>
+                  <a:cubicBezTo>
+                    <a:pt x="1210239" y="1307231"/>
+                    <a:pt x="1404650" y="1282275"/>
+                    <a:pt x="1605231" y="1265702"/>
+                  </a:cubicBezTo>
+                  <a:cubicBezTo>
+                    <a:pt x="1656428" y="1261511"/>
+                    <a:pt x="1708411" y="1257987"/>
+                    <a:pt x="1758819" y="1254558"/>
+                  </a:cubicBezTo>
+                  <a:cubicBezTo>
+                    <a:pt x="1877487" y="1246557"/>
+                    <a:pt x="2000094" y="1238365"/>
+                    <a:pt x="2118106" y="1220077"/>
+                  </a:cubicBezTo>
+                  <a:cubicBezTo>
+                    <a:pt x="2239531" y="1201313"/>
+                    <a:pt x="2359513" y="1172357"/>
+                    <a:pt x="2475557" y="1144353"/>
+                  </a:cubicBezTo>
+                  <a:cubicBezTo>
+                    <a:pt x="2508243" y="1136448"/>
+                    <a:pt x="2541060" y="1128542"/>
+                    <a:pt x="2573878" y="1120827"/>
+                  </a:cubicBezTo>
+                  <a:cubicBezTo>
+                    <a:pt x="2684276" y="1094919"/>
+                    <a:pt x="2797694" y="1071963"/>
+                    <a:pt x="2907437" y="1049675"/>
+                  </a:cubicBezTo>
+                  <a:cubicBezTo>
+                    <a:pt x="2978061" y="1035387"/>
+                    <a:pt x="3051178" y="1020528"/>
+                    <a:pt x="3122589" y="1005098"/>
+                  </a:cubicBezTo>
+                  <a:cubicBezTo>
+                    <a:pt x="3206997" y="986810"/>
+                    <a:pt x="3302823" y="966141"/>
+                    <a:pt x="3391169" y="935756"/>
+                  </a:cubicBezTo>
+                  <a:cubicBezTo>
+                    <a:pt x="3494479" y="900132"/>
+                    <a:pt x="3578886" y="856508"/>
+                    <a:pt x="3642290" y="806216"/>
+                  </a:cubicBezTo>
+                  <a:cubicBezTo>
+                    <a:pt x="3720133" y="744303"/>
+                    <a:pt x="3773953" y="668103"/>
+                    <a:pt x="3825937" y="594475"/>
+                  </a:cubicBezTo>
+                  <a:cubicBezTo>
+                    <a:pt x="3837621" y="577902"/>
+                    <a:pt x="3849435" y="561233"/>
+                    <a:pt x="3861381" y="544755"/>
+                  </a:cubicBezTo>
+                  <a:cubicBezTo>
+                    <a:pt x="3889997" y="505416"/>
+                    <a:pt x="3920715" y="465983"/>
+                    <a:pt x="3950381" y="427978"/>
+                  </a:cubicBezTo>
+                  <a:cubicBezTo>
+                    <a:pt x="4007353" y="354921"/>
+                    <a:pt x="4066163" y="279388"/>
+                    <a:pt x="4112370" y="201378"/>
+                  </a:cubicBezTo>
+                  <a:cubicBezTo>
+                    <a:pt x="4144662" y="146800"/>
+                    <a:pt x="4170785" y="89364"/>
+                    <a:pt x="4195989" y="33834"/>
+                  </a:cubicBezTo>
+                  <a:close/>
+                </a:path>
+              </a:pathLst>
+            </a:custGeom>
+            <a:solidFill>
+              <a:schemeClr val="accent1"/>
+            </a:solidFill>
+            <a:ln>
+              <a:noFill/>
+            </a:ln>
+          </p:spPr>
+          <p:style>
+            <a:lnRef idx="2">
+              <a:schemeClr val="accent1">
+                <a:shade val="50000"/>
+              </a:schemeClr>
+            </a:lnRef>
+            <a:fillRef idx="1">
+              <a:schemeClr val="accent1"/>
+            </a:fillRef>
+            <a:effectRef idx="0">
+              <a:schemeClr val="accent1"/>
+            </a:effectRef>
+            <a:fontRef idx="minor">
+              <a:schemeClr val="lt1"/>
+            </a:fontRef>
+          </p:style>
+          <p:txBody>
+            <a:bodyPr wrap="square" rtlCol="0" anchor="ctr">
+              <a:noAutofit/>
+            </a:bodyPr>
+            <a:lstStyle>
+              <a:defPPr>
+                <a:defRPr lang="en-US"/>
+              </a:defPPr>
+              <a:lvl1pPr marL="0" algn="l" defTabSz="914400" rtl="0" eaLnBrk="1" latinLnBrk="0" hangingPunct="1">
+                <a:defRPr sz="1800" kern="1200">
+                  <a:solidFill>
+                    <a:schemeClr val="lt1"/>
+                  </a:solidFill>
+                  <a:latin typeface="+mn-lt"/>
+                  <a:ea typeface="+mn-ea"/>
+                  <a:cs typeface="+mn-cs"/>
+                </a:defRPr>
+              </a:lvl1pPr>
+              <a:lvl2pPr marL="457200" algn="l" defTabSz="914400" rtl="0" eaLnBrk="1" latinLnBrk="0" hangingPunct="1">
+                <a:defRPr sz="1800" kern="1200">
+                  <a:solidFill>
+                    <a:schemeClr val="lt1"/>
+                  </a:solidFill>
+                  <a:latin typeface="+mn-lt"/>
+                  <a:ea typeface="+mn-ea"/>
+                  <a:cs typeface="+mn-cs"/>
+                </a:defRPr>
+              </a:lvl2pPr>
+              <a:lvl3pPr marL="914400" algn="l" defTabSz="914400" rtl="0" eaLnBrk="1" latinLnBrk="0" hangingPunct="1">
+                <a:defRPr sz="1800" kern="1200">
+                  <a:solidFill>
+                    <a:schemeClr val="lt1"/>
+                  </a:solidFill>
+                  <a:latin typeface="+mn-lt"/>
+                  <a:ea typeface="+mn-ea"/>
+                  <a:cs typeface="+mn-cs"/>
+                </a:defRPr>
+              </a:lvl3pPr>
+              <a:lvl4pPr marL="1371600" algn="l" defTabSz="914400" rtl="0" eaLnBrk="1" latinLnBrk="0" hangingPunct="1">
+                <a:defRPr sz="1800" kern="1200">
+                  <a:solidFill>
+                    <a:schemeClr val="lt1"/>
+                  </a:solidFill>
+                  <a:latin typeface="+mn-lt"/>
+                  <a:ea typeface="+mn-ea"/>
+                  <a:cs typeface="+mn-cs"/>
+                </a:defRPr>
+              </a:lvl4pPr>
+              <a:lvl5pPr marL="1828800" algn="l" defTabSz="914400" rtl="0" eaLnBrk="1" latinLnBrk="0" hangingPunct="1">
+                <a:defRPr sz="1800" kern="1200">
+                  <a:solidFill>
+                    <a:schemeClr val="lt1"/>
+                  </a:solidFill>
+                  <a:latin typeface="+mn-lt"/>
+                  <a:ea typeface="+mn-ea"/>
+                  <a:cs typeface="+mn-cs"/>
+                </a:defRPr>
+              </a:lvl5pPr>
+              <a:lvl6pPr marL="2286000" algn="l" defTabSz="914400" rtl="0" eaLnBrk="1" latinLnBrk="0" hangingPunct="1">
+                <a:defRPr sz="1800" kern="1200">
+                  <a:solidFill>
+                    <a:schemeClr val="lt1"/>
+                  </a:solidFill>
+                  <a:latin typeface="+mn-lt"/>
+                  <a:ea typeface="+mn-ea"/>
+                  <a:cs typeface="+mn-cs"/>
+                </a:defRPr>
+              </a:lvl6pPr>
+              <a:lvl7pPr marL="2743200" algn="l" defTabSz="914400" rtl="0" eaLnBrk="1" latinLnBrk="0" hangingPunct="1">
+                <a:defRPr sz="1800" kern="1200">
+                  <a:solidFill>
+                    <a:schemeClr val="lt1"/>
+                  </a:solidFill>
+                  <a:latin typeface="+mn-lt"/>
+                  <a:ea typeface="+mn-ea"/>
+                  <a:cs typeface="+mn-cs"/>
+                </a:defRPr>
+              </a:lvl7pPr>
+              <a:lvl8pPr marL="3200400" algn="l" defTabSz="914400" rtl="0" eaLnBrk="1" latinLnBrk="0" hangingPunct="1">
+                <a:defRPr sz="1800" kern="1200">
+                  <a:solidFill>
+                    <a:schemeClr val="lt1"/>
+                  </a:solidFill>
+                  <a:latin typeface="+mn-lt"/>
+                  <a:ea typeface="+mn-ea"/>
+                  <a:cs typeface="+mn-cs"/>
+                </a:defRPr>
+              </a:lvl8pPr>
+              <a:lvl9pPr marL="3657600" algn="l" defTabSz="914400" rtl="0" eaLnBrk="1" latinLnBrk="0" hangingPunct="1">
+                <a:defRPr sz="1800" kern="1200">
+                  <a:solidFill>
+                    <a:schemeClr val="lt1"/>
+                  </a:solidFill>
+                  <a:latin typeface="+mn-lt"/>
+                  <a:ea typeface="+mn-ea"/>
+                  <a:cs typeface="+mn-cs"/>
+                </a:defRPr>
+              </a:lvl9pPr>
+            </a:lstStyle>
+            <a:p>
+              <a:pPr algn="ctr"/>
+              <a:endParaRPr lang="en-US"/>
+            </a:p>
+          </p:txBody>
+        </p:sp>
+      </p:grpSp>
+      <p:graphicFrame>
+        <p:nvGraphicFramePr>
+          <p:cNvPr id="7" name="Rectangle 2">
+            <a:extLst>
+              <a:ext uri="{FF2B5EF4-FFF2-40B4-BE49-F238E27FC236}">
+                <a16:creationId xmlns:a16="http://schemas.microsoft.com/office/drawing/2014/main" id="{EB54E74D-80A9-1189-9890-8E2D3A41E291}"/>
+              </a:ext>
+            </a:extLst>
+          </p:cNvPr>
+          <p:cNvGraphicFramePr>
+            <a:graphicFrameLocks noGrp="1"/>
+          </p:cNvGraphicFramePr>
+          <p:nvPr>
+            <p:ph idx="1"/>
+            <p:extLst>
+              <p:ext uri="{D42A27DB-BD31-4B8C-83A1-F6EECF244321}">
+                <p14:modId xmlns:p14="http://schemas.microsoft.com/office/powerpoint/2010/main" val="947701850"/>
+              </p:ext>
+            </p:extLst>
+          </p:nvPr>
+        </p:nvGraphicFramePr>
+        <p:xfrm>
+          <a:off x="600306" y="1847031"/>
+          <a:ext cx="10982090" cy="4276055"/>
+        </p:xfrm>
+        <a:graphic>
+          <a:graphicData uri="http://schemas.openxmlformats.org/drawingml/2006/diagram">
+            <dgm:relIds xmlns:dgm="http://schemas.openxmlformats.org/drawingml/2006/diagram" xmlns:r="http://schemas.openxmlformats.org/officeDocument/2006/relationships" r:dm="rId2" r:lo="rId3" r:qs="rId4" r:cs="rId5"/>
+          </a:graphicData>
+        </a:graphic>
+      </p:graphicFrame>
+    </p:spTree>
+    <p:extLst>
+      <p:ext uri="{BB962C8B-B14F-4D97-AF65-F5344CB8AC3E}">
+        <p14:creationId xmlns:p14="http://schemas.microsoft.com/office/powerpoint/2010/main" val="1598849106"/>
+      </p:ext>
+    </p:extLst>
+  </p:cSld>
+  <p:clrMapOvr>
+    <a:masterClrMapping/>
+  </p:clrMapOvr>
+</p:sld>
+</file>
+
+<file path=ppt/slides/slide7.xml><?xml version="1.0" encoding="utf-8"?>
+<p:sld xmlns:a="http://schemas.openxmlformats.org/drawingml/2006/main" xmlns:r="http://schemas.openxmlformats.org/officeDocument/2006/relationships" xmlns:p="http://schemas.openxmlformats.org/presentationml/2006/main">
+  <p:cSld>
     <p:spTree>
       <p:nvGrpSpPr>
         <p:cNvPr id="1" name=""/>
@@ -32267,7 +41594,7 @@
 </p:sld>
 </file>
 
-<file path=ppt/slides/slide7.xml><?xml version="1.0" encoding="utf-8"?>
+<file path=ppt/slides/slide8.xml><?xml version="1.0" encoding="utf-8"?>
 <p:sld xmlns:a="http://schemas.openxmlformats.org/drawingml/2006/main" xmlns:r="http://schemas.openxmlformats.org/officeDocument/2006/relationships" xmlns:p="http://schemas.openxmlformats.org/presentationml/2006/main">
   <p:cSld>
     <p:spTree>
@@ -32365,7 +41692,7 @@
 </p:sld>
 </file>
 
-<file path=ppt/slides/slide8.xml><?xml version="1.0" encoding="utf-8"?>
+<file path=ppt/slides/slide9.xml><?xml version="1.0" encoding="utf-8"?>
 <p:sld xmlns:a="http://schemas.openxmlformats.org/drawingml/2006/main" xmlns:r="http://schemas.openxmlformats.org/officeDocument/2006/relationships" xmlns:p="http://schemas.openxmlformats.org/presentationml/2006/main">
   <p:cSld>
     <p:spTree>
@@ -32446,112 +41773,6 @@
     <p:extLst>
       <p:ext uri="{BB962C8B-B14F-4D97-AF65-F5344CB8AC3E}">
         <p14:creationId xmlns:p14="http://schemas.microsoft.com/office/powerpoint/2010/main" val="2273736533"/>
-      </p:ext>
-    </p:extLst>
-  </p:cSld>
-  <p:clrMapOvr>
-    <a:masterClrMapping/>
-  </p:clrMapOvr>
-</p:sld>
-</file>
-
-<file path=ppt/slides/slide9.xml><?xml version="1.0" encoding="utf-8"?>
-<p:sld xmlns:a="http://schemas.openxmlformats.org/drawingml/2006/main" xmlns:r="http://schemas.openxmlformats.org/officeDocument/2006/relationships" xmlns:p="http://schemas.openxmlformats.org/presentationml/2006/main">
-  <p:cSld>
-    <p:spTree>
-      <p:nvGrpSpPr>
-        <p:cNvPr id="1" name=""/>
-        <p:cNvGrpSpPr/>
-        <p:nvPr/>
-      </p:nvGrpSpPr>
-      <p:grpSpPr>
-        <a:xfrm>
-          <a:off x="0" y="0"/>
-          <a:ext cx="0" cy="0"/>
-          <a:chOff x="0" y="0"/>
-          <a:chExt cx="0" cy="0"/>
-        </a:xfrm>
-      </p:grpSpPr>
-      <p:sp>
-        <p:nvSpPr>
-          <p:cNvPr id="2" name="Título 1">
-            <a:extLst>
-              <a:ext uri="{FF2B5EF4-FFF2-40B4-BE49-F238E27FC236}">
-                <a16:creationId xmlns:a16="http://schemas.microsoft.com/office/drawing/2014/main" id="{F584598D-CA49-B17D-5D35-7B42C868BE9E}"/>
-              </a:ext>
-            </a:extLst>
-          </p:cNvPr>
-          <p:cNvSpPr>
-            <a:spLocks noGrp="1"/>
-          </p:cNvSpPr>
-          <p:nvPr>
-            <p:ph type="title"/>
-          </p:nvPr>
-        </p:nvSpPr>
-        <p:spPr/>
-        <p:txBody>
-          <a:bodyPr/>
-          <a:lstStyle/>
-          <a:p>
-            <a:r>
-              <a:rPr lang="es-ES" dirty="0"/>
-              <a:t>Posibilidades de ampliación</a:t>
-            </a:r>
-          </a:p>
-        </p:txBody>
-      </p:sp>
-      <p:sp>
-        <p:nvSpPr>
-          <p:cNvPr id="3" name="Marcador de contenido 2">
-            <a:extLst>
-              <a:ext uri="{FF2B5EF4-FFF2-40B4-BE49-F238E27FC236}">
-                <a16:creationId xmlns:a16="http://schemas.microsoft.com/office/drawing/2014/main" id="{B683210C-BAAD-CFB4-CB4A-73FCC735AD70}"/>
-              </a:ext>
-            </a:extLst>
-          </p:cNvPr>
-          <p:cNvSpPr>
-            <a:spLocks noGrp="1"/>
-          </p:cNvSpPr>
-          <p:nvPr>
-            <p:ph idx="1"/>
-          </p:nvPr>
-        </p:nvSpPr>
-        <p:spPr/>
-        <p:txBody>
-          <a:bodyPr>
-            <a:normAutofit lnSpcReduction="10000"/>
-          </a:bodyPr>
-          <a:lstStyle/>
-          <a:p>
-            <a:r>
-              <a:rPr lang="es-ES" dirty="0"/>
-              <a:t>Añadir una tabla Clubes para que cualquier club pueda hacer el torneo, y que se modifiquen los estilos de la página.</a:t>
-            </a:r>
-          </a:p>
-          <a:p>
-            <a:r>
-              <a:rPr lang="es-ES" dirty="0"/>
-              <a:t>Añadir una tienda, en la cual cuando le des a realizar compra al final del todo, te de una cita y te mande un correo.(no hay envío).</a:t>
-            </a:r>
-          </a:p>
-          <a:p>
-            <a:r>
-              <a:rPr lang="es-ES" dirty="0"/>
-              <a:t>Añadir algo para identificar los goles de cada jugador y las asistencias en tiempo real.</a:t>
-            </a:r>
-          </a:p>
-          <a:p>
-            <a:r>
-              <a:rPr lang="es-ES" dirty="0"/>
-              <a:t>Darle la posibilidad de añadir los goles al partido en tiempo real.</a:t>
-            </a:r>
-          </a:p>
-        </p:txBody>
-      </p:sp>
-    </p:spTree>
-    <p:extLst>
-      <p:ext uri="{BB962C8B-B14F-4D97-AF65-F5344CB8AC3E}">
-        <p14:creationId xmlns:p14="http://schemas.microsoft.com/office/powerpoint/2010/main" val="931273949"/>
       </p:ext>
     </p:extLst>
   </p:cSld>

--- a/PowerPointFinalCurso.pptx
+++ b/PowerPointFinalCurso.pptx
@@ -41560,7 +41560,31 @@
           <a:p>
             <a:r>
               <a:rPr lang="es-ES" dirty="0"/>
-              <a:t>Spring Mail + OGNL.</a:t>
+              <a:t>Spring Mail + OGNL(</a:t>
+            </a:r>
+            <a:r>
+              <a:rPr lang="es-ES" dirty="0" err="1"/>
+              <a:t>Object-Graph</a:t>
+            </a:r>
+            <a:r>
+              <a:rPr lang="es-ES" dirty="0"/>
+              <a:t> </a:t>
+            </a:r>
+            <a:r>
+              <a:rPr lang="es-ES" dirty="0" err="1"/>
+              <a:t>Navigation</a:t>
+            </a:r>
+            <a:r>
+              <a:rPr lang="es-ES" dirty="0"/>
+              <a:t> </a:t>
+            </a:r>
+            <a:r>
+              <a:rPr lang="es-ES" dirty="0" err="1"/>
+              <a:t>Language</a:t>
+            </a:r>
+            <a:r>
+              <a:rPr lang="es-ES" dirty="0"/>
+              <a:t>).</a:t>
             </a:r>
           </a:p>
           <a:p>
